--- a/notes/complexity.pptx
+++ b/notes/complexity.pptx
@@ -5,7 +5,7 @@
     <p:sldMasterId id="2147483648" r:id="rId1"/>
   </p:sldMasterIdLst>
   <p:notesMasterIdLst>
-    <p:notesMasterId r:id="rId13"/>
+    <p:notesMasterId r:id="rId22"/>
   </p:notesMasterIdLst>
   <p:sldIdLst>
     <p:sldId id="256" r:id="rId2"/>
@@ -19,6 +19,15 @@
     <p:sldId id="275" r:id="rId10"/>
     <p:sldId id="273" r:id="rId11"/>
     <p:sldId id="271" r:id="rId12"/>
+    <p:sldId id="281" r:id="rId13"/>
+    <p:sldId id="276" r:id="rId14"/>
+    <p:sldId id="277" r:id="rId15"/>
+    <p:sldId id="278" r:id="rId16"/>
+    <p:sldId id="279" r:id="rId17"/>
+    <p:sldId id="280" r:id="rId18"/>
+    <p:sldId id="284" r:id="rId19"/>
+    <p:sldId id="285" r:id="rId20"/>
+    <p:sldId id="286" r:id="rId21"/>
   </p:sldIdLst>
   <p:sldSz cx="12192000" cy="6858000"/>
   <p:notesSz cx="6858000" cy="9144000"/>
@@ -4033,7 +4042,7 @@
         <p:spPr/>
         <p:txBody>
           <a:bodyPr>
-            <a:normAutofit/>
+            <a:normAutofit lnSpcReduction="10000"/>
           </a:bodyPr>
           <a:lstStyle/>
           <a:p>
@@ -4127,6 +4136,13 @@
             <a:r>
               <a:rPr lang="en-US" dirty="0" smtClean="0"/>
               <a:t> implies O(n^3)</a:t>
+            </a:r>
+          </a:p>
+          <a:p>
+            <a:pPr lvl="1"/>
+            <a:r>
+              <a:rPr lang="en-US" dirty="0" smtClean="0"/>
+              <a:t>T(n) = k implies O(1)</a:t>
             </a:r>
             <a:endParaRPr lang="en-US" dirty="0"/>
           </a:p>
@@ -4180,7 +4196,11 @@
           <a:bodyPr/>
           <a:lstStyle/>
           <a:p>
-            <a:endParaRPr lang="en-US"/>
+            <a:r>
+              <a:rPr lang="en-US" dirty="0" smtClean="0"/>
+              <a:t>Process</a:t>
+            </a:r>
+            <a:endParaRPr lang="en-US" dirty="0"/>
           </a:p>
         </p:txBody>
       </p:sp>
@@ -4200,30 +4220,145 @@
           <a:lstStyle/>
           <a:p>
             <a:r>
+              <a:rPr lang="en-US" dirty="0" smtClean="0"/>
+              <a:t>Identify what we are counting </a:t>
+            </a:r>
+            <a:r>
               <a:rPr lang="en-US" dirty="0"/>
-              <a:t>what are we counting as a unit of work? float ops? comparisons? swaps? touching nodes</a:t>
+              <a:t>as a unit of </a:t>
             </a:r>
             <a:r>
               <a:rPr lang="en-US" dirty="0" smtClean="0"/>
-              <a:t>?</a:t>
+              <a:t>work</a:t>
             </a:r>
           </a:p>
           <a:p>
             <a:r>
               <a:rPr lang="en-US" dirty="0" smtClean="0"/>
-              <a:t>what </a:t>
+              <a:t>Identify </a:t>
             </a:r>
             <a:r>
               <a:rPr lang="en-US" dirty="0"/>
-              <a:t>are the key </a:t>
-            </a:r>
-            <a:r>
-              <a:rPr lang="en-US" dirty="0" err="1"/>
-              <a:t>vars</a:t>
+              <a:t>the </a:t>
+            </a:r>
+            <a:r>
+              <a:rPr lang="en-US" dirty="0" smtClean="0"/>
+              <a:t>key indicator(s) of </a:t>
             </a:r>
             <a:r>
               <a:rPr lang="en-US" dirty="0"/>
-              <a:t> of problem size? n? n, m?</a:t>
+              <a:t>problem </a:t>
+            </a:r>
+            <a:r>
+              <a:rPr lang="en-US" dirty="0" smtClean="0"/>
+              <a:t>size</a:t>
+            </a:r>
+          </a:p>
+          <a:p>
+            <a:pPr lvl="1"/>
+            <a:r>
+              <a:rPr lang="en-US" dirty="0" smtClean="0"/>
+              <a:t>Usually just some size </a:t>
+            </a:r>
+            <a:r>
+              <a:rPr lang="en-US" i="1" dirty="0" smtClean="0"/>
+              <a:t>n</a:t>
+            </a:r>
+            <a:r>
+              <a:rPr lang="en-US" dirty="0" smtClean="0"/>
+              <a:t>, but could be </a:t>
+            </a:r>
+            <a:r>
+              <a:rPr lang="en-US" i="1" dirty="0"/>
+              <a:t>n</a:t>
+            </a:r>
+            <a:r>
+              <a:rPr lang="en-US" dirty="0"/>
+              <a:t>, </a:t>
+            </a:r>
+            <a:r>
+              <a:rPr lang="en-US" i="1" dirty="0" smtClean="0"/>
+              <a:t>m</a:t>
+            </a:r>
+            <a:r>
+              <a:rPr lang="en-US" dirty="0" smtClean="0"/>
+              <a:t> if </a:t>
+            </a:r>
+            <a:r>
+              <a:rPr lang="en-US" i="1" dirty="0" smtClean="0"/>
+              <a:t>n</a:t>
+            </a:r>
+            <a:r>
+              <a:rPr lang="en-US" dirty="0" smtClean="0"/>
+              <a:t> x </a:t>
+            </a:r>
+            <a:r>
+              <a:rPr lang="en-US" i="1" dirty="0" smtClean="0"/>
+              <a:t>m</a:t>
+            </a:r>
+            <a:r>
+              <a:rPr lang="en-US" dirty="0" smtClean="0"/>
+              <a:t> matrix, for example</a:t>
+            </a:r>
+          </a:p>
+          <a:p>
+            <a:pPr lvl="1"/>
+            <a:r>
+              <a:rPr lang="en-US" dirty="0" smtClean="0"/>
+              <a:t>Even for </a:t>
+            </a:r>
+            <a:r>
+              <a:rPr lang="en-US" i="1" dirty="0"/>
+              <a:t>n</a:t>
+            </a:r>
+            <a:r>
+              <a:rPr lang="en-US" dirty="0"/>
+              <a:t> x </a:t>
+            </a:r>
+            <a:r>
+              <a:rPr lang="en-US" i="1" dirty="0" smtClean="0"/>
+              <a:t>m</a:t>
+            </a:r>
+            <a:r>
+              <a:rPr lang="en-US" dirty="0" smtClean="0"/>
+              <a:t>, you could claim worst-case that n is bigger, so </a:t>
+            </a:r>
+            <a:r>
+              <a:rPr lang="en-US" i="1" dirty="0" smtClean="0"/>
+              <a:t>n</a:t>
+            </a:r>
+            <a:r>
+              <a:rPr lang="en-US" dirty="0" smtClean="0"/>
+              <a:t> x </a:t>
+            </a:r>
+            <a:r>
+              <a:rPr lang="en-US" i="1" dirty="0" smtClean="0"/>
+              <a:t>n</a:t>
+            </a:r>
+            <a:r>
+              <a:rPr lang="en-US" dirty="0" smtClean="0"/>
+              <a:t> is input size but we’ll compute complexity as a function of </a:t>
+            </a:r>
+            <a:r>
+              <a:rPr lang="en-US" i="1" dirty="0" smtClean="0"/>
+              <a:t>n</a:t>
+            </a:r>
+          </a:p>
+          <a:p>
+            <a:r>
+              <a:rPr lang="en-US" dirty="0" smtClean="0"/>
+              <a:t>Define T(n) = </a:t>
+            </a:r>
+            <a:r>
+              <a:rPr lang="mr-IN" dirty="0" smtClean="0"/>
+              <a:t>…</a:t>
+            </a:r>
+            <a:endParaRPr lang="en-US" dirty="0" smtClean="0"/>
+          </a:p>
+          <a:p>
+            <a:r>
+              <a:rPr lang="en-US" dirty="0" smtClean="0"/>
+              <a:t>Define O(n) as asymptotic behavior of T(n)</a:t>
             </a:r>
           </a:p>
         </p:txBody>
@@ -4232,6 +4367,4747 @@
     <p:extLst>
       <p:ext uri="{BB962C8B-B14F-4D97-AF65-F5344CB8AC3E}">
         <p14:creationId xmlns:p14="http://schemas.microsoft.com/office/powerpoint/2010/main" val="1716176363"/>
+      </p:ext>
+    </p:extLst>
+  </p:cSld>
+  <p:clrMapOvr>
+    <a:masterClrMapping/>
+  </p:clrMapOvr>
+</p:sld>
+</file>
+
+<file path=ppt/slides/slide12.xml><?xml version="1.0" encoding="utf-8"?>
+<p:sld xmlns:a="http://schemas.openxmlformats.org/drawingml/2006/main" xmlns:r="http://schemas.openxmlformats.org/officeDocument/2006/relationships" xmlns:p="http://schemas.openxmlformats.org/presentationml/2006/main">
+  <p:cSld>
+    <p:spTree>
+      <p:nvGrpSpPr>
+        <p:cNvPr id="1" name=""/>
+        <p:cNvGrpSpPr/>
+        <p:nvPr/>
+      </p:nvGrpSpPr>
+      <p:grpSpPr>
+        <a:xfrm>
+          <a:off x="0" y="0"/>
+          <a:ext cx="0" cy="0"/>
+          <a:chOff x="0" y="0"/>
+          <a:chExt cx="0" cy="0"/>
+        </a:xfrm>
+      </p:grpSpPr>
+      <p:sp>
+        <p:nvSpPr>
+          <p:cNvPr id="2" name="Title 1"/>
+          <p:cNvSpPr>
+            <a:spLocks noGrp="1"/>
+          </p:cNvSpPr>
+          <p:nvPr>
+            <p:ph type="title"/>
+          </p:nvPr>
+        </p:nvSpPr>
+        <p:spPr/>
+        <p:txBody>
+          <a:bodyPr/>
+          <a:lstStyle/>
+          <a:p>
+            <a:r>
+              <a:rPr lang="en-US" dirty="0" smtClean="0"/>
+              <a:t>Tips</a:t>
+            </a:r>
+            <a:endParaRPr lang="en-US" dirty="0"/>
+          </a:p>
+        </p:txBody>
+      </p:sp>
+      <mc:AlternateContent xmlns:mc="http://schemas.openxmlformats.org/markup-compatibility/2006">
+        <mc:Choice xmlns:a14="http://schemas.microsoft.com/office/drawing/2010/main" Requires="a14">
+          <p:sp>
+            <p:nvSpPr>
+              <p:cNvPr id="3" name="Content Placeholder 2"/>
+              <p:cNvSpPr>
+                <a:spLocks noGrp="1"/>
+              </p:cNvSpPr>
+              <p:nvPr>
+                <p:ph idx="1"/>
+              </p:nvPr>
+            </p:nvSpPr>
+            <p:spPr/>
+            <p:txBody>
+              <a:bodyPr>
+                <a:normAutofit lnSpcReduction="10000"/>
+              </a:bodyPr>
+              <a:lstStyle/>
+              <a:p>
+                <a:r>
+                  <a:rPr lang="en-US" dirty="0" smtClean="0"/>
+                  <a:t>With experience, you’ll be able to go from algorithm description straight to O(n) by looking at max loop iterations</a:t>
+                </a:r>
+              </a:p>
+              <a:p>
+                <a:r>
+                  <a:rPr lang="en-US" dirty="0" smtClean="0"/>
+                  <a:t>Looks for loops and recursion</a:t>
+                </a:r>
+              </a:p>
+              <a:p>
+                <a:r>
+                  <a:rPr lang="en-US" dirty="0" smtClean="0"/>
+                  <a:t>Verify loop steps by constant amount like 1 or k (e.g., not </a:t>
+                </a:r>
+                <a:r>
+                  <a:rPr lang="en-US" dirty="0" err="1" smtClean="0"/>
+                  <a:t>i</a:t>
+                </a:r>
+                <a:r>
+                  <a:rPr lang="en-US" dirty="0" smtClean="0"/>
+                  <a:t> *= 2)</a:t>
+                </a:r>
+              </a:p>
+              <a:p>
+                <a:r>
+                  <a:rPr lang="en-US" dirty="0" smtClean="0"/>
+                  <a:t>Loops nested k deep, </a:t>
+                </a:r>
+                <a:r>
+                  <a:rPr lang="en-US" dirty="0"/>
+                  <a:t>going around n </a:t>
+                </a:r>
+                <a:r>
+                  <a:rPr lang="en-US" dirty="0" smtClean="0"/>
+                  <a:t>times, are often O(</a:t>
+                </a:r>
+                <a14:m>
+                  <m:oMath xmlns:m="http://schemas.openxmlformats.org/officeDocument/2006/math">
+                    <m:sSup>
+                      <m:sSupPr>
+                        <m:ctrlPr>
+                          <a:rPr lang="en-US" i="1">
+                            <a:latin typeface="Cambria Math" charset="0"/>
+                          </a:rPr>
+                        </m:ctrlPr>
+                      </m:sSupPr>
+                      <m:e>
+                        <m:r>
+                          <a:rPr lang="en-US" i="1">
+                            <a:latin typeface="Cambria Math" charset="0"/>
+                          </a:rPr>
+                          <m:t>𝑛</m:t>
+                        </m:r>
+                      </m:e>
+                      <m:sup>
+                        <m:r>
+                          <a:rPr lang="en-US" b="0" i="1" smtClean="0">
+                            <a:latin typeface="Cambria Math" charset="0"/>
+                          </a:rPr>
+                          <m:t>𝑘</m:t>
+                        </m:r>
+                      </m:sup>
+                    </m:sSup>
+                  </m:oMath>
+                </a14:m>
+                <a:r>
+                  <a:rPr lang="en-US" dirty="0" smtClean="0"/>
+                  <a:t>)</a:t>
+                </a:r>
+              </a:p>
+              <a:p>
+                <a:r>
+                  <a:rPr lang="en-US" dirty="0"/>
+                  <a:t>Ask yourself what the maximum amount of work is</a:t>
+                </a:r>
+              </a:p>
+              <a:p>
+                <a:pPr lvl="1"/>
+                <a:r>
+                  <a:rPr lang="en-US" dirty="0"/>
+                  <a:t>Touching every element of the list means </a:t>
+                </a:r>
+                <a:r>
+                  <a:rPr lang="en-US" i="1" dirty="0"/>
+                  <a:t>O(n)</a:t>
+                </a:r>
+                <a:r>
+                  <a:rPr lang="en-US" dirty="0"/>
+                  <a:t>, touching every element of an </a:t>
+                </a:r>
+                <a:r>
+                  <a:rPr lang="en-US" i="1" dirty="0"/>
+                  <a:t>n</a:t>
+                </a:r>
+                <a:r>
+                  <a:rPr lang="en-US" dirty="0"/>
+                  <a:t> x </a:t>
+                </a:r>
+                <a:r>
+                  <a:rPr lang="en-US" i="1" dirty="0"/>
+                  <a:t>m</a:t>
+                </a:r>
+                <a:r>
+                  <a:rPr lang="en-US" dirty="0"/>
+                  <a:t> matrix means </a:t>
+                </a:r>
+                <a:r>
+                  <a:rPr lang="en-US" i="1" dirty="0"/>
+                  <a:t>O(nm)</a:t>
+                </a:r>
+                <a:r>
+                  <a:rPr lang="en-US" dirty="0"/>
+                  <a:t> or </a:t>
+                </a:r>
+                <a:r>
+                  <a:rPr lang="en-US" i="1" dirty="0"/>
+                  <a:t>O(</a:t>
+                </a:r>
+                <a14:m>
+                  <m:oMath xmlns:m="http://schemas.openxmlformats.org/officeDocument/2006/math">
+                    <m:sSup>
+                      <m:sSupPr>
+                        <m:ctrlPr>
+                          <a:rPr lang="en-US" i="1">
+                            <a:latin typeface="Cambria Math" charset="0"/>
+                          </a:rPr>
+                        </m:ctrlPr>
+                      </m:sSupPr>
+                      <m:e>
+                        <m:r>
+                          <a:rPr lang="en-US" i="1">
+                            <a:latin typeface="Cambria Math" charset="0"/>
+                          </a:rPr>
+                          <m:t>𝑛</m:t>
+                        </m:r>
+                      </m:e>
+                      <m:sup>
+                        <m:r>
+                          <a:rPr lang="en-US" i="1">
+                            <a:latin typeface="Cambria Math" charset="0"/>
+                          </a:rPr>
+                          <m:t>2</m:t>
+                        </m:r>
+                      </m:sup>
+                    </m:sSup>
+                  </m:oMath>
+                </a14:m>
+                <a:r>
+                  <a:rPr lang="en-US" i="1" dirty="0"/>
+                  <a:t>)</a:t>
+                </a:r>
+                <a:endParaRPr lang="en-US" dirty="0"/>
+              </a:p>
+              <a:p>
+                <a:pPr lvl="1"/>
+                <a:r>
+                  <a:rPr lang="en-US" dirty="0"/>
+                  <a:t>Touching every element of a tree with n nodes is </a:t>
+                </a:r>
+                <a:r>
+                  <a:rPr lang="en-US" i="1" dirty="0"/>
+                  <a:t>O(n)</a:t>
+                </a:r>
+                <a:r>
+                  <a:rPr lang="en-US" dirty="0"/>
+                  <a:t> but tracing the path from root to a leaf is worst-case </a:t>
+                </a:r>
+                <a:r>
+                  <a:rPr lang="en-US" i="1" dirty="0"/>
+                  <a:t>O(log n</a:t>
+                </a:r>
+                <a:r>
+                  <a:rPr lang="en-US" i="1" dirty="0" smtClean="0"/>
+                  <a:t>)</a:t>
+                </a:r>
+              </a:p>
+            </p:txBody>
+          </p:sp>
+        </mc:Choice>
+        <mc:Fallback>
+          <p:sp>
+            <p:nvSpPr>
+              <p:cNvPr id="3" name="Content Placeholder 2"/>
+              <p:cNvSpPr>
+                <a:spLocks noGrp="1" noRot="1" noChangeAspect="1" noMove="1" noResize="1" noEditPoints="1" noAdjustHandles="1" noChangeArrowheads="1" noChangeShapeType="1" noTextEdit="1"/>
+              </p:cNvSpPr>
+              <p:nvPr>
+                <p:ph idx="1"/>
+              </p:nvPr>
+            </p:nvSpPr>
+            <p:spPr>
+              <a:blipFill rotWithShape="0">
+                <a:blip r:embed="rId2"/>
+                <a:stretch>
+                  <a:fillRect l="-1043" t="-3361" r="-696"/>
+                </a:stretch>
+              </a:blipFill>
+            </p:spPr>
+            <p:txBody>
+              <a:bodyPr/>
+              <a:lstStyle/>
+              <a:p>
+                <a:r>
+                  <a:rPr lang="en-US">
+                    <a:noFill/>
+                  </a:rPr>
+                  <a:t> </a:t>
+                </a:r>
+              </a:p>
+            </p:txBody>
+          </p:sp>
+        </mc:Fallback>
+      </mc:AlternateContent>
+    </p:spTree>
+    <p:extLst>
+      <p:ext uri="{BB962C8B-B14F-4D97-AF65-F5344CB8AC3E}">
+        <p14:creationId xmlns:p14="http://schemas.microsoft.com/office/powerpoint/2010/main" val="808642641"/>
+      </p:ext>
+    </p:extLst>
+  </p:cSld>
+  <p:clrMapOvr>
+    <a:masterClrMapping/>
+  </p:clrMapOvr>
+</p:sld>
+</file>
+
+<file path=ppt/slides/slide13.xml><?xml version="1.0" encoding="utf-8"?>
+<p:sld xmlns:a="http://schemas.openxmlformats.org/drawingml/2006/main" xmlns:r="http://schemas.openxmlformats.org/officeDocument/2006/relationships" xmlns:p="http://schemas.openxmlformats.org/presentationml/2006/main">
+  <p:cSld>
+    <p:spTree>
+      <p:nvGrpSpPr>
+        <p:cNvPr id="1" name=""/>
+        <p:cNvGrpSpPr/>
+        <p:nvPr/>
+      </p:nvGrpSpPr>
+      <p:grpSpPr>
+        <a:xfrm>
+          <a:off x="0" y="0"/>
+          <a:ext cx="0" cy="0"/>
+          <a:chOff x="0" y="0"/>
+          <a:chExt cx="0" cy="0"/>
+        </a:xfrm>
+      </p:grpSpPr>
+      <p:sp>
+        <p:nvSpPr>
+          <p:cNvPr id="2" name="Title 1"/>
+          <p:cNvSpPr>
+            <a:spLocks noGrp="1"/>
+          </p:cNvSpPr>
+          <p:nvPr>
+            <p:ph type="title"/>
+          </p:nvPr>
+        </p:nvSpPr>
+        <p:spPr/>
+        <p:txBody>
+          <a:bodyPr/>
+          <a:lstStyle/>
+          <a:p>
+            <a:r>
+              <a:rPr lang="en-US" dirty="0" smtClean="0"/>
+              <a:t>Recursive algorithms are trickier</a:t>
+            </a:r>
+            <a:endParaRPr lang="en-US" dirty="0"/>
+          </a:p>
+        </p:txBody>
+      </p:sp>
+      <p:sp>
+        <p:nvSpPr>
+          <p:cNvPr id="3" name="Content Placeholder 2"/>
+          <p:cNvSpPr>
+            <a:spLocks noGrp="1"/>
+          </p:cNvSpPr>
+          <p:nvPr>
+            <p:ph idx="1"/>
+          </p:nvPr>
+        </p:nvSpPr>
+        <p:spPr/>
+        <p:txBody>
+          <a:bodyPr/>
+          <a:lstStyle/>
+          <a:p>
+            <a:r>
+              <a:rPr lang="en-US" dirty="0" smtClean="0"/>
+              <a:t>Define initial condition: </a:t>
+            </a:r>
+            <a:r>
+              <a:rPr lang="en-US" dirty="0"/>
+              <a:t>T(0) = 0</a:t>
+            </a:r>
+          </a:p>
+          <a:p>
+            <a:r>
+              <a:rPr lang="en-US" dirty="0" smtClean="0"/>
+              <a:t>Define recurrence relation for recursion then turn the crank</a:t>
+            </a:r>
+            <a:br>
+              <a:rPr lang="en-US" dirty="0" smtClean="0"/>
+            </a:br>
+            <a:r>
+              <a:rPr lang="en-US" dirty="0" smtClean="0"/>
+              <a:t>T(n) = 1 + T(n-1)</a:t>
+            </a:r>
+            <a:br>
+              <a:rPr lang="en-US" dirty="0" smtClean="0"/>
+            </a:br>
+            <a:r>
+              <a:rPr lang="en-US" dirty="0" smtClean="0"/>
+              <a:t>T(n</a:t>
+            </a:r>
+            <a:r>
+              <a:rPr lang="en-US" dirty="0"/>
+              <a:t>) = 1 + </a:t>
+            </a:r>
+            <a:r>
+              <a:rPr lang="en-US" dirty="0" smtClean="0"/>
+              <a:t>1 + T(n-2)</a:t>
+            </a:r>
+            <a:br>
+              <a:rPr lang="en-US" dirty="0" smtClean="0"/>
+            </a:br>
+            <a:r>
+              <a:rPr lang="en-US" dirty="0" smtClean="0"/>
+              <a:t>T(n</a:t>
+            </a:r>
+            <a:r>
+              <a:rPr lang="en-US" dirty="0"/>
+              <a:t>) = 1 + 1 + </a:t>
+            </a:r>
+            <a:r>
+              <a:rPr lang="en-US" dirty="0" smtClean="0"/>
+              <a:t>1 + T(n-3) = n + T(n-n) = n + T(0) = n + 0 = n</a:t>
+            </a:r>
+          </a:p>
+        </p:txBody>
+      </p:sp>
+      <p:sp>
+        <p:nvSpPr>
+          <p:cNvPr id="4" name="TextBox 3"/>
+          <p:cNvSpPr txBox="1"/>
+          <p:nvPr/>
+        </p:nvSpPr>
+        <p:spPr>
+          <a:xfrm>
+            <a:off x="2621377" y="4647881"/>
+            <a:ext cx="6435536" cy="1569660"/>
+          </a:xfrm>
+          <a:prstGeom prst="rect">
+            <a:avLst/>
+          </a:prstGeom>
+          <a:noFill/>
+          <a:ln>
+            <a:solidFill>
+              <a:schemeClr val="accent1"/>
+            </a:solidFill>
+          </a:ln>
+        </p:spPr>
+        <p:txBody>
+          <a:bodyPr wrap="square" rtlCol="0">
+            <a:spAutoFit/>
+          </a:bodyPr>
+          <a:lstStyle/>
+          <a:p>
+            <a:r>
+              <a:rPr lang="en-US" sz="2400" dirty="0" err="1" smtClean="0">
+                <a:latin typeface="Monaco" charset="0"/>
+                <a:ea typeface="Monaco" charset="0"/>
+                <a:cs typeface="Monaco" charset="0"/>
+              </a:rPr>
+              <a:t>def</a:t>
+            </a:r>
+            <a:r>
+              <a:rPr lang="en-US" sz="2400" dirty="0" smtClean="0">
+                <a:latin typeface="Monaco" charset="0"/>
+                <a:ea typeface="Monaco" charset="0"/>
+                <a:cs typeface="Monaco" charset="0"/>
+              </a:rPr>
+              <a:t> sum(a): # recursive sum array</a:t>
+            </a:r>
+          </a:p>
+          <a:p>
+            <a:pPr lvl="1"/>
+            <a:r>
+              <a:rPr lang="en-US" sz="2400" dirty="0" smtClean="0">
+                <a:latin typeface="Monaco" charset="0"/>
+                <a:ea typeface="Monaco" charset="0"/>
+                <a:cs typeface="Monaco" charset="0"/>
+              </a:rPr>
+              <a:t>  if </a:t>
+            </a:r>
+            <a:r>
+              <a:rPr lang="en-US" sz="2400" dirty="0" err="1" smtClean="0">
+                <a:latin typeface="Monaco" charset="0"/>
+                <a:ea typeface="Monaco" charset="0"/>
+                <a:cs typeface="Monaco" charset="0"/>
+              </a:rPr>
+              <a:t>len</a:t>
+            </a:r>
+            <a:r>
+              <a:rPr lang="en-US" sz="2400" dirty="0" smtClean="0">
+                <a:latin typeface="Monaco" charset="0"/>
+                <a:ea typeface="Monaco" charset="0"/>
+                <a:cs typeface="Monaco" charset="0"/>
+              </a:rPr>
+              <a:t>(a)==0:</a:t>
+            </a:r>
+          </a:p>
+          <a:p>
+            <a:pPr lvl="1"/>
+            <a:r>
+              <a:rPr lang="en-US" sz="2400" dirty="0">
+                <a:latin typeface="Monaco" charset="0"/>
+                <a:ea typeface="Monaco" charset="0"/>
+                <a:cs typeface="Monaco" charset="0"/>
+              </a:rPr>
+              <a:t> </a:t>
+            </a:r>
+            <a:r>
+              <a:rPr lang="en-US" sz="2400" dirty="0" smtClean="0">
+                <a:latin typeface="Monaco" charset="0"/>
+                <a:ea typeface="Monaco" charset="0"/>
+                <a:cs typeface="Monaco" charset="0"/>
+              </a:rPr>
+              <a:t>     return 0</a:t>
+            </a:r>
+          </a:p>
+          <a:p>
+            <a:pPr lvl="1"/>
+            <a:r>
+              <a:rPr lang="en-US" sz="2400" dirty="0" smtClean="0">
+                <a:latin typeface="Monaco" charset="0"/>
+                <a:ea typeface="Monaco" charset="0"/>
+                <a:cs typeface="Monaco" charset="0"/>
+              </a:rPr>
+              <a:t>  return a[0] + sum(a[1:]) </a:t>
+            </a:r>
+            <a:endParaRPr lang="en-US" sz="2400" dirty="0">
+              <a:latin typeface="Monaco" charset="0"/>
+              <a:ea typeface="Monaco" charset="0"/>
+              <a:cs typeface="Monaco" charset="0"/>
+            </a:endParaRPr>
+          </a:p>
+        </p:txBody>
+      </p:sp>
+      <p:sp>
+        <p:nvSpPr>
+          <p:cNvPr id="5" name="Right Brace 4"/>
+          <p:cNvSpPr/>
+          <p:nvPr/>
+        </p:nvSpPr>
+        <p:spPr>
+          <a:xfrm rot="5400000">
+            <a:off x="2778975" y="3334147"/>
+            <a:ext cx="319295" cy="1350868"/>
+          </a:xfrm>
+          <a:prstGeom prst="rightBrace">
+            <a:avLst/>
+          </a:prstGeom>
+          <a:ln w="25400">
+            <a:solidFill>
+              <a:schemeClr val="accent2"/>
+            </a:solidFill>
+          </a:ln>
+        </p:spPr>
+        <p:style>
+          <a:lnRef idx="1">
+            <a:schemeClr val="accent1"/>
+          </a:lnRef>
+          <a:fillRef idx="0">
+            <a:schemeClr val="accent1"/>
+          </a:fillRef>
+          <a:effectRef idx="0">
+            <a:schemeClr val="accent1"/>
+          </a:effectRef>
+          <a:fontRef idx="minor">
+            <a:schemeClr val="tx1"/>
+          </a:fontRef>
+        </p:style>
+        <p:txBody>
+          <a:bodyPr rtlCol="0" anchor="ctr"/>
+          <a:lstStyle/>
+          <a:p>
+            <a:pPr algn="ctr"/>
+            <a:endParaRPr lang="en-US"/>
+          </a:p>
+        </p:txBody>
+      </p:sp>
+      <p:cxnSp>
+        <p:nvCxnSpPr>
+          <p:cNvPr id="7" name="Straight Arrow Connector 6"/>
+          <p:cNvCxnSpPr/>
+          <p:nvPr/>
+        </p:nvCxnSpPr>
+        <p:spPr>
+          <a:xfrm flipV="1">
+            <a:off x="3105955" y="3873937"/>
+            <a:ext cx="1534885" cy="526124"/>
+          </a:xfrm>
+          <a:prstGeom prst="straightConnector1">
+            <a:avLst/>
+          </a:prstGeom>
+          <a:ln w="25400">
+            <a:solidFill>
+              <a:schemeClr val="accent2"/>
+            </a:solidFill>
+            <a:tailEnd type="triangle"/>
+          </a:ln>
+        </p:spPr>
+        <p:style>
+          <a:lnRef idx="1">
+            <a:schemeClr val="accent1"/>
+          </a:lnRef>
+          <a:fillRef idx="0">
+            <a:schemeClr val="accent1"/>
+          </a:fillRef>
+          <a:effectRef idx="0">
+            <a:schemeClr val="accent1"/>
+          </a:effectRef>
+          <a:fontRef idx="minor">
+            <a:schemeClr val="tx1"/>
+          </a:fontRef>
+        </p:style>
+      </p:cxnSp>
+      <p:sp>
+        <p:nvSpPr>
+          <p:cNvPr id="9" name="TextBox 8"/>
+          <p:cNvSpPr txBox="1"/>
+          <p:nvPr/>
+        </p:nvSpPr>
+        <p:spPr>
+          <a:xfrm flipH="1">
+            <a:off x="2781867" y="4169229"/>
+            <a:ext cx="313510" cy="461665"/>
+          </a:xfrm>
+          <a:prstGeom prst="rect">
+            <a:avLst/>
+          </a:prstGeom>
+          <a:noFill/>
+        </p:spPr>
+        <p:txBody>
+          <a:bodyPr wrap="square" rtlCol="0">
+            <a:spAutoFit/>
+          </a:bodyPr>
+          <a:lstStyle/>
+          <a:p>
+            <a:r>
+              <a:rPr lang="en-US" sz="2400" dirty="0"/>
+              <a:t>3</a:t>
+            </a:r>
+          </a:p>
+        </p:txBody>
+      </p:sp>
+    </p:spTree>
+    <p:extLst>
+      <p:ext uri="{BB962C8B-B14F-4D97-AF65-F5344CB8AC3E}">
+        <p14:creationId xmlns:p14="http://schemas.microsoft.com/office/powerpoint/2010/main" val="617319585"/>
+      </p:ext>
+    </p:extLst>
+  </p:cSld>
+  <p:clrMapOvr>
+    <a:masterClrMapping/>
+  </p:clrMapOvr>
+</p:sld>
+</file>
+
+<file path=ppt/slides/slide14.xml><?xml version="1.0" encoding="utf-8"?>
+<p:sld xmlns:a="http://schemas.openxmlformats.org/drawingml/2006/main" xmlns:r="http://schemas.openxmlformats.org/officeDocument/2006/relationships" xmlns:p="http://schemas.openxmlformats.org/presentationml/2006/main">
+  <p:cSld>
+    <p:spTree>
+      <p:nvGrpSpPr>
+        <p:cNvPr id="1" name=""/>
+        <p:cNvGrpSpPr/>
+        <p:nvPr/>
+      </p:nvGrpSpPr>
+      <p:grpSpPr>
+        <a:xfrm>
+          <a:off x="0" y="0"/>
+          <a:ext cx="0" cy="0"/>
+          <a:chOff x="0" y="0"/>
+          <a:chExt cx="0" cy="0"/>
+        </a:xfrm>
+      </p:grpSpPr>
+      <p:sp>
+        <p:nvSpPr>
+          <p:cNvPr id="2" name="Title 1"/>
+          <p:cNvSpPr>
+            <a:spLocks noGrp="1"/>
+          </p:cNvSpPr>
+          <p:nvPr>
+            <p:ph type="title"/>
+          </p:nvPr>
+        </p:nvSpPr>
+        <p:spPr/>
+        <p:txBody>
+          <a:bodyPr/>
+          <a:lstStyle/>
+          <a:p>
+            <a:r>
+              <a:rPr lang="en-US" dirty="0" smtClean="0"/>
+              <a:t>Linear search</a:t>
+            </a:r>
+            <a:endParaRPr lang="en-US" dirty="0"/>
+          </a:p>
+        </p:txBody>
+      </p:sp>
+      <p:sp>
+        <p:nvSpPr>
+          <p:cNvPr id="3" name="Content Placeholder 2"/>
+          <p:cNvSpPr>
+            <a:spLocks noGrp="1"/>
+          </p:cNvSpPr>
+          <p:nvPr>
+            <p:ph idx="1"/>
+          </p:nvPr>
+        </p:nvSpPr>
+        <p:spPr>
+          <a:xfrm>
+            <a:off x="838200" y="2111829"/>
+            <a:ext cx="10515600" cy="4065134"/>
+          </a:xfrm>
+        </p:spPr>
+        <p:txBody>
+          <a:bodyPr/>
+          <a:lstStyle/>
+          <a:p>
+            <a:r>
+              <a:rPr lang="en-US" dirty="0" smtClean="0"/>
+              <a:t>Count comparisons</a:t>
+            </a:r>
+          </a:p>
+          <a:p>
+            <a:r>
+              <a:rPr lang="en-US" dirty="0" smtClean="0"/>
+              <a:t>Charge 1 comparison per loop iteration</a:t>
+            </a:r>
+          </a:p>
+          <a:p>
+            <a:r>
+              <a:rPr lang="en-US" i="1" dirty="0" smtClean="0"/>
+              <a:t>T(n)</a:t>
+            </a:r>
+            <a:r>
+              <a:rPr lang="en-US" dirty="0" smtClean="0"/>
+              <a:t> is sum of </a:t>
+            </a:r>
+            <a:r>
+              <a:rPr lang="en-US" i="1" dirty="0" smtClean="0"/>
+              <a:t>n</a:t>
+            </a:r>
+            <a:r>
+              <a:rPr lang="en-US" dirty="0" smtClean="0"/>
+              <a:t> ones or </a:t>
+            </a:r>
+            <a:r>
+              <a:rPr lang="en-US" i="1" dirty="0" smtClean="0"/>
+              <a:t>n</a:t>
+            </a:r>
+            <a:r>
+              <a:rPr lang="en-US" dirty="0" smtClean="0"/>
+              <a:t>, giving </a:t>
+            </a:r>
+            <a:r>
+              <a:rPr lang="en-US" i="1" dirty="0" smtClean="0"/>
+              <a:t>O(n), </a:t>
+            </a:r>
+            <a:r>
+              <a:rPr lang="en-US" dirty="0" smtClean="0"/>
+              <a:t>same as sum(a)</a:t>
+            </a:r>
+          </a:p>
+          <a:p>
+            <a:r>
+              <a:rPr lang="en-US" dirty="0" smtClean="0"/>
+              <a:t>The intuition is that we have to touch every element of the input array once in the worst case</a:t>
+            </a:r>
+          </a:p>
+          <a:p>
+            <a:r>
+              <a:rPr lang="en-US" dirty="0" smtClean="0"/>
+              <a:t>What is complexity of max or </a:t>
+            </a:r>
+            <a:r>
+              <a:rPr lang="en-US" dirty="0" err="1" smtClean="0"/>
+              <a:t>argmax</a:t>
+            </a:r>
+            <a:r>
+              <a:rPr lang="en-US" dirty="0"/>
+              <a:t> </a:t>
+            </a:r>
+            <a:r>
+              <a:rPr lang="en-US" dirty="0" smtClean="0"/>
+              <a:t>for array of size </a:t>
+            </a:r>
+            <a:r>
+              <a:rPr lang="en-US" i="1" dirty="0" smtClean="0"/>
+              <a:t>n</a:t>
+            </a:r>
+            <a:r>
+              <a:rPr lang="en-US" dirty="0" smtClean="0"/>
+              <a:t>?</a:t>
+            </a:r>
+          </a:p>
+          <a:p>
+            <a:r>
+              <a:rPr lang="en-US" dirty="0" smtClean="0"/>
+              <a:t>What is complexity to zero out an array of size </a:t>
+            </a:r>
+            <a:r>
+              <a:rPr lang="en-US" i="1" dirty="0" smtClean="0"/>
+              <a:t>n</a:t>
+            </a:r>
+            <a:r>
+              <a:rPr lang="en-US" dirty="0" smtClean="0"/>
+              <a:t>?</a:t>
+            </a:r>
+          </a:p>
+          <a:p>
+            <a:r>
+              <a:rPr lang="en-US" dirty="0" smtClean="0"/>
+              <a:t>Zero out matrix with n total elements? (careful)</a:t>
+            </a:r>
+          </a:p>
+        </p:txBody>
+      </p:sp>
+      <p:sp>
+        <p:nvSpPr>
+          <p:cNvPr id="4" name="TextBox 3"/>
+          <p:cNvSpPr txBox="1"/>
+          <p:nvPr/>
+        </p:nvSpPr>
+        <p:spPr>
+          <a:xfrm>
+            <a:off x="5157749" y="495035"/>
+            <a:ext cx="6435536" cy="1938992"/>
+          </a:xfrm>
+          <a:prstGeom prst="rect">
+            <a:avLst/>
+          </a:prstGeom>
+          <a:noFill/>
+          <a:ln>
+            <a:solidFill>
+              <a:schemeClr val="accent1"/>
+            </a:solidFill>
+          </a:ln>
+        </p:spPr>
+        <p:txBody>
+          <a:bodyPr wrap="square" rtlCol="0">
+            <a:spAutoFit/>
+          </a:bodyPr>
+          <a:lstStyle/>
+          <a:p>
+            <a:r>
+              <a:rPr lang="en-US" sz="2400" dirty="0" err="1" smtClean="0">
+                <a:latin typeface="Monaco" charset="0"/>
+                <a:ea typeface="Monaco" charset="0"/>
+                <a:cs typeface="Monaco" charset="0"/>
+              </a:rPr>
+              <a:t>def</a:t>
+            </a:r>
+            <a:r>
+              <a:rPr lang="en-US" sz="2400" dirty="0" smtClean="0">
+                <a:latin typeface="Monaco" charset="0"/>
+                <a:ea typeface="Monaco" charset="0"/>
+                <a:cs typeface="Monaco" charset="0"/>
+              </a:rPr>
+              <a:t> find(</a:t>
+            </a:r>
+            <a:r>
+              <a:rPr lang="en-US" sz="2400" dirty="0" err="1" smtClean="0">
+                <a:latin typeface="Monaco" charset="0"/>
+                <a:ea typeface="Monaco" charset="0"/>
+                <a:cs typeface="Monaco" charset="0"/>
+              </a:rPr>
+              <a:t>a,x</a:t>
+            </a:r>
+            <a:r>
+              <a:rPr lang="en-US" sz="2400" dirty="0" smtClean="0">
+                <a:latin typeface="Monaco" charset="0"/>
+                <a:ea typeface="Monaco" charset="0"/>
+                <a:cs typeface="Monaco" charset="0"/>
+              </a:rPr>
+              <a:t>): # find x in a</a:t>
+            </a:r>
+          </a:p>
+          <a:p>
+            <a:r>
+              <a:rPr lang="en-US" sz="2400" dirty="0" smtClean="0">
+                <a:latin typeface="Monaco" charset="0"/>
+                <a:ea typeface="Monaco" charset="0"/>
+                <a:cs typeface="Monaco" charset="0"/>
+              </a:rPr>
+              <a:t>    n </a:t>
+            </a:r>
+            <a:r>
+              <a:rPr lang="en-US" sz="2400" dirty="0">
+                <a:latin typeface="Monaco" charset="0"/>
+                <a:ea typeface="Monaco" charset="0"/>
+                <a:cs typeface="Monaco" charset="0"/>
+              </a:rPr>
+              <a:t>= </a:t>
+            </a:r>
+            <a:r>
+              <a:rPr lang="en-US" sz="2400" dirty="0" err="1">
+                <a:latin typeface="Monaco" charset="0"/>
+                <a:ea typeface="Monaco" charset="0"/>
+                <a:cs typeface="Monaco" charset="0"/>
+              </a:rPr>
+              <a:t>len</a:t>
+            </a:r>
+            <a:r>
+              <a:rPr lang="en-US" sz="2400" dirty="0">
+                <a:latin typeface="Monaco" charset="0"/>
+                <a:ea typeface="Monaco" charset="0"/>
+                <a:cs typeface="Monaco" charset="0"/>
+              </a:rPr>
+              <a:t>(a)</a:t>
+            </a:r>
+          </a:p>
+          <a:p>
+            <a:r>
+              <a:rPr lang="en-US" sz="2400" dirty="0" smtClean="0">
+                <a:latin typeface="Monaco" charset="0"/>
+                <a:ea typeface="Monaco" charset="0"/>
+                <a:cs typeface="Monaco" charset="0"/>
+              </a:rPr>
+              <a:t>    for </a:t>
+            </a:r>
+            <a:r>
+              <a:rPr lang="en-US" sz="2400" dirty="0" err="1">
+                <a:latin typeface="Monaco" charset="0"/>
+                <a:ea typeface="Monaco" charset="0"/>
+                <a:cs typeface="Monaco" charset="0"/>
+              </a:rPr>
+              <a:t>i</a:t>
+            </a:r>
+            <a:r>
+              <a:rPr lang="en-US" sz="2400" dirty="0">
+                <a:latin typeface="Monaco" charset="0"/>
+                <a:ea typeface="Monaco" charset="0"/>
+                <a:cs typeface="Monaco" charset="0"/>
+              </a:rPr>
+              <a:t> in </a:t>
+            </a:r>
+            <a:r>
+              <a:rPr lang="en-US" sz="2400" dirty="0" smtClean="0">
+                <a:latin typeface="Monaco" charset="0"/>
+                <a:ea typeface="Monaco" charset="0"/>
+                <a:cs typeface="Monaco" charset="0"/>
+              </a:rPr>
+              <a:t>range(n):</a:t>
+            </a:r>
+          </a:p>
+          <a:p>
+            <a:r>
+              <a:rPr lang="en-US" sz="2400" dirty="0">
+                <a:latin typeface="Monaco" charset="0"/>
+                <a:ea typeface="Monaco" charset="0"/>
+                <a:cs typeface="Monaco" charset="0"/>
+              </a:rPr>
+              <a:t> </a:t>
+            </a:r>
+            <a:r>
+              <a:rPr lang="en-US" sz="2400" dirty="0" smtClean="0">
+                <a:latin typeface="Monaco" charset="0"/>
+                <a:ea typeface="Monaco" charset="0"/>
+                <a:cs typeface="Monaco" charset="0"/>
+              </a:rPr>
+              <a:t>        if a[</a:t>
+            </a:r>
+            <a:r>
+              <a:rPr lang="en-US" sz="2400" dirty="0" err="1" smtClean="0">
+                <a:latin typeface="Monaco" charset="0"/>
+                <a:ea typeface="Monaco" charset="0"/>
+                <a:cs typeface="Monaco" charset="0"/>
+              </a:rPr>
+              <a:t>i</a:t>
+            </a:r>
+            <a:r>
+              <a:rPr lang="en-US" sz="2400" dirty="0" smtClean="0">
+                <a:latin typeface="Monaco" charset="0"/>
+                <a:ea typeface="Monaco" charset="0"/>
+                <a:cs typeface="Monaco" charset="0"/>
+              </a:rPr>
+              <a:t>]==x: return </a:t>
+            </a:r>
+            <a:r>
+              <a:rPr lang="en-US" sz="2400" dirty="0" err="1" smtClean="0">
+                <a:latin typeface="Monaco" charset="0"/>
+                <a:ea typeface="Monaco" charset="0"/>
+                <a:cs typeface="Monaco" charset="0"/>
+              </a:rPr>
+              <a:t>i</a:t>
+            </a:r>
+            <a:endParaRPr lang="en-US" sz="2400" dirty="0" smtClean="0">
+              <a:latin typeface="Monaco" charset="0"/>
+              <a:ea typeface="Monaco" charset="0"/>
+              <a:cs typeface="Monaco" charset="0"/>
+            </a:endParaRPr>
+          </a:p>
+          <a:p>
+            <a:r>
+              <a:rPr lang="en-US" sz="2400" dirty="0">
+                <a:latin typeface="Monaco" charset="0"/>
+                <a:ea typeface="Monaco" charset="0"/>
+                <a:cs typeface="Monaco" charset="0"/>
+              </a:rPr>
+              <a:t> </a:t>
+            </a:r>
+            <a:r>
+              <a:rPr lang="en-US" sz="2400" dirty="0" smtClean="0">
+                <a:latin typeface="Monaco" charset="0"/>
+                <a:ea typeface="Monaco" charset="0"/>
+                <a:cs typeface="Monaco" charset="0"/>
+              </a:rPr>
+              <a:t>   return -1</a:t>
+            </a:r>
+            <a:endParaRPr lang="en-US" sz="2400" dirty="0">
+              <a:latin typeface="Monaco" charset="0"/>
+              <a:ea typeface="Monaco" charset="0"/>
+              <a:cs typeface="Monaco" charset="0"/>
+            </a:endParaRPr>
+          </a:p>
+        </p:txBody>
+      </p:sp>
+    </p:spTree>
+    <p:extLst>
+      <p:ext uri="{BB962C8B-B14F-4D97-AF65-F5344CB8AC3E}">
+        <p14:creationId xmlns:p14="http://schemas.microsoft.com/office/powerpoint/2010/main" val="73269824"/>
+      </p:ext>
+    </p:extLst>
+  </p:cSld>
+  <p:clrMapOvr>
+    <a:masterClrMapping/>
+  </p:clrMapOvr>
+</p:sld>
+</file>
+
+<file path=ppt/slides/slide15.xml><?xml version="1.0" encoding="utf-8"?>
+<p:sld xmlns:a="http://schemas.openxmlformats.org/drawingml/2006/main" xmlns:r="http://schemas.openxmlformats.org/officeDocument/2006/relationships" xmlns:p="http://schemas.openxmlformats.org/presentationml/2006/main">
+  <p:cSld>
+    <p:spTree>
+      <p:nvGrpSpPr>
+        <p:cNvPr id="1" name=""/>
+        <p:cNvGrpSpPr/>
+        <p:nvPr/>
+      </p:nvGrpSpPr>
+      <p:grpSpPr>
+        <a:xfrm>
+          <a:off x="0" y="0"/>
+          <a:ext cx="0" cy="0"/>
+          <a:chOff x="0" y="0"/>
+          <a:chExt cx="0" cy="0"/>
+        </a:xfrm>
+      </p:grpSpPr>
+      <p:sp>
+        <p:nvSpPr>
+          <p:cNvPr id="2" name="Title 1"/>
+          <p:cNvSpPr>
+            <a:spLocks noGrp="1"/>
+          </p:cNvSpPr>
+          <p:nvPr>
+            <p:ph type="title"/>
+          </p:nvPr>
+        </p:nvSpPr>
+        <p:spPr/>
+        <p:txBody>
+          <a:bodyPr/>
+          <a:lstStyle/>
+          <a:p>
+            <a:r>
+              <a:rPr lang="en-US" dirty="0" smtClean="0"/>
+              <a:t>Don’t count lines of code</a:t>
+            </a:r>
+            <a:endParaRPr lang="en-US" dirty="0"/>
+          </a:p>
+        </p:txBody>
+      </p:sp>
+      <mc:AlternateContent xmlns:mc="http://schemas.openxmlformats.org/markup-compatibility/2006">
+        <mc:Choice xmlns:a14="http://schemas.microsoft.com/office/drawing/2010/main" Requires="a14">
+          <p:sp>
+            <p:nvSpPr>
+              <p:cNvPr id="3" name="Content Placeholder 2"/>
+              <p:cNvSpPr>
+                <a:spLocks noGrp="1"/>
+              </p:cNvSpPr>
+              <p:nvPr>
+                <p:ph idx="1"/>
+              </p:nvPr>
+            </p:nvSpPr>
+            <p:spPr>
+              <a:xfrm>
+                <a:off x="838200" y="1825625"/>
+                <a:ext cx="11136086" cy="4351338"/>
+              </a:xfrm>
+            </p:spPr>
+            <p:txBody>
+              <a:bodyPr>
+                <a:normAutofit/>
+              </a:bodyPr>
+              <a:lstStyle/>
+              <a:p>
+                <a:r>
+                  <a:rPr lang="en-US" dirty="0" smtClean="0"/>
+                  <a:t>What is </a:t>
+                </a:r>
+                <a:r>
+                  <a:rPr lang="en-US" i="1" dirty="0" smtClean="0"/>
+                  <a:t>O(n)</a:t>
+                </a:r>
+                <a:r>
+                  <a:rPr lang="en-US" dirty="0" smtClean="0"/>
+                  <a:t> for </a:t>
+                </a:r>
+                <a:r>
+                  <a:rPr lang="en-US" dirty="0" err="1" smtClean="0"/>
+                  <a:t>findw</a:t>
+                </a:r>
+                <a:r>
+                  <a:rPr lang="en-US" dirty="0" smtClean="0"/>
+                  <a:t>()?</a:t>
+                </a:r>
+              </a:p>
+              <a:p>
+                <a:r>
+                  <a:rPr lang="en-US" dirty="0" smtClean="0"/>
+                  <a:t>Let </a:t>
+                </a:r>
+                <a:r>
+                  <a:rPr lang="en-US" i="1" dirty="0" smtClean="0"/>
+                  <a:t>n</a:t>
+                </a:r>
+                <a:r>
+                  <a:rPr lang="en-US" dirty="0" smtClean="0"/>
+                  <a:t> be </a:t>
+                </a:r>
+                <a:r>
+                  <a:rPr lang="en-US" dirty="0" err="1" smtClean="0"/>
+                  <a:t>len</a:t>
+                </a:r>
+                <a:r>
+                  <a:rPr lang="en-US" dirty="0" smtClean="0"/>
+                  <a:t>(words),</a:t>
+                </a:r>
+                <a:br>
+                  <a:rPr lang="en-US" dirty="0" smtClean="0"/>
+                </a:br>
+                <a:r>
+                  <a:rPr lang="en-US" i="1" dirty="0" smtClean="0"/>
+                  <a:t>m</a:t>
+                </a:r>
+                <a:r>
+                  <a:rPr lang="en-US" dirty="0" smtClean="0"/>
+                  <a:t> be </a:t>
+                </a:r>
+                <a:r>
+                  <a:rPr lang="en-US" dirty="0" err="1" smtClean="0"/>
+                  <a:t>len</a:t>
+                </a:r>
+                <a:r>
+                  <a:rPr lang="en-US" dirty="0" smtClean="0"/>
+                  <a:t>(a)</a:t>
+                </a:r>
+                <a:br>
+                  <a:rPr lang="en-US" dirty="0" smtClean="0"/>
+                </a:br>
+                <a:r>
+                  <a:rPr lang="en-US" dirty="0" smtClean="0"/>
+                  <a:t/>
+                </a:r>
+                <a:br>
+                  <a:rPr lang="en-US" dirty="0" smtClean="0"/>
+                </a:br>
+                <a:r>
+                  <a:rPr lang="en-US" dirty="0" smtClean="0"/>
+                  <a:t/>
+                </a:r>
+                <a:br>
+                  <a:rPr lang="en-US" dirty="0" smtClean="0"/>
+                </a:br>
+                <a:r>
+                  <a:rPr lang="en-US" dirty="0" smtClean="0"/>
+                  <a:t/>
+                </a:r>
+                <a:br>
+                  <a:rPr lang="en-US" dirty="0" smtClean="0"/>
+                </a:br>
+                <a:endParaRPr lang="en-US" dirty="0" smtClean="0"/>
+              </a:p>
+              <a:p>
+                <a:r>
+                  <a:rPr lang="en-US" i="1" dirty="0" smtClean="0"/>
+                  <a:t>T(n) </a:t>
+                </a:r>
+                <a:r>
+                  <a:rPr lang="en-US" dirty="0" smtClean="0"/>
+                  <a:t>= </a:t>
+                </a:r>
+                <a14:m>
+                  <m:oMath xmlns:m="http://schemas.openxmlformats.org/officeDocument/2006/math">
+                    <m:nary>
+                      <m:naryPr>
+                        <m:chr m:val="∑"/>
+                        <m:ctrlPr>
+                          <a:rPr lang="is-IS" i="1" smtClean="0">
+                            <a:latin typeface="Cambria Math" charset="0"/>
+                          </a:rPr>
+                        </m:ctrlPr>
+                      </m:naryPr>
+                      <m:sub>
+                        <m:r>
+                          <m:rPr>
+                            <m:brk m:alnAt="23"/>
+                          </m:rPr>
+                          <a:rPr lang="en-US" b="0" i="1" smtClean="0">
+                            <a:latin typeface="Cambria Math" charset="0"/>
+                          </a:rPr>
+                          <m:t>𝑖</m:t>
+                        </m:r>
+                        <m:r>
+                          <a:rPr lang="en-US" b="0" i="1" smtClean="0">
+                            <a:latin typeface="Cambria Math" charset="0"/>
+                          </a:rPr>
+                          <m:t>=1</m:t>
+                        </m:r>
+                      </m:sub>
+                      <m:sup>
+                        <m:r>
+                          <a:rPr lang="en-US" b="0" i="1" smtClean="0">
+                            <a:latin typeface="Cambria Math" charset="0"/>
+                          </a:rPr>
+                          <m:t>𝑛</m:t>
+                        </m:r>
+                      </m:sup>
+                      <m:e>
+                        <m:r>
+                          <a:rPr lang="en-US" b="0" i="1" smtClean="0">
+                            <a:latin typeface="Cambria Math" charset="0"/>
+                          </a:rPr>
+                          <m:t>1+</m:t>
+                        </m:r>
+                        <m:r>
+                          <a:rPr lang="en-US" b="0" i="1" smtClean="0">
+                            <a:latin typeface="Cambria Math" charset="0"/>
+                          </a:rPr>
+                          <m:t>𝑐𝑜𝑠𝑡</m:t>
+                        </m:r>
+                        <m:r>
+                          <a:rPr lang="en-US" b="0" i="1" smtClean="0">
+                            <a:latin typeface="Cambria Math" charset="0"/>
+                          </a:rPr>
+                          <m:t> </m:t>
+                        </m:r>
+                        <m:r>
+                          <a:rPr lang="en-US" b="0" i="1" smtClean="0">
+                            <a:latin typeface="Cambria Math" charset="0"/>
+                          </a:rPr>
+                          <m:t>𝑜𝑓</m:t>
+                        </m:r>
+                        <m:r>
+                          <a:rPr lang="en-US" b="0" i="1" smtClean="0">
+                            <a:latin typeface="Cambria Math" charset="0"/>
+                          </a:rPr>
+                          <m:t> </m:t>
+                        </m:r>
+                        <m:r>
+                          <m:rPr>
+                            <m:sty m:val="p"/>
+                          </m:rPr>
+                          <a:rPr lang="en-US" b="0" i="0" smtClean="0">
+                            <a:latin typeface="Arial" charset="0"/>
+                          </a:rPr>
+                          <m:t>in</m:t>
+                        </m:r>
+                        <m:r>
+                          <a:rPr lang="en-US" b="0" i="1" smtClean="0">
+                            <a:latin typeface="Cambria Math" charset="0"/>
+                          </a:rPr>
+                          <m:t> </m:t>
+                        </m:r>
+                        <m:r>
+                          <a:rPr lang="en-US" b="0" i="1" smtClean="0">
+                            <a:latin typeface="Cambria Math" charset="0"/>
+                          </a:rPr>
+                          <m:t>𝑜𝑝𝑒𝑟𝑎𝑡𝑖𝑜𝑛</m:t>
+                        </m:r>
+                      </m:e>
+                    </m:nary>
+                  </m:oMath>
+                </a14:m>
+                <a:r>
+                  <a:rPr lang="en-US" dirty="0" smtClean="0"/>
+                  <a:t/>
+                </a:r>
+                <a:br>
+                  <a:rPr lang="en-US" dirty="0" smtClean="0"/>
+                </a:br>
+                <a:r>
+                  <a:rPr lang="en-US" dirty="0" smtClean="0"/>
+                  <a:t>        = n + </a:t>
+                </a:r>
+                <a14:m>
+                  <m:oMath xmlns:m="http://schemas.openxmlformats.org/officeDocument/2006/math">
+                    <m:nary>
+                      <m:naryPr>
+                        <m:chr m:val="∑"/>
+                        <m:ctrlPr>
+                          <a:rPr lang="is-IS" i="1">
+                            <a:latin typeface="Cambria Math" charset="0"/>
+                          </a:rPr>
+                        </m:ctrlPr>
+                      </m:naryPr>
+                      <m:sub>
+                        <m:r>
+                          <m:rPr>
+                            <m:brk m:alnAt="23"/>
+                          </m:rPr>
+                          <a:rPr lang="en-US" i="1">
+                            <a:latin typeface="Cambria Math" charset="0"/>
+                          </a:rPr>
+                          <m:t>𝑖</m:t>
+                        </m:r>
+                        <m:r>
+                          <a:rPr lang="en-US" i="1">
+                            <a:latin typeface="Cambria Math" charset="0"/>
+                          </a:rPr>
+                          <m:t>=1</m:t>
+                        </m:r>
+                      </m:sub>
+                      <m:sup>
+                        <m:r>
+                          <a:rPr lang="en-US" i="1">
+                            <a:latin typeface="Cambria Math" charset="0"/>
+                          </a:rPr>
+                          <m:t>𝑛</m:t>
+                        </m:r>
+                      </m:sup>
+                      <m:e>
+                        <m:r>
+                          <a:rPr lang="en-US" i="1">
+                            <a:latin typeface="Cambria Math" charset="0"/>
+                          </a:rPr>
+                          <m:t>𝑐𝑜𝑠𝑡</m:t>
+                        </m:r>
+                        <m:r>
+                          <a:rPr lang="en-US" i="1">
+                            <a:latin typeface="Cambria Math" charset="0"/>
+                          </a:rPr>
+                          <m:t> </m:t>
+                        </m:r>
+                        <m:r>
+                          <a:rPr lang="en-US" i="1">
+                            <a:latin typeface="Cambria Math" charset="0"/>
+                          </a:rPr>
+                          <m:t>𝑜𝑓</m:t>
+                        </m:r>
+                        <m:r>
+                          <a:rPr lang="en-US" i="1">
+                            <a:latin typeface="Cambria Math" charset="0"/>
+                          </a:rPr>
+                          <m:t> </m:t>
+                        </m:r>
+                        <m:r>
+                          <m:rPr>
+                            <m:sty m:val="p"/>
+                          </m:rPr>
+                          <a:rPr lang="en-US">
+                            <a:latin typeface="Cambria Math" charset="0"/>
+                          </a:rPr>
+                          <m:t>in</m:t>
+                        </m:r>
+                        <m:r>
+                          <a:rPr lang="en-US" i="1">
+                            <a:latin typeface="Cambria Math" charset="0"/>
+                          </a:rPr>
+                          <m:t> </m:t>
+                        </m:r>
+                        <m:r>
+                          <a:rPr lang="en-US" i="1">
+                            <a:latin typeface="Cambria Math" charset="0"/>
+                          </a:rPr>
+                          <m:t>𝑜𝑝𝑒𝑟𝑎𝑡𝑖𝑜𝑛</m:t>
+                        </m:r>
+                      </m:e>
+                    </m:nary>
+                  </m:oMath>
+                </a14:m>
+                <a:r>
+                  <a:rPr lang="en-US" dirty="0" smtClean="0"/>
+                  <a:t/>
+                </a:r>
+                <a:br>
+                  <a:rPr lang="en-US" dirty="0" smtClean="0"/>
+                </a:br>
+                <a:r>
+                  <a:rPr lang="en-US" dirty="0" smtClean="0"/>
+                  <a:t>	 = n + ???</a:t>
+                </a:r>
+                <a:endParaRPr lang="en-US" dirty="0"/>
+              </a:p>
+            </p:txBody>
+          </p:sp>
+        </mc:Choice>
+        <mc:Fallback>
+          <p:sp>
+            <p:nvSpPr>
+              <p:cNvPr id="3" name="Content Placeholder 2"/>
+              <p:cNvSpPr>
+                <a:spLocks noGrp="1" noRot="1" noChangeAspect="1" noMove="1" noResize="1" noEditPoints="1" noAdjustHandles="1" noChangeArrowheads="1" noChangeShapeType="1" noTextEdit="1"/>
+              </p:cNvSpPr>
+              <p:nvPr>
+                <p:ph idx="1"/>
+              </p:nvPr>
+            </p:nvSpPr>
+            <p:spPr>
+              <a:xfrm>
+                <a:off x="838200" y="1825625"/>
+                <a:ext cx="11136086" cy="4351338"/>
+              </a:xfrm>
+              <a:blipFill rotWithShape="0">
+                <a:blip r:embed="rId2"/>
+                <a:stretch>
+                  <a:fillRect l="-986" t="-2381" b="-140"/>
+                </a:stretch>
+              </a:blipFill>
+            </p:spPr>
+            <p:txBody>
+              <a:bodyPr/>
+              <a:lstStyle/>
+              <a:p>
+                <a:r>
+                  <a:rPr lang="en-US">
+                    <a:noFill/>
+                  </a:rPr>
+                  <a:t> </a:t>
+                </a:r>
+              </a:p>
+            </p:txBody>
+          </p:sp>
+        </mc:Fallback>
+      </mc:AlternateContent>
+      <p:sp>
+        <p:nvSpPr>
+          <p:cNvPr id="4" name="TextBox 3"/>
+          <p:cNvSpPr txBox="1"/>
+          <p:nvPr/>
+        </p:nvSpPr>
+        <p:spPr>
+          <a:xfrm>
+            <a:off x="5489943" y="1875241"/>
+            <a:ext cx="6172201" cy="2308324"/>
+          </a:xfrm>
+          <a:prstGeom prst="rect">
+            <a:avLst/>
+          </a:prstGeom>
+          <a:noFill/>
+          <a:ln>
+            <a:solidFill>
+              <a:schemeClr val="accent1"/>
+            </a:solidFill>
+          </a:ln>
+        </p:spPr>
+        <p:txBody>
+          <a:bodyPr wrap="square" rtlCol="0">
+            <a:spAutoFit/>
+          </a:bodyPr>
+          <a:lstStyle/>
+          <a:p>
+            <a:r>
+              <a:rPr lang="en-US" sz="2400" dirty="0" err="1" smtClean="0">
+                <a:latin typeface="Monaco" charset="0"/>
+                <a:ea typeface="Monaco" charset="0"/>
+                <a:cs typeface="Monaco" charset="0"/>
+              </a:rPr>
+              <a:t>def</a:t>
+            </a:r>
+            <a:r>
+              <a:rPr lang="en-US" sz="2400" dirty="0" smtClean="0">
+                <a:latin typeface="Monaco" charset="0"/>
+                <a:ea typeface="Monaco" charset="0"/>
+                <a:cs typeface="Monaco" charset="0"/>
+              </a:rPr>
+              <a:t> </a:t>
+            </a:r>
+            <a:r>
+              <a:rPr lang="en-US" sz="2400" dirty="0" err="1" smtClean="0">
+                <a:latin typeface="Monaco" charset="0"/>
+                <a:ea typeface="Monaco" charset="0"/>
+                <a:cs typeface="Monaco" charset="0"/>
+              </a:rPr>
+              <a:t>findw</a:t>
+            </a:r>
+            <a:r>
+              <a:rPr lang="en-US" sz="2400" dirty="0" smtClean="0">
+                <a:latin typeface="Monaco" charset="0"/>
+                <a:ea typeface="Monaco" charset="0"/>
+                <a:cs typeface="Monaco" charset="0"/>
+              </a:rPr>
+              <a:t>(words, a):</a:t>
+            </a:r>
+          </a:p>
+          <a:p>
+            <a:r>
+              <a:rPr lang="en-US" sz="2400" dirty="0" smtClean="0">
+                <a:latin typeface="Monaco" charset="0"/>
+                <a:ea typeface="Monaco" charset="0"/>
+                <a:cs typeface="Monaco" charset="0"/>
+              </a:rPr>
+              <a:t>    c = 0</a:t>
+            </a:r>
+            <a:endParaRPr lang="en-US" sz="2400" dirty="0">
+              <a:latin typeface="Monaco" charset="0"/>
+              <a:ea typeface="Monaco" charset="0"/>
+              <a:cs typeface="Monaco" charset="0"/>
+            </a:endParaRPr>
+          </a:p>
+          <a:p>
+            <a:r>
+              <a:rPr lang="en-US" sz="2400" dirty="0" smtClean="0">
+                <a:latin typeface="Monaco" charset="0"/>
+                <a:ea typeface="Monaco" charset="0"/>
+                <a:cs typeface="Monaco" charset="0"/>
+              </a:rPr>
+              <a:t>    for </a:t>
+            </a:r>
+            <a:r>
+              <a:rPr lang="en-US" sz="2400" dirty="0" err="1">
+                <a:latin typeface="Monaco" charset="0"/>
+                <a:ea typeface="Monaco" charset="0"/>
+                <a:cs typeface="Monaco" charset="0"/>
+              </a:rPr>
+              <a:t>i</a:t>
+            </a:r>
+            <a:r>
+              <a:rPr lang="en-US" sz="2400" dirty="0">
+                <a:latin typeface="Monaco" charset="0"/>
+                <a:ea typeface="Monaco" charset="0"/>
+                <a:cs typeface="Monaco" charset="0"/>
+              </a:rPr>
+              <a:t> in </a:t>
+            </a:r>
+            <a:r>
+              <a:rPr lang="en-US" sz="2400" dirty="0" smtClean="0">
+                <a:latin typeface="Monaco" charset="0"/>
+                <a:ea typeface="Monaco" charset="0"/>
+                <a:cs typeface="Monaco" charset="0"/>
+              </a:rPr>
+              <a:t>range(</a:t>
+            </a:r>
+            <a:r>
+              <a:rPr lang="en-US" sz="2400" dirty="0" err="1" smtClean="0">
+                <a:latin typeface="Monaco" charset="0"/>
+                <a:ea typeface="Monaco" charset="0"/>
+                <a:cs typeface="Monaco" charset="0"/>
+              </a:rPr>
+              <a:t>len</a:t>
+            </a:r>
+            <a:r>
+              <a:rPr lang="en-US" sz="2400" dirty="0" smtClean="0">
+                <a:latin typeface="Monaco" charset="0"/>
+                <a:ea typeface="Monaco" charset="0"/>
+                <a:cs typeface="Monaco" charset="0"/>
+              </a:rPr>
+              <a:t>(a)):</a:t>
+            </a:r>
+          </a:p>
+          <a:p>
+            <a:r>
+              <a:rPr lang="en-US" sz="2400" dirty="0">
+                <a:latin typeface="Monaco" charset="0"/>
+                <a:ea typeface="Monaco" charset="0"/>
+                <a:cs typeface="Monaco" charset="0"/>
+              </a:rPr>
+              <a:t> </a:t>
+            </a:r>
+            <a:r>
+              <a:rPr lang="en-US" sz="2400" dirty="0" smtClean="0">
+                <a:latin typeface="Monaco" charset="0"/>
+                <a:ea typeface="Monaco" charset="0"/>
+                <a:cs typeface="Monaco" charset="0"/>
+              </a:rPr>
+              <a:t>       if words[</a:t>
+            </a:r>
+            <a:r>
+              <a:rPr lang="en-US" sz="2400" dirty="0" err="1" smtClean="0">
+                <a:latin typeface="Monaco" charset="0"/>
+                <a:ea typeface="Monaco" charset="0"/>
+                <a:cs typeface="Monaco" charset="0"/>
+              </a:rPr>
+              <a:t>i</a:t>
+            </a:r>
+            <a:r>
+              <a:rPr lang="en-US" sz="2400" dirty="0" smtClean="0">
+                <a:latin typeface="Monaco" charset="0"/>
+                <a:ea typeface="Monaco" charset="0"/>
+                <a:cs typeface="Monaco" charset="0"/>
+              </a:rPr>
+              <a:t>] in a:</a:t>
+            </a:r>
+          </a:p>
+          <a:p>
+            <a:r>
+              <a:rPr lang="en-US" sz="2400" dirty="0">
+                <a:latin typeface="Monaco" charset="0"/>
+                <a:ea typeface="Monaco" charset="0"/>
+                <a:cs typeface="Monaco" charset="0"/>
+              </a:rPr>
+              <a:t> </a:t>
+            </a:r>
+            <a:r>
+              <a:rPr lang="en-US" sz="2400" dirty="0" smtClean="0">
+                <a:latin typeface="Monaco" charset="0"/>
+                <a:ea typeface="Monaco" charset="0"/>
+                <a:cs typeface="Monaco" charset="0"/>
+              </a:rPr>
+              <a:t>           c += 1</a:t>
+            </a:r>
+          </a:p>
+          <a:p>
+            <a:r>
+              <a:rPr lang="en-US" sz="2400" dirty="0" smtClean="0">
+                <a:latin typeface="Monaco" charset="0"/>
+                <a:ea typeface="Monaco" charset="0"/>
+                <a:cs typeface="Monaco" charset="0"/>
+              </a:rPr>
+              <a:t>    return c</a:t>
+            </a:r>
+            <a:endParaRPr lang="en-US" sz="2400" dirty="0">
+              <a:latin typeface="Monaco" charset="0"/>
+              <a:ea typeface="Monaco" charset="0"/>
+              <a:cs typeface="Monaco" charset="0"/>
+            </a:endParaRPr>
+          </a:p>
+        </p:txBody>
+      </p:sp>
+    </p:spTree>
+    <p:extLst>
+      <p:ext uri="{BB962C8B-B14F-4D97-AF65-F5344CB8AC3E}">
+        <p14:creationId xmlns:p14="http://schemas.microsoft.com/office/powerpoint/2010/main" val="740249503"/>
+      </p:ext>
+    </p:extLst>
+  </p:cSld>
+  <p:clrMapOvr>
+    <a:masterClrMapping/>
+  </p:clrMapOvr>
+</p:sld>
+</file>
+
+<file path=ppt/slides/slide16.xml><?xml version="1.0" encoding="utf-8"?>
+<p:sld xmlns:a="http://schemas.openxmlformats.org/drawingml/2006/main" xmlns:r="http://schemas.openxmlformats.org/officeDocument/2006/relationships" xmlns:p="http://schemas.openxmlformats.org/presentationml/2006/main">
+  <p:cSld>
+    <p:spTree>
+      <p:nvGrpSpPr>
+        <p:cNvPr id="1" name=""/>
+        <p:cNvGrpSpPr/>
+        <p:nvPr/>
+      </p:nvGrpSpPr>
+      <p:grpSpPr>
+        <a:xfrm>
+          <a:off x="0" y="0"/>
+          <a:ext cx="0" cy="0"/>
+          <a:chOff x="0" y="0"/>
+          <a:chExt cx="0" cy="0"/>
+        </a:xfrm>
+      </p:grpSpPr>
+      <p:sp>
+        <p:nvSpPr>
+          <p:cNvPr id="7" name="Title 1"/>
+          <p:cNvSpPr>
+            <a:spLocks noGrp="1"/>
+          </p:cNvSpPr>
+          <p:nvPr>
+            <p:ph type="title"/>
+          </p:nvPr>
+        </p:nvSpPr>
+        <p:spPr>
+          <a:xfrm>
+            <a:off x="838200" y="365125"/>
+            <a:ext cx="10515600" cy="1325563"/>
+          </a:xfrm>
+        </p:spPr>
+        <p:txBody>
+          <a:bodyPr/>
+          <a:lstStyle/>
+          <a:p>
+            <a:r>
+              <a:rPr lang="en-US" dirty="0" smtClean="0"/>
+              <a:t>Don’t count lines of code</a:t>
+            </a:r>
+            <a:endParaRPr lang="en-US" dirty="0"/>
+          </a:p>
+        </p:txBody>
+      </p:sp>
+      <mc:AlternateContent xmlns:mc="http://schemas.openxmlformats.org/markup-compatibility/2006">
+        <mc:Choice xmlns:a14="http://schemas.microsoft.com/office/drawing/2010/main" Requires="a14">
+          <p:sp>
+            <p:nvSpPr>
+              <p:cNvPr id="8" name="Content Placeholder 2"/>
+              <p:cNvSpPr>
+                <a:spLocks noGrp="1"/>
+              </p:cNvSpPr>
+              <p:nvPr>
+                <p:ph idx="1"/>
+              </p:nvPr>
+            </p:nvSpPr>
+            <p:spPr>
+              <a:xfrm>
+                <a:off x="838200" y="1825625"/>
+                <a:ext cx="11136086" cy="4351338"/>
+              </a:xfrm>
+            </p:spPr>
+            <p:txBody>
+              <a:bodyPr>
+                <a:normAutofit/>
+              </a:bodyPr>
+              <a:lstStyle/>
+              <a:p>
+                <a:r>
+                  <a:rPr lang="en-US" dirty="0" smtClean="0"/>
+                  <a:t>What is </a:t>
+                </a:r>
+                <a:r>
+                  <a:rPr lang="en-US" i="1" dirty="0" smtClean="0"/>
+                  <a:t>O(n)</a:t>
+                </a:r>
+                <a:r>
+                  <a:rPr lang="en-US" dirty="0" smtClean="0"/>
+                  <a:t> for </a:t>
+                </a:r>
+                <a:r>
+                  <a:rPr lang="en-US" dirty="0" err="1" smtClean="0"/>
+                  <a:t>findw</a:t>
+                </a:r>
+                <a:r>
+                  <a:rPr lang="en-US" dirty="0" smtClean="0"/>
+                  <a:t>()?</a:t>
+                </a:r>
+              </a:p>
+              <a:p>
+                <a:r>
+                  <a:rPr lang="en-US" dirty="0" smtClean="0"/>
+                  <a:t>Let </a:t>
+                </a:r>
+                <a:r>
+                  <a:rPr lang="en-US" i="1" dirty="0" smtClean="0"/>
+                  <a:t>n</a:t>
+                </a:r>
+                <a:r>
+                  <a:rPr lang="en-US" dirty="0" smtClean="0"/>
+                  <a:t> be </a:t>
+                </a:r>
+                <a:r>
+                  <a:rPr lang="en-US" dirty="0" err="1" smtClean="0"/>
+                  <a:t>len</a:t>
+                </a:r>
+                <a:r>
+                  <a:rPr lang="en-US" dirty="0" smtClean="0"/>
+                  <a:t>(words),</a:t>
+                </a:r>
+                <a:br>
+                  <a:rPr lang="en-US" dirty="0" smtClean="0"/>
+                </a:br>
+                <a:r>
+                  <a:rPr lang="en-US" dirty="0" smtClean="0"/>
+                  <a:t>m be </a:t>
+                </a:r>
+                <a:r>
+                  <a:rPr lang="en-US" dirty="0" err="1" smtClean="0"/>
+                  <a:t>len</a:t>
+                </a:r>
+                <a:r>
+                  <a:rPr lang="en-US" dirty="0" smtClean="0"/>
+                  <a:t>(a)</a:t>
+                </a:r>
+                <a:br>
+                  <a:rPr lang="en-US" dirty="0" smtClean="0"/>
+                </a:br>
+                <a:r>
+                  <a:rPr lang="en-US" dirty="0" smtClean="0"/>
+                  <a:t/>
+                </a:r>
+                <a:br>
+                  <a:rPr lang="en-US" dirty="0" smtClean="0"/>
+                </a:br>
+                <a:r>
+                  <a:rPr lang="en-US" dirty="0" smtClean="0"/>
+                  <a:t/>
+                </a:r>
+                <a:br>
+                  <a:rPr lang="en-US" dirty="0" smtClean="0"/>
+                </a:br>
+                <a:r>
+                  <a:rPr lang="en-US" dirty="0" smtClean="0"/>
+                  <a:t/>
+                </a:r>
+                <a:br>
+                  <a:rPr lang="en-US" dirty="0" smtClean="0"/>
+                </a:br>
+                <a:endParaRPr lang="en-US" dirty="0" smtClean="0"/>
+              </a:p>
+              <a:p>
+                <a:r>
+                  <a:rPr lang="en-US" i="1" dirty="0" smtClean="0"/>
+                  <a:t>T(n) </a:t>
+                </a:r>
+                <a:r>
+                  <a:rPr lang="en-US" dirty="0" smtClean="0"/>
+                  <a:t>= </a:t>
+                </a:r>
+                <a14:m>
+                  <m:oMath xmlns:m="http://schemas.openxmlformats.org/officeDocument/2006/math">
+                    <m:nary>
+                      <m:naryPr>
+                        <m:chr m:val="∑"/>
+                        <m:ctrlPr>
+                          <a:rPr lang="is-IS" i="1" smtClean="0">
+                            <a:latin typeface="Cambria Math" charset="0"/>
+                          </a:rPr>
+                        </m:ctrlPr>
+                      </m:naryPr>
+                      <m:sub>
+                        <m:r>
+                          <m:rPr>
+                            <m:brk m:alnAt="23"/>
+                          </m:rPr>
+                          <a:rPr lang="en-US" b="0" i="1" smtClean="0">
+                            <a:latin typeface="Cambria Math" charset="0"/>
+                          </a:rPr>
+                          <m:t>𝑖</m:t>
+                        </m:r>
+                        <m:r>
+                          <a:rPr lang="en-US" b="0" i="1" smtClean="0">
+                            <a:latin typeface="Cambria Math" charset="0"/>
+                          </a:rPr>
+                          <m:t>=1</m:t>
+                        </m:r>
+                      </m:sub>
+                      <m:sup>
+                        <m:r>
+                          <a:rPr lang="en-US" b="0" i="1" smtClean="0">
+                            <a:latin typeface="Cambria Math" charset="0"/>
+                          </a:rPr>
+                          <m:t>𝑛</m:t>
+                        </m:r>
+                      </m:sup>
+                      <m:e>
+                        <m:r>
+                          <a:rPr lang="en-US" b="0" i="1" smtClean="0">
+                            <a:latin typeface="Cambria Math" charset="0"/>
+                          </a:rPr>
+                          <m:t>1+</m:t>
+                        </m:r>
+                        <m:r>
+                          <a:rPr lang="en-US" b="0" i="1" smtClean="0">
+                            <a:latin typeface="Cambria Math" charset="0"/>
+                          </a:rPr>
+                          <m:t>𝑐𝑜𝑠𝑡</m:t>
+                        </m:r>
+                        <m:r>
+                          <a:rPr lang="en-US" b="0" i="1" smtClean="0">
+                            <a:latin typeface="Cambria Math" charset="0"/>
+                          </a:rPr>
+                          <m:t> </m:t>
+                        </m:r>
+                        <m:r>
+                          <a:rPr lang="en-US" b="0" i="1" smtClean="0">
+                            <a:latin typeface="Cambria Math" charset="0"/>
+                          </a:rPr>
+                          <m:t>𝑜𝑓</m:t>
+                        </m:r>
+                        <m:r>
+                          <a:rPr lang="en-US" b="0" i="1" smtClean="0">
+                            <a:latin typeface="Cambria Math" charset="0"/>
+                          </a:rPr>
+                          <m:t> </m:t>
+                        </m:r>
+                        <m:r>
+                          <m:rPr>
+                            <m:sty m:val="p"/>
+                          </m:rPr>
+                          <a:rPr lang="en-US" b="0" i="0" smtClean="0">
+                            <a:latin typeface="Arial" charset="0"/>
+                          </a:rPr>
+                          <m:t>in</m:t>
+                        </m:r>
+                        <m:r>
+                          <a:rPr lang="en-US" b="0" i="1" smtClean="0">
+                            <a:latin typeface="Cambria Math" charset="0"/>
+                          </a:rPr>
+                          <m:t> </m:t>
+                        </m:r>
+                        <m:r>
+                          <a:rPr lang="en-US" b="0" i="1" smtClean="0">
+                            <a:latin typeface="Cambria Math" charset="0"/>
+                          </a:rPr>
+                          <m:t>𝑜𝑝𝑒𝑟𝑎𝑡𝑖𝑜𝑛</m:t>
+                        </m:r>
+                      </m:e>
+                    </m:nary>
+                  </m:oMath>
+                </a14:m>
+                <a:r>
+                  <a:rPr lang="en-US" dirty="0" smtClean="0"/>
+                  <a:t/>
+                </a:r>
+                <a:br>
+                  <a:rPr lang="en-US" dirty="0" smtClean="0"/>
+                </a:br>
+                <a:r>
+                  <a:rPr lang="en-US" dirty="0" smtClean="0"/>
+                  <a:t>        = </a:t>
+                </a:r>
+                <a:r>
+                  <a:rPr lang="en-US" i="1" dirty="0" smtClean="0"/>
+                  <a:t>n</a:t>
+                </a:r>
+                <a:r>
+                  <a:rPr lang="en-US" dirty="0" smtClean="0"/>
+                  <a:t> + </a:t>
+                </a:r>
+                <a14:m>
+                  <m:oMath xmlns:m="http://schemas.openxmlformats.org/officeDocument/2006/math">
+                    <m:nary>
+                      <m:naryPr>
+                        <m:chr m:val="∑"/>
+                        <m:ctrlPr>
+                          <a:rPr lang="is-IS" i="1">
+                            <a:latin typeface="Cambria Math" charset="0"/>
+                          </a:rPr>
+                        </m:ctrlPr>
+                      </m:naryPr>
+                      <m:sub>
+                        <m:r>
+                          <m:rPr>
+                            <m:brk m:alnAt="23"/>
+                          </m:rPr>
+                          <a:rPr lang="en-US" i="1">
+                            <a:latin typeface="Cambria Math" charset="0"/>
+                          </a:rPr>
+                          <m:t>𝑖</m:t>
+                        </m:r>
+                        <m:r>
+                          <a:rPr lang="en-US" i="1">
+                            <a:latin typeface="Cambria Math" charset="0"/>
+                          </a:rPr>
+                          <m:t>=1</m:t>
+                        </m:r>
+                      </m:sub>
+                      <m:sup>
+                        <m:r>
+                          <a:rPr lang="en-US" i="1">
+                            <a:latin typeface="Cambria Math" charset="0"/>
+                          </a:rPr>
+                          <m:t>𝑛</m:t>
+                        </m:r>
+                      </m:sup>
+                      <m:e>
+                        <m:r>
+                          <a:rPr lang="en-US" i="1">
+                            <a:latin typeface="Cambria Math" charset="0"/>
+                          </a:rPr>
+                          <m:t>𝑐𝑜𝑠𝑡</m:t>
+                        </m:r>
+                        <m:r>
+                          <a:rPr lang="en-US" i="1">
+                            <a:latin typeface="Cambria Math" charset="0"/>
+                          </a:rPr>
+                          <m:t> </m:t>
+                        </m:r>
+                        <m:r>
+                          <a:rPr lang="en-US" i="1">
+                            <a:latin typeface="Cambria Math" charset="0"/>
+                          </a:rPr>
+                          <m:t>𝑜𝑓</m:t>
+                        </m:r>
+                        <m:r>
+                          <a:rPr lang="en-US" i="1">
+                            <a:latin typeface="Cambria Math" charset="0"/>
+                          </a:rPr>
+                          <m:t> </m:t>
+                        </m:r>
+                        <m:r>
+                          <m:rPr>
+                            <m:sty m:val="p"/>
+                          </m:rPr>
+                          <a:rPr lang="en-US">
+                            <a:latin typeface="Cambria Math" charset="0"/>
+                          </a:rPr>
+                          <m:t>in</m:t>
+                        </m:r>
+                        <m:r>
+                          <a:rPr lang="en-US" i="1">
+                            <a:latin typeface="Cambria Math" charset="0"/>
+                          </a:rPr>
+                          <m:t> </m:t>
+                        </m:r>
+                        <m:r>
+                          <a:rPr lang="en-US" i="1">
+                            <a:latin typeface="Cambria Math" charset="0"/>
+                          </a:rPr>
+                          <m:t>𝑜𝑝𝑒𝑟𝑎𝑡𝑖𝑜𝑛</m:t>
+                        </m:r>
+                      </m:e>
+                    </m:nary>
+                  </m:oMath>
+                </a14:m>
+                <a:r>
+                  <a:rPr lang="en-US" dirty="0" smtClean="0"/>
+                  <a:t/>
+                </a:r>
+                <a:br>
+                  <a:rPr lang="en-US" dirty="0" smtClean="0"/>
+                </a:br>
+                <a:r>
+                  <a:rPr lang="en-US" dirty="0" smtClean="0"/>
+                  <a:t>	 = </a:t>
+                </a:r>
+                <a:r>
+                  <a:rPr lang="en-US" i="1" dirty="0" smtClean="0"/>
+                  <a:t>n</a:t>
+                </a:r>
+                <a:r>
+                  <a:rPr lang="en-US" dirty="0" smtClean="0"/>
+                  <a:t> + </a:t>
+                </a:r>
+                <a14:m>
+                  <m:oMath xmlns:m="http://schemas.openxmlformats.org/officeDocument/2006/math">
+                    <m:nary>
+                      <m:naryPr>
+                        <m:chr m:val="∑"/>
+                        <m:ctrlPr>
+                          <a:rPr lang="is-IS" i="1">
+                            <a:latin typeface="Cambria Math" charset="0"/>
+                          </a:rPr>
+                        </m:ctrlPr>
+                      </m:naryPr>
+                      <m:sub>
+                        <m:r>
+                          <m:rPr>
+                            <m:brk m:alnAt="23"/>
+                          </m:rPr>
+                          <a:rPr lang="en-US" i="1">
+                            <a:latin typeface="Cambria Math" charset="0"/>
+                          </a:rPr>
+                          <m:t>𝑖</m:t>
+                        </m:r>
+                        <m:r>
+                          <a:rPr lang="en-US" i="1">
+                            <a:latin typeface="Cambria Math" charset="0"/>
+                          </a:rPr>
+                          <m:t>=1</m:t>
+                        </m:r>
+                      </m:sub>
+                      <m:sup>
+                        <m:r>
+                          <a:rPr lang="en-US" i="1">
+                            <a:latin typeface="Cambria Math" charset="0"/>
+                          </a:rPr>
+                          <m:t>𝑛</m:t>
+                        </m:r>
+                      </m:sup>
+                      <m:e>
+                        <m:r>
+                          <a:rPr lang="en-US" b="0" i="1" smtClean="0">
+                            <a:latin typeface="Cambria Math" charset="0"/>
+                          </a:rPr>
+                          <m:t>1</m:t>
+                        </m:r>
+                      </m:e>
+                    </m:nary>
+                  </m:oMath>
+                </a14:m>
+                <a:r>
+                  <a:rPr lang="en-US" dirty="0" smtClean="0"/>
+                  <a:t> = </a:t>
+                </a:r>
+                <a:r>
+                  <a:rPr lang="en-US" i="1" dirty="0" smtClean="0"/>
+                  <a:t>n</a:t>
+                </a:r>
+                <a:r>
+                  <a:rPr lang="en-US" dirty="0" smtClean="0"/>
+                  <a:t> + </a:t>
+                </a:r>
+                <a:r>
+                  <a:rPr lang="en-US" i="1" dirty="0" smtClean="0"/>
+                  <a:t>n</a:t>
+                </a:r>
+                <a:r>
+                  <a:rPr lang="en-US" dirty="0" smtClean="0"/>
+                  <a:t> = 2</a:t>
+                </a:r>
+                <a:r>
+                  <a:rPr lang="en-US" i="1" dirty="0" smtClean="0"/>
+                  <a:t>n</a:t>
+                </a:r>
+                <a:r>
+                  <a:rPr lang="en-US" dirty="0" smtClean="0"/>
+                  <a:t> which means this </a:t>
+                </a:r>
+                <a:r>
+                  <a:rPr lang="en-US" dirty="0" err="1" smtClean="0"/>
+                  <a:t>findw</a:t>
+                </a:r>
+                <a:r>
+                  <a:rPr lang="en-US" dirty="0" smtClean="0"/>
+                  <a:t> is O(n)</a:t>
+                </a:r>
+                <a:endParaRPr lang="en-US" dirty="0"/>
+              </a:p>
+            </p:txBody>
+          </p:sp>
+        </mc:Choice>
+        <mc:Fallback>
+          <p:sp>
+            <p:nvSpPr>
+              <p:cNvPr id="8" name="Content Placeholder 2"/>
+              <p:cNvSpPr>
+                <a:spLocks noGrp="1" noRot="1" noChangeAspect="1" noMove="1" noResize="1" noEditPoints="1" noAdjustHandles="1" noChangeArrowheads="1" noChangeShapeType="1" noTextEdit="1"/>
+              </p:cNvSpPr>
+              <p:nvPr>
+                <p:ph idx="1"/>
+              </p:nvPr>
+            </p:nvSpPr>
+            <p:spPr>
+              <a:xfrm>
+                <a:off x="838200" y="1825625"/>
+                <a:ext cx="11136086" cy="4351338"/>
+              </a:xfrm>
+              <a:blipFill rotWithShape="0">
+                <a:blip r:embed="rId2"/>
+                <a:stretch>
+                  <a:fillRect l="-986" t="-2381"/>
+                </a:stretch>
+              </a:blipFill>
+            </p:spPr>
+            <p:txBody>
+              <a:bodyPr/>
+              <a:lstStyle/>
+              <a:p>
+                <a:r>
+                  <a:rPr lang="en-US">
+                    <a:noFill/>
+                  </a:rPr>
+                  <a:t> </a:t>
+                </a:r>
+              </a:p>
+            </p:txBody>
+          </p:sp>
+        </mc:Fallback>
+      </mc:AlternateContent>
+      <p:sp>
+        <p:nvSpPr>
+          <p:cNvPr id="9" name="TextBox 8"/>
+          <p:cNvSpPr txBox="1"/>
+          <p:nvPr/>
+        </p:nvSpPr>
+        <p:spPr>
+          <a:xfrm>
+            <a:off x="5489943" y="1875241"/>
+            <a:ext cx="6172201" cy="2308324"/>
+          </a:xfrm>
+          <a:prstGeom prst="rect">
+            <a:avLst/>
+          </a:prstGeom>
+          <a:noFill/>
+          <a:ln>
+            <a:solidFill>
+              <a:schemeClr val="accent1"/>
+            </a:solidFill>
+          </a:ln>
+        </p:spPr>
+        <p:txBody>
+          <a:bodyPr wrap="square" rtlCol="0">
+            <a:spAutoFit/>
+          </a:bodyPr>
+          <a:lstStyle/>
+          <a:p>
+            <a:r>
+              <a:rPr lang="en-US" sz="2400" dirty="0" err="1" smtClean="0">
+                <a:latin typeface="Monaco" charset="0"/>
+                <a:ea typeface="Monaco" charset="0"/>
+                <a:cs typeface="Monaco" charset="0"/>
+              </a:rPr>
+              <a:t>def</a:t>
+            </a:r>
+            <a:r>
+              <a:rPr lang="en-US" sz="2400" dirty="0" smtClean="0">
+                <a:latin typeface="Monaco" charset="0"/>
+                <a:ea typeface="Monaco" charset="0"/>
+                <a:cs typeface="Monaco" charset="0"/>
+              </a:rPr>
+              <a:t> </a:t>
+            </a:r>
+            <a:r>
+              <a:rPr lang="en-US" sz="2400" dirty="0" err="1" smtClean="0">
+                <a:latin typeface="Monaco" charset="0"/>
+                <a:ea typeface="Monaco" charset="0"/>
+                <a:cs typeface="Monaco" charset="0"/>
+              </a:rPr>
+              <a:t>findw</a:t>
+            </a:r>
+            <a:r>
+              <a:rPr lang="en-US" sz="2400" dirty="0" smtClean="0">
+                <a:latin typeface="Monaco" charset="0"/>
+                <a:ea typeface="Monaco" charset="0"/>
+                <a:cs typeface="Monaco" charset="0"/>
+              </a:rPr>
+              <a:t>(</a:t>
+            </a:r>
+            <a:r>
+              <a:rPr lang="en-US" sz="2400" dirty="0" err="1" smtClean="0">
+                <a:latin typeface="Monaco" charset="0"/>
+                <a:ea typeface="Monaco" charset="0"/>
+                <a:cs typeface="Monaco" charset="0"/>
+              </a:rPr>
+              <a:t>words:list</a:t>
+            </a:r>
+            <a:r>
+              <a:rPr lang="en-US" sz="2400" dirty="0" smtClean="0">
+                <a:latin typeface="Monaco" charset="0"/>
+                <a:ea typeface="Monaco" charset="0"/>
+                <a:cs typeface="Monaco" charset="0"/>
+              </a:rPr>
+              <a:t>, </a:t>
+            </a:r>
+            <a:r>
+              <a:rPr lang="en-US" sz="2400" dirty="0" err="1" smtClean="0">
+                <a:latin typeface="Monaco" charset="0"/>
+                <a:ea typeface="Monaco" charset="0"/>
+                <a:cs typeface="Monaco" charset="0"/>
+              </a:rPr>
+              <a:t>a:</a:t>
+            </a:r>
+            <a:r>
+              <a:rPr lang="en-US" sz="2400" b="1" dirty="0" err="1" smtClean="0">
+                <a:solidFill>
+                  <a:srgbClr val="FF0000"/>
+                </a:solidFill>
+                <a:latin typeface="Monaco" charset="0"/>
+                <a:ea typeface="Monaco" charset="0"/>
+                <a:cs typeface="Monaco" charset="0"/>
+              </a:rPr>
+              <a:t>set</a:t>
+            </a:r>
+            <a:r>
+              <a:rPr lang="en-US" sz="2400" dirty="0" smtClean="0">
+                <a:latin typeface="Monaco" charset="0"/>
+                <a:ea typeface="Monaco" charset="0"/>
+                <a:cs typeface="Monaco" charset="0"/>
+              </a:rPr>
+              <a:t>):</a:t>
+            </a:r>
+          </a:p>
+          <a:p>
+            <a:r>
+              <a:rPr lang="en-US" sz="2400" dirty="0" smtClean="0">
+                <a:latin typeface="Monaco" charset="0"/>
+                <a:ea typeface="Monaco" charset="0"/>
+                <a:cs typeface="Monaco" charset="0"/>
+              </a:rPr>
+              <a:t>    c = 0</a:t>
+            </a:r>
+            <a:endParaRPr lang="en-US" sz="2400" dirty="0">
+              <a:latin typeface="Monaco" charset="0"/>
+              <a:ea typeface="Monaco" charset="0"/>
+              <a:cs typeface="Monaco" charset="0"/>
+            </a:endParaRPr>
+          </a:p>
+          <a:p>
+            <a:r>
+              <a:rPr lang="en-US" sz="2400" dirty="0" smtClean="0">
+                <a:latin typeface="Monaco" charset="0"/>
+                <a:ea typeface="Monaco" charset="0"/>
+                <a:cs typeface="Monaco" charset="0"/>
+              </a:rPr>
+              <a:t>    for </a:t>
+            </a:r>
+            <a:r>
+              <a:rPr lang="en-US" sz="2400" dirty="0" err="1">
+                <a:latin typeface="Monaco" charset="0"/>
+                <a:ea typeface="Monaco" charset="0"/>
+                <a:cs typeface="Monaco" charset="0"/>
+              </a:rPr>
+              <a:t>i</a:t>
+            </a:r>
+            <a:r>
+              <a:rPr lang="en-US" sz="2400" dirty="0">
+                <a:latin typeface="Monaco" charset="0"/>
+                <a:ea typeface="Monaco" charset="0"/>
+                <a:cs typeface="Monaco" charset="0"/>
+              </a:rPr>
+              <a:t> in </a:t>
+            </a:r>
+            <a:r>
+              <a:rPr lang="en-US" sz="2400" dirty="0" smtClean="0">
+                <a:latin typeface="Monaco" charset="0"/>
+                <a:ea typeface="Monaco" charset="0"/>
+                <a:cs typeface="Monaco" charset="0"/>
+              </a:rPr>
+              <a:t>range(</a:t>
+            </a:r>
+            <a:r>
+              <a:rPr lang="en-US" sz="2400" dirty="0" err="1" smtClean="0">
+                <a:latin typeface="Monaco" charset="0"/>
+                <a:ea typeface="Monaco" charset="0"/>
+                <a:cs typeface="Monaco" charset="0"/>
+              </a:rPr>
+              <a:t>len</a:t>
+            </a:r>
+            <a:r>
+              <a:rPr lang="en-US" sz="2400" dirty="0" smtClean="0">
+                <a:latin typeface="Monaco" charset="0"/>
+                <a:ea typeface="Monaco" charset="0"/>
+                <a:cs typeface="Monaco" charset="0"/>
+              </a:rPr>
+              <a:t>(a)):</a:t>
+            </a:r>
+          </a:p>
+          <a:p>
+            <a:r>
+              <a:rPr lang="en-US" sz="2400" dirty="0">
+                <a:latin typeface="Monaco" charset="0"/>
+                <a:ea typeface="Monaco" charset="0"/>
+                <a:cs typeface="Monaco" charset="0"/>
+              </a:rPr>
+              <a:t> </a:t>
+            </a:r>
+            <a:r>
+              <a:rPr lang="en-US" sz="2400" dirty="0" smtClean="0">
+                <a:latin typeface="Monaco" charset="0"/>
+                <a:ea typeface="Monaco" charset="0"/>
+                <a:cs typeface="Monaco" charset="0"/>
+              </a:rPr>
+              <a:t>       if words[</a:t>
+            </a:r>
+            <a:r>
+              <a:rPr lang="en-US" sz="2400" dirty="0" err="1" smtClean="0">
+                <a:latin typeface="Monaco" charset="0"/>
+                <a:ea typeface="Monaco" charset="0"/>
+                <a:cs typeface="Monaco" charset="0"/>
+              </a:rPr>
+              <a:t>i</a:t>
+            </a:r>
+            <a:r>
+              <a:rPr lang="en-US" sz="2400" dirty="0" smtClean="0">
+                <a:latin typeface="Monaco" charset="0"/>
+                <a:ea typeface="Monaco" charset="0"/>
+                <a:cs typeface="Monaco" charset="0"/>
+              </a:rPr>
+              <a:t>] in a:</a:t>
+            </a:r>
+          </a:p>
+          <a:p>
+            <a:r>
+              <a:rPr lang="en-US" sz="2400" dirty="0">
+                <a:latin typeface="Monaco" charset="0"/>
+                <a:ea typeface="Monaco" charset="0"/>
+                <a:cs typeface="Monaco" charset="0"/>
+              </a:rPr>
+              <a:t> </a:t>
+            </a:r>
+            <a:r>
+              <a:rPr lang="en-US" sz="2400" dirty="0" smtClean="0">
+                <a:latin typeface="Monaco" charset="0"/>
+                <a:ea typeface="Monaco" charset="0"/>
+                <a:cs typeface="Monaco" charset="0"/>
+              </a:rPr>
+              <a:t>           c += 1</a:t>
+            </a:r>
+          </a:p>
+          <a:p>
+            <a:r>
+              <a:rPr lang="en-US" sz="2400" dirty="0" smtClean="0">
+                <a:latin typeface="Monaco" charset="0"/>
+                <a:ea typeface="Monaco" charset="0"/>
+                <a:cs typeface="Monaco" charset="0"/>
+              </a:rPr>
+              <a:t>    return c</a:t>
+            </a:r>
+            <a:endParaRPr lang="en-US" sz="2400" dirty="0">
+              <a:latin typeface="Monaco" charset="0"/>
+              <a:ea typeface="Monaco" charset="0"/>
+              <a:cs typeface="Monaco" charset="0"/>
+            </a:endParaRPr>
+          </a:p>
+        </p:txBody>
+      </p:sp>
+    </p:spTree>
+    <p:extLst>
+      <p:ext uri="{BB962C8B-B14F-4D97-AF65-F5344CB8AC3E}">
+        <p14:creationId xmlns:p14="http://schemas.microsoft.com/office/powerpoint/2010/main" val="1571316330"/>
+      </p:ext>
+    </p:extLst>
+  </p:cSld>
+  <p:clrMapOvr>
+    <a:masterClrMapping/>
+  </p:clrMapOvr>
+</p:sld>
+</file>
+
+<file path=ppt/slides/slide17.xml><?xml version="1.0" encoding="utf-8"?>
+<p:sld xmlns:a="http://schemas.openxmlformats.org/drawingml/2006/main" xmlns:r="http://schemas.openxmlformats.org/officeDocument/2006/relationships" xmlns:p="http://schemas.openxmlformats.org/presentationml/2006/main">
+  <p:cSld>
+    <p:spTree>
+      <p:nvGrpSpPr>
+        <p:cNvPr id="1" name=""/>
+        <p:cNvGrpSpPr/>
+        <p:nvPr/>
+      </p:nvGrpSpPr>
+      <p:grpSpPr>
+        <a:xfrm>
+          <a:off x="0" y="0"/>
+          <a:ext cx="0" cy="0"/>
+          <a:chOff x="0" y="0"/>
+          <a:chExt cx="0" cy="0"/>
+        </a:xfrm>
+      </p:grpSpPr>
+      <p:sp>
+        <p:nvSpPr>
+          <p:cNvPr id="2" name="Title 1"/>
+          <p:cNvSpPr txBox="1">
+            <a:spLocks/>
+          </p:cNvSpPr>
+          <p:nvPr/>
+        </p:nvSpPr>
+        <p:spPr>
+          <a:xfrm>
+            <a:off x="838200" y="365125"/>
+            <a:ext cx="10515600" cy="1325563"/>
+          </a:xfrm>
+          <a:prstGeom prst="rect">
+            <a:avLst/>
+          </a:prstGeom>
+        </p:spPr>
+        <p:txBody>
+          <a:bodyPr/>
+          <a:lstStyle>
+            <a:lvl1pPr algn="l" defTabSz="914400" rtl="0" eaLnBrk="1" latinLnBrk="0" hangingPunct="1">
+              <a:lnSpc>
+                <a:spcPct val="90000"/>
+              </a:lnSpc>
+              <a:spcBef>
+                <a:spcPct val="0"/>
+              </a:spcBef>
+              <a:buNone/>
+              <a:defRPr sz="4400" kern="1200">
+                <a:solidFill>
+                  <a:schemeClr val="tx1"/>
+                </a:solidFill>
+                <a:latin typeface="+mj-lt"/>
+                <a:ea typeface="+mj-ea"/>
+                <a:cs typeface="+mj-cs"/>
+              </a:defRPr>
+            </a:lvl1pPr>
+          </a:lstStyle>
+          <a:p>
+            <a:r>
+              <a:rPr lang="en-US" smtClean="0"/>
+              <a:t>Don’t count lines of code</a:t>
+            </a:r>
+            <a:endParaRPr lang="en-US" dirty="0"/>
+          </a:p>
+        </p:txBody>
+      </p:sp>
+      <mc:AlternateContent xmlns:mc="http://schemas.openxmlformats.org/markup-compatibility/2006">
+        <mc:Choice xmlns:a14="http://schemas.microsoft.com/office/drawing/2010/main" Requires="a14">
+          <p:sp>
+            <p:nvSpPr>
+              <p:cNvPr id="3" name="Content Placeholder 2"/>
+              <p:cNvSpPr txBox="1">
+                <a:spLocks/>
+              </p:cNvSpPr>
+              <p:nvPr/>
+            </p:nvSpPr>
+            <p:spPr>
+              <a:xfrm>
+                <a:off x="838200" y="1825625"/>
+                <a:ext cx="11136086" cy="4351338"/>
+              </a:xfrm>
+              <a:prstGeom prst="rect">
+                <a:avLst/>
+              </a:prstGeom>
+            </p:spPr>
+            <p:txBody>
+              <a:bodyPr>
+                <a:normAutofit fontScale="92500" lnSpcReduction="10000"/>
+              </a:bodyPr>
+              <a:lstStyle>
+                <a:lvl1pPr marL="228600" indent="-228600" algn="l" defTabSz="914400" rtl="0" eaLnBrk="1" latinLnBrk="0" hangingPunct="1">
+                  <a:lnSpc>
+                    <a:spcPct val="90000"/>
+                  </a:lnSpc>
+                  <a:spcBef>
+                    <a:spcPts val="1000"/>
+                  </a:spcBef>
+                  <a:buFont typeface="Arial" panose="020B0604020202020204" pitchFamily="34" charset="0"/>
+                  <a:buChar char="•"/>
+                  <a:defRPr sz="2800" kern="1200">
+                    <a:solidFill>
+                      <a:schemeClr val="tx1"/>
+                    </a:solidFill>
+                    <a:latin typeface="+mn-lt"/>
+                    <a:ea typeface="+mn-ea"/>
+                    <a:cs typeface="+mn-cs"/>
+                  </a:defRPr>
+                </a:lvl1pPr>
+                <a:lvl2pPr marL="685800" indent="-228600" algn="l" defTabSz="914400" rtl="0" eaLnBrk="1" latinLnBrk="0" hangingPunct="1">
+                  <a:lnSpc>
+                    <a:spcPct val="90000"/>
+                  </a:lnSpc>
+                  <a:spcBef>
+                    <a:spcPts val="500"/>
+                  </a:spcBef>
+                  <a:buFont typeface="Arial" panose="020B0604020202020204" pitchFamily="34" charset="0"/>
+                  <a:buChar char="•"/>
+                  <a:defRPr sz="2400" kern="1200">
+                    <a:solidFill>
+                      <a:schemeClr val="tx1"/>
+                    </a:solidFill>
+                    <a:latin typeface="+mn-lt"/>
+                    <a:ea typeface="+mn-ea"/>
+                    <a:cs typeface="+mn-cs"/>
+                  </a:defRPr>
+                </a:lvl2pPr>
+                <a:lvl3pPr marL="1143000" indent="-228600" algn="l" defTabSz="914400" rtl="0" eaLnBrk="1" latinLnBrk="0" hangingPunct="1">
+                  <a:lnSpc>
+                    <a:spcPct val="90000"/>
+                  </a:lnSpc>
+                  <a:spcBef>
+                    <a:spcPts val="500"/>
+                  </a:spcBef>
+                  <a:buFont typeface="Arial" panose="020B0604020202020204" pitchFamily="34" charset="0"/>
+                  <a:buChar char="•"/>
+                  <a:defRPr sz="2000" kern="1200">
+                    <a:solidFill>
+                      <a:schemeClr val="tx1"/>
+                    </a:solidFill>
+                    <a:latin typeface="+mn-lt"/>
+                    <a:ea typeface="+mn-ea"/>
+                    <a:cs typeface="+mn-cs"/>
+                  </a:defRPr>
+                </a:lvl3pPr>
+                <a:lvl4pPr marL="1600200" indent="-228600" algn="l" defTabSz="914400" rtl="0" eaLnBrk="1" latinLnBrk="0" hangingPunct="1">
+                  <a:lnSpc>
+                    <a:spcPct val="90000"/>
+                  </a:lnSpc>
+                  <a:spcBef>
+                    <a:spcPts val="500"/>
+                  </a:spcBef>
+                  <a:buFont typeface="Arial" panose="020B0604020202020204" pitchFamily="34" charset="0"/>
+                  <a:buChar char="•"/>
+                  <a:defRPr sz="1800" kern="1200">
+                    <a:solidFill>
+                      <a:schemeClr val="tx1"/>
+                    </a:solidFill>
+                    <a:latin typeface="+mn-lt"/>
+                    <a:ea typeface="+mn-ea"/>
+                    <a:cs typeface="+mn-cs"/>
+                  </a:defRPr>
+                </a:lvl4pPr>
+                <a:lvl5pPr marL="2057400" indent="-228600" algn="l" defTabSz="914400" rtl="0" eaLnBrk="1" latinLnBrk="0" hangingPunct="1">
+                  <a:lnSpc>
+                    <a:spcPct val="90000"/>
+                  </a:lnSpc>
+                  <a:spcBef>
+                    <a:spcPts val="500"/>
+                  </a:spcBef>
+                  <a:buFont typeface="Arial" panose="020B0604020202020204" pitchFamily="34" charset="0"/>
+                  <a:buChar char="•"/>
+                  <a:defRPr sz="1800" kern="1200">
+                    <a:solidFill>
+                      <a:schemeClr val="tx1"/>
+                    </a:solidFill>
+                    <a:latin typeface="+mn-lt"/>
+                    <a:ea typeface="+mn-ea"/>
+                    <a:cs typeface="+mn-cs"/>
+                  </a:defRPr>
+                </a:lvl5pPr>
+                <a:lvl6pPr marL="2514600" indent="-228600" algn="l" defTabSz="914400" rtl="0" eaLnBrk="1" latinLnBrk="0" hangingPunct="1">
+                  <a:lnSpc>
+                    <a:spcPct val="90000"/>
+                  </a:lnSpc>
+                  <a:spcBef>
+                    <a:spcPts val="500"/>
+                  </a:spcBef>
+                  <a:buFont typeface="Arial" panose="020B0604020202020204" pitchFamily="34" charset="0"/>
+                  <a:buChar char="•"/>
+                  <a:defRPr sz="1800" kern="1200">
+                    <a:solidFill>
+                      <a:schemeClr val="tx1"/>
+                    </a:solidFill>
+                    <a:latin typeface="+mn-lt"/>
+                    <a:ea typeface="+mn-ea"/>
+                    <a:cs typeface="+mn-cs"/>
+                  </a:defRPr>
+                </a:lvl6pPr>
+                <a:lvl7pPr marL="2971800" indent="-228600" algn="l" defTabSz="914400" rtl="0" eaLnBrk="1" latinLnBrk="0" hangingPunct="1">
+                  <a:lnSpc>
+                    <a:spcPct val="90000"/>
+                  </a:lnSpc>
+                  <a:spcBef>
+                    <a:spcPts val="500"/>
+                  </a:spcBef>
+                  <a:buFont typeface="Arial" panose="020B0604020202020204" pitchFamily="34" charset="0"/>
+                  <a:buChar char="•"/>
+                  <a:defRPr sz="1800" kern="1200">
+                    <a:solidFill>
+                      <a:schemeClr val="tx1"/>
+                    </a:solidFill>
+                    <a:latin typeface="+mn-lt"/>
+                    <a:ea typeface="+mn-ea"/>
+                    <a:cs typeface="+mn-cs"/>
+                  </a:defRPr>
+                </a:lvl7pPr>
+                <a:lvl8pPr marL="3429000" indent="-228600" algn="l" defTabSz="914400" rtl="0" eaLnBrk="1" latinLnBrk="0" hangingPunct="1">
+                  <a:lnSpc>
+                    <a:spcPct val="90000"/>
+                  </a:lnSpc>
+                  <a:spcBef>
+                    <a:spcPts val="500"/>
+                  </a:spcBef>
+                  <a:buFont typeface="Arial" panose="020B0604020202020204" pitchFamily="34" charset="0"/>
+                  <a:buChar char="•"/>
+                  <a:defRPr sz="1800" kern="1200">
+                    <a:solidFill>
+                      <a:schemeClr val="tx1"/>
+                    </a:solidFill>
+                    <a:latin typeface="+mn-lt"/>
+                    <a:ea typeface="+mn-ea"/>
+                    <a:cs typeface="+mn-cs"/>
+                  </a:defRPr>
+                </a:lvl8pPr>
+                <a:lvl9pPr marL="3886200" indent="-228600" algn="l" defTabSz="914400" rtl="0" eaLnBrk="1" latinLnBrk="0" hangingPunct="1">
+                  <a:lnSpc>
+                    <a:spcPct val="90000"/>
+                  </a:lnSpc>
+                  <a:spcBef>
+                    <a:spcPts val="500"/>
+                  </a:spcBef>
+                  <a:buFont typeface="Arial" panose="020B0604020202020204" pitchFamily="34" charset="0"/>
+                  <a:buChar char="•"/>
+                  <a:defRPr sz="1800" kern="1200">
+                    <a:solidFill>
+                      <a:schemeClr val="tx1"/>
+                    </a:solidFill>
+                    <a:latin typeface="+mn-lt"/>
+                    <a:ea typeface="+mn-ea"/>
+                    <a:cs typeface="+mn-cs"/>
+                  </a:defRPr>
+                </a:lvl9pPr>
+              </a:lstStyle>
+              <a:p>
+                <a:r>
+                  <a:rPr lang="en-US" dirty="0" smtClean="0"/>
+                  <a:t>What is </a:t>
+                </a:r>
+                <a:r>
+                  <a:rPr lang="en-US" i="1" dirty="0" smtClean="0"/>
+                  <a:t>O(n)</a:t>
+                </a:r>
+                <a:r>
+                  <a:rPr lang="en-US" dirty="0" smtClean="0"/>
+                  <a:t> for </a:t>
+                </a:r>
+                <a:r>
+                  <a:rPr lang="en-US" dirty="0" err="1" smtClean="0"/>
+                  <a:t>findw</a:t>
+                </a:r>
+                <a:r>
+                  <a:rPr lang="en-US" dirty="0" smtClean="0"/>
+                  <a:t>()?</a:t>
+                </a:r>
+              </a:p>
+              <a:p>
+                <a:r>
+                  <a:rPr lang="en-US" dirty="0" smtClean="0"/>
+                  <a:t>Let </a:t>
+                </a:r>
+                <a:r>
+                  <a:rPr lang="en-US" i="1" dirty="0" smtClean="0"/>
+                  <a:t>n</a:t>
+                </a:r>
+                <a:r>
+                  <a:rPr lang="en-US" dirty="0" smtClean="0"/>
+                  <a:t> be </a:t>
+                </a:r>
+                <a:r>
+                  <a:rPr lang="en-US" dirty="0" err="1" smtClean="0"/>
+                  <a:t>len</a:t>
+                </a:r>
+                <a:r>
+                  <a:rPr lang="en-US" dirty="0" smtClean="0"/>
+                  <a:t>(words),</a:t>
+                </a:r>
+                <a:br>
+                  <a:rPr lang="en-US" dirty="0" smtClean="0"/>
+                </a:br>
+                <a:r>
+                  <a:rPr lang="en-US" i="1" dirty="0" smtClean="0"/>
+                  <a:t>m</a:t>
+                </a:r>
+                <a:r>
+                  <a:rPr lang="en-US" dirty="0" smtClean="0"/>
+                  <a:t> be </a:t>
+                </a:r>
+                <a:r>
+                  <a:rPr lang="en-US" dirty="0" err="1" smtClean="0"/>
+                  <a:t>len</a:t>
+                </a:r>
+                <a:r>
+                  <a:rPr lang="en-US" dirty="0" smtClean="0"/>
+                  <a:t>(a)</a:t>
+                </a:r>
+                <a:br>
+                  <a:rPr lang="en-US" dirty="0" smtClean="0"/>
+                </a:br>
+                <a:r>
+                  <a:rPr lang="en-US" dirty="0" smtClean="0"/>
+                  <a:t/>
+                </a:r>
+                <a:br>
+                  <a:rPr lang="en-US" dirty="0" smtClean="0"/>
+                </a:br>
+                <a:r>
+                  <a:rPr lang="en-US" dirty="0" smtClean="0"/>
+                  <a:t/>
+                </a:r>
+                <a:br>
+                  <a:rPr lang="en-US" dirty="0" smtClean="0"/>
+                </a:br>
+                <a:r>
+                  <a:rPr lang="en-US" dirty="0" smtClean="0"/>
+                  <a:t/>
+                </a:r>
+                <a:br>
+                  <a:rPr lang="en-US" dirty="0" smtClean="0"/>
+                </a:br>
+                <a:endParaRPr lang="en-US" dirty="0" smtClean="0"/>
+              </a:p>
+              <a:p>
+                <a:r>
+                  <a:rPr lang="en-US" i="1" dirty="0" smtClean="0"/>
+                  <a:t>T(n) </a:t>
+                </a:r>
+                <a:r>
+                  <a:rPr lang="en-US" dirty="0" smtClean="0"/>
+                  <a:t>= </a:t>
+                </a:r>
+                <a14:m>
+                  <m:oMath xmlns:m="http://schemas.openxmlformats.org/officeDocument/2006/math">
+                    <m:nary>
+                      <m:naryPr>
+                        <m:chr m:val="∑"/>
+                        <m:ctrlPr>
+                          <a:rPr lang="is-IS" i="1" smtClean="0">
+                            <a:latin typeface="Cambria Math" charset="0"/>
+                          </a:rPr>
+                        </m:ctrlPr>
+                      </m:naryPr>
+                      <m:sub>
+                        <m:r>
+                          <m:rPr>
+                            <m:brk m:alnAt="23"/>
+                          </m:rPr>
+                          <a:rPr lang="en-US" i="1" smtClean="0">
+                            <a:latin typeface="Cambria Math" charset="0"/>
+                          </a:rPr>
+                          <m:t>𝑖</m:t>
+                        </m:r>
+                        <m:r>
+                          <a:rPr lang="en-US" i="1" smtClean="0">
+                            <a:latin typeface="Cambria Math" charset="0"/>
+                          </a:rPr>
+                          <m:t>=1</m:t>
+                        </m:r>
+                      </m:sub>
+                      <m:sup>
+                        <m:r>
+                          <a:rPr lang="en-US" i="1" smtClean="0">
+                            <a:latin typeface="Cambria Math" charset="0"/>
+                          </a:rPr>
+                          <m:t>𝑛</m:t>
+                        </m:r>
+                      </m:sup>
+                      <m:e>
+                        <m:r>
+                          <a:rPr lang="en-US" i="1" smtClean="0">
+                            <a:latin typeface="Cambria Math" charset="0"/>
+                          </a:rPr>
+                          <m:t>1+</m:t>
+                        </m:r>
+                        <m:r>
+                          <a:rPr lang="en-US" i="1" smtClean="0">
+                            <a:latin typeface="Cambria Math" charset="0"/>
+                          </a:rPr>
+                          <m:t>𝑐𝑜𝑠𝑡</m:t>
+                        </m:r>
+                        <m:r>
+                          <a:rPr lang="en-US" i="1" smtClean="0">
+                            <a:latin typeface="Cambria Math" charset="0"/>
+                          </a:rPr>
+                          <m:t> </m:t>
+                        </m:r>
+                        <m:r>
+                          <a:rPr lang="en-US" i="1" smtClean="0">
+                            <a:latin typeface="Cambria Math" charset="0"/>
+                          </a:rPr>
+                          <m:t>𝑜𝑓</m:t>
+                        </m:r>
+                        <m:r>
+                          <a:rPr lang="en-US" i="1" smtClean="0">
+                            <a:latin typeface="Cambria Math" charset="0"/>
+                          </a:rPr>
+                          <m:t> </m:t>
+                        </m:r>
+                        <m:r>
+                          <m:rPr>
+                            <m:sty m:val="p"/>
+                          </m:rPr>
+                          <a:rPr lang="en-US" smtClean="0">
+                            <a:latin typeface="Arial" charset="0"/>
+                          </a:rPr>
+                          <m:t>in</m:t>
+                        </m:r>
+                        <m:r>
+                          <a:rPr lang="en-US" i="1" smtClean="0">
+                            <a:latin typeface="Cambria Math" charset="0"/>
+                          </a:rPr>
+                          <m:t> </m:t>
+                        </m:r>
+                        <m:r>
+                          <a:rPr lang="en-US" i="1" smtClean="0">
+                            <a:latin typeface="Cambria Math" charset="0"/>
+                          </a:rPr>
+                          <m:t>𝑜𝑝𝑒𝑟𝑎𝑡𝑖𝑜𝑛</m:t>
+                        </m:r>
+                      </m:e>
+                    </m:nary>
+                  </m:oMath>
+                </a14:m>
+                <a:r>
+                  <a:rPr lang="en-US" dirty="0" smtClean="0"/>
+                  <a:t/>
+                </a:r>
+                <a:br>
+                  <a:rPr lang="en-US" dirty="0" smtClean="0"/>
+                </a:br>
+                <a:r>
+                  <a:rPr lang="en-US" dirty="0" smtClean="0"/>
+                  <a:t>        = </a:t>
+                </a:r>
+                <a:r>
+                  <a:rPr lang="en-US" i="1" dirty="0" smtClean="0"/>
+                  <a:t>n</a:t>
+                </a:r>
+                <a:r>
+                  <a:rPr lang="en-US" dirty="0" smtClean="0"/>
+                  <a:t> + </a:t>
+                </a:r>
+                <a14:m>
+                  <m:oMath xmlns:m="http://schemas.openxmlformats.org/officeDocument/2006/math">
+                    <m:nary>
+                      <m:naryPr>
+                        <m:chr m:val="∑"/>
+                        <m:ctrlPr>
+                          <a:rPr lang="is-IS" i="1">
+                            <a:latin typeface="Cambria Math" charset="0"/>
+                          </a:rPr>
+                        </m:ctrlPr>
+                      </m:naryPr>
+                      <m:sub>
+                        <m:r>
+                          <m:rPr>
+                            <m:brk m:alnAt="23"/>
+                          </m:rPr>
+                          <a:rPr lang="en-US" i="1">
+                            <a:latin typeface="Cambria Math" charset="0"/>
+                          </a:rPr>
+                          <m:t>𝑖</m:t>
+                        </m:r>
+                        <m:r>
+                          <a:rPr lang="en-US" i="1">
+                            <a:latin typeface="Cambria Math" charset="0"/>
+                          </a:rPr>
+                          <m:t>=1</m:t>
+                        </m:r>
+                      </m:sub>
+                      <m:sup>
+                        <m:r>
+                          <a:rPr lang="en-US" i="1">
+                            <a:latin typeface="Cambria Math" charset="0"/>
+                          </a:rPr>
+                          <m:t>𝑛</m:t>
+                        </m:r>
+                      </m:sup>
+                      <m:e>
+                        <m:r>
+                          <a:rPr lang="en-US" i="1">
+                            <a:latin typeface="Cambria Math" charset="0"/>
+                          </a:rPr>
+                          <m:t>𝑐𝑜𝑠𝑡</m:t>
+                        </m:r>
+                        <m:r>
+                          <a:rPr lang="en-US" i="1">
+                            <a:latin typeface="Cambria Math" charset="0"/>
+                          </a:rPr>
+                          <m:t> </m:t>
+                        </m:r>
+                        <m:r>
+                          <a:rPr lang="en-US" i="1">
+                            <a:latin typeface="Cambria Math" charset="0"/>
+                          </a:rPr>
+                          <m:t>𝑜𝑓</m:t>
+                        </m:r>
+                        <m:r>
+                          <a:rPr lang="en-US" i="1">
+                            <a:latin typeface="Cambria Math" charset="0"/>
+                          </a:rPr>
+                          <m:t> </m:t>
+                        </m:r>
+                        <m:r>
+                          <m:rPr>
+                            <m:sty m:val="p"/>
+                          </m:rPr>
+                          <a:rPr lang="en-US">
+                            <a:latin typeface="Cambria Math" charset="0"/>
+                          </a:rPr>
+                          <m:t>in</m:t>
+                        </m:r>
+                        <m:r>
+                          <a:rPr lang="en-US" i="1">
+                            <a:latin typeface="Cambria Math" charset="0"/>
+                          </a:rPr>
+                          <m:t> </m:t>
+                        </m:r>
+                        <m:r>
+                          <a:rPr lang="en-US" i="1">
+                            <a:latin typeface="Cambria Math" charset="0"/>
+                          </a:rPr>
+                          <m:t>𝑜𝑝𝑒𝑟𝑎𝑡𝑖𝑜𝑛</m:t>
+                        </m:r>
+                      </m:e>
+                    </m:nary>
+                  </m:oMath>
+                </a14:m>
+                <a:r>
+                  <a:rPr lang="en-US" dirty="0" smtClean="0"/>
+                  <a:t/>
+                </a:r>
+                <a:br>
+                  <a:rPr lang="en-US" dirty="0" smtClean="0"/>
+                </a:br>
+                <a:r>
+                  <a:rPr lang="en-US" dirty="0" smtClean="0"/>
+                  <a:t>	 = </a:t>
+                </a:r>
+                <a:r>
+                  <a:rPr lang="en-US" i="1" dirty="0" smtClean="0"/>
+                  <a:t>n</a:t>
+                </a:r>
+                <a:r>
+                  <a:rPr lang="en-US" dirty="0" smtClean="0"/>
+                  <a:t> + </a:t>
+                </a:r>
+                <a14:m>
+                  <m:oMath xmlns:m="http://schemas.openxmlformats.org/officeDocument/2006/math">
+                    <m:nary>
+                      <m:naryPr>
+                        <m:chr m:val="∑"/>
+                        <m:ctrlPr>
+                          <a:rPr lang="is-IS" i="1">
+                            <a:latin typeface="Cambria Math" charset="0"/>
+                          </a:rPr>
+                        </m:ctrlPr>
+                      </m:naryPr>
+                      <m:sub>
+                        <m:r>
+                          <m:rPr>
+                            <m:brk m:alnAt="23"/>
+                          </m:rPr>
+                          <a:rPr lang="en-US" i="1">
+                            <a:latin typeface="Cambria Math" charset="0"/>
+                          </a:rPr>
+                          <m:t>𝑖</m:t>
+                        </m:r>
+                        <m:r>
+                          <a:rPr lang="en-US" i="1">
+                            <a:latin typeface="Cambria Math" charset="0"/>
+                          </a:rPr>
+                          <m:t>=1</m:t>
+                        </m:r>
+                      </m:sub>
+                      <m:sup>
+                        <m:r>
+                          <a:rPr lang="en-US" i="1">
+                            <a:latin typeface="Cambria Math" charset="0"/>
+                          </a:rPr>
+                          <m:t>𝑛</m:t>
+                        </m:r>
+                      </m:sup>
+                      <m:e>
+                        <m:r>
+                          <a:rPr lang="en-US" b="0" i="1" smtClean="0">
+                            <a:latin typeface="Cambria Math" charset="0"/>
+                          </a:rPr>
+                          <m:t>𝑚</m:t>
+                        </m:r>
+                      </m:e>
+                    </m:nary>
+                  </m:oMath>
+                </a14:m>
+                <a:r>
+                  <a:rPr lang="en-US" dirty="0" smtClean="0"/>
+                  <a:t> = </a:t>
+                </a:r>
+                <a:r>
+                  <a:rPr lang="en-US" i="1" dirty="0" smtClean="0"/>
+                  <a:t>n</a:t>
+                </a:r>
+                <a:r>
+                  <a:rPr lang="en-US" dirty="0" smtClean="0"/>
+                  <a:t> + </a:t>
+                </a:r>
+                <a:r>
+                  <a:rPr lang="en-US" i="1" dirty="0" smtClean="0"/>
+                  <a:t>n</a:t>
+                </a:r>
+                <a:r>
+                  <a:rPr lang="en-US" dirty="0" smtClean="0"/>
+                  <a:t> x </a:t>
+                </a:r>
+                <a:r>
+                  <a:rPr lang="en-US" i="1" dirty="0" smtClean="0"/>
+                  <a:t>m</a:t>
+                </a:r>
+                <a:r>
+                  <a:rPr lang="en-US" dirty="0" smtClean="0"/>
+                  <a:t> </a:t>
+                </a:r>
+                <a:r>
+                  <a:rPr lang="en-US" dirty="0" smtClean="0"/>
+                  <a:t>= </a:t>
+                </a:r>
+                <a:r>
+                  <a:rPr lang="en-US" i="1" dirty="0"/>
+                  <a:t>n</a:t>
+                </a:r>
+                <a:r>
+                  <a:rPr lang="en-US" dirty="0"/>
+                  <a:t> x </a:t>
+                </a:r>
+                <a:r>
+                  <a:rPr lang="en-US" i="1" dirty="0" smtClean="0"/>
+                  <a:t>m</a:t>
+                </a:r>
+                <a:endParaRPr lang="en-US" dirty="0"/>
+              </a:p>
+              <a:p>
+                <a:r>
+                  <a:rPr lang="en-US" dirty="0" smtClean="0"/>
+                  <a:t>So, this </a:t>
+                </a:r>
+                <a:r>
+                  <a:rPr lang="en-US" dirty="0" err="1" smtClean="0"/>
+                  <a:t>findw</a:t>
+                </a:r>
+                <a:r>
+                  <a:rPr lang="en-US" dirty="0" smtClean="0"/>
+                  <a:t> is </a:t>
+                </a:r>
+                <a:r>
+                  <a:rPr lang="en-US" i="1" dirty="0" smtClean="0"/>
+                  <a:t>O(nm) or, more commonly, O(</a:t>
+                </a:r>
+                <a14:m>
+                  <m:oMath xmlns:m="http://schemas.openxmlformats.org/officeDocument/2006/math">
+                    <m:sSup>
+                      <m:sSupPr>
+                        <m:ctrlPr>
+                          <a:rPr lang="en-US" i="1" smtClean="0">
+                            <a:latin typeface="Cambria Math" charset="0"/>
+                          </a:rPr>
+                        </m:ctrlPr>
+                      </m:sSupPr>
+                      <m:e>
+                        <m:r>
+                          <a:rPr lang="en-US" b="0" i="1" smtClean="0">
+                            <a:latin typeface="Cambria Math" charset="0"/>
+                          </a:rPr>
+                          <m:t>𝑛</m:t>
+                        </m:r>
+                      </m:e>
+                      <m:sup>
+                        <m:r>
+                          <a:rPr lang="en-US" b="0" i="1" smtClean="0">
+                            <a:latin typeface="Cambria Math" charset="0"/>
+                          </a:rPr>
+                          <m:t>2</m:t>
+                        </m:r>
+                      </m:sup>
+                    </m:sSup>
+                  </m:oMath>
+                </a14:m>
+                <a:r>
+                  <a:rPr lang="en-US" i="1" dirty="0" smtClean="0"/>
+                  <a:t>)</a:t>
+                </a:r>
+                <a:endParaRPr lang="en-US" i="1" dirty="0"/>
+              </a:p>
+            </p:txBody>
+          </p:sp>
+        </mc:Choice>
+        <mc:Fallback>
+          <p:sp>
+            <p:nvSpPr>
+              <p:cNvPr id="3" name="Content Placeholder 2"/>
+              <p:cNvSpPr txBox="1">
+                <a:spLocks noRot="1" noChangeAspect="1" noMove="1" noResize="1" noEditPoints="1" noAdjustHandles="1" noChangeArrowheads="1" noChangeShapeType="1" noTextEdit="1"/>
+              </p:cNvSpPr>
+              <p:nvPr/>
+            </p:nvSpPr>
+            <p:spPr>
+              <a:xfrm>
+                <a:off x="838200" y="1825625"/>
+                <a:ext cx="11136086" cy="4351338"/>
+              </a:xfrm>
+              <a:prstGeom prst="rect">
+                <a:avLst/>
+              </a:prstGeom>
+              <a:blipFill rotWithShape="0">
+                <a:blip r:embed="rId2"/>
+                <a:stretch>
+                  <a:fillRect l="-876" t="-3081"/>
+                </a:stretch>
+              </a:blipFill>
+            </p:spPr>
+            <p:txBody>
+              <a:bodyPr/>
+              <a:lstStyle/>
+              <a:p>
+                <a:r>
+                  <a:rPr lang="en-US">
+                    <a:noFill/>
+                  </a:rPr>
+                  <a:t> </a:t>
+                </a:r>
+              </a:p>
+            </p:txBody>
+          </p:sp>
+        </mc:Fallback>
+      </mc:AlternateContent>
+      <p:sp>
+        <p:nvSpPr>
+          <p:cNvPr id="4" name="TextBox 3"/>
+          <p:cNvSpPr txBox="1"/>
+          <p:nvPr/>
+        </p:nvSpPr>
+        <p:spPr>
+          <a:xfrm>
+            <a:off x="5489943" y="1875241"/>
+            <a:ext cx="6172201" cy="2308324"/>
+          </a:xfrm>
+          <a:prstGeom prst="rect">
+            <a:avLst/>
+          </a:prstGeom>
+          <a:noFill/>
+          <a:ln>
+            <a:solidFill>
+              <a:schemeClr val="accent1"/>
+            </a:solidFill>
+          </a:ln>
+        </p:spPr>
+        <p:txBody>
+          <a:bodyPr wrap="square" rtlCol="0">
+            <a:spAutoFit/>
+          </a:bodyPr>
+          <a:lstStyle/>
+          <a:p>
+            <a:r>
+              <a:rPr lang="en-US" sz="2400" dirty="0" err="1" smtClean="0">
+                <a:latin typeface="Monaco" charset="0"/>
+                <a:ea typeface="Monaco" charset="0"/>
+                <a:cs typeface="Monaco" charset="0"/>
+              </a:rPr>
+              <a:t>def</a:t>
+            </a:r>
+            <a:r>
+              <a:rPr lang="en-US" sz="2400" dirty="0" smtClean="0">
+                <a:latin typeface="Monaco" charset="0"/>
+                <a:ea typeface="Monaco" charset="0"/>
+                <a:cs typeface="Monaco" charset="0"/>
+              </a:rPr>
+              <a:t> </a:t>
+            </a:r>
+            <a:r>
+              <a:rPr lang="en-US" sz="2400" dirty="0" err="1" smtClean="0">
+                <a:latin typeface="Monaco" charset="0"/>
+                <a:ea typeface="Monaco" charset="0"/>
+                <a:cs typeface="Monaco" charset="0"/>
+              </a:rPr>
+              <a:t>findw</a:t>
+            </a:r>
+            <a:r>
+              <a:rPr lang="en-US" sz="2400" dirty="0" smtClean="0">
+                <a:latin typeface="Monaco" charset="0"/>
+                <a:ea typeface="Monaco" charset="0"/>
+                <a:cs typeface="Monaco" charset="0"/>
+              </a:rPr>
+              <a:t>(</a:t>
+            </a:r>
+            <a:r>
+              <a:rPr lang="en-US" sz="2400" dirty="0" err="1" smtClean="0">
+                <a:latin typeface="Monaco" charset="0"/>
+                <a:ea typeface="Monaco" charset="0"/>
+                <a:cs typeface="Monaco" charset="0"/>
+              </a:rPr>
+              <a:t>words:list</a:t>
+            </a:r>
+            <a:r>
+              <a:rPr lang="en-US" sz="2400" dirty="0" smtClean="0">
+                <a:latin typeface="Monaco" charset="0"/>
+                <a:ea typeface="Monaco" charset="0"/>
+                <a:cs typeface="Monaco" charset="0"/>
+              </a:rPr>
+              <a:t>, </a:t>
+            </a:r>
+            <a:r>
+              <a:rPr lang="en-US" sz="2400" dirty="0" err="1" smtClean="0">
+                <a:latin typeface="Monaco" charset="0"/>
+                <a:ea typeface="Monaco" charset="0"/>
+                <a:cs typeface="Monaco" charset="0"/>
+              </a:rPr>
+              <a:t>a:</a:t>
+            </a:r>
+            <a:r>
+              <a:rPr lang="en-US" sz="2400" b="1" dirty="0" err="1" smtClean="0">
+                <a:solidFill>
+                  <a:srgbClr val="FF0000"/>
+                </a:solidFill>
+                <a:latin typeface="Monaco" charset="0"/>
+                <a:ea typeface="Monaco" charset="0"/>
+                <a:cs typeface="Monaco" charset="0"/>
+              </a:rPr>
+              <a:t>list</a:t>
+            </a:r>
+            <a:r>
+              <a:rPr lang="en-US" sz="2400" dirty="0" smtClean="0">
+                <a:latin typeface="Monaco" charset="0"/>
+                <a:ea typeface="Monaco" charset="0"/>
+                <a:cs typeface="Monaco" charset="0"/>
+              </a:rPr>
+              <a:t>):</a:t>
+            </a:r>
+          </a:p>
+          <a:p>
+            <a:r>
+              <a:rPr lang="en-US" sz="2400" dirty="0" smtClean="0">
+                <a:latin typeface="Monaco" charset="0"/>
+                <a:ea typeface="Monaco" charset="0"/>
+                <a:cs typeface="Monaco" charset="0"/>
+              </a:rPr>
+              <a:t>    c = 0</a:t>
+            </a:r>
+            <a:endParaRPr lang="en-US" sz="2400" dirty="0">
+              <a:latin typeface="Monaco" charset="0"/>
+              <a:ea typeface="Monaco" charset="0"/>
+              <a:cs typeface="Monaco" charset="0"/>
+            </a:endParaRPr>
+          </a:p>
+          <a:p>
+            <a:r>
+              <a:rPr lang="en-US" sz="2400" dirty="0" smtClean="0">
+                <a:latin typeface="Monaco" charset="0"/>
+                <a:ea typeface="Monaco" charset="0"/>
+                <a:cs typeface="Monaco" charset="0"/>
+              </a:rPr>
+              <a:t>    for </a:t>
+            </a:r>
+            <a:r>
+              <a:rPr lang="en-US" sz="2400" dirty="0" err="1">
+                <a:latin typeface="Monaco" charset="0"/>
+                <a:ea typeface="Monaco" charset="0"/>
+                <a:cs typeface="Monaco" charset="0"/>
+              </a:rPr>
+              <a:t>i</a:t>
+            </a:r>
+            <a:r>
+              <a:rPr lang="en-US" sz="2400" dirty="0">
+                <a:latin typeface="Monaco" charset="0"/>
+                <a:ea typeface="Monaco" charset="0"/>
+                <a:cs typeface="Monaco" charset="0"/>
+              </a:rPr>
+              <a:t> in </a:t>
+            </a:r>
+            <a:r>
+              <a:rPr lang="en-US" sz="2400" dirty="0" smtClean="0">
+                <a:latin typeface="Monaco" charset="0"/>
+                <a:ea typeface="Monaco" charset="0"/>
+                <a:cs typeface="Monaco" charset="0"/>
+              </a:rPr>
+              <a:t>range(</a:t>
+            </a:r>
+            <a:r>
+              <a:rPr lang="en-US" sz="2400" dirty="0" err="1" smtClean="0">
+                <a:latin typeface="Monaco" charset="0"/>
+                <a:ea typeface="Monaco" charset="0"/>
+                <a:cs typeface="Monaco" charset="0"/>
+              </a:rPr>
+              <a:t>len</a:t>
+            </a:r>
+            <a:r>
+              <a:rPr lang="en-US" sz="2400" dirty="0" smtClean="0">
+                <a:latin typeface="Monaco" charset="0"/>
+                <a:ea typeface="Monaco" charset="0"/>
+                <a:cs typeface="Monaco" charset="0"/>
+              </a:rPr>
+              <a:t>(a)):</a:t>
+            </a:r>
+          </a:p>
+          <a:p>
+            <a:r>
+              <a:rPr lang="en-US" sz="2400" dirty="0">
+                <a:latin typeface="Monaco" charset="0"/>
+                <a:ea typeface="Monaco" charset="0"/>
+                <a:cs typeface="Monaco" charset="0"/>
+              </a:rPr>
+              <a:t> </a:t>
+            </a:r>
+            <a:r>
+              <a:rPr lang="en-US" sz="2400" dirty="0" smtClean="0">
+                <a:latin typeface="Monaco" charset="0"/>
+                <a:ea typeface="Monaco" charset="0"/>
+                <a:cs typeface="Monaco" charset="0"/>
+              </a:rPr>
+              <a:t>       if words[</a:t>
+            </a:r>
+            <a:r>
+              <a:rPr lang="en-US" sz="2400" dirty="0" err="1" smtClean="0">
+                <a:latin typeface="Monaco" charset="0"/>
+                <a:ea typeface="Monaco" charset="0"/>
+                <a:cs typeface="Monaco" charset="0"/>
+              </a:rPr>
+              <a:t>i</a:t>
+            </a:r>
+            <a:r>
+              <a:rPr lang="en-US" sz="2400" dirty="0" smtClean="0">
+                <a:latin typeface="Monaco" charset="0"/>
+                <a:ea typeface="Monaco" charset="0"/>
+                <a:cs typeface="Monaco" charset="0"/>
+              </a:rPr>
+              <a:t>] in a:</a:t>
+            </a:r>
+          </a:p>
+          <a:p>
+            <a:r>
+              <a:rPr lang="en-US" sz="2400" dirty="0">
+                <a:latin typeface="Monaco" charset="0"/>
+                <a:ea typeface="Monaco" charset="0"/>
+                <a:cs typeface="Monaco" charset="0"/>
+              </a:rPr>
+              <a:t> </a:t>
+            </a:r>
+            <a:r>
+              <a:rPr lang="en-US" sz="2400" dirty="0" smtClean="0">
+                <a:latin typeface="Monaco" charset="0"/>
+                <a:ea typeface="Monaco" charset="0"/>
+                <a:cs typeface="Monaco" charset="0"/>
+              </a:rPr>
+              <a:t>           c += 1</a:t>
+            </a:r>
+          </a:p>
+          <a:p>
+            <a:r>
+              <a:rPr lang="en-US" sz="2400" dirty="0" smtClean="0">
+                <a:latin typeface="Monaco" charset="0"/>
+                <a:ea typeface="Monaco" charset="0"/>
+                <a:cs typeface="Monaco" charset="0"/>
+              </a:rPr>
+              <a:t>    return c</a:t>
+            </a:r>
+            <a:endParaRPr lang="en-US" sz="2400" dirty="0">
+              <a:latin typeface="Monaco" charset="0"/>
+              <a:ea typeface="Monaco" charset="0"/>
+              <a:cs typeface="Monaco" charset="0"/>
+            </a:endParaRPr>
+          </a:p>
+        </p:txBody>
+      </p:sp>
+    </p:spTree>
+    <p:extLst>
+      <p:ext uri="{BB962C8B-B14F-4D97-AF65-F5344CB8AC3E}">
+        <p14:creationId xmlns:p14="http://schemas.microsoft.com/office/powerpoint/2010/main" val="1693987066"/>
+      </p:ext>
+    </p:extLst>
+  </p:cSld>
+  <p:clrMapOvr>
+    <a:masterClrMapping/>
+  </p:clrMapOvr>
+</p:sld>
+</file>
+
+<file path=ppt/slides/slide18.xml><?xml version="1.0" encoding="utf-8"?>
+<p:sld xmlns:a="http://schemas.openxmlformats.org/drawingml/2006/main" xmlns:r="http://schemas.openxmlformats.org/officeDocument/2006/relationships" xmlns:p="http://schemas.openxmlformats.org/presentationml/2006/main">
+  <p:cSld>
+    <p:spTree>
+      <p:nvGrpSpPr>
+        <p:cNvPr id="1" name=""/>
+        <p:cNvGrpSpPr/>
+        <p:nvPr/>
+      </p:nvGrpSpPr>
+      <p:grpSpPr>
+        <a:xfrm>
+          <a:off x="0" y="0"/>
+          <a:ext cx="0" cy="0"/>
+          <a:chOff x="0" y="0"/>
+          <a:chExt cx="0" cy="0"/>
+        </a:xfrm>
+      </p:grpSpPr>
+      <p:sp>
+        <p:nvSpPr>
+          <p:cNvPr id="2" name="Title 1"/>
+          <p:cNvSpPr>
+            <a:spLocks noGrp="1"/>
+          </p:cNvSpPr>
+          <p:nvPr>
+            <p:ph type="title"/>
+          </p:nvPr>
+        </p:nvSpPr>
+        <p:spPr/>
+        <p:txBody>
+          <a:bodyPr/>
+          <a:lstStyle/>
+          <a:p>
+            <a:r>
+              <a:rPr lang="en-US" dirty="0" smtClean="0"/>
+              <a:t>Faster than linear search via trees</a:t>
+            </a:r>
+            <a:r>
+              <a:rPr lang="mr-IN" dirty="0" smtClean="0"/>
+              <a:t>…</a:t>
+            </a:r>
+            <a:endParaRPr lang="en-US" dirty="0"/>
+          </a:p>
+        </p:txBody>
+      </p:sp>
+      <p:pic>
+        <p:nvPicPr>
+          <p:cNvPr id="4" name="Content Placeholder 3"/>
+          <p:cNvPicPr>
+            <a:picLocks noGrp="1" noChangeAspect="1"/>
+          </p:cNvPicPr>
+          <p:nvPr>
+            <p:ph idx="1"/>
+          </p:nvPr>
+        </p:nvPicPr>
+        <p:blipFill>
+          <a:blip r:embed="rId2">
+            <a:extLst>
+              <a:ext uri="{28A0092B-C50C-407E-A947-70E740481C1C}">
+                <a14:useLocalDpi xmlns:a14="http://schemas.microsoft.com/office/drawing/2010/main" val="0"/>
+              </a:ext>
+            </a:extLst>
+          </a:blip>
+          <a:stretch>
+            <a:fillRect/>
+          </a:stretch>
+        </p:blipFill>
+        <p:spPr>
+          <a:xfrm>
+            <a:off x="8642055" y="2057012"/>
+            <a:ext cx="3009900" cy="3378200"/>
+          </a:xfrm>
+        </p:spPr>
+      </p:pic>
+      <p:sp>
+        <p:nvSpPr>
+          <p:cNvPr id="5" name="Content Placeholder 2"/>
+          <p:cNvSpPr txBox="1">
+            <a:spLocks/>
+          </p:cNvSpPr>
+          <p:nvPr/>
+        </p:nvSpPr>
+        <p:spPr>
+          <a:xfrm>
+            <a:off x="838200" y="1825625"/>
+            <a:ext cx="11136086" cy="4351338"/>
+          </a:xfrm>
+          <a:prstGeom prst="rect">
+            <a:avLst/>
+          </a:prstGeom>
+        </p:spPr>
+        <p:txBody>
+          <a:bodyPr>
+            <a:normAutofit/>
+          </a:bodyPr>
+          <a:lstStyle>
+            <a:lvl1pPr marL="228600" indent="-228600" algn="l" defTabSz="914400" rtl="0" eaLnBrk="1" latinLnBrk="0" hangingPunct="1">
+              <a:lnSpc>
+                <a:spcPct val="90000"/>
+              </a:lnSpc>
+              <a:spcBef>
+                <a:spcPts val="1000"/>
+              </a:spcBef>
+              <a:buFont typeface="Arial" panose="020B0604020202020204" pitchFamily="34" charset="0"/>
+              <a:buChar char="•"/>
+              <a:defRPr sz="2800" kern="1200">
+                <a:solidFill>
+                  <a:schemeClr val="tx1"/>
+                </a:solidFill>
+                <a:latin typeface="+mn-lt"/>
+                <a:ea typeface="+mn-ea"/>
+                <a:cs typeface="+mn-cs"/>
+              </a:defRPr>
+            </a:lvl1pPr>
+            <a:lvl2pPr marL="685800" indent="-228600" algn="l" defTabSz="914400" rtl="0" eaLnBrk="1" latinLnBrk="0" hangingPunct="1">
+              <a:lnSpc>
+                <a:spcPct val="90000"/>
+              </a:lnSpc>
+              <a:spcBef>
+                <a:spcPts val="500"/>
+              </a:spcBef>
+              <a:buFont typeface="Arial" panose="020B0604020202020204" pitchFamily="34" charset="0"/>
+              <a:buChar char="•"/>
+              <a:defRPr sz="2400" kern="1200">
+                <a:solidFill>
+                  <a:schemeClr val="tx1"/>
+                </a:solidFill>
+                <a:latin typeface="+mn-lt"/>
+                <a:ea typeface="+mn-ea"/>
+                <a:cs typeface="+mn-cs"/>
+              </a:defRPr>
+            </a:lvl2pPr>
+            <a:lvl3pPr marL="1143000" indent="-228600" algn="l" defTabSz="914400" rtl="0" eaLnBrk="1" latinLnBrk="0" hangingPunct="1">
+              <a:lnSpc>
+                <a:spcPct val="90000"/>
+              </a:lnSpc>
+              <a:spcBef>
+                <a:spcPts val="500"/>
+              </a:spcBef>
+              <a:buFont typeface="Arial" panose="020B0604020202020204" pitchFamily="34" charset="0"/>
+              <a:buChar char="•"/>
+              <a:defRPr sz="2000" kern="1200">
+                <a:solidFill>
+                  <a:schemeClr val="tx1"/>
+                </a:solidFill>
+                <a:latin typeface="+mn-lt"/>
+                <a:ea typeface="+mn-ea"/>
+                <a:cs typeface="+mn-cs"/>
+              </a:defRPr>
+            </a:lvl3pPr>
+            <a:lvl4pPr marL="1600200" indent="-228600" algn="l" defTabSz="914400" rtl="0" eaLnBrk="1" latinLnBrk="0" hangingPunct="1">
+              <a:lnSpc>
+                <a:spcPct val="90000"/>
+              </a:lnSpc>
+              <a:spcBef>
+                <a:spcPts val="500"/>
+              </a:spcBef>
+              <a:buFont typeface="Arial" panose="020B0604020202020204" pitchFamily="34" charset="0"/>
+              <a:buChar char="•"/>
+              <a:defRPr sz="1800" kern="1200">
+                <a:solidFill>
+                  <a:schemeClr val="tx1"/>
+                </a:solidFill>
+                <a:latin typeface="+mn-lt"/>
+                <a:ea typeface="+mn-ea"/>
+                <a:cs typeface="+mn-cs"/>
+              </a:defRPr>
+            </a:lvl4pPr>
+            <a:lvl5pPr marL="2057400" indent="-228600" algn="l" defTabSz="914400" rtl="0" eaLnBrk="1" latinLnBrk="0" hangingPunct="1">
+              <a:lnSpc>
+                <a:spcPct val="90000"/>
+              </a:lnSpc>
+              <a:spcBef>
+                <a:spcPts val="500"/>
+              </a:spcBef>
+              <a:buFont typeface="Arial" panose="020B0604020202020204" pitchFamily="34" charset="0"/>
+              <a:buChar char="•"/>
+              <a:defRPr sz="1800" kern="1200">
+                <a:solidFill>
+                  <a:schemeClr val="tx1"/>
+                </a:solidFill>
+                <a:latin typeface="+mn-lt"/>
+                <a:ea typeface="+mn-ea"/>
+                <a:cs typeface="+mn-cs"/>
+              </a:defRPr>
+            </a:lvl5pPr>
+            <a:lvl6pPr marL="2514600" indent="-228600" algn="l" defTabSz="914400" rtl="0" eaLnBrk="1" latinLnBrk="0" hangingPunct="1">
+              <a:lnSpc>
+                <a:spcPct val="90000"/>
+              </a:lnSpc>
+              <a:spcBef>
+                <a:spcPts val="500"/>
+              </a:spcBef>
+              <a:buFont typeface="Arial" panose="020B0604020202020204" pitchFamily="34" charset="0"/>
+              <a:buChar char="•"/>
+              <a:defRPr sz="1800" kern="1200">
+                <a:solidFill>
+                  <a:schemeClr val="tx1"/>
+                </a:solidFill>
+                <a:latin typeface="+mn-lt"/>
+                <a:ea typeface="+mn-ea"/>
+                <a:cs typeface="+mn-cs"/>
+              </a:defRPr>
+            </a:lvl6pPr>
+            <a:lvl7pPr marL="2971800" indent="-228600" algn="l" defTabSz="914400" rtl="0" eaLnBrk="1" latinLnBrk="0" hangingPunct="1">
+              <a:lnSpc>
+                <a:spcPct val="90000"/>
+              </a:lnSpc>
+              <a:spcBef>
+                <a:spcPts val="500"/>
+              </a:spcBef>
+              <a:buFont typeface="Arial" panose="020B0604020202020204" pitchFamily="34" charset="0"/>
+              <a:buChar char="•"/>
+              <a:defRPr sz="1800" kern="1200">
+                <a:solidFill>
+                  <a:schemeClr val="tx1"/>
+                </a:solidFill>
+                <a:latin typeface="+mn-lt"/>
+                <a:ea typeface="+mn-ea"/>
+                <a:cs typeface="+mn-cs"/>
+              </a:defRPr>
+            </a:lvl7pPr>
+            <a:lvl8pPr marL="3429000" indent="-228600" algn="l" defTabSz="914400" rtl="0" eaLnBrk="1" latinLnBrk="0" hangingPunct="1">
+              <a:lnSpc>
+                <a:spcPct val="90000"/>
+              </a:lnSpc>
+              <a:spcBef>
+                <a:spcPts val="500"/>
+              </a:spcBef>
+              <a:buFont typeface="Arial" panose="020B0604020202020204" pitchFamily="34" charset="0"/>
+              <a:buChar char="•"/>
+              <a:defRPr sz="1800" kern="1200">
+                <a:solidFill>
+                  <a:schemeClr val="tx1"/>
+                </a:solidFill>
+                <a:latin typeface="+mn-lt"/>
+                <a:ea typeface="+mn-ea"/>
+                <a:cs typeface="+mn-cs"/>
+              </a:defRPr>
+            </a:lvl8pPr>
+            <a:lvl9pPr marL="3886200" indent="-228600" algn="l" defTabSz="914400" rtl="0" eaLnBrk="1" latinLnBrk="0" hangingPunct="1">
+              <a:lnSpc>
+                <a:spcPct val="90000"/>
+              </a:lnSpc>
+              <a:spcBef>
+                <a:spcPts val="500"/>
+              </a:spcBef>
+              <a:buFont typeface="Arial" panose="020B0604020202020204" pitchFamily="34" charset="0"/>
+              <a:buChar char="•"/>
+              <a:defRPr sz="1800" kern="1200">
+                <a:solidFill>
+                  <a:schemeClr val="tx1"/>
+                </a:solidFill>
+                <a:latin typeface="+mn-lt"/>
+                <a:ea typeface="+mn-ea"/>
+                <a:cs typeface="+mn-cs"/>
+              </a:defRPr>
+            </a:lvl9pPr>
+          </a:lstStyle>
+          <a:p>
+            <a:endParaRPr lang="en-US" dirty="0"/>
+          </a:p>
+        </p:txBody>
+      </p:sp>
+      <p:sp>
+        <p:nvSpPr>
+          <p:cNvPr id="6" name="TextBox 5"/>
+          <p:cNvSpPr txBox="1"/>
+          <p:nvPr/>
+        </p:nvSpPr>
+        <p:spPr>
+          <a:xfrm>
+            <a:off x="1746248" y="3587083"/>
+            <a:ext cx="5781603" cy="1938992"/>
+          </a:xfrm>
+          <a:prstGeom prst="rect">
+            <a:avLst/>
+          </a:prstGeom>
+          <a:noFill/>
+          <a:ln>
+            <a:solidFill>
+              <a:schemeClr val="accent1"/>
+            </a:solidFill>
+          </a:ln>
+        </p:spPr>
+        <p:txBody>
+          <a:bodyPr wrap="square" rtlCol="0">
+            <a:spAutoFit/>
+          </a:bodyPr>
+          <a:lstStyle/>
+          <a:p>
+            <a:r>
+              <a:rPr lang="en-US" sz="2400" dirty="0" smtClean="0">
+                <a:latin typeface="Monaco" charset="0"/>
+                <a:ea typeface="Monaco" charset="0"/>
+                <a:cs typeface="Monaco" charset="0"/>
+              </a:rPr>
+              <a:t>p = root</a:t>
+            </a:r>
+          </a:p>
+          <a:p>
+            <a:r>
+              <a:rPr lang="en-US" sz="2400" dirty="0" smtClean="0">
+                <a:latin typeface="Monaco" charset="0"/>
+                <a:ea typeface="Monaco" charset="0"/>
+                <a:cs typeface="Monaco" charset="0"/>
+              </a:rPr>
+              <a:t>while p is not None:    </a:t>
+            </a:r>
+            <a:endParaRPr lang="en-US" sz="2400" dirty="0">
+              <a:latin typeface="Monaco" charset="0"/>
+              <a:ea typeface="Monaco" charset="0"/>
+              <a:cs typeface="Monaco" charset="0"/>
+            </a:endParaRPr>
+          </a:p>
+          <a:p>
+            <a:r>
+              <a:rPr lang="en-US" sz="2400" dirty="0" smtClean="0">
+                <a:latin typeface="Monaco" charset="0"/>
+                <a:ea typeface="Monaco" charset="0"/>
+                <a:cs typeface="Monaco" charset="0"/>
+              </a:rPr>
+              <a:t>    if </a:t>
+            </a:r>
+            <a:r>
+              <a:rPr lang="en-US" sz="2400" dirty="0" err="1" smtClean="0">
+                <a:latin typeface="Monaco" charset="0"/>
+                <a:ea typeface="Monaco" charset="0"/>
+                <a:cs typeface="Monaco" charset="0"/>
+              </a:rPr>
+              <a:t>p.value</a:t>
+            </a:r>
+            <a:r>
+              <a:rPr lang="en-US" sz="2400" dirty="0" smtClean="0">
+                <a:latin typeface="Monaco" charset="0"/>
+                <a:ea typeface="Monaco" charset="0"/>
+                <a:cs typeface="Monaco" charset="0"/>
+              </a:rPr>
+              <a:t>==x: return p</a:t>
+            </a:r>
+          </a:p>
+          <a:p>
+            <a:r>
+              <a:rPr lang="en-US" sz="2400" dirty="0" smtClean="0">
+                <a:latin typeface="Monaco" charset="0"/>
+                <a:ea typeface="Monaco" charset="0"/>
+                <a:cs typeface="Monaco" charset="0"/>
+              </a:rPr>
+              <a:t>    if x &lt; </a:t>
+            </a:r>
+            <a:r>
+              <a:rPr lang="en-US" sz="2400" dirty="0" err="1" smtClean="0">
+                <a:latin typeface="Monaco" charset="0"/>
+                <a:ea typeface="Monaco" charset="0"/>
+                <a:cs typeface="Monaco" charset="0"/>
+              </a:rPr>
+              <a:t>p.value</a:t>
+            </a:r>
+            <a:r>
+              <a:rPr lang="en-US" sz="2400" dirty="0" smtClean="0">
+                <a:latin typeface="Monaco" charset="0"/>
+                <a:ea typeface="Monaco" charset="0"/>
+                <a:cs typeface="Monaco" charset="0"/>
+              </a:rPr>
+              <a:t>: p = </a:t>
+            </a:r>
+            <a:r>
+              <a:rPr lang="en-US" sz="2400" dirty="0" err="1" smtClean="0">
+                <a:latin typeface="Monaco" charset="0"/>
+                <a:ea typeface="Monaco" charset="0"/>
+                <a:cs typeface="Monaco" charset="0"/>
+              </a:rPr>
+              <a:t>p.left</a:t>
+            </a:r>
+            <a:endParaRPr lang="en-US" sz="2400" dirty="0" smtClean="0">
+              <a:latin typeface="Monaco" charset="0"/>
+              <a:ea typeface="Monaco" charset="0"/>
+              <a:cs typeface="Monaco" charset="0"/>
+            </a:endParaRPr>
+          </a:p>
+          <a:p>
+            <a:r>
+              <a:rPr lang="en-US" sz="2400" dirty="0">
+                <a:latin typeface="Monaco" charset="0"/>
+                <a:ea typeface="Monaco" charset="0"/>
+                <a:cs typeface="Monaco" charset="0"/>
+              </a:rPr>
+              <a:t> </a:t>
+            </a:r>
+            <a:r>
+              <a:rPr lang="en-US" sz="2400" dirty="0" smtClean="0">
+                <a:latin typeface="Monaco" charset="0"/>
+                <a:ea typeface="Monaco" charset="0"/>
+                <a:cs typeface="Monaco" charset="0"/>
+              </a:rPr>
+              <a:t>   else: p = </a:t>
+            </a:r>
+            <a:r>
+              <a:rPr lang="en-US" sz="2400" dirty="0" err="1" smtClean="0">
+                <a:latin typeface="Monaco" charset="0"/>
+                <a:ea typeface="Monaco" charset="0"/>
+                <a:cs typeface="Monaco" charset="0"/>
+              </a:rPr>
+              <a:t>p.right</a:t>
+            </a:r>
+            <a:endParaRPr lang="en-US" sz="2400" dirty="0">
+              <a:latin typeface="Monaco" charset="0"/>
+              <a:ea typeface="Monaco" charset="0"/>
+              <a:cs typeface="Monaco" charset="0"/>
+            </a:endParaRPr>
+          </a:p>
+        </p:txBody>
+      </p:sp>
+      <p:sp>
+        <p:nvSpPr>
+          <p:cNvPr id="8" name="Content Placeholder 2"/>
+          <p:cNvSpPr txBox="1">
+            <a:spLocks/>
+          </p:cNvSpPr>
+          <p:nvPr/>
+        </p:nvSpPr>
+        <p:spPr>
+          <a:xfrm>
+            <a:off x="990600" y="1978025"/>
+            <a:ext cx="11136086" cy="4351338"/>
+          </a:xfrm>
+          <a:prstGeom prst="rect">
+            <a:avLst/>
+          </a:prstGeom>
+        </p:spPr>
+        <p:txBody>
+          <a:bodyPr>
+            <a:normAutofit lnSpcReduction="10000"/>
+          </a:bodyPr>
+          <a:lstStyle>
+            <a:lvl1pPr marL="228600" indent="-228600" algn="l" defTabSz="914400" rtl="0" eaLnBrk="1" latinLnBrk="0" hangingPunct="1">
+              <a:lnSpc>
+                <a:spcPct val="90000"/>
+              </a:lnSpc>
+              <a:spcBef>
+                <a:spcPts val="1000"/>
+              </a:spcBef>
+              <a:buFont typeface="Arial" panose="020B0604020202020204" pitchFamily="34" charset="0"/>
+              <a:buChar char="•"/>
+              <a:defRPr sz="2800" kern="1200">
+                <a:solidFill>
+                  <a:schemeClr val="tx1"/>
+                </a:solidFill>
+                <a:latin typeface="+mn-lt"/>
+                <a:ea typeface="+mn-ea"/>
+                <a:cs typeface="+mn-cs"/>
+              </a:defRPr>
+            </a:lvl1pPr>
+            <a:lvl2pPr marL="685800" indent="-228600" algn="l" defTabSz="914400" rtl="0" eaLnBrk="1" latinLnBrk="0" hangingPunct="1">
+              <a:lnSpc>
+                <a:spcPct val="90000"/>
+              </a:lnSpc>
+              <a:spcBef>
+                <a:spcPts val="500"/>
+              </a:spcBef>
+              <a:buFont typeface="Arial" panose="020B0604020202020204" pitchFamily="34" charset="0"/>
+              <a:buChar char="•"/>
+              <a:defRPr sz="2400" kern="1200">
+                <a:solidFill>
+                  <a:schemeClr val="tx1"/>
+                </a:solidFill>
+                <a:latin typeface="+mn-lt"/>
+                <a:ea typeface="+mn-ea"/>
+                <a:cs typeface="+mn-cs"/>
+              </a:defRPr>
+            </a:lvl2pPr>
+            <a:lvl3pPr marL="1143000" indent="-228600" algn="l" defTabSz="914400" rtl="0" eaLnBrk="1" latinLnBrk="0" hangingPunct="1">
+              <a:lnSpc>
+                <a:spcPct val="90000"/>
+              </a:lnSpc>
+              <a:spcBef>
+                <a:spcPts val="500"/>
+              </a:spcBef>
+              <a:buFont typeface="Arial" panose="020B0604020202020204" pitchFamily="34" charset="0"/>
+              <a:buChar char="•"/>
+              <a:defRPr sz="2000" kern="1200">
+                <a:solidFill>
+                  <a:schemeClr val="tx1"/>
+                </a:solidFill>
+                <a:latin typeface="+mn-lt"/>
+                <a:ea typeface="+mn-ea"/>
+                <a:cs typeface="+mn-cs"/>
+              </a:defRPr>
+            </a:lvl3pPr>
+            <a:lvl4pPr marL="1600200" indent="-228600" algn="l" defTabSz="914400" rtl="0" eaLnBrk="1" latinLnBrk="0" hangingPunct="1">
+              <a:lnSpc>
+                <a:spcPct val="90000"/>
+              </a:lnSpc>
+              <a:spcBef>
+                <a:spcPts val="500"/>
+              </a:spcBef>
+              <a:buFont typeface="Arial" panose="020B0604020202020204" pitchFamily="34" charset="0"/>
+              <a:buChar char="•"/>
+              <a:defRPr sz="1800" kern="1200">
+                <a:solidFill>
+                  <a:schemeClr val="tx1"/>
+                </a:solidFill>
+                <a:latin typeface="+mn-lt"/>
+                <a:ea typeface="+mn-ea"/>
+                <a:cs typeface="+mn-cs"/>
+              </a:defRPr>
+            </a:lvl4pPr>
+            <a:lvl5pPr marL="2057400" indent="-228600" algn="l" defTabSz="914400" rtl="0" eaLnBrk="1" latinLnBrk="0" hangingPunct="1">
+              <a:lnSpc>
+                <a:spcPct val="90000"/>
+              </a:lnSpc>
+              <a:spcBef>
+                <a:spcPts val="500"/>
+              </a:spcBef>
+              <a:buFont typeface="Arial" panose="020B0604020202020204" pitchFamily="34" charset="0"/>
+              <a:buChar char="•"/>
+              <a:defRPr sz="1800" kern="1200">
+                <a:solidFill>
+                  <a:schemeClr val="tx1"/>
+                </a:solidFill>
+                <a:latin typeface="+mn-lt"/>
+                <a:ea typeface="+mn-ea"/>
+                <a:cs typeface="+mn-cs"/>
+              </a:defRPr>
+            </a:lvl5pPr>
+            <a:lvl6pPr marL="2514600" indent="-228600" algn="l" defTabSz="914400" rtl="0" eaLnBrk="1" latinLnBrk="0" hangingPunct="1">
+              <a:lnSpc>
+                <a:spcPct val="90000"/>
+              </a:lnSpc>
+              <a:spcBef>
+                <a:spcPts val="500"/>
+              </a:spcBef>
+              <a:buFont typeface="Arial" panose="020B0604020202020204" pitchFamily="34" charset="0"/>
+              <a:buChar char="•"/>
+              <a:defRPr sz="1800" kern="1200">
+                <a:solidFill>
+                  <a:schemeClr val="tx1"/>
+                </a:solidFill>
+                <a:latin typeface="+mn-lt"/>
+                <a:ea typeface="+mn-ea"/>
+                <a:cs typeface="+mn-cs"/>
+              </a:defRPr>
+            </a:lvl6pPr>
+            <a:lvl7pPr marL="2971800" indent="-228600" algn="l" defTabSz="914400" rtl="0" eaLnBrk="1" latinLnBrk="0" hangingPunct="1">
+              <a:lnSpc>
+                <a:spcPct val="90000"/>
+              </a:lnSpc>
+              <a:spcBef>
+                <a:spcPts val="500"/>
+              </a:spcBef>
+              <a:buFont typeface="Arial" panose="020B0604020202020204" pitchFamily="34" charset="0"/>
+              <a:buChar char="•"/>
+              <a:defRPr sz="1800" kern="1200">
+                <a:solidFill>
+                  <a:schemeClr val="tx1"/>
+                </a:solidFill>
+                <a:latin typeface="+mn-lt"/>
+                <a:ea typeface="+mn-ea"/>
+                <a:cs typeface="+mn-cs"/>
+              </a:defRPr>
+            </a:lvl7pPr>
+            <a:lvl8pPr marL="3429000" indent="-228600" algn="l" defTabSz="914400" rtl="0" eaLnBrk="1" latinLnBrk="0" hangingPunct="1">
+              <a:lnSpc>
+                <a:spcPct val="90000"/>
+              </a:lnSpc>
+              <a:spcBef>
+                <a:spcPts val="500"/>
+              </a:spcBef>
+              <a:buFont typeface="Arial" panose="020B0604020202020204" pitchFamily="34" charset="0"/>
+              <a:buChar char="•"/>
+              <a:defRPr sz="1800" kern="1200">
+                <a:solidFill>
+                  <a:schemeClr val="tx1"/>
+                </a:solidFill>
+                <a:latin typeface="+mn-lt"/>
+                <a:ea typeface="+mn-ea"/>
+                <a:cs typeface="+mn-cs"/>
+              </a:defRPr>
+            </a:lvl8pPr>
+            <a:lvl9pPr marL="3886200" indent="-228600" algn="l" defTabSz="914400" rtl="0" eaLnBrk="1" latinLnBrk="0" hangingPunct="1">
+              <a:lnSpc>
+                <a:spcPct val="90000"/>
+              </a:lnSpc>
+              <a:spcBef>
+                <a:spcPts val="500"/>
+              </a:spcBef>
+              <a:buFont typeface="Arial" panose="020B0604020202020204" pitchFamily="34" charset="0"/>
+              <a:buChar char="•"/>
+              <a:defRPr sz="1800" kern="1200">
+                <a:solidFill>
+                  <a:schemeClr val="tx1"/>
+                </a:solidFill>
+                <a:latin typeface="+mn-lt"/>
+                <a:ea typeface="+mn-ea"/>
+                <a:cs typeface="+mn-cs"/>
+              </a:defRPr>
+            </a:lvl9pPr>
+          </a:lstStyle>
+          <a:p>
+            <a:r>
+              <a:rPr lang="en-US" dirty="0" smtClean="0"/>
+              <a:t>Let </a:t>
+            </a:r>
+            <a:r>
+              <a:rPr lang="en-US" i="1" dirty="0" smtClean="0"/>
+              <a:t>n</a:t>
+            </a:r>
+            <a:r>
+              <a:rPr lang="en-US" dirty="0" smtClean="0"/>
+              <a:t> be </a:t>
+            </a:r>
+            <a:r>
+              <a:rPr lang="en-US" dirty="0" err="1" smtClean="0"/>
+              <a:t>num</a:t>
+            </a:r>
+            <a:r>
+              <a:rPr lang="en-US" dirty="0" smtClean="0"/>
+              <a:t> of values, count comparisons</a:t>
+            </a:r>
+          </a:p>
+          <a:p>
+            <a:r>
+              <a:rPr lang="en-US" dirty="0" smtClean="0"/>
+              <a:t>Charge 2 comparisons to each iteration</a:t>
+            </a:r>
+          </a:p>
+          <a:p>
+            <a:r>
+              <a:rPr lang="en-US" dirty="0" smtClean="0"/>
+              <a:t>How many iterations is key question?</a:t>
+            </a:r>
+          </a:p>
+          <a:p>
+            <a:endParaRPr lang="en-US" dirty="0"/>
+          </a:p>
+          <a:p>
+            <a:endParaRPr lang="en-US" dirty="0" smtClean="0"/>
+          </a:p>
+          <a:p>
+            <a:endParaRPr lang="en-US" dirty="0"/>
+          </a:p>
+          <a:p>
+            <a:endParaRPr lang="en-US" dirty="0" smtClean="0"/>
+          </a:p>
+          <a:p>
+            <a:endParaRPr lang="en-US" dirty="0" smtClean="0"/>
+          </a:p>
+          <a:p>
+            <a:r>
+              <a:rPr lang="en-US" dirty="0" smtClean="0"/>
+              <a:t>What is average height? What is max height?</a:t>
+            </a:r>
+            <a:endParaRPr lang="en-US" dirty="0"/>
+          </a:p>
+        </p:txBody>
+      </p:sp>
+    </p:spTree>
+    <p:extLst>
+      <p:ext uri="{BB962C8B-B14F-4D97-AF65-F5344CB8AC3E}">
+        <p14:creationId xmlns:p14="http://schemas.microsoft.com/office/powerpoint/2010/main" val="983101915"/>
+      </p:ext>
+    </p:extLst>
+  </p:cSld>
+  <p:clrMapOvr>
+    <a:masterClrMapping/>
+  </p:clrMapOvr>
+</p:sld>
+</file>
+
+<file path=ppt/slides/slide19.xml><?xml version="1.0" encoding="utf-8"?>
+<p:sld xmlns:a="http://schemas.openxmlformats.org/drawingml/2006/main" xmlns:r="http://schemas.openxmlformats.org/officeDocument/2006/relationships" xmlns:p="http://schemas.openxmlformats.org/presentationml/2006/main">
+  <p:cSld>
+    <p:spTree>
+      <p:nvGrpSpPr>
+        <p:cNvPr id="1" name=""/>
+        <p:cNvGrpSpPr/>
+        <p:nvPr/>
+      </p:nvGrpSpPr>
+      <p:grpSpPr>
+        <a:xfrm>
+          <a:off x="0" y="0"/>
+          <a:ext cx="0" cy="0"/>
+          <a:chOff x="0" y="0"/>
+          <a:chExt cx="0" cy="0"/>
+        </a:xfrm>
+      </p:grpSpPr>
+      <p:sp>
+        <p:nvSpPr>
+          <p:cNvPr id="9" name="Title 1"/>
+          <p:cNvSpPr>
+            <a:spLocks noGrp="1"/>
+          </p:cNvSpPr>
+          <p:nvPr>
+            <p:ph type="title"/>
+          </p:nvPr>
+        </p:nvSpPr>
+        <p:spPr>
+          <a:xfrm>
+            <a:off x="838200" y="365125"/>
+            <a:ext cx="10515600" cy="1325563"/>
+          </a:xfrm>
+        </p:spPr>
+        <p:txBody>
+          <a:bodyPr/>
+          <a:lstStyle/>
+          <a:p>
+            <a:r>
+              <a:rPr lang="en-US" dirty="0" smtClean="0"/>
+              <a:t>USUALLY faster than linear search</a:t>
+            </a:r>
+            <a:endParaRPr lang="en-US" dirty="0"/>
+          </a:p>
+        </p:txBody>
+      </p:sp>
+      <p:pic>
+        <p:nvPicPr>
+          <p:cNvPr id="10" name="Content Placeholder 3"/>
+          <p:cNvPicPr>
+            <a:picLocks noGrp="1" noChangeAspect="1"/>
+          </p:cNvPicPr>
+          <p:nvPr>
+            <p:ph idx="1"/>
+          </p:nvPr>
+        </p:nvPicPr>
+        <p:blipFill>
+          <a:blip r:embed="rId2">
+            <a:extLst>
+              <a:ext uri="{28A0092B-C50C-407E-A947-70E740481C1C}">
+                <a14:useLocalDpi xmlns:a14="http://schemas.microsoft.com/office/drawing/2010/main" val="0"/>
+              </a:ext>
+            </a:extLst>
+          </a:blip>
+          <a:stretch>
+            <a:fillRect/>
+          </a:stretch>
+        </p:blipFill>
+        <p:spPr>
+          <a:xfrm>
+            <a:off x="990600" y="3185925"/>
+            <a:ext cx="3009900" cy="3378200"/>
+          </a:xfrm>
+        </p:spPr>
+      </p:pic>
+      <p:sp>
+        <p:nvSpPr>
+          <p:cNvPr id="11" name="Content Placeholder 2"/>
+          <p:cNvSpPr txBox="1">
+            <a:spLocks/>
+          </p:cNvSpPr>
+          <p:nvPr/>
+        </p:nvSpPr>
+        <p:spPr>
+          <a:xfrm>
+            <a:off x="838200" y="1825625"/>
+            <a:ext cx="11136086" cy="4351338"/>
+          </a:xfrm>
+          <a:prstGeom prst="rect">
+            <a:avLst/>
+          </a:prstGeom>
+        </p:spPr>
+        <p:txBody>
+          <a:bodyPr>
+            <a:normAutofit/>
+          </a:bodyPr>
+          <a:lstStyle>
+            <a:lvl1pPr marL="228600" indent="-228600" algn="l" defTabSz="914400" rtl="0" eaLnBrk="1" latinLnBrk="0" hangingPunct="1">
+              <a:lnSpc>
+                <a:spcPct val="90000"/>
+              </a:lnSpc>
+              <a:spcBef>
+                <a:spcPts val="1000"/>
+              </a:spcBef>
+              <a:buFont typeface="Arial" panose="020B0604020202020204" pitchFamily="34" charset="0"/>
+              <a:buChar char="•"/>
+              <a:defRPr sz="2800" kern="1200">
+                <a:solidFill>
+                  <a:schemeClr val="tx1"/>
+                </a:solidFill>
+                <a:latin typeface="+mn-lt"/>
+                <a:ea typeface="+mn-ea"/>
+                <a:cs typeface="+mn-cs"/>
+              </a:defRPr>
+            </a:lvl1pPr>
+            <a:lvl2pPr marL="685800" indent="-228600" algn="l" defTabSz="914400" rtl="0" eaLnBrk="1" latinLnBrk="0" hangingPunct="1">
+              <a:lnSpc>
+                <a:spcPct val="90000"/>
+              </a:lnSpc>
+              <a:spcBef>
+                <a:spcPts val="500"/>
+              </a:spcBef>
+              <a:buFont typeface="Arial" panose="020B0604020202020204" pitchFamily="34" charset="0"/>
+              <a:buChar char="•"/>
+              <a:defRPr sz="2400" kern="1200">
+                <a:solidFill>
+                  <a:schemeClr val="tx1"/>
+                </a:solidFill>
+                <a:latin typeface="+mn-lt"/>
+                <a:ea typeface="+mn-ea"/>
+                <a:cs typeface="+mn-cs"/>
+              </a:defRPr>
+            </a:lvl2pPr>
+            <a:lvl3pPr marL="1143000" indent="-228600" algn="l" defTabSz="914400" rtl="0" eaLnBrk="1" latinLnBrk="0" hangingPunct="1">
+              <a:lnSpc>
+                <a:spcPct val="90000"/>
+              </a:lnSpc>
+              <a:spcBef>
+                <a:spcPts val="500"/>
+              </a:spcBef>
+              <a:buFont typeface="Arial" panose="020B0604020202020204" pitchFamily="34" charset="0"/>
+              <a:buChar char="•"/>
+              <a:defRPr sz="2000" kern="1200">
+                <a:solidFill>
+                  <a:schemeClr val="tx1"/>
+                </a:solidFill>
+                <a:latin typeface="+mn-lt"/>
+                <a:ea typeface="+mn-ea"/>
+                <a:cs typeface="+mn-cs"/>
+              </a:defRPr>
+            </a:lvl3pPr>
+            <a:lvl4pPr marL="1600200" indent="-228600" algn="l" defTabSz="914400" rtl="0" eaLnBrk="1" latinLnBrk="0" hangingPunct="1">
+              <a:lnSpc>
+                <a:spcPct val="90000"/>
+              </a:lnSpc>
+              <a:spcBef>
+                <a:spcPts val="500"/>
+              </a:spcBef>
+              <a:buFont typeface="Arial" panose="020B0604020202020204" pitchFamily="34" charset="0"/>
+              <a:buChar char="•"/>
+              <a:defRPr sz="1800" kern="1200">
+                <a:solidFill>
+                  <a:schemeClr val="tx1"/>
+                </a:solidFill>
+                <a:latin typeface="+mn-lt"/>
+                <a:ea typeface="+mn-ea"/>
+                <a:cs typeface="+mn-cs"/>
+              </a:defRPr>
+            </a:lvl4pPr>
+            <a:lvl5pPr marL="2057400" indent="-228600" algn="l" defTabSz="914400" rtl="0" eaLnBrk="1" latinLnBrk="0" hangingPunct="1">
+              <a:lnSpc>
+                <a:spcPct val="90000"/>
+              </a:lnSpc>
+              <a:spcBef>
+                <a:spcPts val="500"/>
+              </a:spcBef>
+              <a:buFont typeface="Arial" panose="020B0604020202020204" pitchFamily="34" charset="0"/>
+              <a:buChar char="•"/>
+              <a:defRPr sz="1800" kern="1200">
+                <a:solidFill>
+                  <a:schemeClr val="tx1"/>
+                </a:solidFill>
+                <a:latin typeface="+mn-lt"/>
+                <a:ea typeface="+mn-ea"/>
+                <a:cs typeface="+mn-cs"/>
+              </a:defRPr>
+            </a:lvl5pPr>
+            <a:lvl6pPr marL="2514600" indent="-228600" algn="l" defTabSz="914400" rtl="0" eaLnBrk="1" latinLnBrk="0" hangingPunct="1">
+              <a:lnSpc>
+                <a:spcPct val="90000"/>
+              </a:lnSpc>
+              <a:spcBef>
+                <a:spcPts val="500"/>
+              </a:spcBef>
+              <a:buFont typeface="Arial" panose="020B0604020202020204" pitchFamily="34" charset="0"/>
+              <a:buChar char="•"/>
+              <a:defRPr sz="1800" kern="1200">
+                <a:solidFill>
+                  <a:schemeClr val="tx1"/>
+                </a:solidFill>
+                <a:latin typeface="+mn-lt"/>
+                <a:ea typeface="+mn-ea"/>
+                <a:cs typeface="+mn-cs"/>
+              </a:defRPr>
+            </a:lvl6pPr>
+            <a:lvl7pPr marL="2971800" indent="-228600" algn="l" defTabSz="914400" rtl="0" eaLnBrk="1" latinLnBrk="0" hangingPunct="1">
+              <a:lnSpc>
+                <a:spcPct val="90000"/>
+              </a:lnSpc>
+              <a:spcBef>
+                <a:spcPts val="500"/>
+              </a:spcBef>
+              <a:buFont typeface="Arial" panose="020B0604020202020204" pitchFamily="34" charset="0"/>
+              <a:buChar char="•"/>
+              <a:defRPr sz="1800" kern="1200">
+                <a:solidFill>
+                  <a:schemeClr val="tx1"/>
+                </a:solidFill>
+                <a:latin typeface="+mn-lt"/>
+                <a:ea typeface="+mn-ea"/>
+                <a:cs typeface="+mn-cs"/>
+              </a:defRPr>
+            </a:lvl7pPr>
+            <a:lvl8pPr marL="3429000" indent="-228600" algn="l" defTabSz="914400" rtl="0" eaLnBrk="1" latinLnBrk="0" hangingPunct="1">
+              <a:lnSpc>
+                <a:spcPct val="90000"/>
+              </a:lnSpc>
+              <a:spcBef>
+                <a:spcPts val="500"/>
+              </a:spcBef>
+              <a:buFont typeface="Arial" panose="020B0604020202020204" pitchFamily="34" charset="0"/>
+              <a:buChar char="•"/>
+              <a:defRPr sz="1800" kern="1200">
+                <a:solidFill>
+                  <a:schemeClr val="tx1"/>
+                </a:solidFill>
+                <a:latin typeface="+mn-lt"/>
+                <a:ea typeface="+mn-ea"/>
+                <a:cs typeface="+mn-cs"/>
+              </a:defRPr>
+            </a:lvl8pPr>
+            <a:lvl9pPr marL="3886200" indent="-228600" algn="l" defTabSz="914400" rtl="0" eaLnBrk="1" latinLnBrk="0" hangingPunct="1">
+              <a:lnSpc>
+                <a:spcPct val="90000"/>
+              </a:lnSpc>
+              <a:spcBef>
+                <a:spcPts val="500"/>
+              </a:spcBef>
+              <a:buFont typeface="Arial" panose="020B0604020202020204" pitchFamily="34" charset="0"/>
+              <a:buChar char="•"/>
+              <a:defRPr sz="1800" kern="1200">
+                <a:solidFill>
+                  <a:schemeClr val="tx1"/>
+                </a:solidFill>
+                <a:latin typeface="+mn-lt"/>
+                <a:ea typeface="+mn-ea"/>
+                <a:cs typeface="+mn-cs"/>
+              </a:defRPr>
+            </a:lvl9pPr>
+          </a:lstStyle>
+          <a:p>
+            <a:endParaRPr lang="en-US" dirty="0"/>
+          </a:p>
+        </p:txBody>
+      </p:sp>
+      <p:sp>
+        <p:nvSpPr>
+          <p:cNvPr id="12" name="TextBox 11"/>
+          <p:cNvSpPr txBox="1"/>
+          <p:nvPr/>
+        </p:nvSpPr>
+        <p:spPr>
+          <a:xfrm>
+            <a:off x="6298174" y="3185925"/>
+            <a:ext cx="5781603" cy="1938992"/>
+          </a:xfrm>
+          <a:prstGeom prst="rect">
+            <a:avLst/>
+          </a:prstGeom>
+          <a:noFill/>
+          <a:ln>
+            <a:solidFill>
+              <a:schemeClr val="accent1"/>
+            </a:solidFill>
+          </a:ln>
+        </p:spPr>
+        <p:txBody>
+          <a:bodyPr wrap="square" rtlCol="0">
+            <a:spAutoFit/>
+          </a:bodyPr>
+          <a:lstStyle/>
+          <a:p>
+            <a:r>
+              <a:rPr lang="en-US" sz="2400" dirty="0" smtClean="0">
+                <a:latin typeface="Monaco" charset="0"/>
+                <a:ea typeface="Monaco" charset="0"/>
+                <a:cs typeface="Monaco" charset="0"/>
+              </a:rPr>
+              <a:t>p = root</a:t>
+            </a:r>
+          </a:p>
+          <a:p>
+            <a:r>
+              <a:rPr lang="en-US" sz="2400" dirty="0" smtClean="0">
+                <a:latin typeface="Monaco" charset="0"/>
+                <a:ea typeface="Monaco" charset="0"/>
+                <a:cs typeface="Monaco" charset="0"/>
+              </a:rPr>
+              <a:t>while p is not None:    </a:t>
+            </a:r>
+            <a:endParaRPr lang="en-US" sz="2400" dirty="0">
+              <a:latin typeface="Monaco" charset="0"/>
+              <a:ea typeface="Monaco" charset="0"/>
+              <a:cs typeface="Monaco" charset="0"/>
+            </a:endParaRPr>
+          </a:p>
+          <a:p>
+            <a:r>
+              <a:rPr lang="en-US" sz="2400" dirty="0" smtClean="0">
+                <a:latin typeface="Monaco" charset="0"/>
+                <a:ea typeface="Monaco" charset="0"/>
+                <a:cs typeface="Monaco" charset="0"/>
+              </a:rPr>
+              <a:t>    if </a:t>
+            </a:r>
+            <a:r>
+              <a:rPr lang="en-US" sz="2400" dirty="0" err="1" smtClean="0">
+                <a:latin typeface="Monaco" charset="0"/>
+                <a:ea typeface="Monaco" charset="0"/>
+                <a:cs typeface="Monaco" charset="0"/>
+              </a:rPr>
+              <a:t>p.value</a:t>
+            </a:r>
+            <a:r>
+              <a:rPr lang="en-US" sz="2400" dirty="0" smtClean="0">
+                <a:latin typeface="Monaco" charset="0"/>
+                <a:ea typeface="Monaco" charset="0"/>
+                <a:cs typeface="Monaco" charset="0"/>
+              </a:rPr>
+              <a:t>==x: return p</a:t>
+            </a:r>
+          </a:p>
+          <a:p>
+            <a:r>
+              <a:rPr lang="en-US" sz="2400" dirty="0" smtClean="0">
+                <a:latin typeface="Monaco" charset="0"/>
+                <a:ea typeface="Monaco" charset="0"/>
+                <a:cs typeface="Monaco" charset="0"/>
+              </a:rPr>
+              <a:t>    if x &lt; </a:t>
+            </a:r>
+            <a:r>
+              <a:rPr lang="en-US" sz="2400" dirty="0" err="1" smtClean="0">
+                <a:latin typeface="Monaco" charset="0"/>
+                <a:ea typeface="Monaco" charset="0"/>
+                <a:cs typeface="Monaco" charset="0"/>
+              </a:rPr>
+              <a:t>p.value</a:t>
+            </a:r>
+            <a:r>
+              <a:rPr lang="en-US" sz="2400" dirty="0" smtClean="0">
+                <a:latin typeface="Monaco" charset="0"/>
+                <a:ea typeface="Monaco" charset="0"/>
+                <a:cs typeface="Monaco" charset="0"/>
+              </a:rPr>
+              <a:t>: p = </a:t>
+            </a:r>
+            <a:r>
+              <a:rPr lang="en-US" sz="2400" dirty="0" err="1" smtClean="0">
+                <a:latin typeface="Monaco" charset="0"/>
+                <a:ea typeface="Monaco" charset="0"/>
+                <a:cs typeface="Monaco" charset="0"/>
+              </a:rPr>
+              <a:t>p.left</a:t>
+            </a:r>
+            <a:endParaRPr lang="en-US" sz="2400" dirty="0" smtClean="0">
+              <a:latin typeface="Monaco" charset="0"/>
+              <a:ea typeface="Monaco" charset="0"/>
+              <a:cs typeface="Monaco" charset="0"/>
+            </a:endParaRPr>
+          </a:p>
+          <a:p>
+            <a:r>
+              <a:rPr lang="en-US" sz="2400" dirty="0">
+                <a:latin typeface="Monaco" charset="0"/>
+                <a:ea typeface="Monaco" charset="0"/>
+                <a:cs typeface="Monaco" charset="0"/>
+              </a:rPr>
+              <a:t> </a:t>
+            </a:r>
+            <a:r>
+              <a:rPr lang="en-US" sz="2400" dirty="0" smtClean="0">
+                <a:latin typeface="Monaco" charset="0"/>
+                <a:ea typeface="Monaco" charset="0"/>
+                <a:cs typeface="Monaco" charset="0"/>
+              </a:rPr>
+              <a:t>   else: p = </a:t>
+            </a:r>
+            <a:r>
+              <a:rPr lang="en-US" sz="2400" dirty="0" err="1" smtClean="0">
+                <a:latin typeface="Monaco" charset="0"/>
+                <a:ea typeface="Monaco" charset="0"/>
+                <a:cs typeface="Monaco" charset="0"/>
+              </a:rPr>
+              <a:t>p.right</a:t>
+            </a:r>
+            <a:endParaRPr lang="en-US" sz="2400" dirty="0">
+              <a:latin typeface="Monaco" charset="0"/>
+              <a:ea typeface="Monaco" charset="0"/>
+              <a:cs typeface="Monaco" charset="0"/>
+            </a:endParaRPr>
+          </a:p>
+        </p:txBody>
+      </p:sp>
+      <p:sp>
+        <p:nvSpPr>
+          <p:cNvPr id="13" name="Content Placeholder 2"/>
+          <p:cNvSpPr txBox="1">
+            <a:spLocks/>
+          </p:cNvSpPr>
+          <p:nvPr/>
+        </p:nvSpPr>
+        <p:spPr>
+          <a:xfrm>
+            <a:off x="990600" y="1978025"/>
+            <a:ext cx="11136086" cy="4351338"/>
+          </a:xfrm>
+          <a:prstGeom prst="rect">
+            <a:avLst/>
+          </a:prstGeom>
+        </p:spPr>
+        <p:txBody>
+          <a:bodyPr>
+            <a:normAutofit/>
+          </a:bodyPr>
+          <a:lstStyle>
+            <a:lvl1pPr marL="228600" indent="-228600" algn="l" defTabSz="914400" rtl="0" eaLnBrk="1" latinLnBrk="0" hangingPunct="1">
+              <a:lnSpc>
+                <a:spcPct val="90000"/>
+              </a:lnSpc>
+              <a:spcBef>
+                <a:spcPts val="1000"/>
+              </a:spcBef>
+              <a:buFont typeface="Arial" panose="020B0604020202020204" pitchFamily="34" charset="0"/>
+              <a:buChar char="•"/>
+              <a:defRPr sz="2800" kern="1200">
+                <a:solidFill>
+                  <a:schemeClr val="tx1"/>
+                </a:solidFill>
+                <a:latin typeface="+mn-lt"/>
+                <a:ea typeface="+mn-ea"/>
+                <a:cs typeface="+mn-cs"/>
+              </a:defRPr>
+            </a:lvl1pPr>
+            <a:lvl2pPr marL="685800" indent="-228600" algn="l" defTabSz="914400" rtl="0" eaLnBrk="1" latinLnBrk="0" hangingPunct="1">
+              <a:lnSpc>
+                <a:spcPct val="90000"/>
+              </a:lnSpc>
+              <a:spcBef>
+                <a:spcPts val="500"/>
+              </a:spcBef>
+              <a:buFont typeface="Arial" panose="020B0604020202020204" pitchFamily="34" charset="0"/>
+              <a:buChar char="•"/>
+              <a:defRPr sz="2400" kern="1200">
+                <a:solidFill>
+                  <a:schemeClr val="tx1"/>
+                </a:solidFill>
+                <a:latin typeface="+mn-lt"/>
+                <a:ea typeface="+mn-ea"/>
+                <a:cs typeface="+mn-cs"/>
+              </a:defRPr>
+            </a:lvl2pPr>
+            <a:lvl3pPr marL="1143000" indent="-228600" algn="l" defTabSz="914400" rtl="0" eaLnBrk="1" latinLnBrk="0" hangingPunct="1">
+              <a:lnSpc>
+                <a:spcPct val="90000"/>
+              </a:lnSpc>
+              <a:spcBef>
+                <a:spcPts val="500"/>
+              </a:spcBef>
+              <a:buFont typeface="Arial" panose="020B0604020202020204" pitchFamily="34" charset="0"/>
+              <a:buChar char="•"/>
+              <a:defRPr sz="2000" kern="1200">
+                <a:solidFill>
+                  <a:schemeClr val="tx1"/>
+                </a:solidFill>
+                <a:latin typeface="+mn-lt"/>
+                <a:ea typeface="+mn-ea"/>
+                <a:cs typeface="+mn-cs"/>
+              </a:defRPr>
+            </a:lvl3pPr>
+            <a:lvl4pPr marL="1600200" indent="-228600" algn="l" defTabSz="914400" rtl="0" eaLnBrk="1" latinLnBrk="0" hangingPunct="1">
+              <a:lnSpc>
+                <a:spcPct val="90000"/>
+              </a:lnSpc>
+              <a:spcBef>
+                <a:spcPts val="500"/>
+              </a:spcBef>
+              <a:buFont typeface="Arial" panose="020B0604020202020204" pitchFamily="34" charset="0"/>
+              <a:buChar char="•"/>
+              <a:defRPr sz="1800" kern="1200">
+                <a:solidFill>
+                  <a:schemeClr val="tx1"/>
+                </a:solidFill>
+                <a:latin typeface="+mn-lt"/>
+                <a:ea typeface="+mn-ea"/>
+                <a:cs typeface="+mn-cs"/>
+              </a:defRPr>
+            </a:lvl4pPr>
+            <a:lvl5pPr marL="2057400" indent="-228600" algn="l" defTabSz="914400" rtl="0" eaLnBrk="1" latinLnBrk="0" hangingPunct="1">
+              <a:lnSpc>
+                <a:spcPct val="90000"/>
+              </a:lnSpc>
+              <a:spcBef>
+                <a:spcPts val="500"/>
+              </a:spcBef>
+              <a:buFont typeface="Arial" panose="020B0604020202020204" pitchFamily="34" charset="0"/>
+              <a:buChar char="•"/>
+              <a:defRPr sz="1800" kern="1200">
+                <a:solidFill>
+                  <a:schemeClr val="tx1"/>
+                </a:solidFill>
+                <a:latin typeface="+mn-lt"/>
+                <a:ea typeface="+mn-ea"/>
+                <a:cs typeface="+mn-cs"/>
+              </a:defRPr>
+            </a:lvl5pPr>
+            <a:lvl6pPr marL="2514600" indent="-228600" algn="l" defTabSz="914400" rtl="0" eaLnBrk="1" latinLnBrk="0" hangingPunct="1">
+              <a:lnSpc>
+                <a:spcPct val="90000"/>
+              </a:lnSpc>
+              <a:spcBef>
+                <a:spcPts val="500"/>
+              </a:spcBef>
+              <a:buFont typeface="Arial" panose="020B0604020202020204" pitchFamily="34" charset="0"/>
+              <a:buChar char="•"/>
+              <a:defRPr sz="1800" kern="1200">
+                <a:solidFill>
+                  <a:schemeClr val="tx1"/>
+                </a:solidFill>
+                <a:latin typeface="+mn-lt"/>
+                <a:ea typeface="+mn-ea"/>
+                <a:cs typeface="+mn-cs"/>
+              </a:defRPr>
+            </a:lvl6pPr>
+            <a:lvl7pPr marL="2971800" indent="-228600" algn="l" defTabSz="914400" rtl="0" eaLnBrk="1" latinLnBrk="0" hangingPunct="1">
+              <a:lnSpc>
+                <a:spcPct val="90000"/>
+              </a:lnSpc>
+              <a:spcBef>
+                <a:spcPts val="500"/>
+              </a:spcBef>
+              <a:buFont typeface="Arial" panose="020B0604020202020204" pitchFamily="34" charset="0"/>
+              <a:buChar char="•"/>
+              <a:defRPr sz="1800" kern="1200">
+                <a:solidFill>
+                  <a:schemeClr val="tx1"/>
+                </a:solidFill>
+                <a:latin typeface="+mn-lt"/>
+                <a:ea typeface="+mn-ea"/>
+                <a:cs typeface="+mn-cs"/>
+              </a:defRPr>
+            </a:lvl7pPr>
+            <a:lvl8pPr marL="3429000" indent="-228600" algn="l" defTabSz="914400" rtl="0" eaLnBrk="1" latinLnBrk="0" hangingPunct="1">
+              <a:lnSpc>
+                <a:spcPct val="90000"/>
+              </a:lnSpc>
+              <a:spcBef>
+                <a:spcPts val="500"/>
+              </a:spcBef>
+              <a:buFont typeface="Arial" panose="020B0604020202020204" pitchFamily="34" charset="0"/>
+              <a:buChar char="•"/>
+              <a:defRPr sz="1800" kern="1200">
+                <a:solidFill>
+                  <a:schemeClr val="tx1"/>
+                </a:solidFill>
+                <a:latin typeface="+mn-lt"/>
+                <a:ea typeface="+mn-ea"/>
+                <a:cs typeface="+mn-cs"/>
+              </a:defRPr>
+            </a:lvl8pPr>
+            <a:lvl9pPr marL="3886200" indent="-228600" algn="l" defTabSz="914400" rtl="0" eaLnBrk="1" latinLnBrk="0" hangingPunct="1">
+              <a:lnSpc>
+                <a:spcPct val="90000"/>
+              </a:lnSpc>
+              <a:spcBef>
+                <a:spcPts val="500"/>
+              </a:spcBef>
+              <a:buFont typeface="Arial" panose="020B0604020202020204" pitchFamily="34" charset="0"/>
+              <a:buChar char="•"/>
+              <a:defRPr sz="1800" kern="1200">
+                <a:solidFill>
+                  <a:schemeClr val="tx1"/>
+                </a:solidFill>
+                <a:latin typeface="+mn-lt"/>
+                <a:ea typeface="+mn-ea"/>
+                <a:cs typeface="+mn-cs"/>
+              </a:defRPr>
+            </a:lvl9pPr>
+          </a:lstStyle>
+          <a:p>
+            <a:r>
+              <a:rPr lang="en-US" dirty="0" smtClean="0"/>
+              <a:t>What is average height? What </a:t>
+            </a:r>
+            <a:r>
+              <a:rPr lang="en-US" dirty="0"/>
+              <a:t>is max height? </a:t>
+            </a:r>
+            <a:endParaRPr lang="en-US" i="1" dirty="0"/>
+          </a:p>
+        </p:txBody>
+      </p:sp>
+      <p:pic>
+        <p:nvPicPr>
+          <p:cNvPr id="14" name="Picture 13"/>
+          <p:cNvPicPr>
+            <a:picLocks noChangeAspect="1"/>
+          </p:cNvPicPr>
+          <p:nvPr/>
+        </p:nvPicPr>
+        <p:blipFill>
+          <a:blip r:embed="rId3">
+            <a:extLst>
+              <a:ext uri="{28A0092B-C50C-407E-A947-70E740481C1C}">
+                <a14:useLocalDpi xmlns:a14="http://schemas.microsoft.com/office/drawing/2010/main" val="0"/>
+              </a:ext>
+            </a:extLst>
+          </a:blip>
+          <a:stretch>
+            <a:fillRect/>
+          </a:stretch>
+        </p:blipFill>
+        <p:spPr>
+          <a:xfrm>
+            <a:off x="4152900" y="3185925"/>
+            <a:ext cx="1981200" cy="3378200"/>
+          </a:xfrm>
+          <a:prstGeom prst="rect">
+            <a:avLst/>
+          </a:prstGeom>
+        </p:spPr>
+      </p:pic>
+      <p:sp>
+        <p:nvSpPr>
+          <p:cNvPr id="15" name="Rectangle 14"/>
+          <p:cNvSpPr/>
+          <p:nvPr/>
+        </p:nvSpPr>
+        <p:spPr>
+          <a:xfrm>
+            <a:off x="1846975" y="2667755"/>
+            <a:ext cx="1297150" cy="461665"/>
+          </a:xfrm>
+          <a:prstGeom prst="rect">
+            <a:avLst/>
+          </a:prstGeom>
+        </p:spPr>
+        <p:txBody>
+          <a:bodyPr wrap="none">
+            <a:spAutoFit/>
+          </a:bodyPr>
+          <a:lstStyle/>
+          <a:p>
+            <a:r>
+              <a:rPr lang="en-US" sz="2400" i="1"/>
+              <a:t>O(log n)</a:t>
+            </a:r>
+            <a:endParaRPr lang="en-US" sz="2400"/>
+          </a:p>
+        </p:txBody>
+      </p:sp>
+      <p:sp>
+        <p:nvSpPr>
+          <p:cNvPr id="16" name="Rectangle 15"/>
+          <p:cNvSpPr/>
+          <p:nvPr/>
+        </p:nvSpPr>
+        <p:spPr>
+          <a:xfrm>
+            <a:off x="4743390" y="2667755"/>
+            <a:ext cx="800219" cy="461665"/>
+          </a:xfrm>
+          <a:prstGeom prst="rect">
+            <a:avLst/>
+          </a:prstGeom>
+        </p:spPr>
+        <p:txBody>
+          <a:bodyPr wrap="none">
+            <a:spAutoFit/>
+          </a:bodyPr>
+          <a:lstStyle/>
+          <a:p>
+            <a:r>
+              <a:rPr lang="en-US" sz="2400" i="1"/>
+              <a:t>O(n)</a:t>
+            </a:r>
+            <a:endParaRPr lang="en-US" sz="2400"/>
+          </a:p>
+        </p:txBody>
+      </p:sp>
+    </p:spTree>
+    <p:extLst>
+      <p:ext uri="{BB962C8B-B14F-4D97-AF65-F5344CB8AC3E}">
+        <p14:creationId xmlns:p14="http://schemas.microsoft.com/office/powerpoint/2010/main" val="969892572"/>
       </p:ext>
     </p:extLst>
   </p:cSld>
@@ -4336,6 +9212,691 @@
     <p:extLst>
       <p:ext uri="{BB962C8B-B14F-4D97-AF65-F5344CB8AC3E}">
         <p14:creationId xmlns:p14="http://schemas.microsoft.com/office/powerpoint/2010/main" val="154305458"/>
+      </p:ext>
+    </p:extLst>
+  </p:cSld>
+  <p:clrMapOvr>
+    <a:masterClrMapping/>
+  </p:clrMapOvr>
+</p:sld>
+</file>
+
+<file path=ppt/slides/slide20.xml><?xml version="1.0" encoding="utf-8"?>
+<p:sld xmlns:a="http://schemas.openxmlformats.org/drawingml/2006/main" xmlns:r="http://schemas.openxmlformats.org/officeDocument/2006/relationships" xmlns:p="http://schemas.openxmlformats.org/presentationml/2006/main">
+  <p:cSld>
+    <p:spTree>
+      <p:nvGrpSpPr>
+        <p:cNvPr id="1" name=""/>
+        <p:cNvGrpSpPr/>
+        <p:nvPr/>
+      </p:nvGrpSpPr>
+      <p:grpSpPr>
+        <a:xfrm>
+          <a:off x="0" y="0"/>
+          <a:ext cx="0" cy="0"/>
+          <a:chOff x="0" y="0"/>
+          <a:chExt cx="0" cy="0"/>
+        </a:xfrm>
+      </p:grpSpPr>
+      <p:sp>
+        <p:nvSpPr>
+          <p:cNvPr id="2" name="Title 1"/>
+          <p:cNvSpPr>
+            <a:spLocks noGrp="1"/>
+          </p:cNvSpPr>
+          <p:nvPr>
+            <p:ph type="title"/>
+          </p:nvPr>
+        </p:nvSpPr>
+        <p:spPr/>
+        <p:txBody>
+          <a:bodyPr/>
+          <a:lstStyle/>
+          <a:p>
+            <a:r>
+              <a:rPr lang="en-US" dirty="0" smtClean="0"/>
+              <a:t>Careful of loop iteration step size</a:t>
+            </a:r>
+            <a:endParaRPr lang="en-US" dirty="0"/>
+          </a:p>
+        </p:txBody>
+      </p:sp>
+      <mc:AlternateContent xmlns:mc="http://schemas.openxmlformats.org/markup-compatibility/2006">
+        <mc:Choice xmlns:a14="http://schemas.microsoft.com/office/drawing/2010/main" Requires="a14">
+          <p:sp>
+            <p:nvSpPr>
+              <p:cNvPr id="3" name="Content Placeholder 2"/>
+              <p:cNvSpPr>
+                <a:spLocks noGrp="1"/>
+              </p:cNvSpPr>
+              <p:nvPr>
+                <p:ph idx="1"/>
+              </p:nvPr>
+            </p:nvSpPr>
+            <p:spPr>
+              <a:xfrm>
+                <a:off x="838200" y="1825625"/>
+                <a:ext cx="10889512" cy="4351338"/>
+              </a:xfrm>
+            </p:spPr>
+            <p:txBody>
+              <a:bodyPr/>
+              <a:lstStyle/>
+              <a:p>
+                <a:r>
+                  <a:rPr lang="en-US" dirty="0" smtClean="0"/>
+                  <a:t>Let n be the input size</a:t>
+                </a:r>
+              </a:p>
+              <a:p>
+                <a:r>
+                  <a:rPr lang="en-US" dirty="0" smtClean="0"/>
+                  <a:t>Let’s count math ops</a:t>
+                </a:r>
+              </a:p>
+              <a:p>
+                <a:r>
+                  <a:rPr lang="en-US" dirty="0" smtClean="0"/>
+                  <a:t>Charge 2 ops per iteration</a:t>
+                </a:r>
+              </a:p>
+              <a:p>
+                <a:r>
+                  <a:rPr lang="en-US" dirty="0" smtClean="0"/>
+                  <a:t>How many iterations?</a:t>
+                </a:r>
+              </a:p>
+              <a:p>
+                <a:r>
+                  <a:rPr lang="en-US" dirty="0" smtClean="0"/>
+                  <a:t>T(1) = 0</a:t>
+                </a:r>
+                <a:br>
+                  <a:rPr lang="en-US" dirty="0" smtClean="0"/>
+                </a:br>
+                <a:r>
+                  <a:rPr lang="en-US" dirty="0" smtClean="0"/>
+                  <a:t>T(n) = 2 + T(n/2)</a:t>
+                </a:r>
+                <a:br>
+                  <a:rPr lang="en-US" dirty="0" smtClean="0"/>
+                </a:br>
+                <a:r>
+                  <a:rPr lang="en-US" dirty="0" smtClean="0"/>
+                  <a:t>        = 2 + 2 + T(n/4)</a:t>
+                </a:r>
+                <a:br>
+                  <a:rPr lang="en-US" dirty="0" smtClean="0"/>
+                </a:br>
+                <a:r>
+                  <a:rPr lang="en-US" dirty="0"/>
+                  <a:t> </a:t>
+                </a:r>
+                <a:r>
+                  <a:rPr lang="en-US" dirty="0" smtClean="0"/>
+                  <a:t>       = </a:t>
+                </a:r>
+                <a:r>
+                  <a:rPr lang="en-US" dirty="0"/>
+                  <a:t>2 + 2 + </a:t>
+                </a:r>
+                <a:r>
+                  <a:rPr lang="en-US" dirty="0" smtClean="0"/>
+                  <a:t>2 + T(n/</a:t>
+                </a:r>
+                <a14:m>
+                  <m:oMath xmlns:m="http://schemas.openxmlformats.org/officeDocument/2006/math">
+                    <m:sSup>
+                      <m:sSupPr>
+                        <m:ctrlPr>
+                          <a:rPr lang="mr-IN" i="1" smtClean="0">
+                            <a:latin typeface="Cambria Math" charset="0"/>
+                          </a:rPr>
+                        </m:ctrlPr>
+                      </m:sSupPr>
+                      <m:e>
+                        <m:r>
+                          <a:rPr lang="en-US" b="0" i="1" smtClean="0">
+                            <a:latin typeface="Cambria Math" charset="0"/>
+                          </a:rPr>
+                          <m:t>2</m:t>
+                        </m:r>
+                      </m:e>
+                      <m:sup>
+                        <m:r>
+                          <a:rPr lang="en-US" b="0" i="1" smtClean="0">
+                            <a:latin typeface="Cambria Math" charset="0"/>
+                          </a:rPr>
+                          <m:t>3</m:t>
+                        </m:r>
+                      </m:sup>
+                    </m:sSup>
+                  </m:oMath>
+                </a14:m>
+                <a:r>
+                  <a:rPr lang="en-US" dirty="0" smtClean="0"/>
+                  <a:t>) stop when </a:t>
+                </a:r>
+                <a14:m>
+                  <m:oMath xmlns:m="http://schemas.openxmlformats.org/officeDocument/2006/math">
+                    <m:sSup>
+                      <m:sSupPr>
+                        <m:ctrlPr>
+                          <a:rPr lang="mr-IN" i="1">
+                            <a:latin typeface="Cambria Math" charset="0"/>
+                          </a:rPr>
+                        </m:ctrlPr>
+                      </m:sSupPr>
+                      <m:e>
+                        <m:r>
+                          <a:rPr lang="en-US" i="1">
+                            <a:latin typeface="Cambria Math" charset="0"/>
+                          </a:rPr>
+                          <m:t>2</m:t>
+                        </m:r>
+                      </m:e>
+                      <m:sup>
+                        <m:r>
+                          <a:rPr lang="en-US" b="0" i="1" smtClean="0">
+                            <a:latin typeface="Cambria Math" charset="0"/>
+                          </a:rPr>
+                          <m:t>𝑖</m:t>
+                        </m:r>
+                      </m:sup>
+                    </m:sSup>
+                  </m:oMath>
+                </a14:m>
+                <a:r>
+                  <a:rPr lang="en-US" dirty="0" smtClean="0"/>
+                  <a:t> reaches </a:t>
+                </a:r>
+                <a:r>
+                  <a:rPr lang="en-US" i="1" dirty="0" smtClean="0"/>
+                  <a:t>n</a:t>
+                </a:r>
+                <a:r>
+                  <a:rPr lang="en-US" dirty="0" smtClean="0"/>
+                  <a:t>, at T(n/n)=T(1)</a:t>
+                </a:r>
+              </a:p>
+            </p:txBody>
+          </p:sp>
+        </mc:Choice>
+        <mc:Fallback>
+          <p:sp>
+            <p:nvSpPr>
+              <p:cNvPr id="3" name="Content Placeholder 2"/>
+              <p:cNvSpPr>
+                <a:spLocks noGrp="1" noRot="1" noChangeAspect="1" noMove="1" noResize="1" noEditPoints="1" noAdjustHandles="1" noChangeArrowheads="1" noChangeShapeType="1" noTextEdit="1"/>
+              </p:cNvSpPr>
+              <p:nvPr>
+                <p:ph idx="1"/>
+              </p:nvPr>
+            </p:nvSpPr>
+            <p:spPr>
+              <a:xfrm>
+                <a:off x="838200" y="1825625"/>
+                <a:ext cx="10889512" cy="4351338"/>
+              </a:xfrm>
+              <a:blipFill rotWithShape="0">
+                <a:blip r:embed="rId2"/>
+                <a:stretch>
+                  <a:fillRect l="-1008" t="-2381"/>
+                </a:stretch>
+              </a:blipFill>
+            </p:spPr>
+            <p:txBody>
+              <a:bodyPr/>
+              <a:lstStyle/>
+              <a:p>
+                <a:r>
+                  <a:rPr lang="en-US">
+                    <a:noFill/>
+                  </a:rPr>
+                  <a:t> </a:t>
+                </a:r>
+              </a:p>
+            </p:txBody>
+          </p:sp>
+        </mc:Fallback>
+      </mc:AlternateContent>
+      <p:sp>
+        <p:nvSpPr>
+          <p:cNvPr id="4" name="TextBox 3"/>
+          <p:cNvSpPr txBox="1"/>
+          <p:nvPr/>
+        </p:nvSpPr>
+        <p:spPr>
+          <a:xfrm>
+            <a:off x="6191847" y="1825625"/>
+            <a:ext cx="5014869" cy="2677656"/>
+          </a:xfrm>
+          <a:prstGeom prst="rect">
+            <a:avLst/>
+          </a:prstGeom>
+          <a:noFill/>
+          <a:ln>
+            <a:solidFill>
+              <a:schemeClr val="accent1"/>
+            </a:solidFill>
+          </a:ln>
+        </p:spPr>
+        <p:txBody>
+          <a:bodyPr wrap="square" rtlCol="0">
+            <a:spAutoFit/>
+          </a:bodyPr>
+          <a:lstStyle/>
+          <a:p>
+            <a:r>
+              <a:rPr lang="en-US" sz="2400" dirty="0" err="1">
+                <a:latin typeface="Monaco" charset="0"/>
+                <a:ea typeface="Monaco" charset="0"/>
+                <a:cs typeface="Monaco" charset="0"/>
+              </a:rPr>
+              <a:t>def</a:t>
+            </a:r>
+            <a:r>
+              <a:rPr lang="en-US" sz="2400" dirty="0">
+                <a:latin typeface="Monaco" charset="0"/>
+                <a:ea typeface="Monaco" charset="0"/>
+                <a:cs typeface="Monaco" charset="0"/>
+              </a:rPr>
+              <a:t> </a:t>
+            </a:r>
+            <a:r>
+              <a:rPr lang="en-US" sz="2400" dirty="0" smtClean="0">
+                <a:latin typeface="Monaco" charset="0"/>
+                <a:ea typeface="Monaco" charset="0"/>
+                <a:cs typeface="Monaco" charset="0"/>
+              </a:rPr>
+              <a:t>intlog2(n): # for n&gt;=1</a:t>
+            </a:r>
+            <a:endParaRPr lang="en-US" sz="2400" dirty="0">
+              <a:latin typeface="Monaco" charset="0"/>
+              <a:ea typeface="Monaco" charset="0"/>
+              <a:cs typeface="Monaco" charset="0"/>
+            </a:endParaRPr>
+          </a:p>
+          <a:p>
+            <a:r>
+              <a:rPr lang="ro-RO" sz="2400" dirty="0" smtClean="0">
+                <a:latin typeface="Monaco" charset="0"/>
+                <a:ea typeface="Monaco" charset="0"/>
+                <a:cs typeface="Monaco" charset="0"/>
+              </a:rPr>
+              <a:t>    </a:t>
+            </a:r>
+            <a:r>
+              <a:rPr lang="mr-IN" sz="2400" dirty="0" err="1">
+                <a:latin typeface="Monaco" charset="0"/>
+                <a:ea typeface="Monaco" charset="0"/>
+                <a:cs typeface="Monaco" charset="0"/>
+              </a:rPr>
+              <a:t>if</a:t>
+            </a:r>
+            <a:r>
+              <a:rPr lang="mr-IN" sz="2400" dirty="0">
+                <a:latin typeface="Monaco" charset="0"/>
+                <a:ea typeface="Monaco" charset="0"/>
+                <a:cs typeface="Monaco" charset="0"/>
+              </a:rPr>
+              <a:t> </a:t>
+            </a:r>
+            <a:r>
+              <a:rPr lang="mr-IN" sz="2400" dirty="0" err="1">
+                <a:latin typeface="Monaco" charset="0"/>
+                <a:ea typeface="Monaco" charset="0"/>
+                <a:cs typeface="Monaco" charset="0"/>
+              </a:rPr>
+              <a:t>n</a:t>
+            </a:r>
+            <a:r>
+              <a:rPr lang="mr-IN" sz="2400" dirty="0">
+                <a:latin typeface="Monaco" charset="0"/>
+                <a:ea typeface="Monaco" charset="0"/>
+                <a:cs typeface="Monaco" charset="0"/>
+              </a:rPr>
+              <a:t> </a:t>
+            </a:r>
+            <a:r>
+              <a:rPr lang="en-US" sz="2400" dirty="0" smtClean="0">
+                <a:latin typeface="Monaco" charset="0"/>
+                <a:ea typeface="Monaco" charset="0"/>
+                <a:cs typeface="Monaco" charset="0"/>
+              </a:rPr>
+              <a:t>=</a:t>
+            </a:r>
+            <a:r>
+              <a:rPr lang="mr-IN" sz="2400" dirty="0" smtClean="0">
+                <a:latin typeface="Monaco" charset="0"/>
+                <a:ea typeface="Monaco" charset="0"/>
+                <a:cs typeface="Monaco" charset="0"/>
+              </a:rPr>
+              <a:t>= 1:</a:t>
+            </a:r>
+            <a:r>
+              <a:rPr lang="en-US" sz="2400" dirty="0" smtClean="0">
+                <a:latin typeface="Monaco" charset="0"/>
+                <a:ea typeface="Monaco" charset="0"/>
+                <a:cs typeface="Monaco" charset="0"/>
+              </a:rPr>
+              <a:t> </a:t>
+            </a:r>
+            <a:r>
+              <a:rPr lang="mr-IN" sz="2400" dirty="0" err="1" smtClean="0">
+                <a:latin typeface="Monaco" charset="0"/>
+                <a:ea typeface="Monaco" charset="0"/>
+                <a:cs typeface="Monaco" charset="0"/>
+              </a:rPr>
+              <a:t>return</a:t>
+            </a:r>
+            <a:r>
+              <a:rPr lang="mr-IN" sz="2400" dirty="0" smtClean="0">
+                <a:latin typeface="Monaco" charset="0"/>
+                <a:ea typeface="Monaco" charset="0"/>
+                <a:cs typeface="Monaco" charset="0"/>
+              </a:rPr>
+              <a:t> 0</a:t>
+            </a:r>
+            <a:endParaRPr lang="en-US" sz="2400" dirty="0" smtClean="0">
+              <a:latin typeface="Monaco" charset="0"/>
+              <a:ea typeface="Monaco" charset="0"/>
+              <a:cs typeface="Monaco" charset="0"/>
+            </a:endParaRPr>
+          </a:p>
+          <a:p>
+            <a:r>
+              <a:rPr lang="en-US" sz="2400" dirty="0">
+                <a:latin typeface="Monaco" charset="0"/>
+                <a:ea typeface="Monaco" charset="0"/>
+                <a:cs typeface="Monaco" charset="0"/>
+              </a:rPr>
+              <a:t> </a:t>
+            </a:r>
+            <a:r>
+              <a:rPr lang="en-US" sz="2400" dirty="0" smtClean="0">
+                <a:latin typeface="Monaco" charset="0"/>
+                <a:ea typeface="Monaco" charset="0"/>
+                <a:cs typeface="Monaco" charset="0"/>
+              </a:rPr>
+              <a:t>   </a:t>
+            </a:r>
+            <a:r>
+              <a:rPr lang="ro-RO" sz="2400" dirty="0" err="1" smtClean="0">
+                <a:latin typeface="Monaco" charset="0"/>
+                <a:ea typeface="Monaco" charset="0"/>
+                <a:cs typeface="Monaco" charset="0"/>
+              </a:rPr>
+              <a:t>count</a:t>
+            </a:r>
+            <a:r>
+              <a:rPr lang="ro-RO" sz="2400" dirty="0" smtClean="0">
+                <a:latin typeface="Monaco" charset="0"/>
+                <a:ea typeface="Monaco" charset="0"/>
+                <a:cs typeface="Monaco" charset="0"/>
+              </a:rPr>
+              <a:t> </a:t>
+            </a:r>
+            <a:r>
+              <a:rPr lang="ro-RO" sz="2400" dirty="0">
+                <a:latin typeface="Monaco" charset="0"/>
+                <a:ea typeface="Monaco" charset="0"/>
+                <a:cs typeface="Monaco" charset="0"/>
+              </a:rPr>
+              <a:t>= 0</a:t>
+            </a:r>
+          </a:p>
+          <a:p>
+            <a:r>
+              <a:rPr lang="en-US" sz="2400" dirty="0">
+                <a:latin typeface="Monaco" charset="0"/>
+                <a:ea typeface="Monaco" charset="0"/>
+                <a:cs typeface="Monaco" charset="0"/>
+              </a:rPr>
+              <a:t>    while n &gt; 0:</a:t>
+            </a:r>
+          </a:p>
+          <a:p>
+            <a:r>
+              <a:rPr lang="mr-IN" sz="2400" dirty="0">
+                <a:latin typeface="Monaco" charset="0"/>
+                <a:ea typeface="Monaco" charset="0"/>
+                <a:cs typeface="Monaco" charset="0"/>
+              </a:rPr>
+              <a:t>        </a:t>
+            </a:r>
+            <a:r>
+              <a:rPr lang="mr-IN" sz="2400" dirty="0" err="1">
+                <a:latin typeface="Monaco" charset="0"/>
+                <a:ea typeface="Monaco" charset="0"/>
+                <a:cs typeface="Monaco" charset="0"/>
+              </a:rPr>
+              <a:t>n</a:t>
+            </a:r>
+            <a:r>
+              <a:rPr lang="mr-IN" sz="2400" dirty="0">
+                <a:latin typeface="Monaco" charset="0"/>
+                <a:ea typeface="Monaco" charset="0"/>
+                <a:cs typeface="Monaco" charset="0"/>
+              </a:rPr>
+              <a:t> = </a:t>
+            </a:r>
+            <a:r>
+              <a:rPr lang="mr-IN" sz="2400" dirty="0" err="1">
+                <a:latin typeface="Monaco" charset="0"/>
+                <a:ea typeface="Monaco" charset="0"/>
+                <a:cs typeface="Monaco" charset="0"/>
+              </a:rPr>
+              <a:t>int</a:t>
+            </a:r>
+            <a:r>
+              <a:rPr lang="mr-IN" sz="2400" dirty="0">
+                <a:latin typeface="Monaco" charset="0"/>
+                <a:ea typeface="Monaco" charset="0"/>
+                <a:cs typeface="Monaco" charset="0"/>
+              </a:rPr>
+              <a:t>(</a:t>
+            </a:r>
+            <a:r>
+              <a:rPr lang="mr-IN" sz="2400" dirty="0" err="1">
+                <a:latin typeface="Monaco" charset="0"/>
+                <a:ea typeface="Monaco" charset="0"/>
+                <a:cs typeface="Monaco" charset="0"/>
+              </a:rPr>
+              <a:t>n</a:t>
+            </a:r>
+            <a:r>
+              <a:rPr lang="mr-IN" sz="2400" dirty="0">
+                <a:latin typeface="Monaco" charset="0"/>
+                <a:ea typeface="Monaco" charset="0"/>
+                <a:cs typeface="Monaco" charset="0"/>
+              </a:rPr>
+              <a:t> / 2)</a:t>
+            </a:r>
+          </a:p>
+          <a:p>
+            <a:r>
+              <a:rPr lang="mr-IN" sz="2400" dirty="0">
+                <a:latin typeface="Monaco" charset="0"/>
+                <a:ea typeface="Monaco" charset="0"/>
+                <a:cs typeface="Monaco" charset="0"/>
+              </a:rPr>
+              <a:t>        </a:t>
+            </a:r>
+            <a:r>
+              <a:rPr lang="mr-IN" sz="2400" dirty="0" err="1">
+                <a:latin typeface="Monaco" charset="0"/>
+                <a:ea typeface="Monaco" charset="0"/>
+                <a:cs typeface="Monaco" charset="0"/>
+              </a:rPr>
+              <a:t>count</a:t>
+            </a:r>
+            <a:r>
+              <a:rPr lang="mr-IN" sz="2400" dirty="0">
+                <a:latin typeface="Monaco" charset="0"/>
+                <a:ea typeface="Monaco" charset="0"/>
+                <a:cs typeface="Monaco" charset="0"/>
+              </a:rPr>
+              <a:t> += 1</a:t>
+            </a:r>
+          </a:p>
+          <a:p>
+            <a:r>
+              <a:rPr lang="en-US" sz="2400" dirty="0">
+                <a:latin typeface="Monaco" charset="0"/>
+                <a:ea typeface="Monaco" charset="0"/>
+                <a:cs typeface="Monaco" charset="0"/>
+              </a:rPr>
+              <a:t>    return count-1</a:t>
+            </a:r>
+          </a:p>
+        </p:txBody>
+      </p:sp>
+      <p:sp>
+        <p:nvSpPr>
+          <p:cNvPr id="5" name="Right Brace 4"/>
+          <p:cNvSpPr/>
+          <p:nvPr/>
+        </p:nvSpPr>
+        <p:spPr>
+          <a:xfrm rot="5400000">
+            <a:off x="2789607" y="4897133"/>
+            <a:ext cx="319295" cy="1350868"/>
+          </a:xfrm>
+          <a:prstGeom prst="rightBrace">
+            <a:avLst/>
+          </a:prstGeom>
+          <a:ln w="25400">
+            <a:solidFill>
+              <a:schemeClr val="accent2"/>
+            </a:solidFill>
+          </a:ln>
+        </p:spPr>
+        <p:style>
+          <a:lnRef idx="1">
+            <a:schemeClr val="accent1"/>
+          </a:lnRef>
+          <a:fillRef idx="0">
+            <a:schemeClr val="accent1"/>
+          </a:fillRef>
+          <a:effectRef idx="0">
+            <a:schemeClr val="accent1"/>
+          </a:effectRef>
+          <a:fontRef idx="minor">
+            <a:schemeClr val="tx1"/>
+          </a:fontRef>
+        </p:style>
+        <p:txBody>
+          <a:bodyPr rtlCol="0" anchor="ctr"/>
+          <a:lstStyle/>
+          <a:p>
+            <a:pPr algn="ctr"/>
+            <a:endParaRPr lang="en-US"/>
+          </a:p>
+        </p:txBody>
+      </p:sp>
+      <p:cxnSp>
+        <p:nvCxnSpPr>
+          <p:cNvPr id="6" name="Straight Arrow Connector 5"/>
+          <p:cNvCxnSpPr/>
+          <p:nvPr/>
+        </p:nvCxnSpPr>
+        <p:spPr>
+          <a:xfrm flipV="1">
+            <a:off x="3116587" y="5277982"/>
+            <a:ext cx="1806287" cy="685065"/>
+          </a:xfrm>
+          <a:prstGeom prst="straightConnector1">
+            <a:avLst/>
+          </a:prstGeom>
+          <a:ln w="25400">
+            <a:solidFill>
+              <a:schemeClr val="accent2"/>
+            </a:solidFill>
+            <a:tailEnd type="triangle"/>
+          </a:ln>
+        </p:spPr>
+        <p:style>
+          <a:lnRef idx="1">
+            <a:schemeClr val="accent1"/>
+          </a:lnRef>
+          <a:fillRef idx="0">
+            <a:schemeClr val="accent1"/>
+          </a:fillRef>
+          <a:effectRef idx="0">
+            <a:schemeClr val="accent1"/>
+          </a:effectRef>
+          <a:fontRef idx="minor">
+            <a:schemeClr val="tx1"/>
+          </a:fontRef>
+        </p:style>
+      </p:cxnSp>
+      <p:sp>
+        <p:nvSpPr>
+          <p:cNvPr id="7" name="TextBox 6"/>
+          <p:cNvSpPr txBox="1"/>
+          <p:nvPr/>
+        </p:nvSpPr>
+        <p:spPr>
+          <a:xfrm flipH="1">
+            <a:off x="2792499" y="5732215"/>
+            <a:ext cx="313510" cy="461665"/>
+          </a:xfrm>
+          <a:prstGeom prst="rect">
+            <a:avLst/>
+          </a:prstGeom>
+          <a:noFill/>
+        </p:spPr>
+        <p:txBody>
+          <a:bodyPr wrap="square" rtlCol="0">
+            <a:spAutoFit/>
+          </a:bodyPr>
+          <a:lstStyle/>
+          <a:p>
+            <a:r>
+              <a:rPr lang="en-US" sz="2400" dirty="0"/>
+              <a:t>3</a:t>
+            </a:r>
+          </a:p>
+        </p:txBody>
+      </p:sp>
+      <p:sp>
+        <p:nvSpPr>
+          <p:cNvPr id="9" name="Rectangle 8"/>
+          <p:cNvSpPr/>
+          <p:nvPr/>
+        </p:nvSpPr>
+        <p:spPr>
+          <a:xfrm>
+            <a:off x="5196633" y="5593279"/>
+            <a:ext cx="6237605" cy="461665"/>
+          </a:xfrm>
+          <a:prstGeom prst="rect">
+            <a:avLst/>
+          </a:prstGeom>
+        </p:spPr>
+        <p:txBody>
+          <a:bodyPr wrap="none">
+            <a:spAutoFit/>
+          </a:bodyPr>
+          <a:lstStyle/>
+          <a:p>
+            <a:r>
+              <a:rPr lang="en-US" sz="2400" dirty="0" smtClean="0"/>
+              <a:t>Sum of log n twos or 2 log n, giving </a:t>
+            </a:r>
+            <a:r>
+              <a:rPr lang="en-US" sz="2400" b="1" dirty="0" smtClean="0"/>
+              <a:t>O(log n)</a:t>
+            </a:r>
+            <a:endParaRPr lang="en-US" sz="2400" b="1" dirty="0"/>
+          </a:p>
+        </p:txBody>
+      </p:sp>
+    </p:spTree>
+    <p:extLst>
+      <p:ext uri="{BB962C8B-B14F-4D97-AF65-F5344CB8AC3E}">
+        <p14:creationId xmlns:p14="http://schemas.microsoft.com/office/powerpoint/2010/main" val="1992614971"/>
       </p:ext>
     </p:extLst>
   </p:cSld>
@@ -4903,7 +10464,14 @@
               <a:p>
                 <a:r>
                   <a:rPr lang="en-US" dirty="0" smtClean="0"/>
-                  <a:t>Charge two operations to each iteration (it’s like accounting)</a:t>
+                  <a:t>Charge two operations for each iteration to a single element in a</a:t>
+                </a:r>
+                <a:br>
+                  <a:rPr lang="en-US" dirty="0" smtClean="0"/>
+                </a:br>
+                <a:r>
+                  <a:rPr lang="en-US" dirty="0" smtClean="0"/>
+                  <a:t>(it’s like accounting, charging work to input elements)</a:t>
                 </a:r>
               </a:p>
               <a:p>
@@ -5000,7 +10568,7 @@
               <a:blipFill rotWithShape="0">
                 <a:blip r:embed="rId2"/>
                 <a:stretch>
-                  <a:fillRect l="-1043" t="-2381"/>
+                  <a:fillRect l="-1043" t="-2381" r="-1101"/>
                 </a:stretch>
               </a:blipFill>
             </p:spPr>
@@ -5028,7 +10596,7 @@
         <p:spPr>
           <a:xfrm>
             <a:off x="3764379" y="4210331"/>
-            <a:ext cx="3637052" cy="1200329"/>
+            <a:ext cx="3637052" cy="1569660"/>
           </a:xfrm>
           <a:prstGeom prst="rect">
             <a:avLst/>
@@ -5053,6 +10621,32 @@
                 <a:cs typeface="Monaco" charset="0"/>
               </a:rPr>
               <a:t>s = 0.0</a:t>
+            </a:r>
+          </a:p>
+          <a:p>
+            <a:r>
+              <a:rPr lang="en-US" sz="2400" dirty="0" smtClean="0">
+                <a:latin typeface="Monaco" charset="0"/>
+                <a:ea typeface="Monaco" charset="0"/>
+                <a:cs typeface="Monaco" charset="0"/>
+              </a:rPr>
+              <a:t>n = </a:t>
+            </a:r>
+            <a:r>
+              <a:rPr lang="en-US" sz="2400" dirty="0" err="1" smtClean="0">
+                <a:latin typeface="Monaco" charset="0"/>
+                <a:ea typeface="Monaco" charset="0"/>
+                <a:cs typeface="Monaco" charset="0"/>
+              </a:rPr>
+              <a:t>len</a:t>
+            </a:r>
+            <a:r>
+              <a:rPr lang="en-US" sz="2400" dirty="0" smtClean="0">
+                <a:latin typeface="Monaco" charset="0"/>
+                <a:ea typeface="Monaco" charset="0"/>
+                <a:cs typeface="Monaco" charset="0"/>
+              </a:rPr>
+              <a:t>(a)</a:t>
             </a:r>
           </a:p>
           <a:p>

--- a/notes/complexity.pptx
+++ b/notes/complexity.pptx
@@ -5,10 +5,10 @@
     <p:sldMasterId id="2147483648" r:id="rId1"/>
   </p:sldMasterIdLst>
   <p:notesMasterIdLst>
-    <p:notesMasterId r:id="rId29"/>
+    <p:notesMasterId r:id="rId31"/>
   </p:notesMasterIdLst>
   <p:handoutMasterIdLst>
-    <p:handoutMasterId r:id="rId30"/>
+    <p:handoutMasterId r:id="rId32"/>
   </p:handoutMasterIdLst>
   <p:sldIdLst>
     <p:sldId id="256" r:id="rId2"/>
@@ -35,12 +35,14 @@
     <p:sldId id="288" r:id="rId23"/>
     <p:sldId id="289" r:id="rId24"/>
     <p:sldId id="291" r:id="rId25"/>
-    <p:sldId id="292" r:id="rId26"/>
-    <p:sldId id="290" r:id="rId27"/>
-    <p:sldId id="293" r:id="rId28"/>
+    <p:sldId id="294" r:id="rId26"/>
+    <p:sldId id="292" r:id="rId27"/>
+    <p:sldId id="290" r:id="rId28"/>
+    <p:sldId id="293" r:id="rId29"/>
+    <p:sldId id="295" r:id="rId30"/>
   </p:sldIdLst>
   <p:sldSz cx="12192000" cy="6858000"/>
-  <p:notesSz cx="6858000" cy="9144000"/>
+  <p:notesSz cx="9144000" cy="6858000"/>
   <p:defaultTextStyle>
     <a:defPPr>
       <a:defRPr lang="en-US"/>
@@ -182,7 +184,7 @@
         <p:spPr>
           <a:xfrm>
             <a:off x="0" y="0"/>
-            <a:ext cx="2971800" cy="458788"/>
+            <a:ext cx="3962400" cy="344091"/>
           </a:xfrm>
           <a:prstGeom prst="rect">
             <a:avLst/>
@@ -212,8 +214,8 @@
         </p:nvSpPr>
         <p:spPr>
           <a:xfrm>
-            <a:off x="3884613" y="0"/>
-            <a:ext cx="2971800" cy="458788"/>
+            <a:off x="5179484" y="0"/>
+            <a:ext cx="3962400" cy="344091"/>
           </a:xfrm>
           <a:prstGeom prst="rect">
             <a:avLst/>
@@ -229,7 +231,7 @@
           <a:p>
             <a:fld id="{8A1B613A-EFF1-404F-BEE8-EFAE84A4E5E2}" type="datetimeFigureOut">
               <a:rPr lang="en-US" smtClean="0"/>
-              <a:t>1/22/19</a:t>
+              <a:t>1/30/19</a:t>
             </a:fld>
             <a:endParaRPr lang="en-US"/>
           </a:p>
@@ -247,8 +249,8 @@
         </p:nvSpPr>
         <p:spPr>
           <a:xfrm>
-            <a:off x="0" y="8685213"/>
-            <a:ext cx="2971800" cy="458787"/>
+            <a:off x="0" y="6513910"/>
+            <a:ext cx="3962400" cy="344090"/>
           </a:xfrm>
           <a:prstGeom prst="rect">
             <a:avLst/>
@@ -278,8 +280,8 @@
         </p:nvSpPr>
         <p:spPr>
           <a:xfrm>
-            <a:off x="3884613" y="8685213"/>
-            <a:ext cx="2971800" cy="458787"/>
+            <a:off x="5179484" y="6513910"/>
+            <a:ext cx="3962400" cy="344090"/>
           </a:xfrm>
           <a:prstGeom prst="rect">
             <a:avLst/>
@@ -347,7 +349,7 @@
         <p:spPr>
           <a:xfrm>
             <a:off x="0" y="0"/>
-            <a:ext cx="2971800" cy="458788"/>
+            <a:ext cx="3962400" cy="344091"/>
           </a:xfrm>
           <a:prstGeom prst="rect">
             <a:avLst/>
@@ -377,8 +379,8 @@
         </p:nvSpPr>
         <p:spPr>
           <a:xfrm>
-            <a:off x="3884613" y="0"/>
-            <a:ext cx="2971800" cy="458788"/>
+            <a:off x="5179484" y="0"/>
+            <a:ext cx="3962400" cy="344091"/>
           </a:xfrm>
           <a:prstGeom prst="rect">
             <a:avLst/>
@@ -394,7 +396,7 @@
           <a:p>
             <a:fld id="{690847EA-AC25-3D4E-89E1-FD3F6A9702B6}" type="datetimeFigureOut">
               <a:rPr lang="en-US" smtClean="0"/>
-              <a:t>1/22/19</a:t>
+              <a:t>1/30/19</a:t>
             </a:fld>
             <a:endParaRPr lang="en-US"/>
           </a:p>
@@ -412,8 +414,8 @@
         </p:nvSpPr>
         <p:spPr>
           <a:xfrm>
-            <a:off x="685800" y="1143000"/>
-            <a:ext cx="5486400" cy="3086100"/>
+            <a:off x="2514600" y="857250"/>
+            <a:ext cx="4114800" cy="2314575"/>
           </a:xfrm>
           <a:prstGeom prst="rect">
             <a:avLst/>
@@ -445,8 +447,8 @@
         </p:nvSpPr>
         <p:spPr>
           <a:xfrm>
-            <a:off x="685800" y="4400550"/>
-            <a:ext cx="5486400" cy="3600450"/>
+            <a:off x="914400" y="3300412"/>
+            <a:ext cx="7315200" cy="2700338"/>
           </a:xfrm>
           <a:prstGeom prst="rect">
             <a:avLst/>
@@ -504,8 +506,8 @@
         </p:nvSpPr>
         <p:spPr>
           <a:xfrm>
-            <a:off x="0" y="8685213"/>
-            <a:ext cx="2971800" cy="458787"/>
+            <a:off x="0" y="6513910"/>
+            <a:ext cx="3962400" cy="344090"/>
           </a:xfrm>
           <a:prstGeom prst="rect">
             <a:avLst/>
@@ -535,8 +537,8 @@
         </p:nvSpPr>
         <p:spPr>
           <a:xfrm>
-            <a:off x="3884613" y="8685213"/>
-            <a:ext cx="2971800" cy="458787"/>
+            <a:off x="5179484" y="6513910"/>
+            <a:ext cx="3962400" cy="344090"/>
           </a:xfrm>
           <a:prstGeom prst="rect">
             <a:avLst/>
@@ -924,7 +926,7 @@
           <a:p>
             <a:fld id="{BE5295ED-3BAF-1140-8495-3D368771D6B1}" type="datetimeFigureOut">
               <a:rPr lang="en-US" smtClean="0"/>
-              <a:t>1/22/19</a:t>
+              <a:t>1/30/19</a:t>
             </a:fld>
             <a:endParaRPr lang="en-US"/>
           </a:p>
@@ -1152,7 +1154,7 @@
           <a:p>
             <a:fld id="{BE5295ED-3BAF-1140-8495-3D368771D6B1}" type="datetimeFigureOut">
               <a:rPr lang="en-US" smtClean="0"/>
-              <a:t>1/22/19</a:t>
+              <a:t>1/30/19</a:t>
             </a:fld>
             <a:endParaRPr lang="en-US"/>
           </a:p>
@@ -1360,7 +1362,7 @@
           <a:p>
             <a:fld id="{BE5295ED-3BAF-1140-8495-3D368771D6B1}" type="datetimeFigureOut">
               <a:rPr lang="en-US" smtClean="0"/>
-              <a:t>1/22/19</a:t>
+              <a:t>1/30/19</a:t>
             </a:fld>
             <a:endParaRPr lang="en-US"/>
           </a:p>
@@ -1558,7 +1560,7 @@
           <a:p>
             <a:fld id="{BE5295ED-3BAF-1140-8495-3D368771D6B1}" type="datetimeFigureOut">
               <a:rPr lang="en-US" smtClean="0"/>
-              <a:t>1/22/19</a:t>
+              <a:t>1/30/19</a:t>
             </a:fld>
             <a:endParaRPr lang="en-US"/>
           </a:p>
@@ -1833,7 +1835,7 @@
           <a:p>
             <a:fld id="{BE5295ED-3BAF-1140-8495-3D368771D6B1}" type="datetimeFigureOut">
               <a:rPr lang="en-US" smtClean="0"/>
-              <a:t>1/22/19</a:t>
+              <a:t>1/30/19</a:t>
             </a:fld>
             <a:endParaRPr lang="en-US"/>
           </a:p>
@@ -2098,7 +2100,7 @@
           <a:p>
             <a:fld id="{BE5295ED-3BAF-1140-8495-3D368771D6B1}" type="datetimeFigureOut">
               <a:rPr lang="en-US" smtClean="0"/>
-              <a:t>1/22/19</a:t>
+              <a:t>1/30/19</a:t>
             </a:fld>
             <a:endParaRPr lang="en-US"/>
           </a:p>
@@ -2510,7 +2512,7 @@
           <a:p>
             <a:fld id="{BE5295ED-3BAF-1140-8495-3D368771D6B1}" type="datetimeFigureOut">
               <a:rPr lang="en-US" smtClean="0"/>
-              <a:t>1/22/19</a:t>
+              <a:t>1/30/19</a:t>
             </a:fld>
             <a:endParaRPr lang="en-US"/>
           </a:p>
@@ -2651,7 +2653,7 @@
           <a:p>
             <a:fld id="{BE5295ED-3BAF-1140-8495-3D368771D6B1}" type="datetimeFigureOut">
               <a:rPr lang="en-US" smtClean="0"/>
-              <a:t>1/22/19</a:t>
+              <a:t>1/30/19</a:t>
             </a:fld>
             <a:endParaRPr lang="en-US"/>
           </a:p>
@@ -2764,7 +2766,7 @@
           <a:p>
             <a:fld id="{BE5295ED-3BAF-1140-8495-3D368771D6B1}" type="datetimeFigureOut">
               <a:rPr lang="en-US" smtClean="0"/>
-              <a:t>1/22/19</a:t>
+              <a:t>1/30/19</a:t>
             </a:fld>
             <a:endParaRPr lang="en-US"/>
           </a:p>
@@ -3075,7 +3077,7 @@
           <a:p>
             <a:fld id="{BE5295ED-3BAF-1140-8495-3D368771D6B1}" type="datetimeFigureOut">
               <a:rPr lang="en-US" smtClean="0"/>
-              <a:t>1/22/19</a:t>
+              <a:t>1/30/19</a:t>
             </a:fld>
             <a:endParaRPr lang="en-US"/>
           </a:p>
@@ -3366,7 +3368,7 @@
           <a:p>
             <a:fld id="{BE5295ED-3BAF-1140-8495-3D368771D6B1}" type="datetimeFigureOut">
               <a:rPr lang="en-US" smtClean="0"/>
-              <a:t>1/22/19</a:t>
+              <a:t>1/30/19</a:t>
             </a:fld>
             <a:endParaRPr lang="en-US"/>
           </a:p>
@@ -3633,7 +3635,7 @@
           <a:p>
             <a:fld id="{BE5295ED-3BAF-1140-8495-3D368771D6B1}" type="datetimeFigureOut">
               <a:rPr lang="en-US" smtClean="0"/>
-              <a:t>1/22/19</a:t>
+              <a:t>1/30/19</a:t>
             </a:fld>
             <a:endParaRPr lang="en-US"/>
           </a:p>
@@ -4544,7 +4546,7 @@
             </a:r>
             <a:r>
               <a:rPr lang="en-US" dirty="0"/>
-              <a:t> then solve for closed form</a:t>
+              <a:t> then solve sum or recurrence for closed form</a:t>
             </a:r>
           </a:p>
           <a:p>
@@ -4619,8 +4621,8 @@
           </a:p>
         </p:txBody>
       </p:sp>
-      <mc:AlternateContent xmlns:mc="http://schemas.openxmlformats.org/markup-compatibility/2006" xmlns:a14="http://schemas.microsoft.com/office/drawing/2010/main">
-        <mc:Choice Requires="a14">
+      <mc:AlternateContent xmlns:mc="http://schemas.openxmlformats.org/markup-compatibility/2006">
+        <mc:Choice xmlns:a14="http://schemas.microsoft.com/office/drawing/2010/main" Requires="a14">
           <p:sp>
             <p:nvSpPr>
               <p:cNvPr id="3" name="Content Placeholder 2"/>
@@ -4648,7 +4650,15 @@
                 </a:r>
                 <a:r>
                   <a:rPr lang="en-US" dirty="0"/>
-                  <a:t> by looking at max loop iterations</a:t>
+                  <a:t> by looking at max loop iterations </a:t>
+                </a:r>
+                <a:r>
+                  <a:rPr lang="en-US" dirty="0" err="1"/>
+                  <a:t>etc</a:t>
+                </a:r>
+                <a:r>
+                  <a:rPr lang="en-US" dirty="0"/>
+                  <a:t>…</a:t>
                 </a:r>
               </a:p>
               <a:p>
@@ -4660,7 +4670,7 @@
               <a:p>
                 <a:r>
                   <a:rPr lang="en-US" dirty="0"/>
-                  <a:t>Verify loop steps by constant amount like 1 or k (e.g., not </a:t>
+                  <a:t>Verify a loop steps by constant amount like 1 or k (not </a:t>
                 </a:r>
                 <a:r>
                   <a:rPr lang="en-US" dirty="0" err="1"/>
@@ -4819,7 +4829,7 @@
             </p:txBody>
           </p:sp>
         </mc:Choice>
-        <mc:Fallback xmlns="">
+        <mc:Fallback>
           <p:sp>
             <p:nvSpPr>
               <p:cNvPr id="3" name="Content Placeholder 2"/>
@@ -4831,10 +4841,10 @@
               </p:nvPr>
             </p:nvSpPr>
             <p:spPr>
-              <a:blipFill rotWithShape="0">
+              <a:blipFill>
                 <a:blip r:embed="rId2"/>
                 <a:stretch>
-                  <a:fillRect l="-1043" t="-3361" r="-696"/>
+                  <a:fillRect l="-965" t="-3509" r="-724"/>
                 </a:stretch>
               </a:blipFill>
             </p:spPr>
@@ -4922,7 +4932,7 @@
           <a:p>
             <a:r>
               <a:rPr lang="en-US" dirty="0"/>
-              <a:t>Define initial condition: T(0) = 0</a:t>
+              <a:t>Define initial condition, such as T(0) = 0</a:t>
             </a:r>
           </a:p>
           <a:p>
@@ -5157,6 +5167,41 @@
           </a:p>
         </p:txBody>
       </p:sp>
+      <p:sp>
+        <p:nvSpPr>
+          <p:cNvPr id="6" name="TextBox 5">
+            <a:extLst>
+              <a:ext uri="{FF2B5EF4-FFF2-40B4-BE49-F238E27FC236}">
+                <a16:creationId xmlns:a16="http://schemas.microsoft.com/office/drawing/2014/main" id="{43937D91-6F30-2641-9127-8AF42E424F72}"/>
+              </a:ext>
+            </a:extLst>
+          </p:cNvPr>
+          <p:cNvSpPr txBox="1"/>
+          <p:nvPr/>
+        </p:nvSpPr>
+        <p:spPr>
+          <a:xfrm>
+            <a:off x="1137489" y="6293267"/>
+            <a:ext cx="6045245" cy="369332"/>
+          </a:xfrm>
+          <a:prstGeom prst="rect">
+            <a:avLst/>
+          </a:prstGeom>
+          <a:noFill/>
+        </p:spPr>
+        <p:txBody>
+          <a:bodyPr wrap="none" rtlCol="0">
+            <a:spAutoFit/>
+          </a:bodyPr>
+          <a:lstStyle/>
+          <a:p>
+            <a:r>
+              <a:rPr lang="en-US" dirty="0"/>
+              <a:t>Assumption: a[1:] takes constant time (not true in Python)</a:t>
+            </a:r>
+          </a:p>
+        </p:txBody>
+      </p:sp>
     </p:spTree>
     <p:extLst>
       <p:ext uri="{BB962C8B-B14F-4D97-AF65-F5344CB8AC3E}">
@@ -5237,7 +5282,7 @@
           <a:p>
             <a:r>
               <a:rPr lang="en-US" dirty="0"/>
-              <a:t>Charge 1 comparison per loop iteration</a:t>
+              <a:t>Charge 1 comparison per loop iteration to each element</a:t>
             </a:r>
           </a:p>
           <a:p>
@@ -10984,8 +11029,8 @@
           </a:p>
         </p:txBody>
       </p:sp>
-      <mc:AlternateContent xmlns:mc="http://schemas.openxmlformats.org/markup-compatibility/2006" xmlns:a14="http://schemas.microsoft.com/office/drawing/2010/main">
-        <mc:Choice Requires="a14">
+      <mc:AlternateContent xmlns:mc="http://schemas.openxmlformats.org/markup-compatibility/2006">
+        <mc:Choice xmlns:a14="http://schemas.microsoft.com/office/drawing/2010/main" Requires="a14">
           <p:sp>
             <p:nvSpPr>
               <p:cNvPr id="3" name="Content Placeholder 2"/>
@@ -11133,7 +11178,7 @@
             </p:txBody>
           </p:sp>
         </mc:Choice>
-        <mc:Fallback xmlns="">
+        <mc:Fallback>
           <p:sp>
             <p:nvSpPr>
               <p:cNvPr id="3" name="Content Placeholder 2"/>
@@ -11149,10 +11194,10 @@
                 <a:off x="838200" y="1825625"/>
                 <a:ext cx="10889512" cy="4351338"/>
               </a:xfrm>
-              <a:blipFill rotWithShape="0">
+              <a:blipFill>
                 <a:blip r:embed="rId3"/>
                 <a:stretch>
-                  <a:fillRect l="-1008" t="-2381"/>
+                  <a:fillRect l="-932" t="-2632"/>
                 </a:stretch>
               </a:blipFill>
             </p:spPr>
@@ -11600,6 +11645,217 @@
   <p:clrMapOvr>
     <a:masterClrMapping/>
   </p:clrMapOvr>
+  <p:timing>
+    <p:tnLst>
+      <p:par>
+        <p:cTn id="1" dur="indefinite" restart="never" nodeType="tmRoot">
+          <p:childTnLst>
+            <p:seq concurrent="1" nextAc="seek">
+              <p:cTn id="2" dur="indefinite" nodeType="mainSeq">
+                <p:childTnLst>
+                  <p:par>
+                    <p:cTn id="3" fill="hold">
+                      <p:stCondLst>
+                        <p:cond delay="indefinite"/>
+                      </p:stCondLst>
+                      <p:childTnLst>
+                        <p:par>
+                          <p:cTn id="4" fill="hold">
+                            <p:stCondLst>
+                              <p:cond delay="0"/>
+                            </p:stCondLst>
+                            <p:childTnLst>
+                              <p:par>
+                                <p:cTn id="5" presetID="1" presetClass="entr" presetSubtype="0" fill="hold" grpId="0" nodeType="clickEffect">
+                                  <p:stCondLst>
+                                    <p:cond delay="0"/>
+                                  </p:stCondLst>
+                                  <p:childTnLst>
+                                    <p:set>
+                                      <p:cBhvr>
+                                        <p:cTn id="6" dur="1" fill="hold">
+                                          <p:stCondLst>
+                                            <p:cond delay="0"/>
+                                          </p:stCondLst>
+                                        </p:cTn>
+                                        <p:tgtEl>
+                                          <p:spTgt spid="3">
+                                            <p:txEl>
+                                              <p:pRg st="4" end="4"/>
+                                            </p:txEl>
+                                          </p:spTgt>
+                                        </p:tgtEl>
+                                        <p:attrNameLst>
+                                          <p:attrName>style.visibility</p:attrName>
+                                        </p:attrNameLst>
+                                      </p:cBhvr>
+                                      <p:to>
+                                        <p:strVal val="visible"/>
+                                      </p:to>
+                                    </p:set>
+                                  </p:childTnLst>
+                                </p:cTn>
+                              </p:par>
+                            </p:childTnLst>
+                          </p:cTn>
+                        </p:par>
+                      </p:childTnLst>
+                    </p:cTn>
+                  </p:par>
+                  <p:par>
+                    <p:cTn id="7" fill="hold">
+                      <p:stCondLst>
+                        <p:cond delay="indefinite"/>
+                      </p:stCondLst>
+                      <p:childTnLst>
+                        <p:par>
+                          <p:cTn id="8" fill="hold">
+                            <p:stCondLst>
+                              <p:cond delay="0"/>
+                            </p:stCondLst>
+                            <p:childTnLst>
+                              <p:par>
+                                <p:cTn id="9" presetID="1" presetClass="entr" presetSubtype="0" fill="hold" grpId="0" nodeType="clickEffect">
+                                  <p:stCondLst>
+                                    <p:cond delay="0"/>
+                                  </p:stCondLst>
+                                  <p:childTnLst>
+                                    <p:set>
+                                      <p:cBhvr>
+                                        <p:cTn id="10" dur="1" fill="hold">
+                                          <p:stCondLst>
+                                            <p:cond delay="0"/>
+                                          </p:stCondLst>
+                                        </p:cTn>
+                                        <p:tgtEl>
+                                          <p:spTgt spid="9"/>
+                                        </p:tgtEl>
+                                        <p:attrNameLst>
+                                          <p:attrName>style.visibility</p:attrName>
+                                        </p:attrNameLst>
+                                      </p:cBhvr>
+                                      <p:to>
+                                        <p:strVal val="visible"/>
+                                      </p:to>
+                                    </p:set>
+                                  </p:childTnLst>
+                                </p:cTn>
+                              </p:par>
+                              <p:par>
+                                <p:cTn id="11" presetID="1" presetClass="entr" presetSubtype="0" fill="hold" nodeType="withEffect">
+                                  <p:stCondLst>
+                                    <p:cond delay="0"/>
+                                  </p:stCondLst>
+                                  <p:childTnLst>
+                                    <p:set>
+                                      <p:cBhvr>
+                                        <p:cTn id="12" dur="1" fill="hold">
+                                          <p:stCondLst>
+                                            <p:cond delay="0"/>
+                                          </p:stCondLst>
+                                        </p:cTn>
+                                        <p:tgtEl>
+                                          <p:spTgt spid="6"/>
+                                        </p:tgtEl>
+                                        <p:attrNameLst>
+                                          <p:attrName>style.visibility</p:attrName>
+                                        </p:attrNameLst>
+                                      </p:cBhvr>
+                                      <p:to>
+                                        <p:strVal val="visible"/>
+                                      </p:to>
+                                    </p:set>
+                                  </p:childTnLst>
+                                </p:cTn>
+                              </p:par>
+                              <p:par>
+                                <p:cTn id="13" presetID="1" presetClass="entr" presetSubtype="0" fill="hold" grpId="0" nodeType="withEffect">
+                                  <p:stCondLst>
+                                    <p:cond delay="0"/>
+                                  </p:stCondLst>
+                                  <p:childTnLst>
+                                    <p:set>
+                                      <p:cBhvr>
+                                        <p:cTn id="14" dur="1" fill="hold">
+                                          <p:stCondLst>
+                                            <p:cond delay="0"/>
+                                          </p:stCondLst>
+                                        </p:cTn>
+                                        <p:tgtEl>
+                                          <p:spTgt spid="5"/>
+                                        </p:tgtEl>
+                                        <p:attrNameLst>
+                                          <p:attrName>style.visibility</p:attrName>
+                                        </p:attrNameLst>
+                                      </p:cBhvr>
+                                      <p:to>
+                                        <p:strVal val="visible"/>
+                                      </p:to>
+                                    </p:set>
+                                  </p:childTnLst>
+                                </p:cTn>
+                              </p:par>
+                              <p:par>
+                                <p:cTn id="15" presetID="1" presetClass="entr" presetSubtype="0" fill="hold" grpId="0" nodeType="withEffect">
+                                  <p:stCondLst>
+                                    <p:cond delay="0"/>
+                                  </p:stCondLst>
+                                  <p:childTnLst>
+                                    <p:set>
+                                      <p:cBhvr>
+                                        <p:cTn id="16" dur="1" fill="hold">
+                                          <p:stCondLst>
+                                            <p:cond delay="0"/>
+                                          </p:stCondLst>
+                                        </p:cTn>
+                                        <p:tgtEl>
+                                          <p:spTgt spid="7"/>
+                                        </p:tgtEl>
+                                        <p:attrNameLst>
+                                          <p:attrName>style.visibility</p:attrName>
+                                        </p:attrNameLst>
+                                      </p:cBhvr>
+                                      <p:to>
+                                        <p:strVal val="visible"/>
+                                      </p:to>
+                                    </p:set>
+                                  </p:childTnLst>
+                                </p:cTn>
+                              </p:par>
+                            </p:childTnLst>
+                          </p:cTn>
+                        </p:par>
+                      </p:childTnLst>
+                    </p:cTn>
+                  </p:par>
+                </p:childTnLst>
+              </p:cTn>
+              <p:prevCondLst>
+                <p:cond evt="onPrev" delay="0">
+                  <p:tgtEl>
+                    <p:sldTgt/>
+                  </p:tgtEl>
+                </p:cond>
+              </p:prevCondLst>
+              <p:nextCondLst>
+                <p:cond evt="onNext" delay="0">
+                  <p:tgtEl>
+                    <p:sldTgt/>
+                  </p:tgtEl>
+                </p:cond>
+              </p:nextCondLst>
+            </p:seq>
+          </p:childTnLst>
+        </p:cTn>
+      </p:par>
+    </p:tnLst>
+    <p:bldLst>
+      <p:bldP spid="3" grpId="0" uiExpand="1" build="p"/>
+      <p:bldP spid="5" grpId="0" animBg="1"/>
+      <p:bldP spid="7" grpId="0"/>
+      <p:bldP spid="9" grpId="0"/>
+    </p:bldLst>
+  </p:timing>
 </p:sld>
 </file>
 
@@ -11637,57 +11893,142 @@
           <a:p>
             <a:r>
               <a:rPr lang="en-US" dirty="0"/>
-              <a:t>The goal</a:t>
+              <a:t>Reasons to study algorithm complexity</a:t>
             </a:r>
           </a:p>
         </p:txBody>
       </p:sp>
-      <p:sp>
-        <p:nvSpPr>
-          <p:cNvPr id="3" name="Content Placeholder 2"/>
-          <p:cNvSpPr>
-            <a:spLocks noGrp="1"/>
-          </p:cNvSpPr>
-          <p:nvPr>
-            <p:ph idx="1"/>
-          </p:nvPr>
-        </p:nvSpPr>
-        <p:spPr/>
-        <p:txBody>
-          <a:bodyPr/>
-          <a:lstStyle/>
-          <a:p>
-            <a:r>
-              <a:rPr lang="en-US" dirty="0"/>
-              <a:t>Recall “algorithms + data structures = programs”</a:t>
-            </a:r>
-          </a:p>
-          <a:p>
-            <a:r>
-              <a:rPr lang="en-US" dirty="0"/>
-              <a:t>Get a feel for algorithm performance operating on a specific data structure or structures</a:t>
-            </a:r>
-          </a:p>
-          <a:p>
-            <a:r>
-              <a:rPr lang="en-US" dirty="0"/>
-              <a:t>Be able to meaningfully compare multiple algorithms’ performance across a wide variety of input sizes</a:t>
-            </a:r>
-          </a:p>
-          <a:p>
-            <a:r>
-              <a:rPr lang="en-US" dirty="0"/>
-              <a:t>Analyze best, typical, and worst-case behavior</a:t>
-            </a:r>
-          </a:p>
-          <a:p>
-            <a:r>
-              <a:rPr lang="en-US" dirty="0"/>
-              <a:t>Reducing algorithm complexity is by far the most effective strategy for improving algorithm performance</a:t>
-            </a:r>
-          </a:p>
-        </p:txBody>
-      </p:sp>
+      <mc:AlternateContent xmlns:mc="http://schemas.openxmlformats.org/markup-compatibility/2006">
+        <mc:Choice xmlns:a14="http://schemas.microsoft.com/office/drawing/2010/main" Requires="a14">
+          <p:sp>
+            <p:nvSpPr>
+              <p:cNvPr id="3" name="Content Placeholder 2"/>
+              <p:cNvSpPr>
+                <a:spLocks noGrp="1"/>
+              </p:cNvSpPr>
+              <p:nvPr>
+                <p:ph idx="1"/>
+              </p:nvPr>
+            </p:nvSpPr>
+            <p:spPr/>
+            <p:txBody>
+              <a:bodyPr/>
+              <a:lstStyle/>
+              <a:p>
+                <a:r>
+                  <a:rPr lang="en-US" dirty="0"/>
+                  <a:t>Get a feel for algorithm time and space performance operating on a specific data structure or structures</a:t>
+                </a:r>
+              </a:p>
+              <a:p>
+                <a:r>
+                  <a:rPr lang="en-US" dirty="0"/>
+                  <a:t>Be able to meaningfully compare multiple algorithms’ performance across a wide variety of input sizes</a:t>
+                </a:r>
+              </a:p>
+              <a:p>
+                <a:r>
+                  <a:rPr lang="en-US" dirty="0"/>
+                  <a:t>Analyze best, typical, and worst-case behavior</a:t>
+                </a:r>
+              </a:p>
+              <a:p>
+                <a:r>
+                  <a:rPr lang="en-US" dirty="0"/>
+                  <a:t>Reducing algorithm complexity is by far the most effective strategy for improving algorithm performance;</a:t>
+                </a:r>
+                <a:br>
+                  <a:rPr lang="en-US" dirty="0"/>
+                </a:br>
+                <a:r>
+                  <a:rPr lang="en-US" dirty="0"/>
+                  <a:t>Aside: For my PhD, I discovered an approximation to a useful algorithm that dropped complexity from O(</a:t>
+                </a:r>
+                <a14:m>
+                  <m:oMath xmlns:m="http://schemas.openxmlformats.org/officeDocument/2006/math">
+                    <m:sSup>
+                      <m:sSupPr>
+                        <m:ctrlPr>
+                          <a:rPr lang="en-US" i="1">
+                            <a:latin typeface="Cambria Math" panose="02040503050406030204" pitchFamily="18" charset="0"/>
+                          </a:rPr>
+                        </m:ctrlPr>
+                      </m:sSupPr>
+                      <m:e>
+                        <m:r>
+                          <a:rPr lang="en-US" i="1">
+                            <a:latin typeface="Cambria Math" panose="02040503050406030204" pitchFamily="18" charset="0"/>
+                          </a:rPr>
+                          <m:t>𝑛</m:t>
+                        </m:r>
+                      </m:e>
+                      <m:sup>
+                        <m:r>
+                          <a:rPr lang="en-US" i="1">
+                            <a:latin typeface="Cambria Math" panose="02040503050406030204" pitchFamily="18" charset="0"/>
+                          </a:rPr>
+                          <m:t>𝑘</m:t>
+                        </m:r>
+                      </m:sup>
+                    </m:sSup>
+                  </m:oMath>
+                </a14:m>
+                <a:r>
+                  <a:rPr lang="en-US" dirty="0"/>
+                  <a:t>) to O(</a:t>
+                </a:r>
+                <a14:m>
+                  <m:oMath xmlns:m="http://schemas.openxmlformats.org/officeDocument/2006/math">
+                    <m:r>
+                      <a:rPr lang="en-US" b="0" i="1" smtClean="0">
+                        <a:latin typeface="Cambria Math" panose="02040503050406030204" pitchFamily="18" charset="0"/>
+                      </a:rPr>
+                      <m:t>𝑛𝑘</m:t>
+                    </m:r>
+                  </m:oMath>
+                </a14:m>
+                <a:r>
+                  <a:rPr lang="en-US" dirty="0"/>
+                  <a:t>)</a:t>
+                </a:r>
+              </a:p>
+            </p:txBody>
+          </p:sp>
+        </mc:Choice>
+        <mc:Fallback>
+          <p:sp>
+            <p:nvSpPr>
+              <p:cNvPr id="3" name="Content Placeholder 2"/>
+              <p:cNvSpPr>
+                <a:spLocks noGrp="1" noRot="1" noChangeAspect="1" noMove="1" noResize="1" noEditPoints="1" noAdjustHandles="1" noChangeArrowheads="1" noChangeShapeType="1" noTextEdit="1"/>
+              </p:cNvSpPr>
+              <p:nvPr>
+                <p:ph idx="1"/>
+              </p:nvPr>
+            </p:nvSpPr>
+            <p:spPr>
+              <a:blipFill>
+                <a:blip r:embed="rId2"/>
+                <a:stretch>
+                  <a:fillRect l="-965" t="-2632"/>
+                </a:stretch>
+              </a:blipFill>
+            </p:spPr>
+            <p:txBody>
+              <a:bodyPr/>
+              <a:lstStyle/>
+              <a:p>
+                <a:r>
+                  <a:rPr lang="en-US">
+                    <a:noFill/>
+                  </a:rPr>
+                  <a:t> </a:t>
+                </a:r>
+              </a:p>
+            </p:txBody>
+          </p:sp>
+        </mc:Fallback>
+      </mc:AlternateContent>
     </p:spTree>
     <p:extLst>
       <p:ext uri="{BB962C8B-B14F-4D97-AF65-F5344CB8AC3E}">
@@ -11772,8 +12113,8 @@
         </p:blipFill>
         <p:spPr>
           <a:xfrm>
-            <a:off x="8642055" y="2057012"/>
-            <a:ext cx="3009900" cy="3378200"/>
+            <a:off x="8474787" y="2356797"/>
+            <a:ext cx="3443422" cy="3864769"/>
           </a:xfrm>
         </p:spPr>
       </p:pic>
@@ -12122,7 +12463,7 @@
         </p:spPr>
         <p:txBody>
           <a:bodyPr>
-            <a:normAutofit lnSpcReduction="10000"/>
+            <a:normAutofit fontScale="92500" lnSpcReduction="20000"/>
           </a:bodyPr>
           <a:lstStyle>
             <a:lvl1pPr marL="228600" indent="-228600" algn="l" defTabSz="914400" rtl="0" eaLnBrk="1" latinLnBrk="0" hangingPunct="1">
@@ -12288,6 +12629,12 @@
               </a:defRPr>
             </a:lvl9pPr>
           </a:lstStyle>
+          <a:p>
+            <a:r>
+              <a:rPr lang="en-US" dirty="0"/>
+              <a:t>BST: Nodes to left &lt; current node, nodes to right are &gt;</a:t>
+            </a:r>
+          </a:p>
           <a:p>
             <a:r>
               <a:rPr lang="en-US" dirty="0"/>
@@ -13101,8 +13448,8 @@
           </a:p>
         </p:txBody>
       </p:sp>
-      <mc:AlternateContent xmlns:mc="http://schemas.openxmlformats.org/markup-compatibility/2006">
-        <mc:Choice xmlns:a14="http://schemas.microsoft.com/office/drawing/2010/main" Requires="a14">
+      <mc:AlternateContent xmlns:mc="http://schemas.openxmlformats.org/markup-compatibility/2006" xmlns:a14="http://schemas.microsoft.com/office/drawing/2010/main">
+        <mc:Choice Requires="a14">
           <p:graphicFrame>
             <p:nvGraphicFramePr>
               <p:cNvPr id="4" name="Content Placeholder 3"/>
@@ -15006,7 +15353,7 @@
             </a:graphic>
           </p:graphicFrame>
         </mc:Choice>
-        <mc:Fallback>
+        <mc:Fallback xmlns="">
           <p:graphicFrame>
             <p:nvGraphicFramePr>
               <p:cNvPr id="4" name="Content Placeholder 3"/>
@@ -16792,8 +17139,8 @@
           <a:chExt cx="0" cy="0"/>
         </a:xfrm>
       </p:grpSpPr>
-      <mc:AlternateContent xmlns:mc="http://schemas.openxmlformats.org/markup-compatibility/2006">
-        <mc:Choice xmlns:a14="http://schemas.microsoft.com/office/drawing/2010/main" Requires="a14">
+      <mc:AlternateContent xmlns:mc="http://schemas.openxmlformats.org/markup-compatibility/2006" xmlns:a14="http://schemas.microsoft.com/office/drawing/2010/main">
+        <mc:Choice Requires="a14">
           <p:graphicFrame>
             <p:nvGraphicFramePr>
               <p:cNvPr id="4" name="Content Placeholder 3"/>
@@ -18129,7 +18476,7 @@
             </a:graphic>
           </p:graphicFrame>
         </mc:Choice>
-        <mc:Fallback>
+        <mc:Fallback xmlns="">
           <p:graphicFrame>
             <p:nvGraphicFramePr>
               <p:cNvPr id="4" name="Content Placeholder 3"/>
@@ -19582,7 +19929,13 @@
       </p:sp>
       <p:pic>
         <p:nvPicPr>
-          <p:cNvPr id="1030" name="Picture 6" descr="https://lh6.googleusercontent.com/IsskGBz805eVyBFvptbLmacB15EjHtkcuD7SyFdDBhTyqhbrt8P6CdCq7C8zqcsY1il_WW2rcNYED3TDFbsCOFLn5lnayE1FRYOEonq-7esgNu8qCaqTmtXBYOuuPXvffGMA1qimJQ"/>
+          <p:cNvPr id="5" name="Picture 2" descr="https://lh3.googleusercontent.com/pC-xbYi4YyCdIwStmMLYOrC57cJvhfay3LtVNppjL-pcI-SjsZH_NAupcNP4aIJ095OnoQt69uYry1Zs3ugLFaiyF6SscNIvT0x7ABezAGPCQ7uaEu0GCrlEd956ieuMwDGXRQhbUA">
+            <a:extLst>
+              <a:ext uri="{FF2B5EF4-FFF2-40B4-BE49-F238E27FC236}">
+                <a16:creationId xmlns:a16="http://schemas.microsoft.com/office/drawing/2014/main" id="{89E26195-32A5-8947-9B3F-69D56DF6DD76}"/>
+              </a:ext>
+            </a:extLst>
+          </p:cNvPr>
           <p:cNvPicPr>
             <a:picLocks noChangeAspect="1" noChangeArrowheads="1"/>
           </p:cNvPicPr>
@@ -19603,8 +19956,8 @@
         </p:blipFill>
         <p:spPr bwMode="auto">
           <a:xfrm>
-            <a:off x="206447" y="1417918"/>
-            <a:ext cx="4897181" cy="5166751"/>
+            <a:off x="985281" y="1399705"/>
+            <a:ext cx="4214040" cy="5143223"/>
           </a:xfrm>
           <a:prstGeom prst="rect">
             <a:avLst/>
@@ -19653,7 +20006,13 @@
       </p:grpSpPr>
       <p:sp>
         <p:nvSpPr>
-          <p:cNvPr id="2" name="Title 1"/>
+          <p:cNvPr id="6" name="Title 1">
+            <a:extLst>
+              <a:ext uri="{FF2B5EF4-FFF2-40B4-BE49-F238E27FC236}">
+                <a16:creationId xmlns:a16="http://schemas.microsoft.com/office/drawing/2014/main" id="{2C34D374-5320-4145-BA34-480D08FDB0C0}"/>
+              </a:ext>
+            </a:extLst>
+          </p:cNvPr>
           <p:cNvSpPr>
             <a:spLocks noGrp="1"/>
           </p:cNvSpPr>
@@ -19661,21 +20020,37 @@
             <p:ph type="title"/>
           </p:nvPr>
         </p:nvSpPr>
-        <p:spPr/>
+        <p:spPr>
+          <a:xfrm>
+            <a:off x="838200" y="365125"/>
+            <a:ext cx="11017102" cy="1325563"/>
+          </a:xfrm>
+        </p:spPr>
         <p:txBody>
           <a:bodyPr/>
           <a:lstStyle/>
           <a:p>
             <a:r>
               <a:rPr lang="en-US" dirty="0"/>
-              <a:t>Compute complexities for these too</a:t>
-            </a:r>
+              <a:t>Compute </a:t>
+            </a:r>
+            <a:r>
+              <a:rPr lang="en-US"/>
+              <a:t>complexity following our process</a:t>
+            </a:r>
+            <a:endParaRPr lang="en-US" dirty="0"/>
           </a:p>
         </p:txBody>
       </p:sp>
       <p:pic>
         <p:nvPicPr>
-          <p:cNvPr id="4" name="Picture 2" descr="https://lh3.googleusercontent.com/pC-xbYi4YyCdIwStmMLYOrC57cJvhfay3LtVNppjL-pcI-SjsZH_NAupcNP4aIJ095OnoQt69uYry1Zs3ugLFaiyF6SscNIvT0x7ABezAGPCQ7uaEu0GCrlEd956ieuMwDGXRQhbUA"/>
+          <p:cNvPr id="7" name="Picture 2" descr="https://lh3.googleusercontent.com/pC-xbYi4YyCdIwStmMLYOrC57cJvhfay3LtVNppjL-pcI-SjsZH_NAupcNP4aIJ095OnoQt69uYry1Zs3ugLFaiyF6SscNIvT0x7ABezAGPCQ7uaEu0GCrlEd956ieuMwDGXRQhbUA">
+            <a:extLst>
+              <a:ext uri="{FF2B5EF4-FFF2-40B4-BE49-F238E27FC236}">
+                <a16:creationId xmlns:a16="http://schemas.microsoft.com/office/drawing/2014/main" id="{147A959E-36AB-5C40-8121-13A943299E03}"/>
+              </a:ext>
+            </a:extLst>
+          </p:cNvPr>
           <p:cNvPicPr>
             <a:picLocks noChangeAspect="1" noChangeArrowheads="1"/>
           </p:cNvPicPr>
@@ -19714,6 +20089,452 @@
           </a:extLst>
         </p:spPr>
       </p:pic>
+      <mc:AlternateContent xmlns:mc="http://schemas.openxmlformats.org/markup-compatibility/2006">
+        <mc:Choice xmlns:a14="http://schemas.microsoft.com/office/drawing/2010/main" Requires="a14">
+          <p:sp>
+            <p:nvSpPr>
+              <p:cNvPr id="8" name="Content Placeholder 2">
+                <a:extLst>
+                  <a:ext uri="{FF2B5EF4-FFF2-40B4-BE49-F238E27FC236}">
+                    <a16:creationId xmlns:a16="http://schemas.microsoft.com/office/drawing/2014/main" id="{AD0C1CC8-2EBD-9943-A6A5-E895FF13AB66}"/>
+                  </a:ext>
+                </a:extLst>
+              </p:cNvPr>
+              <p:cNvSpPr>
+                <a:spLocks noGrp="1"/>
+              </p:cNvSpPr>
+              <p:nvPr>
+                <p:ph idx="1"/>
+              </p:nvPr>
+            </p:nvSpPr>
+            <p:spPr>
+              <a:xfrm>
+                <a:off x="5550194" y="1584251"/>
+                <a:ext cx="6049927" cy="4592712"/>
+              </a:xfrm>
+            </p:spPr>
+            <p:txBody>
+              <a:bodyPr>
+                <a:normAutofit/>
+              </a:bodyPr>
+              <a:lstStyle/>
+              <a:p>
+                <a:r>
+                  <a:rPr lang="en-US" dirty="0"/>
+                  <a:t>unit of work: assignment, addition</a:t>
+                </a:r>
+              </a:p>
+              <a:p>
+                <a:r>
+                  <a:rPr lang="en-US" dirty="0"/>
+                  <a:t>Identify key size indicator: n</a:t>
+                </a:r>
+                <a:endParaRPr lang="en-US" i="1" dirty="0"/>
+              </a:p>
+              <a:p>
+                <a:r>
+                  <a:rPr lang="en-US" i="1" dirty="0"/>
+                  <a:t>T(n)</a:t>
+                </a:r>
+                <a:r>
+                  <a:rPr lang="en-US" dirty="0"/>
+                  <a:t> = </a:t>
+                </a:r>
+                <a14:m>
+                  <m:oMath xmlns:m="http://schemas.openxmlformats.org/officeDocument/2006/math">
+                    <m:nary>
+                      <m:naryPr>
+                        <m:chr m:val="∑"/>
+                        <m:ctrlPr>
+                          <a:rPr lang="en-US" i="1" smtClean="0">
+                            <a:latin typeface="Cambria Math" panose="02040503050406030204" pitchFamily="18" charset="0"/>
+                          </a:rPr>
+                        </m:ctrlPr>
+                      </m:naryPr>
+                      <m:sub>
+                        <m:r>
+                          <m:rPr>
+                            <m:brk m:alnAt="23"/>
+                          </m:rPr>
+                          <a:rPr lang="en-US" b="0" i="1" smtClean="0">
+                            <a:latin typeface="Cambria Math" panose="02040503050406030204" pitchFamily="18" charset="0"/>
+                          </a:rPr>
+                          <m:t>𝑖</m:t>
+                        </m:r>
+                      </m:sub>
+                      <m:sup>
+                        <m:r>
+                          <a:rPr lang="en-US" b="0" i="1" smtClean="0">
+                            <a:latin typeface="Cambria Math" panose="02040503050406030204" pitchFamily="18" charset="0"/>
+                          </a:rPr>
+                          <m:t>𝑛</m:t>
+                        </m:r>
+                      </m:sup>
+                      <m:e>
+                        <m:nary>
+                          <m:naryPr>
+                            <m:chr m:val="∑"/>
+                            <m:ctrlPr>
+                              <a:rPr lang="en-US" i="1">
+                                <a:latin typeface="Cambria Math" panose="02040503050406030204" pitchFamily="18" charset="0"/>
+                              </a:rPr>
+                            </m:ctrlPr>
+                          </m:naryPr>
+                          <m:sub>
+                            <m:r>
+                              <a:rPr lang="en-US" b="0" i="1" smtClean="0">
+                                <a:latin typeface="Cambria Math" panose="02040503050406030204" pitchFamily="18" charset="0"/>
+                              </a:rPr>
+                              <m:t>𝑗</m:t>
+                            </m:r>
+                          </m:sub>
+                          <m:sup>
+                            <m:r>
+                              <a:rPr lang="en-US" i="1">
+                                <a:latin typeface="Cambria Math" panose="02040503050406030204" pitchFamily="18" charset="0"/>
+                              </a:rPr>
+                              <m:t>𝑛</m:t>
+                            </m:r>
+                          </m:sup>
+                          <m:e>
+                            <m:r>
+                              <a:rPr lang="en-US" i="1">
+                                <a:latin typeface="Cambria Math" panose="02040503050406030204" pitchFamily="18" charset="0"/>
+                              </a:rPr>
+                              <m:t>1</m:t>
+                            </m:r>
+                          </m:e>
+                        </m:nary>
+                      </m:e>
+                    </m:nary>
+                  </m:oMath>
+                </a14:m>
+                <a:r>
+                  <a:rPr lang="en-US" dirty="0"/>
+                  <a:t> + </a:t>
+                </a:r>
+                <a14:m>
+                  <m:oMath xmlns:m="http://schemas.openxmlformats.org/officeDocument/2006/math">
+                    <m:nary>
+                      <m:naryPr>
+                        <m:chr m:val="∑"/>
+                        <m:ctrlPr>
+                          <a:rPr lang="en-US" i="1">
+                            <a:latin typeface="Cambria Math" panose="02040503050406030204" pitchFamily="18" charset="0"/>
+                          </a:rPr>
+                        </m:ctrlPr>
+                      </m:naryPr>
+                      <m:sub>
+                        <m:r>
+                          <a:rPr lang="en-US" b="0" i="1" smtClean="0">
+                            <a:latin typeface="Cambria Math" panose="02040503050406030204" pitchFamily="18" charset="0"/>
+                          </a:rPr>
+                          <m:t>𝑘</m:t>
+                        </m:r>
+                      </m:sub>
+                      <m:sup>
+                        <m:r>
+                          <a:rPr lang="en-US" i="1">
+                            <a:latin typeface="Cambria Math" panose="02040503050406030204" pitchFamily="18" charset="0"/>
+                          </a:rPr>
+                          <m:t>𝑛</m:t>
+                        </m:r>
+                      </m:sup>
+                      <m:e>
+                        <m:r>
+                          <a:rPr lang="en-US" b="0" i="1" smtClean="0">
+                            <a:latin typeface="Cambria Math" panose="02040503050406030204" pitchFamily="18" charset="0"/>
+                          </a:rPr>
+                          <m:t>1</m:t>
+                        </m:r>
+                      </m:e>
+                    </m:nary>
+                  </m:oMath>
+                </a14:m>
+                <a:endParaRPr lang="en-US" dirty="0"/>
+              </a:p>
+              <a:p>
+                <a:r>
+                  <a:rPr lang="en-US" i="1" dirty="0"/>
+                  <a:t>T(n)</a:t>
+                </a:r>
+                <a:r>
+                  <a:rPr lang="en-US" dirty="0"/>
+                  <a:t> = n^2 + n (closed form)</a:t>
+                </a:r>
+              </a:p>
+              <a:p>
+                <a:r>
+                  <a:rPr lang="en-US" i="1" dirty="0"/>
+                  <a:t>O(n^2)</a:t>
+                </a:r>
+                <a:r>
+                  <a:rPr lang="en-US" dirty="0"/>
+                  <a:t> asymptotic behavior</a:t>
+                </a:r>
+                <a:endParaRPr lang="en-US" i="1" dirty="0"/>
+              </a:p>
+            </p:txBody>
+          </p:sp>
+        </mc:Choice>
+        <mc:Fallback>
+          <p:sp>
+            <p:nvSpPr>
+              <p:cNvPr id="8" name="Content Placeholder 2">
+                <a:extLst>
+                  <a:ext uri="{FF2B5EF4-FFF2-40B4-BE49-F238E27FC236}">
+                    <a16:creationId xmlns:a16="http://schemas.microsoft.com/office/drawing/2014/main" id="{AD0C1CC8-2EBD-9943-A6A5-E895FF13AB66}"/>
+                  </a:ext>
+                </a:extLst>
+              </p:cNvPr>
+              <p:cNvSpPr>
+                <a:spLocks noGrp="1" noRot="1" noChangeAspect="1" noMove="1" noResize="1" noEditPoints="1" noAdjustHandles="1" noChangeArrowheads="1" noChangeShapeType="1" noTextEdit="1"/>
+              </p:cNvSpPr>
+              <p:nvPr>
+                <p:ph idx="1"/>
+              </p:nvPr>
+            </p:nvSpPr>
+            <p:spPr>
+              <a:xfrm>
+                <a:off x="5550194" y="1584251"/>
+                <a:ext cx="6049927" cy="4592712"/>
+              </a:xfrm>
+              <a:blipFill>
+                <a:blip r:embed="rId3"/>
+                <a:stretch>
+                  <a:fillRect l="-1677" t="-2210"/>
+                </a:stretch>
+              </a:blipFill>
+            </p:spPr>
+            <p:txBody>
+              <a:bodyPr/>
+              <a:lstStyle/>
+              <a:p>
+                <a:r>
+                  <a:rPr lang="en-US">
+                    <a:noFill/>
+                  </a:rPr>
+                  <a:t> </a:t>
+                </a:r>
+              </a:p>
+            </p:txBody>
+          </p:sp>
+        </mc:Fallback>
+      </mc:AlternateContent>
+    </p:spTree>
+    <p:extLst>
+      <p:ext uri="{BB962C8B-B14F-4D97-AF65-F5344CB8AC3E}">
+        <p14:creationId xmlns:p14="http://schemas.microsoft.com/office/powerpoint/2010/main" val="2099710601"/>
+      </p:ext>
+    </p:extLst>
+  </p:cSld>
+  <p:clrMapOvr>
+    <a:masterClrMapping/>
+  </p:clrMapOvr>
+  <p:timing>
+    <p:tnLst>
+      <p:par>
+        <p:cTn id="1" dur="indefinite" restart="never" nodeType="tmRoot">
+          <p:childTnLst>
+            <p:seq concurrent="1" nextAc="seek">
+              <p:cTn id="2" dur="indefinite" nodeType="mainSeq">
+                <p:childTnLst>
+                  <p:par>
+                    <p:cTn id="3" fill="hold">
+                      <p:stCondLst>
+                        <p:cond delay="indefinite"/>
+                      </p:stCondLst>
+                      <p:childTnLst>
+                        <p:par>
+                          <p:cTn id="4" fill="hold">
+                            <p:stCondLst>
+                              <p:cond delay="0"/>
+                            </p:stCondLst>
+                            <p:childTnLst>
+                              <p:par>
+                                <p:cTn id="5" presetID="1" presetClass="entr" presetSubtype="0" fill="hold" nodeType="clickEffect">
+                                  <p:stCondLst>
+                                    <p:cond delay="0"/>
+                                  </p:stCondLst>
+                                  <p:childTnLst>
+                                    <p:set>
+                                      <p:cBhvr>
+                                        <p:cTn id="6" dur="1" fill="hold">
+                                          <p:stCondLst>
+                                            <p:cond delay="0"/>
+                                          </p:stCondLst>
+                                        </p:cTn>
+                                        <p:tgtEl>
+                                          <p:spTgt spid="8">
+                                            <p:txEl>
+                                              <p:pRg st="2" end="2"/>
+                                            </p:txEl>
+                                          </p:spTgt>
+                                        </p:tgtEl>
+                                        <p:attrNameLst>
+                                          <p:attrName>style.visibility</p:attrName>
+                                        </p:attrNameLst>
+                                      </p:cBhvr>
+                                      <p:to>
+                                        <p:strVal val="visible"/>
+                                      </p:to>
+                                    </p:set>
+                                  </p:childTnLst>
+                                </p:cTn>
+                              </p:par>
+                              <p:par>
+                                <p:cTn id="7" presetID="1" presetClass="entr" presetSubtype="0" fill="hold" nodeType="withEffect">
+                                  <p:stCondLst>
+                                    <p:cond delay="0"/>
+                                  </p:stCondLst>
+                                  <p:childTnLst>
+                                    <p:set>
+                                      <p:cBhvr>
+                                        <p:cTn id="8" dur="1" fill="hold">
+                                          <p:stCondLst>
+                                            <p:cond delay="0"/>
+                                          </p:stCondLst>
+                                        </p:cTn>
+                                        <p:tgtEl>
+                                          <p:spTgt spid="8">
+                                            <p:txEl>
+                                              <p:pRg st="3" end="3"/>
+                                            </p:txEl>
+                                          </p:spTgt>
+                                        </p:tgtEl>
+                                        <p:attrNameLst>
+                                          <p:attrName>style.visibility</p:attrName>
+                                        </p:attrNameLst>
+                                      </p:cBhvr>
+                                      <p:to>
+                                        <p:strVal val="visible"/>
+                                      </p:to>
+                                    </p:set>
+                                  </p:childTnLst>
+                                </p:cTn>
+                              </p:par>
+                            </p:childTnLst>
+                          </p:cTn>
+                        </p:par>
+                      </p:childTnLst>
+                    </p:cTn>
+                  </p:par>
+                  <p:par>
+                    <p:cTn id="9" fill="hold">
+                      <p:stCondLst>
+                        <p:cond delay="indefinite"/>
+                      </p:stCondLst>
+                      <p:childTnLst>
+                        <p:par>
+                          <p:cTn id="10" fill="hold">
+                            <p:stCondLst>
+                              <p:cond delay="0"/>
+                            </p:stCondLst>
+                            <p:childTnLst>
+                              <p:par>
+                                <p:cTn id="11" presetID="1" presetClass="entr" presetSubtype="0" fill="hold" grpId="0" nodeType="clickEffect">
+                                  <p:stCondLst>
+                                    <p:cond delay="0"/>
+                                  </p:stCondLst>
+                                  <p:childTnLst>
+                                    <p:set>
+                                      <p:cBhvr>
+                                        <p:cTn id="12" dur="1" fill="hold">
+                                          <p:stCondLst>
+                                            <p:cond delay="0"/>
+                                          </p:stCondLst>
+                                        </p:cTn>
+                                        <p:tgtEl>
+                                          <p:spTgt spid="8">
+                                            <p:txEl>
+                                              <p:pRg st="4" end="4"/>
+                                            </p:txEl>
+                                          </p:spTgt>
+                                        </p:tgtEl>
+                                        <p:attrNameLst>
+                                          <p:attrName>style.visibility</p:attrName>
+                                        </p:attrNameLst>
+                                      </p:cBhvr>
+                                      <p:to>
+                                        <p:strVal val="visible"/>
+                                      </p:to>
+                                    </p:set>
+                                  </p:childTnLst>
+                                </p:cTn>
+                              </p:par>
+                            </p:childTnLst>
+                          </p:cTn>
+                        </p:par>
+                      </p:childTnLst>
+                    </p:cTn>
+                  </p:par>
+                </p:childTnLst>
+              </p:cTn>
+              <p:prevCondLst>
+                <p:cond evt="onPrev" delay="0">
+                  <p:tgtEl>
+                    <p:sldTgt/>
+                  </p:tgtEl>
+                </p:cond>
+              </p:prevCondLst>
+              <p:nextCondLst>
+                <p:cond evt="onNext" delay="0">
+                  <p:tgtEl>
+                    <p:sldTgt/>
+                  </p:tgtEl>
+                </p:cond>
+              </p:nextCondLst>
+            </p:seq>
+          </p:childTnLst>
+        </p:cTn>
+      </p:par>
+    </p:tnLst>
+    <p:bldLst>
+      <p:bldP spid="8" grpId="0" uiExpand="1" build="p"/>
+    </p:bldLst>
+  </p:timing>
+</p:sld>
+</file>
+
+<file path=ppt/slides/slide26.xml><?xml version="1.0" encoding="utf-8"?>
+<p:sld xmlns:a="http://schemas.openxmlformats.org/drawingml/2006/main" xmlns:r="http://schemas.openxmlformats.org/officeDocument/2006/relationships" xmlns:p="http://schemas.openxmlformats.org/presentationml/2006/main">
+  <p:cSld>
+    <p:spTree>
+      <p:nvGrpSpPr>
+        <p:cNvPr id="1" name=""/>
+        <p:cNvGrpSpPr/>
+        <p:nvPr/>
+      </p:nvGrpSpPr>
+      <p:grpSpPr>
+        <a:xfrm>
+          <a:off x="0" y="0"/>
+          <a:ext cx="0" cy="0"/>
+          <a:chOff x="0" y="0"/>
+          <a:chExt cx="0" cy="0"/>
+        </a:xfrm>
+      </p:grpSpPr>
+      <p:sp>
+        <p:nvSpPr>
+          <p:cNvPr id="2" name="Title 1"/>
+          <p:cNvSpPr>
+            <a:spLocks noGrp="1"/>
+          </p:cNvSpPr>
+          <p:nvPr>
+            <p:ph type="title"/>
+          </p:nvPr>
+        </p:nvSpPr>
+        <p:spPr/>
+        <p:txBody>
+          <a:bodyPr/>
+          <a:lstStyle/>
+          <a:p>
+            <a:r>
+              <a:rPr lang="en-US" dirty="0"/>
+              <a:t>Compute complexities for these too</a:t>
+            </a:r>
+          </a:p>
+        </p:txBody>
+      </p:sp>
       <p:pic>
         <p:nvPicPr>
           <p:cNvPr id="5" name="Picture 4" descr="https://lh5.googleusercontent.com/mhfYHVJKRx-I9OR5jYKT9Qry9-uzI_PtiNBMDlqnQ3SQJfqrxceyBcmcIB0fj5ReBh-C5n8tj9-jlDqt_2s5vs9dmWAdEDTmjPEoSSOHZTZq1AQl2iNPs5S5qBq8AmEQBscOuuhSYw"/>
@@ -19723,7 +20544,7 @@
           <p:nvPr/>
         </p:nvPicPr>
         <p:blipFill>
-          <a:blip r:embed="rId3">
+          <a:blip r:embed="rId2">
             <a:extLst>
               <a:ext uri="{28A0092B-C50C-407E-A947-70E740481C1C}">
                 <a14:useLocalDpi xmlns:a14="http://schemas.microsoft.com/office/drawing/2010/main" val="0"/>
@@ -19737,7 +20558,7 @@
         </p:blipFill>
         <p:spPr bwMode="auto">
           <a:xfrm>
-            <a:off x="6405011" y="1474751"/>
+            <a:off x="838200" y="1485903"/>
             <a:ext cx="3889285" cy="4777193"/>
           </a:xfrm>
           <a:prstGeom prst="rect">
@@ -19755,6 +20576,574 @@
           </a:extLst>
         </p:spPr>
       </p:pic>
+      <mc:AlternateContent xmlns:mc="http://schemas.openxmlformats.org/markup-compatibility/2006">
+        <mc:Choice xmlns:a14="http://schemas.microsoft.com/office/drawing/2010/main" Requires="a14">
+          <p:sp>
+            <p:nvSpPr>
+              <p:cNvPr id="6" name="Content Placeholder 2">
+                <a:extLst>
+                  <a:ext uri="{FF2B5EF4-FFF2-40B4-BE49-F238E27FC236}">
+                    <a16:creationId xmlns:a16="http://schemas.microsoft.com/office/drawing/2014/main" id="{318E4EF7-E22A-9649-9064-5B712D8F3770}"/>
+                  </a:ext>
+                </a:extLst>
+              </p:cNvPr>
+              <p:cNvSpPr>
+                <a:spLocks noGrp="1"/>
+              </p:cNvSpPr>
+              <p:nvPr>
+                <p:ph idx="1"/>
+              </p:nvPr>
+            </p:nvSpPr>
+            <p:spPr>
+              <a:xfrm>
+                <a:off x="5550194" y="1584251"/>
+                <a:ext cx="6049927" cy="4592712"/>
+              </a:xfrm>
+            </p:spPr>
+            <p:txBody>
+              <a:bodyPr>
+                <a:normAutofit lnSpcReduction="10000"/>
+              </a:bodyPr>
+              <a:lstStyle/>
+              <a:p>
+                <a:r>
+                  <a:rPr lang="en-US" dirty="0"/>
+                  <a:t>unit of work: assignment, addition</a:t>
+                </a:r>
+              </a:p>
+              <a:p>
+                <a:r>
+                  <a:rPr lang="en-US" dirty="0"/>
+                  <a:t>Identify key size indicator: n</a:t>
+                </a:r>
+                <a:endParaRPr lang="en-US" i="1" dirty="0"/>
+              </a:p>
+              <a:p>
+                <a:r>
+                  <a:rPr lang="en-US" i="1" dirty="0"/>
+                  <a:t>T(n)</a:t>
+                </a:r>
+                <a:r>
+                  <a:rPr lang="en-US" dirty="0"/>
+                  <a:t> = </a:t>
+                </a:r>
+                <a14:m>
+                  <m:oMath xmlns:m="http://schemas.openxmlformats.org/officeDocument/2006/math">
+                    <m:nary>
+                      <m:naryPr>
+                        <m:chr m:val="∑"/>
+                        <m:ctrlPr>
+                          <a:rPr lang="en-US" i="1" smtClean="0">
+                            <a:latin typeface="Cambria Math" panose="02040503050406030204" pitchFamily="18" charset="0"/>
+                          </a:rPr>
+                        </m:ctrlPr>
+                      </m:naryPr>
+                      <m:sub>
+                        <m:r>
+                          <m:rPr>
+                            <m:brk m:alnAt="23"/>
+                          </m:rPr>
+                          <a:rPr lang="en-US" b="0" i="1" smtClean="0">
+                            <a:latin typeface="Cambria Math" panose="02040503050406030204" pitchFamily="18" charset="0"/>
+                          </a:rPr>
+                          <m:t>𝑖</m:t>
+                        </m:r>
+                        <m:r>
+                          <a:rPr lang="en-US" b="0" i="1" smtClean="0">
+                            <a:latin typeface="Cambria Math" panose="02040503050406030204" pitchFamily="18" charset="0"/>
+                          </a:rPr>
+                          <m:t>=1</m:t>
+                        </m:r>
+                      </m:sub>
+                      <m:sup>
+                        <m:r>
+                          <a:rPr lang="en-US" b="0" i="1" smtClean="0">
+                            <a:latin typeface="Cambria Math" panose="02040503050406030204" pitchFamily="18" charset="0"/>
+                          </a:rPr>
+                          <m:t>𝑛</m:t>
+                        </m:r>
+                      </m:sup>
+                      <m:e>
+                        <m:nary>
+                          <m:naryPr>
+                            <m:chr m:val="∑"/>
+                            <m:ctrlPr>
+                              <a:rPr lang="en-US" i="1">
+                                <a:latin typeface="Cambria Math" panose="02040503050406030204" pitchFamily="18" charset="0"/>
+                              </a:rPr>
+                            </m:ctrlPr>
+                          </m:naryPr>
+                          <m:sub>
+                            <m:r>
+                              <a:rPr lang="en-US" b="0" i="1" smtClean="0">
+                                <a:latin typeface="Cambria Math" panose="02040503050406030204" pitchFamily="18" charset="0"/>
+                              </a:rPr>
+                              <m:t>𝑗</m:t>
+                            </m:r>
+                            <m:r>
+                              <a:rPr lang="en-US" b="0" i="1" smtClean="0">
+                                <a:latin typeface="Cambria Math" panose="02040503050406030204" pitchFamily="18" charset="0"/>
+                              </a:rPr>
+                              <m:t>=1</m:t>
+                            </m:r>
+                          </m:sub>
+                          <m:sup>
+                            <m:r>
+                              <a:rPr lang="en-US" i="1">
+                                <a:latin typeface="Cambria Math" panose="02040503050406030204" pitchFamily="18" charset="0"/>
+                              </a:rPr>
+                              <m:t>𝑛</m:t>
+                            </m:r>
+                          </m:sup>
+                          <m:e>
+                            <m:r>
+                              <a:rPr lang="en-US" b="0" i="1" smtClean="0">
+                                <a:latin typeface="Cambria Math" panose="02040503050406030204" pitchFamily="18" charset="0"/>
+                              </a:rPr>
+                              <m:t>2</m:t>
+                            </m:r>
+                          </m:e>
+                        </m:nary>
+                      </m:e>
+                    </m:nary>
+                  </m:oMath>
+                </a14:m>
+                <a:r>
+                  <a:rPr lang="en-US" dirty="0"/>
+                  <a:t> + </a:t>
+                </a:r>
+                <a14:m>
+                  <m:oMath xmlns:m="http://schemas.openxmlformats.org/officeDocument/2006/math">
+                    <m:r>
+                      <a:rPr lang="en-US" i="1" smtClean="0">
+                        <a:latin typeface="Cambria Math" panose="02040503050406030204" pitchFamily="18" charset="0"/>
+                      </a:rPr>
+                      <m:t>…</m:t>
+                    </m:r>
+                  </m:oMath>
+                </a14:m>
+                <a:endParaRPr lang="en-US" dirty="0"/>
+              </a:p>
+              <a:p>
+                <a:r>
+                  <a:rPr lang="en-US" i="1" dirty="0"/>
+                  <a:t>T(n)</a:t>
+                </a:r>
+                <a:r>
+                  <a:rPr lang="en-US" dirty="0"/>
+                  <a:t> = </a:t>
+                </a:r>
+                <a14:m>
+                  <m:oMath xmlns:m="http://schemas.openxmlformats.org/officeDocument/2006/math">
+                    <m:nary>
+                      <m:naryPr>
+                        <m:chr m:val="∑"/>
+                        <m:ctrlPr>
+                          <a:rPr lang="en-US" i="1">
+                            <a:latin typeface="Cambria Math" panose="02040503050406030204" pitchFamily="18" charset="0"/>
+                          </a:rPr>
+                        </m:ctrlPr>
+                      </m:naryPr>
+                      <m:sub>
+                        <m:r>
+                          <m:rPr>
+                            <m:brk m:alnAt="23"/>
+                          </m:rPr>
+                          <a:rPr lang="en-US" i="1">
+                            <a:latin typeface="Cambria Math" panose="02040503050406030204" pitchFamily="18" charset="0"/>
+                          </a:rPr>
+                          <m:t>𝑖</m:t>
+                        </m:r>
+                        <m:r>
+                          <a:rPr lang="en-US" i="1">
+                            <a:latin typeface="Cambria Math" panose="02040503050406030204" pitchFamily="18" charset="0"/>
+                          </a:rPr>
+                          <m:t>=1</m:t>
+                        </m:r>
+                      </m:sub>
+                      <m:sup>
+                        <m:r>
+                          <a:rPr lang="en-US" i="1">
+                            <a:latin typeface="Cambria Math" panose="02040503050406030204" pitchFamily="18" charset="0"/>
+                          </a:rPr>
+                          <m:t>𝑛</m:t>
+                        </m:r>
+                      </m:sup>
+                      <m:e>
+                        <m:nary>
+                          <m:naryPr>
+                            <m:chr m:val="∑"/>
+                            <m:ctrlPr>
+                              <a:rPr lang="en-US" i="1">
+                                <a:latin typeface="Cambria Math" panose="02040503050406030204" pitchFamily="18" charset="0"/>
+                              </a:rPr>
+                            </m:ctrlPr>
+                          </m:naryPr>
+                          <m:sub>
+                            <m:r>
+                              <a:rPr lang="en-US" i="1">
+                                <a:latin typeface="Cambria Math" panose="02040503050406030204" pitchFamily="18" charset="0"/>
+                              </a:rPr>
+                              <m:t>𝑗</m:t>
+                            </m:r>
+                            <m:r>
+                              <a:rPr lang="en-US" b="0" i="1" smtClean="0">
+                                <a:latin typeface="Cambria Math" panose="02040503050406030204" pitchFamily="18" charset="0"/>
+                              </a:rPr>
+                              <m:t>=1</m:t>
+                            </m:r>
+                          </m:sub>
+                          <m:sup>
+                            <m:r>
+                              <a:rPr lang="en-US" i="1">
+                                <a:latin typeface="Cambria Math" panose="02040503050406030204" pitchFamily="18" charset="0"/>
+                              </a:rPr>
+                              <m:t>𝑛</m:t>
+                            </m:r>
+                          </m:sup>
+                          <m:e>
+                            <m:r>
+                              <a:rPr lang="en-US" i="1">
+                                <a:latin typeface="Cambria Math" panose="02040503050406030204" pitchFamily="18" charset="0"/>
+                              </a:rPr>
+                              <m:t>2</m:t>
+                            </m:r>
+                          </m:e>
+                        </m:nary>
+                      </m:e>
+                    </m:nary>
+                  </m:oMath>
+                </a14:m>
+                <a:r>
+                  <a:rPr lang="en-US" dirty="0"/>
+                  <a:t> + </a:t>
+                </a:r>
+                <a14:m>
+                  <m:oMath xmlns:m="http://schemas.openxmlformats.org/officeDocument/2006/math">
+                    <m:nary>
+                      <m:naryPr>
+                        <m:chr m:val="∑"/>
+                        <m:ctrlPr>
+                          <a:rPr lang="en-US" i="1">
+                            <a:latin typeface="Cambria Math" panose="02040503050406030204" pitchFamily="18" charset="0"/>
+                          </a:rPr>
+                        </m:ctrlPr>
+                      </m:naryPr>
+                      <m:sub>
+                        <m:r>
+                          <m:rPr>
+                            <m:brk m:alnAt="23"/>
+                          </m:rPr>
+                          <a:rPr lang="en-US" i="1">
+                            <a:latin typeface="Cambria Math" panose="02040503050406030204" pitchFamily="18" charset="0"/>
+                          </a:rPr>
+                          <m:t>𝑖</m:t>
+                        </m:r>
+                        <m:r>
+                          <a:rPr lang="en-US" i="1">
+                            <a:latin typeface="Cambria Math" panose="02040503050406030204" pitchFamily="18" charset="0"/>
+                          </a:rPr>
+                          <m:t>=1</m:t>
+                        </m:r>
+                      </m:sub>
+                      <m:sup>
+                        <m:r>
+                          <a:rPr lang="en-US" i="1">
+                            <a:latin typeface="Cambria Math" panose="02040503050406030204" pitchFamily="18" charset="0"/>
+                          </a:rPr>
+                          <m:t>𝑛</m:t>
+                        </m:r>
+                      </m:sup>
+                      <m:e>
+                        <m:nary>
+                          <m:naryPr>
+                            <m:chr m:val="∑"/>
+                            <m:ctrlPr>
+                              <a:rPr lang="en-US" i="1">
+                                <a:latin typeface="Cambria Math" panose="02040503050406030204" pitchFamily="18" charset="0"/>
+                              </a:rPr>
+                            </m:ctrlPr>
+                          </m:naryPr>
+                          <m:sub>
+                            <m:r>
+                              <a:rPr lang="en-US" i="1">
+                                <a:latin typeface="Cambria Math" panose="02040503050406030204" pitchFamily="18" charset="0"/>
+                              </a:rPr>
+                              <m:t>𝑗</m:t>
+                            </m:r>
+                            <m:r>
+                              <a:rPr lang="en-US" i="1">
+                                <a:latin typeface="Cambria Math" panose="02040503050406030204" pitchFamily="18" charset="0"/>
+                              </a:rPr>
+                              <m:t>=1</m:t>
+                            </m:r>
+                          </m:sub>
+                          <m:sup>
+                            <m:r>
+                              <a:rPr lang="en-US" i="1">
+                                <a:latin typeface="Cambria Math" panose="02040503050406030204" pitchFamily="18" charset="0"/>
+                              </a:rPr>
+                              <m:t>𝑖</m:t>
+                            </m:r>
+                          </m:sup>
+                          <m:e>
+                            <m:r>
+                              <a:rPr lang="en-US" i="1">
+                                <a:latin typeface="Cambria Math" panose="02040503050406030204" pitchFamily="18" charset="0"/>
+                              </a:rPr>
+                              <m:t>2</m:t>
+                            </m:r>
+                          </m:e>
+                        </m:nary>
+                      </m:e>
+                    </m:nary>
+                  </m:oMath>
+                </a14:m>
+                <a:endParaRPr lang="en-US" dirty="0"/>
+              </a:p>
+              <a:p>
+                <a:r>
+                  <a:rPr lang="en-US" i="1" dirty="0"/>
+                  <a:t>T(n)</a:t>
+                </a:r>
+                <a:r>
+                  <a:rPr lang="en-US" dirty="0"/>
+                  <a:t> = 2n^2 + </a:t>
+                </a:r>
+                <a14:m>
+                  <m:oMath xmlns:m="http://schemas.openxmlformats.org/officeDocument/2006/math">
+                    <m:nary>
+                      <m:naryPr>
+                        <m:chr m:val="∑"/>
+                        <m:ctrlPr>
+                          <a:rPr lang="en-US" i="1">
+                            <a:latin typeface="Cambria Math" panose="02040503050406030204" pitchFamily="18" charset="0"/>
+                          </a:rPr>
+                        </m:ctrlPr>
+                      </m:naryPr>
+                      <m:sub>
+                        <m:r>
+                          <m:rPr>
+                            <m:brk m:alnAt="23"/>
+                          </m:rPr>
+                          <a:rPr lang="en-US" i="1">
+                            <a:latin typeface="Cambria Math" panose="02040503050406030204" pitchFamily="18" charset="0"/>
+                          </a:rPr>
+                          <m:t>𝑖</m:t>
+                        </m:r>
+                        <m:r>
+                          <a:rPr lang="en-US" b="0" i="1" smtClean="0">
+                            <a:latin typeface="Cambria Math" panose="02040503050406030204" pitchFamily="18" charset="0"/>
+                          </a:rPr>
+                          <m:t>=1</m:t>
+                        </m:r>
+                      </m:sub>
+                      <m:sup>
+                        <m:r>
+                          <a:rPr lang="en-US" i="1">
+                            <a:latin typeface="Cambria Math" panose="02040503050406030204" pitchFamily="18" charset="0"/>
+                          </a:rPr>
+                          <m:t>𝑛</m:t>
+                        </m:r>
+                      </m:sup>
+                      <m:e>
+                        <m:r>
+                          <a:rPr lang="en-US" b="0" i="1" smtClean="0">
+                            <a:latin typeface="Cambria Math" panose="02040503050406030204" pitchFamily="18" charset="0"/>
+                          </a:rPr>
+                          <m:t>2</m:t>
+                        </m:r>
+                        <m:r>
+                          <a:rPr lang="en-US" b="0" i="1" smtClean="0">
+                            <a:latin typeface="Cambria Math" panose="02040503050406030204" pitchFamily="18" charset="0"/>
+                          </a:rPr>
+                          <m:t>𝑖</m:t>
+                        </m:r>
+                      </m:e>
+                    </m:nary>
+                  </m:oMath>
+                </a14:m>
+                <a:endParaRPr lang="en-US" dirty="0"/>
+              </a:p>
+              <a:p>
+                <a:r>
+                  <a:rPr lang="en-US" i="1" dirty="0"/>
+                  <a:t>T(n)</a:t>
+                </a:r>
+                <a:r>
+                  <a:rPr lang="en-US" dirty="0"/>
+                  <a:t> = 2n^2 + 2</a:t>
+                </a:r>
+                <a14:m>
+                  <m:oMath xmlns:m="http://schemas.openxmlformats.org/officeDocument/2006/math">
+                    <m:nary>
+                      <m:naryPr>
+                        <m:chr m:val="∑"/>
+                        <m:ctrlPr>
+                          <a:rPr lang="en-US" i="1">
+                            <a:latin typeface="Cambria Math" panose="02040503050406030204" pitchFamily="18" charset="0"/>
+                          </a:rPr>
+                        </m:ctrlPr>
+                      </m:naryPr>
+                      <m:sub>
+                        <m:r>
+                          <m:rPr>
+                            <m:brk m:alnAt="23"/>
+                          </m:rPr>
+                          <a:rPr lang="en-US" i="1">
+                            <a:latin typeface="Cambria Math" panose="02040503050406030204" pitchFamily="18" charset="0"/>
+                          </a:rPr>
+                          <m:t>𝑖</m:t>
+                        </m:r>
+                        <m:r>
+                          <a:rPr lang="en-US" b="0" i="1" smtClean="0">
+                            <a:latin typeface="Cambria Math" panose="02040503050406030204" pitchFamily="18" charset="0"/>
+                          </a:rPr>
+                          <m:t>=1</m:t>
+                        </m:r>
+                      </m:sub>
+                      <m:sup>
+                        <m:r>
+                          <a:rPr lang="en-US" i="1">
+                            <a:latin typeface="Cambria Math" panose="02040503050406030204" pitchFamily="18" charset="0"/>
+                          </a:rPr>
+                          <m:t>𝑛</m:t>
+                        </m:r>
+                      </m:sup>
+                      <m:e>
+                        <m:r>
+                          <a:rPr lang="en-US" i="1">
+                            <a:latin typeface="Cambria Math" panose="02040503050406030204" pitchFamily="18" charset="0"/>
+                          </a:rPr>
+                          <m:t>𝑖</m:t>
+                        </m:r>
+                      </m:e>
+                    </m:nary>
+                  </m:oMath>
+                </a14:m>
+                <a:endParaRPr lang="en-US" dirty="0"/>
+              </a:p>
+              <a:p>
+                <a:r>
+                  <a:rPr lang="en-US" i="1" dirty="0"/>
+                  <a:t>T(n)</a:t>
+                </a:r>
+                <a:r>
+                  <a:rPr lang="en-US" dirty="0"/>
+                  <a:t> = 2n^2 + 2</a:t>
+                </a:r>
+                <a:r>
+                  <a:rPr lang="en-US" i="1" dirty="0"/>
+                  <a:t>n(n+1) / 2</a:t>
+                </a:r>
+              </a:p>
+              <a:p>
+                <a:r>
+                  <a:rPr lang="en-US" i="1" dirty="0"/>
+                  <a:t>T(n)</a:t>
+                </a:r>
+                <a:r>
+                  <a:rPr lang="en-US" dirty="0"/>
+                  <a:t> = 2n^2 + </a:t>
+                </a:r>
+                <a:r>
+                  <a:rPr lang="en-US" i="1" dirty="0"/>
+                  <a:t>n^2 + n = 3n^2 + n</a:t>
+                </a:r>
+                <a:endParaRPr lang="en-US" dirty="0"/>
+              </a:p>
+              <a:p>
+                <a:r>
+                  <a:rPr lang="en-US" i="1" dirty="0"/>
+                  <a:t>O(n^2)</a:t>
+                </a:r>
+                <a:r>
+                  <a:rPr lang="en-US" dirty="0"/>
+                  <a:t> asymptotic behavior</a:t>
+                </a:r>
+              </a:p>
+            </p:txBody>
+          </p:sp>
+        </mc:Choice>
+        <mc:Fallback>
+          <p:sp>
+            <p:nvSpPr>
+              <p:cNvPr id="6" name="Content Placeholder 2">
+                <a:extLst>
+                  <a:ext uri="{FF2B5EF4-FFF2-40B4-BE49-F238E27FC236}">
+                    <a16:creationId xmlns:a16="http://schemas.microsoft.com/office/drawing/2014/main" id="{318E4EF7-E22A-9649-9064-5B712D8F3770}"/>
+                  </a:ext>
+                </a:extLst>
+              </p:cNvPr>
+              <p:cNvSpPr>
+                <a:spLocks noGrp="1" noRot="1" noChangeAspect="1" noMove="1" noResize="1" noEditPoints="1" noAdjustHandles="1" noChangeArrowheads="1" noChangeShapeType="1" noTextEdit="1"/>
+              </p:cNvSpPr>
+              <p:nvPr>
+                <p:ph idx="1"/>
+              </p:nvPr>
+            </p:nvSpPr>
+            <p:spPr>
+              <a:xfrm>
+                <a:off x="5550194" y="1584251"/>
+                <a:ext cx="6049927" cy="4592712"/>
+              </a:xfrm>
+              <a:blipFill>
+                <a:blip r:embed="rId3"/>
+                <a:stretch>
+                  <a:fillRect l="-1677" t="-3039"/>
+                </a:stretch>
+              </a:blipFill>
+            </p:spPr>
+            <p:txBody>
+              <a:bodyPr/>
+              <a:lstStyle/>
+              <a:p>
+                <a:r>
+                  <a:rPr lang="en-US">
+                    <a:noFill/>
+                  </a:rPr>
+                  <a:t> </a:t>
+                </a:r>
+              </a:p>
+            </p:txBody>
+          </p:sp>
+        </mc:Fallback>
+      </mc:AlternateContent>
+      <p:sp>
+        <p:nvSpPr>
+          <p:cNvPr id="3" name="Rectangle 2">
+            <a:extLst>
+              <a:ext uri="{FF2B5EF4-FFF2-40B4-BE49-F238E27FC236}">
+                <a16:creationId xmlns:a16="http://schemas.microsoft.com/office/drawing/2014/main" id="{6DB53ACD-6AAA-2D4D-B544-BA2C8042BE07}"/>
+              </a:ext>
+            </a:extLst>
+          </p:cNvPr>
+          <p:cNvSpPr/>
+          <p:nvPr/>
+        </p:nvSpPr>
+        <p:spPr>
+          <a:xfrm>
+            <a:off x="717605" y="6344373"/>
+            <a:ext cx="7345281" cy="430887"/>
+          </a:xfrm>
+          <a:prstGeom prst="rect">
+            <a:avLst/>
+          </a:prstGeom>
+        </p:spPr>
+        <p:txBody>
+          <a:bodyPr wrap="none">
+            <a:spAutoFit/>
+          </a:bodyPr>
+          <a:lstStyle/>
+          <a:p>
+            <a:r>
+              <a:rPr lang="en-US" sz="2200" i="1" dirty="0"/>
+              <a:t>lines 8, 9: hallmark of matrix upper/lower triangle iteration</a:t>
+            </a:r>
+            <a:endParaRPr lang="en-US" sz="2200" dirty="0"/>
+          </a:p>
+        </p:txBody>
+      </p:sp>
     </p:spTree>
     <p:extLst>
       <p:ext uri="{BB962C8B-B14F-4D97-AF65-F5344CB8AC3E}">
@@ -19768,7 +21157,7 @@
 </p:sld>
 </file>
 
-<file path=ppt/slides/slide26.xml><?xml version="1.0" encoding="utf-8"?>
+<file path=ppt/slides/slide27.xml><?xml version="1.0" encoding="utf-8"?>
 <p:sld xmlns:a="http://schemas.openxmlformats.org/drawingml/2006/main" xmlns:r="http://schemas.openxmlformats.org/officeDocument/2006/relationships" xmlns:p="http://schemas.openxmlformats.org/presentationml/2006/main">
   <p:cSld>
     <p:spTree>
@@ -19824,8 +21213,8 @@
         </p:nvSpPr>
         <p:spPr>
           <a:xfrm>
-            <a:off x="838199" y="1825625"/>
-            <a:ext cx="10836349" cy="4351338"/>
+            <a:off x="838199" y="1550020"/>
+            <a:ext cx="10836349" cy="4626943"/>
           </a:xfrm>
         </p:spPr>
         <p:txBody>
@@ -19867,7 +21256,7 @@
         </p:blipFill>
         <p:spPr>
           <a:xfrm>
-            <a:off x="8372959" y="2799900"/>
+            <a:off x="7848852" y="2764499"/>
             <a:ext cx="3649215" cy="2713112"/>
           </a:xfrm>
           <a:prstGeom prst="rect">
@@ -19952,7 +21341,7 @@
         </p:nvSpPr>
         <p:spPr>
           <a:xfrm>
-            <a:off x="867719" y="2854484"/>
+            <a:off x="867719" y="2720672"/>
             <a:ext cx="6313111" cy="2800767"/>
           </a:xfrm>
           <a:prstGeom prst="rect">
@@ -20165,7 +21554,7 @@
 </p:sld>
 </file>
 
-<file path=ppt/slides/slide27.xml><?xml version="1.0" encoding="utf-8"?>
+<file path=ppt/slides/slide28.xml><?xml version="1.0" encoding="utf-8"?>
 <p:sld xmlns:a="http://schemas.openxmlformats.org/drawingml/2006/main" xmlns:r="http://schemas.openxmlformats.org/officeDocument/2006/relationships" xmlns:p="http://schemas.openxmlformats.org/presentationml/2006/main">
   <p:cSld>
     <p:spTree>
@@ -20549,6 +21938,150 @@
     <p:extLst>
       <p:ext uri="{BB962C8B-B14F-4D97-AF65-F5344CB8AC3E}">
         <p14:creationId xmlns:p14="http://schemas.microsoft.com/office/powerpoint/2010/main" val="545441741"/>
+      </p:ext>
+    </p:extLst>
+  </p:cSld>
+  <p:clrMapOvr>
+    <a:masterClrMapping/>
+  </p:clrMapOvr>
+</p:sld>
+</file>
+
+<file path=ppt/slides/slide29.xml><?xml version="1.0" encoding="utf-8"?>
+<p:sld xmlns:a="http://schemas.openxmlformats.org/drawingml/2006/main" xmlns:r="http://schemas.openxmlformats.org/officeDocument/2006/relationships" xmlns:p="http://schemas.openxmlformats.org/presentationml/2006/main">
+  <p:cSld>
+    <p:spTree>
+      <p:nvGrpSpPr>
+        <p:cNvPr id="1" name=""/>
+        <p:cNvGrpSpPr/>
+        <p:nvPr/>
+      </p:nvGrpSpPr>
+      <p:grpSpPr>
+        <a:xfrm>
+          <a:off x="0" y="0"/>
+          <a:ext cx="0" cy="0"/>
+          <a:chOff x="0" y="0"/>
+          <a:chExt cx="0" cy="0"/>
+        </a:xfrm>
+      </p:grpSpPr>
+      <p:sp>
+        <p:nvSpPr>
+          <p:cNvPr id="2" name="Title 1">
+            <a:extLst>
+              <a:ext uri="{FF2B5EF4-FFF2-40B4-BE49-F238E27FC236}">
+                <a16:creationId xmlns:a16="http://schemas.microsoft.com/office/drawing/2014/main" id="{DCDF6954-E8E8-4F4B-920F-70935ED9BB2F}"/>
+              </a:ext>
+            </a:extLst>
+          </p:cNvPr>
+          <p:cNvSpPr>
+            <a:spLocks noGrp="1"/>
+          </p:cNvSpPr>
+          <p:nvPr>
+            <p:ph type="title"/>
+          </p:nvPr>
+        </p:nvSpPr>
+        <p:spPr/>
+        <p:txBody>
+          <a:bodyPr/>
+          <a:lstStyle/>
+          <a:p>
+            <a:r>
+              <a:rPr lang="en-US" dirty="0"/>
+              <a:t>Summary</a:t>
+            </a:r>
+          </a:p>
+        </p:txBody>
+      </p:sp>
+      <p:sp>
+        <p:nvSpPr>
+          <p:cNvPr id="3" name="Content Placeholder 2">
+            <a:extLst>
+              <a:ext uri="{FF2B5EF4-FFF2-40B4-BE49-F238E27FC236}">
+                <a16:creationId xmlns:a16="http://schemas.microsoft.com/office/drawing/2014/main" id="{2658BDF8-7A8C-BD42-A359-86B43964F70C}"/>
+              </a:ext>
+            </a:extLst>
+          </p:cNvPr>
+          <p:cNvSpPr>
+            <a:spLocks noGrp="1"/>
+          </p:cNvSpPr>
+          <p:nvPr>
+            <p:ph idx="1"/>
+          </p:nvPr>
+        </p:nvSpPr>
+        <p:spPr/>
+        <p:txBody>
+          <a:bodyPr/>
+          <a:lstStyle/>
+          <a:p>
+            <a:r>
+              <a:rPr lang="en-US" dirty="0"/>
+              <a:t>O(…) is (tight) upper-bound on work done for given input size</a:t>
+            </a:r>
+          </a:p>
+          <a:p>
+            <a:r>
+              <a:rPr lang="en-US" dirty="0"/>
+              <a:t>Independent of machine, language, algorithm details</a:t>
+            </a:r>
+          </a:p>
+          <a:p>
+            <a:r>
+              <a:rPr lang="en-US" dirty="0"/>
+              <a:t>Process:</a:t>
+            </a:r>
+          </a:p>
+          <a:p>
+            <a:pPr lvl="1"/>
+            <a:r>
+              <a:rPr lang="en-US" dirty="0"/>
+              <a:t>Identify unit of work, key size indicator</a:t>
+            </a:r>
+            <a:endParaRPr lang="en-US" i="1" dirty="0"/>
+          </a:p>
+          <a:p>
+            <a:pPr lvl="1"/>
+            <a:r>
+              <a:rPr lang="en-US" dirty="0"/>
+              <a:t>Define </a:t>
+            </a:r>
+            <a:r>
+              <a:rPr lang="en-US" i="1" dirty="0"/>
+              <a:t>T(n)</a:t>
+            </a:r>
+            <a:r>
+              <a:rPr lang="en-US" dirty="0"/>
+              <a:t> = </a:t>
+            </a:r>
+            <a:r>
+              <a:rPr lang="mr-IN" dirty="0"/>
+              <a:t>…</a:t>
+            </a:r>
+            <a:r>
+              <a:rPr lang="en-US" dirty="0"/>
+              <a:t> then find closed form</a:t>
+            </a:r>
+          </a:p>
+          <a:p>
+            <a:pPr lvl="1"/>
+            <a:r>
+              <a:rPr lang="en-US" dirty="0"/>
+              <a:t>Take asymptotic behavior of </a:t>
+            </a:r>
+            <a:r>
+              <a:rPr lang="en-US" i="1" dirty="0"/>
+              <a:t>T(n)</a:t>
+            </a:r>
+            <a:r>
+              <a:rPr lang="en-US" dirty="0"/>
+              <a:t> to get complexity</a:t>
+            </a:r>
+          </a:p>
+        </p:txBody>
+      </p:sp>
+    </p:spTree>
+    <p:extLst>
+      <p:ext uri="{BB962C8B-B14F-4D97-AF65-F5344CB8AC3E}">
+        <p14:creationId xmlns:p14="http://schemas.microsoft.com/office/powerpoint/2010/main" val="982454256"/>
       </p:ext>
     </p:extLst>
   </p:cSld>
@@ -20636,14 +22169,14 @@
           <a:p>
             <a:r>
               <a:rPr lang="en-US" dirty="0"/>
-              <a:t>Execution time is a single snapshot that measures:</a:t>
+              <a:t>Execution time is a single snapshot that includes:</a:t>
             </a:r>
           </a:p>
           <a:p>
             <a:pPr lvl="1"/>
             <a:r>
               <a:rPr lang="en-US" dirty="0"/>
-              <a:t>Choice of specific data structure(s)</a:t>
+              <a:t>Choice of specific data structure(s) and algorithm(s)</a:t>
             </a:r>
           </a:p>
           <a:p>
@@ -20959,7 +22492,7 @@
           <a:p>
             <a:r>
               <a:rPr lang="en-US" dirty="0"/>
-              <a:t>We count fundamental operations of work; e.g., comparisons, floating-point operations, visiting nodes, swapping array elements.</a:t>
+              <a:t>We count fundamental operations of work; e.g., comparisons, floating-point operations, visiting nodes, traversing edges, swapping array elements, …</a:t>
             </a:r>
           </a:p>
           <a:p>
@@ -20973,7 +22506,7 @@
             </a:r>
             <a:r>
               <a:rPr lang="en-US" dirty="0"/>
-              <a:t> elements.</a:t>
+              <a:t> elements</a:t>
             </a:r>
           </a:p>
           <a:p>
@@ -20985,7 +22518,7 @@
           <a:p>
             <a:r>
               <a:rPr lang="en-US" dirty="0"/>
-              <a:t>If it takes 2 operations for input of size 2, how many operations are needed for input of size 3? Is it 3, 4, 8, or worse?</a:t>
+              <a:t>If it takes 2 operations for input of size 2, how many operations are needed for input of size 3? Is it 2, 3, 4, 8, or worse?</a:t>
             </a:r>
           </a:p>
           <a:p>
@@ -21060,8 +22593,8 @@
           </a:p>
         </p:txBody>
       </p:sp>
-      <mc:AlternateContent xmlns:mc="http://schemas.openxmlformats.org/markup-compatibility/2006" xmlns:a14="http://schemas.microsoft.com/office/drawing/2010/main">
-        <mc:Choice Requires="a14">
+      <mc:AlternateContent xmlns:mc="http://schemas.openxmlformats.org/markup-compatibility/2006">
+        <mc:Choice xmlns:a14="http://schemas.microsoft.com/office/drawing/2010/main" Requires="a14">
           <p:sp>
             <p:nvSpPr>
               <p:cNvPr id="3" name="Content Placeholder 2"/>
@@ -21085,7 +22618,7 @@
               <a:p>
                 <a:r>
                   <a:rPr lang="en-US" dirty="0"/>
-                  <a:t>Charge two operations for each iteration to a single element in a</a:t>
+                  <a:t>Charge two operations to a single element for each iteration </a:t>
                 </a:r>
                 <a:br>
                   <a:rPr lang="en-US" dirty="0"/>
@@ -21173,7 +22706,7 @@
             </p:txBody>
           </p:sp>
         </mc:Choice>
-        <mc:Fallback xmlns="">
+        <mc:Fallback>
           <p:sp>
             <p:nvSpPr>
               <p:cNvPr id="3" name="Content Placeholder 2"/>
@@ -21185,10 +22718,10 @@
               </p:nvPr>
             </p:nvSpPr>
             <p:spPr>
-              <a:blipFill rotWithShape="0">
+              <a:blipFill>
                 <a:blip r:embed="rId2"/>
                 <a:stretch>
-                  <a:fillRect l="-1043" t="-2381" r="-1101"/>
+                  <a:fillRect l="-965" t="-2632"/>
                 </a:stretch>
               </a:blipFill>
             </p:spPr>

--- a/notes/complexity.pptx
+++ b/notes/complexity.pptx
@@ -5,10 +5,10 @@
     <p:sldMasterId id="2147483648" r:id="rId1"/>
   </p:sldMasterIdLst>
   <p:notesMasterIdLst>
-    <p:notesMasterId r:id="rId31"/>
+    <p:notesMasterId r:id="rId29"/>
   </p:notesMasterIdLst>
   <p:handoutMasterIdLst>
-    <p:handoutMasterId r:id="rId32"/>
+    <p:handoutMasterId r:id="rId30"/>
   </p:handoutMasterIdLst>
   <p:sldIdLst>
     <p:sldId id="256" r:id="rId2"/>
@@ -37,9 +37,7 @@
     <p:sldId id="291" r:id="rId25"/>
     <p:sldId id="294" r:id="rId26"/>
     <p:sldId id="292" r:id="rId27"/>
-    <p:sldId id="290" r:id="rId28"/>
-    <p:sldId id="293" r:id="rId29"/>
-    <p:sldId id="295" r:id="rId30"/>
+    <p:sldId id="295" r:id="rId28"/>
   </p:sldIdLst>
   <p:sldSz cx="12192000" cy="6858000"/>
   <p:notesSz cx="9144000" cy="6858000"/>
@@ -231,7 +229,7 @@
           <a:p>
             <a:fld id="{8A1B613A-EFF1-404F-BEE8-EFAE84A4E5E2}" type="datetimeFigureOut">
               <a:rPr lang="en-US" smtClean="0"/>
-              <a:t>1/30/19</a:t>
+              <a:t>2/4/19</a:t>
             </a:fld>
             <a:endParaRPr lang="en-US"/>
           </a:p>
@@ -396,7 +394,7 @@
           <a:p>
             <a:fld id="{690847EA-AC25-3D4E-89E1-FD3F6A9702B6}" type="datetimeFigureOut">
               <a:rPr lang="en-US" smtClean="0"/>
-              <a:t>1/30/19</a:t>
+              <a:t>2/4/19</a:t>
             </a:fld>
             <a:endParaRPr lang="en-US"/>
           </a:p>
@@ -926,7 +924,7 @@
           <a:p>
             <a:fld id="{BE5295ED-3BAF-1140-8495-3D368771D6B1}" type="datetimeFigureOut">
               <a:rPr lang="en-US" smtClean="0"/>
-              <a:t>1/30/19</a:t>
+              <a:t>2/4/19</a:t>
             </a:fld>
             <a:endParaRPr lang="en-US"/>
           </a:p>
@@ -1154,7 +1152,7 @@
           <a:p>
             <a:fld id="{BE5295ED-3BAF-1140-8495-3D368771D6B1}" type="datetimeFigureOut">
               <a:rPr lang="en-US" smtClean="0"/>
-              <a:t>1/30/19</a:t>
+              <a:t>2/4/19</a:t>
             </a:fld>
             <a:endParaRPr lang="en-US"/>
           </a:p>
@@ -1362,7 +1360,7 @@
           <a:p>
             <a:fld id="{BE5295ED-3BAF-1140-8495-3D368771D6B1}" type="datetimeFigureOut">
               <a:rPr lang="en-US" smtClean="0"/>
-              <a:t>1/30/19</a:t>
+              <a:t>2/4/19</a:t>
             </a:fld>
             <a:endParaRPr lang="en-US"/>
           </a:p>
@@ -1560,7 +1558,7 @@
           <a:p>
             <a:fld id="{BE5295ED-3BAF-1140-8495-3D368771D6B1}" type="datetimeFigureOut">
               <a:rPr lang="en-US" smtClean="0"/>
-              <a:t>1/30/19</a:t>
+              <a:t>2/4/19</a:t>
             </a:fld>
             <a:endParaRPr lang="en-US"/>
           </a:p>
@@ -1835,7 +1833,7 @@
           <a:p>
             <a:fld id="{BE5295ED-3BAF-1140-8495-3D368771D6B1}" type="datetimeFigureOut">
               <a:rPr lang="en-US" smtClean="0"/>
-              <a:t>1/30/19</a:t>
+              <a:t>2/4/19</a:t>
             </a:fld>
             <a:endParaRPr lang="en-US"/>
           </a:p>
@@ -2100,7 +2098,7 @@
           <a:p>
             <a:fld id="{BE5295ED-3BAF-1140-8495-3D368771D6B1}" type="datetimeFigureOut">
               <a:rPr lang="en-US" smtClean="0"/>
-              <a:t>1/30/19</a:t>
+              <a:t>2/4/19</a:t>
             </a:fld>
             <a:endParaRPr lang="en-US"/>
           </a:p>
@@ -2512,7 +2510,7 @@
           <a:p>
             <a:fld id="{BE5295ED-3BAF-1140-8495-3D368771D6B1}" type="datetimeFigureOut">
               <a:rPr lang="en-US" smtClean="0"/>
-              <a:t>1/30/19</a:t>
+              <a:t>2/4/19</a:t>
             </a:fld>
             <a:endParaRPr lang="en-US"/>
           </a:p>
@@ -2653,7 +2651,7 @@
           <a:p>
             <a:fld id="{BE5295ED-3BAF-1140-8495-3D368771D6B1}" type="datetimeFigureOut">
               <a:rPr lang="en-US" smtClean="0"/>
-              <a:t>1/30/19</a:t>
+              <a:t>2/4/19</a:t>
             </a:fld>
             <a:endParaRPr lang="en-US"/>
           </a:p>
@@ -2766,7 +2764,7 @@
           <a:p>
             <a:fld id="{BE5295ED-3BAF-1140-8495-3D368771D6B1}" type="datetimeFigureOut">
               <a:rPr lang="en-US" smtClean="0"/>
-              <a:t>1/30/19</a:t>
+              <a:t>2/4/19</a:t>
             </a:fld>
             <a:endParaRPr lang="en-US"/>
           </a:p>
@@ -3077,7 +3075,7 @@
           <a:p>
             <a:fld id="{BE5295ED-3BAF-1140-8495-3D368771D6B1}" type="datetimeFigureOut">
               <a:rPr lang="en-US" smtClean="0"/>
-              <a:t>1/30/19</a:t>
+              <a:t>2/4/19</a:t>
             </a:fld>
             <a:endParaRPr lang="en-US"/>
           </a:p>
@@ -3368,7 +3366,7 @@
           <a:p>
             <a:fld id="{BE5295ED-3BAF-1140-8495-3D368771D6B1}" type="datetimeFigureOut">
               <a:rPr lang="en-US" smtClean="0"/>
-              <a:t>1/30/19</a:t>
+              <a:t>2/4/19</a:t>
             </a:fld>
             <a:endParaRPr lang="en-US"/>
           </a:p>
@@ -3635,7 +3633,7 @@
           <a:p>
             <a:fld id="{BE5295ED-3BAF-1140-8495-3D368771D6B1}" type="datetimeFigureOut">
               <a:rPr lang="en-US" smtClean="0"/>
-              <a:t>1/30/19</a:t>
+              <a:t>2/4/19</a:t>
             </a:fld>
             <a:endParaRPr lang="en-US"/>
           </a:p>
@@ -4621,8 +4619,8 @@
           </a:p>
         </p:txBody>
       </p:sp>
-      <mc:AlternateContent xmlns:mc="http://schemas.openxmlformats.org/markup-compatibility/2006">
-        <mc:Choice xmlns:a14="http://schemas.microsoft.com/office/drawing/2010/main" Requires="a14">
+      <mc:AlternateContent xmlns:mc="http://schemas.openxmlformats.org/markup-compatibility/2006" xmlns:a14="http://schemas.microsoft.com/office/drawing/2010/main">
+        <mc:Choice Requires="a14">
           <p:sp>
             <p:nvSpPr>
               <p:cNvPr id="3" name="Content Placeholder 2"/>
@@ -4829,7 +4827,7 @@
             </p:txBody>
           </p:sp>
         </mc:Choice>
-        <mc:Fallback>
+        <mc:Fallback xmlns="">
           <p:sp>
             <p:nvSpPr>
               <p:cNvPr id="3" name="Content Placeholder 2"/>
@@ -11029,8 +11027,8 @@
           </a:p>
         </p:txBody>
       </p:sp>
-      <mc:AlternateContent xmlns:mc="http://schemas.openxmlformats.org/markup-compatibility/2006">
-        <mc:Choice xmlns:a14="http://schemas.microsoft.com/office/drawing/2010/main" Requires="a14">
+      <mc:AlternateContent xmlns:mc="http://schemas.openxmlformats.org/markup-compatibility/2006" xmlns:a14="http://schemas.microsoft.com/office/drawing/2010/main">
+        <mc:Choice Requires="a14">
           <p:sp>
             <p:nvSpPr>
               <p:cNvPr id="3" name="Content Placeholder 2"/>
@@ -11178,7 +11176,7 @@
             </p:txBody>
           </p:sp>
         </mc:Choice>
-        <mc:Fallback>
+        <mc:Fallback xmlns="">
           <p:sp>
             <p:nvSpPr>
               <p:cNvPr id="3" name="Content Placeholder 2"/>
@@ -11898,8 +11896,8 @@
           </a:p>
         </p:txBody>
       </p:sp>
-      <mc:AlternateContent xmlns:mc="http://schemas.openxmlformats.org/markup-compatibility/2006">
-        <mc:Choice xmlns:a14="http://schemas.microsoft.com/office/drawing/2010/main" Requires="a14">
+      <mc:AlternateContent xmlns:mc="http://schemas.openxmlformats.org/markup-compatibility/2006" xmlns:a14="http://schemas.microsoft.com/office/drawing/2010/main">
+        <mc:Choice Requires="a14">
           <p:sp>
             <p:nvSpPr>
               <p:cNvPr id="3" name="Content Placeholder 2"/>
@@ -11995,7 +11993,7 @@
             </p:txBody>
           </p:sp>
         </mc:Choice>
-        <mc:Fallback>
+        <mc:Fallback xmlns="">
           <p:sp>
             <p:nvSpPr>
               <p:cNvPr id="3" name="Content Placeholder 2"/>
@@ -20089,8 +20087,8 @@
           </a:extLst>
         </p:spPr>
       </p:pic>
-      <mc:AlternateContent xmlns:mc="http://schemas.openxmlformats.org/markup-compatibility/2006">
-        <mc:Choice xmlns:a14="http://schemas.microsoft.com/office/drawing/2010/main" Requires="a14">
+      <mc:AlternateContent xmlns:mc="http://schemas.openxmlformats.org/markup-compatibility/2006" xmlns:a14="http://schemas.microsoft.com/office/drawing/2010/main">
+        <mc:Choice Requires="a14">
           <p:sp>
             <p:nvSpPr>
               <p:cNvPr id="8" name="Content Placeholder 2">
@@ -20277,7 +20275,7 @@
             </p:txBody>
           </p:sp>
         </mc:Choice>
-        <mc:Fallback>
+        <mc:Fallback xmlns="">
           <p:sp>
             <p:nvSpPr>
               <p:cNvPr id="8" name="Content Placeholder 2">
@@ -20576,8 +20574,8 @@
           </a:extLst>
         </p:spPr>
       </p:pic>
-      <mc:AlternateContent xmlns:mc="http://schemas.openxmlformats.org/markup-compatibility/2006">
-        <mc:Choice xmlns:a14="http://schemas.microsoft.com/office/drawing/2010/main" Requires="a14">
+      <mc:AlternateContent xmlns:mc="http://schemas.openxmlformats.org/markup-compatibility/2006" xmlns:a14="http://schemas.microsoft.com/office/drawing/2010/main">
+        <mc:Choice Requires="a14">
           <p:sp>
             <p:nvSpPr>
               <p:cNvPr id="6" name="Content Placeholder 2">
@@ -21065,7 +21063,7 @@
             </p:txBody>
           </p:sp>
         </mc:Choice>
-        <mc:Fallback>
+        <mc:Fallback xmlns="">
           <p:sp>
             <p:nvSpPr>
               <p:cNvPr id="6" name="Content Placeholder 2">
@@ -21154,800 +21152,244 @@
   <p:clrMapOvr>
     <a:masterClrMapping/>
   </p:clrMapOvr>
+  <p:timing>
+    <p:tnLst>
+      <p:par>
+        <p:cTn id="1" dur="indefinite" restart="never" nodeType="tmRoot">
+          <p:childTnLst>
+            <p:seq concurrent="1" nextAc="seek">
+              <p:cTn id="2" dur="indefinite" nodeType="mainSeq">
+                <p:childTnLst>
+                  <p:par>
+                    <p:cTn id="3" fill="hold">
+                      <p:stCondLst>
+                        <p:cond delay="indefinite"/>
+                      </p:stCondLst>
+                      <p:childTnLst>
+                        <p:par>
+                          <p:cTn id="4" fill="hold">
+                            <p:stCondLst>
+                              <p:cond delay="0"/>
+                            </p:stCondLst>
+                            <p:childTnLst>
+                              <p:par>
+                                <p:cTn id="5" presetID="1" presetClass="entr" presetSubtype="0" fill="hold" nodeType="clickEffect">
+                                  <p:stCondLst>
+                                    <p:cond delay="0"/>
+                                  </p:stCondLst>
+                                  <p:childTnLst>
+                                    <p:set>
+                                      <p:cBhvr>
+                                        <p:cTn id="6" dur="1" fill="hold">
+                                          <p:stCondLst>
+                                            <p:cond delay="0"/>
+                                          </p:stCondLst>
+                                        </p:cTn>
+                                        <p:tgtEl>
+                                          <p:spTgt spid="6">
+                                            <p:txEl>
+                                              <p:pRg st="3" end="3"/>
+                                            </p:txEl>
+                                          </p:spTgt>
+                                        </p:tgtEl>
+                                        <p:attrNameLst>
+                                          <p:attrName>style.visibility</p:attrName>
+                                        </p:attrNameLst>
+                                      </p:cBhvr>
+                                      <p:to>
+                                        <p:strVal val="visible"/>
+                                      </p:to>
+                                    </p:set>
+                                  </p:childTnLst>
+                                </p:cTn>
+                              </p:par>
+                              <p:par>
+                                <p:cTn id="7" presetID="1" presetClass="entr" presetSubtype="0" fill="hold" nodeType="withEffect">
+                                  <p:stCondLst>
+                                    <p:cond delay="0"/>
+                                  </p:stCondLst>
+                                  <p:childTnLst>
+                                    <p:set>
+                                      <p:cBhvr>
+                                        <p:cTn id="8" dur="1" fill="hold">
+                                          <p:stCondLst>
+                                            <p:cond delay="0"/>
+                                          </p:stCondLst>
+                                        </p:cTn>
+                                        <p:tgtEl>
+                                          <p:spTgt spid="6">
+                                            <p:txEl>
+                                              <p:pRg st="4" end="4"/>
+                                            </p:txEl>
+                                          </p:spTgt>
+                                        </p:tgtEl>
+                                        <p:attrNameLst>
+                                          <p:attrName>style.visibility</p:attrName>
+                                        </p:attrNameLst>
+                                      </p:cBhvr>
+                                      <p:to>
+                                        <p:strVal val="visible"/>
+                                      </p:to>
+                                    </p:set>
+                                  </p:childTnLst>
+                                </p:cTn>
+                              </p:par>
+                              <p:par>
+                                <p:cTn id="9" presetID="1" presetClass="entr" presetSubtype="0" fill="hold" nodeType="withEffect">
+                                  <p:stCondLst>
+                                    <p:cond delay="0"/>
+                                  </p:stCondLst>
+                                  <p:childTnLst>
+                                    <p:set>
+                                      <p:cBhvr>
+                                        <p:cTn id="10" dur="1" fill="hold">
+                                          <p:stCondLst>
+                                            <p:cond delay="0"/>
+                                          </p:stCondLst>
+                                        </p:cTn>
+                                        <p:tgtEl>
+                                          <p:spTgt spid="6">
+                                            <p:txEl>
+                                              <p:pRg st="5" end="5"/>
+                                            </p:txEl>
+                                          </p:spTgt>
+                                        </p:tgtEl>
+                                        <p:attrNameLst>
+                                          <p:attrName>style.visibility</p:attrName>
+                                        </p:attrNameLst>
+                                      </p:cBhvr>
+                                      <p:to>
+                                        <p:strVal val="visible"/>
+                                      </p:to>
+                                    </p:set>
+                                  </p:childTnLst>
+                                </p:cTn>
+                              </p:par>
+                              <p:par>
+                                <p:cTn id="11" presetID="1" presetClass="entr" presetSubtype="0" fill="hold" nodeType="withEffect">
+                                  <p:stCondLst>
+                                    <p:cond delay="0"/>
+                                  </p:stCondLst>
+                                  <p:childTnLst>
+                                    <p:set>
+                                      <p:cBhvr>
+                                        <p:cTn id="12" dur="1" fill="hold">
+                                          <p:stCondLst>
+                                            <p:cond delay="0"/>
+                                          </p:stCondLst>
+                                        </p:cTn>
+                                        <p:tgtEl>
+                                          <p:spTgt spid="6">
+                                            <p:txEl>
+                                              <p:pRg st="6" end="6"/>
+                                            </p:txEl>
+                                          </p:spTgt>
+                                        </p:tgtEl>
+                                        <p:attrNameLst>
+                                          <p:attrName>style.visibility</p:attrName>
+                                        </p:attrNameLst>
+                                      </p:cBhvr>
+                                      <p:to>
+                                        <p:strVal val="visible"/>
+                                      </p:to>
+                                    </p:set>
+                                  </p:childTnLst>
+                                </p:cTn>
+                              </p:par>
+                              <p:par>
+                                <p:cTn id="13" presetID="1" presetClass="entr" presetSubtype="0" fill="hold" nodeType="withEffect">
+                                  <p:stCondLst>
+                                    <p:cond delay="0"/>
+                                  </p:stCondLst>
+                                  <p:childTnLst>
+                                    <p:set>
+                                      <p:cBhvr>
+                                        <p:cTn id="14" dur="1" fill="hold">
+                                          <p:stCondLst>
+                                            <p:cond delay="0"/>
+                                          </p:stCondLst>
+                                        </p:cTn>
+                                        <p:tgtEl>
+                                          <p:spTgt spid="6">
+                                            <p:txEl>
+                                              <p:pRg st="7" end="7"/>
+                                            </p:txEl>
+                                          </p:spTgt>
+                                        </p:tgtEl>
+                                        <p:attrNameLst>
+                                          <p:attrName>style.visibility</p:attrName>
+                                        </p:attrNameLst>
+                                      </p:cBhvr>
+                                      <p:to>
+                                        <p:strVal val="visible"/>
+                                      </p:to>
+                                    </p:set>
+                                  </p:childTnLst>
+                                </p:cTn>
+                              </p:par>
+                              <p:par>
+                                <p:cTn id="15" presetID="1" presetClass="entr" presetSubtype="0" fill="hold" nodeType="withEffect">
+                                  <p:stCondLst>
+                                    <p:cond delay="0"/>
+                                  </p:stCondLst>
+                                  <p:childTnLst>
+                                    <p:set>
+                                      <p:cBhvr>
+                                        <p:cTn id="16" dur="1" fill="hold">
+                                          <p:stCondLst>
+                                            <p:cond delay="0"/>
+                                          </p:stCondLst>
+                                        </p:cTn>
+                                        <p:tgtEl>
+                                          <p:spTgt spid="6">
+                                            <p:txEl>
+                                              <p:pRg st="8" end="8"/>
+                                            </p:txEl>
+                                          </p:spTgt>
+                                        </p:tgtEl>
+                                        <p:attrNameLst>
+                                          <p:attrName>style.visibility</p:attrName>
+                                        </p:attrNameLst>
+                                      </p:cBhvr>
+                                      <p:to>
+                                        <p:strVal val="visible"/>
+                                      </p:to>
+                                    </p:set>
+                                  </p:childTnLst>
+                                </p:cTn>
+                              </p:par>
+                            </p:childTnLst>
+                          </p:cTn>
+                        </p:par>
+                      </p:childTnLst>
+                    </p:cTn>
+                  </p:par>
+                </p:childTnLst>
+              </p:cTn>
+              <p:prevCondLst>
+                <p:cond evt="onPrev" delay="0">
+                  <p:tgtEl>
+                    <p:sldTgt/>
+                  </p:tgtEl>
+                </p:cond>
+              </p:prevCondLst>
+              <p:nextCondLst>
+                <p:cond evt="onNext" delay="0">
+                  <p:tgtEl>
+                    <p:sldTgt/>
+                  </p:tgtEl>
+                </p:cond>
+              </p:nextCondLst>
+            </p:seq>
+          </p:childTnLst>
+        </p:cTn>
+      </p:par>
+    </p:tnLst>
+  </p:timing>
 </p:sld>
 </file>
 
 <file path=ppt/slides/slide27.xml><?xml version="1.0" encoding="utf-8"?>
-<p:sld xmlns:a="http://schemas.openxmlformats.org/drawingml/2006/main" xmlns:r="http://schemas.openxmlformats.org/officeDocument/2006/relationships" xmlns:p="http://schemas.openxmlformats.org/presentationml/2006/main">
-  <p:cSld>
-    <p:spTree>
-      <p:nvGrpSpPr>
-        <p:cNvPr id="1" name=""/>
-        <p:cNvGrpSpPr/>
-        <p:nvPr/>
-      </p:nvGrpSpPr>
-      <p:grpSpPr>
-        <a:xfrm>
-          <a:off x="0" y="0"/>
-          <a:ext cx="0" cy="0"/>
-          <a:chOff x="0" y="0"/>
-          <a:chExt cx="0" cy="0"/>
-        </a:xfrm>
-      </p:grpSpPr>
-      <p:sp>
-        <p:nvSpPr>
-          <p:cNvPr id="9" name="Title 1"/>
-          <p:cNvSpPr>
-            <a:spLocks noGrp="1"/>
-          </p:cNvSpPr>
-          <p:nvPr>
-            <p:ph type="title"/>
-          </p:nvPr>
-        </p:nvSpPr>
-        <p:spPr>
-          <a:xfrm>
-            <a:off x="838200" y="365125"/>
-            <a:ext cx="10515600" cy="1325563"/>
-          </a:xfrm>
-        </p:spPr>
-        <p:txBody>
-          <a:bodyPr/>
-          <a:lstStyle/>
-          <a:p>
-            <a:r>
-              <a:rPr lang="en-US" i="1" dirty="0"/>
-              <a:t>Binary search</a:t>
-            </a:r>
-          </a:p>
-        </p:txBody>
-      </p:sp>
-      <p:sp>
-        <p:nvSpPr>
-          <p:cNvPr id="10" name="Content Placeholder 2"/>
-          <p:cNvSpPr>
-            <a:spLocks noGrp="1"/>
-          </p:cNvSpPr>
-          <p:nvPr>
-            <p:ph idx="1"/>
-          </p:nvPr>
-        </p:nvSpPr>
-        <p:spPr>
-          <a:xfrm>
-            <a:off x="838199" y="1550020"/>
-            <a:ext cx="10836349" cy="4626943"/>
-          </a:xfrm>
-        </p:spPr>
-        <p:txBody>
-          <a:bodyPr/>
-          <a:lstStyle/>
-          <a:p>
-            <a:r>
-              <a:rPr lang="en-US" dirty="0"/>
-              <a:t>If we know data is sorted, we can search much faster than linearly</a:t>
-            </a:r>
-          </a:p>
-          <a:p>
-            <a:r>
-              <a:rPr lang="en-US" dirty="0"/>
-              <a:t>Means we don’t have to examine every element even worst-case</a:t>
-            </a:r>
-          </a:p>
-        </p:txBody>
-      </p:sp>
-      <p:pic>
-        <p:nvPicPr>
-          <p:cNvPr id="11" name="Picture 10"/>
-          <p:cNvPicPr>
-            <a:picLocks noChangeAspect="1"/>
-          </p:cNvPicPr>
-          <p:nvPr/>
-        </p:nvPicPr>
-        <p:blipFill>
-          <a:blip r:embed="rId2">
-            <a:extLst>
-              <a:ext uri="{28A0092B-C50C-407E-A947-70E740481C1C}">
-                <a14:useLocalDpi xmlns:a14="http://schemas.microsoft.com/office/drawing/2010/main" val="0"/>
-              </a:ext>
-            </a:extLst>
-          </a:blip>
-          <a:stretch>
-            <a:fillRect/>
-          </a:stretch>
-        </p:blipFill>
-        <p:spPr>
-          <a:xfrm>
-            <a:off x="7848852" y="2764499"/>
-            <a:ext cx="3649215" cy="2713112"/>
-          </a:xfrm>
-          <a:prstGeom prst="rect">
-            <a:avLst/>
-          </a:prstGeom>
-        </p:spPr>
-      </p:pic>
-      <p:sp>
-        <p:nvSpPr>
-          <p:cNvPr id="12" name="Rectangle 11"/>
-          <p:cNvSpPr/>
-          <p:nvPr/>
-        </p:nvSpPr>
-        <p:spPr>
-          <a:xfrm>
-            <a:off x="297415" y="6311900"/>
-            <a:ext cx="7453720" cy="307777"/>
-          </a:xfrm>
-          <a:prstGeom prst="rect">
-            <a:avLst/>
-          </a:prstGeom>
-        </p:spPr>
-        <p:txBody>
-          <a:bodyPr wrap="square">
-            <a:spAutoFit/>
-          </a:bodyPr>
-          <a:lstStyle/>
-          <a:p>
-            <a:r>
-              <a:rPr lang="en-US" sz="1400"/>
-              <a:t>See http</a:t>
-            </a:r>
-            <a:r>
-              <a:rPr lang="en-US" sz="1400" dirty="0"/>
-              <a:t>://</a:t>
-            </a:r>
-            <a:r>
-              <a:rPr lang="en-US" sz="1400" dirty="0" err="1"/>
-              <a:t>interactivepython.org</a:t>
-            </a:r>
-            <a:r>
-              <a:rPr lang="en-US" sz="1400" dirty="0"/>
-              <a:t>/</a:t>
-            </a:r>
-            <a:r>
-              <a:rPr lang="en-US" sz="1400" dirty="0" err="1"/>
-              <a:t>runestone</a:t>
-            </a:r>
-            <a:r>
-              <a:rPr lang="en-US" sz="1400" dirty="0"/>
-              <a:t>/static/</a:t>
-            </a:r>
-            <a:r>
-              <a:rPr lang="en-US" sz="1400" dirty="0" err="1"/>
-              <a:t>pythonds</a:t>
-            </a:r>
-            <a:r>
-              <a:rPr lang="en-US" sz="1400" dirty="0"/>
-              <a:t>/</a:t>
-            </a:r>
-            <a:r>
-              <a:rPr lang="en-US" sz="1400" dirty="0" err="1"/>
-              <a:t>SortSearch</a:t>
-            </a:r>
-            <a:r>
-              <a:rPr lang="en-US" sz="1400" dirty="0"/>
-              <a:t>/</a:t>
-            </a:r>
-            <a:r>
-              <a:rPr lang="en-US" sz="1400" dirty="0" err="1"/>
-              <a:t>TheBinarySearch.html</a:t>
-            </a:r>
-            <a:endParaRPr lang="en-US" sz="1400" dirty="0"/>
-          </a:p>
-        </p:txBody>
-      </p:sp>
-      <p:sp>
-        <p:nvSpPr>
-          <p:cNvPr id="13" name="TextBox 12"/>
-          <p:cNvSpPr txBox="1"/>
-          <p:nvPr/>
-        </p:nvSpPr>
-        <p:spPr>
-          <a:xfrm>
-            <a:off x="867719" y="2720672"/>
-            <a:ext cx="6313111" cy="2800767"/>
-          </a:xfrm>
-          <a:prstGeom prst="rect">
-            <a:avLst/>
-          </a:prstGeom>
-          <a:noFill/>
-          <a:ln>
-            <a:solidFill>
-              <a:schemeClr val="accent1"/>
-            </a:solidFill>
-          </a:ln>
-        </p:spPr>
-        <p:txBody>
-          <a:bodyPr wrap="square" rtlCol="0">
-            <a:spAutoFit/>
-          </a:bodyPr>
-          <a:lstStyle/>
-          <a:p>
-            <a:r>
-              <a:rPr lang="en-US" sz="2200" dirty="0">
-                <a:latin typeface="Monaco" charset="0"/>
-                <a:ea typeface="Monaco" charset="0"/>
-                <a:cs typeface="Monaco" charset="0"/>
-              </a:rPr>
-              <a:t>def </a:t>
-            </a:r>
-            <a:r>
-              <a:rPr lang="en-US" sz="2200" dirty="0" err="1">
-                <a:latin typeface="Monaco" charset="0"/>
-                <a:ea typeface="Monaco" charset="0"/>
-                <a:cs typeface="Monaco" charset="0"/>
-              </a:rPr>
-              <a:t>binsearch</a:t>
-            </a:r>
-            <a:r>
-              <a:rPr lang="en-US" sz="2200" dirty="0">
-                <a:latin typeface="Monaco" charset="0"/>
-                <a:ea typeface="Monaco" charset="0"/>
-                <a:cs typeface="Monaco" charset="0"/>
-              </a:rPr>
-              <a:t>(</a:t>
-            </a:r>
-            <a:r>
-              <a:rPr lang="en-US" sz="2200" dirty="0" err="1">
-                <a:latin typeface="Monaco" charset="0"/>
-                <a:ea typeface="Monaco" charset="0"/>
-                <a:cs typeface="Monaco" charset="0"/>
-              </a:rPr>
-              <a:t>a,x</a:t>
-            </a:r>
-            <a:r>
-              <a:rPr lang="en-US" sz="2200" dirty="0">
-                <a:latin typeface="Monaco" charset="0"/>
-                <a:ea typeface="Monaco" charset="0"/>
-                <a:cs typeface="Monaco" charset="0"/>
-              </a:rPr>
-              <a:t>):</a:t>
-            </a:r>
-          </a:p>
-          <a:p>
-            <a:r>
-              <a:rPr lang="en-US" sz="2200" dirty="0">
-                <a:latin typeface="Monaco" charset="0"/>
-                <a:ea typeface="Monaco" charset="0"/>
-                <a:cs typeface="Monaco" charset="0"/>
-              </a:rPr>
-              <a:t>    left = 0; right = </a:t>
-            </a:r>
-            <a:r>
-              <a:rPr lang="en-US" sz="2200" dirty="0" err="1">
-                <a:latin typeface="Monaco" charset="0"/>
-                <a:ea typeface="Monaco" charset="0"/>
-                <a:cs typeface="Monaco" charset="0"/>
-              </a:rPr>
-              <a:t>len</a:t>
-            </a:r>
-            <a:r>
-              <a:rPr lang="en-US" sz="2200" dirty="0">
-                <a:latin typeface="Monaco" charset="0"/>
-                <a:ea typeface="Monaco" charset="0"/>
-                <a:cs typeface="Monaco" charset="0"/>
-              </a:rPr>
-              <a:t>(a)-1</a:t>
-            </a:r>
-          </a:p>
-          <a:p>
-            <a:r>
-              <a:rPr lang="en-US" sz="2200" dirty="0">
-                <a:latin typeface="Monaco" charset="0"/>
-                <a:ea typeface="Monaco" charset="0"/>
-                <a:cs typeface="Monaco" charset="0"/>
-              </a:rPr>
-              <a:t>    while left&lt;=right:    </a:t>
-            </a:r>
-          </a:p>
-          <a:p>
-            <a:r>
-              <a:rPr lang="en-US" sz="2200" dirty="0">
-                <a:latin typeface="Monaco" charset="0"/>
-                <a:ea typeface="Monaco" charset="0"/>
-                <a:cs typeface="Monaco" charset="0"/>
-              </a:rPr>
-              <a:t>        mid = </a:t>
-            </a:r>
-            <a:r>
-              <a:rPr lang="en-US" sz="2200" dirty="0" err="1">
-                <a:latin typeface="Monaco" charset="0"/>
-                <a:ea typeface="Monaco" charset="0"/>
-                <a:cs typeface="Monaco" charset="0"/>
-              </a:rPr>
-              <a:t>int</a:t>
-            </a:r>
-            <a:r>
-              <a:rPr lang="en-US" sz="2200" dirty="0">
-                <a:latin typeface="Monaco" charset="0"/>
-                <a:ea typeface="Monaco" charset="0"/>
-                <a:cs typeface="Monaco" charset="0"/>
-              </a:rPr>
-              <a:t>((left + right)/2)</a:t>
-            </a:r>
-          </a:p>
-          <a:p>
-            <a:r>
-              <a:rPr lang="en-US" sz="2200" dirty="0">
-                <a:latin typeface="Monaco" charset="0"/>
-                <a:ea typeface="Monaco" charset="0"/>
-                <a:cs typeface="Monaco" charset="0"/>
-              </a:rPr>
-              <a:t>        if a[mid]==x: return mid </a:t>
-            </a:r>
-          </a:p>
-          <a:p>
-            <a:r>
-              <a:rPr lang="en-US" sz="2200" dirty="0">
-                <a:latin typeface="Monaco" charset="0"/>
-                <a:ea typeface="Monaco" charset="0"/>
-                <a:cs typeface="Monaco" charset="0"/>
-              </a:rPr>
-              <a:t>        if x &lt; a[mid]: right = mid-1</a:t>
-            </a:r>
-          </a:p>
-          <a:p>
-            <a:r>
-              <a:rPr lang="en-US" sz="2200" dirty="0">
-                <a:latin typeface="Monaco" charset="0"/>
-                <a:ea typeface="Monaco" charset="0"/>
-                <a:cs typeface="Monaco" charset="0"/>
-              </a:rPr>
-              <a:t>        else: left = mid+1</a:t>
-            </a:r>
-          </a:p>
-          <a:p>
-            <a:r>
-              <a:rPr lang="en-US" sz="2200" dirty="0">
-                <a:latin typeface="Monaco" charset="0"/>
-                <a:ea typeface="Monaco" charset="0"/>
-                <a:cs typeface="Monaco" charset="0"/>
-              </a:rPr>
-              <a:t>    return -1</a:t>
-            </a:r>
-          </a:p>
-        </p:txBody>
-      </p:sp>
-      <p:sp>
-        <p:nvSpPr>
-          <p:cNvPr id="14" name="Rectangle 13"/>
-          <p:cNvSpPr/>
-          <p:nvPr/>
-        </p:nvSpPr>
-        <p:spPr>
-          <a:xfrm>
-            <a:off x="297415" y="5715298"/>
-            <a:ext cx="10230686" cy="461665"/>
-          </a:xfrm>
-          <a:prstGeom prst="rect">
-            <a:avLst/>
-          </a:prstGeom>
-        </p:spPr>
-        <p:txBody>
-          <a:bodyPr wrap="none">
-            <a:spAutoFit/>
-          </a:bodyPr>
-          <a:lstStyle/>
-          <a:p>
-            <a:r>
-              <a:rPr lang="en-US" sz="2400" dirty="0">
-                <a:solidFill>
-                  <a:srgbClr val="C00000"/>
-                </a:solidFill>
-              </a:rPr>
-              <a:t>Exercise</a:t>
-            </a:r>
-            <a:r>
-              <a:rPr lang="en-US" sz="2400" dirty="0"/>
-              <a:t>: What is complexity? Show recurrence relation then closed form.</a:t>
-            </a:r>
-          </a:p>
-        </p:txBody>
-      </p:sp>
-    </p:spTree>
-    <p:extLst>
-      <p:ext uri="{BB962C8B-B14F-4D97-AF65-F5344CB8AC3E}">
-        <p14:creationId xmlns:p14="http://schemas.microsoft.com/office/powerpoint/2010/main" val="1016287165"/>
-      </p:ext>
-    </p:extLst>
-  </p:cSld>
-  <p:clrMapOvr>
-    <a:masterClrMapping/>
-  </p:clrMapOvr>
-</p:sld>
-</file>
-
-<file path=ppt/slides/slide28.xml><?xml version="1.0" encoding="utf-8"?>
-<p:sld xmlns:a="http://schemas.openxmlformats.org/drawingml/2006/main" xmlns:r="http://schemas.openxmlformats.org/officeDocument/2006/relationships" xmlns:p="http://schemas.openxmlformats.org/presentationml/2006/main">
-  <p:cSld>
-    <p:spTree>
-      <p:nvGrpSpPr>
-        <p:cNvPr id="1" name=""/>
-        <p:cNvGrpSpPr/>
-        <p:nvPr/>
-      </p:nvGrpSpPr>
-      <p:grpSpPr>
-        <a:xfrm>
-          <a:off x="0" y="0"/>
-          <a:ext cx="0" cy="0"/>
-          <a:chOff x="0" y="0"/>
-          <a:chExt cx="0" cy="0"/>
-        </a:xfrm>
-      </p:grpSpPr>
-      <p:sp>
-        <p:nvSpPr>
-          <p:cNvPr id="2" name="Title 1">
-            <a:extLst>
-              <a:ext uri="{FF2B5EF4-FFF2-40B4-BE49-F238E27FC236}">
-                <a16:creationId xmlns:a16="http://schemas.microsoft.com/office/drawing/2014/main" id="{09C1B5BB-CBC3-2E42-9D5F-75DBE3EC8D88}"/>
-              </a:ext>
-            </a:extLst>
-          </p:cNvPr>
-          <p:cNvSpPr>
-            <a:spLocks noGrp="1"/>
-          </p:cNvSpPr>
-          <p:nvPr>
-            <p:ph type="title"/>
-          </p:nvPr>
-        </p:nvSpPr>
-        <p:spPr>
-          <a:xfrm>
-            <a:off x="827926" y="129169"/>
-            <a:ext cx="10515600" cy="817385"/>
-          </a:xfrm>
-        </p:spPr>
-        <p:txBody>
-          <a:bodyPr/>
-          <a:lstStyle/>
-          <a:p>
-            <a:r>
-              <a:rPr lang="en-US" dirty="0"/>
-              <a:t>Compare to (tail-)recursive version</a:t>
-            </a:r>
-          </a:p>
-        </p:txBody>
-      </p:sp>
-      <p:sp>
-        <p:nvSpPr>
-          <p:cNvPr id="4" name="TextBox 3">
-            <a:extLst>
-              <a:ext uri="{FF2B5EF4-FFF2-40B4-BE49-F238E27FC236}">
-                <a16:creationId xmlns:a16="http://schemas.microsoft.com/office/drawing/2014/main" id="{7E7BCA4B-0623-3A41-A4D9-0AF68320BA90}"/>
-              </a:ext>
-            </a:extLst>
-          </p:cNvPr>
-          <p:cNvSpPr txBox="1"/>
-          <p:nvPr/>
-        </p:nvSpPr>
-        <p:spPr>
-          <a:xfrm>
-            <a:off x="2815119" y="4814850"/>
-            <a:ext cx="5126804" cy="1938992"/>
-          </a:xfrm>
-          <a:prstGeom prst="rect">
-            <a:avLst/>
-          </a:prstGeom>
-          <a:noFill/>
-          <a:ln>
-            <a:solidFill>
-              <a:schemeClr val="accent1"/>
-            </a:solidFill>
-          </a:ln>
-        </p:spPr>
-        <p:txBody>
-          <a:bodyPr wrap="square" rtlCol="0">
-            <a:spAutoFit/>
-          </a:bodyPr>
-          <a:lstStyle/>
-          <a:p>
-            <a:r>
-              <a:rPr lang="en-US" sz="2000" dirty="0">
-                <a:latin typeface="Monaco" charset="0"/>
-                <a:ea typeface="Monaco" charset="0"/>
-                <a:cs typeface="Monaco" charset="0"/>
-              </a:rPr>
-              <a:t>left = 0; right = </a:t>
-            </a:r>
-            <a:r>
-              <a:rPr lang="en-US" sz="2000" dirty="0" err="1">
-                <a:latin typeface="Monaco" charset="0"/>
-                <a:ea typeface="Monaco" charset="0"/>
-                <a:cs typeface="Monaco" charset="0"/>
-              </a:rPr>
-              <a:t>len</a:t>
-            </a:r>
-            <a:r>
-              <a:rPr lang="en-US" sz="2000" dirty="0">
-                <a:latin typeface="Monaco" charset="0"/>
-                <a:ea typeface="Monaco" charset="0"/>
-                <a:cs typeface="Monaco" charset="0"/>
-              </a:rPr>
-              <a:t>(a)-1</a:t>
-            </a:r>
-          </a:p>
-          <a:p>
-            <a:r>
-              <a:rPr lang="en-US" sz="2000" dirty="0">
-                <a:latin typeface="Monaco" charset="0"/>
-                <a:ea typeface="Monaco" charset="0"/>
-                <a:cs typeface="Monaco" charset="0"/>
-              </a:rPr>
-              <a:t>while left&lt;=right:    </a:t>
-            </a:r>
-          </a:p>
-          <a:p>
-            <a:r>
-              <a:rPr lang="en-US" sz="2000" dirty="0">
-                <a:latin typeface="Monaco" charset="0"/>
-                <a:ea typeface="Monaco" charset="0"/>
-                <a:cs typeface="Monaco" charset="0"/>
-              </a:rPr>
-              <a:t>    mid = </a:t>
-            </a:r>
-            <a:r>
-              <a:rPr lang="en-US" sz="2000" dirty="0" err="1">
-                <a:latin typeface="Monaco" charset="0"/>
-                <a:ea typeface="Monaco" charset="0"/>
-                <a:cs typeface="Monaco" charset="0"/>
-              </a:rPr>
-              <a:t>int</a:t>
-            </a:r>
-            <a:r>
-              <a:rPr lang="en-US" sz="2000" dirty="0">
-                <a:latin typeface="Monaco" charset="0"/>
-                <a:ea typeface="Monaco" charset="0"/>
-                <a:cs typeface="Monaco" charset="0"/>
-              </a:rPr>
-              <a:t>((left + right)/2)</a:t>
-            </a:r>
-          </a:p>
-          <a:p>
-            <a:r>
-              <a:rPr lang="en-US" sz="2000" dirty="0">
-                <a:latin typeface="Monaco" charset="0"/>
-                <a:ea typeface="Monaco" charset="0"/>
-                <a:cs typeface="Monaco" charset="0"/>
-              </a:rPr>
-              <a:t>    if a[mid]==x: return mid </a:t>
-            </a:r>
-          </a:p>
-          <a:p>
-            <a:r>
-              <a:rPr lang="en-US" sz="2000" dirty="0">
-                <a:latin typeface="Monaco" charset="0"/>
-                <a:ea typeface="Monaco" charset="0"/>
-                <a:cs typeface="Monaco" charset="0"/>
-              </a:rPr>
-              <a:t>    if x &lt; a[mid]: right = mid-1</a:t>
-            </a:r>
-          </a:p>
-          <a:p>
-            <a:r>
-              <a:rPr lang="en-US" sz="2000" dirty="0">
-                <a:latin typeface="Monaco" charset="0"/>
-                <a:ea typeface="Monaco" charset="0"/>
-                <a:cs typeface="Monaco" charset="0"/>
-              </a:rPr>
-              <a:t>    else: left = mid+1</a:t>
-            </a:r>
-          </a:p>
-        </p:txBody>
-      </p:sp>
-      <p:sp>
-        <p:nvSpPr>
-          <p:cNvPr id="5" name="TextBox 4">
-            <a:extLst>
-              <a:ext uri="{FF2B5EF4-FFF2-40B4-BE49-F238E27FC236}">
-                <a16:creationId xmlns:a16="http://schemas.microsoft.com/office/drawing/2014/main" id="{70BF3154-BC65-AF47-96F1-85EF98CC7A01}"/>
-              </a:ext>
-            </a:extLst>
-          </p:cNvPr>
-          <p:cNvSpPr txBox="1"/>
-          <p:nvPr/>
-        </p:nvSpPr>
-        <p:spPr>
-          <a:xfrm>
-            <a:off x="1605695" y="984817"/>
-            <a:ext cx="7823054" cy="3416320"/>
-          </a:xfrm>
-          <a:prstGeom prst="rect">
-            <a:avLst/>
-          </a:prstGeom>
-          <a:noFill/>
-          <a:ln>
-            <a:solidFill>
-              <a:schemeClr val="accent1"/>
-            </a:solidFill>
-          </a:ln>
-        </p:spPr>
-        <p:txBody>
-          <a:bodyPr wrap="square" rtlCol="0">
-            <a:spAutoFit/>
-          </a:bodyPr>
-          <a:lstStyle/>
-          <a:p>
-            <a:r>
-              <a:rPr lang="en-US" sz="2400" dirty="0">
-                <a:latin typeface="Monaco" charset="0"/>
-                <a:ea typeface="Monaco" charset="0"/>
-                <a:cs typeface="Monaco" charset="0"/>
-              </a:rPr>
-              <a:t>def </a:t>
-            </a:r>
-            <a:r>
-              <a:rPr lang="en-US" sz="2400" dirty="0" err="1">
-                <a:latin typeface="Monaco" charset="0"/>
-                <a:ea typeface="Monaco" charset="0"/>
-                <a:cs typeface="Monaco" charset="0"/>
-              </a:rPr>
-              <a:t>binsearch</a:t>
-            </a:r>
-            <a:r>
-              <a:rPr lang="en-US" sz="2400" dirty="0">
-                <a:latin typeface="Monaco" charset="0"/>
-                <a:ea typeface="Monaco" charset="0"/>
-                <a:cs typeface="Monaco" charset="0"/>
-              </a:rPr>
-              <a:t>(</a:t>
-            </a:r>
-            <a:r>
-              <a:rPr lang="en-US" sz="2400" dirty="0" err="1">
-                <a:latin typeface="Monaco" charset="0"/>
-                <a:ea typeface="Monaco" charset="0"/>
-                <a:cs typeface="Monaco" charset="0"/>
-              </a:rPr>
-              <a:t>a,x,left,right</a:t>
-            </a:r>
-            <a:r>
-              <a:rPr lang="en-US" sz="2400" dirty="0">
-                <a:latin typeface="Monaco" charset="0"/>
-                <a:ea typeface="Monaco" charset="0"/>
-                <a:cs typeface="Monaco" charset="0"/>
-              </a:rPr>
-              <a:t>):</a:t>
-            </a:r>
-          </a:p>
-          <a:p>
-            <a:r>
-              <a:rPr lang="en-US" sz="2400" dirty="0">
-                <a:latin typeface="Monaco" charset="0"/>
-                <a:ea typeface="Monaco" charset="0"/>
-                <a:cs typeface="Monaco" charset="0"/>
-              </a:rPr>
-              <a:t>    print(left, right)</a:t>
-            </a:r>
-          </a:p>
-          <a:p>
-            <a:r>
-              <a:rPr lang="en-US" sz="2400" dirty="0">
-                <a:latin typeface="Monaco" charset="0"/>
-                <a:ea typeface="Monaco" charset="0"/>
-                <a:cs typeface="Monaco" charset="0"/>
-              </a:rPr>
-              <a:t>    if left &gt; right: return -1</a:t>
-            </a:r>
-          </a:p>
-          <a:p>
-            <a:r>
-              <a:rPr lang="en-US" sz="2400" dirty="0">
-                <a:latin typeface="Monaco" charset="0"/>
-                <a:ea typeface="Monaco" charset="0"/>
-                <a:cs typeface="Monaco" charset="0"/>
-              </a:rPr>
-              <a:t>    mid = </a:t>
-            </a:r>
-            <a:r>
-              <a:rPr lang="en-US" sz="2400" dirty="0" err="1">
-                <a:latin typeface="Monaco" charset="0"/>
-                <a:ea typeface="Monaco" charset="0"/>
-                <a:cs typeface="Monaco" charset="0"/>
-              </a:rPr>
-              <a:t>int</a:t>
-            </a:r>
-            <a:r>
-              <a:rPr lang="en-US" sz="2400" dirty="0">
-                <a:latin typeface="Monaco" charset="0"/>
-                <a:ea typeface="Monaco" charset="0"/>
-                <a:cs typeface="Monaco" charset="0"/>
-              </a:rPr>
-              <a:t>((left + right)/2)</a:t>
-            </a:r>
-          </a:p>
-          <a:p>
-            <a:r>
-              <a:rPr lang="en-US" sz="2400" dirty="0">
-                <a:latin typeface="Monaco" charset="0"/>
-                <a:ea typeface="Monaco" charset="0"/>
-                <a:cs typeface="Monaco" charset="0"/>
-              </a:rPr>
-              <a:t>    if a[mid]==x: return mid </a:t>
-            </a:r>
-          </a:p>
-          <a:p>
-            <a:r>
-              <a:rPr lang="en-US" sz="2400" dirty="0">
-                <a:latin typeface="Monaco" charset="0"/>
-                <a:ea typeface="Monaco" charset="0"/>
-                <a:cs typeface="Monaco" charset="0"/>
-              </a:rPr>
-              <a:t>    if x &lt; a[mid]:</a:t>
-            </a:r>
-          </a:p>
-          <a:p>
-            <a:r>
-              <a:rPr lang="en-US" sz="2400" dirty="0">
-                <a:latin typeface="Monaco" charset="0"/>
-                <a:ea typeface="Monaco" charset="0"/>
-                <a:cs typeface="Monaco" charset="0"/>
-              </a:rPr>
-              <a:t>        return </a:t>
-            </a:r>
-            <a:r>
-              <a:rPr lang="en-US" sz="2400" dirty="0" err="1">
-                <a:latin typeface="Monaco" charset="0"/>
-                <a:ea typeface="Monaco" charset="0"/>
-                <a:cs typeface="Monaco" charset="0"/>
-              </a:rPr>
-              <a:t>binsearch</a:t>
-            </a:r>
-            <a:r>
-              <a:rPr lang="en-US" sz="2400" dirty="0">
-                <a:latin typeface="Monaco" charset="0"/>
-                <a:ea typeface="Monaco" charset="0"/>
-                <a:cs typeface="Monaco" charset="0"/>
-              </a:rPr>
-              <a:t>(a,x,left,mid-1)</a:t>
-            </a:r>
-          </a:p>
-          <a:p>
-            <a:r>
-              <a:rPr lang="en-US" sz="2400" dirty="0">
-                <a:latin typeface="Monaco" charset="0"/>
-                <a:ea typeface="Monaco" charset="0"/>
-                <a:cs typeface="Monaco" charset="0"/>
-              </a:rPr>
-              <a:t>    else:</a:t>
-            </a:r>
-          </a:p>
-          <a:p>
-            <a:r>
-              <a:rPr lang="en-US" sz="2400" dirty="0">
-                <a:latin typeface="Monaco" charset="0"/>
-                <a:ea typeface="Monaco" charset="0"/>
-                <a:cs typeface="Monaco" charset="0"/>
-              </a:rPr>
-              <a:t>        return </a:t>
-            </a:r>
-            <a:r>
-              <a:rPr lang="en-US" sz="2400" dirty="0" err="1">
-                <a:latin typeface="Monaco" charset="0"/>
-                <a:ea typeface="Monaco" charset="0"/>
-                <a:cs typeface="Monaco" charset="0"/>
-              </a:rPr>
-              <a:t>binsearch</a:t>
-            </a:r>
-            <a:r>
-              <a:rPr lang="en-US" sz="2400" dirty="0">
-                <a:latin typeface="Monaco" charset="0"/>
-                <a:ea typeface="Monaco" charset="0"/>
-                <a:cs typeface="Monaco" charset="0"/>
-              </a:rPr>
-              <a:t>(a,x,mid+1,right)</a:t>
-            </a:r>
-          </a:p>
-        </p:txBody>
-      </p:sp>
-    </p:spTree>
-    <p:extLst>
-      <p:ext uri="{BB962C8B-B14F-4D97-AF65-F5344CB8AC3E}">
-        <p14:creationId xmlns:p14="http://schemas.microsoft.com/office/powerpoint/2010/main" val="545441741"/>
-      </p:ext>
-    </p:extLst>
-  </p:cSld>
-  <p:clrMapOvr>
-    <a:masterClrMapping/>
-  </p:clrMapOvr>
-</p:sld>
-</file>
-
-<file path=ppt/slides/slide29.xml><?xml version="1.0" encoding="utf-8"?>
 <p:sld xmlns:a="http://schemas.openxmlformats.org/drawingml/2006/main" xmlns:r="http://schemas.openxmlformats.org/officeDocument/2006/relationships" xmlns:p="http://schemas.openxmlformats.org/presentationml/2006/main">
   <p:cSld>
     <p:spTree>
@@ -22593,8 +22035,8 @@
           </a:p>
         </p:txBody>
       </p:sp>
-      <mc:AlternateContent xmlns:mc="http://schemas.openxmlformats.org/markup-compatibility/2006">
-        <mc:Choice xmlns:a14="http://schemas.microsoft.com/office/drawing/2010/main" Requires="a14">
+      <mc:AlternateContent xmlns:mc="http://schemas.openxmlformats.org/markup-compatibility/2006" xmlns:a14="http://schemas.microsoft.com/office/drawing/2010/main">
+        <mc:Choice Requires="a14">
           <p:sp>
             <p:nvSpPr>
               <p:cNvPr id="3" name="Content Placeholder 2"/>
@@ -22706,7 +22148,7 @@
             </p:txBody>
           </p:sp>
         </mc:Choice>
-        <mc:Fallback>
+        <mc:Fallback xmlns="">
           <p:sp>
             <p:nvSpPr>
               <p:cNvPr id="3" name="Content Placeholder 2"/>

--- a/notes/complexity.pptx
+++ b/notes/complexity.pptx
@@ -229,7 +229,7 @@
           <a:p>
             <a:fld id="{8A1B613A-EFF1-404F-BEE8-EFAE84A4E5E2}" type="datetimeFigureOut">
               <a:rPr lang="en-US" smtClean="0"/>
-              <a:t>2/4/19</a:t>
+              <a:t>2/21/19</a:t>
             </a:fld>
             <a:endParaRPr lang="en-US"/>
           </a:p>
@@ -394,7 +394,7 @@
           <a:p>
             <a:fld id="{690847EA-AC25-3D4E-89E1-FD3F6A9702B6}" type="datetimeFigureOut">
               <a:rPr lang="en-US" smtClean="0"/>
-              <a:t>2/4/19</a:t>
+              <a:t>2/21/19</a:t>
             </a:fld>
             <a:endParaRPr lang="en-US"/>
           </a:p>
@@ -924,7 +924,7 @@
           <a:p>
             <a:fld id="{BE5295ED-3BAF-1140-8495-3D368771D6B1}" type="datetimeFigureOut">
               <a:rPr lang="en-US" smtClean="0"/>
-              <a:t>2/4/19</a:t>
+              <a:t>2/21/19</a:t>
             </a:fld>
             <a:endParaRPr lang="en-US"/>
           </a:p>
@@ -1152,7 +1152,7 @@
           <a:p>
             <a:fld id="{BE5295ED-3BAF-1140-8495-3D368771D6B1}" type="datetimeFigureOut">
               <a:rPr lang="en-US" smtClean="0"/>
-              <a:t>2/4/19</a:t>
+              <a:t>2/21/19</a:t>
             </a:fld>
             <a:endParaRPr lang="en-US"/>
           </a:p>
@@ -1360,7 +1360,7 @@
           <a:p>
             <a:fld id="{BE5295ED-3BAF-1140-8495-3D368771D6B1}" type="datetimeFigureOut">
               <a:rPr lang="en-US" smtClean="0"/>
-              <a:t>2/4/19</a:t>
+              <a:t>2/21/19</a:t>
             </a:fld>
             <a:endParaRPr lang="en-US"/>
           </a:p>
@@ -1558,7 +1558,7 @@
           <a:p>
             <a:fld id="{BE5295ED-3BAF-1140-8495-3D368771D6B1}" type="datetimeFigureOut">
               <a:rPr lang="en-US" smtClean="0"/>
-              <a:t>2/4/19</a:t>
+              <a:t>2/21/19</a:t>
             </a:fld>
             <a:endParaRPr lang="en-US"/>
           </a:p>
@@ -1833,7 +1833,7 @@
           <a:p>
             <a:fld id="{BE5295ED-3BAF-1140-8495-3D368771D6B1}" type="datetimeFigureOut">
               <a:rPr lang="en-US" smtClean="0"/>
-              <a:t>2/4/19</a:t>
+              <a:t>2/21/19</a:t>
             </a:fld>
             <a:endParaRPr lang="en-US"/>
           </a:p>
@@ -2098,7 +2098,7 @@
           <a:p>
             <a:fld id="{BE5295ED-3BAF-1140-8495-3D368771D6B1}" type="datetimeFigureOut">
               <a:rPr lang="en-US" smtClean="0"/>
-              <a:t>2/4/19</a:t>
+              <a:t>2/21/19</a:t>
             </a:fld>
             <a:endParaRPr lang="en-US"/>
           </a:p>
@@ -2510,7 +2510,7 @@
           <a:p>
             <a:fld id="{BE5295ED-3BAF-1140-8495-3D368771D6B1}" type="datetimeFigureOut">
               <a:rPr lang="en-US" smtClean="0"/>
-              <a:t>2/4/19</a:t>
+              <a:t>2/21/19</a:t>
             </a:fld>
             <a:endParaRPr lang="en-US"/>
           </a:p>
@@ -2651,7 +2651,7 @@
           <a:p>
             <a:fld id="{BE5295ED-3BAF-1140-8495-3D368771D6B1}" type="datetimeFigureOut">
               <a:rPr lang="en-US" smtClean="0"/>
-              <a:t>2/4/19</a:t>
+              <a:t>2/21/19</a:t>
             </a:fld>
             <a:endParaRPr lang="en-US"/>
           </a:p>
@@ -2764,7 +2764,7 @@
           <a:p>
             <a:fld id="{BE5295ED-3BAF-1140-8495-3D368771D6B1}" type="datetimeFigureOut">
               <a:rPr lang="en-US" smtClean="0"/>
-              <a:t>2/4/19</a:t>
+              <a:t>2/21/19</a:t>
             </a:fld>
             <a:endParaRPr lang="en-US"/>
           </a:p>
@@ -3075,7 +3075,7 @@
           <a:p>
             <a:fld id="{BE5295ED-3BAF-1140-8495-3D368771D6B1}" type="datetimeFigureOut">
               <a:rPr lang="en-US" smtClean="0"/>
-              <a:t>2/4/19</a:t>
+              <a:t>2/21/19</a:t>
             </a:fld>
             <a:endParaRPr lang="en-US"/>
           </a:p>
@@ -3366,7 +3366,7 @@
           <a:p>
             <a:fld id="{BE5295ED-3BAF-1140-8495-3D368771D6B1}" type="datetimeFigureOut">
               <a:rPr lang="en-US" smtClean="0"/>
-              <a:t>2/4/19</a:t>
+              <a:t>2/21/19</a:t>
             </a:fld>
             <a:endParaRPr lang="en-US"/>
           </a:p>
@@ -3633,7 +3633,7 @@
           <a:p>
             <a:fld id="{BE5295ED-3BAF-1140-8495-3D368771D6B1}" type="datetimeFigureOut">
               <a:rPr lang="en-US" smtClean="0"/>
-              <a:t>2/4/19</a:t>
+              <a:t>2/21/19</a:t>
             </a:fld>
             <a:endParaRPr lang="en-US"/>
           </a:p>
@@ -4066,6 +4066,14 @@
 <file path=ppt/slides/slide1.xml><?xml version="1.0" encoding="utf-8"?>
 <p:sld xmlns:a="http://schemas.openxmlformats.org/drawingml/2006/main" xmlns:r="http://schemas.openxmlformats.org/officeDocument/2006/relationships" xmlns:p="http://schemas.openxmlformats.org/presentationml/2006/main">
   <p:cSld>
+    <p:bg>
+      <p:bgPr>
+        <a:solidFill>
+          <a:schemeClr val="bg1"/>
+        </a:solidFill>
+        <a:effectLst/>
+      </p:bgPr>
+    </p:bg>
     <p:spTree>
       <p:nvGrpSpPr>
         <p:cNvPr id="1" name=""/>
@@ -4220,6 +4228,14 @@
 <file path=ppt/slides/slide10.xml><?xml version="1.0" encoding="utf-8"?>
 <p:sld xmlns:a="http://schemas.openxmlformats.org/drawingml/2006/main" xmlns:r="http://schemas.openxmlformats.org/officeDocument/2006/relationships" xmlns:p="http://schemas.openxmlformats.org/presentationml/2006/main">
   <p:cSld>
+    <p:bg>
+      <p:bgPr>
+        <a:solidFill>
+          <a:schemeClr val="bg1"/>
+        </a:solidFill>
+        <a:effectLst/>
+      </p:bgPr>
+    </p:bg>
     <p:spTree>
       <p:nvGrpSpPr>
         <p:cNvPr id="1" name=""/>
@@ -4373,6 +4389,14 @@
 <file path=ppt/slides/slide11.xml><?xml version="1.0" encoding="utf-8"?>
 <p:sld xmlns:a="http://schemas.openxmlformats.org/drawingml/2006/main" xmlns:r="http://schemas.openxmlformats.org/officeDocument/2006/relationships" xmlns:p="http://schemas.openxmlformats.org/presentationml/2006/main">
   <p:cSld>
+    <p:bg>
+      <p:bgPr>
+        <a:solidFill>
+          <a:schemeClr val="bg1"/>
+        </a:solidFill>
+        <a:effectLst/>
+      </p:bgPr>
+    </p:bg>
     <p:spTree>
       <p:nvGrpSpPr>
         <p:cNvPr id="1" name=""/>
@@ -4583,6 +4607,14 @@
 <file path=ppt/slides/slide12.xml><?xml version="1.0" encoding="utf-8"?>
 <p:sld xmlns:a="http://schemas.openxmlformats.org/drawingml/2006/main" xmlns:r="http://schemas.openxmlformats.org/officeDocument/2006/relationships" xmlns:p="http://schemas.openxmlformats.org/presentationml/2006/main">
   <p:cSld>
+    <p:bg>
+      <p:bgPr>
+        <a:solidFill>
+          <a:schemeClr val="bg1"/>
+        </a:solidFill>
+        <a:effectLst/>
+      </p:bgPr>
+    </p:bg>
     <p:spTree>
       <p:nvGrpSpPr>
         <p:cNvPr id="1" name=""/>
@@ -4877,6 +4909,14 @@
 <file path=ppt/slides/slide13.xml><?xml version="1.0" encoding="utf-8"?>
 <p:sld xmlns:a="http://schemas.openxmlformats.org/drawingml/2006/main" xmlns:r="http://schemas.openxmlformats.org/officeDocument/2006/relationships" xmlns:p="http://schemas.openxmlformats.org/presentationml/2006/main">
   <p:cSld>
+    <p:bg>
+      <p:bgPr>
+        <a:solidFill>
+          <a:schemeClr val="bg1"/>
+        </a:solidFill>
+        <a:effectLst/>
+      </p:bgPr>
+    </p:bg>
     <p:spTree>
       <p:nvGrpSpPr>
         <p:cNvPr id="1" name=""/>
@@ -5216,6 +5256,14 @@
 <file path=ppt/slides/slide14.xml><?xml version="1.0" encoding="utf-8"?>
 <p:sld xmlns:a="http://schemas.openxmlformats.org/drawingml/2006/main" xmlns:r="http://schemas.openxmlformats.org/officeDocument/2006/relationships" xmlns:p="http://schemas.openxmlformats.org/presentationml/2006/main">
   <p:cSld>
+    <p:bg>
+      <p:bgPr>
+        <a:solidFill>
+          <a:schemeClr val="bg1"/>
+        </a:solidFill>
+        <a:effectLst/>
+      </p:bgPr>
+    </p:bg>
     <p:spTree>
       <p:nvGrpSpPr>
         <p:cNvPr id="1" name=""/>
@@ -5546,6 +5594,14 @@
 <file path=ppt/slides/slide15.xml><?xml version="1.0" encoding="utf-8"?>
 <p:sld xmlns:a="http://schemas.openxmlformats.org/drawingml/2006/main" xmlns:r="http://schemas.openxmlformats.org/officeDocument/2006/relationships" xmlns:p="http://schemas.openxmlformats.org/presentationml/2006/main">
   <p:cSld>
+    <p:bg>
+      <p:bgPr>
+        <a:solidFill>
+          <a:schemeClr val="bg1"/>
+        </a:solidFill>
+        <a:effectLst/>
+      </p:bgPr>
+    </p:bg>
     <p:spTree>
       <p:nvGrpSpPr>
         <p:cNvPr id="1" name=""/>
@@ -6110,6 +6166,14 @@
 <file path=ppt/slides/slide16.xml><?xml version="1.0" encoding="utf-8"?>
 <p:sld xmlns:a="http://schemas.openxmlformats.org/drawingml/2006/main" xmlns:r="http://schemas.openxmlformats.org/officeDocument/2006/relationships" xmlns:p="http://schemas.openxmlformats.org/presentationml/2006/main">
   <p:cSld>
+    <p:bg>
+      <p:bgPr>
+        <a:solidFill>
+          <a:schemeClr val="bg1"/>
+        </a:solidFill>
+        <a:effectLst/>
+      </p:bgPr>
+    </p:bg>
     <p:spTree>
       <p:nvGrpSpPr>
         <p:cNvPr id="1" name=""/>
@@ -6807,6 +6871,14 @@
 <file path=ppt/slides/slide17.xml><?xml version="1.0" encoding="utf-8"?>
 <p:sld xmlns:a="http://schemas.openxmlformats.org/drawingml/2006/main" xmlns:r="http://schemas.openxmlformats.org/officeDocument/2006/relationships" xmlns:p="http://schemas.openxmlformats.org/presentationml/2006/main">
   <p:cSld>
+    <p:bg>
+      <p:bgPr>
+        <a:solidFill>
+          <a:schemeClr val="bg1"/>
+        </a:solidFill>
+        <a:effectLst/>
+      </p:bgPr>
+    </p:bg>
     <p:spTree>
       <p:nvGrpSpPr>
         <p:cNvPr id="1" name=""/>
@@ -7757,6 +7829,14 @@
 <file path=ppt/slides/slide18.xml><?xml version="1.0" encoding="utf-8"?>
 <p:sld xmlns:a="http://schemas.openxmlformats.org/drawingml/2006/main" xmlns:r="http://schemas.openxmlformats.org/officeDocument/2006/relationships" xmlns:p="http://schemas.openxmlformats.org/presentationml/2006/main">
   <p:cSld>
+    <p:bg>
+      <p:bgPr>
+        <a:solidFill>
+          <a:schemeClr val="bg1"/>
+        </a:solidFill>
+        <a:effectLst/>
+      </p:bgPr>
+    </p:bg>
     <p:spTree>
       <p:nvGrpSpPr>
         <p:cNvPr id="1" name=""/>
@@ -10991,6 +11071,14 @@
 <file path=ppt/slides/slide19.xml><?xml version="1.0" encoding="utf-8"?>
 <p:sld xmlns:a="http://schemas.openxmlformats.org/drawingml/2006/main" xmlns:r="http://schemas.openxmlformats.org/officeDocument/2006/relationships" xmlns:p="http://schemas.openxmlformats.org/presentationml/2006/main">
   <p:cSld>
+    <p:bg>
+      <p:bgPr>
+        <a:solidFill>
+          <a:schemeClr val="bg1"/>
+        </a:solidFill>
+        <a:effectLst/>
+      </p:bgPr>
+    </p:bg>
     <p:spTree>
       <p:nvGrpSpPr>
         <p:cNvPr id="1" name=""/>
@@ -11860,6 +11948,14 @@
 <file path=ppt/slides/slide2.xml><?xml version="1.0" encoding="utf-8"?>
 <p:sld xmlns:a="http://schemas.openxmlformats.org/drawingml/2006/main" xmlns:r="http://schemas.openxmlformats.org/officeDocument/2006/relationships" xmlns:p="http://schemas.openxmlformats.org/presentationml/2006/main">
   <p:cSld>
+    <p:bg>
+      <p:bgPr>
+        <a:solidFill>
+          <a:schemeClr val="bg1"/>
+        </a:solidFill>
+        <a:effectLst/>
+      </p:bgPr>
+    </p:bg>
     <p:spTree>
       <p:nvGrpSpPr>
         <p:cNvPr id="1" name=""/>
@@ -12043,6 +12139,14 @@
 <file path=ppt/slides/slide20.xml><?xml version="1.0" encoding="utf-8"?>
 <p:sld xmlns:a="http://schemas.openxmlformats.org/drawingml/2006/main" xmlns:r="http://schemas.openxmlformats.org/officeDocument/2006/relationships" xmlns:p="http://schemas.openxmlformats.org/presentationml/2006/main">
   <p:cSld>
+    <p:bg>
+      <p:bgPr>
+        <a:solidFill>
+          <a:schemeClr val="bg1"/>
+        </a:solidFill>
+        <a:effectLst/>
+      </p:bgPr>
+    </p:bg>
     <p:spTree>
       <p:nvGrpSpPr>
         <p:cNvPr id="1" name=""/>
@@ -12706,6 +12810,14 @@
 <file path=ppt/slides/slide21.xml><?xml version="1.0" encoding="utf-8"?>
 <p:sld xmlns:a="http://schemas.openxmlformats.org/drawingml/2006/main" xmlns:r="http://schemas.openxmlformats.org/officeDocument/2006/relationships" xmlns:p="http://schemas.openxmlformats.org/presentationml/2006/main">
   <p:cSld>
+    <p:bg>
+      <p:bgPr>
+        <a:solidFill>
+          <a:schemeClr val="bg1"/>
+        </a:solidFill>
+        <a:effectLst/>
+      </p:bgPr>
+    </p:bg>
     <p:spTree>
       <p:nvGrpSpPr>
         <p:cNvPr id="1" name=""/>
@@ -13405,6 +13517,14 @@
 <file path=ppt/slides/slide22.xml><?xml version="1.0" encoding="utf-8"?>
 <p:sld xmlns:a="http://schemas.openxmlformats.org/drawingml/2006/main" xmlns:r="http://schemas.openxmlformats.org/officeDocument/2006/relationships" xmlns:p="http://schemas.openxmlformats.org/presentationml/2006/main">
   <p:cSld>
+    <p:bg>
+      <p:bgPr>
+        <a:solidFill>
+          <a:schemeClr val="bg1"/>
+        </a:solidFill>
+        <a:effectLst/>
+      </p:bgPr>
+    </p:bg>
     <p:spTree>
       <p:nvGrpSpPr>
         <p:cNvPr id="1" name=""/>
@@ -17123,6 +17243,14 @@
 <file path=ppt/slides/slide23.xml><?xml version="1.0" encoding="utf-8"?>
 <p:sld xmlns:a="http://schemas.openxmlformats.org/drawingml/2006/main" xmlns:r="http://schemas.openxmlformats.org/officeDocument/2006/relationships" xmlns:p="http://schemas.openxmlformats.org/presentationml/2006/main">
   <p:cSld>
+    <p:bg>
+      <p:bgPr>
+        <a:solidFill>
+          <a:schemeClr val="bg1"/>
+        </a:solidFill>
+        <a:effectLst/>
+      </p:bgPr>
+    </p:bg>
     <p:spTree>
       <p:nvGrpSpPr>
         <p:cNvPr id="1" name=""/>
@@ -19796,6 +19924,14 @@
 <file path=ppt/slides/slide24.xml><?xml version="1.0" encoding="utf-8"?>
 <p:sld xmlns:a="http://schemas.openxmlformats.org/drawingml/2006/main" xmlns:r="http://schemas.openxmlformats.org/officeDocument/2006/relationships" xmlns:p="http://schemas.openxmlformats.org/presentationml/2006/main">
   <p:cSld>
+    <p:bg>
+      <p:bgPr>
+        <a:solidFill>
+          <a:schemeClr val="bg1"/>
+        </a:solidFill>
+        <a:effectLst/>
+      </p:bgPr>
+    </p:bg>
     <p:spTree>
       <p:nvGrpSpPr>
         <p:cNvPr id="1" name=""/>
@@ -19988,6 +20124,14 @@
 <file path=ppt/slides/slide25.xml><?xml version="1.0" encoding="utf-8"?>
 <p:sld xmlns:a="http://schemas.openxmlformats.org/drawingml/2006/main" xmlns:r="http://schemas.openxmlformats.org/officeDocument/2006/relationships" xmlns:p="http://schemas.openxmlformats.org/presentationml/2006/main">
   <p:cSld>
+    <p:bg>
+      <p:bgPr>
+        <a:solidFill>
+          <a:schemeClr val="bg1"/>
+        </a:solidFill>
+        <a:effectLst/>
+      </p:bgPr>
+    </p:bg>
     <p:spTree>
       <p:nvGrpSpPr>
         <p:cNvPr id="1" name=""/>
@@ -20497,6 +20641,14 @@
 <file path=ppt/slides/slide26.xml><?xml version="1.0" encoding="utf-8"?>
 <p:sld xmlns:a="http://schemas.openxmlformats.org/drawingml/2006/main" xmlns:r="http://schemas.openxmlformats.org/officeDocument/2006/relationships" xmlns:p="http://schemas.openxmlformats.org/presentationml/2006/main">
   <p:cSld>
+    <p:bg>
+      <p:bgPr>
+        <a:solidFill>
+          <a:schemeClr val="bg1"/>
+        </a:solidFill>
+        <a:effectLst/>
+      </p:bgPr>
+    </p:bg>
     <p:spTree>
       <p:nvGrpSpPr>
         <p:cNvPr id="1" name=""/>
@@ -21392,6 +21544,14 @@
 <file path=ppt/slides/slide27.xml><?xml version="1.0" encoding="utf-8"?>
 <p:sld xmlns:a="http://schemas.openxmlformats.org/drawingml/2006/main" xmlns:r="http://schemas.openxmlformats.org/officeDocument/2006/relationships" xmlns:p="http://schemas.openxmlformats.org/presentationml/2006/main">
   <p:cSld>
+    <p:bg>
+      <p:bgPr>
+        <a:solidFill>
+          <a:schemeClr val="bg1"/>
+        </a:solidFill>
+        <a:effectLst/>
+      </p:bgPr>
+    </p:bg>
     <p:spTree>
       <p:nvGrpSpPr>
         <p:cNvPr id="1" name=""/>
@@ -21536,6 +21696,14 @@
 <file path=ppt/slides/slide3.xml><?xml version="1.0" encoding="utf-8"?>
 <p:sld xmlns:a="http://schemas.openxmlformats.org/drawingml/2006/main" xmlns:r="http://schemas.openxmlformats.org/officeDocument/2006/relationships" xmlns:p="http://schemas.openxmlformats.org/presentationml/2006/main">
   <p:cSld>
+    <p:bg>
+      <p:bgPr>
+        <a:solidFill>
+          <a:schemeClr val="bg1"/>
+        </a:solidFill>
+        <a:effectLst/>
+      </p:bgPr>
+    </p:bg>
     <p:spTree>
       <p:nvGrpSpPr>
         <p:cNvPr id="1" name=""/>
@@ -21679,6 +21847,14 @@
 <file path=ppt/slides/slide4.xml><?xml version="1.0" encoding="utf-8"?>
 <p:sld xmlns:a="http://schemas.openxmlformats.org/drawingml/2006/main" xmlns:r="http://schemas.openxmlformats.org/officeDocument/2006/relationships" xmlns:p="http://schemas.openxmlformats.org/presentationml/2006/main">
   <p:cSld>
+    <p:bg>
+      <p:bgPr>
+        <a:solidFill>
+          <a:schemeClr val="bg1"/>
+        </a:solidFill>
+        <a:effectLst/>
+      </p:bgPr>
+    </p:bg>
     <p:spTree>
       <p:nvGrpSpPr>
         <p:cNvPr id="1" name=""/>
@@ -21787,6 +21963,14 @@
 <file path=ppt/slides/slide5.xml><?xml version="1.0" encoding="utf-8"?>
 <p:sld xmlns:a="http://schemas.openxmlformats.org/drawingml/2006/main" xmlns:r="http://schemas.openxmlformats.org/officeDocument/2006/relationships" xmlns:p="http://schemas.openxmlformats.org/presentationml/2006/main">
   <p:cSld>
+    <p:bg>
+      <p:bgPr>
+        <a:solidFill>
+          <a:schemeClr val="bg1"/>
+        </a:solidFill>
+        <a:effectLst/>
+      </p:bgPr>
+    </p:bg>
     <p:spTree>
       <p:nvGrpSpPr>
         <p:cNvPr id="1" name=""/>
@@ -21879,6 +22063,14 @@
 <file path=ppt/slides/slide6.xml><?xml version="1.0" encoding="utf-8"?>
 <p:sld xmlns:a="http://schemas.openxmlformats.org/drawingml/2006/main" xmlns:r="http://schemas.openxmlformats.org/officeDocument/2006/relationships" xmlns:p="http://schemas.openxmlformats.org/presentationml/2006/main">
   <p:cSld>
+    <p:bg>
+      <p:bgPr>
+        <a:solidFill>
+          <a:schemeClr val="bg1"/>
+        </a:solidFill>
+        <a:effectLst/>
+      </p:bgPr>
+    </p:bg>
     <p:spTree>
       <p:nvGrpSpPr>
         <p:cNvPr id="1" name=""/>
@@ -21999,6 +22191,14 @@
 <file path=ppt/slides/slide7.xml><?xml version="1.0" encoding="utf-8"?>
 <p:sld xmlns:a="http://schemas.openxmlformats.org/drawingml/2006/main" xmlns:r="http://schemas.openxmlformats.org/officeDocument/2006/relationships" xmlns:p="http://schemas.openxmlformats.org/presentationml/2006/main">
   <p:cSld>
+    <p:bg>
+      <p:bgPr>
+        <a:solidFill>
+          <a:schemeClr val="bg1"/>
+        </a:solidFill>
+        <a:effectLst/>
+      </p:bgPr>
+    </p:bg>
     <p:spTree>
       <p:nvGrpSpPr>
         <p:cNvPr id="1" name=""/>
@@ -22314,6 +22514,14 @@
 <file path=ppt/slides/slide8.xml><?xml version="1.0" encoding="utf-8"?>
 <p:sld xmlns:a="http://schemas.openxmlformats.org/drawingml/2006/main" xmlns:r="http://schemas.openxmlformats.org/officeDocument/2006/relationships" xmlns:p="http://schemas.openxmlformats.org/presentationml/2006/main">
   <p:cSld>
+    <p:bg>
+      <p:bgPr>
+        <a:solidFill>
+          <a:schemeClr val="bg1"/>
+        </a:solidFill>
+        <a:effectLst/>
+      </p:bgPr>
+    </p:bg>
     <p:spTree>
       <p:nvGrpSpPr>
         <p:cNvPr id="1" name=""/>
@@ -22528,6 +22736,14 @@
 <file path=ppt/slides/slide9.xml><?xml version="1.0" encoding="utf-8"?>
 <p:sld xmlns:a="http://schemas.openxmlformats.org/drawingml/2006/main" xmlns:r="http://schemas.openxmlformats.org/officeDocument/2006/relationships" xmlns:p="http://schemas.openxmlformats.org/presentationml/2006/main">
   <p:cSld>
+    <p:bg>
+      <p:bgPr>
+        <a:solidFill>
+          <a:schemeClr val="bg1"/>
+        </a:solidFill>
+        <a:effectLst/>
+      </p:bgPr>
+    </p:bg>
     <p:spTree>
       <p:nvGrpSpPr>
         <p:cNvPr id="1" name=""/>

--- a/notes/complexity.pptx
+++ b/notes/complexity.pptx
@@ -229,7 +229,7 @@
           <a:p>
             <a:fld id="{8A1B613A-EFF1-404F-BEE8-EFAE84A4E5E2}" type="datetimeFigureOut">
               <a:rPr lang="en-US" smtClean="0"/>
-              <a:t>2/21/19</a:t>
+              <a:t>1/14/20</a:t>
             </a:fld>
             <a:endParaRPr lang="en-US"/>
           </a:p>
@@ -394,7 +394,7 @@
           <a:p>
             <a:fld id="{690847EA-AC25-3D4E-89E1-FD3F6A9702B6}" type="datetimeFigureOut">
               <a:rPr lang="en-US" smtClean="0"/>
-              <a:t>2/21/19</a:t>
+              <a:t>1/14/20</a:t>
             </a:fld>
             <a:endParaRPr lang="en-US"/>
           </a:p>
@@ -750,31 +750,9 @@
   <p:cSld name="Title Slide">
     <p:bg>
       <p:bgPr>
-        <a:gradFill flip="none" rotWithShape="1">
-          <a:gsLst>
-            <a:gs pos="0">
-              <a:schemeClr val="accent3">
-                <a:lumMod val="0"/>
-                <a:lumOff val="100000"/>
-              </a:schemeClr>
-            </a:gs>
-            <a:gs pos="35000">
-              <a:schemeClr val="accent3">
-                <a:lumMod val="0"/>
-                <a:lumOff val="100000"/>
-              </a:schemeClr>
-            </a:gs>
-            <a:gs pos="100000">
-              <a:schemeClr val="accent3">
-                <a:lumMod val="100000"/>
-              </a:schemeClr>
-            </a:gs>
-          </a:gsLst>
-          <a:path path="circle">
-            <a:fillToRect l="50000" t="-80000" r="50000" b="180000"/>
-          </a:path>
-          <a:tileRect/>
-        </a:gradFill>
+        <a:solidFill>
+          <a:schemeClr val="bg1"/>
+        </a:solidFill>
         <a:effectLst/>
       </p:bgPr>
     </p:bg>
@@ -924,7 +902,7 @@
           <a:p>
             <a:fld id="{BE5295ED-3BAF-1140-8495-3D368771D6B1}" type="datetimeFigureOut">
               <a:rPr lang="en-US" smtClean="0"/>
-              <a:t>2/21/19</a:t>
+              <a:t>1/14/20</a:t>
             </a:fld>
             <a:endParaRPr lang="en-US"/>
           </a:p>
@@ -1152,7 +1130,7 @@
           <a:p>
             <a:fld id="{BE5295ED-3BAF-1140-8495-3D368771D6B1}" type="datetimeFigureOut">
               <a:rPr lang="en-US" smtClean="0"/>
-              <a:t>2/21/19</a:t>
+              <a:t>1/14/20</a:t>
             </a:fld>
             <a:endParaRPr lang="en-US"/>
           </a:p>
@@ -1360,7 +1338,7 @@
           <a:p>
             <a:fld id="{BE5295ED-3BAF-1140-8495-3D368771D6B1}" type="datetimeFigureOut">
               <a:rPr lang="en-US" smtClean="0"/>
-              <a:t>2/21/19</a:t>
+              <a:t>1/14/20</a:t>
             </a:fld>
             <a:endParaRPr lang="en-US"/>
           </a:p>
@@ -1436,6 +1414,11 @@
 <file path=ppt/slideLayouts/slideLayout2.xml><?xml version="1.0" encoding="utf-8"?>
 <p:sldLayout xmlns:a="http://schemas.openxmlformats.org/drawingml/2006/main" xmlns:r="http://schemas.openxmlformats.org/officeDocument/2006/relationships" xmlns:p="http://schemas.openxmlformats.org/presentationml/2006/main" type="obj" preserve="1">
   <p:cSld name="Title and Content">
+    <p:bg>
+      <p:bgRef idx="1001">
+        <a:schemeClr val="bg1"/>
+      </p:bgRef>
+    </p:bg>
     <p:spTree>
       <p:nvGrpSpPr>
         <p:cNvPr id="1" name=""/>
@@ -1558,7 +1541,7 @@
           <a:p>
             <a:fld id="{BE5295ED-3BAF-1140-8495-3D368771D6B1}" type="datetimeFigureOut">
               <a:rPr lang="en-US" smtClean="0"/>
-              <a:t>2/21/19</a:t>
+              <a:t>1/14/20</a:t>
             </a:fld>
             <a:endParaRPr lang="en-US"/>
           </a:p>
@@ -1626,7 +1609,7 @@
     </p:extLst>
   </p:cSld>
   <p:clrMapOvr>
-    <a:masterClrMapping/>
+    <a:overrideClrMapping bg1="lt1" tx1="dk1" bg2="lt2" tx2="dk2" accent1="accent1" accent2="accent2" accent3="accent3" accent4="accent4" accent5="accent5" accent6="accent6" hlink="hlink" folHlink="folHlink"/>
   </p:clrMapOvr>
 </p:sldLayout>
 </file>
@@ -1833,7 +1816,7 @@
           <a:p>
             <a:fld id="{BE5295ED-3BAF-1140-8495-3D368771D6B1}" type="datetimeFigureOut">
               <a:rPr lang="en-US" smtClean="0"/>
-              <a:t>2/21/19</a:t>
+              <a:t>1/14/20</a:t>
             </a:fld>
             <a:endParaRPr lang="en-US"/>
           </a:p>
@@ -2098,7 +2081,7 @@
           <a:p>
             <a:fld id="{BE5295ED-3BAF-1140-8495-3D368771D6B1}" type="datetimeFigureOut">
               <a:rPr lang="en-US" smtClean="0"/>
-              <a:t>2/21/19</a:t>
+              <a:t>1/14/20</a:t>
             </a:fld>
             <a:endParaRPr lang="en-US"/>
           </a:p>
@@ -2510,7 +2493,7 @@
           <a:p>
             <a:fld id="{BE5295ED-3BAF-1140-8495-3D368771D6B1}" type="datetimeFigureOut">
               <a:rPr lang="en-US" smtClean="0"/>
-              <a:t>2/21/19</a:t>
+              <a:t>1/14/20</a:t>
             </a:fld>
             <a:endParaRPr lang="en-US"/>
           </a:p>
@@ -2651,7 +2634,7 @@
           <a:p>
             <a:fld id="{BE5295ED-3BAF-1140-8495-3D368771D6B1}" type="datetimeFigureOut">
               <a:rPr lang="en-US" smtClean="0"/>
-              <a:t>2/21/19</a:t>
+              <a:t>1/14/20</a:t>
             </a:fld>
             <a:endParaRPr lang="en-US"/>
           </a:p>
@@ -2764,7 +2747,7 @@
           <a:p>
             <a:fld id="{BE5295ED-3BAF-1140-8495-3D368771D6B1}" type="datetimeFigureOut">
               <a:rPr lang="en-US" smtClean="0"/>
-              <a:t>2/21/19</a:t>
+              <a:t>1/14/20</a:t>
             </a:fld>
             <a:endParaRPr lang="en-US"/>
           </a:p>
@@ -3075,7 +3058,7 @@
           <a:p>
             <a:fld id="{BE5295ED-3BAF-1140-8495-3D368771D6B1}" type="datetimeFigureOut">
               <a:rPr lang="en-US" smtClean="0"/>
-              <a:t>2/21/19</a:t>
+              <a:t>1/14/20</a:t>
             </a:fld>
             <a:endParaRPr lang="en-US"/>
           </a:p>
@@ -3366,7 +3349,7 @@
           <a:p>
             <a:fld id="{BE5295ED-3BAF-1140-8495-3D368771D6B1}" type="datetimeFigureOut">
               <a:rPr lang="en-US" smtClean="0"/>
-              <a:t>2/21/19</a:t>
+              <a:t>1/14/20</a:t>
             </a:fld>
             <a:endParaRPr lang="en-US"/>
           </a:p>
@@ -3444,31 +3427,9 @@
   <p:cSld>
     <p:bg>
       <p:bgPr>
-        <a:gradFill flip="none" rotWithShape="1">
-          <a:gsLst>
-            <a:gs pos="0">
-              <a:schemeClr val="accent3">
-                <a:lumMod val="0"/>
-                <a:lumOff val="100000"/>
-              </a:schemeClr>
-            </a:gs>
-            <a:gs pos="35000">
-              <a:schemeClr val="accent3">
-                <a:lumMod val="0"/>
-                <a:lumOff val="100000"/>
-              </a:schemeClr>
-            </a:gs>
-            <a:gs pos="100000">
-              <a:schemeClr val="accent3">
-                <a:lumMod val="100000"/>
-              </a:schemeClr>
-            </a:gs>
-          </a:gsLst>
-          <a:path path="circle">
-            <a:fillToRect l="50000" t="-80000" r="50000" b="180000"/>
-          </a:path>
-          <a:tileRect/>
-        </a:gradFill>
+        <a:solidFill>
+          <a:schemeClr val="bg1"/>
+        </a:solidFill>
         <a:effectLst/>
       </p:bgPr>
     </p:bg>
@@ -3633,7 +3594,7 @@
           <a:p>
             <a:fld id="{BE5295ED-3BAF-1140-8495-3D368771D6B1}" type="datetimeFigureOut">
               <a:rPr lang="en-US" smtClean="0"/>
-              <a:t>2/21/19</a:t>
+              <a:t>1/14/20</a:t>
             </a:fld>
             <a:endParaRPr lang="en-US"/>
           </a:p>
@@ -3731,10 +3692,10 @@
       </p:sp>
       <p:pic>
         <p:nvPicPr>
-          <p:cNvPr id="7" name="Picture 6">
+          <p:cNvPr id="8" name="Picture 7">
             <a:extLst>
               <a:ext uri="{FF2B5EF4-FFF2-40B4-BE49-F238E27FC236}">
-                <a16:creationId xmlns:a16="http://schemas.microsoft.com/office/drawing/2014/main" id="{F606D4DA-1395-A54D-AB1D-F496808E6208}"/>
+                <a16:creationId xmlns:a16="http://schemas.microsoft.com/office/drawing/2014/main" id="{02088363-6ADB-5E44-AEE8-570495A595D0}"/>
               </a:ext>
             </a:extLst>
           </p:cNvPr>
@@ -3751,8 +3712,8 @@
         </p:blipFill>
         <p:spPr>
           <a:xfrm>
-            <a:off x="7854462" y="6283599"/>
-            <a:ext cx="4230446" cy="437876"/>
+            <a:off x="7843577" y="6327977"/>
+            <a:ext cx="4075793" cy="421869"/>
           </a:xfrm>
           <a:prstGeom prst="rect">
             <a:avLst/>
@@ -21544,14 +21505,6 @@
 <file path=ppt/slides/slide27.xml><?xml version="1.0" encoding="utf-8"?>
 <p:sld xmlns:a="http://schemas.openxmlformats.org/drawingml/2006/main" xmlns:r="http://schemas.openxmlformats.org/officeDocument/2006/relationships" xmlns:p="http://schemas.openxmlformats.org/presentationml/2006/main">
   <p:cSld>
-    <p:bg>
-      <p:bgPr>
-        <a:solidFill>
-          <a:schemeClr val="bg1"/>
-        </a:solidFill>
-        <a:effectLst/>
-      </p:bgPr>
-    </p:bg>
     <p:spTree>
       <p:nvGrpSpPr>
         <p:cNvPr id="1" name=""/>

--- a/notes/complexity.pptx
+++ b/notes/complexity.pptx
@@ -229,7 +229,7 @@
           <a:p>
             <a:fld id="{8A1B613A-EFF1-404F-BEE8-EFAE84A4E5E2}" type="datetimeFigureOut">
               <a:rPr lang="en-US" smtClean="0"/>
-              <a:t>1/14/20</a:t>
+              <a:t>1/30/20</a:t>
             </a:fld>
             <a:endParaRPr lang="en-US"/>
           </a:p>
@@ -394,7 +394,7 @@
           <a:p>
             <a:fld id="{690847EA-AC25-3D4E-89E1-FD3F6A9702B6}" type="datetimeFigureOut">
               <a:rPr lang="en-US" smtClean="0"/>
-              <a:t>1/14/20</a:t>
+              <a:t>1/30/20</a:t>
             </a:fld>
             <a:endParaRPr lang="en-US"/>
           </a:p>
@@ -902,42 +902,12 @@
           <a:p>
             <a:fld id="{BE5295ED-3BAF-1140-8495-3D368771D6B1}" type="datetimeFigureOut">
               <a:rPr lang="en-US" smtClean="0"/>
-              <a:t>1/14/20</a:t>
+              <a:t>1/30/20</a:t>
             </a:fld>
             <a:endParaRPr lang="en-US"/>
           </a:p>
         </p:txBody>
       </p:sp>
-      <p:pic>
-        <p:nvPicPr>
-          <p:cNvPr id="9" name="Picture 8">
-            <a:extLst>
-              <a:ext uri="{FF2B5EF4-FFF2-40B4-BE49-F238E27FC236}">
-                <a16:creationId xmlns:a16="http://schemas.microsoft.com/office/drawing/2014/main" id="{D37D1E7E-83ED-BD4B-A5AF-D8AC09D68B82}"/>
-              </a:ext>
-            </a:extLst>
-          </p:cNvPr>
-          <p:cNvPicPr>
-            <a:picLocks noChangeAspect="1"/>
-          </p:cNvPicPr>
-          <p:nvPr userDrawn="1"/>
-        </p:nvPicPr>
-        <p:blipFill>
-          <a:blip r:embed="rId2"/>
-          <a:stretch>
-            <a:fillRect/>
-          </a:stretch>
-        </p:blipFill>
-        <p:spPr>
-          <a:xfrm>
-            <a:off x="7854462" y="6283599"/>
-            <a:ext cx="4230446" cy="437876"/>
-          </a:xfrm>
-          <a:prstGeom prst="rect">
-            <a:avLst/>
-          </a:prstGeom>
-        </p:spPr>
-      </p:pic>
       <p:sp>
         <p:nvSpPr>
           <p:cNvPr id="5" name="Footer Placeholder 4">
@@ -1130,7 +1100,7 @@
           <a:p>
             <a:fld id="{BE5295ED-3BAF-1140-8495-3D368771D6B1}" type="datetimeFigureOut">
               <a:rPr lang="en-US" smtClean="0"/>
-              <a:t>1/14/20</a:t>
+              <a:t>1/30/20</a:t>
             </a:fld>
             <a:endParaRPr lang="en-US"/>
           </a:p>
@@ -1338,7 +1308,7 @@
           <a:p>
             <a:fld id="{BE5295ED-3BAF-1140-8495-3D368771D6B1}" type="datetimeFigureOut">
               <a:rPr lang="en-US" smtClean="0"/>
-              <a:t>1/14/20</a:t>
+              <a:t>1/30/20</a:t>
             </a:fld>
             <a:endParaRPr lang="en-US"/>
           </a:p>
@@ -1541,7 +1511,7 @@
           <a:p>
             <a:fld id="{BE5295ED-3BAF-1140-8495-3D368771D6B1}" type="datetimeFigureOut">
               <a:rPr lang="en-US" smtClean="0"/>
-              <a:t>1/14/20</a:t>
+              <a:t>1/30/20</a:t>
             </a:fld>
             <a:endParaRPr lang="en-US"/>
           </a:p>
@@ -1816,7 +1786,7 @@
           <a:p>
             <a:fld id="{BE5295ED-3BAF-1140-8495-3D368771D6B1}" type="datetimeFigureOut">
               <a:rPr lang="en-US" smtClean="0"/>
-              <a:t>1/14/20</a:t>
+              <a:t>1/30/20</a:t>
             </a:fld>
             <a:endParaRPr lang="en-US"/>
           </a:p>
@@ -2081,7 +2051,7 @@
           <a:p>
             <a:fld id="{BE5295ED-3BAF-1140-8495-3D368771D6B1}" type="datetimeFigureOut">
               <a:rPr lang="en-US" smtClean="0"/>
-              <a:t>1/14/20</a:t>
+              <a:t>1/30/20</a:t>
             </a:fld>
             <a:endParaRPr lang="en-US"/>
           </a:p>
@@ -2493,7 +2463,7 @@
           <a:p>
             <a:fld id="{BE5295ED-3BAF-1140-8495-3D368771D6B1}" type="datetimeFigureOut">
               <a:rPr lang="en-US" smtClean="0"/>
-              <a:t>1/14/20</a:t>
+              <a:t>1/30/20</a:t>
             </a:fld>
             <a:endParaRPr lang="en-US"/>
           </a:p>
@@ -2634,7 +2604,7 @@
           <a:p>
             <a:fld id="{BE5295ED-3BAF-1140-8495-3D368771D6B1}" type="datetimeFigureOut">
               <a:rPr lang="en-US" smtClean="0"/>
-              <a:t>1/14/20</a:t>
+              <a:t>1/30/20</a:t>
             </a:fld>
             <a:endParaRPr lang="en-US"/>
           </a:p>
@@ -2747,7 +2717,7 @@
           <a:p>
             <a:fld id="{BE5295ED-3BAF-1140-8495-3D368771D6B1}" type="datetimeFigureOut">
               <a:rPr lang="en-US" smtClean="0"/>
-              <a:t>1/14/20</a:t>
+              <a:t>1/30/20</a:t>
             </a:fld>
             <a:endParaRPr lang="en-US"/>
           </a:p>
@@ -3058,7 +3028,7 @@
           <a:p>
             <a:fld id="{BE5295ED-3BAF-1140-8495-3D368771D6B1}" type="datetimeFigureOut">
               <a:rPr lang="en-US" smtClean="0"/>
-              <a:t>1/14/20</a:t>
+              <a:t>1/30/20</a:t>
             </a:fld>
             <a:endParaRPr lang="en-US"/>
           </a:p>
@@ -3349,7 +3319,7 @@
           <a:p>
             <a:fld id="{BE5295ED-3BAF-1140-8495-3D368771D6B1}" type="datetimeFigureOut">
               <a:rPr lang="en-US" smtClean="0"/>
-              <a:t>1/14/20</a:t>
+              <a:t>1/30/20</a:t>
             </a:fld>
             <a:endParaRPr lang="en-US"/>
           </a:p>
@@ -3594,7 +3564,7 @@
           <a:p>
             <a:fld id="{BE5295ED-3BAF-1140-8495-3D368771D6B1}" type="datetimeFigureOut">
               <a:rPr lang="en-US" smtClean="0"/>
-              <a:t>1/14/20</a:t>
+              <a:t>1/30/20</a:t>
             </a:fld>
             <a:endParaRPr lang="en-US"/>
           </a:p>

--- a/notes/complexity.pptx
+++ b/notes/complexity.pptx
@@ -5,10 +5,10 @@
     <p:sldMasterId id="2147483648" r:id="rId1"/>
   </p:sldMasterIdLst>
   <p:notesMasterIdLst>
-    <p:notesMasterId r:id="rId29"/>
+    <p:notesMasterId r:id="rId31"/>
   </p:notesMasterIdLst>
   <p:handoutMasterIdLst>
-    <p:handoutMasterId r:id="rId30"/>
+    <p:handoutMasterId r:id="rId32"/>
   </p:handoutMasterIdLst>
   <p:sldIdLst>
     <p:sldId id="256" r:id="rId2"/>
@@ -23,21 +23,23 @@
     <p:sldId id="273" r:id="rId11"/>
     <p:sldId id="271" r:id="rId12"/>
     <p:sldId id="281" r:id="rId13"/>
-    <p:sldId id="276" r:id="rId14"/>
-    <p:sldId id="277" r:id="rId15"/>
-    <p:sldId id="278" r:id="rId16"/>
-    <p:sldId id="279" r:id="rId17"/>
-    <p:sldId id="280" r:id="rId18"/>
-    <p:sldId id="287" r:id="rId19"/>
-    <p:sldId id="286" r:id="rId20"/>
-    <p:sldId id="284" r:id="rId21"/>
-    <p:sldId id="285" r:id="rId22"/>
-    <p:sldId id="288" r:id="rId23"/>
-    <p:sldId id="289" r:id="rId24"/>
-    <p:sldId id="291" r:id="rId25"/>
-    <p:sldId id="294" r:id="rId26"/>
-    <p:sldId id="292" r:id="rId27"/>
-    <p:sldId id="295" r:id="rId28"/>
+    <p:sldId id="296" r:id="rId14"/>
+    <p:sldId id="297" r:id="rId15"/>
+    <p:sldId id="276" r:id="rId16"/>
+    <p:sldId id="277" r:id="rId17"/>
+    <p:sldId id="278" r:id="rId18"/>
+    <p:sldId id="279" r:id="rId19"/>
+    <p:sldId id="280" r:id="rId20"/>
+    <p:sldId id="287" r:id="rId21"/>
+    <p:sldId id="286" r:id="rId22"/>
+    <p:sldId id="284" r:id="rId23"/>
+    <p:sldId id="285" r:id="rId24"/>
+    <p:sldId id="288" r:id="rId25"/>
+    <p:sldId id="289" r:id="rId26"/>
+    <p:sldId id="291" r:id="rId27"/>
+    <p:sldId id="294" r:id="rId28"/>
+    <p:sldId id="292" r:id="rId29"/>
+    <p:sldId id="295" r:id="rId30"/>
   </p:sldIdLst>
   <p:sldSz cx="12192000" cy="6858000"/>
   <p:notesSz cx="9144000" cy="6858000"/>
@@ -705,6 +707,90 @@
           <a:bodyPr/>
           <a:lstStyle/>
           <a:p>
+            <a:endParaRPr lang="en-US" dirty="0"/>
+          </a:p>
+        </p:txBody>
+      </p:sp>
+      <p:sp>
+        <p:nvSpPr>
+          <p:cNvPr id="4" name="Slide Number Placeholder 3"/>
+          <p:cNvSpPr>
+            <a:spLocks noGrp="1"/>
+          </p:cNvSpPr>
+          <p:nvPr>
+            <p:ph type="sldNum" sz="quarter" idx="5"/>
+          </p:nvPr>
+        </p:nvSpPr>
+        <p:spPr/>
+        <p:txBody>
+          <a:bodyPr/>
+          <a:lstStyle/>
+          <a:p>
+            <a:fld id="{0DEC4948-0B79-D842-B740-510D19298355}" type="slidenum">
+              <a:rPr lang="en-US" smtClean="0"/>
+              <a:t>8</a:t>
+            </a:fld>
+            <a:endParaRPr lang="en-US"/>
+          </a:p>
+        </p:txBody>
+      </p:sp>
+    </p:spTree>
+    <p:extLst>
+      <p:ext uri="{BB962C8B-B14F-4D97-AF65-F5344CB8AC3E}">
+        <p14:creationId xmlns:p14="http://schemas.microsoft.com/office/powerpoint/2010/main" val="3800438129"/>
+      </p:ext>
+    </p:extLst>
+  </p:cSld>
+  <p:clrMapOvr>
+    <a:masterClrMapping/>
+  </p:clrMapOvr>
+</p:notes>
+</file>
+
+<file path=ppt/notesSlides/notesSlide2.xml><?xml version="1.0" encoding="utf-8"?>
+<p:notes xmlns:a="http://schemas.openxmlformats.org/drawingml/2006/main" xmlns:r="http://schemas.openxmlformats.org/officeDocument/2006/relationships" xmlns:p="http://schemas.openxmlformats.org/presentationml/2006/main">
+  <p:cSld>
+    <p:spTree>
+      <p:nvGrpSpPr>
+        <p:cNvPr id="1" name=""/>
+        <p:cNvGrpSpPr/>
+        <p:nvPr/>
+      </p:nvGrpSpPr>
+      <p:grpSpPr>
+        <a:xfrm>
+          <a:off x="0" y="0"/>
+          <a:ext cx="0" cy="0"/>
+          <a:chOff x="0" y="0"/>
+          <a:chExt cx="0" cy="0"/>
+        </a:xfrm>
+      </p:grpSpPr>
+      <p:sp>
+        <p:nvSpPr>
+          <p:cNvPr id="2" name="Slide Image Placeholder 1"/>
+          <p:cNvSpPr>
+            <a:spLocks noGrp="1" noRot="1" noChangeAspect="1"/>
+          </p:cNvSpPr>
+          <p:nvPr>
+            <p:ph type="sldImg"/>
+          </p:nvPr>
+        </p:nvSpPr>
+        <p:spPr/>
+      </p:sp>
+      <p:sp>
+        <p:nvSpPr>
+          <p:cNvPr id="3" name="Notes Placeholder 2"/>
+          <p:cNvSpPr>
+            <a:spLocks noGrp="1"/>
+          </p:cNvSpPr>
+          <p:nvPr>
+            <p:ph type="body" idx="1"/>
+          </p:nvPr>
+        </p:nvSpPr>
+        <p:spPr/>
+        <p:txBody>
+          <a:bodyPr/>
+          <a:lstStyle/>
+          <a:p>
             <a:endParaRPr lang="en-US"/>
           </a:p>
         </p:txBody>
@@ -726,7 +812,7 @@
           <a:p>
             <a:fld id="{0DEC4948-0B79-D842-B740-510D19298355}" type="slidenum">
               <a:rPr lang="en-US" smtClean="0"/>
-              <a:t>19</a:t>
+              <a:t>21</a:t>
             </a:fld>
             <a:endParaRPr lang="en-US"/>
           </a:p>
@@ -4198,7 +4284,15 @@
           <a:p>
             <a:r>
               <a:rPr lang="en-US" dirty="0"/>
-              <a:t>Asymptotic behavior</a:t>
+              <a:t>We care about </a:t>
+            </a:r>
+            <a:r>
+              <a:rPr lang="en-US" u="sng" dirty="0"/>
+              <a:t>asymptotic</a:t>
+            </a:r>
+            <a:r>
+              <a:rPr lang="en-US" dirty="0"/>
+              <a:t> behavior</a:t>
             </a:r>
           </a:p>
         </p:txBody>
@@ -4222,21 +4316,7 @@
           <a:p>
             <a:r>
               <a:rPr lang="en-US" dirty="0"/>
-              <a:t>We count operations, not time, to make comparisons independent of algorithm </a:t>
-            </a:r>
-            <a:r>
-              <a:rPr lang="en-US" dirty="0" err="1"/>
-              <a:t>impl</a:t>
-            </a:r>
-            <a:r>
-              <a:rPr lang="en-US" dirty="0"/>
-              <a:t> language, machine speed, etc.</a:t>
-            </a:r>
-          </a:p>
-          <a:p>
-            <a:r>
-              <a:rPr lang="en-US" dirty="0"/>
-              <a:t>We care about growth in effort given growth in input</a:t>
+              <a:t>We care about growth in effort given growth in input; i.e., what is the marginal cost to increase n to n+1?</a:t>
             </a:r>
           </a:p>
           <a:p>
@@ -4297,6 +4377,12 @@
             <a:r>
               <a:rPr lang="en-US" dirty="0"/>
               <a:t>T(n) = k implies O(1)</a:t>
+            </a:r>
+          </a:p>
+          <a:p>
+            <a:r>
+              <a:rPr lang="en-US" dirty="0"/>
+              <a:t>E.g., 3n! and 10n! are indistinguishable asymptotically</a:t>
             </a:r>
           </a:p>
           <a:p>
@@ -4379,12 +4465,20 @@
           <a:bodyPr/>
           <a:lstStyle/>
           <a:p>
+            <a:pPr marL="514350" indent="-514350">
+              <a:buFont typeface="+mj-lt"/>
+              <a:buAutoNum type="arabicPeriod"/>
+            </a:pPr>
             <a:r>
               <a:rPr lang="en-US" dirty="0"/>
               <a:t>Identify what we are counting as a unit of work</a:t>
             </a:r>
           </a:p>
           <a:p>
+            <a:pPr marL="514350" indent="-514350">
+              <a:buFont typeface="+mj-lt"/>
+              <a:buAutoNum type="arabicPeriod"/>
+            </a:pPr>
             <a:r>
               <a:rPr lang="en-US" dirty="0"/>
               <a:t>Identify the key indicator(s) of problem size</a:t>
@@ -4406,11 +4500,15 @@
             </a:r>
             <a:r>
               <a:rPr lang="en-US" i="1" dirty="0"/>
-              <a:t>n</a:t>
+              <a:t>n </a:t>
+            </a:r>
+            <a:r>
+              <a:rPr lang="en-US" b="1" i="1" dirty="0"/>
+              <a:t>and</a:t>
             </a:r>
             <a:r>
               <a:rPr lang="en-US" dirty="0"/>
-              <a:t>, </a:t>
+              <a:t> </a:t>
             </a:r>
             <a:r>
               <a:rPr lang="en-US" i="1" dirty="0"/>
@@ -4434,7 +4532,15 @@
             </a:r>
             <a:r>
               <a:rPr lang="en-US" dirty="0"/>
-              <a:t> matrix, for example</a:t>
+              <a:t> matrix, </a:t>
+            </a:r>
+            <a:r>
+              <a:rPr lang="en-US" dirty="0" err="1"/>
+              <a:t>etc</a:t>
+            </a:r>
+            <a:r>
+              <a:rPr lang="en-US" dirty="0"/>
+              <a:t>…</a:t>
             </a:r>
           </a:p>
           <a:p>
@@ -4457,7 +4563,7 @@
             </a:r>
             <a:r>
               <a:rPr lang="en-US" dirty="0"/>
-              <a:t>, you could claim worst-case that n is bigger, so </a:t>
+              <a:t>, you could claim in worst-case that n is bigger, so </a:t>
             </a:r>
             <a:r>
               <a:rPr lang="en-US" i="1" dirty="0"/>
@@ -4473,7 +4579,7 @@
             </a:r>
             <a:r>
               <a:rPr lang="en-US" dirty="0"/>
-              <a:t> is input size but we’ll compute complexity as a function of </a:t>
+              <a:t> is input size but we usually compute complexity as a function of </a:t>
             </a:r>
             <a:r>
               <a:rPr lang="en-US" i="1" dirty="0"/>
@@ -4481,6 +4587,10 @@
             </a:r>
           </a:p>
           <a:p>
+            <a:pPr marL="514350" indent="-514350">
+              <a:buFont typeface="+mj-lt"/>
+              <a:buAutoNum type="arabicPeriod"/>
+            </a:pPr>
             <a:r>
               <a:rPr lang="en-US" dirty="0"/>
               <a:t>Define </a:t>
@@ -4503,6 +4613,10 @@
             </a:r>
           </a:p>
           <a:p>
+            <a:pPr marL="514350" indent="-514350">
+              <a:buFont typeface="+mj-lt"/>
+              <a:buAutoNum type="arabicPeriod"/>
+            </a:pPr>
             <a:r>
               <a:rPr lang="en-US" dirty="0"/>
               <a:t>Define </a:t>
@@ -4582,11 +4696,151 @@
           </a:p>
         </p:txBody>
       </p:sp>
-      <mc:AlternateContent xmlns:mc="http://schemas.openxmlformats.org/markup-compatibility/2006" xmlns:a14="http://schemas.microsoft.com/office/drawing/2010/main">
-        <mc:Choice Requires="a14">
+      <p:sp>
+        <p:nvSpPr>
+          <p:cNvPr id="3" name="Content Placeholder 2"/>
+          <p:cNvSpPr>
+            <a:spLocks noGrp="1"/>
+          </p:cNvSpPr>
+          <p:nvPr>
+            <p:ph idx="1"/>
+          </p:nvPr>
+        </p:nvSpPr>
+        <p:spPr/>
+        <p:txBody>
+          <a:bodyPr>
+            <a:normAutofit/>
+          </a:bodyPr>
+          <a:lstStyle/>
+          <a:p>
+            <a:r>
+              <a:rPr lang="en-US" dirty="0"/>
+              <a:t>With experience, you’ll be able to go from algorithm description straight to </a:t>
+            </a:r>
+            <a:r>
+              <a:rPr lang="en-US" i="1" dirty="0"/>
+              <a:t>O(n)</a:t>
+            </a:r>
+            <a:r>
+              <a:rPr lang="en-US" dirty="0"/>
+              <a:t> by looking at max loop iterations </a:t>
+            </a:r>
+            <a:r>
+              <a:rPr lang="en-US" dirty="0" err="1"/>
+              <a:t>etc</a:t>
+            </a:r>
+            <a:r>
+              <a:rPr lang="en-US" dirty="0"/>
+              <a:t>…</a:t>
+            </a:r>
+          </a:p>
+          <a:p>
+            <a:r>
+              <a:rPr lang="en-US" dirty="0"/>
+              <a:t>Look for loops and recursion</a:t>
+            </a:r>
+          </a:p>
+          <a:p>
+            <a:r>
+              <a:rPr lang="en-US" dirty="0"/>
+              <a:t>Verify a loop steps by constant amount like 1 or k (not </a:t>
+            </a:r>
+            <a:r>
+              <a:rPr lang="en-US" dirty="0" err="1"/>
+              <a:t>i</a:t>
+            </a:r>
+            <a:r>
+              <a:rPr lang="en-US" dirty="0"/>
+              <a:t> *= 2)</a:t>
+            </a:r>
+          </a:p>
+          <a:p>
+            <a:r>
+              <a:rPr lang="en-US" dirty="0"/>
+              <a:t>Look for patterns you know like binary search, sorting, traversing tree, </a:t>
+            </a:r>
+            <a:r>
+              <a:rPr lang="en-US" dirty="0" err="1"/>
+              <a:t>etc</a:t>
+            </a:r>
+            <a:r>
+              <a:rPr lang="en-US" dirty="0"/>
+              <a:t>…</a:t>
+            </a:r>
+          </a:p>
+        </p:txBody>
+      </p:sp>
+    </p:spTree>
+    <p:extLst>
+      <p:ext uri="{BB962C8B-B14F-4D97-AF65-F5344CB8AC3E}">
+        <p14:creationId xmlns:p14="http://schemas.microsoft.com/office/powerpoint/2010/main" val="808642641"/>
+      </p:ext>
+    </p:extLst>
+  </p:cSld>
+  <p:clrMapOvr>
+    <a:masterClrMapping/>
+  </p:clrMapOvr>
+</p:sld>
+</file>
+
+<file path=ppt/slides/slide13.xml><?xml version="1.0" encoding="utf-8"?>
+<p:sld xmlns:a="http://schemas.openxmlformats.org/drawingml/2006/main" xmlns:r="http://schemas.openxmlformats.org/officeDocument/2006/relationships" xmlns:p="http://schemas.openxmlformats.org/presentationml/2006/main">
+  <p:cSld>
+    <p:spTree>
+      <p:nvGrpSpPr>
+        <p:cNvPr id="1" name=""/>
+        <p:cNvGrpSpPr/>
+        <p:nvPr/>
+      </p:nvGrpSpPr>
+      <p:grpSpPr>
+        <a:xfrm>
+          <a:off x="0" y="0"/>
+          <a:ext cx="0" cy="0"/>
+          <a:chOff x="0" y="0"/>
+          <a:chExt cx="0" cy="0"/>
+        </a:xfrm>
+      </p:grpSpPr>
+      <p:sp>
+        <p:nvSpPr>
+          <p:cNvPr id="2" name="Title 1">
+            <a:extLst>
+              <a:ext uri="{FF2B5EF4-FFF2-40B4-BE49-F238E27FC236}">
+                <a16:creationId xmlns:a16="http://schemas.microsoft.com/office/drawing/2014/main" id="{54EF3EE2-1ED1-5340-9903-0324FF572D24}"/>
+              </a:ext>
+            </a:extLst>
+          </p:cNvPr>
+          <p:cNvSpPr>
+            <a:spLocks noGrp="1"/>
+          </p:cNvSpPr>
+          <p:nvPr>
+            <p:ph type="title"/>
+          </p:nvPr>
+        </p:nvSpPr>
+        <p:spPr/>
+        <p:txBody>
+          <a:bodyPr>
+            <a:normAutofit/>
+          </a:bodyPr>
+          <a:lstStyle/>
+          <a:p>
+            <a:r>
+              <a:rPr lang="en-US" dirty="0"/>
+              <a:t>What is the maximum amount of work?</a:t>
+            </a:r>
+          </a:p>
+        </p:txBody>
+      </p:sp>
+      <mc:AlternateContent xmlns:mc="http://schemas.openxmlformats.org/markup-compatibility/2006">
+        <mc:Choice xmlns:a14="http://schemas.microsoft.com/office/drawing/2010/main" Requires="a14">
           <p:sp>
             <p:nvSpPr>
-              <p:cNvPr id="3" name="Content Placeholder 2"/>
+              <p:cNvPr id="3" name="Content Placeholder 2">
+                <a:extLst>
+                  <a:ext uri="{FF2B5EF4-FFF2-40B4-BE49-F238E27FC236}">
+                    <a16:creationId xmlns:a16="http://schemas.microsoft.com/office/drawing/2014/main" id="{42ACAD0C-C3C1-2840-BEF2-46B74C35F5EC}"/>
+                  </a:ext>
+                </a:extLst>
+              </p:cNvPr>
               <p:cNvSpPr>
                 <a:spLocks noGrp="1"/>
               </p:cNvSpPr>
@@ -4596,110 +4850,29 @@
             </p:nvSpPr>
             <p:spPr/>
             <p:txBody>
-              <a:bodyPr>
-                <a:normAutofit lnSpcReduction="10000"/>
-              </a:bodyPr>
+              <a:bodyPr/>
               <a:lstStyle/>
               <a:p>
                 <a:r>
                   <a:rPr lang="en-US" dirty="0"/>
-                  <a:t>With experience, you’ll be able to go from algorithm description straight to </a:t>
+                  <a:t>This approach often works great as we can focus on behavior rather than detailed analysis of the code</a:t>
+                </a:r>
+              </a:p>
+              <a:p>
+                <a:r>
+                  <a:rPr lang="en-US" dirty="0"/>
+                  <a:t>Touching every element of a list means </a:t>
                 </a:r>
                 <a:r>
                   <a:rPr lang="en-US" i="1" dirty="0"/>
                   <a:t>O(n)</a:t>
                 </a:r>
-                <a:r>
-                  <a:rPr lang="en-US" dirty="0"/>
-                  <a:t> by looking at max loop iterations </a:t>
-                </a:r>
-                <a:r>
-                  <a:rPr lang="en-US" dirty="0" err="1"/>
-                  <a:t>etc</a:t>
-                </a:r>
-                <a:r>
-                  <a:rPr lang="en-US" dirty="0"/>
-                  <a:t>…</a:t>
-                </a:r>
+                <a:endParaRPr lang="en-US" dirty="0"/>
               </a:p>
               <a:p>
                 <a:r>
                   <a:rPr lang="en-US" dirty="0"/>
-                  <a:t>Look for loops and recursion</a:t>
-                </a:r>
-              </a:p>
-              <a:p>
-                <a:r>
-                  <a:rPr lang="en-US" dirty="0"/>
-                  <a:t>Verify a loop steps by constant amount like 1 or k (not </a:t>
-                </a:r>
-                <a:r>
-                  <a:rPr lang="en-US" dirty="0" err="1"/>
-                  <a:t>i</a:t>
-                </a:r>
-                <a:r>
-                  <a:rPr lang="en-US" dirty="0"/>
-                  <a:t> *= 2)</a:t>
-                </a:r>
-              </a:p>
-              <a:p>
-                <a:r>
-                  <a:rPr lang="en-US" dirty="0"/>
-                  <a:t>Loops nested k deep, going around n times, are often O(</a:t>
-                </a:r>
-                <a14:m>
-                  <m:oMath xmlns:m="http://schemas.openxmlformats.org/officeDocument/2006/math">
-                    <m:sSup>
-                      <m:sSupPr>
-                        <m:ctrlPr>
-                          <a:rPr lang="en-US" i="1">
-                            <a:latin typeface="Cambria Math" panose="02040503050406030204" pitchFamily="18" charset="0"/>
-                          </a:rPr>
-                        </m:ctrlPr>
-                      </m:sSupPr>
-                      <m:e>
-                        <m:r>
-                          <a:rPr lang="en-US" i="1">
-                            <a:latin typeface="Cambria Math" charset="0"/>
-                          </a:rPr>
-                          <m:t>𝑛</m:t>
-                        </m:r>
-                      </m:e>
-                      <m:sup>
-                        <m:r>
-                          <a:rPr lang="en-US" b="0" i="1" smtClean="0">
-                            <a:latin typeface="Cambria Math" charset="0"/>
-                          </a:rPr>
-                          <m:t>𝑘</m:t>
-                        </m:r>
-                      </m:sup>
-                    </m:sSup>
-                  </m:oMath>
-                </a14:m>
-                <a:r>
-                  <a:rPr lang="en-US" dirty="0"/>
-                  <a:t>)</a:t>
-                </a:r>
-              </a:p>
-              <a:p>
-                <a:r>
-                  <a:rPr lang="en-US" dirty="0"/>
-                  <a:t>Ask yourself what the maximum amount of work is</a:t>
-                </a:r>
-              </a:p>
-              <a:p>
-                <a:pPr lvl="1"/>
-                <a:r>
-                  <a:rPr lang="en-US" dirty="0"/>
-                  <a:t>Touching every element of the list means </a:t>
-                </a:r>
-                <a:r>
-                  <a:rPr lang="en-US" i="1" dirty="0"/>
-                  <a:t>O(n)</a:t>
-                </a:r>
-                <a:r>
-                  <a:rPr lang="en-US" dirty="0"/>
-                  <a:t>, touching every element of an </a:t>
+                  <a:t>Touching every element of an </a:t>
                 </a:r>
                 <a:r>
                   <a:rPr lang="en-US" i="1" dirty="0"/>
@@ -4723,7 +4896,7 @@
                 </a:r>
                 <a:r>
                   <a:rPr lang="en-US" dirty="0"/>
-                  <a:t> or </a:t>
+                  <a:t>=</a:t>
                 </a:r>
                 <a:r>
                   <a:rPr lang="en-US" i="1" dirty="0"/>
@@ -4765,7 +4938,6 @@
                 <a:endParaRPr lang="en-US" dirty="0"/>
               </a:p>
               <a:p>
-                <a:pPr lvl="1"/>
                 <a:r>
                   <a:rPr lang="en-US" dirty="0"/>
                   <a:t>Touching every element of a tree with n nodes is </a:t>
@@ -4790,10 +4962,16 @@
             </p:txBody>
           </p:sp>
         </mc:Choice>
-        <mc:Fallback xmlns="">
+        <mc:Fallback>
           <p:sp>
             <p:nvSpPr>
-              <p:cNvPr id="3" name="Content Placeholder 2"/>
+              <p:cNvPr id="3" name="Content Placeholder 2">
+                <a:extLst>
+                  <a:ext uri="{FF2B5EF4-FFF2-40B4-BE49-F238E27FC236}">
+                    <a16:creationId xmlns:a16="http://schemas.microsoft.com/office/drawing/2014/main" id="{42ACAD0C-C3C1-2840-BEF2-46B74C35F5EC}"/>
+                  </a:ext>
+                </a:extLst>
+              </p:cNvPr>
               <p:cNvSpPr>
                 <a:spLocks noGrp="1" noRot="1" noChangeAspect="1" noMove="1" noResize="1" noEditPoints="1" noAdjustHandles="1" noChangeArrowheads="1" noChangeShapeType="1" noTextEdit="1"/>
               </p:cNvSpPr>
@@ -4805,7 +4983,7 @@
               <a:blipFill>
                 <a:blip r:embed="rId2"/>
                 <a:stretch>
-                  <a:fillRect l="-965" t="-3509" r="-724"/>
+                  <a:fillRect l="-965" t="-2632" r="-724"/>
                 </a:stretch>
               </a:blipFill>
             </p:spPr>
@@ -4824,10 +5002,44 @@
           </p:sp>
         </mc:Fallback>
       </mc:AlternateContent>
+      <p:sp>
+        <p:nvSpPr>
+          <p:cNvPr id="4" name="Rectangle 3">
+            <a:extLst>
+              <a:ext uri="{FF2B5EF4-FFF2-40B4-BE49-F238E27FC236}">
+                <a16:creationId xmlns:a16="http://schemas.microsoft.com/office/drawing/2014/main" id="{E3DC1942-037A-0D4F-9BC2-6A967BC1EBFB}"/>
+              </a:ext>
+            </a:extLst>
+          </p:cNvPr>
+          <p:cNvSpPr/>
+          <p:nvPr/>
+        </p:nvSpPr>
+        <p:spPr>
+          <a:xfrm>
+            <a:off x="3270384" y="4773630"/>
+            <a:ext cx="5210081" cy="430887"/>
+          </a:xfrm>
+          <a:prstGeom prst="rect">
+            <a:avLst/>
+          </a:prstGeom>
+        </p:spPr>
+        <p:txBody>
+          <a:bodyPr wrap="none">
+            <a:spAutoFit/>
+          </a:bodyPr>
+          <a:lstStyle/>
+          <a:p>
+            <a:r>
+              <a:rPr lang="en-US" sz="2200" i="1" dirty="0"/>
+              <a:t>Does it matter if tree is binary or trinary?</a:t>
+            </a:r>
+          </a:p>
+        </p:txBody>
+      </p:sp>
     </p:spTree>
     <p:extLst>
       <p:ext uri="{BB962C8B-B14F-4D97-AF65-F5344CB8AC3E}">
-        <p14:creationId xmlns:p14="http://schemas.microsoft.com/office/powerpoint/2010/main" val="808642641"/>
+        <p14:creationId xmlns:p14="http://schemas.microsoft.com/office/powerpoint/2010/main" val="3535583628"/>
       </p:ext>
     </p:extLst>
   </p:cSld>
@@ -4837,7 +5049,676 @@
 </p:sld>
 </file>
 
-<file path=ppt/slides/slide13.xml><?xml version="1.0" encoding="utf-8"?>
+<file path=ppt/slides/slide14.xml><?xml version="1.0" encoding="utf-8"?>
+<p:sld xmlns:a="http://schemas.openxmlformats.org/drawingml/2006/main" xmlns:r="http://schemas.openxmlformats.org/officeDocument/2006/relationships" xmlns:p="http://schemas.openxmlformats.org/presentationml/2006/main">
+  <p:cSld>
+    <p:spTree>
+      <p:nvGrpSpPr>
+        <p:cNvPr id="1" name=""/>
+        <p:cNvGrpSpPr/>
+        <p:nvPr/>
+      </p:nvGrpSpPr>
+      <p:grpSpPr>
+        <a:xfrm>
+          <a:off x="0" y="0"/>
+          <a:ext cx="0" cy="0"/>
+          <a:chOff x="0" y="0"/>
+          <a:chExt cx="0" cy="0"/>
+        </a:xfrm>
+      </p:grpSpPr>
+      <p:sp>
+        <p:nvSpPr>
+          <p:cNvPr id="2" name="Title 1">
+            <a:extLst>
+              <a:ext uri="{FF2B5EF4-FFF2-40B4-BE49-F238E27FC236}">
+                <a16:creationId xmlns:a16="http://schemas.microsoft.com/office/drawing/2014/main" id="{D0418F9E-A1E6-BE48-909D-BF1C3631FD02}"/>
+              </a:ext>
+            </a:extLst>
+          </p:cNvPr>
+          <p:cNvSpPr>
+            <a:spLocks noGrp="1"/>
+          </p:cNvSpPr>
+          <p:nvPr>
+            <p:ph type="title"/>
+          </p:nvPr>
+        </p:nvSpPr>
+        <p:spPr/>
+        <p:txBody>
+          <a:bodyPr/>
+          <a:lstStyle/>
+          <a:p>
+            <a:r>
+              <a:rPr lang="en-US" dirty="0"/>
+              <a:t>Nested loop examples</a:t>
+            </a:r>
+          </a:p>
+        </p:txBody>
+      </p:sp>
+      <mc:AlternateContent xmlns:mc="http://schemas.openxmlformats.org/markup-compatibility/2006">
+        <mc:Choice xmlns:a14="http://schemas.microsoft.com/office/drawing/2010/main" Requires="a14">
+          <p:sp>
+            <p:nvSpPr>
+              <p:cNvPr id="3" name="Content Placeholder 2">
+                <a:extLst>
+                  <a:ext uri="{FF2B5EF4-FFF2-40B4-BE49-F238E27FC236}">
+                    <a16:creationId xmlns:a16="http://schemas.microsoft.com/office/drawing/2014/main" id="{23881C87-50FE-894E-847D-1A0D9EDD0AAA}"/>
+                  </a:ext>
+                </a:extLst>
+              </p:cNvPr>
+              <p:cNvSpPr>
+                <a:spLocks noGrp="1"/>
+              </p:cNvSpPr>
+              <p:nvPr>
+                <p:ph idx="1"/>
+              </p:nvPr>
+            </p:nvSpPr>
+            <p:spPr/>
+            <p:txBody>
+              <a:bodyPr/>
+              <a:lstStyle/>
+              <a:p>
+                <a:r>
+                  <a:rPr lang="en-US" dirty="0"/>
+                  <a:t>Loops nested k deep, going around n times, are often O(</a:t>
+                </a:r>
+                <a14:m>
+                  <m:oMath xmlns:m="http://schemas.openxmlformats.org/officeDocument/2006/math">
+                    <m:sSup>
+                      <m:sSupPr>
+                        <m:ctrlPr>
+                          <a:rPr lang="en-US" i="1">
+                            <a:latin typeface="Cambria Math" panose="02040503050406030204" pitchFamily="18" charset="0"/>
+                          </a:rPr>
+                        </m:ctrlPr>
+                      </m:sSupPr>
+                      <m:e>
+                        <m:r>
+                          <a:rPr lang="en-US" i="1">
+                            <a:latin typeface="Cambria Math" charset="0"/>
+                          </a:rPr>
+                          <m:t>𝑛</m:t>
+                        </m:r>
+                      </m:e>
+                      <m:sup>
+                        <m:r>
+                          <a:rPr lang="en-US" i="1">
+                            <a:latin typeface="Cambria Math" charset="0"/>
+                          </a:rPr>
+                          <m:t>𝑘</m:t>
+                        </m:r>
+                      </m:sup>
+                    </m:sSup>
+                  </m:oMath>
+                </a14:m>
+                <a:r>
+                  <a:rPr lang="en-US" dirty="0"/>
+                  <a:t>)</a:t>
+                </a:r>
+              </a:p>
+            </p:txBody>
+          </p:sp>
+        </mc:Choice>
+        <mc:Fallback>
+          <p:sp>
+            <p:nvSpPr>
+              <p:cNvPr id="3" name="Content Placeholder 2">
+                <a:extLst>
+                  <a:ext uri="{FF2B5EF4-FFF2-40B4-BE49-F238E27FC236}">
+                    <a16:creationId xmlns:a16="http://schemas.microsoft.com/office/drawing/2014/main" id="{23881C87-50FE-894E-847D-1A0D9EDD0AAA}"/>
+                  </a:ext>
+                </a:extLst>
+              </p:cNvPr>
+              <p:cNvSpPr>
+                <a:spLocks noGrp="1" noRot="1" noChangeAspect="1" noMove="1" noResize="1" noEditPoints="1" noAdjustHandles="1" noChangeArrowheads="1" noChangeShapeType="1" noTextEdit="1"/>
+              </p:cNvSpPr>
+              <p:nvPr>
+                <p:ph idx="1"/>
+              </p:nvPr>
+            </p:nvSpPr>
+            <p:spPr>
+              <a:blipFill>
+                <a:blip r:embed="rId2"/>
+                <a:stretch>
+                  <a:fillRect l="-965" t="-2632"/>
+                </a:stretch>
+              </a:blipFill>
+            </p:spPr>
+            <p:txBody>
+              <a:bodyPr/>
+              <a:lstStyle/>
+              <a:p>
+                <a:r>
+                  <a:rPr lang="en-US">
+                    <a:noFill/>
+                  </a:rPr>
+                  <a:t> </a:t>
+                </a:r>
+              </a:p>
+            </p:txBody>
+          </p:sp>
+        </mc:Fallback>
+      </mc:AlternateContent>
+      <p:sp>
+        <p:nvSpPr>
+          <p:cNvPr id="4" name="TextBox 3">
+            <a:extLst>
+              <a:ext uri="{FF2B5EF4-FFF2-40B4-BE49-F238E27FC236}">
+                <a16:creationId xmlns:a16="http://schemas.microsoft.com/office/drawing/2014/main" id="{DCD32D59-7749-3C4E-B0F4-98CBBD78C40E}"/>
+              </a:ext>
+            </a:extLst>
+          </p:cNvPr>
+          <p:cNvSpPr txBox="1"/>
+          <p:nvPr/>
+        </p:nvSpPr>
+        <p:spPr>
+          <a:xfrm>
+            <a:off x="1170616" y="2326828"/>
+            <a:ext cx="4609554" cy="1107996"/>
+          </a:xfrm>
+          <a:prstGeom prst="rect">
+            <a:avLst/>
+          </a:prstGeom>
+          <a:noFill/>
+          <a:ln>
+            <a:solidFill>
+              <a:schemeClr val="accent1"/>
+            </a:solidFill>
+          </a:ln>
+        </p:spPr>
+        <p:txBody>
+          <a:bodyPr wrap="square" rtlCol="0">
+            <a:spAutoFit/>
+          </a:bodyPr>
+          <a:lstStyle/>
+          <a:p>
+            <a:r>
+              <a:rPr lang="en-US" sz="2200" dirty="0">
+                <a:latin typeface="Monaco" charset="0"/>
+                <a:ea typeface="Monaco" charset="0"/>
+                <a:cs typeface="Monaco" charset="0"/>
+              </a:rPr>
+              <a:t>for </a:t>
+            </a:r>
+            <a:r>
+              <a:rPr lang="en-US" sz="2200" dirty="0" err="1">
+                <a:latin typeface="Monaco" charset="0"/>
+                <a:ea typeface="Monaco" charset="0"/>
+                <a:cs typeface="Monaco" charset="0"/>
+              </a:rPr>
+              <a:t>i</a:t>
+            </a:r>
+            <a:r>
+              <a:rPr lang="en-US" sz="2200" dirty="0">
+                <a:latin typeface="Monaco" charset="0"/>
+                <a:ea typeface="Monaco" charset="0"/>
+                <a:cs typeface="Monaco" charset="0"/>
+              </a:rPr>
+              <a:t> in range(n):</a:t>
+            </a:r>
+          </a:p>
+          <a:p>
+            <a:r>
+              <a:rPr lang="en-US" sz="2200" dirty="0">
+                <a:latin typeface="Monaco" charset="0"/>
+                <a:ea typeface="Monaco" charset="0"/>
+                <a:cs typeface="Monaco" charset="0"/>
+              </a:rPr>
+              <a:t>    for j in range(n):</a:t>
+            </a:r>
+          </a:p>
+          <a:p>
+            <a:r>
+              <a:rPr lang="en-US" sz="2200" dirty="0">
+                <a:latin typeface="Monaco" charset="0"/>
+                <a:ea typeface="Monaco" charset="0"/>
+                <a:cs typeface="Monaco" charset="0"/>
+              </a:rPr>
+              <a:t>        a = …</a:t>
+            </a:r>
+          </a:p>
+        </p:txBody>
+      </p:sp>
+      <p:sp>
+        <p:nvSpPr>
+          <p:cNvPr id="5" name="TextBox 4">
+            <a:extLst>
+              <a:ext uri="{FF2B5EF4-FFF2-40B4-BE49-F238E27FC236}">
+                <a16:creationId xmlns:a16="http://schemas.microsoft.com/office/drawing/2014/main" id="{AFB1F846-1EC1-BA4B-A173-C63297BA3B7D}"/>
+              </a:ext>
+            </a:extLst>
+          </p:cNvPr>
+          <p:cNvSpPr txBox="1"/>
+          <p:nvPr/>
+        </p:nvSpPr>
+        <p:spPr>
+          <a:xfrm>
+            <a:off x="6352584" y="2326828"/>
+            <a:ext cx="4609554" cy="1446550"/>
+          </a:xfrm>
+          <a:prstGeom prst="rect">
+            <a:avLst/>
+          </a:prstGeom>
+          <a:noFill/>
+          <a:ln>
+            <a:solidFill>
+              <a:schemeClr val="accent1"/>
+            </a:solidFill>
+          </a:ln>
+        </p:spPr>
+        <p:txBody>
+          <a:bodyPr wrap="square" rtlCol="0">
+            <a:spAutoFit/>
+          </a:bodyPr>
+          <a:lstStyle/>
+          <a:p>
+            <a:r>
+              <a:rPr lang="en-US" sz="2200" dirty="0">
+                <a:latin typeface="Monaco" charset="0"/>
+                <a:ea typeface="Monaco" charset="0"/>
+                <a:cs typeface="Monaco" charset="0"/>
+              </a:rPr>
+              <a:t>for </a:t>
+            </a:r>
+            <a:r>
+              <a:rPr lang="en-US" sz="2200" dirty="0" err="1">
+                <a:latin typeface="Monaco" charset="0"/>
+                <a:ea typeface="Monaco" charset="0"/>
+                <a:cs typeface="Monaco" charset="0"/>
+              </a:rPr>
+              <a:t>i</a:t>
+            </a:r>
+            <a:r>
+              <a:rPr lang="en-US" sz="2200" dirty="0">
+                <a:latin typeface="Monaco" charset="0"/>
+                <a:ea typeface="Monaco" charset="0"/>
+                <a:cs typeface="Monaco" charset="0"/>
+              </a:rPr>
+              <a:t> in range(n):</a:t>
+            </a:r>
+          </a:p>
+          <a:p>
+            <a:r>
+              <a:rPr lang="en-US" sz="2200" dirty="0">
+                <a:latin typeface="Monaco" charset="0"/>
+                <a:ea typeface="Monaco" charset="0"/>
+                <a:cs typeface="Monaco" charset="0"/>
+              </a:rPr>
+              <a:t>    for j in range(n):</a:t>
+            </a:r>
+          </a:p>
+          <a:p>
+            <a:r>
+              <a:rPr lang="en-US" sz="2200" dirty="0">
+                <a:latin typeface="Monaco" charset="0"/>
+                <a:ea typeface="Monaco" charset="0"/>
+                <a:cs typeface="Monaco" charset="0"/>
+              </a:rPr>
+              <a:t>        for k in range(n):</a:t>
+            </a:r>
+          </a:p>
+          <a:p>
+            <a:r>
+              <a:rPr lang="en-US" sz="2200" dirty="0">
+                <a:latin typeface="Monaco" charset="0"/>
+                <a:ea typeface="Monaco" charset="0"/>
+                <a:cs typeface="Monaco" charset="0"/>
+              </a:rPr>
+              <a:t>            a = …</a:t>
+            </a:r>
+          </a:p>
+        </p:txBody>
+      </p:sp>
+      <p:sp>
+        <p:nvSpPr>
+          <p:cNvPr id="6" name="TextBox 5">
+            <a:extLst>
+              <a:ext uri="{FF2B5EF4-FFF2-40B4-BE49-F238E27FC236}">
+                <a16:creationId xmlns:a16="http://schemas.microsoft.com/office/drawing/2014/main" id="{56E65DA1-0732-854C-A56F-F8EF08AF75EB}"/>
+              </a:ext>
+            </a:extLst>
+          </p:cNvPr>
+          <p:cNvSpPr txBox="1"/>
+          <p:nvPr/>
+        </p:nvSpPr>
+        <p:spPr>
+          <a:xfrm>
+            <a:off x="1054336" y="3858442"/>
+            <a:ext cx="8953092" cy="461665"/>
+          </a:xfrm>
+          <a:prstGeom prst="rect">
+            <a:avLst/>
+          </a:prstGeom>
+          <a:noFill/>
+        </p:spPr>
+        <p:txBody>
+          <a:bodyPr wrap="none" rtlCol="0">
+            <a:spAutoFit/>
+          </a:bodyPr>
+          <a:lstStyle/>
+          <a:p>
+            <a:r>
+              <a:rPr lang="en-US" sz="2400" i="1" dirty="0"/>
+              <a:t>What is cost of these loops assuming “a=…” costs k operations?</a:t>
+            </a:r>
+          </a:p>
+        </p:txBody>
+      </p:sp>
+      <mc:AlternateContent xmlns:mc="http://schemas.openxmlformats.org/markup-compatibility/2006">
+        <mc:Choice xmlns:a14="http://schemas.microsoft.com/office/drawing/2010/main" Requires="a14">
+          <p:sp>
+            <p:nvSpPr>
+              <p:cNvPr id="7" name="TextBox 6">
+                <a:extLst>
+                  <a:ext uri="{FF2B5EF4-FFF2-40B4-BE49-F238E27FC236}">
+                    <a16:creationId xmlns:a16="http://schemas.microsoft.com/office/drawing/2014/main" id="{FC7FBB75-96FA-5443-A5EF-2C3023BC98EC}"/>
+                  </a:ext>
+                </a:extLst>
+              </p:cNvPr>
+              <p:cNvSpPr txBox="1"/>
+              <p:nvPr/>
+            </p:nvSpPr>
+            <p:spPr>
+              <a:xfrm>
+                <a:off x="1054336" y="4487867"/>
+                <a:ext cx="7778411" cy="547073"/>
+              </a:xfrm>
+              <a:prstGeom prst="rect">
+                <a:avLst/>
+              </a:prstGeom>
+              <a:noFill/>
+            </p:spPr>
+            <p:txBody>
+              <a:bodyPr wrap="none" rtlCol="0">
+                <a:spAutoFit/>
+              </a:bodyPr>
+              <a:lstStyle/>
+              <a:p>
+                <a:r>
+                  <a:rPr lang="en-US" sz="2600" dirty="0"/>
+                  <a:t>T(n) = </a:t>
+                </a:r>
+                <a14:m>
+                  <m:oMath xmlns:m="http://schemas.openxmlformats.org/officeDocument/2006/math">
+                    <m:nary>
+                      <m:naryPr>
+                        <m:chr m:val="∑"/>
+                        <m:ctrlPr>
+                          <a:rPr lang="en-US" sz="2600" i="1" smtClean="0">
+                            <a:latin typeface="Cambria Math" panose="02040503050406030204" pitchFamily="18" charset="0"/>
+                          </a:rPr>
+                        </m:ctrlPr>
+                      </m:naryPr>
+                      <m:sub>
+                        <m:r>
+                          <m:rPr>
+                            <m:brk m:alnAt="23"/>
+                          </m:rPr>
+                          <a:rPr lang="en-US" sz="2600" b="0" i="1" smtClean="0">
+                            <a:latin typeface="Cambria Math" panose="02040503050406030204" pitchFamily="18" charset="0"/>
+                          </a:rPr>
+                          <m:t>𝑖</m:t>
+                        </m:r>
+                        <m:r>
+                          <a:rPr lang="en-US" sz="2600" b="0" i="1" smtClean="0">
+                            <a:latin typeface="Cambria Math" panose="02040503050406030204" pitchFamily="18" charset="0"/>
+                          </a:rPr>
+                          <m:t>=1</m:t>
+                        </m:r>
+                      </m:sub>
+                      <m:sup>
+                        <m:r>
+                          <a:rPr lang="en-US" sz="2600" b="0" i="1" smtClean="0">
+                            <a:latin typeface="Cambria Math" panose="02040503050406030204" pitchFamily="18" charset="0"/>
+                          </a:rPr>
+                          <m:t>𝑛</m:t>
+                        </m:r>
+                      </m:sup>
+                      <m:e>
+                        <m:nary>
+                          <m:naryPr>
+                            <m:chr m:val="∑"/>
+                            <m:ctrlPr>
+                              <a:rPr lang="en-US" sz="2600" i="1" smtClean="0">
+                                <a:latin typeface="Cambria Math" panose="02040503050406030204" pitchFamily="18" charset="0"/>
+                              </a:rPr>
+                            </m:ctrlPr>
+                          </m:naryPr>
+                          <m:sub>
+                            <m:r>
+                              <m:rPr>
+                                <m:brk m:alnAt="23"/>
+                              </m:rPr>
+                              <a:rPr lang="en-US" sz="2600" b="0" i="1" smtClean="0">
+                                <a:latin typeface="Cambria Math" panose="02040503050406030204" pitchFamily="18" charset="0"/>
+                              </a:rPr>
+                              <m:t>𝑗</m:t>
+                            </m:r>
+                            <m:r>
+                              <a:rPr lang="en-US" sz="2600" b="0" i="1" smtClean="0">
+                                <a:latin typeface="Cambria Math" panose="02040503050406030204" pitchFamily="18" charset="0"/>
+                              </a:rPr>
+                              <m:t>=1</m:t>
+                            </m:r>
+                          </m:sub>
+                          <m:sup>
+                            <m:r>
+                              <a:rPr lang="en-US" sz="2600" b="0" i="1" smtClean="0">
+                                <a:latin typeface="Cambria Math" panose="02040503050406030204" pitchFamily="18" charset="0"/>
+                              </a:rPr>
+                              <m:t>𝑛</m:t>
+                            </m:r>
+                          </m:sup>
+                          <m:e>
+                            <m:r>
+                              <a:rPr lang="en-US" sz="2600" b="0" i="1" smtClean="0">
+                                <a:latin typeface="Cambria Math" panose="02040503050406030204" pitchFamily="18" charset="0"/>
+                              </a:rPr>
+                              <m:t>𝑘</m:t>
+                            </m:r>
+                            <m:r>
+                              <a:rPr lang="en-US" sz="2600" b="0" i="1" smtClean="0">
+                                <a:latin typeface="Cambria Math" panose="02040503050406030204" pitchFamily="18" charset="0"/>
+                              </a:rPr>
+                              <m:t>=</m:t>
+                            </m:r>
+                            <m:nary>
+                              <m:naryPr>
+                                <m:chr m:val="∑"/>
+                                <m:ctrlPr>
+                                  <a:rPr lang="en-US" sz="2600" i="1">
+                                    <a:latin typeface="Cambria Math" panose="02040503050406030204" pitchFamily="18" charset="0"/>
+                                  </a:rPr>
+                                </m:ctrlPr>
+                              </m:naryPr>
+                              <m:sub>
+                                <m:r>
+                                  <m:rPr>
+                                    <m:brk m:alnAt="23"/>
+                                  </m:rPr>
+                                  <a:rPr lang="en-US" sz="2600" i="1">
+                                    <a:latin typeface="Cambria Math" panose="02040503050406030204" pitchFamily="18" charset="0"/>
+                                  </a:rPr>
+                                  <m:t>𝑖</m:t>
+                                </m:r>
+                                <m:r>
+                                  <a:rPr lang="en-US" sz="2600" i="1">
+                                    <a:latin typeface="Cambria Math" panose="02040503050406030204" pitchFamily="18" charset="0"/>
+                                  </a:rPr>
+                                  <m:t>=1</m:t>
+                                </m:r>
+                              </m:sub>
+                              <m:sup>
+                                <m:r>
+                                  <a:rPr lang="en-US" sz="2600" i="1">
+                                    <a:latin typeface="Cambria Math" panose="02040503050406030204" pitchFamily="18" charset="0"/>
+                                  </a:rPr>
+                                  <m:t>𝑛</m:t>
+                                </m:r>
+                              </m:sup>
+                              <m:e>
+                                <m:r>
+                                  <a:rPr lang="en-US" sz="2600" b="0" i="1" smtClean="0">
+                                    <a:latin typeface="Cambria Math" panose="02040503050406030204" pitchFamily="18" charset="0"/>
+                                  </a:rPr>
+                                  <m:t>𝑛𝑘</m:t>
+                                </m:r>
+                                <m:r>
+                                  <a:rPr lang="en-US" sz="2600" b="0" i="1" smtClean="0">
+                                    <a:latin typeface="Cambria Math" panose="02040503050406030204" pitchFamily="18" charset="0"/>
+                                  </a:rPr>
+                                  <m:t>=</m:t>
+                                </m:r>
+                                <m:sSup>
+                                  <m:sSupPr>
+                                    <m:ctrlPr>
+                                      <a:rPr lang="en-US" sz="2600" b="0" i="1" smtClean="0">
+                                        <a:latin typeface="Cambria Math" panose="02040503050406030204" pitchFamily="18" charset="0"/>
+                                      </a:rPr>
+                                    </m:ctrlPr>
+                                  </m:sSupPr>
+                                  <m:e>
+                                    <m:r>
+                                      <a:rPr lang="en-US" sz="2600" b="0" i="1" smtClean="0">
+                                        <a:latin typeface="Cambria Math" panose="02040503050406030204" pitchFamily="18" charset="0"/>
+                                      </a:rPr>
+                                      <m:t>𝑛</m:t>
+                                    </m:r>
+                                  </m:e>
+                                  <m:sup>
+                                    <m:r>
+                                      <a:rPr lang="en-US" sz="2600" b="0" i="1" smtClean="0">
+                                        <a:latin typeface="Cambria Math" panose="02040503050406030204" pitchFamily="18" charset="0"/>
+                                      </a:rPr>
+                                      <m:t>2</m:t>
+                                    </m:r>
+                                  </m:sup>
+                                </m:sSup>
+                                <m:r>
+                                  <a:rPr lang="en-US" sz="2600" b="0" i="1" smtClean="0">
+                                    <a:latin typeface="Cambria Math" panose="02040503050406030204" pitchFamily="18" charset="0"/>
+                                  </a:rPr>
+                                  <m:t>𝑘</m:t>
+                                </m:r>
+                              </m:e>
+                            </m:nary>
+                          </m:e>
+                        </m:nary>
+                      </m:e>
+                    </m:nary>
+                  </m:oMath>
+                </a14:m>
+                <a:r>
+                  <a:rPr lang="en-US" sz="2600" dirty="0"/>
+                  <a:t>, which is O(n^2)</a:t>
+                </a:r>
+              </a:p>
+            </p:txBody>
+          </p:sp>
+        </mc:Choice>
+        <mc:Fallback>
+          <p:sp>
+            <p:nvSpPr>
+              <p:cNvPr id="7" name="TextBox 6">
+                <a:extLst>
+                  <a:ext uri="{FF2B5EF4-FFF2-40B4-BE49-F238E27FC236}">
+                    <a16:creationId xmlns:a16="http://schemas.microsoft.com/office/drawing/2014/main" id="{FC7FBB75-96FA-5443-A5EF-2C3023BC98EC}"/>
+                  </a:ext>
+                </a:extLst>
+              </p:cNvPr>
+              <p:cNvSpPr txBox="1">
+                <a:spLocks noRot="1" noChangeAspect="1" noMove="1" noResize="1" noEditPoints="1" noAdjustHandles="1" noChangeArrowheads="1" noChangeShapeType="1" noTextEdit="1"/>
+              </p:cNvSpPr>
+              <p:nvPr/>
+            </p:nvSpPr>
+            <p:spPr>
+              <a:xfrm>
+                <a:off x="1054336" y="4487867"/>
+                <a:ext cx="7778411" cy="547073"/>
+              </a:xfrm>
+              <a:prstGeom prst="rect">
+                <a:avLst/>
+              </a:prstGeom>
+              <a:blipFill>
+                <a:blip r:embed="rId3"/>
+                <a:stretch>
+                  <a:fillRect l="-1305" t="-113636" r="-326" b="-170455"/>
+                </a:stretch>
+              </a:blipFill>
+            </p:spPr>
+            <p:txBody>
+              <a:bodyPr/>
+              <a:lstStyle/>
+              <a:p>
+                <a:r>
+                  <a:rPr lang="en-US">
+                    <a:noFill/>
+                  </a:rPr>
+                  <a:t> </a:t>
+                </a:r>
+              </a:p>
+            </p:txBody>
+          </p:sp>
+        </mc:Fallback>
+      </mc:AlternateContent>
+      <p:cxnSp>
+        <p:nvCxnSpPr>
+          <p:cNvPr id="9" name="Elbow Connector 8">
+            <a:extLst>
+              <a:ext uri="{FF2B5EF4-FFF2-40B4-BE49-F238E27FC236}">
+                <a16:creationId xmlns:a16="http://schemas.microsoft.com/office/drawing/2014/main" id="{F89B9808-D04B-3E49-9A1D-86B99C80FF31}"/>
+              </a:ext>
+            </a:extLst>
+          </p:cNvPr>
+          <p:cNvCxnSpPr>
+            <a:cxnSpLocks/>
+            <a:stCxn id="7" idx="1"/>
+          </p:cNvCxnSpPr>
+          <p:nvPr/>
+        </p:nvCxnSpPr>
+        <p:spPr>
+          <a:xfrm rot="10800000" flipH="1">
+            <a:off x="1054336" y="2573080"/>
+            <a:ext cx="116280" cy="2188325"/>
+          </a:xfrm>
+          <a:prstGeom prst="bentConnector4">
+            <a:avLst>
+              <a:gd name="adj1" fmla="val -196594"/>
+              <a:gd name="adj2" fmla="val 99979"/>
+            </a:avLst>
+          </a:prstGeom>
+          <a:ln>
+            <a:tailEnd type="triangle"/>
+          </a:ln>
+        </p:spPr>
+        <p:style>
+          <a:lnRef idx="1">
+            <a:schemeClr val="accent1"/>
+          </a:lnRef>
+          <a:fillRef idx="0">
+            <a:schemeClr val="accent1"/>
+          </a:fillRef>
+          <a:effectRef idx="0">
+            <a:schemeClr val="accent1"/>
+          </a:effectRef>
+          <a:fontRef idx="minor">
+            <a:schemeClr val="tx1"/>
+          </a:fontRef>
+        </p:style>
+      </p:cxnSp>
+    </p:spTree>
+    <p:extLst>
+      <p:ext uri="{BB962C8B-B14F-4D97-AF65-F5344CB8AC3E}">
+        <p14:creationId xmlns:p14="http://schemas.microsoft.com/office/powerpoint/2010/main" val="1373226970"/>
+      </p:ext>
+    </p:extLst>
+  </p:cSld>
+  <p:clrMapOvr>
+    <a:masterClrMapping/>
+  </p:clrMapOvr>
+</p:sld>
+</file>
+
+<file path=ppt/slides/slide15.xml><?xml version="1.0" encoding="utf-8"?>
 <p:sld xmlns:a="http://schemas.openxmlformats.org/drawingml/2006/main" xmlns:r="http://schemas.openxmlformats.org/officeDocument/2006/relationships" xmlns:p="http://schemas.openxmlformats.org/presentationml/2006/main">
   <p:cSld>
     <p:bg>
@@ -5184,7 +6065,7 @@
 </p:sld>
 </file>
 
-<file path=ppt/slides/slide14.xml><?xml version="1.0" encoding="utf-8"?>
+<file path=ppt/slides/slide16.xml><?xml version="1.0" encoding="utf-8"?>
 <p:sld xmlns:a="http://schemas.openxmlformats.org/drawingml/2006/main" xmlns:r="http://schemas.openxmlformats.org/officeDocument/2006/relationships" xmlns:p="http://schemas.openxmlformats.org/presentationml/2006/main">
   <p:cSld>
     <p:bg>
@@ -5522,7 +6403,7 @@
 </p:sld>
 </file>
 
-<file path=ppt/slides/slide15.xml><?xml version="1.0" encoding="utf-8"?>
+<file path=ppt/slides/slide17.xml><?xml version="1.0" encoding="utf-8"?>
 <p:sld xmlns:a="http://schemas.openxmlformats.org/drawingml/2006/main" xmlns:r="http://schemas.openxmlformats.org/officeDocument/2006/relationships" xmlns:p="http://schemas.openxmlformats.org/presentationml/2006/main">
   <p:cSld>
     <p:bg>
@@ -5579,8 +6460,8 @@
           </a:p>
         </p:txBody>
       </p:sp>
-      <mc:AlternateContent xmlns:mc="http://schemas.openxmlformats.org/markup-compatibility/2006" xmlns:a14="http://schemas.microsoft.com/office/drawing/2010/main">
-        <mc:Choice Requires="a14">
+      <mc:AlternateContent xmlns:mc="http://schemas.openxmlformats.org/markup-compatibility/2006">
+        <mc:Choice xmlns:a14="http://schemas.microsoft.com/office/drawing/2010/main" Requires="a14">
           <p:sp>
             <p:nvSpPr>
               <p:cNvPr id="3" name="Content Placeholder 2"/>
@@ -5726,6 +6607,12 @@
                       <m:e>
                         <m:r>
                           <a:rPr lang="en-US" b="0" i="1" smtClean="0">
+                            <a:latin typeface="Cambria Math" panose="02040503050406030204" pitchFamily="18" charset="0"/>
+                          </a:rPr>
+                          <m:t>(</m:t>
+                        </m:r>
+                        <m:r>
+                          <a:rPr lang="en-US" b="0" i="1" smtClean="0">
                             <a:latin typeface="Cambria Math" charset="0"/>
                           </a:rPr>
                           <m:t>1+</m:t>
@@ -5774,6 +6661,12 @@
                             <a:latin typeface="Cambria Math" charset="0"/>
                           </a:rPr>
                           <m:t>𝑜𝑝𝑒𝑟𝑎𝑡𝑖𝑜𝑛</m:t>
+                        </m:r>
+                        <m:r>
+                          <a:rPr lang="en-US" b="0" i="1" smtClean="0">
+                            <a:latin typeface="Cambria Math" panose="02040503050406030204" pitchFamily="18" charset="0"/>
+                          </a:rPr>
+                          <m:t>)</m:t>
                         </m:r>
                       </m:e>
                     </m:nary>
@@ -5877,13 +6770,13 @@
                 </a:br>
                 <a:r>
                   <a:rPr lang="en-US" dirty="0"/>
-                  <a:t>	 = n + ???</a:t>
+                  <a:t>	 = n + n * ???</a:t>
                 </a:r>
               </a:p>
             </p:txBody>
           </p:sp>
         </mc:Choice>
-        <mc:Fallback xmlns="">
+        <mc:Fallback>
           <p:sp>
             <p:nvSpPr>
               <p:cNvPr id="3" name="Content Placeholder 2"/>
@@ -5899,10 +6792,10 @@
                 <a:off x="838200" y="1825625"/>
                 <a:ext cx="11136086" cy="4351338"/>
               </a:xfrm>
-              <a:blipFill rotWithShape="0">
+              <a:blipFill>
                 <a:blip r:embed="rId2"/>
                 <a:stretch>
-                  <a:fillRect l="-986" t="-2381" b="-140"/>
+                  <a:fillRect l="-911" t="-2632" b="-11111"/>
                 </a:stretch>
               </a:blipFill>
             </p:spPr>
@@ -6094,7 +6987,7 @@
 </p:sld>
 </file>
 
-<file path=ppt/slides/slide16.xml><?xml version="1.0" encoding="utf-8"?>
+<file path=ppt/slides/slide18.xml><?xml version="1.0" encoding="utf-8"?>
 <p:sld xmlns:a="http://schemas.openxmlformats.org/drawingml/2006/main" xmlns:r="http://schemas.openxmlformats.org/officeDocument/2006/relationships" xmlns:p="http://schemas.openxmlformats.org/presentationml/2006/main">
   <p:cSld>
     <p:bg>
@@ -6799,7 +7692,7 @@
 </p:sld>
 </file>
 
-<file path=ppt/slides/slide17.xml><?xml version="1.0" encoding="utf-8"?>
+<file path=ppt/slides/slide19.xml><?xml version="1.0" encoding="utf-8"?>
 <p:sld xmlns:a="http://schemas.openxmlformats.org/drawingml/2006/main" xmlns:r="http://schemas.openxmlformats.org/officeDocument/2006/relationships" xmlns:p="http://schemas.openxmlformats.org/presentationml/2006/main">
   <p:cSld>
     <p:bg>
@@ -7757,7 +8650,198 @@
 </p:sld>
 </file>
 
-<file path=ppt/slides/slide18.xml><?xml version="1.0" encoding="utf-8"?>
+<file path=ppt/slides/slide2.xml><?xml version="1.0" encoding="utf-8"?>
+<p:sld xmlns:a="http://schemas.openxmlformats.org/drawingml/2006/main" xmlns:r="http://schemas.openxmlformats.org/officeDocument/2006/relationships" xmlns:p="http://schemas.openxmlformats.org/presentationml/2006/main">
+  <p:cSld>
+    <p:bg>
+      <p:bgPr>
+        <a:solidFill>
+          <a:schemeClr val="bg1"/>
+        </a:solidFill>
+        <a:effectLst/>
+      </p:bgPr>
+    </p:bg>
+    <p:spTree>
+      <p:nvGrpSpPr>
+        <p:cNvPr id="1" name=""/>
+        <p:cNvGrpSpPr/>
+        <p:nvPr/>
+      </p:nvGrpSpPr>
+      <p:grpSpPr>
+        <a:xfrm>
+          <a:off x="0" y="0"/>
+          <a:ext cx="0" cy="0"/>
+          <a:chOff x="0" y="0"/>
+          <a:chExt cx="0" cy="0"/>
+        </a:xfrm>
+      </p:grpSpPr>
+      <p:sp>
+        <p:nvSpPr>
+          <p:cNvPr id="2" name="Title 1"/>
+          <p:cNvSpPr>
+            <a:spLocks noGrp="1"/>
+          </p:cNvSpPr>
+          <p:nvPr>
+            <p:ph type="title"/>
+          </p:nvPr>
+        </p:nvSpPr>
+        <p:spPr/>
+        <p:txBody>
+          <a:bodyPr/>
+          <a:lstStyle/>
+          <a:p>
+            <a:r>
+              <a:rPr lang="en-US" dirty="0"/>
+              <a:t>Reasons to study algorithm complexity</a:t>
+            </a:r>
+          </a:p>
+        </p:txBody>
+      </p:sp>
+      <mc:AlternateContent xmlns:mc="http://schemas.openxmlformats.org/markup-compatibility/2006">
+        <mc:Choice xmlns:a14="http://schemas.microsoft.com/office/drawing/2010/main" Requires="a14">
+          <p:sp>
+            <p:nvSpPr>
+              <p:cNvPr id="3" name="Content Placeholder 2"/>
+              <p:cNvSpPr>
+                <a:spLocks noGrp="1"/>
+              </p:cNvSpPr>
+              <p:nvPr>
+                <p:ph idx="1"/>
+              </p:nvPr>
+            </p:nvSpPr>
+            <p:spPr/>
+            <p:txBody>
+              <a:bodyPr/>
+              <a:lstStyle/>
+              <a:p>
+                <a:r>
+                  <a:rPr lang="en-US" dirty="0"/>
+                  <a:t>Get a feel for algorithm time and space performance operating on a specific data structure or structures</a:t>
+                </a:r>
+              </a:p>
+              <a:p>
+                <a:r>
+                  <a:rPr lang="en-US" dirty="0"/>
+                  <a:t>Be able to meaningfully compare multiple algorithms’ performance across a wide variety of input sizes</a:t>
+                </a:r>
+              </a:p>
+              <a:p>
+                <a:r>
+                  <a:rPr lang="en-US" dirty="0"/>
+                  <a:t>Analyze best, typical, and worst-case behavior</a:t>
+                </a:r>
+              </a:p>
+              <a:p>
+                <a:r>
+                  <a:rPr lang="en-US" dirty="0"/>
+                  <a:t>Reducing algorithm complexity is by far the most effective strategy for improving program performance;</a:t>
+                </a:r>
+                <a:br>
+                  <a:rPr lang="en-US" dirty="0"/>
+                </a:br>
+                <a:r>
+                  <a:rPr lang="en-US" dirty="0"/>
+                  <a:t>Aside: For my PhD, I discovered an approximation to a useful algorithm that dropped complexity from O(</a:t>
+                </a:r>
+                <a14:m>
+                  <m:oMath xmlns:m="http://schemas.openxmlformats.org/officeDocument/2006/math">
+                    <m:sSup>
+                      <m:sSupPr>
+                        <m:ctrlPr>
+                          <a:rPr lang="en-US" i="1">
+                            <a:latin typeface="Cambria Math" panose="02040503050406030204" pitchFamily="18" charset="0"/>
+                          </a:rPr>
+                        </m:ctrlPr>
+                      </m:sSupPr>
+                      <m:e>
+                        <m:r>
+                          <a:rPr lang="en-US" i="1">
+                            <a:latin typeface="Cambria Math" panose="02040503050406030204" pitchFamily="18" charset="0"/>
+                          </a:rPr>
+                          <m:t>𝑛</m:t>
+                        </m:r>
+                      </m:e>
+                      <m:sup>
+                        <m:r>
+                          <a:rPr lang="en-US" i="1">
+                            <a:latin typeface="Cambria Math" panose="02040503050406030204" pitchFamily="18" charset="0"/>
+                          </a:rPr>
+                          <m:t>𝑘</m:t>
+                        </m:r>
+                      </m:sup>
+                    </m:sSup>
+                  </m:oMath>
+                </a14:m>
+                <a:r>
+                  <a:rPr lang="en-US" dirty="0"/>
+                  <a:t>) to O(</a:t>
+                </a:r>
+                <a14:m>
+                  <m:oMath xmlns:m="http://schemas.openxmlformats.org/officeDocument/2006/math">
+                    <m:r>
+                      <a:rPr lang="en-US" b="0" i="1" smtClean="0">
+                        <a:latin typeface="Cambria Math" panose="02040503050406030204" pitchFamily="18" charset="0"/>
+                      </a:rPr>
+                      <m:t>𝑛𝑘</m:t>
+                    </m:r>
+                  </m:oMath>
+                </a14:m>
+                <a:r>
+                  <a:rPr lang="en-US" dirty="0"/>
+                  <a:t>)</a:t>
+                </a:r>
+              </a:p>
+            </p:txBody>
+          </p:sp>
+        </mc:Choice>
+        <mc:Fallback>
+          <p:sp>
+            <p:nvSpPr>
+              <p:cNvPr id="3" name="Content Placeholder 2"/>
+              <p:cNvSpPr>
+                <a:spLocks noGrp="1" noRot="1" noChangeAspect="1" noMove="1" noResize="1" noEditPoints="1" noAdjustHandles="1" noChangeArrowheads="1" noChangeShapeType="1" noTextEdit="1"/>
+              </p:cNvSpPr>
+              <p:nvPr>
+                <p:ph idx="1"/>
+              </p:nvPr>
+            </p:nvSpPr>
+            <p:spPr>
+              <a:blipFill>
+                <a:blip r:embed="rId2"/>
+                <a:stretch>
+                  <a:fillRect l="-965" t="-2632"/>
+                </a:stretch>
+              </a:blipFill>
+            </p:spPr>
+            <p:txBody>
+              <a:bodyPr/>
+              <a:lstStyle/>
+              <a:p>
+                <a:r>
+                  <a:rPr lang="en-US">
+                    <a:noFill/>
+                  </a:rPr>
+                  <a:t> </a:t>
+                </a:r>
+              </a:p>
+            </p:txBody>
+          </p:sp>
+        </mc:Fallback>
+      </mc:AlternateContent>
+    </p:spTree>
+    <p:extLst>
+      <p:ext uri="{BB962C8B-B14F-4D97-AF65-F5344CB8AC3E}">
+        <p14:creationId xmlns:p14="http://schemas.microsoft.com/office/powerpoint/2010/main" val="154305458"/>
+      </p:ext>
+    </p:extLst>
+  </p:cSld>
+  <p:clrMapOvr>
+    <a:masterClrMapping/>
+  </p:clrMapOvr>
+</p:sld>
+</file>
+
+<file path=ppt/slides/slide20.xml><?xml version="1.0" encoding="utf-8"?>
 <p:sld xmlns:a="http://schemas.openxmlformats.org/drawingml/2006/main" xmlns:r="http://schemas.openxmlformats.org/officeDocument/2006/relationships" xmlns:p="http://schemas.openxmlformats.org/presentationml/2006/main">
   <p:cSld>
     <p:bg>
@@ -10999,7 +12083,7 @@
 </p:sld>
 </file>
 
-<file path=ppt/slides/slide19.xml><?xml version="1.0" encoding="utf-8"?>
+<file path=ppt/slides/slide21.xml><?xml version="1.0" encoding="utf-8"?>
 <p:sld xmlns:a="http://schemas.openxmlformats.org/drawingml/2006/main" xmlns:r="http://schemas.openxmlformats.org/officeDocument/2006/relationships" xmlns:p="http://schemas.openxmlformats.org/presentationml/2006/main">
   <p:cSld>
     <p:bg>
@@ -11652,6 +12736,41 @@
           </a:p>
         </p:txBody>
       </p:sp>
+      <p:sp>
+        <p:nvSpPr>
+          <p:cNvPr id="8" name="TextBox 7">
+            <a:extLst>
+              <a:ext uri="{FF2B5EF4-FFF2-40B4-BE49-F238E27FC236}">
+                <a16:creationId xmlns:a16="http://schemas.microsoft.com/office/drawing/2014/main" id="{07261910-790C-C243-AD04-B103FB757A18}"/>
+              </a:ext>
+            </a:extLst>
+          </p:cNvPr>
+          <p:cNvSpPr txBox="1"/>
+          <p:nvPr/>
+        </p:nvSpPr>
+        <p:spPr>
+          <a:xfrm>
+            <a:off x="1137683" y="6282343"/>
+            <a:ext cx="5929828" cy="369332"/>
+          </a:xfrm>
+          <a:prstGeom prst="rect">
+            <a:avLst/>
+          </a:prstGeom>
+          <a:noFill/>
+        </p:spPr>
+        <p:txBody>
+          <a:bodyPr wrap="none" rtlCol="0">
+            <a:spAutoFit/>
+          </a:bodyPr>
+          <a:lstStyle/>
+          <a:p>
+            <a:r>
+              <a:rPr lang="en-US" dirty="0"/>
+              <a:t>Ask how many times you can divide n by 2? log(n) times</a:t>
+            </a:r>
+          </a:p>
+        </p:txBody>
+      </p:sp>
     </p:spTree>
     <p:extLst>
       <p:ext uri="{BB962C8B-B14F-4D97-AF65-F5344CB8AC3E}">
@@ -11845,6 +12964,51 @@
                       </p:childTnLst>
                     </p:cTn>
                   </p:par>
+                  <p:par>
+                    <p:cTn id="17" fill="hold">
+                      <p:stCondLst>
+                        <p:cond delay="indefinite"/>
+                      </p:stCondLst>
+                      <p:childTnLst>
+                        <p:par>
+                          <p:cTn id="18" fill="hold">
+                            <p:stCondLst>
+                              <p:cond delay="0"/>
+                            </p:stCondLst>
+                            <p:childTnLst>
+                              <p:par>
+                                <p:cTn id="19" presetID="1" presetClass="entr" presetSubtype="0" fill="hold" grpId="0" nodeType="clickEffect">
+                                  <p:stCondLst>
+                                    <p:cond delay="0"/>
+                                  </p:stCondLst>
+                                  <p:childTnLst>
+                                    <p:set>
+                                      <p:cBhvr>
+                                        <p:cTn id="20" dur="1" fill="hold">
+                                          <p:stCondLst>
+                                            <p:cond delay="0"/>
+                                          </p:stCondLst>
+                                        </p:cTn>
+                                        <p:tgtEl>
+                                          <p:spTgt spid="8"/>
+                                        </p:tgtEl>
+                                        <p:attrNameLst>
+                                          <p:attrName>style.visibility</p:attrName>
+                                        </p:attrNameLst>
+                                      </p:cBhvr>
+                                      <p:to>
+                                        <p:strVal val="visible"/>
+                                      </p:to>
+                                    </p:set>
+                                  </p:childTnLst>
+                                </p:cTn>
+                              </p:par>
+                            </p:childTnLst>
+                          </p:cTn>
+                        </p:par>
+                      </p:childTnLst>
+                    </p:cTn>
+                  </p:par>
                 </p:childTnLst>
               </p:cTn>
               <p:prevCondLst>
@@ -11871,203 +13035,13 @@
       <p:bldP spid="5" grpId="0" animBg="1"/>
       <p:bldP spid="7" grpId="0"/>
       <p:bldP spid="9" grpId="0"/>
+      <p:bldP spid="8" grpId="0"/>
     </p:bldLst>
   </p:timing>
 </p:sld>
 </file>
 
-<file path=ppt/slides/slide2.xml><?xml version="1.0" encoding="utf-8"?>
-<p:sld xmlns:a="http://schemas.openxmlformats.org/drawingml/2006/main" xmlns:r="http://schemas.openxmlformats.org/officeDocument/2006/relationships" xmlns:p="http://schemas.openxmlformats.org/presentationml/2006/main">
-  <p:cSld>
-    <p:bg>
-      <p:bgPr>
-        <a:solidFill>
-          <a:schemeClr val="bg1"/>
-        </a:solidFill>
-        <a:effectLst/>
-      </p:bgPr>
-    </p:bg>
-    <p:spTree>
-      <p:nvGrpSpPr>
-        <p:cNvPr id="1" name=""/>
-        <p:cNvGrpSpPr/>
-        <p:nvPr/>
-      </p:nvGrpSpPr>
-      <p:grpSpPr>
-        <a:xfrm>
-          <a:off x="0" y="0"/>
-          <a:ext cx="0" cy="0"/>
-          <a:chOff x="0" y="0"/>
-          <a:chExt cx="0" cy="0"/>
-        </a:xfrm>
-      </p:grpSpPr>
-      <p:sp>
-        <p:nvSpPr>
-          <p:cNvPr id="2" name="Title 1"/>
-          <p:cNvSpPr>
-            <a:spLocks noGrp="1"/>
-          </p:cNvSpPr>
-          <p:nvPr>
-            <p:ph type="title"/>
-          </p:nvPr>
-        </p:nvSpPr>
-        <p:spPr/>
-        <p:txBody>
-          <a:bodyPr/>
-          <a:lstStyle/>
-          <a:p>
-            <a:r>
-              <a:rPr lang="en-US" dirty="0"/>
-              <a:t>Reasons to study algorithm complexity</a:t>
-            </a:r>
-          </a:p>
-        </p:txBody>
-      </p:sp>
-      <mc:AlternateContent xmlns:mc="http://schemas.openxmlformats.org/markup-compatibility/2006" xmlns:a14="http://schemas.microsoft.com/office/drawing/2010/main">
-        <mc:Choice Requires="a14">
-          <p:sp>
-            <p:nvSpPr>
-              <p:cNvPr id="3" name="Content Placeholder 2"/>
-              <p:cNvSpPr>
-                <a:spLocks noGrp="1"/>
-              </p:cNvSpPr>
-              <p:nvPr>
-                <p:ph idx="1"/>
-              </p:nvPr>
-            </p:nvSpPr>
-            <p:spPr/>
-            <p:txBody>
-              <a:bodyPr/>
-              <a:lstStyle/>
-              <a:p>
-                <a:r>
-                  <a:rPr lang="en-US" dirty="0"/>
-                  <a:t>Get a feel for algorithm time and space performance operating on a specific data structure or structures</a:t>
-                </a:r>
-              </a:p>
-              <a:p>
-                <a:r>
-                  <a:rPr lang="en-US" dirty="0"/>
-                  <a:t>Be able to meaningfully compare multiple algorithms’ performance across a wide variety of input sizes</a:t>
-                </a:r>
-              </a:p>
-              <a:p>
-                <a:r>
-                  <a:rPr lang="en-US" dirty="0"/>
-                  <a:t>Analyze best, typical, and worst-case behavior</a:t>
-                </a:r>
-              </a:p>
-              <a:p>
-                <a:r>
-                  <a:rPr lang="en-US" dirty="0"/>
-                  <a:t>Reducing algorithm complexity is by far the most effective strategy for improving algorithm performance;</a:t>
-                </a:r>
-                <a:br>
-                  <a:rPr lang="en-US" dirty="0"/>
-                </a:br>
-                <a:r>
-                  <a:rPr lang="en-US" dirty="0"/>
-                  <a:t>Aside: For my PhD, I discovered an approximation to a useful algorithm that dropped complexity from O(</a:t>
-                </a:r>
-                <a14:m>
-                  <m:oMath xmlns:m="http://schemas.openxmlformats.org/officeDocument/2006/math">
-                    <m:sSup>
-                      <m:sSupPr>
-                        <m:ctrlPr>
-                          <a:rPr lang="en-US" i="1">
-                            <a:latin typeface="Cambria Math" panose="02040503050406030204" pitchFamily="18" charset="0"/>
-                          </a:rPr>
-                        </m:ctrlPr>
-                      </m:sSupPr>
-                      <m:e>
-                        <m:r>
-                          <a:rPr lang="en-US" i="1">
-                            <a:latin typeface="Cambria Math" panose="02040503050406030204" pitchFamily="18" charset="0"/>
-                          </a:rPr>
-                          <m:t>𝑛</m:t>
-                        </m:r>
-                      </m:e>
-                      <m:sup>
-                        <m:r>
-                          <a:rPr lang="en-US" i="1">
-                            <a:latin typeface="Cambria Math" panose="02040503050406030204" pitchFamily="18" charset="0"/>
-                          </a:rPr>
-                          <m:t>𝑘</m:t>
-                        </m:r>
-                      </m:sup>
-                    </m:sSup>
-                  </m:oMath>
-                </a14:m>
-                <a:r>
-                  <a:rPr lang="en-US" dirty="0"/>
-                  <a:t>) to O(</a:t>
-                </a:r>
-                <a14:m>
-                  <m:oMath xmlns:m="http://schemas.openxmlformats.org/officeDocument/2006/math">
-                    <m:r>
-                      <a:rPr lang="en-US" b="0" i="1" smtClean="0">
-                        <a:latin typeface="Cambria Math" panose="02040503050406030204" pitchFamily="18" charset="0"/>
-                      </a:rPr>
-                      <m:t>𝑛𝑘</m:t>
-                    </m:r>
-                  </m:oMath>
-                </a14:m>
-                <a:r>
-                  <a:rPr lang="en-US" dirty="0"/>
-                  <a:t>)</a:t>
-                </a:r>
-              </a:p>
-            </p:txBody>
-          </p:sp>
-        </mc:Choice>
-        <mc:Fallback xmlns="">
-          <p:sp>
-            <p:nvSpPr>
-              <p:cNvPr id="3" name="Content Placeholder 2"/>
-              <p:cNvSpPr>
-                <a:spLocks noGrp="1" noRot="1" noChangeAspect="1" noMove="1" noResize="1" noEditPoints="1" noAdjustHandles="1" noChangeArrowheads="1" noChangeShapeType="1" noTextEdit="1"/>
-              </p:cNvSpPr>
-              <p:nvPr>
-                <p:ph idx="1"/>
-              </p:nvPr>
-            </p:nvSpPr>
-            <p:spPr>
-              <a:blipFill>
-                <a:blip r:embed="rId2"/>
-                <a:stretch>
-                  <a:fillRect l="-965" t="-2632"/>
-                </a:stretch>
-              </a:blipFill>
-            </p:spPr>
-            <p:txBody>
-              <a:bodyPr/>
-              <a:lstStyle/>
-              <a:p>
-                <a:r>
-                  <a:rPr lang="en-US">
-                    <a:noFill/>
-                  </a:rPr>
-                  <a:t> </a:t>
-                </a:r>
-              </a:p>
-            </p:txBody>
-          </p:sp>
-        </mc:Fallback>
-      </mc:AlternateContent>
-    </p:spTree>
-    <p:extLst>
-      <p:ext uri="{BB962C8B-B14F-4D97-AF65-F5344CB8AC3E}">
-        <p14:creationId xmlns:p14="http://schemas.microsoft.com/office/powerpoint/2010/main" val="154305458"/>
-      </p:ext>
-    </p:extLst>
-  </p:cSld>
-  <p:clrMapOvr>
-    <a:masterClrMapping/>
-  </p:clrMapOvr>
-</p:sld>
-</file>
-
-<file path=ppt/slides/slide20.xml><?xml version="1.0" encoding="utf-8"?>
+<file path=ppt/slides/slide22.xml><?xml version="1.0" encoding="utf-8"?>
 <p:sld xmlns:a="http://schemas.openxmlformats.org/drawingml/2006/main" xmlns:r="http://schemas.openxmlformats.org/officeDocument/2006/relationships" xmlns:p="http://schemas.openxmlformats.org/presentationml/2006/main">
   <p:cSld>
     <p:bg>
@@ -12722,6 +13696,13 @@
               <a:rPr lang="en-US" dirty="0"/>
               <a:t>What is average height? What is max height?</a:t>
             </a:r>
+            <a:br>
+              <a:rPr lang="en-US" dirty="0"/>
+            </a:br>
+            <a:r>
+              <a:rPr lang="en-US" dirty="0"/>
+              <a:t>(Use “what is max work” technique)</a:t>
+            </a:r>
           </a:p>
         </p:txBody>
       </p:sp>
@@ -12738,7 +13719,7 @@
 </p:sld>
 </file>
 
-<file path=ppt/slides/slide21.xml><?xml version="1.0" encoding="utf-8"?>
+<file path=ppt/slides/slide23.xml><?xml version="1.0" encoding="utf-8"?>
 <p:sld xmlns:a="http://schemas.openxmlformats.org/drawingml/2006/main" xmlns:r="http://schemas.openxmlformats.org/officeDocument/2006/relationships" xmlns:p="http://schemas.openxmlformats.org/presentationml/2006/main">
   <p:cSld>
     <p:bg>
@@ -13445,7 +14426,7 @@
 </p:sld>
 </file>
 
-<file path=ppt/slides/slide22.xml><?xml version="1.0" encoding="utf-8"?>
+<file path=ppt/slides/slide24.xml><?xml version="1.0" encoding="utf-8"?>
 <p:sld xmlns:a="http://schemas.openxmlformats.org/drawingml/2006/main" xmlns:r="http://schemas.openxmlformats.org/officeDocument/2006/relationships" xmlns:p="http://schemas.openxmlformats.org/presentationml/2006/main">
   <p:cSld>
     <p:bg>
@@ -13497,8 +14478,8 @@
           </a:p>
         </p:txBody>
       </p:sp>
-      <mc:AlternateContent xmlns:mc="http://schemas.openxmlformats.org/markup-compatibility/2006" xmlns:a14="http://schemas.microsoft.com/office/drawing/2010/main">
-        <mc:Choice Requires="a14">
+      <mc:AlternateContent xmlns:mc="http://schemas.openxmlformats.org/markup-compatibility/2006">
+        <mc:Choice xmlns:a14="http://schemas.microsoft.com/office/drawing/2010/main" Requires="a14">
           <p:graphicFrame>
             <p:nvGraphicFramePr>
               <p:cNvPr id="4" name="Content Placeholder 3"/>
@@ -13509,14 +14490,14 @@
                 <p:ph idx="1"/>
                 <p:extLst>
                   <p:ext uri="{D42A27DB-BD31-4B8C-83A1-F6EECF244321}">
-                    <p14:modId xmlns:p14="http://schemas.microsoft.com/office/powerpoint/2010/main" val="2899828626"/>
+                    <p14:modId xmlns:p14="http://schemas.microsoft.com/office/powerpoint/2010/main" val="4194625978"/>
                   </p:ext>
                 </p:extLst>
               </p:nvPr>
             </p:nvGraphicFramePr>
             <p:xfrm>
-              <a:off x="164386" y="1043415"/>
-              <a:ext cx="11846104" cy="5113331"/>
+              <a:off x="164386" y="947718"/>
+              <a:ext cx="11846104" cy="5487219"/>
             </p:xfrm>
             <a:graphic>
               <a:graphicData uri="http://schemas.openxmlformats.org/drawingml/2006/table">
@@ -14453,7 +15434,7 @@
                           </a:r>
                           <a:r>
                             <a:rPr lang="en-US" sz="2000" baseline="0" dirty="0"/>
-                            <a:t> eliminating one from consideration each iteration or nested loops</a:t>
+                            <a:t> eliminating one from consideration each pass over items or nested loops</a:t>
                           </a:r>
                           <a:endParaRPr lang="en-US" sz="2000" dirty="0"/>
                         </a:p>
@@ -14889,11 +15870,17 @@
                         <a:p>
                           <a:r>
                             <a:rPr lang="en-US" sz="2000" baseline="0" dirty="0"/>
+                            <a:t>        = n(1 + ½ + ¼ + …)</a:t>
+                          </a:r>
+                        </a:p>
+                        <a:p>
+                          <a:r>
+                            <a:rPr lang="en-US" sz="2000" baseline="0" dirty="0"/>
                             <a:t>        =</a:t>
                           </a:r>
                           <a:r>
                             <a:rPr lang="en-US" sz="2000" dirty="0"/>
-                            <a:t> 2n</a:t>
+                            <a:t> n * 2</a:t>
                           </a:r>
                         </a:p>
                       </a:txBody>
@@ -15107,7 +16094,7 @@
                           </a:pPr>
                           <a:r>
                             <a:rPr lang="en-US" sz="2000" dirty="0"/>
-                            <a:t>T(n) = n + 2T(n/2)</a:t>
+                            <a:t>T(n) = n+2T(n/2)</a:t>
                           </a:r>
                         </a:p>
                       </a:txBody>
@@ -15196,11 +16183,72 @@
                           </a:r>
                           <a:r>
                             <a:rPr lang="en-US" sz="2000" dirty="0"/>
-                            <a:t>n + n +</a:t>
+                            <a:t>n + 2n/2 +</a:t>
                           </a:r>
                           <a:r>
                             <a:rPr lang="en-US" sz="2000" baseline="0" dirty="0"/>
-                            <a:t> n + T(n/8) = n log n</a:t>
+                            <a:t> 4n/4 + 8T(n/8)</a:t>
+                          </a:r>
+                        </a:p>
+                        <a:p>
+                          <a:r>
+                            <a:rPr lang="en-US" sz="2000" baseline="0" dirty="0"/>
+                            <a:t>        = </a:t>
+                          </a:r>
+                          <a14:m>
+                            <m:oMath xmlns:m="http://schemas.openxmlformats.org/officeDocument/2006/math">
+                              <m:nary>
+                                <m:naryPr>
+                                  <m:chr m:val="∑"/>
+                                  <m:ctrlPr>
+                                    <a:rPr lang="en-US" sz="2000" i="1" baseline="0" smtClean="0">
+                                      <a:latin typeface="Cambria Math" panose="02040503050406030204" pitchFamily="18" charset="0"/>
+                                    </a:rPr>
+                                  </m:ctrlPr>
+                                </m:naryPr>
+                                <m:sub>
+                                  <m:r>
+                                    <m:rPr>
+                                      <m:brk m:alnAt="23"/>
+                                    </m:rPr>
+                                    <a:rPr lang="en-US" sz="2000" b="0" i="1" baseline="0" smtClean="0">
+                                      <a:latin typeface="Cambria Math" panose="02040503050406030204" pitchFamily="18" charset="0"/>
+                                    </a:rPr>
+                                    <m:t>𝑖</m:t>
+                                  </m:r>
+                                  <m:r>
+                                    <a:rPr lang="en-US" sz="2000" b="0" i="1" baseline="0" smtClean="0">
+                                      <a:latin typeface="Cambria Math" panose="02040503050406030204" pitchFamily="18" charset="0"/>
+                                    </a:rPr>
+                                    <m:t>=1</m:t>
+                                  </m:r>
+                                </m:sub>
+                                <m:sup>
+                                  <m:r>
+                                    <a:rPr lang="en-US" sz="2000" b="0" i="1" baseline="0" smtClean="0">
+                                      <a:latin typeface="Cambria Math" panose="02040503050406030204" pitchFamily="18" charset="0"/>
+                                    </a:rPr>
+                                    <m:t>𝑙𝑜𝑔𝑛</m:t>
+                                  </m:r>
+                                </m:sup>
+                                <m:e>
+                                  <m:r>
+                                    <a:rPr lang="en-US" sz="2000" b="0" i="1" baseline="0" smtClean="0">
+                                      <a:latin typeface="Cambria Math" panose="02040503050406030204" pitchFamily="18" charset="0"/>
+                                    </a:rPr>
+                                    <m:t>𝑛</m:t>
+                                  </m:r>
+                                </m:e>
+                              </m:nary>
+                            </m:oMath>
+                          </a14:m>
+                          <a:r>
+                            <a:rPr lang="en-US" sz="2000" dirty="0"/>
+                            <a:t> = </a:t>
+                          </a:r>
+                          <a:r>
+                            <a:rPr lang="en-US" sz="2000" baseline="0" dirty="0"/>
+                            <a:t>n log n</a:t>
                           </a:r>
                         </a:p>
                       </a:txBody>
@@ -15402,7 +16450,7 @@
             </a:graphic>
           </p:graphicFrame>
         </mc:Choice>
-        <mc:Fallback xmlns="">
+        <mc:Fallback>
           <p:graphicFrame>
             <p:nvGraphicFramePr>
               <p:cNvPr id="4" name="Content Placeholder 3"/>
@@ -15413,14 +16461,14 @@
                 <p:ph idx="1"/>
                 <p:extLst>
                   <p:ext uri="{D42A27DB-BD31-4B8C-83A1-F6EECF244321}">
-                    <p14:modId xmlns:p14="http://schemas.microsoft.com/office/powerpoint/2010/main" val="2899828626"/>
+                    <p14:modId xmlns:p14="http://schemas.microsoft.com/office/powerpoint/2010/main" val="4194625978"/>
                   </p:ext>
                 </p:extLst>
               </p:nvPr>
             </p:nvGraphicFramePr>
             <p:xfrm>
-              <a:off x="164386" y="1043415"/>
-              <a:ext cx="11846104" cy="5113331"/>
+              <a:off x="164386" y="947718"/>
+              <a:ext cx="11846104" cy="5487219"/>
             </p:xfrm>
             <a:graphic>
               <a:graphicData uri="http://schemas.openxmlformats.org/drawingml/2006/table">
@@ -16123,7 +17171,7 @@
                         <a:blipFill>
                           <a:blip r:embed="rId2"/>
                           <a:stretch>
-                            <a:fillRect l="-50602" t="-62136" r="-131024" b="-238835"/>
+                            <a:fillRect l="-50602" t="-62136" r="-131024" b="-314563"/>
                           </a:stretch>
                         </a:blipFill>
                       </a:tcPr>
@@ -16184,7 +17232,7 @@
                         <a:blipFill>
                           <a:blip r:embed="rId2"/>
                           <a:stretch>
-                            <a:fillRect l="-431034" t="-62136" r="-275000" b="-238835"/>
+                            <a:fillRect l="-431034" t="-62136" r="-275000" b="-314563"/>
                           </a:stretch>
                         </a:blipFill>
                       </a:tcPr>
@@ -16208,7 +17256,7 @@
                           </a:r>
                           <a:r>
                             <a:rPr lang="en-US" sz="2000" baseline="0" dirty="0"/>
-                            <a:t> eliminating one from consideration each iteration or nested loops</a:t>
+                            <a:t> eliminating one from consideration each pass over items or nested loops</a:t>
                           </a:r>
                           <a:endParaRPr lang="en-US" sz="2000" dirty="0"/>
                         </a:p>
@@ -16520,7 +17568,7 @@
                       </a:ext>
                     </a:extLst>
                   </a:tr>
-                  <a:tr h="1005840">
+                  <a:tr h="1310640">
                     <a:tc>
                       <a:txBody>
                         <a:bodyPr/>
@@ -16644,11 +17692,17 @@
                         <a:p>
                           <a:r>
                             <a:rPr lang="en-US" sz="2000" baseline="0" dirty="0"/>
+                            <a:t>        = n(1 + ½ + ¼ + …)</a:t>
+                          </a:r>
+                        </a:p>
+                        <a:p>
+                          <a:r>
+                            <a:rPr lang="en-US" sz="2000" baseline="0" dirty="0"/>
                             <a:t>        =</a:t>
                           </a:r>
                           <a:r>
                             <a:rPr lang="en-US" sz="2000" dirty="0"/>
-                            <a:t> 2n</a:t>
+                            <a:t> n * 2</a:t>
                           </a:r>
                         </a:p>
                       </a:txBody>
@@ -16837,7 +17891,7 @@
                       </a:ext>
                     </a:extLst>
                   </a:tr>
-                  <a:tr h="1310640">
+                  <a:tr h="1379728">
                     <a:tc>
                       <a:txBody>
                         <a:bodyPr/>
@@ -16862,7 +17916,7 @@
                           </a:pPr>
                           <a:r>
                             <a:rPr lang="en-US" sz="2000" dirty="0"/>
-                            <a:t>T(n) = n + 2T(n/2)</a:t>
+                            <a:t>T(n) = n+2T(n/2)</a:t>
                           </a:r>
                         </a:p>
                       </a:txBody>
@@ -16919,44 +17973,7 @@
                         <a:bodyPr/>
                         <a:lstStyle/>
                         <a:p>
-                          <a:r>
-                            <a:rPr lang="en-US" sz="2000" dirty="0"/>
-                            <a:t>T(n) = n + 2T(n/2) =</a:t>
-                          </a:r>
-                          <a:endParaRPr lang="en-US" sz="2000" baseline="0" dirty="0"/>
-                        </a:p>
-                        <a:p>
-                          <a:r>
-                            <a:rPr lang="en-US" sz="2000" baseline="0" dirty="0"/>
-                            <a:t>        = </a:t>
-                          </a:r>
-                          <a:r>
-                            <a:rPr lang="en-US" sz="2000" dirty="0"/>
-                            <a:t>n + 2(n/2)</a:t>
-                          </a:r>
-                          <a:r>
-                            <a:rPr lang="en-US" sz="2000" baseline="0" dirty="0"/>
-                            <a:t> + 2T(n/4)</a:t>
-                          </a:r>
-                          <a:endParaRPr lang="en-US" sz="2000" dirty="0"/>
-                        </a:p>
-                        <a:p>
-                          <a:r>
-                            <a:rPr lang="en-US" sz="2000" dirty="0"/>
-                            <a:t>       </a:t>
-                          </a:r>
-                          <a:r>
-                            <a:rPr lang="en-US" sz="2000" baseline="0" dirty="0"/>
-                            <a:t> = </a:t>
-                          </a:r>
-                          <a:r>
-                            <a:rPr lang="en-US" sz="2000" dirty="0"/>
-                            <a:t>n + n +</a:t>
-                          </a:r>
-                          <a:r>
-                            <a:rPr lang="en-US" sz="2000" baseline="0" dirty="0"/>
-                            <a:t> n + T(n/8) = n log n</a:t>
-                          </a:r>
+                          <a:endParaRPr lang="en-US"/>
                         </a:p>
                       </a:txBody>
                       <a:tcPr>
@@ -17004,7 +18021,12 @@
                           <a:noFill/>
                           <a:prstDash val="solid"/>
                         </a:lnBlToTr>
-                        <a:noFill/>
+                        <a:blipFill>
+                          <a:blip r:embed="rId2"/>
+                          <a:stretch>
+                            <a:fillRect l="-50602" t="-299083" r="-131024" b="-51376"/>
+                          </a:stretch>
+                        </a:blipFill>
                       </a:tcPr>
                     </a:tc>
                     <a:tc>
@@ -17171,7 +18193,7 @@
 </p:sld>
 </file>
 
-<file path=ppt/slides/slide23.xml><?xml version="1.0" encoding="utf-8"?>
+<file path=ppt/slides/slide25.xml><?xml version="1.0" encoding="utf-8"?>
 <p:sld xmlns:a="http://schemas.openxmlformats.org/drawingml/2006/main" xmlns:r="http://schemas.openxmlformats.org/officeDocument/2006/relationships" xmlns:p="http://schemas.openxmlformats.org/presentationml/2006/main">
   <p:cSld>
     <p:bg>
@@ -17196,8 +18218,8 @@
           <a:chExt cx="0" cy="0"/>
         </a:xfrm>
       </p:grpSpPr>
-      <mc:AlternateContent xmlns:mc="http://schemas.openxmlformats.org/markup-compatibility/2006" xmlns:a14="http://schemas.microsoft.com/office/drawing/2010/main">
-        <mc:Choice Requires="a14">
+      <mc:AlternateContent xmlns:mc="http://schemas.openxmlformats.org/markup-compatibility/2006">
+        <mc:Choice xmlns:a14="http://schemas.microsoft.com/office/drawing/2010/main" Requires="a14">
           <p:graphicFrame>
             <p:nvGraphicFramePr>
               <p:cNvPr id="4" name="Content Placeholder 3"/>
@@ -17208,7 +18230,7 @@
                 <p:ph idx="1"/>
                 <p:extLst>
                   <p:ext uri="{D42A27DB-BD31-4B8C-83A1-F6EECF244321}">
-                    <p14:modId xmlns:p14="http://schemas.microsoft.com/office/powerpoint/2010/main" val="1210067545"/>
+                    <p14:modId xmlns:p14="http://schemas.microsoft.com/office/powerpoint/2010/main" val="1672097866"/>
                   </p:ext>
                 </p:extLst>
               </p:nvPr>
@@ -17960,7 +18982,7 @@
                           </a:r>
                           <a:r>
                             <a:rPr lang="en-US" sz="2200" baseline="0" dirty="0"/>
-                            <a:t> eliminating one from consideration each iteration</a:t>
+                            <a:t> eliminating one from consideration each pass over the data</a:t>
                           </a:r>
                           <a:endParaRPr lang="en-US" sz="2200" dirty="0"/>
                         </a:p>
@@ -18397,7 +19419,7 @@
                           </a:r>
                           <a:r>
                             <a:rPr lang="en-US" sz="2200" baseline="0" dirty="0"/>
-                            <a:t> of work in half each iteration, but process both halves, the combine results in linear time.</a:t>
+                            <a:t> of work in half each iteration, but process both halves, the combine results in linear time</a:t>
                           </a:r>
                           <a:endParaRPr lang="en-US" sz="2200" dirty="0"/>
                         </a:p>
@@ -18533,7 +19555,7 @@
             </a:graphic>
           </p:graphicFrame>
         </mc:Choice>
-        <mc:Fallback xmlns="">
+        <mc:Fallback>
           <p:graphicFrame>
             <p:nvGraphicFramePr>
               <p:cNvPr id="4" name="Content Placeholder 3"/>
@@ -18544,7 +19566,7 @@
                 <p:ph idx="1"/>
                 <p:extLst>
                   <p:ext uri="{D42A27DB-BD31-4B8C-83A1-F6EECF244321}">
-                    <p14:modId xmlns:p14="http://schemas.microsoft.com/office/powerpoint/2010/main" val="1210067545"/>
+                    <p14:modId xmlns:p14="http://schemas.microsoft.com/office/powerpoint/2010/main" val="1672097866"/>
                   </p:ext>
                 </p:extLst>
               </p:nvPr>
@@ -19265,7 +20287,7 @@
                           </a:r>
                           <a:r>
                             <a:rPr lang="en-US" sz="2200" baseline="0" dirty="0"/>
-                            <a:t> eliminating one from consideration each iteration</a:t>
+                            <a:t> eliminating one from consideration each pass over the data</a:t>
                           </a:r>
                           <a:endParaRPr lang="en-US" sz="2200" dirty="0"/>
                         </a:p>
@@ -19702,7 +20724,7 @@
                           </a:r>
                           <a:r>
                             <a:rPr lang="en-US" sz="2200" baseline="0" dirty="0"/>
-                            <a:t> of work in half each iteration, but process both halves, the combine results in linear time.</a:t>
+                            <a:t> of work in half each iteration, but process both halves, the combine results in linear time</a:t>
                           </a:r>
                           <a:endParaRPr lang="en-US" sz="2200" dirty="0"/>
                         </a:p>
@@ -19852,7 +20874,7 @@
 </p:sld>
 </file>
 
-<file path=ppt/slides/slide24.xml><?xml version="1.0" encoding="utf-8"?>
+<file path=ppt/slides/slide26.xml><?xml version="1.0" encoding="utf-8"?>
 <p:sld xmlns:a="http://schemas.openxmlformats.org/drawingml/2006/main" xmlns:r="http://schemas.openxmlformats.org/officeDocument/2006/relationships" xmlns:p="http://schemas.openxmlformats.org/presentationml/2006/main">
   <p:cSld>
     <p:bg>
@@ -19922,7 +20944,7 @@
         <p:spPr>
           <a:xfrm>
             <a:off x="5550194" y="1584251"/>
-            <a:ext cx="6049927" cy="4592712"/>
+            <a:ext cx="6230680" cy="4592712"/>
           </a:xfrm>
         </p:spPr>
         <p:txBody>
@@ -19931,12 +20953,20 @@
           </a:bodyPr>
           <a:lstStyle/>
           <a:p>
+            <a:pPr marL="514350" indent="-514350">
+              <a:buFont typeface="+mj-lt"/>
+              <a:buAutoNum type="arabicPeriod"/>
+            </a:pPr>
             <a:r>
               <a:rPr lang="en-US" dirty="0"/>
               <a:t>Identify unit of work</a:t>
             </a:r>
           </a:p>
           <a:p>
+            <a:pPr marL="514350" indent="-514350">
+              <a:buFont typeface="+mj-lt"/>
+              <a:buAutoNum type="arabicPeriod"/>
+            </a:pPr>
             <a:r>
               <a:rPr lang="en-US" dirty="0"/>
               <a:t>Identify key size indicator</a:t>
@@ -19944,6 +20974,10 @@
             <a:endParaRPr lang="en-US" i="1" dirty="0"/>
           </a:p>
           <a:p>
+            <a:pPr marL="514350" indent="-514350">
+              <a:buFont typeface="+mj-lt"/>
+              <a:buAutoNum type="arabicPeriod"/>
+            </a:pPr>
             <a:r>
               <a:rPr lang="en-US" dirty="0"/>
               <a:t>Define </a:t>
@@ -19963,6 +20997,10 @@
             <a:endParaRPr lang="en-US" dirty="0"/>
           </a:p>
           <a:p>
+            <a:pPr marL="514350" indent="-514350">
+              <a:buFont typeface="+mj-lt"/>
+              <a:buAutoNum type="arabicPeriod"/>
+            </a:pPr>
             <a:r>
               <a:rPr lang="en-US" dirty="0"/>
               <a:t>Reduce </a:t>
@@ -19977,6 +21015,10 @@
             </a:r>
           </a:p>
           <a:p>
+            <a:pPr marL="514350" indent="-514350">
+              <a:buFont typeface="+mj-lt"/>
+              <a:buAutoNum type="arabicPeriod"/>
+            </a:pPr>
             <a:r>
               <a:rPr lang="en-US" i="1" dirty="0"/>
               <a:t>O(n)</a:t>
@@ -20021,8 +21063,8 @@
         </p:blipFill>
         <p:spPr bwMode="auto">
           <a:xfrm>
-            <a:off x="985281" y="1399705"/>
-            <a:ext cx="4214040" cy="5143223"/>
+            <a:off x="838200" y="1320890"/>
+            <a:ext cx="4635795" cy="5657974"/>
           </a:xfrm>
           <a:prstGeom prst="rect">
             <a:avLst/>
@@ -20052,7 +21094,7 @@
 </p:sld>
 </file>
 
-<file path=ppt/slides/slide25.xml><?xml version="1.0" encoding="utf-8"?>
+<file path=ppt/slides/slide27.xml><?xml version="1.0" encoding="utf-8"?>
 <p:sld xmlns:a="http://schemas.openxmlformats.org/drawingml/2006/main" xmlns:r="http://schemas.openxmlformats.org/officeDocument/2006/relationships" xmlns:p="http://schemas.openxmlformats.org/presentationml/2006/main">
   <p:cSld>
     <p:bg>
@@ -20162,8 +21204,8 @@
           </a:extLst>
         </p:spPr>
       </p:pic>
-      <mc:AlternateContent xmlns:mc="http://schemas.openxmlformats.org/markup-compatibility/2006" xmlns:a14="http://schemas.microsoft.com/office/drawing/2010/main">
-        <mc:Choice Requires="a14">
+      <mc:AlternateContent xmlns:mc="http://schemas.openxmlformats.org/markup-compatibility/2006">
+        <mc:Choice xmlns:a14="http://schemas.microsoft.com/office/drawing/2010/main" Requires="a14">
           <p:sp>
             <p:nvSpPr>
               <p:cNvPr id="8" name="Content Placeholder 2">
@@ -20234,6 +21276,12 @@
                           </a:rPr>
                           <m:t>𝑖</m:t>
                         </m:r>
+                        <m:r>
+                          <a:rPr lang="en-US" b="0" i="1" smtClean="0">
+                            <a:latin typeface="Cambria Math" panose="02040503050406030204" pitchFamily="18" charset="0"/>
+                          </a:rPr>
+                          <m:t>=1</m:t>
+                        </m:r>
                       </m:sub>
                       <m:sup>
                         <m:r>
@@ -20259,6 +21307,12 @@
                                 <a:latin typeface="Cambria Math" panose="02040503050406030204" pitchFamily="18" charset="0"/>
                               </a:rPr>
                               <m:t>𝑗</m:t>
+                            </m:r>
+                            <m:r>
+                              <a:rPr lang="en-US" b="0" i="1" smtClean="0">
+                                <a:latin typeface="Cambria Math" panose="02040503050406030204" pitchFamily="18" charset="0"/>
+                              </a:rPr>
+                              <m:t>=1</m:t>
                             </m:r>
                           </m:sub>
                           <m:sup>
@@ -20303,6 +21357,12 @@
                             <a:latin typeface="Cambria Math" panose="02040503050406030204" pitchFamily="18" charset="0"/>
                           </a:rPr>
                           <m:t>𝑘</m:t>
+                        </m:r>
+                        <m:r>
+                          <a:rPr lang="en-US" b="0" i="1" smtClean="0">
+                            <a:latin typeface="Cambria Math" panose="02040503050406030204" pitchFamily="18" charset="0"/>
+                          </a:rPr>
+                          <m:t>=1</m:t>
                         </m:r>
                       </m:sub>
                       <m:sup>
@@ -20350,7 +21410,7 @@
             </p:txBody>
           </p:sp>
         </mc:Choice>
-        <mc:Fallback xmlns="">
+        <mc:Fallback>
           <p:sp>
             <p:nvSpPr>
               <p:cNvPr id="8" name="Content Placeholder 2">
@@ -20404,172 +21464,10 @@
   <p:clrMapOvr>
     <a:masterClrMapping/>
   </p:clrMapOvr>
-  <p:timing>
-    <p:tnLst>
-      <p:par>
-        <p:cTn id="1" dur="indefinite" restart="never" nodeType="tmRoot">
-          <p:childTnLst>
-            <p:seq concurrent="1" nextAc="seek">
-              <p:cTn id="2" dur="indefinite" nodeType="mainSeq">
-                <p:childTnLst>
-                  <p:par>
-                    <p:cTn id="3" fill="hold">
-                      <p:stCondLst>
-                        <p:cond delay="indefinite"/>
-                      </p:stCondLst>
-                      <p:childTnLst>
-                        <p:par>
-                          <p:cTn id="4" fill="hold">
-                            <p:stCondLst>
-                              <p:cond delay="0"/>
-                            </p:stCondLst>
-                            <p:childTnLst>
-                              <p:par>
-                                <p:cTn id="5" presetID="1" presetClass="entr" presetSubtype="0" fill="hold" nodeType="clickEffect">
-                                  <p:stCondLst>
-                                    <p:cond delay="0"/>
-                                  </p:stCondLst>
-                                  <p:childTnLst>
-                                    <p:set>
-                                      <p:cBhvr>
-                                        <p:cTn id="6" dur="1" fill="hold">
-                                          <p:stCondLst>
-                                            <p:cond delay="0"/>
-                                          </p:stCondLst>
-                                        </p:cTn>
-                                        <p:tgtEl>
-                                          <p:spTgt spid="8">
-                                            <p:txEl>
-                                              <p:pRg st="2" end="2"/>
-                                            </p:txEl>
-                                          </p:spTgt>
-                                        </p:tgtEl>
-                                        <p:attrNameLst>
-                                          <p:attrName>style.visibility</p:attrName>
-                                        </p:attrNameLst>
-                                      </p:cBhvr>
-                                      <p:to>
-                                        <p:strVal val="visible"/>
-                                      </p:to>
-                                    </p:set>
-                                  </p:childTnLst>
-                                </p:cTn>
-                              </p:par>
-                              <p:par>
-                                <p:cTn id="7" presetID="1" presetClass="entr" presetSubtype="0" fill="hold" nodeType="withEffect">
-                                  <p:stCondLst>
-                                    <p:cond delay="0"/>
-                                  </p:stCondLst>
-                                  <p:childTnLst>
-                                    <p:set>
-                                      <p:cBhvr>
-                                        <p:cTn id="8" dur="1" fill="hold">
-                                          <p:stCondLst>
-                                            <p:cond delay="0"/>
-                                          </p:stCondLst>
-                                        </p:cTn>
-                                        <p:tgtEl>
-                                          <p:spTgt spid="8">
-                                            <p:txEl>
-                                              <p:pRg st="3" end="3"/>
-                                            </p:txEl>
-                                          </p:spTgt>
-                                        </p:tgtEl>
-                                        <p:attrNameLst>
-                                          <p:attrName>style.visibility</p:attrName>
-                                        </p:attrNameLst>
-                                      </p:cBhvr>
-                                      <p:to>
-                                        <p:strVal val="visible"/>
-                                      </p:to>
-                                    </p:set>
-                                  </p:childTnLst>
-                                </p:cTn>
-                              </p:par>
-                            </p:childTnLst>
-                          </p:cTn>
-                        </p:par>
-                      </p:childTnLst>
-                    </p:cTn>
-                  </p:par>
-                  <p:par>
-                    <p:cTn id="9" fill="hold">
-                      <p:stCondLst>
-                        <p:cond delay="indefinite"/>
-                      </p:stCondLst>
-                      <p:childTnLst>
-                        <p:par>
-                          <p:cTn id="10" fill="hold">
-                            <p:stCondLst>
-                              <p:cond delay="0"/>
-                            </p:stCondLst>
-                            <p:childTnLst>
-                              <p:par>
-                                <p:cTn id="11" presetID="1" presetClass="entr" presetSubtype="0" fill="hold" grpId="0" nodeType="clickEffect">
-                                  <p:stCondLst>
-                                    <p:cond delay="0"/>
-                                  </p:stCondLst>
-                                  <p:childTnLst>
-                                    <p:set>
-                                      <p:cBhvr>
-                                        <p:cTn id="12" dur="1" fill="hold">
-                                          <p:stCondLst>
-                                            <p:cond delay="0"/>
-                                          </p:stCondLst>
-                                        </p:cTn>
-                                        <p:tgtEl>
-                                          <p:spTgt spid="8">
-                                            <p:txEl>
-                                              <p:pRg st="4" end="4"/>
-                                            </p:txEl>
-                                          </p:spTgt>
-                                        </p:tgtEl>
-                                        <p:attrNameLst>
-                                          <p:attrName>style.visibility</p:attrName>
-                                        </p:attrNameLst>
-                                      </p:cBhvr>
-                                      <p:to>
-                                        <p:strVal val="visible"/>
-                                      </p:to>
-                                    </p:set>
-                                  </p:childTnLst>
-                                </p:cTn>
-                              </p:par>
-                            </p:childTnLst>
-                          </p:cTn>
-                        </p:par>
-                      </p:childTnLst>
-                    </p:cTn>
-                  </p:par>
-                </p:childTnLst>
-              </p:cTn>
-              <p:prevCondLst>
-                <p:cond evt="onPrev" delay="0">
-                  <p:tgtEl>
-                    <p:sldTgt/>
-                  </p:tgtEl>
-                </p:cond>
-              </p:prevCondLst>
-              <p:nextCondLst>
-                <p:cond evt="onNext" delay="0">
-                  <p:tgtEl>
-                    <p:sldTgt/>
-                  </p:tgtEl>
-                </p:cond>
-              </p:nextCondLst>
-            </p:seq>
-          </p:childTnLst>
-        </p:cTn>
-      </p:par>
-    </p:tnLst>
-    <p:bldLst>
-      <p:bldP spid="8" grpId="0" uiExpand="1" build="p"/>
-    </p:bldLst>
-  </p:timing>
 </p:sld>
 </file>
 
-<file path=ppt/slides/slide26.xml><?xml version="1.0" encoding="utf-8"?>
+<file path=ppt/slides/slide28.xml><?xml version="1.0" encoding="utf-8"?>
 <p:sld xmlns:a="http://schemas.openxmlformats.org/drawingml/2006/main" xmlns:r="http://schemas.openxmlformats.org/officeDocument/2006/relationships" xmlns:p="http://schemas.openxmlformats.org/presentationml/2006/main">
   <p:cSld>
     <p:bg>
@@ -20657,8 +21555,8 @@
           </a:extLst>
         </p:spPr>
       </p:pic>
-      <mc:AlternateContent xmlns:mc="http://schemas.openxmlformats.org/markup-compatibility/2006" xmlns:a14="http://schemas.microsoft.com/office/drawing/2010/main">
-        <mc:Choice Requires="a14">
+      <mc:AlternateContent xmlns:mc="http://schemas.openxmlformats.org/markup-compatibility/2006">
+        <mc:Choice xmlns:a14="http://schemas.microsoft.com/office/drawing/2010/main" Requires="a14">
           <p:sp>
             <p:nvSpPr>
               <p:cNvPr id="6" name="Content Placeholder 2">
@@ -20677,8 +21575,8 @@
             </p:nvSpPr>
             <p:spPr>
               <a:xfrm>
-                <a:off x="5550194" y="1584251"/>
-                <a:ext cx="6049927" cy="4592712"/>
+                <a:off x="4954772" y="1584251"/>
+                <a:ext cx="6645349" cy="4592712"/>
               </a:xfrm>
             </p:spPr>
             <p:txBody>
@@ -20781,7 +21679,7 @@
                               <a:rPr lang="en-US" b="0" i="1" smtClean="0">
                                 <a:latin typeface="Cambria Math" panose="02040503050406030204" pitchFamily="18" charset="0"/>
                               </a:rPr>
-                              <m:t>2</m:t>
+                              <m:t>1</m:t>
                             </m:r>
                           </m:e>
                         </m:nary>
@@ -20884,10 +21782,10 @@
                           </m:sup>
                           <m:e>
                             <m:r>
-                              <a:rPr lang="en-US" i="1">
+                              <a:rPr lang="en-US" b="0" i="1" smtClean="0">
                                 <a:latin typeface="Cambria Math" panose="02040503050406030204" pitchFamily="18" charset="0"/>
                               </a:rPr>
-                              <m:t>2</m:t>
+                              <m:t>1</m:t>
                             </m:r>
                           </m:e>
                         </m:nary>
@@ -20969,10 +21867,10 @@
                           </m:sup>
                           <m:e>
                             <m:r>
-                              <a:rPr lang="en-US" i="1">
+                              <a:rPr lang="en-US" b="0" i="1" smtClean="0">
                                 <a:latin typeface="Cambria Math" panose="02040503050406030204" pitchFamily="18" charset="0"/>
                               </a:rPr>
-                              <m:t>2</m:t>
+                              <m:t>1</m:t>
                             </m:r>
                           </m:e>
                         </m:nary>
@@ -20989,7 +21887,7 @@
                 </a:r>
                 <a:r>
                   <a:rPr lang="en-US" dirty="0"/>
-                  <a:t> = 2n^2 + </a:t>
+                  <a:t> = n^2 + </a:t>
                 </a:r>
                 <a14:m>
                   <m:oMath xmlns:m="http://schemas.openxmlformats.org/officeDocument/2006/math">
@@ -21032,12 +21930,6 @@
                           <a:rPr lang="en-US" b="0" i="1" smtClean="0">
                             <a:latin typeface="Cambria Math" panose="02040503050406030204" pitchFamily="18" charset="0"/>
                           </a:rPr>
-                          <m:t>2</m:t>
-                        </m:r>
-                        <m:r>
-                          <a:rPr lang="en-US" b="0" i="1" smtClean="0">
-                            <a:latin typeface="Cambria Math" panose="02040503050406030204" pitchFamily="18" charset="0"/>
-                          </a:rPr>
                           <m:t>𝑖</m:t>
                         </m:r>
                       </m:e>
@@ -21053,7 +21945,7 @@
                 </a:r>
                 <a:r>
                   <a:rPr lang="en-US" dirty="0"/>
-                  <a:t> = 2n^2 + 2</a:t>
+                  <a:t> = n^2 + </a:t>
                 </a:r>
                 <a14:m>
                   <m:oMath xmlns:m="http://schemas.openxmlformats.org/officeDocument/2006/math">
@@ -21111,7 +22003,7 @@
                 </a:r>
                 <a:r>
                   <a:rPr lang="en-US" dirty="0"/>
-                  <a:t> = 2n^2 + 2</a:t>
+                  <a:t> = n^2 + </a:t>
                 </a:r>
                 <a:r>
                   <a:rPr lang="en-US" i="1" dirty="0"/>
@@ -21125,11 +22017,11 @@
                 </a:r>
                 <a:r>
                   <a:rPr lang="en-US" dirty="0"/>
-                  <a:t> = 2n^2 + </a:t>
+                  <a:t> = n^2 + </a:t>
                 </a:r>
                 <a:r>
                   <a:rPr lang="en-US" i="1" dirty="0"/>
-                  <a:t>n^2 + n = 3n^2 + n</a:t>
+                  <a:t>n^2/2 + n/2 = 3/2n^2 + n/2</a:t>
                 </a:r>
                 <a:endParaRPr lang="en-US" dirty="0"/>
               </a:p>
@@ -21146,7 +22038,7 @@
             </p:txBody>
           </p:sp>
         </mc:Choice>
-        <mc:Fallback xmlns="">
+        <mc:Fallback>
           <p:sp>
             <p:nvSpPr>
               <p:cNvPr id="6" name="Content Placeholder 2">
@@ -21165,13 +22057,13 @@
             </p:nvSpPr>
             <p:spPr>
               <a:xfrm>
-                <a:off x="5550194" y="1584251"/>
-                <a:ext cx="6049927" cy="4592712"/>
+                <a:off x="4954772" y="1584251"/>
+                <a:ext cx="6645349" cy="4592712"/>
               </a:xfrm>
               <a:blipFill>
                 <a:blip r:embed="rId3"/>
                 <a:stretch>
-                  <a:fillRect l="-1677" t="-3039"/>
+                  <a:fillRect l="-1527" t="-3039" r="-573"/>
                 </a:stretch>
               </a:blipFill>
             </p:spPr>
@@ -21235,244 +22127,10 @@
   <p:clrMapOvr>
     <a:masterClrMapping/>
   </p:clrMapOvr>
-  <p:timing>
-    <p:tnLst>
-      <p:par>
-        <p:cTn id="1" dur="indefinite" restart="never" nodeType="tmRoot">
-          <p:childTnLst>
-            <p:seq concurrent="1" nextAc="seek">
-              <p:cTn id="2" dur="indefinite" nodeType="mainSeq">
-                <p:childTnLst>
-                  <p:par>
-                    <p:cTn id="3" fill="hold">
-                      <p:stCondLst>
-                        <p:cond delay="indefinite"/>
-                      </p:stCondLst>
-                      <p:childTnLst>
-                        <p:par>
-                          <p:cTn id="4" fill="hold">
-                            <p:stCondLst>
-                              <p:cond delay="0"/>
-                            </p:stCondLst>
-                            <p:childTnLst>
-                              <p:par>
-                                <p:cTn id="5" presetID="1" presetClass="entr" presetSubtype="0" fill="hold" nodeType="clickEffect">
-                                  <p:stCondLst>
-                                    <p:cond delay="0"/>
-                                  </p:stCondLst>
-                                  <p:childTnLst>
-                                    <p:set>
-                                      <p:cBhvr>
-                                        <p:cTn id="6" dur="1" fill="hold">
-                                          <p:stCondLst>
-                                            <p:cond delay="0"/>
-                                          </p:stCondLst>
-                                        </p:cTn>
-                                        <p:tgtEl>
-                                          <p:spTgt spid="6">
-                                            <p:txEl>
-                                              <p:pRg st="3" end="3"/>
-                                            </p:txEl>
-                                          </p:spTgt>
-                                        </p:tgtEl>
-                                        <p:attrNameLst>
-                                          <p:attrName>style.visibility</p:attrName>
-                                        </p:attrNameLst>
-                                      </p:cBhvr>
-                                      <p:to>
-                                        <p:strVal val="visible"/>
-                                      </p:to>
-                                    </p:set>
-                                  </p:childTnLst>
-                                </p:cTn>
-                              </p:par>
-                              <p:par>
-                                <p:cTn id="7" presetID="1" presetClass="entr" presetSubtype="0" fill="hold" nodeType="withEffect">
-                                  <p:stCondLst>
-                                    <p:cond delay="0"/>
-                                  </p:stCondLst>
-                                  <p:childTnLst>
-                                    <p:set>
-                                      <p:cBhvr>
-                                        <p:cTn id="8" dur="1" fill="hold">
-                                          <p:stCondLst>
-                                            <p:cond delay="0"/>
-                                          </p:stCondLst>
-                                        </p:cTn>
-                                        <p:tgtEl>
-                                          <p:spTgt spid="6">
-                                            <p:txEl>
-                                              <p:pRg st="4" end="4"/>
-                                            </p:txEl>
-                                          </p:spTgt>
-                                        </p:tgtEl>
-                                        <p:attrNameLst>
-                                          <p:attrName>style.visibility</p:attrName>
-                                        </p:attrNameLst>
-                                      </p:cBhvr>
-                                      <p:to>
-                                        <p:strVal val="visible"/>
-                                      </p:to>
-                                    </p:set>
-                                  </p:childTnLst>
-                                </p:cTn>
-                              </p:par>
-                              <p:par>
-                                <p:cTn id="9" presetID="1" presetClass="entr" presetSubtype="0" fill="hold" nodeType="withEffect">
-                                  <p:stCondLst>
-                                    <p:cond delay="0"/>
-                                  </p:stCondLst>
-                                  <p:childTnLst>
-                                    <p:set>
-                                      <p:cBhvr>
-                                        <p:cTn id="10" dur="1" fill="hold">
-                                          <p:stCondLst>
-                                            <p:cond delay="0"/>
-                                          </p:stCondLst>
-                                        </p:cTn>
-                                        <p:tgtEl>
-                                          <p:spTgt spid="6">
-                                            <p:txEl>
-                                              <p:pRg st="5" end="5"/>
-                                            </p:txEl>
-                                          </p:spTgt>
-                                        </p:tgtEl>
-                                        <p:attrNameLst>
-                                          <p:attrName>style.visibility</p:attrName>
-                                        </p:attrNameLst>
-                                      </p:cBhvr>
-                                      <p:to>
-                                        <p:strVal val="visible"/>
-                                      </p:to>
-                                    </p:set>
-                                  </p:childTnLst>
-                                </p:cTn>
-                              </p:par>
-                              <p:par>
-                                <p:cTn id="11" presetID="1" presetClass="entr" presetSubtype="0" fill="hold" nodeType="withEffect">
-                                  <p:stCondLst>
-                                    <p:cond delay="0"/>
-                                  </p:stCondLst>
-                                  <p:childTnLst>
-                                    <p:set>
-                                      <p:cBhvr>
-                                        <p:cTn id="12" dur="1" fill="hold">
-                                          <p:stCondLst>
-                                            <p:cond delay="0"/>
-                                          </p:stCondLst>
-                                        </p:cTn>
-                                        <p:tgtEl>
-                                          <p:spTgt spid="6">
-                                            <p:txEl>
-                                              <p:pRg st="6" end="6"/>
-                                            </p:txEl>
-                                          </p:spTgt>
-                                        </p:tgtEl>
-                                        <p:attrNameLst>
-                                          <p:attrName>style.visibility</p:attrName>
-                                        </p:attrNameLst>
-                                      </p:cBhvr>
-                                      <p:to>
-                                        <p:strVal val="visible"/>
-                                      </p:to>
-                                    </p:set>
-                                  </p:childTnLst>
-                                </p:cTn>
-                              </p:par>
-                              <p:par>
-                                <p:cTn id="13" presetID="1" presetClass="entr" presetSubtype="0" fill="hold" nodeType="withEffect">
-                                  <p:stCondLst>
-                                    <p:cond delay="0"/>
-                                  </p:stCondLst>
-                                  <p:childTnLst>
-                                    <p:set>
-                                      <p:cBhvr>
-                                        <p:cTn id="14" dur="1" fill="hold">
-                                          <p:stCondLst>
-                                            <p:cond delay="0"/>
-                                          </p:stCondLst>
-                                        </p:cTn>
-                                        <p:tgtEl>
-                                          <p:spTgt spid="6">
-                                            <p:txEl>
-                                              <p:pRg st="7" end="7"/>
-                                            </p:txEl>
-                                          </p:spTgt>
-                                        </p:tgtEl>
-                                        <p:attrNameLst>
-                                          <p:attrName>style.visibility</p:attrName>
-                                        </p:attrNameLst>
-                                      </p:cBhvr>
-                                      <p:to>
-                                        <p:strVal val="visible"/>
-                                      </p:to>
-                                    </p:set>
-                                  </p:childTnLst>
-                                </p:cTn>
-                              </p:par>
-                              <p:par>
-                                <p:cTn id="15" presetID="1" presetClass="entr" presetSubtype="0" fill="hold" nodeType="withEffect">
-                                  <p:stCondLst>
-                                    <p:cond delay="0"/>
-                                  </p:stCondLst>
-                                  <p:childTnLst>
-                                    <p:set>
-                                      <p:cBhvr>
-                                        <p:cTn id="16" dur="1" fill="hold">
-                                          <p:stCondLst>
-                                            <p:cond delay="0"/>
-                                          </p:stCondLst>
-                                        </p:cTn>
-                                        <p:tgtEl>
-                                          <p:spTgt spid="6">
-                                            <p:txEl>
-                                              <p:pRg st="8" end="8"/>
-                                            </p:txEl>
-                                          </p:spTgt>
-                                        </p:tgtEl>
-                                        <p:attrNameLst>
-                                          <p:attrName>style.visibility</p:attrName>
-                                        </p:attrNameLst>
-                                      </p:cBhvr>
-                                      <p:to>
-                                        <p:strVal val="visible"/>
-                                      </p:to>
-                                    </p:set>
-                                  </p:childTnLst>
-                                </p:cTn>
-                              </p:par>
-                            </p:childTnLst>
-                          </p:cTn>
-                        </p:par>
-                      </p:childTnLst>
-                    </p:cTn>
-                  </p:par>
-                </p:childTnLst>
-              </p:cTn>
-              <p:prevCondLst>
-                <p:cond evt="onPrev" delay="0">
-                  <p:tgtEl>
-                    <p:sldTgt/>
-                  </p:tgtEl>
-                </p:cond>
-              </p:prevCondLst>
-              <p:nextCondLst>
-                <p:cond evt="onNext" delay="0">
-                  <p:tgtEl>
-                    <p:sldTgt/>
-                  </p:tgtEl>
-                </p:cond>
-              </p:nextCondLst>
-            </p:seq>
-          </p:childTnLst>
-        </p:cTn>
-      </p:par>
-    </p:tnLst>
-  </p:timing>
 </p:sld>
 </file>
 
-<file path=ppt/slides/slide27.xml><?xml version="1.0" encoding="utf-8"?>
+<file path=ppt/slides/slide29.xml><?xml version="1.0" encoding="utf-8"?>
 <p:sld xmlns:a="http://schemas.openxmlformats.org/drawingml/2006/main" xmlns:r="http://schemas.openxmlformats.org/officeDocument/2006/relationships" xmlns:p="http://schemas.openxmlformats.org/presentationml/2006/main">
   <p:cSld>
     <p:spTree>
@@ -21556,7 +22214,10 @@
             </a:r>
           </a:p>
           <a:p>
-            <a:pPr lvl="1"/>
+            <a:pPr marL="914400" lvl="1" indent="-457200">
+              <a:buFont typeface="+mj-lt"/>
+              <a:buAutoNum type="arabicPeriod"/>
+            </a:pPr>
             <a:r>
               <a:rPr lang="en-US" dirty="0"/>
               <a:t>Identify unit of work, key size indicator</a:t>
@@ -21564,7 +22225,10 @@
             <a:endParaRPr lang="en-US" i="1" dirty="0"/>
           </a:p>
           <a:p>
-            <a:pPr lvl="1"/>
+            <a:pPr marL="914400" lvl="1" indent="-457200">
+              <a:buFont typeface="+mj-lt"/>
+              <a:buAutoNum type="arabicPeriod"/>
+            </a:pPr>
             <a:r>
               <a:rPr lang="en-US" dirty="0"/>
               <a:t>Define </a:t>
@@ -21587,7 +22251,10 @@
             </a:r>
           </a:p>
           <a:p>
-            <a:pPr lvl="1"/>
+            <a:pPr marL="914400" lvl="1" indent="-457200">
+              <a:buFont typeface="+mj-lt"/>
+              <a:buAutoNum type="arabicPeriod"/>
+            </a:pPr>
             <a:r>
               <a:rPr lang="en-US" dirty="0"/>
               <a:t>Take asymptotic behavior of </a:t>
@@ -21764,6 +22431,320 @@
   <p:clrMapOvr>
     <a:masterClrMapping/>
   </p:clrMapOvr>
+  <p:timing>
+    <p:tnLst>
+      <p:par>
+        <p:cTn id="1" dur="indefinite" restart="never" nodeType="tmRoot">
+          <p:childTnLst>
+            <p:seq concurrent="1" nextAc="seek">
+              <p:cTn id="2" dur="indefinite" nodeType="mainSeq">
+                <p:childTnLst>
+                  <p:par>
+                    <p:cTn id="3" fill="hold">
+                      <p:stCondLst>
+                        <p:cond delay="indefinite"/>
+                      </p:stCondLst>
+                      <p:childTnLst>
+                        <p:par>
+                          <p:cTn id="4" fill="hold">
+                            <p:stCondLst>
+                              <p:cond delay="0"/>
+                            </p:stCondLst>
+                            <p:childTnLst>
+                              <p:par>
+                                <p:cTn id="5" presetID="1" presetClass="entr" presetSubtype="0" fill="hold" nodeType="clickEffect">
+                                  <p:stCondLst>
+                                    <p:cond delay="0"/>
+                                  </p:stCondLst>
+                                  <p:childTnLst>
+                                    <p:set>
+                                      <p:cBhvr>
+                                        <p:cTn id="6" dur="1" fill="hold">
+                                          <p:stCondLst>
+                                            <p:cond delay="0"/>
+                                          </p:stCondLst>
+                                        </p:cTn>
+                                        <p:tgtEl>
+                                          <p:spTgt spid="3">
+                                            <p:txEl>
+                                              <p:pRg st="0" end="0"/>
+                                            </p:txEl>
+                                          </p:spTgt>
+                                        </p:tgtEl>
+                                        <p:attrNameLst>
+                                          <p:attrName>style.visibility</p:attrName>
+                                        </p:attrNameLst>
+                                      </p:cBhvr>
+                                      <p:to>
+                                        <p:strVal val="visible"/>
+                                      </p:to>
+                                    </p:set>
+                                  </p:childTnLst>
+                                </p:cTn>
+                              </p:par>
+                              <p:par>
+                                <p:cTn id="7" presetID="1" presetClass="entr" presetSubtype="0" fill="hold" nodeType="withEffect">
+                                  <p:stCondLst>
+                                    <p:cond delay="0"/>
+                                  </p:stCondLst>
+                                  <p:childTnLst>
+                                    <p:set>
+                                      <p:cBhvr>
+                                        <p:cTn id="8" dur="1" fill="hold">
+                                          <p:stCondLst>
+                                            <p:cond delay="0"/>
+                                          </p:stCondLst>
+                                        </p:cTn>
+                                        <p:tgtEl>
+                                          <p:spTgt spid="3">
+                                            <p:txEl>
+                                              <p:pRg st="1" end="1"/>
+                                            </p:txEl>
+                                          </p:spTgt>
+                                        </p:tgtEl>
+                                        <p:attrNameLst>
+                                          <p:attrName>style.visibility</p:attrName>
+                                        </p:attrNameLst>
+                                      </p:cBhvr>
+                                      <p:to>
+                                        <p:strVal val="visible"/>
+                                      </p:to>
+                                    </p:set>
+                                  </p:childTnLst>
+                                </p:cTn>
+                              </p:par>
+                              <p:par>
+                                <p:cTn id="9" presetID="1" presetClass="entr" presetSubtype="0" fill="hold" nodeType="withEffect">
+                                  <p:stCondLst>
+                                    <p:cond delay="0"/>
+                                  </p:stCondLst>
+                                  <p:childTnLst>
+                                    <p:set>
+                                      <p:cBhvr>
+                                        <p:cTn id="10" dur="1" fill="hold">
+                                          <p:stCondLst>
+                                            <p:cond delay="0"/>
+                                          </p:stCondLst>
+                                        </p:cTn>
+                                        <p:tgtEl>
+                                          <p:spTgt spid="3">
+                                            <p:txEl>
+                                              <p:pRg st="2" end="2"/>
+                                            </p:txEl>
+                                          </p:spTgt>
+                                        </p:tgtEl>
+                                        <p:attrNameLst>
+                                          <p:attrName>style.visibility</p:attrName>
+                                        </p:attrNameLst>
+                                      </p:cBhvr>
+                                      <p:to>
+                                        <p:strVal val="visible"/>
+                                      </p:to>
+                                    </p:set>
+                                  </p:childTnLst>
+                                </p:cTn>
+                              </p:par>
+                              <p:par>
+                                <p:cTn id="11" presetID="1" presetClass="entr" presetSubtype="0" fill="hold" nodeType="withEffect">
+                                  <p:stCondLst>
+                                    <p:cond delay="0"/>
+                                  </p:stCondLst>
+                                  <p:childTnLst>
+                                    <p:set>
+                                      <p:cBhvr>
+                                        <p:cTn id="12" dur="1" fill="hold">
+                                          <p:stCondLst>
+                                            <p:cond delay="0"/>
+                                          </p:stCondLst>
+                                        </p:cTn>
+                                        <p:tgtEl>
+                                          <p:spTgt spid="3">
+                                            <p:txEl>
+                                              <p:pRg st="3" end="3"/>
+                                            </p:txEl>
+                                          </p:spTgt>
+                                        </p:tgtEl>
+                                        <p:attrNameLst>
+                                          <p:attrName>style.visibility</p:attrName>
+                                        </p:attrNameLst>
+                                      </p:cBhvr>
+                                      <p:to>
+                                        <p:strVal val="visible"/>
+                                      </p:to>
+                                    </p:set>
+                                  </p:childTnLst>
+                                </p:cTn>
+                              </p:par>
+                              <p:par>
+                                <p:cTn id="13" presetID="1" presetClass="entr" presetSubtype="0" fill="hold" nodeType="withEffect">
+                                  <p:stCondLst>
+                                    <p:cond delay="0"/>
+                                  </p:stCondLst>
+                                  <p:childTnLst>
+                                    <p:set>
+                                      <p:cBhvr>
+                                        <p:cTn id="14" dur="1" fill="hold">
+                                          <p:stCondLst>
+                                            <p:cond delay="0"/>
+                                          </p:stCondLst>
+                                        </p:cTn>
+                                        <p:tgtEl>
+                                          <p:spTgt spid="3">
+                                            <p:txEl>
+                                              <p:pRg st="4" end="4"/>
+                                            </p:txEl>
+                                          </p:spTgt>
+                                        </p:tgtEl>
+                                        <p:attrNameLst>
+                                          <p:attrName>style.visibility</p:attrName>
+                                        </p:attrNameLst>
+                                      </p:cBhvr>
+                                      <p:to>
+                                        <p:strVal val="visible"/>
+                                      </p:to>
+                                    </p:set>
+                                  </p:childTnLst>
+                                </p:cTn>
+                              </p:par>
+                              <p:par>
+                                <p:cTn id="15" presetID="1" presetClass="entr" presetSubtype="0" fill="hold" nodeType="withEffect">
+                                  <p:stCondLst>
+                                    <p:cond delay="0"/>
+                                  </p:stCondLst>
+                                  <p:childTnLst>
+                                    <p:set>
+                                      <p:cBhvr>
+                                        <p:cTn id="16" dur="1" fill="hold">
+                                          <p:stCondLst>
+                                            <p:cond delay="0"/>
+                                          </p:stCondLst>
+                                        </p:cTn>
+                                        <p:tgtEl>
+                                          <p:spTgt spid="3">
+                                            <p:txEl>
+                                              <p:pRg st="5" end="5"/>
+                                            </p:txEl>
+                                          </p:spTgt>
+                                        </p:tgtEl>
+                                        <p:attrNameLst>
+                                          <p:attrName>style.visibility</p:attrName>
+                                        </p:attrNameLst>
+                                      </p:cBhvr>
+                                      <p:to>
+                                        <p:strVal val="visible"/>
+                                      </p:to>
+                                    </p:set>
+                                  </p:childTnLst>
+                                </p:cTn>
+                              </p:par>
+                            </p:childTnLst>
+                          </p:cTn>
+                        </p:par>
+                      </p:childTnLst>
+                    </p:cTn>
+                  </p:par>
+                  <p:par>
+                    <p:cTn id="17" fill="hold">
+                      <p:stCondLst>
+                        <p:cond delay="indefinite"/>
+                      </p:stCondLst>
+                      <p:childTnLst>
+                        <p:par>
+                          <p:cTn id="18" fill="hold">
+                            <p:stCondLst>
+                              <p:cond delay="0"/>
+                            </p:stCondLst>
+                            <p:childTnLst>
+                              <p:par>
+                                <p:cTn id="19" presetID="1" presetClass="entr" presetSubtype="0" fill="hold" nodeType="clickEffect">
+                                  <p:stCondLst>
+                                    <p:cond delay="0"/>
+                                  </p:stCondLst>
+                                  <p:childTnLst>
+                                    <p:set>
+                                      <p:cBhvr>
+                                        <p:cTn id="20" dur="1" fill="hold">
+                                          <p:stCondLst>
+                                            <p:cond delay="0"/>
+                                          </p:stCondLst>
+                                        </p:cTn>
+                                        <p:tgtEl>
+                                          <p:spTgt spid="3">
+                                            <p:txEl>
+                                              <p:pRg st="6" end="6"/>
+                                            </p:txEl>
+                                          </p:spTgt>
+                                        </p:tgtEl>
+                                        <p:attrNameLst>
+                                          <p:attrName>style.visibility</p:attrName>
+                                        </p:attrNameLst>
+                                      </p:cBhvr>
+                                      <p:to>
+                                        <p:strVal val="visible"/>
+                                      </p:to>
+                                    </p:set>
+                                  </p:childTnLst>
+                                </p:cTn>
+                              </p:par>
+                              <p:par>
+                                <p:cTn id="21" presetID="1" presetClass="entr" presetSubtype="0" fill="hold" nodeType="withEffect">
+                                  <p:stCondLst>
+                                    <p:cond delay="0"/>
+                                  </p:stCondLst>
+                                  <p:childTnLst>
+                                    <p:set>
+                                      <p:cBhvr>
+                                        <p:cTn id="22" dur="1" fill="hold">
+                                          <p:stCondLst>
+                                            <p:cond delay="0"/>
+                                          </p:stCondLst>
+                                        </p:cTn>
+                                        <p:tgtEl>
+                                          <p:spTgt spid="3">
+                                            <p:txEl>
+                                              <p:pRg st="7" end="7"/>
+                                            </p:txEl>
+                                          </p:spTgt>
+                                        </p:tgtEl>
+                                        <p:attrNameLst>
+                                          <p:attrName>style.visibility</p:attrName>
+                                        </p:attrNameLst>
+                                      </p:cBhvr>
+                                      <p:to>
+                                        <p:strVal val="visible"/>
+                                      </p:to>
+                                    </p:set>
+                                  </p:childTnLst>
+                                </p:cTn>
+                              </p:par>
+                            </p:childTnLst>
+                          </p:cTn>
+                        </p:par>
+                      </p:childTnLst>
+                    </p:cTn>
+                  </p:par>
+                </p:childTnLst>
+              </p:cTn>
+              <p:prevCondLst>
+                <p:cond evt="onPrev" delay="0">
+                  <p:tgtEl>
+                    <p:sldTgt/>
+                  </p:tgtEl>
+                </p:cond>
+              </p:prevCondLst>
+              <p:nextCondLst>
+                <p:cond evt="onNext" delay="0">
+                  <p:tgtEl>
+                    <p:sldTgt/>
+                  </p:tgtEl>
+                </p:cond>
+              </p:nextCondLst>
+            </p:seq>
+          </p:childTnLst>
+        </p:cTn>
+      </p:par>
+    </p:tnLst>
+  </p:timing>
 </p:sld>
 </file>
 
@@ -21965,7 +22946,7 @@
           <a:p>
             <a:r>
               <a:rPr lang="en-US" dirty="0"/>
-              <a:t>Be aware that space complexity is a thing, but we will focus on time complexity</a:t>
+              <a:t>Be aware that space complexity is a thing, but we will focus on time complexity in this class</a:t>
             </a:r>
           </a:p>
         </p:txBody>
@@ -22158,8 +23139,8 @@
           </a:p>
         </p:txBody>
       </p:sp>
-      <mc:AlternateContent xmlns:mc="http://schemas.openxmlformats.org/markup-compatibility/2006" xmlns:a14="http://schemas.microsoft.com/office/drawing/2010/main">
-        <mc:Choice Requires="a14">
+      <mc:AlternateContent xmlns:mc="http://schemas.openxmlformats.org/markup-compatibility/2006">
+        <mc:Choice xmlns:a14="http://schemas.microsoft.com/office/drawing/2010/main" Requires="a14">
           <p:sp>
             <p:nvSpPr>
               <p:cNvPr id="3" name="Content Placeholder 2"/>
@@ -22177,13 +23158,13 @@
               <a:p>
                 <a:r>
                   <a:rPr lang="en-US" dirty="0"/>
-                  <a:t>Let’s count array accesses (memory is slow) and floating-point additions</a:t>
+                  <a:t>Let’s count memory accesses (memory is slow) and floating-point additions</a:t>
                 </a:r>
               </a:p>
               <a:p>
                 <a:r>
                   <a:rPr lang="en-US" dirty="0"/>
-                  <a:t>Charge two operations to a single element for each iteration </a:t>
+                  <a:t>Charge 2 operations to a single element for each iteration </a:t>
                 </a:r>
                 <a:br>
                   <a:rPr lang="en-US" dirty="0"/>
@@ -22247,9 +23228,9 @@
                       <m:e>
                         <m:r>
                           <a:rPr lang="en-US" b="0" i="1" smtClean="0">
-                            <a:latin typeface="Cambria Math" charset="0"/>
+                            <a:latin typeface="Cambria Math" panose="02040503050406030204" pitchFamily="18" charset="0"/>
                           </a:rPr>
-                          <m:t>1+1</m:t>
+                          <m:t>2</m:t>
                         </m:r>
                       </m:e>
                     </m:nary>
@@ -22271,7 +23252,7 @@
             </p:txBody>
           </p:sp>
         </mc:Choice>
-        <mc:Fallback xmlns="">
+        <mc:Fallback>
           <p:sp>
             <p:nvSpPr>
               <p:cNvPr id="3" name="Content Placeholder 2"/>
@@ -22421,6 +23402,88 @@
           </a:p>
         </p:txBody>
       </p:sp>
+      <p:cxnSp>
+        <p:nvCxnSpPr>
+          <p:cNvPr id="9" name="Straight Arrow Connector 8">
+            <a:extLst>
+              <a:ext uri="{FF2B5EF4-FFF2-40B4-BE49-F238E27FC236}">
+                <a16:creationId xmlns:a16="http://schemas.microsoft.com/office/drawing/2014/main" id="{1A67D8E4-640D-034B-8DB9-591B8CADE569}"/>
+              </a:ext>
+            </a:extLst>
+          </p:cNvPr>
+          <p:cNvCxnSpPr>
+            <a:cxnSpLocks/>
+          </p:cNvCxnSpPr>
+          <p:nvPr/>
+        </p:nvCxnSpPr>
+        <p:spPr>
+          <a:xfrm flipV="1">
+            <a:off x="5762090" y="5779991"/>
+            <a:ext cx="0" cy="474806"/>
+          </a:xfrm>
+          <a:prstGeom prst="straightConnector1">
+            <a:avLst/>
+          </a:prstGeom>
+          <a:ln>
+            <a:tailEnd type="triangle"/>
+          </a:ln>
+        </p:spPr>
+        <p:style>
+          <a:lnRef idx="1">
+            <a:schemeClr val="accent1"/>
+          </a:lnRef>
+          <a:fillRef idx="0">
+            <a:schemeClr val="accent1"/>
+          </a:fillRef>
+          <a:effectRef idx="0">
+            <a:schemeClr val="accent1"/>
+          </a:effectRef>
+          <a:fontRef idx="minor">
+            <a:schemeClr val="tx1"/>
+          </a:fontRef>
+        </p:style>
+      </p:cxnSp>
+      <p:cxnSp>
+        <p:nvCxnSpPr>
+          <p:cNvPr id="10" name="Straight Arrow Connector 9">
+            <a:extLst>
+              <a:ext uri="{FF2B5EF4-FFF2-40B4-BE49-F238E27FC236}">
+                <a16:creationId xmlns:a16="http://schemas.microsoft.com/office/drawing/2014/main" id="{D2B66EEE-5D36-A345-A2EF-6D83F45A2E43}"/>
+              </a:ext>
+            </a:extLst>
+          </p:cNvPr>
+          <p:cNvCxnSpPr>
+            <a:cxnSpLocks/>
+          </p:cNvCxnSpPr>
+          <p:nvPr/>
+        </p:nvCxnSpPr>
+        <p:spPr>
+          <a:xfrm flipV="1">
+            <a:off x="6347717" y="5779991"/>
+            <a:ext cx="0" cy="474806"/>
+          </a:xfrm>
+          <a:prstGeom prst="straightConnector1">
+            <a:avLst/>
+          </a:prstGeom>
+          <a:ln>
+            <a:tailEnd type="triangle"/>
+          </a:ln>
+        </p:spPr>
+        <p:style>
+          <a:lnRef idx="1">
+            <a:schemeClr val="accent1"/>
+          </a:lnRef>
+          <a:fillRef idx="0">
+            <a:schemeClr val="accent1"/>
+          </a:fillRef>
+          <a:effectRef idx="0">
+            <a:schemeClr val="accent1"/>
+          </a:effectRef>
+          <a:fontRef idx="minor">
+            <a:schemeClr val="tx1"/>
+          </a:fontRef>
+        </p:style>
+      </p:cxnSp>
     </p:spTree>
     <p:extLst>
       <p:ext uri="{BB962C8B-B14F-4D97-AF65-F5344CB8AC3E}">
@@ -22486,35 +23549,6 @@
           </a:p>
         </p:txBody>
       </p:sp>
-      <p:pic>
-        <p:nvPicPr>
-          <p:cNvPr id="4" name="Content Placeholder 3"/>
-          <p:cNvPicPr>
-            <a:picLocks noGrp="1" noChangeAspect="1"/>
-          </p:cNvPicPr>
-          <p:nvPr>
-            <p:ph idx="1"/>
-          </p:nvPr>
-        </p:nvPicPr>
-        <p:blipFill>
-          <a:blip r:embed="rId2">
-            <a:extLst>
-              <a:ext uri="{28A0092B-C50C-407E-A947-70E740481C1C}">
-                <a14:useLocalDpi xmlns:a14="http://schemas.microsoft.com/office/drawing/2010/main" val="0"/>
-              </a:ext>
-            </a:extLst>
-          </a:blip>
-          <a:stretch>
-            <a:fillRect/>
-          </a:stretch>
-        </p:blipFill>
-        <p:spPr>
-          <a:xfrm>
-            <a:off x="1719942" y="580344"/>
-            <a:ext cx="8513703" cy="5809569"/>
-          </a:xfrm>
-        </p:spPr>
-      </p:pic>
       <p:sp>
         <p:nvSpPr>
           <p:cNvPr id="6" name="Rectangle 5"/>
@@ -22643,6 +23677,35 @@
           </a:p>
         </p:txBody>
       </p:sp>
+      <p:pic>
+        <p:nvPicPr>
+          <p:cNvPr id="8" name="Content Placeholder 7">
+            <a:extLst>
+              <a:ext uri="{FF2B5EF4-FFF2-40B4-BE49-F238E27FC236}">
+                <a16:creationId xmlns:a16="http://schemas.microsoft.com/office/drawing/2014/main" id="{A48E5869-3B0F-364D-B5D0-38809B660E35}"/>
+              </a:ext>
+            </a:extLst>
+          </p:cNvPr>
+          <p:cNvPicPr>
+            <a:picLocks noGrp="1" noChangeAspect="1"/>
+          </p:cNvPicPr>
+          <p:nvPr>
+            <p:ph idx="1"/>
+          </p:nvPr>
+        </p:nvPicPr>
+        <p:blipFill>
+          <a:blip r:embed="rId3"/>
+          <a:stretch>
+            <a:fillRect/>
+          </a:stretch>
+        </p:blipFill>
+        <p:spPr>
+          <a:xfrm>
+            <a:off x="112953" y="777660"/>
+            <a:ext cx="11986581" cy="5232721"/>
+          </a:xfrm>
+        </p:spPr>
+      </p:pic>
     </p:spTree>
     <p:extLst>
       <p:ext uri="{BB962C8B-B14F-4D97-AF65-F5344CB8AC3E}">
@@ -22799,6 +23862,162 @@
           </a:p>
         </p:txBody>
       </p:sp>
+      <p:cxnSp>
+        <p:nvCxnSpPr>
+          <p:cNvPr id="6" name="Straight Arrow Connector 5">
+            <a:extLst>
+              <a:ext uri="{FF2B5EF4-FFF2-40B4-BE49-F238E27FC236}">
+                <a16:creationId xmlns:a16="http://schemas.microsoft.com/office/drawing/2014/main" id="{8433B1FC-635B-8F4E-85CC-FCA413E3306C}"/>
+              </a:ext>
+            </a:extLst>
+          </p:cNvPr>
+          <p:cNvCxnSpPr>
+            <a:cxnSpLocks/>
+          </p:cNvCxnSpPr>
+          <p:nvPr/>
+        </p:nvCxnSpPr>
+        <p:spPr>
+          <a:xfrm flipH="1">
+            <a:off x="9431677" y="4643919"/>
+            <a:ext cx="369869" cy="780836"/>
+          </a:xfrm>
+          <a:prstGeom prst="straightConnector1">
+            <a:avLst/>
+          </a:prstGeom>
+          <a:ln>
+            <a:tailEnd type="triangle"/>
+          </a:ln>
+        </p:spPr>
+        <p:style>
+          <a:lnRef idx="1">
+            <a:schemeClr val="accent1"/>
+          </a:lnRef>
+          <a:fillRef idx="0">
+            <a:schemeClr val="accent1"/>
+          </a:fillRef>
+          <a:effectRef idx="0">
+            <a:schemeClr val="accent1"/>
+          </a:effectRef>
+          <a:fontRef idx="minor">
+            <a:schemeClr val="tx1"/>
+          </a:fontRef>
+        </p:style>
+      </p:cxnSp>
+      <p:sp>
+        <p:nvSpPr>
+          <p:cNvPr id="9" name="TextBox 8">
+            <a:extLst>
+              <a:ext uri="{FF2B5EF4-FFF2-40B4-BE49-F238E27FC236}">
+                <a16:creationId xmlns:a16="http://schemas.microsoft.com/office/drawing/2014/main" id="{09E58F9E-FD17-A741-A436-225BF15608B5}"/>
+              </a:ext>
+            </a:extLst>
+          </p:cNvPr>
+          <p:cNvSpPr txBox="1"/>
+          <p:nvPr/>
+        </p:nvSpPr>
+        <p:spPr>
+          <a:xfrm>
+            <a:off x="9801546" y="4182254"/>
+            <a:ext cx="2339102" cy="923330"/>
+          </a:xfrm>
+          <a:prstGeom prst="rect">
+            <a:avLst/>
+          </a:prstGeom>
+          <a:noFill/>
+        </p:spPr>
+        <p:txBody>
+          <a:bodyPr wrap="none" rtlCol="0">
+            <a:spAutoFit/>
+          </a:bodyPr>
+          <a:lstStyle/>
+          <a:p>
+            <a:r>
+              <a:rPr lang="en-US" dirty="0"/>
+              <a:t>Should keep</a:t>
+            </a:r>
+          </a:p>
+          <a:p>
+            <a:r>
+              <a:rPr lang="en-US" dirty="0"/>
+              <a:t>your complexity</a:t>
+            </a:r>
+          </a:p>
+          <a:p>
+            <a:r>
+              <a:rPr lang="en-US" dirty="0"/>
+              <a:t>at or below O(n </a:t>
+            </a:r>
+            <a:r>
+              <a:rPr lang="en-US" dirty="0" err="1"/>
+              <a:t>logn</a:t>
+            </a:r>
+            <a:r>
+              <a:rPr lang="en-US" dirty="0"/>
+              <a:t>)</a:t>
+            </a:r>
+          </a:p>
+        </p:txBody>
+      </p:sp>
+      <p:pic>
+        <p:nvPicPr>
+          <p:cNvPr id="10" name="Picture 9">
+            <a:extLst>
+              <a:ext uri="{FF2B5EF4-FFF2-40B4-BE49-F238E27FC236}">
+                <a16:creationId xmlns:a16="http://schemas.microsoft.com/office/drawing/2014/main" id="{3BD17CDA-61BB-6A4A-9E4A-AB507320785E}"/>
+              </a:ext>
+            </a:extLst>
+          </p:cNvPr>
+          <p:cNvPicPr>
+            <a:picLocks noChangeAspect="1"/>
+          </p:cNvPicPr>
+          <p:nvPr/>
+        </p:nvPicPr>
+        <p:blipFill>
+          <a:blip r:embed="rId3"/>
+          <a:stretch>
+            <a:fillRect/>
+          </a:stretch>
+        </p:blipFill>
+        <p:spPr>
+          <a:xfrm>
+            <a:off x="9431677" y="2334442"/>
+            <a:ext cx="1701800" cy="1181100"/>
+          </a:xfrm>
+          <a:prstGeom prst="rect">
+            <a:avLst/>
+          </a:prstGeom>
+        </p:spPr>
+      </p:pic>
+      <p:pic>
+        <p:nvPicPr>
+          <p:cNvPr id="11" name="Picture 10">
+            <a:extLst>
+              <a:ext uri="{FF2B5EF4-FFF2-40B4-BE49-F238E27FC236}">
+                <a16:creationId xmlns:a16="http://schemas.microsoft.com/office/drawing/2014/main" id="{57CB2E80-75C7-644A-B41D-9C907B13A6AF}"/>
+              </a:ext>
+            </a:extLst>
+          </p:cNvPr>
+          <p:cNvPicPr>
+            <a:picLocks noChangeAspect="1"/>
+          </p:cNvPicPr>
+          <p:nvPr/>
+        </p:nvPicPr>
+        <p:blipFill>
+          <a:blip r:embed="rId4"/>
+          <a:stretch>
+            <a:fillRect/>
+          </a:stretch>
+        </p:blipFill>
+        <p:spPr>
+          <a:xfrm>
+            <a:off x="4548526" y="2003247"/>
+            <a:ext cx="1841500" cy="1104900"/>
+          </a:xfrm>
+          <a:prstGeom prst="rect">
+            <a:avLst/>
+          </a:prstGeom>
+        </p:spPr>
+      </p:pic>
     </p:spTree>
     <p:extLst>
       <p:ext uri="{BB962C8B-B14F-4D97-AF65-F5344CB8AC3E}">

--- a/notes/complexity.pptx
+++ b/notes/complexity.pptx
@@ -231,7 +231,7 @@
           <a:p>
             <a:fld id="{8A1B613A-EFF1-404F-BEE8-EFAE84A4E5E2}" type="datetimeFigureOut">
               <a:rPr lang="en-US" smtClean="0"/>
-              <a:t>1/30/20</a:t>
+              <a:t>1/31/20</a:t>
             </a:fld>
             <a:endParaRPr lang="en-US"/>
           </a:p>
@@ -396,7 +396,7 @@
           <a:p>
             <a:fld id="{690847EA-AC25-3D4E-89E1-FD3F6A9702B6}" type="datetimeFigureOut">
               <a:rPr lang="en-US" smtClean="0"/>
-              <a:t>1/30/20</a:t>
+              <a:t>1/31/20</a:t>
             </a:fld>
             <a:endParaRPr lang="en-US"/>
           </a:p>
@@ -988,7 +988,7 @@
           <a:p>
             <a:fld id="{BE5295ED-3BAF-1140-8495-3D368771D6B1}" type="datetimeFigureOut">
               <a:rPr lang="en-US" smtClean="0"/>
-              <a:t>1/30/20</a:t>
+              <a:t>1/31/20</a:t>
             </a:fld>
             <a:endParaRPr lang="en-US"/>
           </a:p>
@@ -1186,7 +1186,7 @@
           <a:p>
             <a:fld id="{BE5295ED-3BAF-1140-8495-3D368771D6B1}" type="datetimeFigureOut">
               <a:rPr lang="en-US" smtClean="0"/>
-              <a:t>1/30/20</a:t>
+              <a:t>1/31/20</a:t>
             </a:fld>
             <a:endParaRPr lang="en-US"/>
           </a:p>
@@ -1394,7 +1394,7 @@
           <a:p>
             <a:fld id="{BE5295ED-3BAF-1140-8495-3D368771D6B1}" type="datetimeFigureOut">
               <a:rPr lang="en-US" smtClean="0"/>
-              <a:t>1/30/20</a:t>
+              <a:t>1/31/20</a:t>
             </a:fld>
             <a:endParaRPr lang="en-US"/>
           </a:p>
@@ -1597,7 +1597,7 @@
           <a:p>
             <a:fld id="{BE5295ED-3BAF-1140-8495-3D368771D6B1}" type="datetimeFigureOut">
               <a:rPr lang="en-US" smtClean="0"/>
-              <a:t>1/30/20</a:t>
+              <a:t>1/31/20</a:t>
             </a:fld>
             <a:endParaRPr lang="en-US"/>
           </a:p>
@@ -1872,7 +1872,7 @@
           <a:p>
             <a:fld id="{BE5295ED-3BAF-1140-8495-3D368771D6B1}" type="datetimeFigureOut">
               <a:rPr lang="en-US" smtClean="0"/>
-              <a:t>1/30/20</a:t>
+              <a:t>1/31/20</a:t>
             </a:fld>
             <a:endParaRPr lang="en-US"/>
           </a:p>
@@ -2137,7 +2137,7 @@
           <a:p>
             <a:fld id="{BE5295ED-3BAF-1140-8495-3D368771D6B1}" type="datetimeFigureOut">
               <a:rPr lang="en-US" smtClean="0"/>
-              <a:t>1/30/20</a:t>
+              <a:t>1/31/20</a:t>
             </a:fld>
             <a:endParaRPr lang="en-US"/>
           </a:p>
@@ -2549,7 +2549,7 @@
           <a:p>
             <a:fld id="{BE5295ED-3BAF-1140-8495-3D368771D6B1}" type="datetimeFigureOut">
               <a:rPr lang="en-US" smtClean="0"/>
-              <a:t>1/30/20</a:t>
+              <a:t>1/31/20</a:t>
             </a:fld>
             <a:endParaRPr lang="en-US"/>
           </a:p>
@@ -2690,7 +2690,7 @@
           <a:p>
             <a:fld id="{BE5295ED-3BAF-1140-8495-3D368771D6B1}" type="datetimeFigureOut">
               <a:rPr lang="en-US" smtClean="0"/>
-              <a:t>1/30/20</a:t>
+              <a:t>1/31/20</a:t>
             </a:fld>
             <a:endParaRPr lang="en-US"/>
           </a:p>
@@ -2803,7 +2803,7 @@
           <a:p>
             <a:fld id="{BE5295ED-3BAF-1140-8495-3D368771D6B1}" type="datetimeFigureOut">
               <a:rPr lang="en-US" smtClean="0"/>
-              <a:t>1/30/20</a:t>
+              <a:t>1/31/20</a:t>
             </a:fld>
             <a:endParaRPr lang="en-US"/>
           </a:p>
@@ -3114,7 +3114,7 @@
           <a:p>
             <a:fld id="{BE5295ED-3BAF-1140-8495-3D368771D6B1}" type="datetimeFigureOut">
               <a:rPr lang="en-US" smtClean="0"/>
-              <a:t>1/30/20</a:t>
+              <a:t>1/31/20</a:t>
             </a:fld>
             <a:endParaRPr lang="en-US"/>
           </a:p>
@@ -3405,7 +3405,7 @@
           <a:p>
             <a:fld id="{BE5295ED-3BAF-1140-8495-3D368771D6B1}" type="datetimeFigureOut">
               <a:rPr lang="en-US" smtClean="0"/>
-              <a:t>1/30/20</a:t>
+              <a:t>1/31/20</a:t>
             </a:fld>
             <a:endParaRPr lang="en-US"/>
           </a:p>
@@ -3650,7 +3650,7 @@
           <a:p>
             <a:fld id="{BE5295ED-3BAF-1140-8495-3D368771D6B1}" type="datetimeFigureOut">
               <a:rPr lang="en-US" smtClean="0"/>
-              <a:t>1/30/20</a:t>
+              <a:t>1/31/20</a:t>
             </a:fld>
             <a:endParaRPr lang="en-US"/>
           </a:p>
@@ -4830,8 +4830,8 @@
           </a:p>
         </p:txBody>
       </p:sp>
-      <mc:AlternateContent xmlns:mc="http://schemas.openxmlformats.org/markup-compatibility/2006">
-        <mc:Choice xmlns:a14="http://schemas.microsoft.com/office/drawing/2010/main" Requires="a14">
+      <mc:AlternateContent xmlns:mc="http://schemas.openxmlformats.org/markup-compatibility/2006" xmlns:a14="http://schemas.microsoft.com/office/drawing/2010/main">
+        <mc:Choice Requires="a14">
           <p:sp>
             <p:nvSpPr>
               <p:cNvPr id="3" name="Content Placeholder 2">
@@ -4962,7 +4962,7 @@
             </p:txBody>
           </p:sp>
         </mc:Choice>
-        <mc:Fallback>
+        <mc:Fallback xmlns="">
           <p:sp>
             <p:nvSpPr>
               <p:cNvPr id="3" name="Content Placeholder 2">
@@ -5094,8 +5094,8 @@
           </a:p>
         </p:txBody>
       </p:sp>
-      <mc:AlternateContent xmlns:mc="http://schemas.openxmlformats.org/markup-compatibility/2006">
-        <mc:Choice xmlns:a14="http://schemas.microsoft.com/office/drawing/2010/main" Requires="a14">
+      <mc:AlternateContent xmlns:mc="http://schemas.openxmlformats.org/markup-compatibility/2006" xmlns:a14="http://schemas.microsoft.com/office/drawing/2010/main">
+        <mc:Choice Requires="a14">
           <p:sp>
             <p:nvSpPr>
               <p:cNvPr id="3" name="Content Placeholder 2">
@@ -5158,7 +5158,7 @@
             </p:txBody>
           </p:sp>
         </mc:Choice>
-        <mc:Fallback>
+        <mc:Fallback xmlns="">
           <p:sp>
             <p:nvSpPr>
               <p:cNvPr id="3" name="Content Placeholder 2">
@@ -5403,8 +5403,8 @@
           </a:p>
         </p:txBody>
       </p:sp>
-      <mc:AlternateContent xmlns:mc="http://schemas.openxmlformats.org/markup-compatibility/2006">
-        <mc:Choice xmlns:a14="http://schemas.microsoft.com/office/drawing/2010/main" Requires="a14">
+      <mc:AlternateContent xmlns:mc="http://schemas.openxmlformats.org/markup-compatibility/2006" xmlns:a14="http://schemas.microsoft.com/office/drawing/2010/main">
+        <mc:Choice Requires="a14">
           <p:sp>
             <p:nvSpPr>
               <p:cNvPr id="7" name="TextBox 6">
@@ -5615,7 +5615,7 @@
             </p:txBody>
           </p:sp>
         </mc:Choice>
-        <mc:Fallback>
+        <mc:Fallback xmlns="">
           <p:sp>
             <p:nvSpPr>
               <p:cNvPr id="7" name="TextBox 6">
@@ -6490,7 +6490,7 @@
                 </a:r>
                 <a:r>
                   <a:rPr lang="en-US" i="1" dirty="0"/>
-                  <a:t>O(n)</a:t>
+                  <a:t>O()</a:t>
                 </a:r>
                 <a:r>
                   <a:rPr lang="en-US" dirty="0"/>
@@ -6923,7 +6923,7 @@
                 <a:ea typeface="Monaco" charset="0"/>
                 <a:cs typeface="Monaco" charset="0"/>
               </a:rPr>
-              <a:t>(a)):</a:t>
+              <a:t>(words)):</a:t>
             </a:r>
           </a:p>
           <a:p>
@@ -7039,8 +7039,8 @@
           </a:p>
         </p:txBody>
       </p:sp>
-      <mc:AlternateContent xmlns:mc="http://schemas.openxmlformats.org/markup-compatibility/2006" xmlns:a14="http://schemas.microsoft.com/office/drawing/2010/main">
-        <mc:Choice Requires="a14">
+      <mc:AlternateContent xmlns:mc="http://schemas.openxmlformats.org/markup-compatibility/2006">
+        <mc:Choice xmlns:a14="http://schemas.microsoft.com/office/drawing/2010/main" Requires="a14">
           <p:sp>
             <p:nvSpPr>
               <p:cNvPr id="8" name="Content Placeholder 2"/>
@@ -7069,7 +7069,7 @@
                 </a:r>
                 <a:r>
                   <a:rPr lang="en-US" i="1" dirty="0"/>
-                  <a:t>O(n)</a:t>
+                  <a:t>O()</a:t>
                 </a:r>
                 <a:r>
                   <a:rPr lang="en-US" dirty="0"/>
@@ -7438,7 +7438,7 @@
             </p:txBody>
           </p:sp>
         </mc:Choice>
-        <mc:Fallback xmlns="">
+        <mc:Fallback>
           <p:sp>
             <p:nvSpPr>
               <p:cNvPr id="8" name="Content Placeholder 2"/>
@@ -7454,10 +7454,10 @@
                 <a:off x="838200" y="1825625"/>
                 <a:ext cx="11136086" cy="4351338"/>
               </a:xfrm>
-              <a:blipFill rotWithShape="0">
+              <a:blipFill>
                 <a:blip r:embed="rId2"/>
                 <a:stretch>
-                  <a:fillRect l="-986" t="-2381"/>
+                  <a:fillRect l="-911" t="-2632" b="-20175"/>
                 </a:stretch>
               </a:blipFill>
             </p:spPr>
@@ -7628,7 +7628,7 @@
                 <a:ea typeface="Monaco" charset="0"/>
                 <a:cs typeface="Monaco" charset="0"/>
               </a:rPr>
-              <a:t>(a)):</a:t>
+              <a:t>(words)):</a:t>
             </a:r>
           </a:p>
           <a:p>
@@ -7764,8 +7764,8 @@
           </a:p>
         </p:txBody>
       </p:sp>
-      <mc:AlternateContent xmlns:mc="http://schemas.openxmlformats.org/markup-compatibility/2006" xmlns:a14="http://schemas.microsoft.com/office/drawing/2010/main">
-        <mc:Choice Requires="a14">
+      <mc:AlternateContent xmlns:mc="http://schemas.openxmlformats.org/markup-compatibility/2006">
+        <mc:Choice xmlns:a14="http://schemas.microsoft.com/office/drawing/2010/main" Requires="a14">
           <p:sp>
             <p:nvSpPr>
               <p:cNvPr id="3" name="Content Placeholder 2"/>
@@ -7957,12 +7957,16 @@
                   <a:t>What is </a:t>
                 </a:r>
                 <a:r>
-                  <a:rPr lang="en-US" i="1" dirty="0"/>
-                  <a:t>O(n)</a:t>
+                  <a:rPr lang="en-US" i="1"/>
+                  <a:t>O()</a:t>
+                </a:r>
+                <a:r>
+                  <a:rPr lang="en-US"/>
+                  <a:t> </a:t>
                 </a:r>
                 <a:r>
                   <a:rPr lang="en-US" dirty="0"/>
-                  <a:t> for </a:t>
+                  <a:t>for </a:t>
                 </a:r>
                 <a:r>
                   <a:rPr lang="en-US" dirty="0" err="1"/>
@@ -8395,7 +8399,7 @@
             </p:txBody>
           </p:sp>
         </mc:Choice>
-        <mc:Fallback xmlns="">
+        <mc:Fallback>
           <p:sp>
             <p:nvSpPr>
               <p:cNvPr id="3" name="Content Placeholder 2"/>
@@ -8412,10 +8416,10 @@
               <a:prstGeom prst="rect">
                 <a:avLst/>
               </a:prstGeom>
-              <a:blipFill rotWithShape="0">
+              <a:blipFill>
                 <a:blip r:embed="rId2"/>
                 <a:stretch>
-                  <a:fillRect l="-876" t="-3081"/>
+                  <a:fillRect l="-797" t="-3216" b="-4094"/>
                 </a:stretch>
               </a:blipFill>
             </p:spPr>
@@ -8586,7 +8590,7 @@
                 <a:ea typeface="Monaco" charset="0"/>
                 <a:cs typeface="Monaco" charset="0"/>
               </a:rPr>
-              <a:t>(a)):</a:t>
+              <a:t>(words)):</a:t>
             </a:r>
           </a:p>
           <a:p>
@@ -8697,8 +8701,8 @@
           </a:p>
         </p:txBody>
       </p:sp>
-      <mc:AlternateContent xmlns:mc="http://schemas.openxmlformats.org/markup-compatibility/2006">
-        <mc:Choice xmlns:a14="http://schemas.microsoft.com/office/drawing/2010/main" Requires="a14">
+      <mc:AlternateContent xmlns:mc="http://schemas.openxmlformats.org/markup-compatibility/2006" xmlns:a14="http://schemas.microsoft.com/office/drawing/2010/main">
+        <mc:Choice Requires="a14">
           <p:sp>
             <p:nvSpPr>
               <p:cNvPr id="3" name="Content Placeholder 2"/>
@@ -8794,7 +8798,7 @@
             </p:txBody>
           </p:sp>
         </mc:Choice>
-        <mc:Fallback>
+        <mc:Fallback xmlns="">
           <p:sp>
             <p:nvSpPr>
               <p:cNvPr id="3" name="Content Placeholder 2"/>
@@ -14478,8 +14482,8 @@
           </a:p>
         </p:txBody>
       </p:sp>
-      <mc:AlternateContent xmlns:mc="http://schemas.openxmlformats.org/markup-compatibility/2006">
-        <mc:Choice xmlns:a14="http://schemas.microsoft.com/office/drawing/2010/main" Requires="a14">
+      <mc:AlternateContent xmlns:mc="http://schemas.openxmlformats.org/markup-compatibility/2006" xmlns:a14="http://schemas.microsoft.com/office/drawing/2010/main">
+        <mc:Choice Requires="a14">
           <p:graphicFrame>
             <p:nvGraphicFramePr>
               <p:cNvPr id="4" name="Content Placeholder 3"/>
@@ -16450,7 +16454,7 @@
             </a:graphic>
           </p:graphicFrame>
         </mc:Choice>
-        <mc:Fallback>
+        <mc:Fallback xmlns="">
           <p:graphicFrame>
             <p:nvGraphicFramePr>
               <p:cNvPr id="4" name="Content Placeholder 3"/>
@@ -18218,8 +18222,8 @@
           <a:chExt cx="0" cy="0"/>
         </a:xfrm>
       </p:grpSpPr>
-      <mc:AlternateContent xmlns:mc="http://schemas.openxmlformats.org/markup-compatibility/2006">
-        <mc:Choice xmlns:a14="http://schemas.microsoft.com/office/drawing/2010/main" Requires="a14">
+      <mc:AlternateContent xmlns:mc="http://schemas.openxmlformats.org/markup-compatibility/2006" xmlns:a14="http://schemas.microsoft.com/office/drawing/2010/main">
+        <mc:Choice Requires="a14">
           <p:graphicFrame>
             <p:nvGraphicFramePr>
               <p:cNvPr id="4" name="Content Placeholder 3"/>
@@ -19555,7 +19559,7 @@
             </a:graphic>
           </p:graphicFrame>
         </mc:Choice>
-        <mc:Fallback>
+        <mc:Fallback xmlns="">
           <p:graphicFrame>
             <p:nvGraphicFramePr>
               <p:cNvPr id="4" name="Content Placeholder 3"/>
@@ -21204,8 +21208,8 @@
           </a:extLst>
         </p:spPr>
       </p:pic>
-      <mc:AlternateContent xmlns:mc="http://schemas.openxmlformats.org/markup-compatibility/2006">
-        <mc:Choice xmlns:a14="http://schemas.microsoft.com/office/drawing/2010/main" Requires="a14">
+      <mc:AlternateContent xmlns:mc="http://schemas.openxmlformats.org/markup-compatibility/2006" xmlns:a14="http://schemas.microsoft.com/office/drawing/2010/main">
+        <mc:Choice Requires="a14">
           <p:sp>
             <p:nvSpPr>
               <p:cNvPr id="8" name="Content Placeholder 2">
@@ -21410,7 +21414,7 @@
             </p:txBody>
           </p:sp>
         </mc:Choice>
-        <mc:Fallback>
+        <mc:Fallback xmlns="">
           <p:sp>
             <p:nvSpPr>
               <p:cNvPr id="8" name="Content Placeholder 2">
@@ -21555,8 +21559,8 @@
           </a:extLst>
         </p:spPr>
       </p:pic>
-      <mc:AlternateContent xmlns:mc="http://schemas.openxmlformats.org/markup-compatibility/2006">
-        <mc:Choice xmlns:a14="http://schemas.microsoft.com/office/drawing/2010/main" Requires="a14">
+      <mc:AlternateContent xmlns:mc="http://schemas.openxmlformats.org/markup-compatibility/2006" xmlns:a14="http://schemas.microsoft.com/office/drawing/2010/main">
+        <mc:Choice Requires="a14">
           <p:sp>
             <p:nvSpPr>
               <p:cNvPr id="6" name="Content Placeholder 2">
@@ -22038,7 +22042,7 @@
             </p:txBody>
           </p:sp>
         </mc:Choice>
-        <mc:Fallback>
+        <mc:Fallback xmlns="">
           <p:sp>
             <p:nvSpPr>
               <p:cNvPr id="6" name="Content Placeholder 2">
@@ -23139,8 +23143,8 @@
           </a:p>
         </p:txBody>
       </p:sp>
-      <mc:AlternateContent xmlns:mc="http://schemas.openxmlformats.org/markup-compatibility/2006">
-        <mc:Choice xmlns:a14="http://schemas.microsoft.com/office/drawing/2010/main" Requires="a14">
+      <mc:AlternateContent xmlns:mc="http://schemas.openxmlformats.org/markup-compatibility/2006" xmlns:a14="http://schemas.microsoft.com/office/drawing/2010/main">
+        <mc:Choice Requires="a14">
           <p:sp>
             <p:nvSpPr>
               <p:cNvPr id="3" name="Content Placeholder 2"/>
@@ -23252,7 +23256,7 @@
             </p:txBody>
           </p:sp>
         </mc:Choice>
-        <mc:Fallback>
+        <mc:Fallback xmlns="">
           <p:sp>
             <p:nvSpPr>
               <p:cNvPr id="3" name="Content Placeholder 2"/>

--- a/notes/complexity.pptx
+++ b/notes/complexity.pptx
@@ -231,7 +231,7 @@
           <a:p>
             <a:fld id="{8A1B613A-EFF1-404F-BEE8-EFAE84A4E5E2}" type="datetimeFigureOut">
               <a:rPr lang="en-US" smtClean="0"/>
-              <a:t>1/31/20</a:t>
+              <a:t>2/5/20</a:t>
             </a:fld>
             <a:endParaRPr lang="en-US"/>
           </a:p>
@@ -396,7 +396,7 @@
           <a:p>
             <a:fld id="{690847EA-AC25-3D4E-89E1-FD3F6A9702B6}" type="datetimeFigureOut">
               <a:rPr lang="en-US" smtClean="0"/>
-              <a:t>1/31/20</a:t>
+              <a:t>2/5/20</a:t>
             </a:fld>
             <a:endParaRPr lang="en-US"/>
           </a:p>
@@ -988,7 +988,7 @@
           <a:p>
             <a:fld id="{BE5295ED-3BAF-1140-8495-3D368771D6B1}" type="datetimeFigureOut">
               <a:rPr lang="en-US" smtClean="0"/>
-              <a:t>1/31/20</a:t>
+              <a:t>2/5/20</a:t>
             </a:fld>
             <a:endParaRPr lang="en-US"/>
           </a:p>
@@ -1186,7 +1186,7 @@
           <a:p>
             <a:fld id="{BE5295ED-3BAF-1140-8495-3D368771D6B1}" type="datetimeFigureOut">
               <a:rPr lang="en-US" smtClean="0"/>
-              <a:t>1/31/20</a:t>
+              <a:t>2/5/20</a:t>
             </a:fld>
             <a:endParaRPr lang="en-US"/>
           </a:p>
@@ -1394,7 +1394,7 @@
           <a:p>
             <a:fld id="{BE5295ED-3BAF-1140-8495-3D368771D6B1}" type="datetimeFigureOut">
               <a:rPr lang="en-US" smtClean="0"/>
-              <a:t>1/31/20</a:t>
+              <a:t>2/5/20</a:t>
             </a:fld>
             <a:endParaRPr lang="en-US"/>
           </a:p>
@@ -1597,7 +1597,7 @@
           <a:p>
             <a:fld id="{BE5295ED-3BAF-1140-8495-3D368771D6B1}" type="datetimeFigureOut">
               <a:rPr lang="en-US" smtClean="0"/>
-              <a:t>1/31/20</a:t>
+              <a:t>2/5/20</a:t>
             </a:fld>
             <a:endParaRPr lang="en-US"/>
           </a:p>
@@ -1872,7 +1872,7 @@
           <a:p>
             <a:fld id="{BE5295ED-3BAF-1140-8495-3D368771D6B1}" type="datetimeFigureOut">
               <a:rPr lang="en-US" smtClean="0"/>
-              <a:t>1/31/20</a:t>
+              <a:t>2/5/20</a:t>
             </a:fld>
             <a:endParaRPr lang="en-US"/>
           </a:p>
@@ -2137,7 +2137,7 @@
           <a:p>
             <a:fld id="{BE5295ED-3BAF-1140-8495-3D368771D6B1}" type="datetimeFigureOut">
               <a:rPr lang="en-US" smtClean="0"/>
-              <a:t>1/31/20</a:t>
+              <a:t>2/5/20</a:t>
             </a:fld>
             <a:endParaRPr lang="en-US"/>
           </a:p>
@@ -2549,7 +2549,7 @@
           <a:p>
             <a:fld id="{BE5295ED-3BAF-1140-8495-3D368771D6B1}" type="datetimeFigureOut">
               <a:rPr lang="en-US" smtClean="0"/>
-              <a:t>1/31/20</a:t>
+              <a:t>2/5/20</a:t>
             </a:fld>
             <a:endParaRPr lang="en-US"/>
           </a:p>
@@ -2690,7 +2690,7 @@
           <a:p>
             <a:fld id="{BE5295ED-3BAF-1140-8495-3D368771D6B1}" type="datetimeFigureOut">
               <a:rPr lang="en-US" smtClean="0"/>
-              <a:t>1/31/20</a:t>
+              <a:t>2/5/20</a:t>
             </a:fld>
             <a:endParaRPr lang="en-US"/>
           </a:p>
@@ -2803,7 +2803,7 @@
           <a:p>
             <a:fld id="{BE5295ED-3BAF-1140-8495-3D368771D6B1}" type="datetimeFigureOut">
               <a:rPr lang="en-US" smtClean="0"/>
-              <a:t>1/31/20</a:t>
+              <a:t>2/5/20</a:t>
             </a:fld>
             <a:endParaRPr lang="en-US"/>
           </a:p>
@@ -3114,7 +3114,7 @@
           <a:p>
             <a:fld id="{BE5295ED-3BAF-1140-8495-3D368771D6B1}" type="datetimeFigureOut">
               <a:rPr lang="en-US" smtClean="0"/>
-              <a:t>1/31/20</a:t>
+              <a:t>2/5/20</a:t>
             </a:fld>
             <a:endParaRPr lang="en-US"/>
           </a:p>
@@ -3405,7 +3405,7 @@
           <a:p>
             <a:fld id="{BE5295ED-3BAF-1140-8495-3D368771D6B1}" type="datetimeFigureOut">
               <a:rPr lang="en-US" smtClean="0"/>
-              <a:t>1/31/20</a:t>
+              <a:t>2/5/20</a:t>
             </a:fld>
             <a:endParaRPr lang="en-US"/>
           </a:p>
@@ -3650,7 +3650,7 @@
           <a:p>
             <a:fld id="{BE5295ED-3BAF-1140-8495-3D368771D6B1}" type="datetimeFigureOut">
               <a:rPr lang="en-US" smtClean="0"/>
-              <a:t>1/31/20</a:t>
+              <a:t>2/5/20</a:t>
             </a:fld>
             <a:endParaRPr lang="en-US"/>
           </a:p>
@@ -6460,8 +6460,8 @@
           </a:p>
         </p:txBody>
       </p:sp>
-      <mc:AlternateContent xmlns:mc="http://schemas.openxmlformats.org/markup-compatibility/2006">
-        <mc:Choice xmlns:a14="http://schemas.microsoft.com/office/drawing/2010/main" Requires="a14">
+      <mc:AlternateContent xmlns:mc="http://schemas.openxmlformats.org/markup-compatibility/2006" xmlns:a14="http://schemas.microsoft.com/office/drawing/2010/main">
+        <mc:Choice Requires="a14">
           <p:sp>
             <p:nvSpPr>
               <p:cNvPr id="3" name="Content Placeholder 2"/>
@@ -6776,7 +6776,7 @@
             </p:txBody>
           </p:sp>
         </mc:Choice>
-        <mc:Fallback>
+        <mc:Fallback xmlns="">
           <p:sp>
             <p:nvSpPr>
               <p:cNvPr id="3" name="Content Placeholder 2"/>
@@ -7039,8 +7039,8 @@
           </a:p>
         </p:txBody>
       </p:sp>
-      <mc:AlternateContent xmlns:mc="http://schemas.openxmlformats.org/markup-compatibility/2006">
-        <mc:Choice xmlns:a14="http://schemas.microsoft.com/office/drawing/2010/main" Requires="a14">
+      <mc:AlternateContent xmlns:mc="http://schemas.openxmlformats.org/markup-compatibility/2006" xmlns:a14="http://schemas.microsoft.com/office/drawing/2010/main">
+        <mc:Choice Requires="a14">
           <p:sp>
             <p:nvSpPr>
               <p:cNvPr id="8" name="Content Placeholder 2"/>
@@ -7438,7 +7438,7 @@
             </p:txBody>
           </p:sp>
         </mc:Choice>
-        <mc:Fallback>
+        <mc:Fallback xmlns="">
           <p:sp>
             <p:nvSpPr>
               <p:cNvPr id="8" name="Content Placeholder 2"/>
@@ -7764,8 +7764,8 @@
           </a:p>
         </p:txBody>
       </p:sp>
-      <mc:AlternateContent xmlns:mc="http://schemas.openxmlformats.org/markup-compatibility/2006">
-        <mc:Choice xmlns:a14="http://schemas.microsoft.com/office/drawing/2010/main" Requires="a14">
+      <mc:AlternateContent xmlns:mc="http://schemas.openxmlformats.org/markup-compatibility/2006" xmlns:a14="http://schemas.microsoft.com/office/drawing/2010/main">
+        <mc:Choice Requires="a14">
           <p:sp>
             <p:nvSpPr>
               <p:cNvPr id="3" name="Content Placeholder 2"/>
@@ -8399,7 +8399,7 @@
             </p:txBody>
           </p:sp>
         </mc:Choice>
-        <mc:Fallback>
+        <mc:Fallback xmlns="">
           <p:sp>
             <p:nvSpPr>
               <p:cNvPr id="3" name="Content Placeholder 2"/>
@@ -12519,7 +12519,7 @@
                 <a:ea typeface="Monaco" charset="0"/>
                 <a:cs typeface="Monaco" charset="0"/>
               </a:rPr>
-              <a:t>int</a:t>
+              <a:t>n</a:t>
             </a:r>
             <a:r>
               <a:rPr lang="mr-IN" sz="2400" dirty="0">
@@ -12527,15 +12527,15 @@
                 <a:ea typeface="Monaco" charset="0"/>
                 <a:cs typeface="Monaco" charset="0"/>
               </a:rPr>
-              <a:t>(</a:t>
-            </a:r>
-            <a:r>
-              <a:rPr lang="mr-IN" sz="2400" dirty="0" err="1">
+              <a:t> /</a:t>
+            </a:r>
+            <a:r>
+              <a:rPr lang="en-US" sz="2400" dirty="0">
                 <a:latin typeface="Monaco" charset="0"/>
                 <a:ea typeface="Monaco" charset="0"/>
                 <a:cs typeface="Monaco" charset="0"/>
               </a:rPr>
-              <a:t>n</a:t>
+              <a:t>/</a:t>
             </a:r>
             <a:r>
               <a:rPr lang="mr-IN" sz="2400" dirty="0">
@@ -12543,7 +12543,7 @@
                 <a:ea typeface="Monaco" charset="0"/>
                 <a:cs typeface="Monaco" charset="0"/>
               </a:rPr>
-              <a:t> / 2)</a:t>
+              <a:t> 2</a:t>
             </a:r>
           </a:p>
           <a:p>
@@ -13087,7 +13087,7 @@
           <a:p>
             <a:r>
               <a:rPr lang="en-US" dirty="0"/>
-              <a:t>Faster than linear search via </a:t>
+              <a:t>Complexity of </a:t>
             </a:r>
             <a:r>
               <a:rPr lang="en-US" i="1" dirty="0"/>
@@ -13671,7 +13671,7 @@
           <a:p>
             <a:r>
               <a:rPr lang="en-US" dirty="0"/>
-              <a:t>Charge 2 comparisons to each iteration</a:t>
+              <a:t>Charge 3 comparisons to each iteration</a:t>
             </a:r>
           </a:p>
           <a:p>
@@ -14318,7 +14318,7 @@
           <a:p>
             <a:r>
               <a:rPr lang="en-US" dirty="0"/>
-              <a:t>Common case: T(n) = 2 + T(n/2), which we just saw is O(log n)</a:t>
+              <a:t>Common case: T(n) = 3 + T(n/2), which we just saw is O(log n)</a:t>
             </a:r>
           </a:p>
           <a:p>
@@ -18222,8 +18222,8 @@
           <a:chExt cx="0" cy="0"/>
         </a:xfrm>
       </p:grpSpPr>
-      <mc:AlternateContent xmlns:mc="http://schemas.openxmlformats.org/markup-compatibility/2006" xmlns:a14="http://schemas.microsoft.com/office/drawing/2010/main">
-        <mc:Choice Requires="a14">
+      <mc:AlternateContent xmlns:mc="http://schemas.openxmlformats.org/markup-compatibility/2006">
+        <mc:Choice xmlns:a14="http://schemas.microsoft.com/office/drawing/2010/main" Requires="a14">
           <p:graphicFrame>
             <p:nvGraphicFramePr>
               <p:cNvPr id="4" name="Content Placeholder 3"/>
@@ -18234,7 +18234,7 @@
                 <p:ph idx="1"/>
                 <p:extLst>
                   <p:ext uri="{D42A27DB-BD31-4B8C-83A1-F6EECF244321}">
-                    <p14:modId xmlns:p14="http://schemas.microsoft.com/office/powerpoint/2010/main" val="1672097866"/>
+                    <p14:modId xmlns:p14="http://schemas.microsoft.com/office/powerpoint/2010/main" val="3247455624"/>
                   </p:ext>
                 </p:extLst>
               </p:nvPr>
@@ -18606,7 +18606,7 @@
                           </a:r>
                           <a:r>
                             <a:rPr lang="en-US" sz="2200" dirty="0"/>
-                            <a:t>], insert into middle of linked list</a:t>
+                            <a:t>], insert-after node in linked list</a:t>
                           </a:r>
                         </a:p>
                       </a:txBody>
@@ -18815,7 +18815,7 @@
                           </a:r>
                           <a:r>
                             <a:rPr lang="en-US" sz="2200" baseline="0" dirty="0"/>
-                            <a:t> search, zero an array, max, sum array, merge two sorted lists, insert into array, bucket sort, find median</a:t>
+                            <a:t> search, zero an array, max, sum array, merge two sorted lists, insert into array, bucket sort, find median in sorted array</a:t>
                           </a:r>
                           <a:endParaRPr lang="en-US" sz="2200" dirty="0"/>
                         </a:p>
@@ -19071,7 +19071,15 @@
                           </a:r>
                           <a:r>
                             <a:rPr lang="en-US" sz="2200" dirty="0"/>
-                            <a:t> of matrix, bubble sort, worst-case quicksort,</a:t>
+                            <a:t> of </a:t>
+                          </a:r>
+                          <a:r>
+                            <a:rPr lang="en-US" sz="2200" dirty="0" err="1"/>
+                            <a:t>nxn</a:t>
+                          </a:r>
+                          <a:r>
+                            <a:rPr lang="en-US" sz="2200" dirty="0"/>
+                            <a:t> matrix, bubble sort, worst-case quicksort,</a:t>
                           </a:r>
                           <a:r>
                             <a:rPr lang="en-US" sz="2200" baseline="0" dirty="0"/>
@@ -19559,7 +19567,7 @@
             </a:graphic>
           </p:graphicFrame>
         </mc:Choice>
-        <mc:Fallback xmlns="">
+        <mc:Fallback>
           <p:graphicFrame>
             <p:nvGraphicFramePr>
               <p:cNvPr id="4" name="Content Placeholder 3"/>
@@ -19570,7 +19578,7 @@
                 <p:ph idx="1"/>
                 <p:extLst>
                   <p:ext uri="{D42A27DB-BD31-4B8C-83A1-F6EECF244321}">
-                    <p14:modId xmlns:p14="http://schemas.microsoft.com/office/powerpoint/2010/main" val="1672097866"/>
+                    <p14:modId xmlns:p14="http://schemas.microsoft.com/office/powerpoint/2010/main" val="3247455624"/>
                   </p:ext>
                 </p:extLst>
               </p:nvPr>
@@ -19942,7 +19950,7 @@
                           </a:r>
                           <a:r>
                             <a:rPr lang="en-US" sz="2200" dirty="0"/>
-                            <a:t>], insert into middle of linked list</a:t>
+                            <a:t>], insert-after node in linked list</a:t>
                           </a:r>
                         </a:p>
                       </a:txBody>
@@ -20151,7 +20159,7 @@
                           </a:r>
                           <a:r>
                             <a:rPr lang="en-US" sz="2200" baseline="0" dirty="0"/>
-                            <a:t> search, zero an array, max, sum array, merge two sorted lists, insert into array, bucket sort, find median</a:t>
+                            <a:t> search, zero an array, max, sum array, merge two sorted lists, insert into array, bucket sort, find median in sorted array</a:t>
                           </a:r>
                           <a:endParaRPr lang="en-US" sz="2200" dirty="0"/>
                         </a:p>
@@ -20376,7 +20384,15 @@
                           </a:r>
                           <a:r>
                             <a:rPr lang="en-US" sz="2200" dirty="0"/>
-                            <a:t> of matrix, bubble sort, worst-case quicksort,</a:t>
+                            <a:t> of </a:t>
+                          </a:r>
+                          <a:r>
+                            <a:rPr lang="en-US" sz="2200" dirty="0" err="1"/>
+                            <a:t>nxn</a:t>
+                          </a:r>
+                          <a:r>
+                            <a:rPr lang="en-US" sz="2200" dirty="0"/>
+                            <a:t> matrix, bubble sort, worst-case quicksort,</a:t>
                           </a:r>
                           <a:r>
                             <a:rPr lang="en-US" sz="2200" baseline="0" dirty="0"/>

--- a/notes/complexity.pptx
+++ b/notes/complexity.pptx
@@ -231,7 +231,7 @@
           <a:p>
             <a:fld id="{8A1B613A-EFF1-404F-BEE8-EFAE84A4E5E2}" type="datetimeFigureOut">
               <a:rPr lang="en-US" smtClean="0"/>
-              <a:t>2/5/20</a:t>
+              <a:t>2/7/20</a:t>
             </a:fld>
             <a:endParaRPr lang="en-US"/>
           </a:p>
@@ -396,7 +396,7 @@
           <a:p>
             <a:fld id="{690847EA-AC25-3D4E-89E1-FD3F6A9702B6}" type="datetimeFigureOut">
               <a:rPr lang="en-US" smtClean="0"/>
-              <a:t>2/5/20</a:t>
+              <a:t>2/7/20</a:t>
             </a:fld>
             <a:endParaRPr lang="en-US"/>
           </a:p>
@@ -988,7 +988,7 @@
           <a:p>
             <a:fld id="{BE5295ED-3BAF-1140-8495-3D368771D6B1}" type="datetimeFigureOut">
               <a:rPr lang="en-US" smtClean="0"/>
-              <a:t>2/5/20</a:t>
+              <a:t>2/7/20</a:t>
             </a:fld>
             <a:endParaRPr lang="en-US"/>
           </a:p>
@@ -1186,7 +1186,7 @@
           <a:p>
             <a:fld id="{BE5295ED-3BAF-1140-8495-3D368771D6B1}" type="datetimeFigureOut">
               <a:rPr lang="en-US" smtClean="0"/>
-              <a:t>2/5/20</a:t>
+              <a:t>2/7/20</a:t>
             </a:fld>
             <a:endParaRPr lang="en-US"/>
           </a:p>
@@ -1394,7 +1394,7 @@
           <a:p>
             <a:fld id="{BE5295ED-3BAF-1140-8495-3D368771D6B1}" type="datetimeFigureOut">
               <a:rPr lang="en-US" smtClean="0"/>
-              <a:t>2/5/20</a:t>
+              <a:t>2/7/20</a:t>
             </a:fld>
             <a:endParaRPr lang="en-US"/>
           </a:p>
@@ -1597,7 +1597,7 @@
           <a:p>
             <a:fld id="{BE5295ED-3BAF-1140-8495-3D368771D6B1}" type="datetimeFigureOut">
               <a:rPr lang="en-US" smtClean="0"/>
-              <a:t>2/5/20</a:t>
+              <a:t>2/7/20</a:t>
             </a:fld>
             <a:endParaRPr lang="en-US"/>
           </a:p>
@@ -1872,7 +1872,7 @@
           <a:p>
             <a:fld id="{BE5295ED-3BAF-1140-8495-3D368771D6B1}" type="datetimeFigureOut">
               <a:rPr lang="en-US" smtClean="0"/>
-              <a:t>2/5/20</a:t>
+              <a:t>2/7/20</a:t>
             </a:fld>
             <a:endParaRPr lang="en-US"/>
           </a:p>
@@ -2137,7 +2137,7 @@
           <a:p>
             <a:fld id="{BE5295ED-3BAF-1140-8495-3D368771D6B1}" type="datetimeFigureOut">
               <a:rPr lang="en-US" smtClean="0"/>
-              <a:t>2/5/20</a:t>
+              <a:t>2/7/20</a:t>
             </a:fld>
             <a:endParaRPr lang="en-US"/>
           </a:p>
@@ -2549,7 +2549,7 @@
           <a:p>
             <a:fld id="{BE5295ED-3BAF-1140-8495-3D368771D6B1}" type="datetimeFigureOut">
               <a:rPr lang="en-US" smtClean="0"/>
-              <a:t>2/5/20</a:t>
+              <a:t>2/7/20</a:t>
             </a:fld>
             <a:endParaRPr lang="en-US"/>
           </a:p>
@@ -2690,7 +2690,7 @@
           <a:p>
             <a:fld id="{BE5295ED-3BAF-1140-8495-3D368771D6B1}" type="datetimeFigureOut">
               <a:rPr lang="en-US" smtClean="0"/>
-              <a:t>2/5/20</a:t>
+              <a:t>2/7/20</a:t>
             </a:fld>
             <a:endParaRPr lang="en-US"/>
           </a:p>
@@ -2803,7 +2803,7 @@
           <a:p>
             <a:fld id="{BE5295ED-3BAF-1140-8495-3D368771D6B1}" type="datetimeFigureOut">
               <a:rPr lang="en-US" smtClean="0"/>
-              <a:t>2/5/20</a:t>
+              <a:t>2/7/20</a:t>
             </a:fld>
             <a:endParaRPr lang="en-US"/>
           </a:p>
@@ -3114,7 +3114,7 @@
           <a:p>
             <a:fld id="{BE5295ED-3BAF-1140-8495-3D368771D6B1}" type="datetimeFigureOut">
               <a:rPr lang="en-US" smtClean="0"/>
-              <a:t>2/5/20</a:t>
+              <a:t>2/7/20</a:t>
             </a:fld>
             <a:endParaRPr lang="en-US"/>
           </a:p>
@@ -3405,7 +3405,7 @@
           <a:p>
             <a:fld id="{BE5295ED-3BAF-1140-8495-3D368771D6B1}" type="datetimeFigureOut">
               <a:rPr lang="en-US" smtClean="0"/>
-              <a:t>2/5/20</a:t>
+              <a:t>2/7/20</a:t>
             </a:fld>
             <a:endParaRPr lang="en-US"/>
           </a:p>
@@ -3650,7 +3650,7 @@
           <a:p>
             <a:fld id="{BE5295ED-3BAF-1140-8495-3D368771D6B1}" type="datetimeFigureOut">
               <a:rPr lang="en-US" smtClean="0"/>
-              <a:t>2/5/20</a:t>
+              <a:t>2/7/20</a:t>
             </a:fld>
             <a:endParaRPr lang="en-US"/>
           </a:p>
@@ -14482,8 +14482,8 @@
           </a:p>
         </p:txBody>
       </p:sp>
-      <mc:AlternateContent xmlns:mc="http://schemas.openxmlformats.org/markup-compatibility/2006" xmlns:a14="http://schemas.microsoft.com/office/drawing/2010/main">
-        <mc:Choice Requires="a14">
+      <mc:AlternateContent xmlns:mc="http://schemas.openxmlformats.org/markup-compatibility/2006">
+        <mc:Choice xmlns:a14="http://schemas.microsoft.com/office/drawing/2010/main" Requires="a14">
           <p:graphicFrame>
             <p:nvGraphicFramePr>
               <p:cNvPr id="4" name="Content Placeholder 3"/>
@@ -14494,7 +14494,7 @@
                 <p:ph idx="1"/>
                 <p:extLst>
                   <p:ext uri="{D42A27DB-BD31-4B8C-83A1-F6EECF244321}">
-                    <p14:modId xmlns:p14="http://schemas.microsoft.com/office/powerpoint/2010/main" val="4194625978"/>
+                    <p14:modId xmlns:p14="http://schemas.microsoft.com/office/powerpoint/2010/main" val="294689039"/>
                   </p:ext>
                 </p:extLst>
               </p:nvPr>
@@ -16168,11 +16168,23 @@
                           </a:r>
                           <a:r>
                             <a:rPr lang="en-US" sz="2000" dirty="0"/>
-                            <a:t>n + 2(n/2)</a:t>
+                            <a:t>n + 2(n</a:t>
+                          </a:r>
+                          <a:r>
+                            <a:rPr lang="en-US" sz="2000"/>
+                            <a:t>/2</a:t>
+                          </a:r>
+                          <a:r>
+                            <a:rPr lang="en-US" sz="2000" baseline="0"/>
+                            <a:t> </a:t>
                           </a:r>
                           <a:r>
                             <a:rPr lang="en-US" sz="2000" baseline="0" dirty="0"/>
-                            <a:t> + 2T(n/4)</a:t>
+                            <a:t>+ 2T(n/</a:t>
+                          </a:r>
+                          <a:r>
+                            <a:rPr lang="en-US" sz="2000" baseline="0"/>
+                            <a:t>4))</a:t>
                           </a:r>
                           <a:endParaRPr lang="en-US" sz="2000" dirty="0"/>
                         </a:p>
@@ -16454,7 +16466,7 @@
             </a:graphic>
           </p:graphicFrame>
         </mc:Choice>
-        <mc:Fallback xmlns="">
+        <mc:Fallback>
           <p:graphicFrame>
             <p:nvGraphicFramePr>
               <p:cNvPr id="4" name="Content Placeholder 3"/>
@@ -16465,7 +16477,7 @@
                 <p:ph idx="1"/>
                 <p:extLst>
                   <p:ext uri="{D42A27DB-BD31-4B8C-83A1-F6EECF244321}">
-                    <p14:modId xmlns:p14="http://schemas.microsoft.com/office/powerpoint/2010/main" val="4194625978"/>
+                    <p14:modId xmlns:p14="http://schemas.microsoft.com/office/powerpoint/2010/main" val="294689039"/>
                   </p:ext>
                 </p:extLst>
               </p:nvPr>
@@ -18222,8 +18234,8 @@
           <a:chExt cx="0" cy="0"/>
         </a:xfrm>
       </p:grpSpPr>
-      <mc:AlternateContent xmlns:mc="http://schemas.openxmlformats.org/markup-compatibility/2006">
-        <mc:Choice xmlns:a14="http://schemas.microsoft.com/office/drawing/2010/main" Requires="a14">
+      <mc:AlternateContent xmlns:mc="http://schemas.openxmlformats.org/markup-compatibility/2006" xmlns:a14="http://schemas.microsoft.com/office/drawing/2010/main">
+        <mc:Choice Requires="a14">
           <p:graphicFrame>
             <p:nvGraphicFramePr>
               <p:cNvPr id="4" name="Content Placeholder 3"/>
@@ -19567,7 +19579,7 @@
             </a:graphic>
           </p:graphicFrame>
         </mc:Choice>
-        <mc:Fallback>
+        <mc:Fallback xmlns="">
           <p:graphicFrame>
             <p:nvGraphicFramePr>
               <p:cNvPr id="4" name="Content Placeholder 3"/>

--- a/notes/complexity.pptx
+++ b/notes/complexity.pptx
@@ -16168,23 +16168,11 @@
                           </a:r>
                           <a:r>
                             <a:rPr lang="en-US" sz="2000" dirty="0"/>
-                            <a:t>n + 2(n</a:t>
-                          </a:r>
-                          <a:r>
-                            <a:rPr lang="en-US" sz="2000"/>
-                            <a:t>/2</a:t>
-                          </a:r>
-                          <a:r>
-                            <a:rPr lang="en-US" sz="2000" baseline="0"/>
-                            <a:t> </a:t>
+                            <a:t>n + 2(n/2</a:t>
                           </a:r>
                           <a:r>
                             <a:rPr lang="en-US" sz="2000" baseline="0" dirty="0"/>
-                            <a:t>+ 2T(n/</a:t>
-                          </a:r>
-                          <a:r>
-                            <a:rPr lang="en-US" sz="2000" baseline="0"/>
-                            <a:t>4))</a:t>
+                            <a:t> + 2T(n/4))</a:t>
                           </a:r>
                           <a:endParaRPr lang="en-US" sz="2000" dirty="0"/>
                         </a:p>
@@ -18234,8 +18222,8 @@
           <a:chExt cx="0" cy="0"/>
         </a:xfrm>
       </p:grpSpPr>
-      <mc:AlternateContent xmlns:mc="http://schemas.openxmlformats.org/markup-compatibility/2006" xmlns:a14="http://schemas.microsoft.com/office/drawing/2010/main">
-        <mc:Choice Requires="a14">
+      <mc:AlternateContent xmlns:mc="http://schemas.openxmlformats.org/markup-compatibility/2006">
+        <mc:Choice xmlns:a14="http://schemas.microsoft.com/office/drawing/2010/main" Requires="a14">
           <p:graphicFrame>
             <p:nvGraphicFramePr>
               <p:cNvPr id="4" name="Content Placeholder 3"/>
@@ -18246,14 +18234,14 @@
                 <p:ph idx="1"/>
                 <p:extLst>
                   <p:ext uri="{D42A27DB-BD31-4B8C-83A1-F6EECF244321}">
-                    <p14:modId xmlns:p14="http://schemas.microsoft.com/office/powerpoint/2010/main" val="3247455624"/>
+                    <p14:modId xmlns:p14="http://schemas.microsoft.com/office/powerpoint/2010/main" val="3894758304"/>
                   </p:ext>
                 </p:extLst>
               </p:nvPr>
             </p:nvGraphicFramePr>
             <p:xfrm>
               <a:off x="328772" y="214614"/>
-              <a:ext cx="11527605" cy="5913120"/>
+              <a:ext cx="11527605" cy="5577840"/>
             </p:xfrm>
             <a:graphic>
               <a:graphicData uri="http://schemas.openxmlformats.org/drawingml/2006/table">
@@ -18827,7 +18815,11 @@
                           </a:r>
                           <a:r>
                             <a:rPr lang="en-US" sz="2200" baseline="0" dirty="0"/>
-                            <a:t> search, zero an array, max, sum array, merge two sorted lists, insert into array, bucket sort, find median in sorted array</a:t>
+                            <a:t> search, zero an array, max, sum array, merge two sorted lists, insert into array, </a:t>
+                          </a:r>
+                          <a:r>
+                            <a:rPr lang="en-US" sz="2200" baseline="0"/>
+                            <a:t>bucket sort</a:t>
                           </a:r>
                           <a:endParaRPr lang="en-US" sz="2200" dirty="0"/>
                         </a:p>
@@ -19579,7 +19571,7 @@
             </a:graphic>
           </p:graphicFrame>
         </mc:Choice>
-        <mc:Fallback xmlns="">
+        <mc:Fallback>
           <p:graphicFrame>
             <p:nvGraphicFramePr>
               <p:cNvPr id="4" name="Content Placeholder 3"/>
@@ -19590,14 +19582,14 @@
                 <p:ph idx="1"/>
                 <p:extLst>
                   <p:ext uri="{D42A27DB-BD31-4B8C-83A1-F6EECF244321}">
-                    <p14:modId xmlns:p14="http://schemas.microsoft.com/office/powerpoint/2010/main" val="3247455624"/>
+                    <p14:modId xmlns:p14="http://schemas.microsoft.com/office/powerpoint/2010/main" val="3894758304"/>
                   </p:ext>
                 </p:extLst>
               </p:nvPr>
             </p:nvGraphicFramePr>
             <p:xfrm>
               <a:off x="328772" y="214614"/>
-              <a:ext cx="11527605" cy="5913120"/>
+              <a:ext cx="11527605" cy="5577840"/>
             </p:xfrm>
             <a:graphic>
               <a:graphicData uri="http://schemas.openxmlformats.org/drawingml/2006/table">
@@ -20020,7 +20012,7 @@
                       </a:ext>
                     </a:extLst>
                   </a:tr>
-                  <a:tr h="1432560">
+                  <a:tr h="1097280">
                     <a:tc>
                       <a:txBody>
                         <a:bodyPr/>
@@ -20171,7 +20163,11 @@
                           </a:r>
                           <a:r>
                             <a:rPr lang="en-US" sz="2200" baseline="0" dirty="0"/>
-                            <a:t> search, zero an array, max, sum array, merge two sorted lists, insert into array, bucket sort, find median in sorted array</a:t>
+                            <a:t> search, zero an array, max, sum array, merge two sorted lists, insert into array, </a:t>
+                          </a:r>
+                          <a:r>
+                            <a:rPr lang="en-US" sz="2200" baseline="0"/>
+                            <a:t>bucket sort</a:t>
                           </a:r>
                           <a:endParaRPr lang="en-US" sz="2200" dirty="0"/>
                         </a:p>
@@ -20287,7 +20283,7 @@
                         <a:blipFill>
                           <a:blip r:embed="rId2"/>
                           <a:stretch>
-                            <a:fillRect l="-671" t="-241379" r="-510738" b="-209195"/>
+                            <a:fillRect l="-671" t="-213953" r="-510738" b="-212791"/>
                           </a:stretch>
                         </a:blipFill>
                       </a:tcPr>

--- a/notes/complexity.pptx
+++ b/notes/complexity.pptx
@@ -231,7 +231,7 @@
           <a:p>
             <a:fld id="{8A1B613A-EFF1-404F-BEE8-EFAE84A4E5E2}" type="datetimeFigureOut">
               <a:rPr lang="en-US" smtClean="0"/>
-              <a:t>2/7/20</a:t>
+              <a:t>3/31/21</a:t>
             </a:fld>
             <a:endParaRPr lang="en-US"/>
           </a:p>
@@ -396,7 +396,7 @@
           <a:p>
             <a:fld id="{690847EA-AC25-3D4E-89E1-FD3F6A9702B6}" type="datetimeFigureOut">
               <a:rPr lang="en-US" smtClean="0"/>
-              <a:t>2/7/20</a:t>
+              <a:t>3/31/21</a:t>
             </a:fld>
             <a:endParaRPr lang="en-US"/>
           </a:p>
@@ -831,6 +831,90 @@
 </p:notes>
 </file>
 
+<file path=ppt/notesSlides/notesSlide3.xml><?xml version="1.0" encoding="utf-8"?>
+<p:notes xmlns:a="http://schemas.openxmlformats.org/drawingml/2006/main" xmlns:r="http://schemas.openxmlformats.org/officeDocument/2006/relationships" xmlns:p="http://schemas.openxmlformats.org/presentationml/2006/main">
+  <p:cSld>
+    <p:spTree>
+      <p:nvGrpSpPr>
+        <p:cNvPr id="1" name=""/>
+        <p:cNvGrpSpPr/>
+        <p:nvPr/>
+      </p:nvGrpSpPr>
+      <p:grpSpPr>
+        <a:xfrm>
+          <a:off x="0" y="0"/>
+          <a:ext cx="0" cy="0"/>
+          <a:chOff x="0" y="0"/>
+          <a:chExt cx="0" cy="0"/>
+        </a:xfrm>
+      </p:grpSpPr>
+      <p:sp>
+        <p:nvSpPr>
+          <p:cNvPr id="2" name="Slide Image Placeholder 1"/>
+          <p:cNvSpPr>
+            <a:spLocks noGrp="1" noRot="1" noChangeAspect="1"/>
+          </p:cNvSpPr>
+          <p:nvPr>
+            <p:ph type="sldImg"/>
+          </p:nvPr>
+        </p:nvSpPr>
+        <p:spPr/>
+      </p:sp>
+      <p:sp>
+        <p:nvSpPr>
+          <p:cNvPr id="3" name="Notes Placeholder 2"/>
+          <p:cNvSpPr>
+            <a:spLocks noGrp="1"/>
+          </p:cNvSpPr>
+          <p:nvPr>
+            <p:ph type="body" idx="1"/>
+          </p:nvPr>
+        </p:nvSpPr>
+        <p:spPr/>
+        <p:txBody>
+          <a:bodyPr/>
+          <a:lstStyle/>
+          <a:p>
+            <a:endParaRPr lang="en-US" dirty="0"/>
+          </a:p>
+        </p:txBody>
+      </p:sp>
+      <p:sp>
+        <p:nvSpPr>
+          <p:cNvPr id="4" name="Slide Number Placeholder 3"/>
+          <p:cNvSpPr>
+            <a:spLocks noGrp="1"/>
+          </p:cNvSpPr>
+          <p:nvPr>
+            <p:ph type="sldNum" sz="quarter" idx="5"/>
+          </p:nvPr>
+        </p:nvSpPr>
+        <p:spPr/>
+        <p:txBody>
+          <a:bodyPr/>
+          <a:lstStyle/>
+          <a:p>
+            <a:fld id="{0DEC4948-0B79-D842-B740-510D19298355}" type="slidenum">
+              <a:rPr lang="en-US" smtClean="0"/>
+              <a:t>24</a:t>
+            </a:fld>
+            <a:endParaRPr lang="en-US"/>
+          </a:p>
+        </p:txBody>
+      </p:sp>
+    </p:spTree>
+    <p:extLst>
+      <p:ext uri="{BB962C8B-B14F-4D97-AF65-F5344CB8AC3E}">
+        <p14:creationId xmlns:p14="http://schemas.microsoft.com/office/powerpoint/2010/main" val="2057396195"/>
+      </p:ext>
+    </p:extLst>
+  </p:cSld>
+  <p:clrMapOvr>
+    <a:masterClrMapping/>
+  </p:clrMapOvr>
+</p:notes>
+</file>
+
 <file path=ppt/slideLayouts/slideLayout1.xml><?xml version="1.0" encoding="utf-8"?>
 <p:sldLayout xmlns:a="http://schemas.openxmlformats.org/drawingml/2006/main" xmlns:r="http://schemas.openxmlformats.org/officeDocument/2006/relationships" xmlns:p="http://schemas.openxmlformats.org/presentationml/2006/main" type="title" preserve="1">
   <p:cSld name="Title Slide">
@@ -988,7 +1072,7 @@
           <a:p>
             <a:fld id="{BE5295ED-3BAF-1140-8495-3D368771D6B1}" type="datetimeFigureOut">
               <a:rPr lang="en-US" smtClean="0"/>
-              <a:t>2/7/20</a:t>
+              <a:t>3/31/21</a:t>
             </a:fld>
             <a:endParaRPr lang="en-US"/>
           </a:p>
@@ -1186,7 +1270,7 @@
           <a:p>
             <a:fld id="{BE5295ED-3BAF-1140-8495-3D368771D6B1}" type="datetimeFigureOut">
               <a:rPr lang="en-US" smtClean="0"/>
-              <a:t>2/7/20</a:t>
+              <a:t>3/31/21</a:t>
             </a:fld>
             <a:endParaRPr lang="en-US"/>
           </a:p>
@@ -1394,7 +1478,7 @@
           <a:p>
             <a:fld id="{BE5295ED-3BAF-1140-8495-3D368771D6B1}" type="datetimeFigureOut">
               <a:rPr lang="en-US" smtClean="0"/>
-              <a:t>2/7/20</a:t>
+              <a:t>3/31/21</a:t>
             </a:fld>
             <a:endParaRPr lang="en-US"/>
           </a:p>
@@ -1597,7 +1681,7 @@
           <a:p>
             <a:fld id="{BE5295ED-3BAF-1140-8495-3D368771D6B1}" type="datetimeFigureOut">
               <a:rPr lang="en-US" smtClean="0"/>
-              <a:t>2/7/20</a:t>
+              <a:t>3/31/21</a:t>
             </a:fld>
             <a:endParaRPr lang="en-US"/>
           </a:p>
@@ -1872,7 +1956,7 @@
           <a:p>
             <a:fld id="{BE5295ED-3BAF-1140-8495-3D368771D6B1}" type="datetimeFigureOut">
               <a:rPr lang="en-US" smtClean="0"/>
-              <a:t>2/7/20</a:t>
+              <a:t>3/31/21</a:t>
             </a:fld>
             <a:endParaRPr lang="en-US"/>
           </a:p>
@@ -2137,7 +2221,7 @@
           <a:p>
             <a:fld id="{BE5295ED-3BAF-1140-8495-3D368771D6B1}" type="datetimeFigureOut">
               <a:rPr lang="en-US" smtClean="0"/>
-              <a:t>2/7/20</a:t>
+              <a:t>3/31/21</a:t>
             </a:fld>
             <a:endParaRPr lang="en-US"/>
           </a:p>
@@ -2549,7 +2633,7 @@
           <a:p>
             <a:fld id="{BE5295ED-3BAF-1140-8495-3D368771D6B1}" type="datetimeFigureOut">
               <a:rPr lang="en-US" smtClean="0"/>
-              <a:t>2/7/20</a:t>
+              <a:t>3/31/21</a:t>
             </a:fld>
             <a:endParaRPr lang="en-US"/>
           </a:p>
@@ -2690,7 +2774,7 @@
           <a:p>
             <a:fld id="{BE5295ED-3BAF-1140-8495-3D368771D6B1}" type="datetimeFigureOut">
               <a:rPr lang="en-US" smtClean="0"/>
-              <a:t>2/7/20</a:t>
+              <a:t>3/31/21</a:t>
             </a:fld>
             <a:endParaRPr lang="en-US"/>
           </a:p>
@@ -2803,7 +2887,7 @@
           <a:p>
             <a:fld id="{BE5295ED-3BAF-1140-8495-3D368771D6B1}" type="datetimeFigureOut">
               <a:rPr lang="en-US" smtClean="0"/>
-              <a:t>2/7/20</a:t>
+              <a:t>3/31/21</a:t>
             </a:fld>
             <a:endParaRPr lang="en-US"/>
           </a:p>
@@ -3114,7 +3198,7 @@
           <a:p>
             <a:fld id="{BE5295ED-3BAF-1140-8495-3D368771D6B1}" type="datetimeFigureOut">
               <a:rPr lang="en-US" smtClean="0"/>
-              <a:t>2/7/20</a:t>
+              <a:t>3/31/21</a:t>
             </a:fld>
             <a:endParaRPr lang="en-US"/>
           </a:p>
@@ -3405,7 +3489,7 @@
           <a:p>
             <a:fld id="{BE5295ED-3BAF-1140-8495-3D368771D6B1}" type="datetimeFigureOut">
               <a:rPr lang="en-US" smtClean="0"/>
-              <a:t>2/7/20</a:t>
+              <a:t>3/31/21</a:t>
             </a:fld>
             <a:endParaRPr lang="en-US"/>
           </a:p>
@@ -3650,7 +3734,7 @@
           <a:p>
             <a:fld id="{BE5295ED-3BAF-1140-8495-3D368771D6B1}" type="datetimeFigureOut">
               <a:rPr lang="en-US" smtClean="0"/>
-              <a:t>2/7/20</a:t>
+              <a:t>3/31/21</a:t>
             </a:fld>
             <a:endParaRPr lang="en-US"/>
           </a:p>
@@ -4297,99 +4381,462 @@
           </a:p>
         </p:txBody>
       </p:sp>
-      <p:sp>
-        <p:nvSpPr>
-          <p:cNvPr id="3" name="Content Placeholder 2"/>
-          <p:cNvSpPr>
-            <a:spLocks noGrp="1"/>
-          </p:cNvSpPr>
-          <p:nvPr>
-            <p:ph idx="1"/>
-          </p:nvPr>
-        </p:nvSpPr>
-        <p:spPr/>
-        <p:txBody>
-          <a:bodyPr>
-            <a:normAutofit lnSpcReduction="10000"/>
-          </a:bodyPr>
-          <a:lstStyle/>
-          <a:p>
-            <a:r>
-              <a:rPr lang="en-US" dirty="0"/>
-              <a:t>We care about growth in effort given growth in input; i.e., what is the marginal cost to increase n to n+1?</a:t>
-            </a:r>
-          </a:p>
-          <a:p>
-            <a:r>
-              <a:rPr lang="en-US" dirty="0"/>
-              <a:t>The best picture comes from imagining </a:t>
-            </a:r>
-            <a:r>
-              <a:rPr lang="en-US" i="1" dirty="0"/>
-              <a:t>n</a:t>
-            </a:r>
-            <a:r>
-              <a:rPr lang="en-US" dirty="0"/>
-              <a:t> getting very big and the worst-case input scenario</a:t>
-            </a:r>
-          </a:p>
-          <a:p>
-            <a:r>
-              <a:rPr lang="en-US" dirty="0"/>
-              <a:t>This asymptotic behavior is called “big O” notation </a:t>
-            </a:r>
-            <a:r>
-              <a:rPr lang="en-US" i="1" dirty="0"/>
-              <a:t>O(n)</a:t>
-            </a:r>
-            <a:endParaRPr lang="en-US" dirty="0"/>
-          </a:p>
-          <a:p>
-            <a:r>
-              <a:rPr lang="en-US" dirty="0"/>
-              <a:t>Therefore, ignore constants, keep only most important terms:</a:t>
-            </a:r>
-          </a:p>
-          <a:p>
-            <a:pPr lvl="1"/>
-            <a:r>
-              <a:rPr lang="en-US" dirty="0"/>
-              <a:t>T(n) = 2n implies O(n)</a:t>
-            </a:r>
-          </a:p>
-          <a:p>
-            <a:pPr lvl="1"/>
-            <a:r>
-              <a:rPr lang="en-US" dirty="0"/>
-              <a:t>T(n) = n^3 + kn^2 + </a:t>
-            </a:r>
-            <a:r>
-              <a:rPr lang="en-US" dirty="0" err="1"/>
-              <a:t>nlogn</a:t>
-            </a:r>
-            <a:r>
-              <a:rPr lang="en-US" dirty="0"/>
-              <a:t> implies O(n^3)</a:t>
-            </a:r>
-          </a:p>
-          <a:p>
-            <a:pPr lvl="1"/>
-            <a:r>
-              <a:rPr lang="en-US" dirty="0"/>
-              <a:t>T(n) = k implies O(1)</a:t>
-            </a:r>
-          </a:p>
-          <a:p>
-            <a:r>
-              <a:rPr lang="en-US" dirty="0"/>
-              <a:t>E.g., 3n! and 10n! are indistinguishable asymptotically</a:t>
-            </a:r>
-          </a:p>
-          <a:p>
-            <a:endParaRPr lang="en-US" dirty="0"/>
-          </a:p>
-        </p:txBody>
-      </p:sp>
+      <mc:AlternateContent xmlns:mc="http://schemas.openxmlformats.org/markup-compatibility/2006" xmlns:a14="http://schemas.microsoft.com/office/drawing/2010/main">
+        <mc:Choice Requires="a14">
+          <p:sp>
+            <p:nvSpPr>
+              <p:cNvPr id="3" name="Content Placeholder 2"/>
+              <p:cNvSpPr>
+                <a:spLocks noGrp="1"/>
+              </p:cNvSpPr>
+              <p:nvPr>
+                <p:ph idx="1"/>
+              </p:nvPr>
+            </p:nvSpPr>
+            <p:spPr/>
+            <p:txBody>
+              <a:bodyPr>
+                <a:normAutofit lnSpcReduction="10000"/>
+              </a:bodyPr>
+              <a:lstStyle/>
+              <a:p>
+                <a:r>
+                  <a:rPr lang="en-US" dirty="0"/>
+                  <a:t>We care about growth in effort given growth in input; i.e., what is the marginal cost to increase n to n+1?</a:t>
+                </a:r>
+              </a:p>
+              <a:p>
+                <a:r>
+                  <a:rPr lang="en-US" dirty="0"/>
+                  <a:t>The best picture comes from imagining </a:t>
+                </a:r>
+                <a:r>
+                  <a:rPr lang="en-US" i="1" dirty="0"/>
+                  <a:t>n</a:t>
+                </a:r>
+                <a:r>
+                  <a:rPr lang="en-US" dirty="0"/>
+                  <a:t> getting very big and the worst-case input scenario</a:t>
+                </a:r>
+              </a:p>
+              <a:p>
+                <a:r>
+                  <a:rPr lang="en-US" dirty="0"/>
+                  <a:t>This asymptotic behavior is called “big O” notation </a:t>
+                </a:r>
+                <a14:m>
+                  <m:oMath xmlns:m="http://schemas.openxmlformats.org/officeDocument/2006/math">
+                    <m:r>
+                      <a:rPr lang="en-US" i="1" dirty="0" smtClean="0">
+                        <a:latin typeface="Cambria Math" panose="02040503050406030204" pitchFamily="18" charset="0"/>
+                      </a:rPr>
+                      <m:t>𝑂</m:t>
+                    </m:r>
+                    <m:r>
+                      <a:rPr lang="en-US" i="1" dirty="0" smtClean="0">
+                        <a:latin typeface="Cambria Math" panose="02040503050406030204" pitchFamily="18" charset="0"/>
+                      </a:rPr>
+                      <m:t>(</m:t>
+                    </m:r>
+                    <m:r>
+                      <a:rPr lang="en-US" i="1" dirty="0" smtClean="0">
+                        <a:latin typeface="Cambria Math" panose="02040503050406030204" pitchFamily="18" charset="0"/>
+                      </a:rPr>
+                      <m:t>𝑛</m:t>
+                    </m:r>
+                    <m:r>
+                      <a:rPr lang="en-US" i="1" dirty="0" smtClean="0">
+                        <a:latin typeface="Cambria Math" panose="02040503050406030204" pitchFamily="18" charset="0"/>
+                      </a:rPr>
+                      <m:t>)</m:t>
+                    </m:r>
+                  </m:oMath>
+                </a14:m>
+                <a:endParaRPr lang="en-US" dirty="0"/>
+              </a:p>
+              <a:p>
+                <a:r>
+                  <a:rPr lang="en-US" dirty="0"/>
+                  <a:t>Therefore, ignore constants, keep only most important terms:</a:t>
+                </a:r>
+              </a:p>
+              <a:p>
+                <a:pPr lvl="1"/>
+                <a14:m>
+                  <m:oMath xmlns:m="http://schemas.openxmlformats.org/officeDocument/2006/math">
+                    <m:r>
+                      <a:rPr lang="en-US" i="1" dirty="0" smtClean="0">
+                        <a:latin typeface="Cambria Math" panose="02040503050406030204" pitchFamily="18" charset="0"/>
+                      </a:rPr>
+                      <m:t>𝑇</m:t>
+                    </m:r>
+                    <m:r>
+                      <a:rPr lang="en-US" i="1" dirty="0" smtClean="0">
+                        <a:latin typeface="Cambria Math" panose="02040503050406030204" pitchFamily="18" charset="0"/>
+                      </a:rPr>
+                      <m:t>(</m:t>
+                    </m:r>
+                    <m:r>
+                      <a:rPr lang="en-US" i="1" dirty="0" smtClean="0">
+                        <a:latin typeface="Cambria Math" panose="02040503050406030204" pitchFamily="18" charset="0"/>
+                      </a:rPr>
+                      <m:t>𝑛</m:t>
+                    </m:r>
+                    <m:r>
+                      <a:rPr lang="en-US" i="1" dirty="0" smtClean="0">
+                        <a:latin typeface="Cambria Math" panose="02040503050406030204" pitchFamily="18" charset="0"/>
+                      </a:rPr>
+                      <m:t>) = 2</m:t>
+                    </m:r>
+                    <m:r>
+                      <a:rPr lang="en-US" i="1" dirty="0" smtClean="0">
+                        <a:latin typeface="Cambria Math" panose="02040503050406030204" pitchFamily="18" charset="0"/>
+                      </a:rPr>
+                      <m:t>𝑛</m:t>
+                    </m:r>
+                  </m:oMath>
+                </a14:m>
+                <a:r>
+                  <a:rPr lang="en-US" dirty="0"/>
+                  <a:t> implies </a:t>
+                </a:r>
+                <a14:m>
+                  <m:oMath xmlns:m="http://schemas.openxmlformats.org/officeDocument/2006/math">
+                    <m:r>
+                      <a:rPr lang="en-US" i="1" dirty="0" smtClean="0">
+                        <a:latin typeface="Cambria Math" panose="02040503050406030204" pitchFamily="18" charset="0"/>
+                      </a:rPr>
+                      <m:t>𝑂</m:t>
+                    </m:r>
+                    <m:r>
+                      <a:rPr lang="en-US" i="1" dirty="0" smtClean="0">
+                        <a:latin typeface="Cambria Math" panose="02040503050406030204" pitchFamily="18" charset="0"/>
+                      </a:rPr>
+                      <m:t>(</m:t>
+                    </m:r>
+                    <m:r>
+                      <a:rPr lang="en-US" i="1" dirty="0" smtClean="0">
+                        <a:latin typeface="Cambria Math" panose="02040503050406030204" pitchFamily="18" charset="0"/>
+                      </a:rPr>
+                      <m:t>𝑛</m:t>
+                    </m:r>
+                    <m:r>
+                      <a:rPr lang="en-US" i="1" dirty="0" smtClean="0">
+                        <a:latin typeface="Cambria Math" panose="02040503050406030204" pitchFamily="18" charset="0"/>
+                      </a:rPr>
+                      <m:t>)</m:t>
+                    </m:r>
+                  </m:oMath>
+                </a14:m>
+                <a:endParaRPr lang="en-US" dirty="0"/>
+              </a:p>
+              <a:p>
+                <a:pPr lvl="1"/>
+                <a14:m>
+                  <m:oMath xmlns:m="http://schemas.openxmlformats.org/officeDocument/2006/math">
+                    <m:r>
+                      <a:rPr lang="en-US" i="1" dirty="0" smtClean="0">
+                        <a:latin typeface="Cambria Math" panose="02040503050406030204" pitchFamily="18" charset="0"/>
+                      </a:rPr>
+                      <m:t>𝑇</m:t>
+                    </m:r>
+                    <m:r>
+                      <a:rPr lang="en-US" i="1" dirty="0" smtClean="0">
+                        <a:latin typeface="Cambria Math" panose="02040503050406030204" pitchFamily="18" charset="0"/>
+                      </a:rPr>
+                      <m:t>(</m:t>
+                    </m:r>
+                    <m:r>
+                      <a:rPr lang="en-US" i="1" dirty="0" smtClean="0">
+                        <a:latin typeface="Cambria Math" panose="02040503050406030204" pitchFamily="18" charset="0"/>
+                      </a:rPr>
+                      <m:t>𝑛</m:t>
+                    </m:r>
+                    <m:r>
+                      <a:rPr lang="en-US" i="1" dirty="0" smtClean="0">
+                        <a:latin typeface="Cambria Math" panose="02040503050406030204" pitchFamily="18" charset="0"/>
+                      </a:rPr>
+                      <m:t>) = </m:t>
+                    </m:r>
+                    <m:sSup>
+                      <m:sSupPr>
+                        <m:ctrlPr>
+                          <a:rPr lang="en-US" b="0" i="1" dirty="0" smtClean="0">
+                            <a:latin typeface="Cambria Math" panose="02040503050406030204" pitchFamily="18" charset="0"/>
+                          </a:rPr>
+                        </m:ctrlPr>
+                      </m:sSupPr>
+                      <m:e>
+                        <m:r>
+                          <a:rPr lang="en-US" i="1" dirty="0" smtClean="0">
+                            <a:latin typeface="Cambria Math" panose="02040503050406030204" pitchFamily="18" charset="0"/>
+                          </a:rPr>
+                          <m:t>𝑛</m:t>
+                        </m:r>
+                      </m:e>
+                      <m:sup>
+                        <m:r>
+                          <a:rPr lang="en-US" b="0" i="1" dirty="0" smtClean="0">
+                            <a:latin typeface="Cambria Math" panose="02040503050406030204" pitchFamily="18" charset="0"/>
+                          </a:rPr>
+                          <m:t>3</m:t>
+                        </m:r>
+                      </m:sup>
+                    </m:sSup>
+                    <m:r>
+                      <a:rPr lang="en-US" i="1" dirty="0" smtClean="0">
+                        <a:latin typeface="Cambria Math" panose="02040503050406030204" pitchFamily="18" charset="0"/>
+                      </a:rPr>
+                      <m:t>+ </m:t>
+                    </m:r>
+                    <m:r>
+                      <a:rPr lang="en-US" i="1" dirty="0" smtClean="0">
+                        <a:latin typeface="Cambria Math" panose="02040503050406030204" pitchFamily="18" charset="0"/>
+                      </a:rPr>
+                      <m:t>𝑘</m:t>
+                    </m:r>
+                    <m:sSup>
+                      <m:sSupPr>
+                        <m:ctrlPr>
+                          <a:rPr lang="en-US" b="0" i="1" dirty="0" smtClean="0">
+                            <a:latin typeface="Cambria Math" panose="02040503050406030204" pitchFamily="18" charset="0"/>
+                          </a:rPr>
+                        </m:ctrlPr>
+                      </m:sSupPr>
+                      <m:e>
+                        <m:r>
+                          <a:rPr lang="en-US" i="1" dirty="0" smtClean="0">
+                            <a:latin typeface="Cambria Math" panose="02040503050406030204" pitchFamily="18" charset="0"/>
+                          </a:rPr>
+                          <m:t>𝑛</m:t>
+                        </m:r>
+                      </m:e>
+                      <m:sup>
+                        <m:r>
+                          <a:rPr lang="en-US" b="0" i="1" dirty="0" smtClean="0">
+                            <a:latin typeface="Cambria Math" panose="02040503050406030204" pitchFamily="18" charset="0"/>
+                          </a:rPr>
+                          <m:t>2</m:t>
+                        </m:r>
+                      </m:sup>
+                    </m:sSup>
+                    <m:r>
+                      <a:rPr lang="en-US" i="1" dirty="0" smtClean="0">
+                        <a:latin typeface="Cambria Math" panose="02040503050406030204" pitchFamily="18" charset="0"/>
+                      </a:rPr>
+                      <m:t>+ </m:t>
+                    </m:r>
+                    <m:r>
+                      <a:rPr lang="en-US" i="1" dirty="0" err="1">
+                        <a:latin typeface="Cambria Math" panose="02040503050406030204" pitchFamily="18" charset="0"/>
+                      </a:rPr>
+                      <m:t>𝑛𝑙𝑜𝑔𝑛</m:t>
+                    </m:r>
+                  </m:oMath>
+                </a14:m>
+                <a:r>
+                  <a:rPr lang="en-US" dirty="0"/>
+                  <a:t> implies </a:t>
+                </a:r>
+                <a14:m>
+                  <m:oMath xmlns:m="http://schemas.openxmlformats.org/officeDocument/2006/math">
+                    <m:r>
+                      <a:rPr lang="en-US" i="1" dirty="0" smtClean="0">
+                        <a:latin typeface="Cambria Math" panose="02040503050406030204" pitchFamily="18" charset="0"/>
+                      </a:rPr>
+                      <m:t>𝑂</m:t>
+                    </m:r>
+                    <m:r>
+                      <a:rPr lang="en-US" i="1" dirty="0" smtClean="0">
+                        <a:latin typeface="Cambria Math" panose="02040503050406030204" pitchFamily="18" charset="0"/>
+                      </a:rPr>
+                      <m:t>(</m:t>
+                    </m:r>
+                    <m:sSup>
+                      <m:sSupPr>
+                        <m:ctrlPr>
+                          <a:rPr lang="en-US" b="0" i="1" dirty="0" smtClean="0">
+                            <a:latin typeface="Cambria Math" panose="02040503050406030204" pitchFamily="18" charset="0"/>
+                          </a:rPr>
+                        </m:ctrlPr>
+                      </m:sSupPr>
+                      <m:e>
+                        <m:r>
+                          <a:rPr lang="en-US" i="1" dirty="0" smtClean="0">
+                            <a:latin typeface="Cambria Math" panose="02040503050406030204" pitchFamily="18" charset="0"/>
+                          </a:rPr>
+                          <m:t>𝑛</m:t>
+                        </m:r>
+                      </m:e>
+                      <m:sup>
+                        <m:r>
+                          <a:rPr lang="en-US" b="0" i="1" dirty="0" smtClean="0">
+                            <a:latin typeface="Cambria Math" panose="02040503050406030204" pitchFamily="18" charset="0"/>
+                          </a:rPr>
+                          <m:t>3</m:t>
+                        </m:r>
+                      </m:sup>
+                    </m:sSup>
+                    <m:r>
+                      <a:rPr lang="en-US" i="1" dirty="0" smtClean="0">
+                        <a:latin typeface="Cambria Math" panose="02040503050406030204" pitchFamily="18" charset="0"/>
+                      </a:rPr>
+                      <m:t>)</m:t>
+                    </m:r>
+                  </m:oMath>
+                </a14:m>
+                <a:endParaRPr lang="en-US" dirty="0"/>
+              </a:p>
+              <a:p>
+                <a:pPr lvl="1"/>
+                <a14:m>
+                  <m:oMath xmlns:m="http://schemas.openxmlformats.org/officeDocument/2006/math">
+                    <m:r>
+                      <a:rPr lang="en-US" i="1" dirty="0" smtClean="0">
+                        <a:latin typeface="Cambria Math" panose="02040503050406030204" pitchFamily="18" charset="0"/>
+                      </a:rPr>
+                      <m:t>𝑇</m:t>
+                    </m:r>
+                    <m:r>
+                      <a:rPr lang="en-US" i="1" dirty="0" smtClean="0">
+                        <a:latin typeface="Cambria Math" panose="02040503050406030204" pitchFamily="18" charset="0"/>
+                      </a:rPr>
+                      <m:t>(</m:t>
+                    </m:r>
+                    <m:r>
+                      <a:rPr lang="en-US" i="1" dirty="0" smtClean="0">
+                        <a:latin typeface="Cambria Math" panose="02040503050406030204" pitchFamily="18" charset="0"/>
+                      </a:rPr>
+                      <m:t>𝑛</m:t>
+                    </m:r>
+                    <m:r>
+                      <a:rPr lang="en-US" i="1" dirty="0" smtClean="0">
+                        <a:latin typeface="Cambria Math" panose="02040503050406030204" pitchFamily="18" charset="0"/>
+                      </a:rPr>
+                      <m:t>) = </m:t>
+                    </m:r>
+                    <m:r>
+                      <a:rPr lang="en-US" i="1" dirty="0" smtClean="0">
+                        <a:latin typeface="Cambria Math" panose="02040503050406030204" pitchFamily="18" charset="0"/>
+                      </a:rPr>
+                      <m:t>𝑘</m:t>
+                    </m:r>
+                    <m:r>
+                      <a:rPr lang="en-US" i="1" dirty="0" smtClean="0">
+                        <a:latin typeface="Cambria Math" panose="02040503050406030204" pitchFamily="18" charset="0"/>
+                      </a:rPr>
+                      <m:t> </m:t>
+                    </m:r>
+                  </m:oMath>
+                </a14:m>
+                <a:r>
+                  <a:rPr lang="en-US" dirty="0"/>
+                  <a:t>for constant k implies </a:t>
+                </a:r>
+                <a14:m>
+                  <m:oMath xmlns:m="http://schemas.openxmlformats.org/officeDocument/2006/math">
+                    <m:r>
+                      <a:rPr lang="en-US" i="1" dirty="0" smtClean="0">
+                        <a:latin typeface="Cambria Math" panose="02040503050406030204" pitchFamily="18" charset="0"/>
+                      </a:rPr>
+                      <m:t>𝑂</m:t>
+                    </m:r>
+                    <m:r>
+                      <a:rPr lang="en-US" i="1" dirty="0" smtClean="0">
+                        <a:latin typeface="Cambria Math" panose="02040503050406030204" pitchFamily="18" charset="0"/>
+                      </a:rPr>
+                      <m:t>(1)</m:t>
+                    </m:r>
+                  </m:oMath>
+                </a14:m>
+                <a:endParaRPr lang="en-US" dirty="0"/>
+              </a:p>
+              <a:p>
+                <a:r>
+                  <a:rPr lang="en-US" dirty="0"/>
+                  <a:t>E.g., </a:t>
+                </a:r>
+                <a14:m>
+                  <m:oMath xmlns:m="http://schemas.openxmlformats.org/officeDocument/2006/math">
+                    <m:r>
+                      <a:rPr lang="en-US" i="1" dirty="0" smtClean="0">
+                        <a:latin typeface="Cambria Math" panose="02040503050406030204" pitchFamily="18" charset="0"/>
+                      </a:rPr>
+                      <m:t>3</m:t>
+                    </m:r>
+                    <m:r>
+                      <a:rPr lang="en-US" i="1" dirty="0" smtClean="0">
+                        <a:latin typeface="Cambria Math" panose="02040503050406030204" pitchFamily="18" charset="0"/>
+                      </a:rPr>
+                      <m:t>𝑛</m:t>
+                    </m:r>
+                  </m:oMath>
+                </a14:m>
+                <a:r>
+                  <a:rPr lang="en-US" dirty="0"/>
+                  <a:t>! and </a:t>
+                </a:r>
+                <a14:m>
+                  <m:oMath xmlns:m="http://schemas.openxmlformats.org/officeDocument/2006/math">
+                    <m:r>
+                      <a:rPr lang="en-US" i="1" dirty="0" smtClean="0">
+                        <a:latin typeface="Cambria Math" panose="02040503050406030204" pitchFamily="18" charset="0"/>
+                      </a:rPr>
+                      <m:t>10</m:t>
+                    </m:r>
+                    <m:r>
+                      <a:rPr lang="en-US" i="1" dirty="0" smtClean="0">
+                        <a:latin typeface="Cambria Math" panose="02040503050406030204" pitchFamily="18" charset="0"/>
+                      </a:rPr>
+                      <m:t>𝑛</m:t>
+                    </m:r>
+                  </m:oMath>
+                </a14:m>
+                <a:r>
+                  <a:rPr lang="en-US" dirty="0"/>
+                  <a:t>! are indistinguishable asymptotically</a:t>
+                </a:r>
+              </a:p>
+              <a:p>
+                <a:endParaRPr lang="en-US" dirty="0"/>
+              </a:p>
+            </p:txBody>
+          </p:sp>
+        </mc:Choice>
+        <mc:Fallback xmlns="">
+          <p:sp>
+            <p:nvSpPr>
+              <p:cNvPr id="3" name="Content Placeholder 2"/>
+              <p:cNvSpPr>
+                <a:spLocks noGrp="1" noRot="1" noChangeAspect="1" noMove="1" noResize="1" noEditPoints="1" noAdjustHandles="1" noChangeArrowheads="1" noChangeShapeType="1" noTextEdit="1"/>
+              </p:cNvSpPr>
+              <p:nvPr>
+                <p:ph idx="1"/>
+              </p:nvPr>
+            </p:nvSpPr>
+            <p:spPr>
+              <a:blipFill>
+                <a:blip r:embed="rId2"/>
+                <a:stretch>
+                  <a:fillRect l="-1086" t="-3198" r="-2051"/>
+                </a:stretch>
+              </a:blipFill>
+            </p:spPr>
+            <p:txBody>
+              <a:bodyPr/>
+              <a:lstStyle/>
+              <a:p>
+                <a:r>
+                  <a:rPr lang="en-US">
+                    <a:noFill/>
+                  </a:rPr>
+                  <a:t> </a:t>
+                </a:r>
+              </a:p>
+            </p:txBody>
+          </p:sp>
+        </mc:Fallback>
+      </mc:AlternateContent>
     </p:spTree>
     <p:extLst>
       <p:ext uri="{BB962C8B-B14F-4D97-AF65-F5344CB8AC3E}">
@@ -4816,7 +5263,12 @@
             <p:ph type="title"/>
           </p:nvPr>
         </p:nvSpPr>
-        <p:spPr/>
+        <p:spPr>
+          <a:xfrm>
+            <a:off x="838200" y="365125"/>
+            <a:ext cx="10754710" cy="1325563"/>
+          </a:xfrm>
+        </p:spPr>
         <p:txBody>
           <a:bodyPr>
             <a:normAutofit/>
@@ -4824,8 +5276,8 @@
           <a:lstStyle/>
           <a:p>
             <a:r>
-              <a:rPr lang="en-US" dirty="0"/>
-              <a:t>What is the maximum amount of work?</a:t>
+              <a:rPr lang="en-US" sz="4000" dirty="0"/>
+              <a:t>Ask: What is the maximum amount of work?</a:t>
             </a:r>
           </a:p>
         </p:txBody>
@@ -5119,7 +5571,35 @@
               <a:p>
                 <a:r>
                   <a:rPr lang="en-US" dirty="0"/>
-                  <a:t>Loops nested k deep, going around n times, are often O(</a:t>
+                  <a:t>Loops nested </a:t>
+                </a:r>
+                <a14:m>
+                  <m:oMath xmlns:m="http://schemas.openxmlformats.org/officeDocument/2006/math">
+                    <m:r>
+                      <a:rPr lang="en-US" i="1" dirty="0" smtClean="0">
+                        <a:latin typeface="Cambria Math" panose="02040503050406030204" pitchFamily="18" charset="0"/>
+                      </a:rPr>
+                      <m:t>𝑘</m:t>
+                    </m:r>
+                  </m:oMath>
+                </a14:m>
+                <a:r>
+                  <a:rPr lang="en-US" dirty="0"/>
+                  <a:t> deep, going around </a:t>
+                </a:r>
+                <a14:m>
+                  <m:oMath xmlns:m="http://schemas.openxmlformats.org/officeDocument/2006/math">
+                    <m:r>
+                      <a:rPr lang="en-US" i="1" dirty="0" smtClean="0">
+                        <a:latin typeface="Cambria Math" panose="02040503050406030204" pitchFamily="18" charset="0"/>
+                      </a:rPr>
+                      <m:t>𝑛</m:t>
+                    </m:r>
+                  </m:oMath>
+                </a14:m>
+                <a:r>
+                  <a:rPr lang="en-US" dirty="0"/>
+                  <a:t> times, are often O(</a:t>
                 </a:r>
                 <a14:m>
                   <m:oMath xmlns:m="http://schemas.openxmlformats.org/officeDocument/2006/math">
@@ -5179,7 +5659,7 @@
               <a:blipFill>
                 <a:blip r:embed="rId2"/>
                 <a:stretch>
-                  <a:fillRect l="-965" t="-2632"/>
+                  <a:fillRect l="-1086" t="-2326"/>
                 </a:stretch>
               </a:blipFill>
             </p:spPr>
@@ -5368,41 +5848,103 @@
           </a:p>
         </p:txBody>
       </p:sp>
-      <p:sp>
-        <p:nvSpPr>
-          <p:cNvPr id="6" name="TextBox 5">
-            <a:extLst>
-              <a:ext uri="{FF2B5EF4-FFF2-40B4-BE49-F238E27FC236}">
-                <a16:creationId xmlns:a16="http://schemas.microsoft.com/office/drawing/2014/main" id="{56E65DA1-0732-854C-A56F-F8EF08AF75EB}"/>
-              </a:ext>
-            </a:extLst>
-          </p:cNvPr>
-          <p:cNvSpPr txBox="1"/>
-          <p:nvPr/>
-        </p:nvSpPr>
-        <p:spPr>
-          <a:xfrm>
-            <a:off x="1054336" y="3858442"/>
-            <a:ext cx="8953092" cy="461665"/>
-          </a:xfrm>
-          <a:prstGeom prst="rect">
-            <a:avLst/>
-          </a:prstGeom>
-          <a:noFill/>
-        </p:spPr>
-        <p:txBody>
-          <a:bodyPr wrap="none" rtlCol="0">
-            <a:spAutoFit/>
-          </a:bodyPr>
-          <a:lstStyle/>
-          <a:p>
-            <a:r>
-              <a:rPr lang="en-US" sz="2400" i="1" dirty="0"/>
-              <a:t>What is cost of these loops assuming “a=…” costs k operations?</a:t>
-            </a:r>
-          </a:p>
-        </p:txBody>
-      </p:sp>
+      <mc:AlternateContent xmlns:mc="http://schemas.openxmlformats.org/markup-compatibility/2006" xmlns:a14="http://schemas.microsoft.com/office/drawing/2010/main">
+        <mc:Choice Requires="a14">
+          <p:sp>
+            <p:nvSpPr>
+              <p:cNvPr id="6" name="TextBox 5">
+                <a:extLst>
+                  <a:ext uri="{FF2B5EF4-FFF2-40B4-BE49-F238E27FC236}">
+                    <a16:creationId xmlns:a16="http://schemas.microsoft.com/office/drawing/2014/main" id="{56E65DA1-0732-854C-A56F-F8EF08AF75EB}"/>
+                  </a:ext>
+                </a:extLst>
+              </p:cNvPr>
+              <p:cNvSpPr txBox="1"/>
+              <p:nvPr/>
+            </p:nvSpPr>
+            <p:spPr>
+              <a:xfrm>
+                <a:off x="1054336" y="3858442"/>
+                <a:ext cx="8953092" cy="461665"/>
+              </a:xfrm>
+              <a:prstGeom prst="rect">
+                <a:avLst/>
+              </a:prstGeom>
+              <a:noFill/>
+            </p:spPr>
+            <p:txBody>
+              <a:bodyPr wrap="none" rtlCol="0">
+                <a:spAutoFit/>
+              </a:bodyPr>
+              <a:lstStyle/>
+              <a:p>
+                <a:r>
+                  <a:rPr lang="en-US" sz="2400" i="1" dirty="0"/>
+                  <a:t>What is cost of these loops assuming “a=…” costs </a:t>
+                </a:r>
+                <a14:m>
+                  <m:oMath xmlns:m="http://schemas.openxmlformats.org/officeDocument/2006/math">
+                    <m:r>
+                      <a:rPr lang="en-US" sz="2400" i="1" dirty="0" smtClean="0">
+                        <a:latin typeface="Cambria Math" panose="02040503050406030204" pitchFamily="18" charset="0"/>
+                      </a:rPr>
+                      <m:t>𝑘</m:t>
+                    </m:r>
+                  </m:oMath>
+                </a14:m>
+                <a:r>
+                  <a:rPr lang="en-US" sz="2400" i="1" dirty="0"/>
+                  <a:t> operations?</a:t>
+                </a:r>
+              </a:p>
+            </p:txBody>
+          </p:sp>
+        </mc:Choice>
+        <mc:Fallback xmlns="">
+          <p:sp>
+            <p:nvSpPr>
+              <p:cNvPr id="6" name="TextBox 5">
+                <a:extLst>
+                  <a:ext uri="{FF2B5EF4-FFF2-40B4-BE49-F238E27FC236}">
+                    <a16:creationId xmlns:a16="http://schemas.microsoft.com/office/drawing/2014/main" id="{56E65DA1-0732-854C-A56F-F8EF08AF75EB}"/>
+                  </a:ext>
+                </a:extLst>
+              </p:cNvPr>
+              <p:cNvSpPr txBox="1">
+                <a:spLocks noRot="1" noChangeAspect="1" noMove="1" noResize="1" noEditPoints="1" noAdjustHandles="1" noChangeArrowheads="1" noChangeShapeType="1" noTextEdit="1"/>
+              </p:cNvSpPr>
+              <p:nvPr/>
+            </p:nvSpPr>
+            <p:spPr>
+              <a:xfrm>
+                <a:off x="1054336" y="3858442"/>
+                <a:ext cx="8953092" cy="461665"/>
+              </a:xfrm>
+              <a:prstGeom prst="rect">
+                <a:avLst/>
+              </a:prstGeom>
+              <a:blipFill>
+                <a:blip r:embed="rId3"/>
+                <a:stretch>
+                  <a:fillRect l="-1133" t="-7895" r="-283" b="-23684"/>
+                </a:stretch>
+              </a:blipFill>
+            </p:spPr>
+            <p:txBody>
+              <a:bodyPr/>
+              <a:lstStyle/>
+              <a:p>
+                <a:r>
+                  <a:rPr lang="en-US">
+                    <a:noFill/>
+                  </a:rPr>
+                  <a:t> </a:t>
+                </a:r>
+              </a:p>
+            </p:txBody>
+          </p:sp>
+        </mc:Fallback>
+      </mc:AlternateContent>
       <mc:AlternateContent xmlns:mc="http://schemas.openxmlformats.org/markup-compatibility/2006" xmlns:a14="http://schemas.microsoft.com/office/drawing/2010/main">
         <mc:Choice Requires="a14">
           <p:sp>
@@ -5609,8 +6151,56 @@
                 </a14:m>
                 <a:r>
                   <a:rPr lang="en-US" sz="2600" dirty="0"/>
-                  <a:t>, which is O(n^2)</a:t>
+                  <a:t>, which is </a:t>
                 </a:r>
+                <a14:m>
+                  <m:oMath xmlns:m="http://schemas.openxmlformats.org/officeDocument/2006/math">
+                    <m:r>
+                      <a:rPr lang="en-US" sz="2600" i="1" dirty="0" smtClean="0">
+                        <a:latin typeface="Cambria Math" panose="02040503050406030204" pitchFamily="18" charset="0"/>
+                      </a:rPr>
+                      <m:t>𝑂</m:t>
+                    </m:r>
+                    <m:r>
+                      <a:rPr lang="en-US" sz="2600" i="1" dirty="0" smtClean="0">
+                        <a:latin typeface="Cambria Math" panose="02040503050406030204" pitchFamily="18" charset="0"/>
+                      </a:rPr>
+                      <m:t>(</m:t>
+                    </m:r>
+                    <m:sSup>
+                      <m:sSupPr>
+                        <m:ctrlPr>
+                          <a:rPr lang="en-US" sz="2600" i="1" dirty="0" smtClean="0">
+                            <a:latin typeface="Cambria Math" panose="02040503050406030204" pitchFamily="18" charset="0"/>
+                          </a:rPr>
+                        </m:ctrlPr>
+                      </m:sSupPr>
+                      <m:e>
+                        <m:r>
+                          <a:rPr lang="en-US" sz="2600" i="1" dirty="0" smtClean="0">
+                            <a:latin typeface="Cambria Math" panose="02040503050406030204" pitchFamily="18" charset="0"/>
+                          </a:rPr>
+                          <m:t>𝑛</m:t>
+                        </m:r>
+                      </m:e>
+                      <m:sup>
+                        <m:r>
+                          <a:rPr lang="en-US" sz="2600" b="0" i="1" dirty="0" smtClean="0">
+                            <a:latin typeface="Cambria Math" panose="02040503050406030204" pitchFamily="18" charset="0"/>
+                          </a:rPr>
+                          <m:t>2</m:t>
+                        </m:r>
+                      </m:sup>
+                    </m:sSup>
+                    <m:r>
+                      <a:rPr lang="en-US" sz="2600" i="1" dirty="0" smtClean="0">
+                        <a:latin typeface="Cambria Math" panose="02040503050406030204" pitchFamily="18" charset="0"/>
+                      </a:rPr>
+                      <m:t>)</m:t>
+                    </m:r>
+                  </m:oMath>
+                </a14:m>
+                <a:endParaRPr lang="en-US" sz="2600" dirty="0"/>
               </a:p>
             </p:txBody>
           </p:sp>
@@ -5639,9 +6229,9 @@
                 <a:avLst/>
               </a:prstGeom>
               <a:blipFill>
-                <a:blip r:embed="rId3"/>
+                <a:blip r:embed="rId4"/>
                 <a:stretch>
-                  <a:fillRect l="-1305" t="-113636" r="-326" b="-170455"/>
+                  <a:fillRect l="-1468" t="-115909" b="-170455"/>
                 </a:stretch>
               </a:blipFill>
             </p:spPr>
@@ -6842,20 +7432,12 @@
           <a:lstStyle/>
           <a:p>
             <a:r>
-              <a:rPr lang="en-US" sz="2400" dirty="0" err="1">
-                <a:latin typeface="Monaco" charset="0"/>
-                <a:ea typeface="Monaco" charset="0"/>
-                <a:cs typeface="Monaco" charset="0"/>
-              </a:rPr>
-              <a:t>def</a:t>
-            </a:r>
-            <a:r>
               <a:rPr lang="en-US" sz="2400" dirty="0">
                 <a:latin typeface="Monaco" charset="0"/>
                 <a:ea typeface="Monaco" charset="0"/>
                 <a:cs typeface="Monaco" charset="0"/>
               </a:rPr>
-              <a:t> </a:t>
+              <a:t>def </a:t>
             </a:r>
             <a:r>
               <a:rPr lang="en-US" sz="2400" dirty="0" err="1">
@@ -6871,7 +7453,7 @@
                 <a:ea typeface="Monaco" charset="0"/>
                 <a:cs typeface="Monaco" charset="0"/>
               </a:rPr>
-              <a:t>(words, a):</a:t>
+              <a:t>(words, doc):</a:t>
             </a:r>
           </a:p>
           <a:p>
@@ -6949,7 +7531,7 @@
                 <a:ea typeface="Monaco" charset="0"/>
                 <a:cs typeface="Monaco" charset="0"/>
               </a:rPr>
-              <a:t>] in a:</a:t>
+              <a:t>] in doc:</a:t>
             </a:r>
           </a:p>
           <a:p>
@@ -7504,20 +8086,12 @@
           <a:lstStyle/>
           <a:p>
             <a:r>
-              <a:rPr lang="en-US" sz="2400" dirty="0" err="1">
-                <a:latin typeface="Monaco" charset="0"/>
-                <a:ea typeface="Monaco" charset="0"/>
-                <a:cs typeface="Monaco" charset="0"/>
-              </a:rPr>
-              <a:t>def</a:t>
-            </a:r>
-            <a:r>
               <a:rPr lang="en-US" sz="2400" dirty="0">
                 <a:latin typeface="Monaco" charset="0"/>
                 <a:ea typeface="Monaco" charset="0"/>
                 <a:cs typeface="Monaco" charset="0"/>
               </a:rPr>
-              <a:t> </a:t>
+              <a:t>def </a:t>
             </a:r>
             <a:r>
               <a:rPr lang="en-US" sz="2400" dirty="0" err="1">
@@ -7557,7 +8131,7 @@
                 <a:ea typeface="Monaco" charset="0"/>
                 <a:cs typeface="Monaco" charset="0"/>
               </a:rPr>
-              <a:t>a:</a:t>
+              <a:t>doc:</a:t>
             </a:r>
             <a:r>
               <a:rPr lang="en-US" sz="2400" b="1" dirty="0" err="1">
@@ -7654,7 +8228,7 @@
                 <a:ea typeface="Monaco" charset="0"/>
                 <a:cs typeface="Monaco" charset="0"/>
               </a:rPr>
-              <a:t>] in a:</a:t>
+              <a:t>] in doc:</a:t>
             </a:r>
           </a:p>
           <a:p>
@@ -7764,8 +8338,8 @@
           </a:p>
         </p:txBody>
       </p:sp>
-      <mc:AlternateContent xmlns:mc="http://schemas.openxmlformats.org/markup-compatibility/2006" xmlns:a14="http://schemas.microsoft.com/office/drawing/2010/main">
-        <mc:Choice Requires="a14">
+      <mc:AlternateContent xmlns:mc="http://schemas.openxmlformats.org/markup-compatibility/2006">
+        <mc:Choice xmlns:a14="http://schemas.microsoft.com/office/drawing/2010/main" Requires="a14">
           <p:sp>
             <p:nvSpPr>
               <p:cNvPr id="3" name="Content Placeholder 2"/>
@@ -7957,16 +8531,12 @@
                   <a:t>What is </a:t>
                 </a:r>
                 <a:r>
-                  <a:rPr lang="en-US" i="1"/>
+                  <a:rPr lang="en-US" i="1" dirty="0"/>
                   <a:t>O()</a:t>
                 </a:r>
                 <a:r>
-                  <a:rPr lang="en-US"/>
-                  <a:t> </a:t>
-                </a:r>
-                <a:r>
                   <a:rPr lang="en-US" dirty="0"/>
-                  <a:t>for </a:t>
+                  <a:t> for </a:t>
                 </a:r>
                 <a:r>
                   <a:rPr lang="en-US" dirty="0" err="1"/>
@@ -8352,7 +8922,21 @@
                 </a:r>
                 <a:r>
                   <a:rPr lang="en-US" i="1" dirty="0"/>
-                  <a:t>O(nm) </a:t>
+                  <a:t>O(</a:t>
+                </a:r>
+                <a14:m>
+                  <m:oMath xmlns:m="http://schemas.openxmlformats.org/officeDocument/2006/math">
+                    <m:r>
+                      <a:rPr lang="en-US" i="1" dirty="0" smtClean="0">
+                        <a:latin typeface="Cambria Math" panose="02040503050406030204" pitchFamily="18" charset="0"/>
+                      </a:rPr>
+                      <m:t>𝑛𝑚</m:t>
+                    </m:r>
+                  </m:oMath>
+                </a14:m>
+                <a:r>
+                  <a:rPr lang="en-US" i="1" dirty="0"/>
+                  <a:t>) </a:t>
                 </a:r>
                 <a:r>
                   <a:rPr lang="en-US" dirty="0"/>
@@ -8399,7 +8983,7 @@
             </p:txBody>
           </p:sp>
         </mc:Choice>
-        <mc:Fallback xmlns="">
+        <mc:Fallback>
           <p:sp>
             <p:nvSpPr>
               <p:cNvPr id="3" name="Content Placeholder 2"/>
@@ -8419,7 +9003,7 @@
               <a:blipFill>
                 <a:blip r:embed="rId2"/>
                 <a:stretch>
-                  <a:fillRect l="-797" t="-3216" b="-4094"/>
+                  <a:fillRect l="-912" t="-2907" b="-4070"/>
                 </a:stretch>
               </a:blipFill>
             </p:spPr>
@@ -8466,20 +9050,12 @@
           <a:lstStyle/>
           <a:p>
             <a:r>
-              <a:rPr lang="en-US" sz="2400" dirty="0" err="1">
-                <a:latin typeface="Monaco" charset="0"/>
-                <a:ea typeface="Monaco" charset="0"/>
-                <a:cs typeface="Monaco" charset="0"/>
-              </a:rPr>
-              <a:t>def</a:t>
-            </a:r>
-            <a:r>
               <a:rPr lang="en-US" sz="2400" dirty="0">
                 <a:latin typeface="Monaco" charset="0"/>
                 <a:ea typeface="Monaco" charset="0"/>
                 <a:cs typeface="Monaco" charset="0"/>
               </a:rPr>
-              <a:t> </a:t>
+              <a:t>def </a:t>
             </a:r>
             <a:r>
               <a:rPr lang="en-US" sz="2400" dirty="0" err="1">
@@ -8519,7 +9095,7 @@
                 <a:ea typeface="Monaco" charset="0"/>
                 <a:cs typeface="Monaco" charset="0"/>
               </a:rPr>
-              <a:t>a:</a:t>
+              <a:t>doc:</a:t>
             </a:r>
             <a:r>
               <a:rPr lang="en-US" sz="2400" b="1" dirty="0" err="1">
@@ -8616,7 +9192,7 @@
                 <a:ea typeface="Monaco" charset="0"/>
                 <a:cs typeface="Monaco" charset="0"/>
               </a:rPr>
-              <a:t>] in a:</a:t>
+              <a:t>] in doc:</a:t>
             </a:r>
           </a:p>
           <a:p>
@@ -8720,7 +9296,7 @@
               <a:p>
                 <a:r>
                   <a:rPr lang="en-US" dirty="0"/>
-                  <a:t>Get a feel for algorithm time and space performance operating on a specific data structure or structures</a:t>
+                  <a:t>Get a feel for algorithm time and space performance to operate on a specific data structure or structures</a:t>
                 </a:r>
               </a:p>
               <a:p>
@@ -8813,7 +9389,7 @@
               <a:blipFill>
                 <a:blip r:embed="rId2"/>
                 <a:stretch>
-                  <a:fillRect l="-965" t="-2632"/>
+                  <a:fillRect l="-1086" t="-2326" r="-603"/>
                 </a:stretch>
               </a:blipFill>
             </p:spPr>
@@ -12134,8 +12710,8 @@
           </a:p>
         </p:txBody>
       </p:sp>
-      <mc:AlternateContent xmlns:mc="http://schemas.openxmlformats.org/markup-compatibility/2006" xmlns:a14="http://schemas.microsoft.com/office/drawing/2010/main">
-        <mc:Choice Requires="a14">
+      <mc:AlternateContent xmlns:mc="http://schemas.openxmlformats.org/markup-compatibility/2006">
+        <mc:Choice xmlns:a14="http://schemas.microsoft.com/office/drawing/2010/main" Requires="a14">
           <p:sp>
             <p:nvSpPr>
               <p:cNvPr id="3" name="Content Placeholder 2"/>
@@ -12158,7 +12734,15 @@
               <a:p>
                 <a:r>
                   <a:rPr lang="en-US" dirty="0"/>
-                  <a:t>Let n be the input size</a:t>
+                  <a:t>Let </a:t>
+                </a:r>
+                <a:r>
+                  <a:rPr lang="en-US" i="1" dirty="0"/>
+                  <a:t>n</a:t>
+                </a:r>
+                <a:r>
+                  <a:rPr lang="en-US" dirty="0"/>
+                  <a:t> be the input size</a:t>
                 </a:r>
               </a:p>
               <a:p>
@@ -12283,7 +12867,7 @@
             </p:txBody>
           </p:sp>
         </mc:Choice>
-        <mc:Fallback xmlns="">
+        <mc:Fallback>
           <p:sp>
             <p:nvSpPr>
               <p:cNvPr id="3" name="Content Placeholder 2"/>
@@ -12302,7 +12886,7 @@
               <a:blipFill>
                 <a:blip r:embed="rId3"/>
                 <a:stretch>
-                  <a:fillRect l="-932" t="-2632"/>
+                  <a:fillRect l="-1049" t="-2326"/>
                 </a:stretch>
               </a:blipFill>
             </p:spPr>
@@ -14494,14 +15078,14 @@
                 <p:ph idx="1"/>
                 <p:extLst>
                   <p:ext uri="{D42A27DB-BD31-4B8C-83A1-F6EECF244321}">
-                    <p14:modId xmlns:p14="http://schemas.microsoft.com/office/powerpoint/2010/main" val="294689039"/>
+                    <p14:modId xmlns:p14="http://schemas.microsoft.com/office/powerpoint/2010/main" val="2403264393"/>
                   </p:ext>
                 </p:extLst>
               </p:nvPr>
             </p:nvGraphicFramePr>
             <p:xfrm>
-              <a:off x="164386" y="947718"/>
-              <a:ext cx="11846104" cy="5487219"/>
+              <a:off x="132856" y="947718"/>
+              <a:ext cx="12027613" cy="5487219"/>
             </p:xfrm>
             <a:graphic>
               <a:graphicData uri="http://schemas.openxmlformats.org/drawingml/2006/table">
@@ -14510,28 +15094,28 @@
                     <a:tableStyleId>{073A0DAA-6AF3-43AB-8588-CEC1D06C72B9}</a:tableStyleId>
                   </a:tblPr>
                   <a:tblGrid>
-                    <a:gridCol w="2135928">
+                    <a:gridCol w="2168655">
                       <a:extLst>
                         <a:ext uri="{9D8B030D-6E8A-4147-A177-3AD203B41FA5}">
                           <a16:colId xmlns:a16="http://schemas.microsoft.com/office/drawing/2014/main" val="20000"/>
                         </a:ext>
                       </a:extLst>
                     </a:gridCol>
-                    <a:gridCol w="4203228">
+                    <a:gridCol w="4267631">
                       <a:extLst>
                         <a:ext uri="{9D8B030D-6E8A-4147-A177-3AD203B41FA5}">
                           <a16:colId xmlns:a16="http://schemas.microsoft.com/office/drawing/2014/main" val="20001"/>
                         </a:ext>
                       </a:extLst>
                     </a:gridCol>
-                    <a:gridCol w="1479478">
+                    <a:gridCol w="1502147">
                       <a:extLst>
                         <a:ext uri="{9D8B030D-6E8A-4147-A177-3AD203B41FA5}">
                           <a16:colId xmlns:a16="http://schemas.microsoft.com/office/drawing/2014/main" val="20002"/>
                         </a:ext>
                       </a:extLst>
                     </a:gridCol>
-                    <a:gridCol w="4027470">
+                    <a:gridCol w="4089180">
                       <a:extLst>
                         <a:ext uri="{9D8B030D-6E8A-4147-A177-3AD203B41FA5}">
                           <a16:colId xmlns:a16="http://schemas.microsoft.com/office/drawing/2014/main" val="20003"/>
@@ -16390,7 +16974,7 @@
                           </a:r>
                           <a:r>
                             <a:rPr lang="en-US" sz="2000" baseline="0" dirty="0"/>
-                            <a:t> of work in half each iteration, but process both halves, the combine results in linear time</a:t>
+                            <a:t> of work in half each iteration, but process both halves, then combine results in linear time</a:t>
                           </a:r>
                           <a:endParaRPr lang="en-US" sz="2000" dirty="0"/>
                         </a:p>
@@ -16465,14 +17049,14 @@
                 <p:ph idx="1"/>
                 <p:extLst>
                   <p:ext uri="{D42A27DB-BD31-4B8C-83A1-F6EECF244321}">
-                    <p14:modId xmlns:p14="http://schemas.microsoft.com/office/powerpoint/2010/main" val="294689039"/>
+                    <p14:modId xmlns:p14="http://schemas.microsoft.com/office/powerpoint/2010/main" val="2403264393"/>
                   </p:ext>
                 </p:extLst>
               </p:nvPr>
             </p:nvGraphicFramePr>
             <p:xfrm>
-              <a:off x="164386" y="947718"/>
-              <a:ext cx="11846104" cy="5487219"/>
+              <a:off x="132856" y="947718"/>
+              <a:ext cx="12027613" cy="5487219"/>
             </p:xfrm>
             <a:graphic>
               <a:graphicData uri="http://schemas.openxmlformats.org/drawingml/2006/table">
@@ -16481,28 +17065,28 @@
                     <a:tableStyleId>{073A0DAA-6AF3-43AB-8588-CEC1D06C72B9}</a:tableStyleId>
                   </a:tblPr>
                   <a:tblGrid>
-                    <a:gridCol w="2135928">
+                    <a:gridCol w="2168655">
                       <a:extLst>
                         <a:ext uri="{9D8B030D-6E8A-4147-A177-3AD203B41FA5}">
                           <a16:colId xmlns:a16="http://schemas.microsoft.com/office/drawing/2014/main" val="20000"/>
                         </a:ext>
                       </a:extLst>
                     </a:gridCol>
-                    <a:gridCol w="4203228">
+                    <a:gridCol w="4267631">
                       <a:extLst>
                         <a:ext uri="{9D8B030D-6E8A-4147-A177-3AD203B41FA5}">
                           <a16:colId xmlns:a16="http://schemas.microsoft.com/office/drawing/2014/main" val="20001"/>
                         </a:ext>
                       </a:extLst>
                     </a:gridCol>
-                    <a:gridCol w="1479478">
+                    <a:gridCol w="1502147">
                       <a:extLst>
                         <a:ext uri="{9D8B030D-6E8A-4147-A177-3AD203B41FA5}">
                           <a16:colId xmlns:a16="http://schemas.microsoft.com/office/drawing/2014/main" val="20002"/>
                         </a:ext>
                       </a:extLst>
                     </a:gridCol>
-                    <a:gridCol w="4027470">
+                    <a:gridCol w="4089180">
                       <a:extLst>
                         <a:ext uri="{9D8B030D-6E8A-4147-A177-3AD203B41FA5}">
                           <a16:colId xmlns:a16="http://schemas.microsoft.com/office/drawing/2014/main" val="20003"/>
@@ -17173,9 +17757,9 @@
                           <a:prstDash val="solid"/>
                         </a:lnBlToTr>
                         <a:blipFill>
-                          <a:blip r:embed="rId2"/>
+                          <a:blip r:embed="rId3"/>
                           <a:stretch>
-                            <a:fillRect l="-50602" t="-62136" r="-131024" b="-314563"/>
+                            <a:fillRect l="-51190" t="-62136" r="-131548" b="-315534"/>
                           </a:stretch>
                         </a:blipFill>
                       </a:tcPr>
@@ -17234,9 +17818,9 @@
                           <a:prstDash val="solid"/>
                         </a:lnBlToTr>
                         <a:blipFill>
-                          <a:blip r:embed="rId2"/>
+                          <a:blip r:embed="rId3"/>
                           <a:stretch>
-                            <a:fillRect l="-431034" t="-62136" r="-275000" b="-314563"/>
+                            <a:fillRect l="-426891" t="-62136" r="-271429" b="-315534"/>
                           </a:stretch>
                         </a:blipFill>
                       </a:tcPr>
@@ -18026,9 +18610,9 @@
                           <a:prstDash val="solid"/>
                         </a:lnBlToTr>
                         <a:blipFill>
-                          <a:blip r:embed="rId2"/>
+                          <a:blip r:embed="rId3"/>
                           <a:stretch>
-                            <a:fillRect l="-50602" t="-299083" r="-131024" b="-51376"/>
+                            <a:fillRect l="-51190" t="-299083" r="-131548" b="-52294"/>
                           </a:stretch>
                         </a:blipFill>
                       </a:tcPr>
@@ -18119,7 +18703,7 @@
                           </a:r>
                           <a:r>
                             <a:rPr lang="en-US" sz="2000" baseline="0" dirty="0"/>
-                            <a:t> of work in half each iteration, but process both halves, the combine results in linear time</a:t>
+                            <a:t> of work in half each iteration, but process both halves, then combine results in linear time</a:t>
                           </a:r>
                           <a:endParaRPr lang="en-US" sz="2000" dirty="0"/>
                         </a:p>
@@ -18222,8 +18806,8 @@
           <a:chExt cx="0" cy="0"/>
         </a:xfrm>
       </p:grpSpPr>
-      <mc:AlternateContent xmlns:mc="http://schemas.openxmlformats.org/markup-compatibility/2006">
-        <mc:Choice xmlns:a14="http://schemas.microsoft.com/office/drawing/2010/main" Requires="a14">
+      <mc:AlternateContent xmlns:mc="http://schemas.openxmlformats.org/markup-compatibility/2006" xmlns:a14="http://schemas.microsoft.com/office/drawing/2010/main">
+        <mc:Choice Requires="a14">
           <p:graphicFrame>
             <p:nvGraphicFramePr>
               <p:cNvPr id="4" name="Content Placeholder 3"/>
@@ -19571,7 +20155,7 @@
             </a:graphic>
           </p:graphicFrame>
         </mc:Choice>
-        <mc:Fallback>
+        <mc:Fallback xmlns="">
           <p:graphicFrame>
             <p:nvGraphicFramePr>
               <p:cNvPr id="4" name="Content Placeholder 3"/>
@@ -22955,14 +23539,22 @@
           <a:lstStyle/>
           <a:p>
             <a:r>
+              <a:rPr lang="en-US" b="1" dirty="0"/>
+              <a:t>Space complexity </a:t>
+            </a:r>
+            <a:r>
               <a:rPr lang="en-US" dirty="0"/>
-              <a:t>Space complexity measures the amount of storage necessary to execute an algorithm as a function of input size</a:t>
-            </a:r>
-          </a:p>
-          <a:p>
+              <a:t>measures the amount of storage necessary to execute an algorithm as a function of input size</a:t>
+            </a:r>
+          </a:p>
+          <a:p>
+            <a:r>
+              <a:rPr lang="en-US" b="1" dirty="0"/>
+              <a:t>Time complexity </a:t>
+            </a:r>
             <a:r>
               <a:rPr lang="en-US" dirty="0"/>
-              <a:t>Time complexity measures the amount of time necessary to execute an algorithm as a function of input size</a:t>
+              <a:t>measures the amount of work ("time") necessary to execute an algorithm as a function of input size</a:t>
             </a:r>
           </a:p>
           <a:p>
@@ -23192,7 +23784,7 @@
               <a:p>
                 <a:r>
                   <a:rPr lang="en-US" dirty="0"/>
-                  <a:t>Charge 2 operations to a single element for each iteration </a:t>
+                  <a:t>Charge 2 operations to a single input element for each iteration </a:t>
                 </a:r>
                 <a:br>
                   <a:rPr lang="en-US" dirty="0"/>
@@ -23295,7 +23887,7 @@
               <a:blipFill>
                 <a:blip r:embed="rId2"/>
                 <a:stretch>
-                  <a:fillRect l="-965" t="-2632"/>
+                  <a:fillRect l="-1086" t="-2326" r="-603"/>
                 </a:stretch>
               </a:blipFill>
             </p:spPr>
@@ -23452,7 +24044,7 @@
           <a:prstGeom prst="straightConnector1">
             <a:avLst/>
           </a:prstGeom>
-          <a:ln>
+          <a:ln w="12700">
             <a:tailEnd type="triangle"/>
           </a:ln>
         </p:spPr>
@@ -23493,7 +24085,7 @@
           <a:prstGeom prst="straightConnector1">
             <a:avLst/>
           </a:prstGeom>
-          <a:ln>
+          <a:ln w="12700">
             <a:tailEnd type="triangle"/>
           </a:ln>
         </p:spPr>
@@ -23585,7 +24177,7 @@
         </p:nvSpPr>
         <p:spPr>
           <a:xfrm>
-            <a:off x="359228" y="6444343"/>
+            <a:off x="0" y="6550223"/>
             <a:ext cx="7053943" cy="307777"/>
           </a:xfrm>
           <a:prstGeom prst="rect">
@@ -23607,18 +24199,7 @@
                 <a:ea typeface="Arial" charset="0"/>
                 <a:cs typeface="Arial" charset="0"/>
               </a:rPr>
-              <a:t>From http://</a:t>
-            </a:r>
-            <a:r>
-              <a:rPr lang="en-US" sz="1400" dirty="0" err="1">
-                <a:solidFill>
-                  <a:srgbClr val="657B83"/>
-                </a:solidFill>
-                <a:latin typeface="Arial" charset="0"/>
-                <a:ea typeface="Arial" charset="0"/>
-                <a:cs typeface="Arial" charset="0"/>
-              </a:rPr>
-              <a:t>cooervo.github.io</a:t>
+              <a:t>From </a:t>
             </a:r>
             <a:r>
               <a:rPr lang="en-US" sz="1400" dirty="0">
@@ -23628,74 +24209,9 @@
                 <a:latin typeface="Arial" charset="0"/>
                 <a:ea typeface="Arial" charset="0"/>
                 <a:cs typeface="Arial" charset="0"/>
+                <a:hlinkClick r:id="rId3"/>
               </a:rPr>
-              <a:t>/Algorithms-</a:t>
-            </a:r>
-            <a:r>
-              <a:rPr lang="en-US" sz="1400" dirty="0" err="1">
-                <a:solidFill>
-                  <a:srgbClr val="657B83"/>
-                </a:solidFill>
-                <a:latin typeface="Arial" charset="0"/>
-                <a:ea typeface="Arial" charset="0"/>
-                <a:cs typeface="Arial" charset="0"/>
-              </a:rPr>
-              <a:t>DataStructures</a:t>
-            </a:r>
-            <a:r>
-              <a:rPr lang="en-US" sz="1400" dirty="0">
-                <a:solidFill>
-                  <a:srgbClr val="657B83"/>
-                </a:solidFill>
-                <a:latin typeface="Arial" charset="0"/>
-                <a:ea typeface="Arial" charset="0"/>
-                <a:cs typeface="Arial" charset="0"/>
-              </a:rPr>
-              <a:t>-</a:t>
-            </a:r>
-            <a:r>
-              <a:rPr lang="en-US" sz="1400" dirty="0" err="1">
-                <a:solidFill>
-                  <a:srgbClr val="657B83"/>
-                </a:solidFill>
-                <a:latin typeface="Arial" charset="0"/>
-                <a:ea typeface="Arial" charset="0"/>
-                <a:cs typeface="Arial" charset="0"/>
-              </a:rPr>
-              <a:t>BigONotation</a:t>
-            </a:r>
-            <a:r>
-              <a:rPr lang="en-US" sz="1400" dirty="0">
-                <a:solidFill>
-                  <a:srgbClr val="657B83"/>
-                </a:solidFill>
-                <a:latin typeface="Arial" charset="0"/>
-                <a:ea typeface="Arial" charset="0"/>
-                <a:cs typeface="Arial" charset="0"/>
-              </a:rPr>
-              <a:t>/</a:t>
-            </a:r>
-            <a:r>
-              <a:rPr lang="en-US" sz="1400" dirty="0" err="1">
-                <a:solidFill>
-                  <a:srgbClr val="657B83"/>
-                </a:solidFill>
-                <a:latin typeface="Arial" charset="0"/>
-                <a:ea typeface="Arial" charset="0"/>
-                <a:cs typeface="Arial" charset="0"/>
-              </a:rPr>
-              <a:t>index.html</a:t>
-            </a:r>
-            <a:r>
-              <a:rPr lang="en-US" sz="1400" dirty="0">
-                <a:solidFill>
-                  <a:srgbClr val="657B83"/>
-                </a:solidFill>
-                <a:latin typeface="Arial" charset="0"/>
-                <a:ea typeface="Arial" charset="0"/>
-                <a:cs typeface="Arial" charset="0"/>
-              </a:rPr>
-              <a:t>:</a:t>
+              <a:t>http://cooervo.github.io/Algorithms-DataStructures-BigONotation/index.html</a:t>
             </a:r>
             <a:endParaRPr lang="en-US" sz="1400" dirty="0">
               <a:latin typeface="Arial" charset="0"/>
@@ -23722,7 +24238,7 @@
           </p:nvPr>
         </p:nvPicPr>
         <p:blipFill>
-          <a:blip r:embed="rId3"/>
+          <a:blip r:embed="rId4"/>
           <a:stretch>
             <a:fillRect/>
           </a:stretch>
@@ -23734,6 +24250,38 @@
           </a:xfrm>
         </p:spPr>
       </p:pic>
+      <p:sp>
+        <p:nvSpPr>
+          <p:cNvPr id="7" name="TextBox 6">
+            <a:extLst>
+              <a:ext uri="{FF2B5EF4-FFF2-40B4-BE49-F238E27FC236}">
+                <a16:creationId xmlns:a16="http://schemas.microsoft.com/office/drawing/2014/main" id="{C2D4948E-D220-DC45-B033-D717191469C2}"/>
+              </a:ext>
+            </a:extLst>
+          </p:cNvPr>
+          <p:cNvSpPr txBox="1"/>
+          <p:nvPr/>
+        </p:nvSpPr>
+        <p:spPr>
+          <a:xfrm>
+            <a:off x="4750676" y="6334779"/>
+            <a:ext cx="184731" cy="369332"/>
+          </a:xfrm>
+          <a:prstGeom prst="rect">
+            <a:avLst/>
+          </a:prstGeom>
+          <a:noFill/>
+        </p:spPr>
+        <p:txBody>
+          <a:bodyPr wrap="none" rtlCol="0">
+            <a:spAutoFit/>
+          </a:bodyPr>
+          <a:lstStyle/>
+          <a:p>
+            <a:endParaRPr lang="en-US" dirty="0"/>
+          </a:p>
+        </p:txBody>
+      </p:sp>
     </p:spTree>
     <p:extLst>
       <p:ext uri="{BB962C8B-B14F-4D97-AF65-F5344CB8AC3E}">
@@ -23836,7 +24384,7 @@
         </p:nvSpPr>
         <p:spPr>
           <a:xfrm>
-            <a:off x="217715" y="6418497"/>
+            <a:off x="-26434" y="6579516"/>
             <a:ext cx="6096000" cy="276999"/>
           </a:xfrm>
           <a:prstGeom prst="rect">
@@ -23858,18 +24406,7 @@
                 <a:ea typeface="Arial" charset="0"/>
                 <a:cs typeface="Arial" charset="0"/>
               </a:rPr>
-              <a:t>From https://</a:t>
-            </a:r>
-            <a:r>
-              <a:rPr lang="en-US" sz="1200" dirty="0" err="1">
-                <a:solidFill>
-                  <a:srgbClr val="657B83"/>
-                </a:solidFill>
-                <a:latin typeface="Arial" charset="0"/>
-                <a:ea typeface="Arial" charset="0"/>
-                <a:cs typeface="Arial" charset="0"/>
-              </a:rPr>
-              <a:t>medium.freecodecamp.org</a:t>
+              <a:t>Plot from </a:t>
             </a:r>
             <a:r>
               <a:rPr lang="en-US" sz="1200" dirty="0">
@@ -23879,8 +24416,9 @@
                 <a:latin typeface="Arial" charset="0"/>
                 <a:ea typeface="Arial" charset="0"/>
                 <a:cs typeface="Arial" charset="0"/>
+                <a:hlinkClick r:id="rId3"/>
               </a:rPr>
-              <a:t>/my-first-foray-into-technology-c5b6e83fe8f1</a:t>
+              <a:t>https://medium.freecodecamp.org/my-first-foray-into-technology-c5b6e83fe8f1</a:t>
             </a:r>
             <a:endParaRPr lang="en-US" sz="1200" dirty="0">
               <a:latin typeface="Arial" charset="0"/>
@@ -24001,7 +24539,7 @@
           <p:nvPr/>
         </p:nvPicPr>
         <p:blipFill>
-          <a:blip r:embed="rId3"/>
+          <a:blip r:embed="rId4"/>
           <a:stretch>
             <a:fillRect/>
           </a:stretch>
@@ -24031,7 +24569,7 @@
           <p:nvPr/>
         </p:nvPicPr>
         <p:blipFill>
-          <a:blip r:embed="rId4"/>
+          <a:blip r:embed="rId5"/>
           <a:stretch>
             <a:fillRect/>
           </a:stretch>

--- a/notes/complexity.pptx
+++ b/notes/complexity.pptx
@@ -15078,14 +15078,14 @@
                 <p:ph idx="1"/>
                 <p:extLst>
                   <p:ext uri="{D42A27DB-BD31-4B8C-83A1-F6EECF244321}">
-                    <p14:modId xmlns:p14="http://schemas.microsoft.com/office/powerpoint/2010/main" val="2403264393"/>
+                    <p14:modId xmlns:p14="http://schemas.microsoft.com/office/powerpoint/2010/main" val="4036591428"/>
                   </p:ext>
                 </p:extLst>
               </p:nvPr>
             </p:nvGraphicFramePr>
             <p:xfrm>
               <a:off x="132856" y="947718"/>
-              <a:ext cx="12027613" cy="5487219"/>
+              <a:ext cx="12027613" cy="5488172"/>
             </p:xfrm>
             <a:graphic>
               <a:graphicData uri="http://schemas.openxmlformats.org/drawingml/2006/table">
@@ -15826,10 +15826,16 @@
                           </a:pPr>
                           <a:r>
                             <a:rPr lang="en-US" sz="2000" baseline="0" dirty="0"/>
-                            <a:t>        = n(n-1)/2 = </a:t>
+                            <a:t>        = n(n+1)/2 = </a:t>
                           </a:r>
                           <a14:m>
                             <m:oMath xmlns:m="http://schemas.openxmlformats.org/officeDocument/2006/math">
+                              <m:r>
+                                <a:rPr lang="en-US" sz="2000" b="0" i="0" smtClean="0">
+                                  <a:latin typeface="Cambria Math" panose="02040503050406030204" pitchFamily="18" charset="0"/>
+                                </a:rPr>
+                                <m:t>(</m:t>
+                              </m:r>
                               <m:sSup>
                                 <m:sSupPr>
                                   <m:ctrlPr>
@@ -15855,11 +15861,100 @@
                                   </m:r>
                                 </m:sup>
                               </m:sSup>
+                              <m:r>
+                                <a:rPr lang="en-US" sz="2000" b="0" i="1" smtClean="0">
+                                  <a:latin typeface="Cambria Math" panose="02040503050406030204" pitchFamily="18" charset="0"/>
+                                </a:rPr>
+                                <m:t>+</m:t>
+                              </m:r>
+                              <m:r>
+                                <a:rPr lang="en-US" sz="2000" b="0" i="1" smtClean="0">
+                                  <a:latin typeface="Cambria Math" panose="02040503050406030204" pitchFamily="18" charset="0"/>
+                                </a:rPr>
+                                <m:t>𝑛</m:t>
+                              </m:r>
+                              <m:r>
+                                <a:rPr lang="en-US" sz="2000" b="0" i="1" smtClean="0">
+                                  <a:latin typeface="Cambria Math" panose="02040503050406030204" pitchFamily="18" charset="0"/>
+                                </a:rPr>
+                                <m:t>)/2</m:t>
+                              </m:r>
+                            </m:oMath>
+                          </a14:m>
+                          <a:endParaRPr lang="en-US" sz="2000" dirty="0"/>
+                        </a:p>
+                        <a:p>
+                          <a:pPr marL="0" marR="0" indent="0" algn="l" defTabSz="914400" rtl="0" eaLnBrk="1" fontAlgn="auto" latinLnBrk="0" hangingPunct="1">
+                            <a:lnSpc>
+                              <a:spcPct val="100000"/>
+                            </a:lnSpc>
+                            <a:spcBef>
+                              <a:spcPts val="0"/>
+                            </a:spcBef>
+                            <a:spcAft>
+                              <a:spcPts val="0"/>
+                            </a:spcAft>
+                            <a:buClrTx/>
+                            <a:buSzTx/>
+                            <a:buFontTx/>
+                            <a:buNone/>
+                            <a:tabLst/>
+                            <a:defRPr/>
+                          </a:pPr>
+                          <a:r>
+                            <a:rPr lang="en-US" sz="2000" baseline="0" dirty="0"/>
+                            <a:t>since </a:t>
+                          </a:r>
+                          <a14:m>
+                            <m:oMath xmlns:m="http://schemas.openxmlformats.org/officeDocument/2006/math">
+                              <m:nary>
+                                <m:naryPr>
+                                  <m:chr m:val="∑"/>
+                                  <m:ctrlPr>
+                                    <a:rPr lang="en-US" sz="2000" i="1" baseline="0" smtClean="0">
+                                      <a:latin typeface="Cambria Math" panose="02040503050406030204" pitchFamily="18" charset="0"/>
+                                    </a:rPr>
+                                  </m:ctrlPr>
+                                </m:naryPr>
+                                <m:sub>
+                                  <m:r>
+                                    <m:rPr>
+                                      <m:brk m:alnAt="23"/>
+                                    </m:rPr>
+                                    <a:rPr lang="en-US" sz="2000" b="0" i="1" baseline="0" smtClean="0">
+                                      <a:latin typeface="Cambria Math" panose="02040503050406030204" pitchFamily="18" charset="0"/>
+                                    </a:rPr>
+                                    <m:t>𝑖</m:t>
+                                  </m:r>
+                                  <m:r>
+                                    <a:rPr lang="en-US" sz="2000" b="0" i="1" baseline="0" smtClean="0">
+                                      <a:latin typeface="Cambria Math" panose="02040503050406030204" pitchFamily="18" charset="0"/>
+                                    </a:rPr>
+                                    <m:t>=1</m:t>
+                                  </m:r>
+                                </m:sub>
+                                <m:sup>
+                                  <m:r>
+                                    <a:rPr lang="en-US" sz="2000" b="0" i="1" baseline="0" smtClean="0">
+                                      <a:latin typeface="Cambria Math" panose="02040503050406030204" pitchFamily="18" charset="0"/>
+                                    </a:rPr>
+                                    <m:t>𝑛</m:t>
+                                  </m:r>
+                                </m:sup>
+                                <m:e>
+                                  <m:r>
+                                    <a:rPr lang="en-US" sz="2000" b="0" i="1" baseline="0" smtClean="0">
+                                      <a:latin typeface="Cambria Math" panose="02040503050406030204" pitchFamily="18" charset="0"/>
+                                    </a:rPr>
+                                    <m:t>𝑖</m:t>
+                                  </m:r>
+                                </m:e>
+                              </m:nary>
                             </m:oMath>
                           </a14:m>
                           <a:r>
                             <a:rPr lang="en-US" sz="2000" dirty="0"/>
-                            <a:t>/2</a:t>
+                            <a:t> = n(n+1) / 2</a:t>
                           </a:r>
                         </a:p>
                       </a:txBody>
@@ -17049,14 +17144,14 @@
                 <p:ph idx="1"/>
                 <p:extLst>
                   <p:ext uri="{D42A27DB-BD31-4B8C-83A1-F6EECF244321}">
-                    <p14:modId xmlns:p14="http://schemas.microsoft.com/office/powerpoint/2010/main" val="2403264393"/>
+                    <p14:modId xmlns:p14="http://schemas.microsoft.com/office/powerpoint/2010/main" val="4036591428"/>
                   </p:ext>
                 </p:extLst>
               </p:nvPr>
             </p:nvGraphicFramePr>
             <p:xfrm>
               <a:off x="132856" y="947718"/>
-              <a:ext cx="12027613" cy="5487219"/>
+              <a:ext cx="12027613" cy="5488172"/>
             </p:xfrm>
             <a:graphic>
               <a:graphicData uri="http://schemas.openxmlformats.org/drawingml/2006/table">
@@ -17626,7 +17721,7 @@
                       </a:ext>
                     </a:extLst>
                   </a:tr>
-                  <a:tr h="1310640">
+                  <a:tr h="1311593">
                     <a:tc>
                       <a:txBody>
                         <a:bodyPr/>
@@ -18806,8 +18901,8 @@
           <a:chExt cx="0" cy="0"/>
         </a:xfrm>
       </p:grpSpPr>
-      <mc:AlternateContent xmlns:mc="http://schemas.openxmlformats.org/markup-compatibility/2006" xmlns:a14="http://schemas.microsoft.com/office/drawing/2010/main">
-        <mc:Choice Requires="a14">
+      <mc:AlternateContent xmlns:mc="http://schemas.openxmlformats.org/markup-compatibility/2006">
+        <mc:Choice xmlns:a14="http://schemas.microsoft.com/office/drawing/2010/main" Requires="a14">
           <p:graphicFrame>
             <p:nvGraphicFramePr>
               <p:cNvPr id="4" name="Content Placeholder 3"/>
@@ -18818,14 +18913,14 @@
                 <p:ph idx="1"/>
                 <p:extLst>
                   <p:ext uri="{D42A27DB-BD31-4B8C-83A1-F6EECF244321}">
-                    <p14:modId xmlns:p14="http://schemas.microsoft.com/office/powerpoint/2010/main" val="3894758304"/>
+                    <p14:modId xmlns:p14="http://schemas.microsoft.com/office/powerpoint/2010/main" val="448427811"/>
                   </p:ext>
                 </p:extLst>
               </p:nvPr>
             </p:nvGraphicFramePr>
             <p:xfrm>
-              <a:off x="328772" y="214614"/>
-              <a:ext cx="11527605" cy="5577840"/>
+              <a:off x="283780" y="214615"/>
+              <a:ext cx="11572598" cy="6133634"/>
             </p:xfrm>
             <a:graphic>
               <a:graphicData uri="http://schemas.openxmlformats.org/drawingml/2006/table">
@@ -18834,21 +18929,21 @@
                     <a:tableStyleId>{073A0DAA-6AF3-43AB-8588-CEC1D06C72B9}</a:tableStyleId>
                   </a:tblPr>
                   <a:tblGrid>
-                    <a:gridCol w="1889885">
+                    <a:gridCol w="1897261">
                       <a:extLst>
                         <a:ext uri="{9D8B030D-6E8A-4147-A177-3AD203B41FA5}">
                           <a16:colId xmlns:a16="http://schemas.microsoft.com/office/drawing/2014/main" val="20000"/>
                         </a:ext>
                       </a:extLst>
                     </a:gridCol>
-                    <a:gridCol w="5030326">
+                    <a:gridCol w="5049960">
                       <a:extLst>
                         <a:ext uri="{9D8B030D-6E8A-4147-A177-3AD203B41FA5}">
                           <a16:colId xmlns:a16="http://schemas.microsoft.com/office/drawing/2014/main" val="20001"/>
                         </a:ext>
                       </a:extLst>
                     </a:gridCol>
-                    <a:gridCol w="4607394">
+                    <a:gridCol w="4625377">
                       <a:extLst>
                         <a:ext uri="{9D8B030D-6E8A-4147-A177-3AD203B41FA5}">
                           <a16:colId xmlns:a16="http://schemas.microsoft.com/office/drawing/2014/main" val="20002"/>
@@ -18856,7 +18951,7 @@
                       </a:extLst>
                     </a:gridCol>
                   </a:tblGrid>
-                  <a:tr h="388931">
+                  <a:tr h="455931">
                     <a:tc>
                       <a:txBody>
                         <a:bodyPr/>
@@ -19052,7 +19147,7 @@
                       </a:ext>
                     </a:extLst>
                   </a:tr>
-                  <a:tr h="370840">
+                  <a:tr h="814164">
                     <a:tc>
                       <a:txBody>
                         <a:bodyPr/>
@@ -19248,7 +19343,7 @@
                       </a:ext>
                     </a:extLst>
                   </a:tr>
-                  <a:tr h="370840">
+                  <a:tr h="1172395">
                     <a:tc>
                       <a:txBody>
                         <a:bodyPr/>
@@ -19462,7 +19557,419 @@
                       </a:ext>
                     </a:extLst>
                   </a:tr>
-                  <a:tr h="941438">
+                  <a:tr h="814164">
+                    <a:tc>
+                      <a:txBody>
+                        <a:bodyPr/>
+                        <a:lstStyle/>
+                        <a:p>
+                          <a:r>
+                            <a:rPr lang="en-US" sz="2200" i="1" dirty="0"/>
+                            <a:t>O(log n)</a:t>
+                          </a:r>
+                        </a:p>
+                      </a:txBody>
+                      <a:tcPr>
+                        <a:lnL w="12700" cap="flat" cmpd="sng" algn="ctr">
+                          <a:solidFill>
+                            <a:schemeClr val="tx1"/>
+                          </a:solidFill>
+                          <a:prstDash val="solid"/>
+                          <a:round/>
+                          <a:headEnd type="none" w="med" len="med"/>
+                          <a:tailEnd type="none" w="med" len="med"/>
+                        </a:lnL>
+                        <a:lnR w="12700" cap="flat" cmpd="sng" algn="ctr">
+                          <a:solidFill>
+                            <a:schemeClr val="tx1"/>
+                          </a:solidFill>
+                          <a:prstDash val="solid"/>
+                          <a:round/>
+                          <a:headEnd type="none" w="med" len="med"/>
+                          <a:tailEnd type="none" w="med" len="med"/>
+                        </a:lnR>
+                        <a:lnT w="12700" cap="flat" cmpd="sng" algn="ctr">
+                          <a:solidFill>
+                            <a:schemeClr val="tx1"/>
+                          </a:solidFill>
+                          <a:prstDash val="solid"/>
+                          <a:round/>
+                          <a:headEnd type="none" w="med" len="med"/>
+                          <a:tailEnd type="none" w="med" len="med"/>
+                        </a:lnT>
+                        <a:lnB w="12700" cap="flat" cmpd="sng" algn="ctr">
+                          <a:solidFill>
+                            <a:schemeClr val="tx1"/>
+                          </a:solidFill>
+                          <a:prstDash val="solid"/>
+                          <a:round/>
+                          <a:headEnd type="none" w="med" len="med"/>
+                          <a:tailEnd type="none" w="med" len="med"/>
+                        </a:lnB>
+                        <a:lnTlToBr w="12700" cmpd="sng">
+                          <a:noFill/>
+                          <a:prstDash val="solid"/>
+                        </a:lnTlToBr>
+                        <a:lnBlToTr w="12700" cmpd="sng">
+                          <a:noFill/>
+                          <a:prstDash val="solid"/>
+                        </a:lnBlToTr>
+                        <a:noFill/>
+                      </a:tcPr>
+                    </a:tc>
+                    <a:tc>
+                      <a:txBody>
+                        <a:bodyPr/>
+                        <a:lstStyle/>
+                        <a:p>
+                          <a:r>
+                            <a:rPr lang="en-US" sz="2200" dirty="0"/>
+                            <a:t>Cut amount</a:t>
+                          </a:r>
+                          <a:r>
+                            <a:rPr lang="en-US" sz="2200" baseline="0" dirty="0"/>
+                            <a:t> of work in half each iteration, doing 1 operation</a:t>
+                          </a:r>
+                          <a:endParaRPr lang="en-US" sz="2200" dirty="0"/>
+                        </a:p>
+                      </a:txBody>
+                      <a:tcPr>
+                        <a:lnL w="12700" cap="flat" cmpd="sng" algn="ctr">
+                          <a:solidFill>
+                            <a:schemeClr val="tx1"/>
+                          </a:solidFill>
+                          <a:prstDash val="solid"/>
+                          <a:round/>
+                          <a:headEnd type="none" w="med" len="med"/>
+                          <a:tailEnd type="none" w="med" len="med"/>
+                        </a:lnL>
+                        <a:lnR w="12700" cap="flat" cmpd="sng" algn="ctr">
+                          <a:solidFill>
+                            <a:schemeClr val="tx1"/>
+                          </a:solidFill>
+                          <a:prstDash val="solid"/>
+                          <a:round/>
+                          <a:headEnd type="none" w="med" len="med"/>
+                          <a:tailEnd type="none" w="med" len="med"/>
+                        </a:lnR>
+                        <a:lnT w="12700" cap="flat" cmpd="sng" algn="ctr">
+                          <a:solidFill>
+                            <a:schemeClr val="tx1"/>
+                          </a:solidFill>
+                          <a:prstDash val="solid"/>
+                          <a:round/>
+                          <a:headEnd type="none" w="med" len="med"/>
+                          <a:tailEnd type="none" w="med" len="med"/>
+                        </a:lnT>
+                        <a:lnB w="12700" cap="flat" cmpd="sng" algn="ctr">
+                          <a:solidFill>
+                            <a:schemeClr val="tx1"/>
+                          </a:solidFill>
+                          <a:prstDash val="solid"/>
+                          <a:round/>
+                          <a:headEnd type="none" w="med" len="med"/>
+                          <a:tailEnd type="none" w="med" len="med"/>
+                        </a:lnB>
+                        <a:lnTlToBr w="12700" cmpd="sng">
+                          <a:noFill/>
+                          <a:prstDash val="solid"/>
+                        </a:lnTlToBr>
+                        <a:lnBlToTr w="12700" cmpd="sng">
+                          <a:noFill/>
+                          <a:prstDash val="solid"/>
+                        </a:lnBlToTr>
+                        <a:noFill/>
+                      </a:tcPr>
+                    </a:tc>
+                    <a:tc>
+                      <a:txBody>
+                        <a:bodyPr/>
+                        <a:lstStyle/>
+                        <a:p>
+                          <a:r>
+                            <a:rPr lang="en-US" sz="2200" dirty="0"/>
+                            <a:t>Binary</a:t>
+                          </a:r>
+                          <a:r>
+                            <a:rPr lang="en-US" sz="2200" baseline="0" dirty="0"/>
+                            <a:t> search, search in binary search tree (BST), add to BST</a:t>
+                          </a:r>
+                          <a:endParaRPr lang="en-US" sz="2200" dirty="0"/>
+                        </a:p>
+                      </a:txBody>
+                      <a:tcPr>
+                        <a:lnL w="12700" cap="flat" cmpd="sng" algn="ctr">
+                          <a:solidFill>
+                            <a:schemeClr val="tx1"/>
+                          </a:solidFill>
+                          <a:prstDash val="solid"/>
+                          <a:round/>
+                          <a:headEnd type="none" w="med" len="med"/>
+                          <a:tailEnd type="none" w="med" len="med"/>
+                        </a:lnL>
+                        <a:lnR w="12700" cap="flat" cmpd="sng" algn="ctr">
+                          <a:solidFill>
+                            <a:schemeClr val="tx1"/>
+                          </a:solidFill>
+                          <a:prstDash val="solid"/>
+                          <a:round/>
+                          <a:headEnd type="none" w="med" len="med"/>
+                          <a:tailEnd type="none" w="med" len="med"/>
+                        </a:lnR>
+                        <a:lnT w="12700" cap="flat" cmpd="sng" algn="ctr">
+                          <a:solidFill>
+                            <a:schemeClr val="tx1"/>
+                          </a:solidFill>
+                          <a:prstDash val="solid"/>
+                          <a:round/>
+                          <a:headEnd type="none" w="med" len="med"/>
+                          <a:tailEnd type="none" w="med" len="med"/>
+                        </a:lnT>
+                        <a:lnB w="12700" cap="flat" cmpd="sng" algn="ctr">
+                          <a:solidFill>
+                            <a:schemeClr val="tx1"/>
+                          </a:solidFill>
+                          <a:prstDash val="solid"/>
+                          <a:round/>
+                          <a:headEnd type="none" w="med" len="med"/>
+                          <a:tailEnd type="none" w="med" len="med"/>
+                        </a:lnB>
+                        <a:lnTlToBr w="12700" cmpd="sng">
+                          <a:noFill/>
+                          <a:prstDash val="solid"/>
+                        </a:lnTlToBr>
+                        <a:lnBlToTr w="12700" cmpd="sng">
+                          <a:noFill/>
+                          <a:prstDash val="solid"/>
+                        </a:lnBlToTr>
+                        <a:noFill/>
+                      </a:tcPr>
+                    </a:tc>
+                    <a:extLst>
+                      <a:ext uri="{0D108BD9-81ED-4DB2-BD59-A6C34878D82A}">
+                        <a16:rowId xmlns:a16="http://schemas.microsoft.com/office/drawing/2014/main" val="10004"/>
+                      </a:ext>
+                    </a:extLst>
+                  </a:tr>
+                  <a:tr h="1530627">
+                    <a:tc>
+                      <a:txBody>
+                        <a:bodyPr/>
+                        <a:lstStyle/>
+                        <a:p>
+                          <a:r>
+                            <a:rPr lang="en-US" sz="2200" i="1" dirty="0"/>
+                            <a:t>O(n log n)</a:t>
+                          </a:r>
+                        </a:p>
+                      </a:txBody>
+                      <a:tcPr>
+                        <a:lnL w="12700" cap="flat" cmpd="sng" algn="ctr">
+                          <a:solidFill>
+                            <a:schemeClr val="tx1"/>
+                          </a:solidFill>
+                          <a:prstDash val="solid"/>
+                          <a:round/>
+                          <a:headEnd type="none" w="med" len="med"/>
+                          <a:tailEnd type="none" w="med" len="med"/>
+                        </a:lnL>
+                        <a:lnR w="12700" cap="flat" cmpd="sng" algn="ctr">
+                          <a:solidFill>
+                            <a:schemeClr val="tx1"/>
+                          </a:solidFill>
+                          <a:prstDash val="solid"/>
+                          <a:round/>
+                          <a:headEnd type="none" w="med" len="med"/>
+                          <a:tailEnd type="none" w="med" len="med"/>
+                        </a:lnR>
+                        <a:lnT w="12700" cap="flat" cmpd="sng" algn="ctr">
+                          <a:solidFill>
+                            <a:schemeClr val="tx1"/>
+                          </a:solidFill>
+                          <a:prstDash val="solid"/>
+                          <a:round/>
+                          <a:headEnd type="none" w="med" len="med"/>
+                          <a:tailEnd type="none" w="med" len="med"/>
+                        </a:lnT>
+                        <a:lnB w="12700" cap="flat" cmpd="sng" algn="ctr">
+                          <a:solidFill>
+                            <a:schemeClr val="tx1"/>
+                          </a:solidFill>
+                          <a:prstDash val="solid"/>
+                          <a:round/>
+                          <a:headEnd type="none" w="med" len="med"/>
+                          <a:tailEnd type="none" w="med" len="med"/>
+                        </a:lnB>
+                        <a:lnTlToBr w="12700" cmpd="sng">
+                          <a:noFill/>
+                          <a:prstDash val="solid"/>
+                        </a:lnTlToBr>
+                        <a:lnBlToTr w="12700" cmpd="sng">
+                          <a:noFill/>
+                          <a:prstDash val="solid"/>
+                        </a:lnBlToTr>
+                        <a:noFill/>
+                      </a:tcPr>
+                    </a:tc>
+                    <a:tc>
+                      <a:txBody>
+                        <a:bodyPr/>
+                        <a:lstStyle/>
+                        <a:p>
+                          <a:r>
+                            <a:rPr lang="en-US" sz="2200" dirty="0"/>
+                            <a:t>Divide and conquer</a:t>
+                          </a:r>
+                          <a:r>
+                            <a:rPr lang="en-US" sz="2200" baseline="0" dirty="0"/>
+                            <a:t> </a:t>
+                          </a:r>
+                          <a:r>
+                            <a:rPr lang="en-US" sz="2200" baseline="0" dirty="0" err="1"/>
+                            <a:t>algs</a:t>
+                          </a:r>
+                          <a:r>
+                            <a:rPr lang="en-US" sz="2200" baseline="0" dirty="0"/>
+                            <a:t>. </a:t>
+                          </a:r>
+                          <a:r>
+                            <a:rPr lang="en-US" sz="2200" dirty="0"/>
+                            <a:t>Cut amount</a:t>
+                          </a:r>
+                          <a:r>
+                            <a:rPr lang="en-US" sz="2200" baseline="0" dirty="0"/>
+                            <a:t> of work in half each iteration, but process both halves, then combine results in linear time</a:t>
+                          </a:r>
+                          <a:endParaRPr lang="en-US" sz="2200" dirty="0"/>
+                        </a:p>
+                      </a:txBody>
+                      <a:tcPr>
+                        <a:lnL w="12700" cap="flat" cmpd="sng" algn="ctr">
+                          <a:solidFill>
+                            <a:schemeClr val="tx1"/>
+                          </a:solidFill>
+                          <a:prstDash val="solid"/>
+                          <a:round/>
+                          <a:headEnd type="none" w="med" len="med"/>
+                          <a:tailEnd type="none" w="med" len="med"/>
+                        </a:lnL>
+                        <a:lnR w="12700" cap="flat" cmpd="sng" algn="ctr">
+                          <a:solidFill>
+                            <a:schemeClr val="tx1"/>
+                          </a:solidFill>
+                          <a:prstDash val="solid"/>
+                          <a:round/>
+                          <a:headEnd type="none" w="med" len="med"/>
+                          <a:tailEnd type="none" w="med" len="med"/>
+                        </a:lnR>
+                        <a:lnT w="12700" cap="flat" cmpd="sng" algn="ctr">
+                          <a:solidFill>
+                            <a:schemeClr val="tx1"/>
+                          </a:solidFill>
+                          <a:prstDash val="solid"/>
+                          <a:round/>
+                          <a:headEnd type="none" w="med" len="med"/>
+                          <a:tailEnd type="none" w="med" len="med"/>
+                        </a:lnT>
+                        <a:lnB w="12700" cap="flat" cmpd="sng" algn="ctr">
+                          <a:solidFill>
+                            <a:schemeClr val="tx1"/>
+                          </a:solidFill>
+                          <a:prstDash val="solid"/>
+                          <a:round/>
+                          <a:headEnd type="none" w="med" len="med"/>
+                          <a:tailEnd type="none" w="med" len="med"/>
+                        </a:lnB>
+                        <a:lnTlToBr w="12700" cmpd="sng">
+                          <a:noFill/>
+                          <a:prstDash val="solid"/>
+                        </a:lnTlToBr>
+                        <a:lnBlToTr w="12700" cmpd="sng">
+                          <a:noFill/>
+                          <a:prstDash val="solid"/>
+                        </a:lnBlToTr>
+                        <a:noFill/>
+                      </a:tcPr>
+                    </a:tc>
+                    <a:tc>
+                      <a:txBody>
+                        <a:bodyPr/>
+                        <a:lstStyle/>
+                        <a:p>
+                          <a:r>
+                            <a:rPr lang="en-US" sz="2200" dirty="0"/>
+                            <a:t>Average quicksort,</a:t>
+                          </a:r>
+                          <a:r>
+                            <a:rPr lang="en-US" sz="2200" baseline="0" dirty="0"/>
+                            <a:t> m</a:t>
+                          </a:r>
+                          <a:r>
+                            <a:rPr lang="en-US" sz="2200" dirty="0"/>
+                            <a:t>erge sort,</a:t>
+                          </a:r>
+                          <a:r>
+                            <a:rPr lang="en-US" sz="2200" baseline="0" dirty="0"/>
+                            <a:t> median by sorting/picking middle item</a:t>
+                          </a:r>
+                          <a:endParaRPr lang="en-US" sz="2200" dirty="0"/>
+                        </a:p>
+                      </a:txBody>
+                      <a:tcPr>
+                        <a:lnL w="12700" cap="flat" cmpd="sng" algn="ctr">
+                          <a:solidFill>
+                            <a:schemeClr val="tx1"/>
+                          </a:solidFill>
+                          <a:prstDash val="solid"/>
+                          <a:round/>
+                          <a:headEnd type="none" w="med" len="med"/>
+                          <a:tailEnd type="none" w="med" len="med"/>
+                        </a:lnL>
+                        <a:lnR w="12700" cap="flat" cmpd="sng" algn="ctr">
+                          <a:solidFill>
+                            <a:schemeClr val="tx1"/>
+                          </a:solidFill>
+                          <a:prstDash val="solid"/>
+                          <a:round/>
+                          <a:headEnd type="none" w="med" len="med"/>
+                          <a:tailEnd type="none" w="med" len="med"/>
+                        </a:lnR>
+                        <a:lnT w="12700" cap="flat" cmpd="sng" algn="ctr">
+                          <a:solidFill>
+                            <a:schemeClr val="tx1"/>
+                          </a:solidFill>
+                          <a:prstDash val="solid"/>
+                          <a:round/>
+                          <a:headEnd type="none" w="med" len="med"/>
+                          <a:tailEnd type="none" w="med" len="med"/>
+                        </a:lnT>
+                        <a:lnB w="12700" cap="flat" cmpd="sng" algn="ctr">
+                          <a:solidFill>
+                            <a:schemeClr val="tx1"/>
+                          </a:solidFill>
+                          <a:prstDash val="solid"/>
+                          <a:round/>
+                          <a:headEnd type="none" w="med" len="med"/>
+                          <a:tailEnd type="none" w="med" len="med"/>
+                        </a:lnB>
+                        <a:lnTlToBr w="12700" cmpd="sng">
+                          <a:noFill/>
+                          <a:prstDash val="solid"/>
+                        </a:lnTlToBr>
+                        <a:lnBlToTr w="12700" cmpd="sng">
+                          <a:noFill/>
+                          <a:prstDash val="solid"/>
+                        </a:lnBlToTr>
+                        <a:noFill/>
+                      </a:tcPr>
+                    </a:tc>
+                    <a:extLst>
+                      <a:ext uri="{0D108BD9-81ED-4DB2-BD59-A6C34878D82A}">
+                        <a16:rowId xmlns:a16="http://schemas.microsoft.com/office/drawing/2014/main" val="10005"/>
+                      </a:ext>
+                    </a:extLst>
+                  </a:tr>
+                  <a:tr h="1346353">
                     <a:tc>
                       <a:txBody>
                         <a:bodyPr/>
@@ -19662,8 +20169,16 @@
                             <a:t> of </a:t>
                           </a:r>
                           <a:r>
-                            <a:rPr lang="en-US" sz="2200" dirty="0" err="1"/>
-                            <a:t>nxn</a:t>
+                            <a:rPr lang="en-US" sz="2200" i="1" dirty="0"/>
+                            <a:t>n </a:t>
+                          </a:r>
+                          <a:r>
+                            <a:rPr lang="en-US" sz="2200" i="0" dirty="0"/>
+                            <a:t>x </a:t>
+                          </a:r>
+                          <a:r>
+                            <a:rPr lang="en-US" sz="2200" i="1" dirty="0"/>
+                            <a:t>n</a:t>
                           </a:r>
                           <a:r>
                             <a:rPr lang="en-US" sz="2200" dirty="0"/>
@@ -19734,419 +20249,7 @@
                     </a:tc>
                     <a:extLst>
                       <a:ext uri="{0D108BD9-81ED-4DB2-BD59-A6C34878D82A}">
-                        <a16:rowId xmlns:a16="http://schemas.microsoft.com/office/drawing/2014/main" val="10003"/>
-                      </a:ext>
-                    </a:extLst>
-                  </a:tr>
-                  <a:tr h="370840">
-                    <a:tc>
-                      <a:txBody>
-                        <a:bodyPr/>
-                        <a:lstStyle/>
-                        <a:p>
-                          <a:r>
-                            <a:rPr lang="en-US" sz="2200" i="1" dirty="0"/>
-                            <a:t>O(log n)</a:t>
-                          </a:r>
-                        </a:p>
-                      </a:txBody>
-                      <a:tcPr>
-                        <a:lnL w="12700" cap="flat" cmpd="sng" algn="ctr">
-                          <a:solidFill>
-                            <a:schemeClr val="tx1"/>
-                          </a:solidFill>
-                          <a:prstDash val="solid"/>
-                          <a:round/>
-                          <a:headEnd type="none" w="med" len="med"/>
-                          <a:tailEnd type="none" w="med" len="med"/>
-                        </a:lnL>
-                        <a:lnR w="12700" cap="flat" cmpd="sng" algn="ctr">
-                          <a:solidFill>
-                            <a:schemeClr val="tx1"/>
-                          </a:solidFill>
-                          <a:prstDash val="solid"/>
-                          <a:round/>
-                          <a:headEnd type="none" w="med" len="med"/>
-                          <a:tailEnd type="none" w="med" len="med"/>
-                        </a:lnR>
-                        <a:lnT w="12700" cap="flat" cmpd="sng" algn="ctr">
-                          <a:solidFill>
-                            <a:schemeClr val="tx1"/>
-                          </a:solidFill>
-                          <a:prstDash val="solid"/>
-                          <a:round/>
-                          <a:headEnd type="none" w="med" len="med"/>
-                          <a:tailEnd type="none" w="med" len="med"/>
-                        </a:lnT>
-                        <a:lnB w="12700" cap="flat" cmpd="sng" algn="ctr">
-                          <a:solidFill>
-                            <a:schemeClr val="tx1"/>
-                          </a:solidFill>
-                          <a:prstDash val="solid"/>
-                          <a:round/>
-                          <a:headEnd type="none" w="med" len="med"/>
-                          <a:tailEnd type="none" w="med" len="med"/>
-                        </a:lnB>
-                        <a:lnTlToBr w="12700" cmpd="sng">
-                          <a:noFill/>
-                          <a:prstDash val="solid"/>
-                        </a:lnTlToBr>
-                        <a:lnBlToTr w="12700" cmpd="sng">
-                          <a:noFill/>
-                          <a:prstDash val="solid"/>
-                        </a:lnBlToTr>
-                        <a:noFill/>
-                      </a:tcPr>
-                    </a:tc>
-                    <a:tc>
-                      <a:txBody>
-                        <a:bodyPr/>
-                        <a:lstStyle/>
-                        <a:p>
-                          <a:r>
-                            <a:rPr lang="en-US" sz="2200" dirty="0"/>
-                            <a:t>Cut amount</a:t>
-                          </a:r>
-                          <a:r>
-                            <a:rPr lang="en-US" sz="2200" baseline="0" dirty="0"/>
-                            <a:t> of work in half each iteration, doing 1 operation</a:t>
-                          </a:r>
-                          <a:endParaRPr lang="en-US" sz="2200" dirty="0"/>
-                        </a:p>
-                      </a:txBody>
-                      <a:tcPr>
-                        <a:lnL w="12700" cap="flat" cmpd="sng" algn="ctr">
-                          <a:solidFill>
-                            <a:schemeClr val="tx1"/>
-                          </a:solidFill>
-                          <a:prstDash val="solid"/>
-                          <a:round/>
-                          <a:headEnd type="none" w="med" len="med"/>
-                          <a:tailEnd type="none" w="med" len="med"/>
-                        </a:lnL>
-                        <a:lnR w="12700" cap="flat" cmpd="sng" algn="ctr">
-                          <a:solidFill>
-                            <a:schemeClr val="tx1"/>
-                          </a:solidFill>
-                          <a:prstDash val="solid"/>
-                          <a:round/>
-                          <a:headEnd type="none" w="med" len="med"/>
-                          <a:tailEnd type="none" w="med" len="med"/>
-                        </a:lnR>
-                        <a:lnT w="12700" cap="flat" cmpd="sng" algn="ctr">
-                          <a:solidFill>
-                            <a:schemeClr val="tx1"/>
-                          </a:solidFill>
-                          <a:prstDash val="solid"/>
-                          <a:round/>
-                          <a:headEnd type="none" w="med" len="med"/>
-                          <a:tailEnd type="none" w="med" len="med"/>
-                        </a:lnT>
-                        <a:lnB w="12700" cap="flat" cmpd="sng" algn="ctr">
-                          <a:solidFill>
-                            <a:schemeClr val="tx1"/>
-                          </a:solidFill>
-                          <a:prstDash val="solid"/>
-                          <a:round/>
-                          <a:headEnd type="none" w="med" len="med"/>
-                          <a:tailEnd type="none" w="med" len="med"/>
-                        </a:lnB>
-                        <a:lnTlToBr w="12700" cmpd="sng">
-                          <a:noFill/>
-                          <a:prstDash val="solid"/>
-                        </a:lnTlToBr>
-                        <a:lnBlToTr w="12700" cmpd="sng">
-                          <a:noFill/>
-                          <a:prstDash val="solid"/>
-                        </a:lnBlToTr>
-                        <a:noFill/>
-                      </a:tcPr>
-                    </a:tc>
-                    <a:tc>
-                      <a:txBody>
-                        <a:bodyPr/>
-                        <a:lstStyle/>
-                        <a:p>
-                          <a:r>
-                            <a:rPr lang="en-US" sz="2200" dirty="0"/>
-                            <a:t>Binary</a:t>
-                          </a:r>
-                          <a:r>
-                            <a:rPr lang="en-US" sz="2200" baseline="0" dirty="0"/>
-                            <a:t> search, search in binary search tree (BST), add to BST</a:t>
-                          </a:r>
-                          <a:endParaRPr lang="en-US" sz="2200" dirty="0"/>
-                        </a:p>
-                      </a:txBody>
-                      <a:tcPr>
-                        <a:lnL w="12700" cap="flat" cmpd="sng" algn="ctr">
-                          <a:solidFill>
-                            <a:schemeClr val="tx1"/>
-                          </a:solidFill>
-                          <a:prstDash val="solid"/>
-                          <a:round/>
-                          <a:headEnd type="none" w="med" len="med"/>
-                          <a:tailEnd type="none" w="med" len="med"/>
-                        </a:lnL>
-                        <a:lnR w="12700" cap="flat" cmpd="sng" algn="ctr">
-                          <a:solidFill>
-                            <a:schemeClr val="tx1"/>
-                          </a:solidFill>
-                          <a:prstDash val="solid"/>
-                          <a:round/>
-                          <a:headEnd type="none" w="med" len="med"/>
-                          <a:tailEnd type="none" w="med" len="med"/>
-                        </a:lnR>
-                        <a:lnT w="12700" cap="flat" cmpd="sng" algn="ctr">
-                          <a:solidFill>
-                            <a:schemeClr val="tx1"/>
-                          </a:solidFill>
-                          <a:prstDash val="solid"/>
-                          <a:round/>
-                          <a:headEnd type="none" w="med" len="med"/>
-                          <a:tailEnd type="none" w="med" len="med"/>
-                        </a:lnT>
-                        <a:lnB w="12700" cap="flat" cmpd="sng" algn="ctr">
-                          <a:solidFill>
-                            <a:schemeClr val="tx1"/>
-                          </a:solidFill>
-                          <a:prstDash val="solid"/>
-                          <a:round/>
-                          <a:headEnd type="none" w="med" len="med"/>
-                          <a:tailEnd type="none" w="med" len="med"/>
-                        </a:lnB>
-                        <a:lnTlToBr w="12700" cmpd="sng">
-                          <a:noFill/>
-                          <a:prstDash val="solid"/>
-                        </a:lnTlToBr>
-                        <a:lnBlToTr w="12700" cmpd="sng">
-                          <a:noFill/>
-                          <a:prstDash val="solid"/>
-                        </a:lnBlToTr>
-                        <a:noFill/>
-                      </a:tcPr>
-                    </a:tc>
-                    <a:extLst>
-                      <a:ext uri="{0D108BD9-81ED-4DB2-BD59-A6C34878D82A}">
-                        <a16:rowId xmlns:a16="http://schemas.microsoft.com/office/drawing/2014/main" val="10004"/>
-                      </a:ext>
-                    </a:extLst>
-                  </a:tr>
-                  <a:tr h="370840">
-                    <a:tc>
-                      <a:txBody>
-                        <a:bodyPr/>
-                        <a:lstStyle/>
-                        <a:p>
-                          <a:r>
-                            <a:rPr lang="en-US" sz="2200" i="1" dirty="0"/>
-                            <a:t>O(n log n)</a:t>
-                          </a:r>
-                        </a:p>
-                      </a:txBody>
-                      <a:tcPr>
-                        <a:lnL w="12700" cap="flat" cmpd="sng" algn="ctr">
-                          <a:solidFill>
-                            <a:schemeClr val="tx1"/>
-                          </a:solidFill>
-                          <a:prstDash val="solid"/>
-                          <a:round/>
-                          <a:headEnd type="none" w="med" len="med"/>
-                          <a:tailEnd type="none" w="med" len="med"/>
-                        </a:lnL>
-                        <a:lnR w="12700" cap="flat" cmpd="sng" algn="ctr">
-                          <a:solidFill>
-                            <a:schemeClr val="tx1"/>
-                          </a:solidFill>
-                          <a:prstDash val="solid"/>
-                          <a:round/>
-                          <a:headEnd type="none" w="med" len="med"/>
-                          <a:tailEnd type="none" w="med" len="med"/>
-                        </a:lnR>
-                        <a:lnT w="12700" cap="flat" cmpd="sng" algn="ctr">
-                          <a:solidFill>
-                            <a:schemeClr val="tx1"/>
-                          </a:solidFill>
-                          <a:prstDash val="solid"/>
-                          <a:round/>
-                          <a:headEnd type="none" w="med" len="med"/>
-                          <a:tailEnd type="none" w="med" len="med"/>
-                        </a:lnT>
-                        <a:lnB w="12700" cap="flat" cmpd="sng" algn="ctr">
-                          <a:solidFill>
-                            <a:schemeClr val="tx1"/>
-                          </a:solidFill>
-                          <a:prstDash val="solid"/>
-                          <a:round/>
-                          <a:headEnd type="none" w="med" len="med"/>
-                          <a:tailEnd type="none" w="med" len="med"/>
-                        </a:lnB>
-                        <a:lnTlToBr w="12700" cmpd="sng">
-                          <a:noFill/>
-                          <a:prstDash val="solid"/>
-                        </a:lnTlToBr>
-                        <a:lnBlToTr w="12700" cmpd="sng">
-                          <a:noFill/>
-                          <a:prstDash val="solid"/>
-                        </a:lnBlToTr>
-                        <a:noFill/>
-                      </a:tcPr>
-                    </a:tc>
-                    <a:tc>
-                      <a:txBody>
-                        <a:bodyPr/>
-                        <a:lstStyle/>
-                        <a:p>
-                          <a:r>
-                            <a:rPr lang="en-US" sz="2200" dirty="0"/>
-                            <a:t>Divide and conquer</a:t>
-                          </a:r>
-                          <a:r>
-                            <a:rPr lang="en-US" sz="2200" baseline="0" dirty="0"/>
-                            <a:t> </a:t>
-                          </a:r>
-                          <a:r>
-                            <a:rPr lang="en-US" sz="2200" baseline="0" dirty="0" err="1"/>
-                            <a:t>algs</a:t>
-                          </a:r>
-                          <a:r>
-                            <a:rPr lang="en-US" sz="2200" baseline="0" dirty="0"/>
-                            <a:t>. </a:t>
-                          </a:r>
-                          <a:r>
-                            <a:rPr lang="en-US" sz="2200" dirty="0"/>
-                            <a:t>Cut amount</a:t>
-                          </a:r>
-                          <a:r>
-                            <a:rPr lang="en-US" sz="2200" baseline="0" dirty="0"/>
-                            <a:t> of work in half each iteration, but process both halves, the combine results in linear time</a:t>
-                          </a:r>
-                          <a:endParaRPr lang="en-US" sz="2200" dirty="0"/>
-                        </a:p>
-                      </a:txBody>
-                      <a:tcPr>
-                        <a:lnL w="12700" cap="flat" cmpd="sng" algn="ctr">
-                          <a:solidFill>
-                            <a:schemeClr val="tx1"/>
-                          </a:solidFill>
-                          <a:prstDash val="solid"/>
-                          <a:round/>
-                          <a:headEnd type="none" w="med" len="med"/>
-                          <a:tailEnd type="none" w="med" len="med"/>
-                        </a:lnL>
-                        <a:lnR w="12700" cap="flat" cmpd="sng" algn="ctr">
-                          <a:solidFill>
-                            <a:schemeClr val="tx1"/>
-                          </a:solidFill>
-                          <a:prstDash val="solid"/>
-                          <a:round/>
-                          <a:headEnd type="none" w="med" len="med"/>
-                          <a:tailEnd type="none" w="med" len="med"/>
-                        </a:lnR>
-                        <a:lnT w="12700" cap="flat" cmpd="sng" algn="ctr">
-                          <a:solidFill>
-                            <a:schemeClr val="tx1"/>
-                          </a:solidFill>
-                          <a:prstDash val="solid"/>
-                          <a:round/>
-                          <a:headEnd type="none" w="med" len="med"/>
-                          <a:tailEnd type="none" w="med" len="med"/>
-                        </a:lnT>
-                        <a:lnB w="12700" cap="flat" cmpd="sng" algn="ctr">
-                          <a:solidFill>
-                            <a:schemeClr val="tx1"/>
-                          </a:solidFill>
-                          <a:prstDash val="solid"/>
-                          <a:round/>
-                          <a:headEnd type="none" w="med" len="med"/>
-                          <a:tailEnd type="none" w="med" len="med"/>
-                        </a:lnB>
-                        <a:lnTlToBr w="12700" cmpd="sng">
-                          <a:noFill/>
-                          <a:prstDash val="solid"/>
-                        </a:lnTlToBr>
-                        <a:lnBlToTr w="12700" cmpd="sng">
-                          <a:noFill/>
-                          <a:prstDash val="solid"/>
-                        </a:lnBlToTr>
-                        <a:noFill/>
-                      </a:tcPr>
-                    </a:tc>
-                    <a:tc>
-                      <a:txBody>
-                        <a:bodyPr/>
-                        <a:lstStyle/>
-                        <a:p>
-                          <a:r>
-                            <a:rPr lang="en-US" sz="2200" dirty="0"/>
-                            <a:t>Average quicksort,</a:t>
-                          </a:r>
-                          <a:r>
-                            <a:rPr lang="en-US" sz="2200" baseline="0" dirty="0"/>
-                            <a:t> m</a:t>
-                          </a:r>
-                          <a:r>
-                            <a:rPr lang="en-US" sz="2200" dirty="0"/>
-                            <a:t>erge sort,</a:t>
-                          </a:r>
-                          <a:r>
-                            <a:rPr lang="en-US" sz="2200" baseline="0" dirty="0"/>
-                            <a:t> median by sorting/picking middle item</a:t>
-                          </a:r>
-                          <a:endParaRPr lang="en-US" sz="2200" dirty="0"/>
-                        </a:p>
-                      </a:txBody>
-                      <a:tcPr>
-                        <a:lnL w="12700" cap="flat" cmpd="sng" algn="ctr">
-                          <a:solidFill>
-                            <a:schemeClr val="tx1"/>
-                          </a:solidFill>
-                          <a:prstDash val="solid"/>
-                          <a:round/>
-                          <a:headEnd type="none" w="med" len="med"/>
-                          <a:tailEnd type="none" w="med" len="med"/>
-                        </a:lnL>
-                        <a:lnR w="12700" cap="flat" cmpd="sng" algn="ctr">
-                          <a:solidFill>
-                            <a:schemeClr val="tx1"/>
-                          </a:solidFill>
-                          <a:prstDash val="solid"/>
-                          <a:round/>
-                          <a:headEnd type="none" w="med" len="med"/>
-                          <a:tailEnd type="none" w="med" len="med"/>
-                        </a:lnR>
-                        <a:lnT w="12700" cap="flat" cmpd="sng" algn="ctr">
-                          <a:solidFill>
-                            <a:schemeClr val="tx1"/>
-                          </a:solidFill>
-                          <a:prstDash val="solid"/>
-                          <a:round/>
-                          <a:headEnd type="none" w="med" len="med"/>
-                          <a:tailEnd type="none" w="med" len="med"/>
-                        </a:lnT>
-                        <a:lnB w="12700" cap="flat" cmpd="sng" algn="ctr">
-                          <a:solidFill>
-                            <a:schemeClr val="tx1"/>
-                          </a:solidFill>
-                          <a:prstDash val="solid"/>
-                          <a:round/>
-                          <a:headEnd type="none" w="med" len="med"/>
-                          <a:tailEnd type="none" w="med" len="med"/>
-                        </a:lnB>
-                        <a:lnTlToBr w="12700" cmpd="sng">
-                          <a:noFill/>
-                          <a:prstDash val="solid"/>
-                        </a:lnTlToBr>
-                        <a:lnBlToTr w="12700" cmpd="sng">
-                          <a:noFill/>
-                          <a:prstDash val="solid"/>
-                        </a:lnBlToTr>
-                        <a:noFill/>
-                      </a:tcPr>
-                    </a:tc>
-                    <a:extLst>
-                      <a:ext uri="{0D108BD9-81ED-4DB2-BD59-A6C34878D82A}">
-                        <a16:rowId xmlns:a16="http://schemas.microsoft.com/office/drawing/2014/main" val="10005"/>
+                        <a16:rowId xmlns:a16="http://schemas.microsoft.com/office/drawing/2014/main" val="761704837"/>
                       </a:ext>
                     </a:extLst>
                   </a:tr>
@@ -20155,7 +20258,7 @@
             </a:graphic>
           </p:graphicFrame>
         </mc:Choice>
-        <mc:Fallback xmlns="">
+        <mc:Fallback>
           <p:graphicFrame>
             <p:nvGraphicFramePr>
               <p:cNvPr id="4" name="Content Placeholder 3"/>
@@ -20166,14 +20269,14 @@
                 <p:ph idx="1"/>
                 <p:extLst>
                   <p:ext uri="{D42A27DB-BD31-4B8C-83A1-F6EECF244321}">
-                    <p14:modId xmlns:p14="http://schemas.microsoft.com/office/powerpoint/2010/main" val="3894758304"/>
+                    <p14:modId xmlns:p14="http://schemas.microsoft.com/office/powerpoint/2010/main" val="448427811"/>
                   </p:ext>
                 </p:extLst>
               </p:nvPr>
             </p:nvGraphicFramePr>
             <p:xfrm>
-              <a:off x="328772" y="214614"/>
-              <a:ext cx="11527605" cy="5577840"/>
+              <a:off x="283780" y="214615"/>
+              <a:ext cx="11572598" cy="6133634"/>
             </p:xfrm>
             <a:graphic>
               <a:graphicData uri="http://schemas.openxmlformats.org/drawingml/2006/table">
@@ -20182,21 +20285,21 @@
                     <a:tableStyleId>{073A0DAA-6AF3-43AB-8588-CEC1D06C72B9}</a:tableStyleId>
                   </a:tblPr>
                   <a:tblGrid>
-                    <a:gridCol w="1889885">
+                    <a:gridCol w="1897261">
                       <a:extLst>
                         <a:ext uri="{9D8B030D-6E8A-4147-A177-3AD203B41FA5}">
                           <a16:colId xmlns:a16="http://schemas.microsoft.com/office/drawing/2014/main" val="20000"/>
                         </a:ext>
                       </a:extLst>
                     </a:gridCol>
-                    <a:gridCol w="5030326">
+                    <a:gridCol w="5049960">
                       <a:extLst>
                         <a:ext uri="{9D8B030D-6E8A-4147-A177-3AD203B41FA5}">
                           <a16:colId xmlns:a16="http://schemas.microsoft.com/office/drawing/2014/main" val="20001"/>
                         </a:ext>
                       </a:extLst>
                     </a:gridCol>
-                    <a:gridCol w="4607394">
+                    <a:gridCol w="4625377">
                       <a:extLst>
                         <a:ext uri="{9D8B030D-6E8A-4147-A177-3AD203B41FA5}">
                           <a16:colId xmlns:a16="http://schemas.microsoft.com/office/drawing/2014/main" val="20002"/>
@@ -20204,7 +20307,7 @@
                       </a:extLst>
                     </a:gridCol>
                   </a:tblGrid>
-                  <a:tr h="426720">
+                  <a:tr h="455931">
                     <a:tc>
                       <a:txBody>
                         <a:bodyPr/>
@@ -20400,7 +20503,7 @@
                       </a:ext>
                     </a:extLst>
                   </a:tr>
-                  <a:tr h="762000">
+                  <a:tr h="814164">
                     <a:tc>
                       <a:txBody>
                         <a:bodyPr/>
@@ -20596,7 +20699,7 @@
                       </a:ext>
                     </a:extLst>
                   </a:tr>
-                  <a:tr h="1097280">
+                  <a:tr h="1172395">
                     <a:tc>
                       <a:txBody>
                         <a:bodyPr/>
@@ -20810,7 +20913,419 @@
                       </a:ext>
                     </a:extLst>
                   </a:tr>
-                  <a:tr h="1097280">
+                  <a:tr h="814164">
+                    <a:tc>
+                      <a:txBody>
+                        <a:bodyPr/>
+                        <a:lstStyle/>
+                        <a:p>
+                          <a:r>
+                            <a:rPr lang="en-US" sz="2200" i="1" dirty="0"/>
+                            <a:t>O(log n)</a:t>
+                          </a:r>
+                        </a:p>
+                      </a:txBody>
+                      <a:tcPr>
+                        <a:lnL w="12700" cap="flat" cmpd="sng" algn="ctr">
+                          <a:solidFill>
+                            <a:schemeClr val="tx1"/>
+                          </a:solidFill>
+                          <a:prstDash val="solid"/>
+                          <a:round/>
+                          <a:headEnd type="none" w="med" len="med"/>
+                          <a:tailEnd type="none" w="med" len="med"/>
+                        </a:lnL>
+                        <a:lnR w="12700" cap="flat" cmpd="sng" algn="ctr">
+                          <a:solidFill>
+                            <a:schemeClr val="tx1"/>
+                          </a:solidFill>
+                          <a:prstDash val="solid"/>
+                          <a:round/>
+                          <a:headEnd type="none" w="med" len="med"/>
+                          <a:tailEnd type="none" w="med" len="med"/>
+                        </a:lnR>
+                        <a:lnT w="12700" cap="flat" cmpd="sng" algn="ctr">
+                          <a:solidFill>
+                            <a:schemeClr val="tx1"/>
+                          </a:solidFill>
+                          <a:prstDash val="solid"/>
+                          <a:round/>
+                          <a:headEnd type="none" w="med" len="med"/>
+                          <a:tailEnd type="none" w="med" len="med"/>
+                        </a:lnT>
+                        <a:lnB w="12700" cap="flat" cmpd="sng" algn="ctr">
+                          <a:solidFill>
+                            <a:schemeClr val="tx1"/>
+                          </a:solidFill>
+                          <a:prstDash val="solid"/>
+                          <a:round/>
+                          <a:headEnd type="none" w="med" len="med"/>
+                          <a:tailEnd type="none" w="med" len="med"/>
+                        </a:lnB>
+                        <a:lnTlToBr w="12700" cmpd="sng">
+                          <a:noFill/>
+                          <a:prstDash val="solid"/>
+                        </a:lnTlToBr>
+                        <a:lnBlToTr w="12700" cmpd="sng">
+                          <a:noFill/>
+                          <a:prstDash val="solid"/>
+                        </a:lnBlToTr>
+                        <a:noFill/>
+                      </a:tcPr>
+                    </a:tc>
+                    <a:tc>
+                      <a:txBody>
+                        <a:bodyPr/>
+                        <a:lstStyle/>
+                        <a:p>
+                          <a:r>
+                            <a:rPr lang="en-US" sz="2200" dirty="0"/>
+                            <a:t>Cut amount</a:t>
+                          </a:r>
+                          <a:r>
+                            <a:rPr lang="en-US" sz="2200" baseline="0" dirty="0"/>
+                            <a:t> of work in half each iteration, doing 1 operation</a:t>
+                          </a:r>
+                          <a:endParaRPr lang="en-US" sz="2200" dirty="0"/>
+                        </a:p>
+                      </a:txBody>
+                      <a:tcPr>
+                        <a:lnL w="12700" cap="flat" cmpd="sng" algn="ctr">
+                          <a:solidFill>
+                            <a:schemeClr val="tx1"/>
+                          </a:solidFill>
+                          <a:prstDash val="solid"/>
+                          <a:round/>
+                          <a:headEnd type="none" w="med" len="med"/>
+                          <a:tailEnd type="none" w="med" len="med"/>
+                        </a:lnL>
+                        <a:lnR w="12700" cap="flat" cmpd="sng" algn="ctr">
+                          <a:solidFill>
+                            <a:schemeClr val="tx1"/>
+                          </a:solidFill>
+                          <a:prstDash val="solid"/>
+                          <a:round/>
+                          <a:headEnd type="none" w="med" len="med"/>
+                          <a:tailEnd type="none" w="med" len="med"/>
+                        </a:lnR>
+                        <a:lnT w="12700" cap="flat" cmpd="sng" algn="ctr">
+                          <a:solidFill>
+                            <a:schemeClr val="tx1"/>
+                          </a:solidFill>
+                          <a:prstDash val="solid"/>
+                          <a:round/>
+                          <a:headEnd type="none" w="med" len="med"/>
+                          <a:tailEnd type="none" w="med" len="med"/>
+                        </a:lnT>
+                        <a:lnB w="12700" cap="flat" cmpd="sng" algn="ctr">
+                          <a:solidFill>
+                            <a:schemeClr val="tx1"/>
+                          </a:solidFill>
+                          <a:prstDash val="solid"/>
+                          <a:round/>
+                          <a:headEnd type="none" w="med" len="med"/>
+                          <a:tailEnd type="none" w="med" len="med"/>
+                        </a:lnB>
+                        <a:lnTlToBr w="12700" cmpd="sng">
+                          <a:noFill/>
+                          <a:prstDash val="solid"/>
+                        </a:lnTlToBr>
+                        <a:lnBlToTr w="12700" cmpd="sng">
+                          <a:noFill/>
+                          <a:prstDash val="solid"/>
+                        </a:lnBlToTr>
+                        <a:noFill/>
+                      </a:tcPr>
+                    </a:tc>
+                    <a:tc>
+                      <a:txBody>
+                        <a:bodyPr/>
+                        <a:lstStyle/>
+                        <a:p>
+                          <a:r>
+                            <a:rPr lang="en-US" sz="2200" dirty="0"/>
+                            <a:t>Binary</a:t>
+                          </a:r>
+                          <a:r>
+                            <a:rPr lang="en-US" sz="2200" baseline="0" dirty="0"/>
+                            <a:t> search, search in binary search tree (BST), add to BST</a:t>
+                          </a:r>
+                          <a:endParaRPr lang="en-US" sz="2200" dirty="0"/>
+                        </a:p>
+                      </a:txBody>
+                      <a:tcPr>
+                        <a:lnL w="12700" cap="flat" cmpd="sng" algn="ctr">
+                          <a:solidFill>
+                            <a:schemeClr val="tx1"/>
+                          </a:solidFill>
+                          <a:prstDash val="solid"/>
+                          <a:round/>
+                          <a:headEnd type="none" w="med" len="med"/>
+                          <a:tailEnd type="none" w="med" len="med"/>
+                        </a:lnL>
+                        <a:lnR w="12700" cap="flat" cmpd="sng" algn="ctr">
+                          <a:solidFill>
+                            <a:schemeClr val="tx1"/>
+                          </a:solidFill>
+                          <a:prstDash val="solid"/>
+                          <a:round/>
+                          <a:headEnd type="none" w="med" len="med"/>
+                          <a:tailEnd type="none" w="med" len="med"/>
+                        </a:lnR>
+                        <a:lnT w="12700" cap="flat" cmpd="sng" algn="ctr">
+                          <a:solidFill>
+                            <a:schemeClr val="tx1"/>
+                          </a:solidFill>
+                          <a:prstDash val="solid"/>
+                          <a:round/>
+                          <a:headEnd type="none" w="med" len="med"/>
+                          <a:tailEnd type="none" w="med" len="med"/>
+                        </a:lnT>
+                        <a:lnB w="12700" cap="flat" cmpd="sng" algn="ctr">
+                          <a:solidFill>
+                            <a:schemeClr val="tx1"/>
+                          </a:solidFill>
+                          <a:prstDash val="solid"/>
+                          <a:round/>
+                          <a:headEnd type="none" w="med" len="med"/>
+                          <a:tailEnd type="none" w="med" len="med"/>
+                        </a:lnB>
+                        <a:lnTlToBr w="12700" cmpd="sng">
+                          <a:noFill/>
+                          <a:prstDash val="solid"/>
+                        </a:lnTlToBr>
+                        <a:lnBlToTr w="12700" cmpd="sng">
+                          <a:noFill/>
+                          <a:prstDash val="solid"/>
+                        </a:lnBlToTr>
+                        <a:noFill/>
+                      </a:tcPr>
+                    </a:tc>
+                    <a:extLst>
+                      <a:ext uri="{0D108BD9-81ED-4DB2-BD59-A6C34878D82A}">
+                        <a16:rowId xmlns:a16="http://schemas.microsoft.com/office/drawing/2014/main" val="10004"/>
+                      </a:ext>
+                    </a:extLst>
+                  </a:tr>
+                  <a:tr h="1530627">
+                    <a:tc>
+                      <a:txBody>
+                        <a:bodyPr/>
+                        <a:lstStyle/>
+                        <a:p>
+                          <a:r>
+                            <a:rPr lang="en-US" sz="2200" i="1" dirty="0"/>
+                            <a:t>O(n log n)</a:t>
+                          </a:r>
+                        </a:p>
+                      </a:txBody>
+                      <a:tcPr>
+                        <a:lnL w="12700" cap="flat" cmpd="sng" algn="ctr">
+                          <a:solidFill>
+                            <a:schemeClr val="tx1"/>
+                          </a:solidFill>
+                          <a:prstDash val="solid"/>
+                          <a:round/>
+                          <a:headEnd type="none" w="med" len="med"/>
+                          <a:tailEnd type="none" w="med" len="med"/>
+                        </a:lnL>
+                        <a:lnR w="12700" cap="flat" cmpd="sng" algn="ctr">
+                          <a:solidFill>
+                            <a:schemeClr val="tx1"/>
+                          </a:solidFill>
+                          <a:prstDash val="solid"/>
+                          <a:round/>
+                          <a:headEnd type="none" w="med" len="med"/>
+                          <a:tailEnd type="none" w="med" len="med"/>
+                        </a:lnR>
+                        <a:lnT w="12700" cap="flat" cmpd="sng" algn="ctr">
+                          <a:solidFill>
+                            <a:schemeClr val="tx1"/>
+                          </a:solidFill>
+                          <a:prstDash val="solid"/>
+                          <a:round/>
+                          <a:headEnd type="none" w="med" len="med"/>
+                          <a:tailEnd type="none" w="med" len="med"/>
+                        </a:lnT>
+                        <a:lnB w="12700" cap="flat" cmpd="sng" algn="ctr">
+                          <a:solidFill>
+                            <a:schemeClr val="tx1"/>
+                          </a:solidFill>
+                          <a:prstDash val="solid"/>
+                          <a:round/>
+                          <a:headEnd type="none" w="med" len="med"/>
+                          <a:tailEnd type="none" w="med" len="med"/>
+                        </a:lnB>
+                        <a:lnTlToBr w="12700" cmpd="sng">
+                          <a:noFill/>
+                          <a:prstDash val="solid"/>
+                        </a:lnTlToBr>
+                        <a:lnBlToTr w="12700" cmpd="sng">
+                          <a:noFill/>
+                          <a:prstDash val="solid"/>
+                        </a:lnBlToTr>
+                        <a:noFill/>
+                      </a:tcPr>
+                    </a:tc>
+                    <a:tc>
+                      <a:txBody>
+                        <a:bodyPr/>
+                        <a:lstStyle/>
+                        <a:p>
+                          <a:r>
+                            <a:rPr lang="en-US" sz="2200" dirty="0"/>
+                            <a:t>Divide and conquer</a:t>
+                          </a:r>
+                          <a:r>
+                            <a:rPr lang="en-US" sz="2200" baseline="0" dirty="0"/>
+                            <a:t> </a:t>
+                          </a:r>
+                          <a:r>
+                            <a:rPr lang="en-US" sz="2200" baseline="0" dirty="0" err="1"/>
+                            <a:t>algs</a:t>
+                          </a:r>
+                          <a:r>
+                            <a:rPr lang="en-US" sz="2200" baseline="0" dirty="0"/>
+                            <a:t>. </a:t>
+                          </a:r>
+                          <a:r>
+                            <a:rPr lang="en-US" sz="2200" dirty="0"/>
+                            <a:t>Cut amount</a:t>
+                          </a:r>
+                          <a:r>
+                            <a:rPr lang="en-US" sz="2200" baseline="0" dirty="0"/>
+                            <a:t> of work in half each iteration, but process both halves, then combine results in linear time</a:t>
+                          </a:r>
+                          <a:endParaRPr lang="en-US" sz="2200" dirty="0"/>
+                        </a:p>
+                      </a:txBody>
+                      <a:tcPr>
+                        <a:lnL w="12700" cap="flat" cmpd="sng" algn="ctr">
+                          <a:solidFill>
+                            <a:schemeClr val="tx1"/>
+                          </a:solidFill>
+                          <a:prstDash val="solid"/>
+                          <a:round/>
+                          <a:headEnd type="none" w="med" len="med"/>
+                          <a:tailEnd type="none" w="med" len="med"/>
+                        </a:lnL>
+                        <a:lnR w="12700" cap="flat" cmpd="sng" algn="ctr">
+                          <a:solidFill>
+                            <a:schemeClr val="tx1"/>
+                          </a:solidFill>
+                          <a:prstDash val="solid"/>
+                          <a:round/>
+                          <a:headEnd type="none" w="med" len="med"/>
+                          <a:tailEnd type="none" w="med" len="med"/>
+                        </a:lnR>
+                        <a:lnT w="12700" cap="flat" cmpd="sng" algn="ctr">
+                          <a:solidFill>
+                            <a:schemeClr val="tx1"/>
+                          </a:solidFill>
+                          <a:prstDash val="solid"/>
+                          <a:round/>
+                          <a:headEnd type="none" w="med" len="med"/>
+                          <a:tailEnd type="none" w="med" len="med"/>
+                        </a:lnT>
+                        <a:lnB w="12700" cap="flat" cmpd="sng" algn="ctr">
+                          <a:solidFill>
+                            <a:schemeClr val="tx1"/>
+                          </a:solidFill>
+                          <a:prstDash val="solid"/>
+                          <a:round/>
+                          <a:headEnd type="none" w="med" len="med"/>
+                          <a:tailEnd type="none" w="med" len="med"/>
+                        </a:lnB>
+                        <a:lnTlToBr w="12700" cmpd="sng">
+                          <a:noFill/>
+                          <a:prstDash val="solid"/>
+                        </a:lnTlToBr>
+                        <a:lnBlToTr w="12700" cmpd="sng">
+                          <a:noFill/>
+                          <a:prstDash val="solid"/>
+                        </a:lnBlToTr>
+                        <a:noFill/>
+                      </a:tcPr>
+                    </a:tc>
+                    <a:tc>
+                      <a:txBody>
+                        <a:bodyPr/>
+                        <a:lstStyle/>
+                        <a:p>
+                          <a:r>
+                            <a:rPr lang="en-US" sz="2200" dirty="0"/>
+                            <a:t>Average quicksort,</a:t>
+                          </a:r>
+                          <a:r>
+                            <a:rPr lang="en-US" sz="2200" baseline="0" dirty="0"/>
+                            <a:t> m</a:t>
+                          </a:r>
+                          <a:r>
+                            <a:rPr lang="en-US" sz="2200" dirty="0"/>
+                            <a:t>erge sort,</a:t>
+                          </a:r>
+                          <a:r>
+                            <a:rPr lang="en-US" sz="2200" baseline="0" dirty="0"/>
+                            <a:t> median by sorting/picking middle item</a:t>
+                          </a:r>
+                          <a:endParaRPr lang="en-US" sz="2200" dirty="0"/>
+                        </a:p>
+                      </a:txBody>
+                      <a:tcPr>
+                        <a:lnL w="12700" cap="flat" cmpd="sng" algn="ctr">
+                          <a:solidFill>
+                            <a:schemeClr val="tx1"/>
+                          </a:solidFill>
+                          <a:prstDash val="solid"/>
+                          <a:round/>
+                          <a:headEnd type="none" w="med" len="med"/>
+                          <a:tailEnd type="none" w="med" len="med"/>
+                        </a:lnL>
+                        <a:lnR w="12700" cap="flat" cmpd="sng" algn="ctr">
+                          <a:solidFill>
+                            <a:schemeClr val="tx1"/>
+                          </a:solidFill>
+                          <a:prstDash val="solid"/>
+                          <a:round/>
+                          <a:headEnd type="none" w="med" len="med"/>
+                          <a:tailEnd type="none" w="med" len="med"/>
+                        </a:lnR>
+                        <a:lnT w="12700" cap="flat" cmpd="sng" algn="ctr">
+                          <a:solidFill>
+                            <a:schemeClr val="tx1"/>
+                          </a:solidFill>
+                          <a:prstDash val="solid"/>
+                          <a:round/>
+                          <a:headEnd type="none" w="med" len="med"/>
+                          <a:tailEnd type="none" w="med" len="med"/>
+                        </a:lnT>
+                        <a:lnB w="12700" cap="flat" cmpd="sng" algn="ctr">
+                          <a:solidFill>
+                            <a:schemeClr val="tx1"/>
+                          </a:solidFill>
+                          <a:prstDash val="solid"/>
+                          <a:round/>
+                          <a:headEnd type="none" w="med" len="med"/>
+                          <a:tailEnd type="none" w="med" len="med"/>
+                        </a:lnB>
+                        <a:lnTlToBr w="12700" cmpd="sng">
+                          <a:noFill/>
+                          <a:prstDash val="solid"/>
+                        </a:lnTlToBr>
+                        <a:lnBlToTr w="12700" cmpd="sng">
+                          <a:noFill/>
+                          <a:prstDash val="solid"/>
+                        </a:lnBlToTr>
+                        <a:noFill/>
+                      </a:tcPr>
+                    </a:tc>
+                    <a:extLst>
+                      <a:ext uri="{0D108BD9-81ED-4DB2-BD59-A6C34878D82A}">
+                        <a16:rowId xmlns:a16="http://schemas.microsoft.com/office/drawing/2014/main" val="10005"/>
+                      </a:ext>
+                    </a:extLst>
+                  </a:tr>
+                  <a:tr h="1346353">
                     <a:tc>
                       <a:txBody>
                         <a:bodyPr/>
@@ -20867,7 +21382,7 @@
                         <a:blipFill>
                           <a:blip r:embed="rId2"/>
                           <a:stretch>
-                            <a:fillRect l="-671" t="-213953" r="-510738" b="-212791"/>
+                            <a:fillRect l="-667" t="-359434" r="-509333" b="-1887"/>
                           </a:stretch>
                         </a:blipFill>
                       </a:tcPr>
@@ -20979,8 +21494,16 @@
                             <a:t> of </a:t>
                           </a:r>
                           <a:r>
-                            <a:rPr lang="en-US" sz="2200" dirty="0" err="1"/>
-                            <a:t>nxn</a:t>
+                            <a:rPr lang="en-US" sz="2200" i="1" dirty="0"/>
+                            <a:t>n </a:t>
+                          </a:r>
+                          <a:r>
+                            <a:rPr lang="en-US" sz="2200" i="0" dirty="0"/>
+                            <a:t>x </a:t>
+                          </a:r>
+                          <a:r>
+                            <a:rPr lang="en-US" sz="2200" i="1" dirty="0"/>
+                            <a:t>n</a:t>
                           </a:r>
                           <a:r>
                             <a:rPr lang="en-US" sz="2200" dirty="0"/>
@@ -21051,419 +21574,7 @@
                     </a:tc>
                     <a:extLst>
                       <a:ext uri="{0D108BD9-81ED-4DB2-BD59-A6C34878D82A}">
-                        <a16:rowId xmlns:a16="http://schemas.microsoft.com/office/drawing/2014/main" val="10003"/>
-                      </a:ext>
-                    </a:extLst>
-                  </a:tr>
-                  <a:tr h="762000">
-                    <a:tc>
-                      <a:txBody>
-                        <a:bodyPr/>
-                        <a:lstStyle/>
-                        <a:p>
-                          <a:r>
-                            <a:rPr lang="en-US" sz="2200" i="1" dirty="0"/>
-                            <a:t>O(log n)</a:t>
-                          </a:r>
-                        </a:p>
-                      </a:txBody>
-                      <a:tcPr>
-                        <a:lnL w="12700" cap="flat" cmpd="sng" algn="ctr">
-                          <a:solidFill>
-                            <a:schemeClr val="tx1"/>
-                          </a:solidFill>
-                          <a:prstDash val="solid"/>
-                          <a:round/>
-                          <a:headEnd type="none" w="med" len="med"/>
-                          <a:tailEnd type="none" w="med" len="med"/>
-                        </a:lnL>
-                        <a:lnR w="12700" cap="flat" cmpd="sng" algn="ctr">
-                          <a:solidFill>
-                            <a:schemeClr val="tx1"/>
-                          </a:solidFill>
-                          <a:prstDash val="solid"/>
-                          <a:round/>
-                          <a:headEnd type="none" w="med" len="med"/>
-                          <a:tailEnd type="none" w="med" len="med"/>
-                        </a:lnR>
-                        <a:lnT w="12700" cap="flat" cmpd="sng" algn="ctr">
-                          <a:solidFill>
-                            <a:schemeClr val="tx1"/>
-                          </a:solidFill>
-                          <a:prstDash val="solid"/>
-                          <a:round/>
-                          <a:headEnd type="none" w="med" len="med"/>
-                          <a:tailEnd type="none" w="med" len="med"/>
-                        </a:lnT>
-                        <a:lnB w="12700" cap="flat" cmpd="sng" algn="ctr">
-                          <a:solidFill>
-                            <a:schemeClr val="tx1"/>
-                          </a:solidFill>
-                          <a:prstDash val="solid"/>
-                          <a:round/>
-                          <a:headEnd type="none" w="med" len="med"/>
-                          <a:tailEnd type="none" w="med" len="med"/>
-                        </a:lnB>
-                        <a:lnTlToBr w="12700" cmpd="sng">
-                          <a:noFill/>
-                          <a:prstDash val="solid"/>
-                        </a:lnTlToBr>
-                        <a:lnBlToTr w="12700" cmpd="sng">
-                          <a:noFill/>
-                          <a:prstDash val="solid"/>
-                        </a:lnBlToTr>
-                        <a:noFill/>
-                      </a:tcPr>
-                    </a:tc>
-                    <a:tc>
-                      <a:txBody>
-                        <a:bodyPr/>
-                        <a:lstStyle/>
-                        <a:p>
-                          <a:r>
-                            <a:rPr lang="en-US" sz="2200" dirty="0"/>
-                            <a:t>Cut amount</a:t>
-                          </a:r>
-                          <a:r>
-                            <a:rPr lang="en-US" sz="2200" baseline="0" dirty="0"/>
-                            <a:t> of work in half each iteration, doing 1 operation</a:t>
-                          </a:r>
-                          <a:endParaRPr lang="en-US" sz="2200" dirty="0"/>
-                        </a:p>
-                      </a:txBody>
-                      <a:tcPr>
-                        <a:lnL w="12700" cap="flat" cmpd="sng" algn="ctr">
-                          <a:solidFill>
-                            <a:schemeClr val="tx1"/>
-                          </a:solidFill>
-                          <a:prstDash val="solid"/>
-                          <a:round/>
-                          <a:headEnd type="none" w="med" len="med"/>
-                          <a:tailEnd type="none" w="med" len="med"/>
-                        </a:lnL>
-                        <a:lnR w="12700" cap="flat" cmpd="sng" algn="ctr">
-                          <a:solidFill>
-                            <a:schemeClr val="tx1"/>
-                          </a:solidFill>
-                          <a:prstDash val="solid"/>
-                          <a:round/>
-                          <a:headEnd type="none" w="med" len="med"/>
-                          <a:tailEnd type="none" w="med" len="med"/>
-                        </a:lnR>
-                        <a:lnT w="12700" cap="flat" cmpd="sng" algn="ctr">
-                          <a:solidFill>
-                            <a:schemeClr val="tx1"/>
-                          </a:solidFill>
-                          <a:prstDash val="solid"/>
-                          <a:round/>
-                          <a:headEnd type="none" w="med" len="med"/>
-                          <a:tailEnd type="none" w="med" len="med"/>
-                        </a:lnT>
-                        <a:lnB w="12700" cap="flat" cmpd="sng" algn="ctr">
-                          <a:solidFill>
-                            <a:schemeClr val="tx1"/>
-                          </a:solidFill>
-                          <a:prstDash val="solid"/>
-                          <a:round/>
-                          <a:headEnd type="none" w="med" len="med"/>
-                          <a:tailEnd type="none" w="med" len="med"/>
-                        </a:lnB>
-                        <a:lnTlToBr w="12700" cmpd="sng">
-                          <a:noFill/>
-                          <a:prstDash val="solid"/>
-                        </a:lnTlToBr>
-                        <a:lnBlToTr w="12700" cmpd="sng">
-                          <a:noFill/>
-                          <a:prstDash val="solid"/>
-                        </a:lnBlToTr>
-                        <a:noFill/>
-                      </a:tcPr>
-                    </a:tc>
-                    <a:tc>
-                      <a:txBody>
-                        <a:bodyPr/>
-                        <a:lstStyle/>
-                        <a:p>
-                          <a:r>
-                            <a:rPr lang="en-US" sz="2200" dirty="0"/>
-                            <a:t>Binary</a:t>
-                          </a:r>
-                          <a:r>
-                            <a:rPr lang="en-US" sz="2200" baseline="0" dirty="0"/>
-                            <a:t> search, search in binary search tree (BST), add to BST</a:t>
-                          </a:r>
-                          <a:endParaRPr lang="en-US" sz="2200" dirty="0"/>
-                        </a:p>
-                      </a:txBody>
-                      <a:tcPr>
-                        <a:lnL w="12700" cap="flat" cmpd="sng" algn="ctr">
-                          <a:solidFill>
-                            <a:schemeClr val="tx1"/>
-                          </a:solidFill>
-                          <a:prstDash val="solid"/>
-                          <a:round/>
-                          <a:headEnd type="none" w="med" len="med"/>
-                          <a:tailEnd type="none" w="med" len="med"/>
-                        </a:lnL>
-                        <a:lnR w="12700" cap="flat" cmpd="sng" algn="ctr">
-                          <a:solidFill>
-                            <a:schemeClr val="tx1"/>
-                          </a:solidFill>
-                          <a:prstDash val="solid"/>
-                          <a:round/>
-                          <a:headEnd type="none" w="med" len="med"/>
-                          <a:tailEnd type="none" w="med" len="med"/>
-                        </a:lnR>
-                        <a:lnT w="12700" cap="flat" cmpd="sng" algn="ctr">
-                          <a:solidFill>
-                            <a:schemeClr val="tx1"/>
-                          </a:solidFill>
-                          <a:prstDash val="solid"/>
-                          <a:round/>
-                          <a:headEnd type="none" w="med" len="med"/>
-                          <a:tailEnd type="none" w="med" len="med"/>
-                        </a:lnT>
-                        <a:lnB w="12700" cap="flat" cmpd="sng" algn="ctr">
-                          <a:solidFill>
-                            <a:schemeClr val="tx1"/>
-                          </a:solidFill>
-                          <a:prstDash val="solid"/>
-                          <a:round/>
-                          <a:headEnd type="none" w="med" len="med"/>
-                          <a:tailEnd type="none" w="med" len="med"/>
-                        </a:lnB>
-                        <a:lnTlToBr w="12700" cmpd="sng">
-                          <a:noFill/>
-                          <a:prstDash val="solid"/>
-                        </a:lnTlToBr>
-                        <a:lnBlToTr w="12700" cmpd="sng">
-                          <a:noFill/>
-                          <a:prstDash val="solid"/>
-                        </a:lnBlToTr>
-                        <a:noFill/>
-                      </a:tcPr>
-                    </a:tc>
-                    <a:extLst>
-                      <a:ext uri="{0D108BD9-81ED-4DB2-BD59-A6C34878D82A}">
-                        <a16:rowId xmlns:a16="http://schemas.microsoft.com/office/drawing/2014/main" val="10004"/>
-                      </a:ext>
-                    </a:extLst>
-                  </a:tr>
-                  <a:tr h="1432560">
-                    <a:tc>
-                      <a:txBody>
-                        <a:bodyPr/>
-                        <a:lstStyle/>
-                        <a:p>
-                          <a:r>
-                            <a:rPr lang="en-US" sz="2200" i="1" dirty="0"/>
-                            <a:t>O(n log n)</a:t>
-                          </a:r>
-                        </a:p>
-                      </a:txBody>
-                      <a:tcPr>
-                        <a:lnL w="12700" cap="flat" cmpd="sng" algn="ctr">
-                          <a:solidFill>
-                            <a:schemeClr val="tx1"/>
-                          </a:solidFill>
-                          <a:prstDash val="solid"/>
-                          <a:round/>
-                          <a:headEnd type="none" w="med" len="med"/>
-                          <a:tailEnd type="none" w="med" len="med"/>
-                        </a:lnL>
-                        <a:lnR w="12700" cap="flat" cmpd="sng" algn="ctr">
-                          <a:solidFill>
-                            <a:schemeClr val="tx1"/>
-                          </a:solidFill>
-                          <a:prstDash val="solid"/>
-                          <a:round/>
-                          <a:headEnd type="none" w="med" len="med"/>
-                          <a:tailEnd type="none" w="med" len="med"/>
-                        </a:lnR>
-                        <a:lnT w="12700" cap="flat" cmpd="sng" algn="ctr">
-                          <a:solidFill>
-                            <a:schemeClr val="tx1"/>
-                          </a:solidFill>
-                          <a:prstDash val="solid"/>
-                          <a:round/>
-                          <a:headEnd type="none" w="med" len="med"/>
-                          <a:tailEnd type="none" w="med" len="med"/>
-                        </a:lnT>
-                        <a:lnB w="12700" cap="flat" cmpd="sng" algn="ctr">
-                          <a:solidFill>
-                            <a:schemeClr val="tx1"/>
-                          </a:solidFill>
-                          <a:prstDash val="solid"/>
-                          <a:round/>
-                          <a:headEnd type="none" w="med" len="med"/>
-                          <a:tailEnd type="none" w="med" len="med"/>
-                        </a:lnB>
-                        <a:lnTlToBr w="12700" cmpd="sng">
-                          <a:noFill/>
-                          <a:prstDash val="solid"/>
-                        </a:lnTlToBr>
-                        <a:lnBlToTr w="12700" cmpd="sng">
-                          <a:noFill/>
-                          <a:prstDash val="solid"/>
-                        </a:lnBlToTr>
-                        <a:noFill/>
-                      </a:tcPr>
-                    </a:tc>
-                    <a:tc>
-                      <a:txBody>
-                        <a:bodyPr/>
-                        <a:lstStyle/>
-                        <a:p>
-                          <a:r>
-                            <a:rPr lang="en-US" sz="2200" dirty="0"/>
-                            <a:t>Divide and conquer</a:t>
-                          </a:r>
-                          <a:r>
-                            <a:rPr lang="en-US" sz="2200" baseline="0" dirty="0"/>
-                            <a:t> </a:t>
-                          </a:r>
-                          <a:r>
-                            <a:rPr lang="en-US" sz="2200" baseline="0" dirty="0" err="1"/>
-                            <a:t>algs</a:t>
-                          </a:r>
-                          <a:r>
-                            <a:rPr lang="en-US" sz="2200" baseline="0" dirty="0"/>
-                            <a:t>. </a:t>
-                          </a:r>
-                          <a:r>
-                            <a:rPr lang="en-US" sz="2200" dirty="0"/>
-                            <a:t>Cut amount</a:t>
-                          </a:r>
-                          <a:r>
-                            <a:rPr lang="en-US" sz="2200" baseline="0" dirty="0"/>
-                            <a:t> of work in half each iteration, but process both halves, the combine results in linear time</a:t>
-                          </a:r>
-                          <a:endParaRPr lang="en-US" sz="2200" dirty="0"/>
-                        </a:p>
-                      </a:txBody>
-                      <a:tcPr>
-                        <a:lnL w="12700" cap="flat" cmpd="sng" algn="ctr">
-                          <a:solidFill>
-                            <a:schemeClr val="tx1"/>
-                          </a:solidFill>
-                          <a:prstDash val="solid"/>
-                          <a:round/>
-                          <a:headEnd type="none" w="med" len="med"/>
-                          <a:tailEnd type="none" w="med" len="med"/>
-                        </a:lnL>
-                        <a:lnR w="12700" cap="flat" cmpd="sng" algn="ctr">
-                          <a:solidFill>
-                            <a:schemeClr val="tx1"/>
-                          </a:solidFill>
-                          <a:prstDash val="solid"/>
-                          <a:round/>
-                          <a:headEnd type="none" w="med" len="med"/>
-                          <a:tailEnd type="none" w="med" len="med"/>
-                        </a:lnR>
-                        <a:lnT w="12700" cap="flat" cmpd="sng" algn="ctr">
-                          <a:solidFill>
-                            <a:schemeClr val="tx1"/>
-                          </a:solidFill>
-                          <a:prstDash val="solid"/>
-                          <a:round/>
-                          <a:headEnd type="none" w="med" len="med"/>
-                          <a:tailEnd type="none" w="med" len="med"/>
-                        </a:lnT>
-                        <a:lnB w="12700" cap="flat" cmpd="sng" algn="ctr">
-                          <a:solidFill>
-                            <a:schemeClr val="tx1"/>
-                          </a:solidFill>
-                          <a:prstDash val="solid"/>
-                          <a:round/>
-                          <a:headEnd type="none" w="med" len="med"/>
-                          <a:tailEnd type="none" w="med" len="med"/>
-                        </a:lnB>
-                        <a:lnTlToBr w="12700" cmpd="sng">
-                          <a:noFill/>
-                          <a:prstDash val="solid"/>
-                        </a:lnTlToBr>
-                        <a:lnBlToTr w="12700" cmpd="sng">
-                          <a:noFill/>
-                          <a:prstDash val="solid"/>
-                        </a:lnBlToTr>
-                        <a:noFill/>
-                      </a:tcPr>
-                    </a:tc>
-                    <a:tc>
-                      <a:txBody>
-                        <a:bodyPr/>
-                        <a:lstStyle/>
-                        <a:p>
-                          <a:r>
-                            <a:rPr lang="en-US" sz="2200" dirty="0"/>
-                            <a:t>Average quicksort,</a:t>
-                          </a:r>
-                          <a:r>
-                            <a:rPr lang="en-US" sz="2200" baseline="0" dirty="0"/>
-                            <a:t> m</a:t>
-                          </a:r>
-                          <a:r>
-                            <a:rPr lang="en-US" sz="2200" dirty="0"/>
-                            <a:t>erge sort,</a:t>
-                          </a:r>
-                          <a:r>
-                            <a:rPr lang="en-US" sz="2200" baseline="0" dirty="0"/>
-                            <a:t> median by sorting/picking middle item</a:t>
-                          </a:r>
-                          <a:endParaRPr lang="en-US" sz="2200" dirty="0"/>
-                        </a:p>
-                      </a:txBody>
-                      <a:tcPr>
-                        <a:lnL w="12700" cap="flat" cmpd="sng" algn="ctr">
-                          <a:solidFill>
-                            <a:schemeClr val="tx1"/>
-                          </a:solidFill>
-                          <a:prstDash val="solid"/>
-                          <a:round/>
-                          <a:headEnd type="none" w="med" len="med"/>
-                          <a:tailEnd type="none" w="med" len="med"/>
-                        </a:lnL>
-                        <a:lnR w="12700" cap="flat" cmpd="sng" algn="ctr">
-                          <a:solidFill>
-                            <a:schemeClr val="tx1"/>
-                          </a:solidFill>
-                          <a:prstDash val="solid"/>
-                          <a:round/>
-                          <a:headEnd type="none" w="med" len="med"/>
-                          <a:tailEnd type="none" w="med" len="med"/>
-                        </a:lnR>
-                        <a:lnT w="12700" cap="flat" cmpd="sng" algn="ctr">
-                          <a:solidFill>
-                            <a:schemeClr val="tx1"/>
-                          </a:solidFill>
-                          <a:prstDash val="solid"/>
-                          <a:round/>
-                          <a:headEnd type="none" w="med" len="med"/>
-                          <a:tailEnd type="none" w="med" len="med"/>
-                        </a:lnT>
-                        <a:lnB w="12700" cap="flat" cmpd="sng" algn="ctr">
-                          <a:solidFill>
-                            <a:schemeClr val="tx1"/>
-                          </a:solidFill>
-                          <a:prstDash val="solid"/>
-                          <a:round/>
-                          <a:headEnd type="none" w="med" len="med"/>
-                          <a:tailEnd type="none" w="med" len="med"/>
-                        </a:lnB>
-                        <a:lnTlToBr w="12700" cmpd="sng">
-                          <a:noFill/>
-                          <a:prstDash val="solid"/>
-                        </a:lnTlToBr>
-                        <a:lnBlToTr w="12700" cmpd="sng">
-                          <a:noFill/>
-                          <a:prstDash val="solid"/>
-                        </a:lnBlToTr>
-                        <a:noFill/>
-                      </a:tcPr>
-                    </a:tc>
-                    <a:extLst>
-                      <a:ext uri="{0D108BD9-81ED-4DB2-BD59-A6C34878D82A}">
-                        <a16:rowId xmlns:a16="http://schemas.microsoft.com/office/drawing/2014/main" val="10005"/>
+                        <a16:rowId xmlns:a16="http://schemas.microsoft.com/office/drawing/2014/main" val="761704837"/>
                       </a:ext>
                     </a:extLst>
                   </a:tr>
@@ -21769,55 +21880,8 @@
           </a:p>
         </p:txBody>
       </p:sp>
-      <p:pic>
-        <p:nvPicPr>
-          <p:cNvPr id="7" name="Picture 2" descr="https://lh3.googleusercontent.com/pC-xbYi4YyCdIwStmMLYOrC57cJvhfay3LtVNppjL-pcI-SjsZH_NAupcNP4aIJ095OnoQt69uYry1Zs3ugLFaiyF6SscNIvT0x7ABezAGPCQ7uaEu0GCrlEd956ieuMwDGXRQhbUA">
-            <a:extLst>
-              <a:ext uri="{FF2B5EF4-FFF2-40B4-BE49-F238E27FC236}">
-                <a16:creationId xmlns:a16="http://schemas.microsoft.com/office/drawing/2014/main" id="{147A959E-36AB-5C40-8121-13A943299E03}"/>
-              </a:ext>
-            </a:extLst>
-          </p:cNvPr>
-          <p:cNvPicPr>
-            <a:picLocks noChangeAspect="1" noChangeArrowheads="1"/>
-          </p:cNvPicPr>
-          <p:nvPr/>
-        </p:nvPicPr>
-        <p:blipFill>
-          <a:blip r:embed="rId2">
-            <a:extLst>
-              <a:ext uri="{28A0092B-C50C-407E-A947-70E740481C1C}">
-                <a14:useLocalDpi xmlns:a14="http://schemas.microsoft.com/office/drawing/2010/main" val="0"/>
-              </a:ext>
-            </a:extLst>
-          </a:blip>
-          <a:srcRect/>
-          <a:stretch>
-            <a:fillRect/>
-          </a:stretch>
-        </p:blipFill>
-        <p:spPr bwMode="auto">
-          <a:xfrm>
-            <a:off x="985281" y="1399705"/>
-            <a:ext cx="4214040" cy="5143223"/>
-          </a:xfrm>
-          <a:prstGeom prst="rect">
-            <a:avLst/>
-          </a:prstGeom>
-          <a:noFill/>
-          <a:extLst>
-            <a:ext uri="{909E8E84-426E-40DD-AFC4-6F175D3DCCD1}">
-              <a14:hiddenFill xmlns:a14="http://schemas.microsoft.com/office/drawing/2010/main">
-                <a:solidFill>
-                  <a:srgbClr val="FFFFFF"/>
-                </a:solidFill>
-              </a14:hiddenFill>
-            </a:ext>
-          </a:extLst>
-        </p:spPr>
-      </p:pic>
-      <mc:AlternateContent xmlns:mc="http://schemas.openxmlformats.org/markup-compatibility/2006" xmlns:a14="http://schemas.microsoft.com/office/drawing/2010/main">
-        <mc:Choice Requires="a14">
+      <mc:AlternateContent xmlns:mc="http://schemas.openxmlformats.org/markup-compatibility/2006">
+        <mc:Choice xmlns:a14="http://schemas.microsoft.com/office/drawing/2010/main" Requires="a14">
           <p:sp>
             <p:nvSpPr>
               <p:cNvPr id="8" name="Content Placeholder 2">
@@ -21846,12 +21910,20 @@
               </a:bodyPr>
               <a:lstStyle/>
               <a:p>
+                <a:pPr marL="514350" indent="-514350">
+                  <a:buFont typeface="+mj-lt"/>
+                  <a:buAutoNum type="arabicPeriod"/>
+                </a:pPr>
                 <a:r>
                   <a:rPr lang="en-US" dirty="0"/>
                   <a:t>unit of work: assignment, addition</a:t>
                 </a:r>
               </a:p>
               <a:p>
+                <a:pPr marL="514350" indent="-514350">
+                  <a:buFont typeface="+mj-lt"/>
+                  <a:buAutoNum type="arabicPeriod"/>
+                </a:pPr>
                 <a:r>
                   <a:rPr lang="en-US" dirty="0"/>
                   <a:t>Identify key size indicator: n</a:t>
@@ -21859,6 +21931,10 @@
                 <a:endParaRPr lang="en-US" i="1" dirty="0"/>
               </a:p>
               <a:p>
+                <a:pPr marL="514350" indent="-514350">
+                  <a:buFont typeface="+mj-lt"/>
+                  <a:buAutoNum type="arabicPeriod"/>
+                </a:pPr>
                 <a:r>
                   <a:rPr lang="en-US" i="1" dirty="0"/>
                   <a:t>T(n)</a:t>
@@ -21999,6 +22075,10 @@
                 <a:endParaRPr lang="en-US" dirty="0"/>
               </a:p>
               <a:p>
+                <a:pPr marL="514350" indent="-514350">
+                  <a:buFont typeface="+mj-lt"/>
+                  <a:buAutoNum type="arabicPeriod"/>
+                </a:pPr>
                 <a:r>
                   <a:rPr lang="en-US" i="1" dirty="0"/>
                   <a:t>T(n)</a:t>
@@ -22009,6 +22089,10 @@
                 </a:r>
               </a:p>
               <a:p>
+                <a:pPr marL="514350" indent="-514350">
+                  <a:buFont typeface="+mj-lt"/>
+                  <a:buAutoNum type="arabicPeriod"/>
+                </a:pPr>
                 <a:r>
                   <a:rPr lang="en-US" i="1" dirty="0"/>
                   <a:t>O(n^2)</a:t>
@@ -22022,7 +22106,7 @@
             </p:txBody>
           </p:sp>
         </mc:Choice>
-        <mc:Fallback xmlns="">
+        <mc:Fallback>
           <p:sp>
             <p:nvSpPr>
               <p:cNvPr id="8" name="Content Placeholder 2">
@@ -22045,9 +22129,9 @@
                 <a:ext cx="6049927" cy="4592712"/>
               </a:xfrm>
               <a:blipFill>
-                <a:blip r:embed="rId3"/>
+                <a:blip r:embed="rId2"/>
                 <a:stretch>
-                  <a:fillRect l="-1677" t="-2210"/>
+                  <a:fillRect l="-1674" t="-2204" r="-1046"/>
                 </a:stretch>
               </a:blipFill>
             </p:spPr>
@@ -22066,6 +22150,53 @@
           </p:sp>
         </mc:Fallback>
       </mc:AlternateContent>
+      <p:pic>
+        <p:nvPicPr>
+          <p:cNvPr id="5" name="Picture 2" descr="https://lh3.googleusercontent.com/pC-xbYi4YyCdIwStmMLYOrC57cJvhfay3LtVNppjL-pcI-SjsZH_NAupcNP4aIJ095OnoQt69uYry1Zs3ugLFaiyF6SscNIvT0x7ABezAGPCQ7uaEu0GCrlEd956ieuMwDGXRQhbUA">
+            <a:extLst>
+              <a:ext uri="{FF2B5EF4-FFF2-40B4-BE49-F238E27FC236}">
+                <a16:creationId xmlns:a16="http://schemas.microsoft.com/office/drawing/2014/main" id="{3C8EFD99-5788-A046-B5E3-6E07655C7486}"/>
+              </a:ext>
+            </a:extLst>
+          </p:cNvPr>
+          <p:cNvPicPr>
+            <a:picLocks noChangeAspect="1" noChangeArrowheads="1"/>
+          </p:cNvPicPr>
+          <p:nvPr/>
+        </p:nvPicPr>
+        <p:blipFill>
+          <a:blip r:embed="rId3">
+            <a:extLst>
+              <a:ext uri="{28A0092B-C50C-407E-A947-70E740481C1C}">
+                <a14:useLocalDpi xmlns:a14="http://schemas.microsoft.com/office/drawing/2010/main" val="0"/>
+              </a:ext>
+            </a:extLst>
+          </a:blip>
+          <a:srcRect/>
+          <a:stretch>
+            <a:fillRect/>
+          </a:stretch>
+        </p:blipFill>
+        <p:spPr bwMode="auto">
+          <a:xfrm>
+            <a:off x="838200" y="1320890"/>
+            <a:ext cx="4635795" cy="5657974"/>
+          </a:xfrm>
+          <a:prstGeom prst="rect">
+            <a:avLst/>
+          </a:prstGeom>
+          <a:noFill/>
+          <a:extLst>
+            <a:ext uri="{909E8E84-426E-40DD-AFC4-6F175D3DCCD1}">
+              <a14:hiddenFill xmlns:a14="http://schemas.microsoft.com/office/drawing/2010/main">
+                <a:solidFill>
+                  <a:srgbClr val="FFFFFF"/>
+                </a:solidFill>
+              </a14:hiddenFill>
+            </a:ext>
+          </a:extLst>
+        </p:spPr>
+      </p:pic>
     </p:spTree>
     <p:extLst>
       <p:ext uri="{BB962C8B-B14F-4D97-AF65-F5344CB8AC3E}">
@@ -22708,8 +22839,8 @@
         </p:nvSpPr>
         <p:spPr>
           <a:xfrm>
-            <a:off x="717605" y="6344373"/>
-            <a:ext cx="7345281" cy="430887"/>
+            <a:off x="0" y="6427113"/>
+            <a:ext cx="7754046" cy="430887"/>
           </a:xfrm>
           <a:prstGeom prst="rect">
             <a:avLst/>
@@ -22723,7 +22854,7 @@
           <a:p>
             <a:r>
               <a:rPr lang="en-US" sz="2200" i="1" dirty="0"/>
-              <a:t>lines 8, 9: hallmark of matrix upper/lower triangle iteration</a:t>
+              <a:t>lines 8, 9 are hallmark of matrix upper/lower triangle iteration</a:t>
             </a:r>
             <a:endParaRPr lang="en-US" sz="2200" dirty="0"/>
           </a:p>

--- a/notes/complexity.pptx
+++ b/notes/complexity.pptx
@@ -5190,7 +5190,7 @@
           <a:p>
             <a:r>
               <a:rPr lang="en-US" dirty="0"/>
-              <a:t>Verify a loop steps by constant amount like 1 or k (not </a:t>
+              <a:t>Verify loops step by constant amount like 1 or k (not </a:t>
             </a:r>
             <a:r>
               <a:rPr lang="en-US" dirty="0" err="1"/>
@@ -5282,8 +5282,8 @@
           </a:p>
         </p:txBody>
       </p:sp>
-      <mc:AlternateContent xmlns:mc="http://schemas.openxmlformats.org/markup-compatibility/2006" xmlns:a14="http://schemas.microsoft.com/office/drawing/2010/main">
-        <mc:Choice Requires="a14">
+      <mc:AlternateContent xmlns:mc="http://schemas.openxmlformats.org/markup-compatibility/2006">
+        <mc:Choice xmlns:a14="http://schemas.microsoft.com/office/drawing/2010/main" Requires="a14">
           <p:sp>
             <p:nvSpPr>
               <p:cNvPr id="3" name="Content Placeholder 2">
@@ -5392,7 +5392,15 @@
               <a:p>
                 <a:r>
                   <a:rPr lang="en-US" dirty="0"/>
-                  <a:t>Touching every element of a tree with n nodes is </a:t>
+                  <a:t>Touching every element of a tree with </a:t>
+                </a:r>
+                <a:r>
+                  <a:rPr lang="en-US" i="1" dirty="0"/>
+                  <a:t>n</a:t>
+                </a:r>
+                <a:r>
+                  <a:rPr lang="en-US" dirty="0"/>
+                  <a:t> nodes is </a:t>
                 </a:r>
                 <a:r>
                   <a:rPr lang="en-US" i="1" dirty="0"/>
@@ -5414,7 +5422,7 @@
             </p:txBody>
           </p:sp>
         </mc:Choice>
-        <mc:Fallback xmlns="">
+        <mc:Fallback>
           <p:sp>
             <p:nvSpPr>
               <p:cNvPr id="3" name="Content Placeholder 2">
@@ -5435,7 +5443,7 @@
               <a:blipFill>
                 <a:blip r:embed="rId2"/>
                 <a:stretch>
-                  <a:fillRect l="-965" t="-2632" r="-724"/>
+                  <a:fillRect l="-1086" t="-2326" r="-724"/>
                 </a:stretch>
               </a:blipFill>
             </p:spPr>
@@ -5546,8 +5554,8 @@
           </a:p>
         </p:txBody>
       </p:sp>
-      <mc:AlternateContent xmlns:mc="http://schemas.openxmlformats.org/markup-compatibility/2006" xmlns:a14="http://schemas.microsoft.com/office/drawing/2010/main">
-        <mc:Choice Requires="a14">
+      <mc:AlternateContent xmlns:mc="http://schemas.openxmlformats.org/markup-compatibility/2006">
+        <mc:Choice xmlns:a14="http://schemas.microsoft.com/office/drawing/2010/main" Requires="a14">
           <p:sp>
             <p:nvSpPr>
               <p:cNvPr id="3" name="Content Placeholder 2">
@@ -5576,10 +5584,10 @@
                 <a14:m>
                   <m:oMath xmlns:m="http://schemas.openxmlformats.org/officeDocument/2006/math">
                     <m:r>
-                      <a:rPr lang="en-US" i="1" dirty="0" smtClean="0">
+                      <a:rPr lang="en-US" b="0" i="1" smtClean="0">
                         <a:latin typeface="Cambria Math" panose="02040503050406030204" pitchFamily="18" charset="0"/>
                       </a:rPr>
-                      <m:t>𝑘</m:t>
+                      <m:t>𝑚</m:t>
                     </m:r>
                   </m:oMath>
                 </a14:m>
@@ -5621,10 +5629,10 @@
                       </m:e>
                       <m:sup>
                         <m:r>
-                          <a:rPr lang="en-US" i="1">
-                            <a:latin typeface="Cambria Math" charset="0"/>
+                          <a:rPr lang="en-US" b="0" i="1" smtClean="0">
+                            <a:latin typeface="Cambria Math" panose="02040503050406030204" pitchFamily="18" charset="0"/>
                           </a:rPr>
-                          <m:t>𝑘</m:t>
+                          <m:t>𝑚</m:t>
                         </m:r>
                       </m:sup>
                     </m:sSup>
@@ -5638,7 +5646,7 @@
             </p:txBody>
           </p:sp>
         </mc:Choice>
-        <mc:Fallback xmlns="">
+        <mc:Fallback>
           <p:sp>
             <p:nvSpPr>
               <p:cNvPr id="3" name="Content Placeholder 2">
@@ -5848,8 +5856,8 @@
           </a:p>
         </p:txBody>
       </p:sp>
-      <mc:AlternateContent xmlns:mc="http://schemas.openxmlformats.org/markup-compatibility/2006" xmlns:a14="http://schemas.microsoft.com/office/drawing/2010/main">
-        <mc:Choice Requires="a14">
+      <mc:AlternateContent xmlns:mc="http://schemas.openxmlformats.org/markup-compatibility/2006">
+        <mc:Choice xmlns:a14="http://schemas.microsoft.com/office/drawing/2010/main" Requires="a14">
           <p:sp>
             <p:nvSpPr>
               <p:cNvPr id="6" name="TextBox 5">
@@ -5885,10 +5893,10 @@
                 <a14:m>
                   <m:oMath xmlns:m="http://schemas.openxmlformats.org/officeDocument/2006/math">
                     <m:r>
-                      <a:rPr lang="en-US" sz="2400" i="1" dirty="0" smtClean="0">
+                      <a:rPr lang="en-US" sz="2400" b="0" i="1" dirty="0" smtClean="0">
                         <a:latin typeface="Cambria Math" panose="02040503050406030204" pitchFamily="18" charset="0"/>
                       </a:rPr>
-                      <m:t>𝑘</m:t>
+                      <m:t>𝑐</m:t>
                     </m:r>
                   </m:oMath>
                 </a14:m>
@@ -5900,7 +5908,7 @@
             </p:txBody>
           </p:sp>
         </mc:Choice>
-        <mc:Fallback xmlns="">
+        <mc:Fallback>
           <p:sp>
             <p:nvSpPr>
               <p:cNvPr id="6" name="TextBox 5">
@@ -5926,7 +5934,7 @@
               <a:blipFill>
                 <a:blip r:embed="rId3"/>
                 <a:stretch>
-                  <a:fillRect l="-1133" t="-7895" r="-283" b="-23684"/>
+                  <a:fillRect l="-1133" t="-7895" b="-23684"/>
                 </a:stretch>
               </a:blipFill>
             </p:spPr>
@@ -5945,8 +5953,8 @@
           </p:sp>
         </mc:Fallback>
       </mc:AlternateContent>
-      <mc:AlternateContent xmlns:mc="http://schemas.openxmlformats.org/markup-compatibility/2006" xmlns:a14="http://schemas.microsoft.com/office/drawing/2010/main">
-        <mc:Choice Requires="a14">
+      <mc:AlternateContent xmlns:mc="http://schemas.openxmlformats.org/markup-compatibility/2006">
+        <mc:Choice xmlns:a14="http://schemas.microsoft.com/office/drawing/2010/main" Requires="a14">
           <p:sp>
             <p:nvSpPr>
               <p:cNvPr id="7" name="TextBox 6">
@@ -5962,7 +5970,7 @@
             <p:spPr>
               <a:xfrm>
                 <a:off x="1054336" y="4487867"/>
-                <a:ext cx="7778411" cy="547073"/>
+                <a:ext cx="7754046" cy="547073"/>
               </a:xfrm>
               <a:prstGeom prst="rect">
                 <a:avLst/>
@@ -6055,7 +6063,7 @@
                               <a:rPr lang="en-US" sz="2600" b="0" i="1" smtClean="0">
                                 <a:latin typeface="Cambria Math" panose="02040503050406030204" pitchFamily="18" charset="0"/>
                               </a:rPr>
-                              <m:t>𝑘</m:t>
+                              <m:t>𝑐</m:t>
                             </m:r>
                             <m:r>
                               <a:rPr lang="en-US" sz="2600" b="0" i="1" smtClean="0">
@@ -6102,7 +6110,13 @@
                                   <a:rPr lang="en-US" sz="2600" b="0" i="1" smtClean="0">
                                     <a:latin typeface="Cambria Math" panose="02040503050406030204" pitchFamily="18" charset="0"/>
                                   </a:rPr>
-                                  <m:t>𝑛𝑘</m:t>
+                                  <m:t>𝑛</m:t>
+                                </m:r>
+                                <m:r>
+                                  <a:rPr lang="en-US" sz="2600" b="0" i="1" smtClean="0">
+                                    <a:latin typeface="Cambria Math" panose="02040503050406030204" pitchFamily="18" charset="0"/>
+                                  </a:rPr>
+                                  <m:t>𝑐</m:t>
                                 </m:r>
                                 <m:r>
                                   <a:rPr lang="en-US" sz="2600" b="0" i="1" smtClean="0">
@@ -6139,7 +6153,7 @@
                                   <a:rPr lang="en-US" sz="2600" b="0" i="1" smtClean="0">
                                     <a:latin typeface="Cambria Math" panose="02040503050406030204" pitchFamily="18" charset="0"/>
                                   </a:rPr>
-                                  <m:t>𝑘</m:t>
+                                  <m:t>𝑐</m:t>
                                 </m:r>
                               </m:e>
                             </m:nary>
@@ -6205,7 +6219,7 @@
             </p:txBody>
           </p:sp>
         </mc:Choice>
-        <mc:Fallback xmlns="">
+        <mc:Fallback>
           <p:sp>
             <p:nvSpPr>
               <p:cNvPr id="7" name="TextBox 6">
@@ -6223,7 +6237,7 @@
             <p:spPr>
               <a:xfrm>
                 <a:off x="1054336" y="4487867"/>
-                <a:ext cx="7778411" cy="547073"/>
+                <a:ext cx="7754046" cy="547073"/>
               </a:xfrm>
               <a:prstGeom prst="rect">
                 <a:avLst/>
@@ -6231,7 +6245,7 @@
               <a:blipFill>
                 <a:blip r:embed="rId4"/>
                 <a:stretch>
-                  <a:fillRect l="-1468" t="-115909" b="-170455"/>
+                  <a:fillRect l="-1473" t="-115909" b="-170455"/>
                 </a:stretch>
               </a:blipFill>
             </p:spPr>
@@ -6267,17 +6281,399 @@
         </p:nvCxnSpPr>
         <p:spPr>
           <a:xfrm rot="10800000" flipH="1">
-            <a:off x="1054336" y="2573080"/>
-            <a:ext cx="116280" cy="2188325"/>
+            <a:off x="1054336" y="2573086"/>
+            <a:ext cx="116280" cy="2188319"/>
           </a:xfrm>
           <a:prstGeom prst="bentConnector4">
             <a:avLst>
               <a:gd name="adj1" fmla="val -196594"/>
-              <a:gd name="adj2" fmla="val 99979"/>
+              <a:gd name="adj2" fmla="val 100002"/>
             </a:avLst>
           </a:prstGeom>
           <a:ln>
             <a:tailEnd type="triangle"/>
+          </a:ln>
+        </p:spPr>
+        <p:style>
+          <a:lnRef idx="1">
+            <a:schemeClr val="accent1"/>
+          </a:lnRef>
+          <a:fillRef idx="0">
+            <a:schemeClr val="accent1"/>
+          </a:fillRef>
+          <a:effectRef idx="0">
+            <a:schemeClr val="accent1"/>
+          </a:effectRef>
+          <a:fontRef idx="minor">
+            <a:schemeClr val="tx1"/>
+          </a:fontRef>
+        </p:style>
+      </p:cxnSp>
+      <mc:AlternateContent xmlns:mc="http://schemas.openxmlformats.org/markup-compatibility/2006">
+        <mc:Choice xmlns:a14="http://schemas.microsoft.com/office/drawing/2010/main" Requires="a14">
+          <p:sp>
+            <p:nvSpPr>
+              <p:cNvPr id="10" name="TextBox 9">
+                <a:extLst>
+                  <a:ext uri="{FF2B5EF4-FFF2-40B4-BE49-F238E27FC236}">
+                    <a16:creationId xmlns:a16="http://schemas.microsoft.com/office/drawing/2014/main" id="{F4D7C81D-212B-DA4C-8A7E-9091076D4794}"/>
+                  </a:ext>
+                </a:extLst>
+              </p:cNvPr>
+              <p:cNvSpPr txBox="1"/>
+              <p:nvPr/>
+            </p:nvSpPr>
+            <p:spPr>
+              <a:xfrm>
+                <a:off x="1054335" y="5332415"/>
+                <a:ext cx="6933437" cy="547073"/>
+              </a:xfrm>
+              <a:prstGeom prst="rect">
+                <a:avLst/>
+              </a:prstGeom>
+              <a:noFill/>
+            </p:spPr>
+            <p:txBody>
+              <a:bodyPr wrap="none" rtlCol="0">
+                <a:spAutoFit/>
+              </a:bodyPr>
+              <a:lstStyle/>
+              <a:p>
+                <a:r>
+                  <a:rPr lang="en-US" sz="2600" dirty="0"/>
+                  <a:t>T(n) = </a:t>
+                </a:r>
+                <a14:m>
+                  <m:oMath xmlns:m="http://schemas.openxmlformats.org/officeDocument/2006/math">
+                    <m:nary>
+                      <m:naryPr>
+                        <m:chr m:val="∑"/>
+                        <m:ctrlPr>
+                          <a:rPr lang="en-US" sz="2600" i="1" smtClean="0">
+                            <a:latin typeface="Cambria Math" panose="02040503050406030204" pitchFamily="18" charset="0"/>
+                          </a:rPr>
+                        </m:ctrlPr>
+                      </m:naryPr>
+                      <m:sub>
+                        <m:r>
+                          <m:rPr>
+                            <m:brk m:alnAt="23"/>
+                          </m:rPr>
+                          <a:rPr lang="en-US" sz="2600" b="0" i="1" smtClean="0">
+                            <a:latin typeface="Cambria Math" panose="02040503050406030204" pitchFamily="18" charset="0"/>
+                          </a:rPr>
+                          <m:t>𝑖</m:t>
+                        </m:r>
+                        <m:r>
+                          <a:rPr lang="en-US" sz="2600" b="0" i="1" smtClean="0">
+                            <a:latin typeface="Cambria Math" panose="02040503050406030204" pitchFamily="18" charset="0"/>
+                          </a:rPr>
+                          <m:t>=1</m:t>
+                        </m:r>
+                      </m:sub>
+                      <m:sup>
+                        <m:r>
+                          <a:rPr lang="en-US" sz="2600" b="0" i="1" smtClean="0">
+                            <a:latin typeface="Cambria Math" panose="02040503050406030204" pitchFamily="18" charset="0"/>
+                          </a:rPr>
+                          <m:t>𝑛</m:t>
+                        </m:r>
+                      </m:sup>
+                      <m:e>
+                        <m:nary>
+                          <m:naryPr>
+                            <m:chr m:val="∑"/>
+                            <m:ctrlPr>
+                              <a:rPr lang="en-US" sz="2600" i="1" smtClean="0">
+                                <a:latin typeface="Cambria Math" panose="02040503050406030204" pitchFamily="18" charset="0"/>
+                              </a:rPr>
+                            </m:ctrlPr>
+                          </m:naryPr>
+                          <m:sub>
+                            <m:r>
+                              <m:rPr>
+                                <m:brk m:alnAt="23"/>
+                              </m:rPr>
+                              <a:rPr lang="en-US" sz="2600" b="0" i="1" smtClean="0">
+                                <a:latin typeface="Cambria Math" panose="02040503050406030204" pitchFamily="18" charset="0"/>
+                              </a:rPr>
+                              <m:t>𝑗</m:t>
+                            </m:r>
+                            <m:r>
+                              <a:rPr lang="en-US" sz="2600" b="0" i="1" smtClean="0">
+                                <a:latin typeface="Cambria Math" panose="02040503050406030204" pitchFamily="18" charset="0"/>
+                              </a:rPr>
+                              <m:t>=1</m:t>
+                            </m:r>
+                          </m:sub>
+                          <m:sup>
+                            <m:r>
+                              <a:rPr lang="en-US" sz="2600" b="0" i="1" smtClean="0">
+                                <a:latin typeface="Cambria Math" panose="02040503050406030204" pitchFamily="18" charset="0"/>
+                              </a:rPr>
+                              <m:t>𝑛</m:t>
+                            </m:r>
+                          </m:sup>
+                          <m:e>
+                            <m:nary>
+                              <m:naryPr>
+                                <m:chr m:val="∑"/>
+                                <m:ctrlPr>
+                                  <a:rPr lang="en-US" sz="2600" i="1" smtClean="0">
+                                    <a:latin typeface="Cambria Math" panose="02040503050406030204" pitchFamily="18" charset="0"/>
+                                  </a:rPr>
+                                </m:ctrlPr>
+                              </m:naryPr>
+                              <m:sub>
+                                <m:r>
+                                  <a:rPr lang="en-US" sz="2600" b="0" i="1" smtClean="0">
+                                    <a:latin typeface="Cambria Math" panose="02040503050406030204" pitchFamily="18" charset="0"/>
+                                  </a:rPr>
+                                  <m:t>𝑘</m:t>
+                                </m:r>
+                                <m:r>
+                                  <a:rPr lang="en-US" sz="2600" i="1">
+                                    <a:latin typeface="Cambria Math" panose="02040503050406030204" pitchFamily="18" charset="0"/>
+                                  </a:rPr>
+                                  <m:t>=1</m:t>
+                                </m:r>
+                              </m:sub>
+                              <m:sup>
+                                <m:r>
+                                  <a:rPr lang="en-US" sz="2600" i="1">
+                                    <a:latin typeface="Cambria Math" panose="02040503050406030204" pitchFamily="18" charset="0"/>
+                                  </a:rPr>
+                                  <m:t>𝑛</m:t>
+                                </m:r>
+                              </m:sup>
+                              <m:e>
+                                <m:r>
+                                  <a:rPr lang="en-US" sz="2600" i="1">
+                                    <a:latin typeface="Cambria Math" panose="02040503050406030204" pitchFamily="18" charset="0"/>
+                                  </a:rPr>
+                                  <m:t>𝑐</m:t>
+                                </m:r>
+                                <m:r>
+                                  <a:rPr lang="en-US" sz="2600" i="1">
+                                    <a:latin typeface="Cambria Math" panose="02040503050406030204" pitchFamily="18" charset="0"/>
+                                  </a:rPr>
+                                  <m:t>=</m:t>
+                                </m:r>
+                              </m:e>
+                            </m:nary>
+                            <m:r>
+                              <a:rPr lang="en-US" sz="2600" b="0" i="1" smtClean="0">
+                                <a:latin typeface="Cambria Math" panose="02040503050406030204" pitchFamily="18" charset="0"/>
+                              </a:rPr>
+                              <m:t> </m:t>
+                            </m:r>
+                            <m:sSup>
+                              <m:sSupPr>
+                                <m:ctrlPr>
+                                  <a:rPr lang="en-US" sz="2600" b="0" i="1" smtClean="0">
+                                    <a:latin typeface="Cambria Math" panose="02040503050406030204" pitchFamily="18" charset="0"/>
+                                  </a:rPr>
+                                </m:ctrlPr>
+                              </m:sSupPr>
+                              <m:e>
+                                <m:r>
+                                  <a:rPr lang="en-US" sz="2600" b="0" i="1" smtClean="0">
+                                    <a:latin typeface="Cambria Math" panose="02040503050406030204" pitchFamily="18" charset="0"/>
+                                  </a:rPr>
+                                  <m:t>𝑛</m:t>
+                                </m:r>
+                              </m:e>
+                              <m:sup>
+                                <m:r>
+                                  <a:rPr lang="en-US" sz="2600" b="0" i="1" smtClean="0">
+                                    <a:latin typeface="Cambria Math" panose="02040503050406030204" pitchFamily="18" charset="0"/>
+                                  </a:rPr>
+                                  <m:t>3</m:t>
+                                </m:r>
+                              </m:sup>
+                            </m:sSup>
+                            <m:r>
+                              <a:rPr lang="en-US" sz="2600" b="0" i="1" smtClean="0">
+                                <a:latin typeface="Cambria Math" panose="02040503050406030204" pitchFamily="18" charset="0"/>
+                              </a:rPr>
+                              <m:t>𝑐</m:t>
+                            </m:r>
+                          </m:e>
+                        </m:nary>
+                      </m:e>
+                    </m:nary>
+                  </m:oMath>
+                </a14:m>
+                <a:r>
+                  <a:rPr lang="en-US" sz="2600" dirty="0"/>
+                  <a:t>, which is </a:t>
+                </a:r>
+                <a14:m>
+                  <m:oMath xmlns:m="http://schemas.openxmlformats.org/officeDocument/2006/math">
+                    <m:r>
+                      <a:rPr lang="en-US" sz="2600" i="1" dirty="0" smtClean="0">
+                        <a:latin typeface="Cambria Math" panose="02040503050406030204" pitchFamily="18" charset="0"/>
+                      </a:rPr>
+                      <m:t>𝑂</m:t>
+                    </m:r>
+                    <m:r>
+                      <a:rPr lang="en-US" sz="2600" i="1" dirty="0" smtClean="0">
+                        <a:latin typeface="Cambria Math" panose="02040503050406030204" pitchFamily="18" charset="0"/>
+                      </a:rPr>
+                      <m:t>(</m:t>
+                    </m:r>
+                    <m:sSup>
+                      <m:sSupPr>
+                        <m:ctrlPr>
+                          <a:rPr lang="en-US" sz="2600" i="1" dirty="0" smtClean="0">
+                            <a:latin typeface="Cambria Math" panose="02040503050406030204" pitchFamily="18" charset="0"/>
+                          </a:rPr>
+                        </m:ctrlPr>
+                      </m:sSupPr>
+                      <m:e>
+                        <m:r>
+                          <a:rPr lang="en-US" sz="2600" i="1" dirty="0" smtClean="0">
+                            <a:latin typeface="Cambria Math" panose="02040503050406030204" pitchFamily="18" charset="0"/>
+                          </a:rPr>
+                          <m:t>𝑛</m:t>
+                        </m:r>
+                      </m:e>
+                      <m:sup>
+                        <m:r>
+                          <a:rPr lang="en-US" sz="2600" b="0" i="1" dirty="0" smtClean="0">
+                            <a:latin typeface="Cambria Math" panose="02040503050406030204" pitchFamily="18" charset="0"/>
+                          </a:rPr>
+                          <m:t>3</m:t>
+                        </m:r>
+                      </m:sup>
+                    </m:sSup>
+                    <m:r>
+                      <a:rPr lang="en-US" sz="2600" i="1" dirty="0" smtClean="0">
+                        <a:latin typeface="Cambria Math" panose="02040503050406030204" pitchFamily="18" charset="0"/>
+                      </a:rPr>
+                      <m:t>)</m:t>
+                    </m:r>
+                  </m:oMath>
+                </a14:m>
+                <a:endParaRPr lang="en-US" sz="2600" dirty="0"/>
+              </a:p>
+            </p:txBody>
+          </p:sp>
+        </mc:Choice>
+        <mc:Fallback>
+          <p:sp>
+            <p:nvSpPr>
+              <p:cNvPr id="10" name="TextBox 9">
+                <a:extLst>
+                  <a:ext uri="{FF2B5EF4-FFF2-40B4-BE49-F238E27FC236}">
+                    <a16:creationId xmlns:a16="http://schemas.microsoft.com/office/drawing/2014/main" id="{F4D7C81D-212B-DA4C-8A7E-9091076D4794}"/>
+                  </a:ext>
+                </a:extLst>
+              </p:cNvPr>
+              <p:cNvSpPr txBox="1">
+                <a:spLocks noRot="1" noChangeAspect="1" noMove="1" noResize="1" noEditPoints="1" noAdjustHandles="1" noChangeArrowheads="1" noChangeShapeType="1" noTextEdit="1"/>
+              </p:cNvSpPr>
+              <p:nvPr/>
+            </p:nvSpPr>
+            <p:spPr>
+              <a:xfrm>
+                <a:off x="1054335" y="5332415"/>
+                <a:ext cx="6933437" cy="547073"/>
+              </a:xfrm>
+              <a:prstGeom prst="rect">
+                <a:avLst/>
+              </a:prstGeom>
+              <a:blipFill>
+                <a:blip r:embed="rId5"/>
+                <a:stretch>
+                  <a:fillRect l="-1648" t="-118605" b="-174419"/>
+                </a:stretch>
+              </a:blipFill>
+            </p:spPr>
+            <p:txBody>
+              <a:bodyPr/>
+              <a:lstStyle/>
+              <a:p>
+                <a:r>
+                  <a:rPr lang="en-US">
+                    <a:noFill/>
+                  </a:rPr>
+                  <a:t> </a:t>
+                </a:r>
+              </a:p>
+            </p:txBody>
+          </p:sp>
+        </mc:Fallback>
+      </mc:AlternateContent>
+      <p:cxnSp>
+        <p:nvCxnSpPr>
+          <p:cNvPr id="24" name="Elbow Connector 23">
+            <a:extLst>
+              <a:ext uri="{FF2B5EF4-FFF2-40B4-BE49-F238E27FC236}">
+                <a16:creationId xmlns:a16="http://schemas.microsoft.com/office/drawing/2014/main" id="{CD2F295B-1F9D-4744-A3F7-917F0A460592}"/>
+              </a:ext>
+            </a:extLst>
+          </p:cNvPr>
+          <p:cNvCxnSpPr>
+            <a:cxnSpLocks/>
+            <a:stCxn id="10" idx="3"/>
+          </p:cNvCxnSpPr>
+          <p:nvPr/>
+        </p:nvCxnSpPr>
+        <p:spPr>
+          <a:xfrm flipV="1">
+            <a:off x="7987772" y="2573086"/>
+            <a:ext cx="3366028" cy="3032866"/>
+          </a:xfrm>
+          <a:prstGeom prst="bentConnector3">
+            <a:avLst>
+              <a:gd name="adj1" fmla="val 100019"/>
+            </a:avLst>
+          </a:prstGeom>
+          <a:ln>
+            <a:headEnd type="none"/>
+            <a:tailEnd type="none"/>
+          </a:ln>
+        </p:spPr>
+        <p:style>
+          <a:lnRef idx="1">
+            <a:schemeClr val="accent1"/>
+          </a:lnRef>
+          <a:fillRef idx="0">
+            <a:schemeClr val="accent1"/>
+          </a:fillRef>
+          <a:effectRef idx="0">
+            <a:schemeClr val="accent1"/>
+          </a:effectRef>
+          <a:fontRef idx="minor">
+            <a:schemeClr val="tx1"/>
+          </a:fontRef>
+        </p:style>
+      </p:cxnSp>
+      <p:cxnSp>
+        <p:nvCxnSpPr>
+          <p:cNvPr id="31" name="Straight Connector 30">
+            <a:extLst>
+              <a:ext uri="{FF2B5EF4-FFF2-40B4-BE49-F238E27FC236}">
+                <a16:creationId xmlns:a16="http://schemas.microsoft.com/office/drawing/2014/main" id="{B3044E8A-151F-F947-B085-7DD529BB9453}"/>
+              </a:ext>
+            </a:extLst>
+          </p:cNvPr>
+          <p:cNvCxnSpPr>
+            <a:cxnSpLocks/>
+          </p:cNvCxnSpPr>
+          <p:nvPr/>
+        </p:nvCxnSpPr>
+        <p:spPr>
+          <a:xfrm>
+            <a:off x="10962138" y="2573086"/>
+            <a:ext cx="391662" cy="0"/>
+          </a:xfrm>
+          <a:prstGeom prst="line">
+            <a:avLst/>
+          </a:prstGeom>
+          <a:ln>
+            <a:headEnd type="triangle"/>
           </a:ln>
         </p:spPr>
         <p:style>
@@ -7050,8 +7446,8 @@
           </a:p>
         </p:txBody>
       </p:sp>
-      <mc:AlternateContent xmlns:mc="http://schemas.openxmlformats.org/markup-compatibility/2006" xmlns:a14="http://schemas.microsoft.com/office/drawing/2010/main">
-        <mc:Choice Requires="a14">
+      <mc:AlternateContent xmlns:mc="http://schemas.openxmlformats.org/markup-compatibility/2006">
+        <mc:Choice xmlns:a14="http://schemas.microsoft.com/office/drawing/2010/main" Requires="a14">
           <p:sp>
             <p:nvSpPr>
               <p:cNvPr id="3" name="Content Placeholder 2"/>
@@ -7133,7 +7529,7 @@
                 </a:r>
                 <a:r>
                   <a:rPr lang="en-US" dirty="0"/>
-                  <a:t>(a)</a:t>
+                  <a:t>(doc)</a:t>
                 </a:r>
                 <a:br>
                   <a:rPr lang="en-US" dirty="0"/>
@@ -7366,7 +7762,7 @@
             </p:txBody>
           </p:sp>
         </mc:Choice>
-        <mc:Fallback xmlns="">
+        <mc:Fallback>
           <p:sp>
             <p:nvSpPr>
               <p:cNvPr id="3" name="Content Placeholder 2"/>
@@ -7385,7 +7781,7 @@
               <a:blipFill>
                 <a:blip r:embed="rId2"/>
                 <a:stretch>
-                  <a:fillRect l="-911" t="-2632" b="-11111"/>
+                  <a:fillRect l="-1026" t="-2326" b="-11047"/>
                 </a:stretch>
               </a:blipFill>
             </p:spPr>
@@ -7621,8 +8017,8 @@
           </a:p>
         </p:txBody>
       </p:sp>
-      <mc:AlternateContent xmlns:mc="http://schemas.openxmlformats.org/markup-compatibility/2006" xmlns:a14="http://schemas.microsoft.com/office/drawing/2010/main">
-        <mc:Choice Requires="a14">
+      <mc:AlternateContent xmlns:mc="http://schemas.openxmlformats.org/markup-compatibility/2006">
+        <mc:Choice xmlns:a14="http://schemas.microsoft.com/office/drawing/2010/main" Requires="a14">
           <p:sp>
             <p:nvSpPr>
               <p:cNvPr id="8" name="Content Placeholder 2"/>
@@ -7691,8 +8087,12 @@
                   <a:rPr lang="en-US" dirty="0"/>
                 </a:br>
                 <a:r>
+                  <a:rPr lang="en-US" i="1" dirty="0"/>
+                  <a:t>m</a:t>
+                </a:r>
+                <a:r>
                   <a:rPr lang="en-US" dirty="0"/>
-                  <a:t>m be </a:t>
+                  <a:t> be </a:t>
                 </a:r>
                 <a:r>
                   <a:rPr lang="en-US" dirty="0" err="1"/>
@@ -7700,7 +8100,7 @@
                 </a:r>
                 <a:r>
                   <a:rPr lang="en-US" dirty="0"/>
-                  <a:t>(a)</a:t>
+                  <a:t>(doc)</a:t>
                 </a:r>
                 <a:br>
                   <a:rPr lang="en-US" dirty="0"/>
@@ -8020,7 +8420,7 @@
             </p:txBody>
           </p:sp>
         </mc:Choice>
-        <mc:Fallback xmlns="">
+        <mc:Fallback>
           <p:sp>
             <p:nvSpPr>
               <p:cNvPr id="8" name="Content Placeholder 2"/>
@@ -8039,7 +8439,7 @@
               <a:blipFill>
                 <a:blip r:embed="rId2"/>
                 <a:stretch>
-                  <a:fillRect l="-911" t="-2632" b="-20175"/>
+                  <a:fillRect l="-1026" t="-2326" b="-20058"/>
                 </a:stretch>
               </a:blipFill>
             </p:spPr>
@@ -8585,7 +8985,7 @@
                 </a:r>
                 <a:r>
                   <a:rPr lang="en-US" dirty="0"/>
-                  <a:t>(a)</a:t>
+                  <a:t>(doc)</a:t>
                 </a:r>
                 <a:br>
                   <a:rPr lang="en-US" dirty="0"/>
@@ -13359,6 +13759,50 @@
           </a:p>
         </p:txBody>
       </p:sp>
+      <p:cxnSp>
+        <p:nvCxnSpPr>
+          <p:cNvPr id="10" name="Straight Arrow Connector 9">
+            <a:extLst>
+              <a:ext uri="{FF2B5EF4-FFF2-40B4-BE49-F238E27FC236}">
+                <a16:creationId xmlns:a16="http://schemas.microsoft.com/office/drawing/2014/main" id="{E1F6D11E-292E-6448-9369-59F8F8511B81}"/>
+              </a:ext>
+            </a:extLst>
+          </p:cNvPr>
+          <p:cNvCxnSpPr>
+            <a:cxnSpLocks/>
+          </p:cNvCxnSpPr>
+          <p:nvPr/>
+        </p:nvCxnSpPr>
+        <p:spPr>
+          <a:xfrm flipV="1">
+            <a:off x="3624689" y="3550024"/>
+            <a:ext cx="4002483" cy="953258"/>
+          </a:xfrm>
+          <a:prstGeom prst="straightConnector1">
+            <a:avLst/>
+          </a:prstGeom>
+          <a:ln w="25400">
+            <a:solidFill>
+              <a:schemeClr val="accent2"/>
+            </a:solidFill>
+            <a:tailEnd type="triangle"/>
+          </a:ln>
+        </p:spPr>
+        <p:style>
+          <a:lnRef idx="1">
+            <a:schemeClr val="accent1"/>
+          </a:lnRef>
+          <a:fillRef idx="0">
+            <a:schemeClr val="accent1"/>
+          </a:fillRef>
+          <a:effectRef idx="0">
+            <a:schemeClr val="accent1"/>
+          </a:effectRef>
+          <a:fontRef idx="minor">
+            <a:schemeClr val="tx1"/>
+          </a:fontRef>
+        </p:style>
+      </p:cxnSp>
     </p:spTree>
     <p:extLst>
       <p:ext uri="{BB962C8B-B14F-4D97-AF65-F5344CB8AC3E}">
@@ -13420,6 +13864,33 @@
                                   </p:childTnLst>
                                 </p:cTn>
                               </p:par>
+                              <p:par>
+                                <p:cTn id="7" presetID="1" presetClass="entr" presetSubtype="0" fill="hold" nodeType="withEffect">
+                                  <p:stCondLst>
+                                    <p:cond delay="0"/>
+                                  </p:stCondLst>
+                                  <p:childTnLst>
+                                    <p:set>
+                                      <p:cBhvr>
+                                        <p:cTn id="8" dur="1" fill="hold">
+                                          <p:stCondLst>
+                                            <p:cond delay="0"/>
+                                          </p:stCondLst>
+                                        </p:cTn>
+                                        <p:tgtEl>
+                                          <p:spTgt spid="10"/>
+                                        </p:tgtEl>
+                                        <p:attrNameLst>
+                                          <p:attrName>style.visibility</p:attrName>
+                                        </p:attrNameLst>
+                                      </p:cBhvr>
+                                      <p:to>
+                                        <p:strVal val="visible"/>
+                                      </p:to>
+                                    </p:set>
+                                  </p:childTnLst>
+                                </p:cTn>
+                              </p:par>
                             </p:childTnLst>
                           </p:cTn>
                         </p:par>
@@ -13427,26 +13898,26 @@
                     </p:cTn>
                   </p:par>
                   <p:par>
-                    <p:cTn id="7" fill="hold">
+                    <p:cTn id="9" fill="hold">
                       <p:stCondLst>
                         <p:cond delay="indefinite"/>
                       </p:stCondLst>
                       <p:childTnLst>
                         <p:par>
-                          <p:cTn id="8" fill="hold">
+                          <p:cTn id="10" fill="hold">
                             <p:stCondLst>
                               <p:cond delay="0"/>
                             </p:stCondLst>
                             <p:childTnLst>
                               <p:par>
-                                <p:cTn id="9" presetID="1" presetClass="entr" presetSubtype="0" fill="hold" grpId="0" nodeType="clickEffect">
+                                <p:cTn id="11" presetID="1" presetClass="entr" presetSubtype="0" fill="hold" grpId="0" nodeType="clickEffect">
                                   <p:stCondLst>
                                     <p:cond delay="0"/>
                                   </p:stCondLst>
                                   <p:childTnLst>
                                     <p:set>
                                       <p:cBhvr>
-                                        <p:cTn id="10" dur="1" fill="hold">
+                                        <p:cTn id="12" dur="1" fill="hold">
                                           <p:stCondLst>
                                             <p:cond delay="0"/>
                                           </p:stCondLst>
@@ -13466,34 +13937,7 @@
                                 </p:cTn>
                               </p:par>
                               <p:par>
-                                <p:cTn id="11" presetID="1" presetClass="entr" presetSubtype="0" fill="hold" nodeType="withEffect">
-                                  <p:stCondLst>
-                                    <p:cond delay="0"/>
-                                  </p:stCondLst>
-                                  <p:childTnLst>
-                                    <p:set>
-                                      <p:cBhvr>
-                                        <p:cTn id="12" dur="1" fill="hold">
-                                          <p:stCondLst>
-                                            <p:cond delay="0"/>
-                                          </p:stCondLst>
-                                        </p:cTn>
-                                        <p:tgtEl>
-                                          <p:spTgt spid="6"/>
-                                        </p:tgtEl>
-                                        <p:attrNameLst>
-                                          <p:attrName>style.visibility</p:attrName>
-                                        </p:attrNameLst>
-                                      </p:cBhvr>
-                                      <p:to>
-                                        <p:strVal val="visible"/>
-                                      </p:to>
-                                    </p:set>
-                                  </p:childTnLst>
-                                </p:cTn>
-                              </p:par>
-                              <p:par>
-                                <p:cTn id="13" presetID="1" presetClass="entr" presetSubtype="0" fill="hold" grpId="0" nodeType="withEffect">
+                                <p:cTn id="13" presetID="1" presetClass="entr" presetSubtype="0" fill="hold" nodeType="withEffect">
                                   <p:stCondLst>
                                     <p:cond delay="0"/>
                                   </p:stCondLst>
@@ -13506,7 +13950,7 @@
                                           </p:stCondLst>
                                         </p:cTn>
                                         <p:tgtEl>
-                                          <p:spTgt spid="5"/>
+                                          <p:spTgt spid="6"/>
                                         </p:tgtEl>
                                         <p:attrNameLst>
                                           <p:attrName>style.visibility</p:attrName>
@@ -13533,6 +13977,33 @@
                                           </p:stCondLst>
                                         </p:cTn>
                                         <p:tgtEl>
+                                          <p:spTgt spid="5"/>
+                                        </p:tgtEl>
+                                        <p:attrNameLst>
+                                          <p:attrName>style.visibility</p:attrName>
+                                        </p:attrNameLst>
+                                      </p:cBhvr>
+                                      <p:to>
+                                        <p:strVal val="visible"/>
+                                      </p:to>
+                                    </p:set>
+                                  </p:childTnLst>
+                                </p:cTn>
+                              </p:par>
+                              <p:par>
+                                <p:cTn id="17" presetID="1" presetClass="entr" presetSubtype="0" fill="hold" grpId="0" nodeType="withEffect">
+                                  <p:stCondLst>
+                                    <p:cond delay="0"/>
+                                  </p:stCondLst>
+                                  <p:childTnLst>
+                                    <p:set>
+                                      <p:cBhvr>
+                                        <p:cTn id="18" dur="1" fill="hold">
+                                          <p:stCondLst>
+                                            <p:cond delay="0"/>
+                                          </p:stCondLst>
+                                        </p:cTn>
+                                        <p:tgtEl>
                                           <p:spTgt spid="7"/>
                                         </p:tgtEl>
                                         <p:attrNameLst>
@@ -13553,26 +14024,26 @@
                     </p:cTn>
                   </p:par>
                   <p:par>
-                    <p:cTn id="17" fill="hold">
+                    <p:cTn id="19" fill="hold">
                       <p:stCondLst>
                         <p:cond delay="indefinite"/>
                       </p:stCondLst>
                       <p:childTnLst>
                         <p:par>
-                          <p:cTn id="18" fill="hold">
+                          <p:cTn id="20" fill="hold">
                             <p:stCondLst>
                               <p:cond delay="0"/>
                             </p:stCondLst>
                             <p:childTnLst>
                               <p:par>
-                                <p:cTn id="19" presetID="1" presetClass="entr" presetSubtype="0" fill="hold" grpId="0" nodeType="clickEffect">
+                                <p:cTn id="21" presetID="1" presetClass="entr" presetSubtype="0" fill="hold" grpId="0" nodeType="clickEffect">
                                   <p:stCondLst>
                                     <p:cond delay="0"/>
                                   </p:stCondLst>
                                   <p:childTnLst>
                                     <p:set>
                                       <p:cBhvr>
-                                        <p:cTn id="20" dur="1" fill="hold">
+                                        <p:cTn id="22" dur="1" fill="hold">
                                           <p:stCondLst>
                                             <p:cond delay="0"/>
                                           </p:stCondLst>
@@ -14241,21 +14712,13 @@
             </a:r>
             <a:r>
               <a:rPr lang="en-US" dirty="0"/>
-              <a:t> be </a:t>
-            </a:r>
-            <a:r>
-              <a:rPr lang="en-US" dirty="0" err="1"/>
-              <a:t>num</a:t>
-            </a:r>
+              <a:t> be num of nodes/values, count comparisons</a:t>
+            </a:r>
+          </a:p>
+          <a:p>
             <a:r>
               <a:rPr lang="en-US" dirty="0"/>
-              <a:t> of values, count comparisons</a:t>
-            </a:r>
-          </a:p>
-          <a:p>
-            <a:r>
-              <a:rPr lang="en-US" dirty="0"/>
-              <a:t>Charge 3 comparisons to each iteration</a:t>
+              <a:t>Charge 2 comparisons to each iteration</a:t>
             </a:r>
           </a:p>
           <a:p>
@@ -14902,7 +15365,7 @@
           <a:p>
             <a:r>
               <a:rPr lang="en-US" dirty="0"/>
-              <a:t>Common case: T(n) = 3 + T(n/2), which we just saw is O(log n)</a:t>
+              <a:t>Common case: T(n) = 2 + T(n/2), which we just saw is O(log n)</a:t>
             </a:r>
           </a:p>
           <a:p>
@@ -18913,7 +19376,7 @@
                 <p:ph idx="1"/>
                 <p:extLst>
                   <p:ext uri="{D42A27DB-BD31-4B8C-83A1-F6EECF244321}">
-                    <p14:modId xmlns:p14="http://schemas.microsoft.com/office/powerpoint/2010/main" val="448427811"/>
+                    <p14:modId xmlns:p14="http://schemas.microsoft.com/office/powerpoint/2010/main" val="1479914274"/>
                   </p:ext>
                 </p:extLst>
               </p:nvPr>
@@ -19343,6 +19806,200 @@
                       </a:ext>
                     </a:extLst>
                   </a:tr>
+                  <a:tr h="814164">
+                    <a:tc>
+                      <a:txBody>
+                        <a:bodyPr/>
+                        <a:lstStyle/>
+                        <a:p>
+                          <a:r>
+                            <a:rPr lang="en-US" sz="2200" i="1" dirty="0"/>
+                            <a:t>O(log n)</a:t>
+                          </a:r>
+                        </a:p>
+                      </a:txBody>
+                      <a:tcPr>
+                        <a:lnL w="12700" cap="flat" cmpd="sng" algn="ctr">
+                          <a:solidFill>
+                            <a:schemeClr val="tx1"/>
+                          </a:solidFill>
+                          <a:prstDash val="solid"/>
+                          <a:round/>
+                          <a:headEnd type="none" w="med" len="med"/>
+                          <a:tailEnd type="none" w="med" len="med"/>
+                        </a:lnL>
+                        <a:lnR w="12700" cap="flat" cmpd="sng" algn="ctr">
+                          <a:solidFill>
+                            <a:schemeClr val="tx1"/>
+                          </a:solidFill>
+                          <a:prstDash val="solid"/>
+                          <a:round/>
+                          <a:headEnd type="none" w="med" len="med"/>
+                          <a:tailEnd type="none" w="med" len="med"/>
+                        </a:lnR>
+                        <a:lnT w="12700" cap="flat" cmpd="sng" algn="ctr">
+                          <a:solidFill>
+                            <a:schemeClr val="tx1"/>
+                          </a:solidFill>
+                          <a:prstDash val="solid"/>
+                          <a:round/>
+                          <a:headEnd type="none" w="med" len="med"/>
+                          <a:tailEnd type="none" w="med" len="med"/>
+                        </a:lnT>
+                        <a:lnB w="12700" cap="flat" cmpd="sng" algn="ctr">
+                          <a:solidFill>
+                            <a:schemeClr val="tx1"/>
+                          </a:solidFill>
+                          <a:prstDash val="solid"/>
+                          <a:round/>
+                          <a:headEnd type="none" w="med" len="med"/>
+                          <a:tailEnd type="none" w="med" len="med"/>
+                        </a:lnB>
+                        <a:lnTlToBr w="12700" cmpd="sng">
+                          <a:noFill/>
+                          <a:prstDash val="solid"/>
+                        </a:lnTlToBr>
+                        <a:lnBlToTr w="12700" cmpd="sng">
+                          <a:noFill/>
+                          <a:prstDash val="solid"/>
+                        </a:lnBlToTr>
+                        <a:noFill/>
+                      </a:tcPr>
+                    </a:tc>
+                    <a:tc>
+                      <a:txBody>
+                        <a:bodyPr/>
+                        <a:lstStyle/>
+                        <a:p>
+                          <a:r>
+                            <a:rPr lang="en-US" sz="2200" dirty="0"/>
+                            <a:t>Cut amount</a:t>
+                          </a:r>
+                          <a:r>
+                            <a:rPr lang="en-US" sz="2200" baseline="0" dirty="0"/>
+                            <a:t> of work in half each iteration, doing 1 operation</a:t>
+                          </a:r>
+                          <a:endParaRPr lang="en-US" sz="2200" dirty="0"/>
+                        </a:p>
+                      </a:txBody>
+                      <a:tcPr>
+                        <a:lnL w="12700" cap="flat" cmpd="sng" algn="ctr">
+                          <a:solidFill>
+                            <a:schemeClr val="tx1"/>
+                          </a:solidFill>
+                          <a:prstDash val="solid"/>
+                          <a:round/>
+                          <a:headEnd type="none" w="med" len="med"/>
+                          <a:tailEnd type="none" w="med" len="med"/>
+                        </a:lnL>
+                        <a:lnR w="12700" cap="flat" cmpd="sng" algn="ctr">
+                          <a:solidFill>
+                            <a:schemeClr val="tx1"/>
+                          </a:solidFill>
+                          <a:prstDash val="solid"/>
+                          <a:round/>
+                          <a:headEnd type="none" w="med" len="med"/>
+                          <a:tailEnd type="none" w="med" len="med"/>
+                        </a:lnR>
+                        <a:lnT w="12700" cap="flat" cmpd="sng" algn="ctr">
+                          <a:solidFill>
+                            <a:schemeClr val="tx1"/>
+                          </a:solidFill>
+                          <a:prstDash val="solid"/>
+                          <a:round/>
+                          <a:headEnd type="none" w="med" len="med"/>
+                          <a:tailEnd type="none" w="med" len="med"/>
+                        </a:lnT>
+                        <a:lnB w="12700" cap="flat" cmpd="sng" algn="ctr">
+                          <a:solidFill>
+                            <a:schemeClr val="tx1"/>
+                          </a:solidFill>
+                          <a:prstDash val="solid"/>
+                          <a:round/>
+                          <a:headEnd type="none" w="med" len="med"/>
+                          <a:tailEnd type="none" w="med" len="med"/>
+                        </a:lnB>
+                        <a:lnTlToBr w="12700" cmpd="sng">
+                          <a:noFill/>
+                          <a:prstDash val="solid"/>
+                        </a:lnTlToBr>
+                        <a:lnBlToTr w="12700" cmpd="sng">
+                          <a:noFill/>
+                          <a:prstDash val="solid"/>
+                        </a:lnBlToTr>
+                        <a:noFill/>
+                      </a:tcPr>
+                    </a:tc>
+                    <a:tc>
+                      <a:txBody>
+                        <a:bodyPr/>
+                        <a:lstStyle/>
+                        <a:p>
+                          <a:r>
+                            <a:rPr lang="en-US" sz="2200" dirty="0"/>
+                            <a:t>Binary</a:t>
+                          </a:r>
+                          <a:r>
+                            <a:rPr lang="en-US" sz="2200" baseline="0" dirty="0"/>
+                            <a:t> search, search in binary search tree (BST), add to BST</a:t>
+                          </a:r>
+                          <a:endParaRPr lang="en-US" sz="2200" dirty="0"/>
+                        </a:p>
+                      </a:txBody>
+                      <a:tcPr>
+                        <a:lnL w="12700" cap="flat" cmpd="sng" algn="ctr">
+                          <a:solidFill>
+                            <a:schemeClr val="tx1"/>
+                          </a:solidFill>
+                          <a:prstDash val="solid"/>
+                          <a:round/>
+                          <a:headEnd type="none" w="med" len="med"/>
+                          <a:tailEnd type="none" w="med" len="med"/>
+                        </a:lnL>
+                        <a:lnR w="12700" cap="flat" cmpd="sng" algn="ctr">
+                          <a:solidFill>
+                            <a:schemeClr val="tx1"/>
+                          </a:solidFill>
+                          <a:prstDash val="solid"/>
+                          <a:round/>
+                          <a:headEnd type="none" w="med" len="med"/>
+                          <a:tailEnd type="none" w="med" len="med"/>
+                        </a:lnR>
+                        <a:lnT w="12700" cap="flat" cmpd="sng" algn="ctr">
+                          <a:solidFill>
+                            <a:schemeClr val="tx1"/>
+                          </a:solidFill>
+                          <a:prstDash val="solid"/>
+                          <a:round/>
+                          <a:headEnd type="none" w="med" len="med"/>
+                          <a:tailEnd type="none" w="med" len="med"/>
+                        </a:lnT>
+                        <a:lnB w="12700" cap="flat" cmpd="sng" algn="ctr">
+                          <a:solidFill>
+                            <a:schemeClr val="tx1"/>
+                          </a:solidFill>
+                          <a:prstDash val="solid"/>
+                          <a:round/>
+                          <a:headEnd type="none" w="med" len="med"/>
+                          <a:tailEnd type="none" w="med" len="med"/>
+                        </a:lnB>
+                        <a:lnTlToBr w="12700" cmpd="sng">
+                          <a:noFill/>
+                          <a:prstDash val="solid"/>
+                        </a:lnTlToBr>
+                        <a:lnBlToTr w="12700" cmpd="sng">
+                          <a:noFill/>
+                          <a:prstDash val="solid"/>
+                        </a:lnBlToTr>
+                        <a:noFill/>
+                      </a:tcPr>
+                    </a:tc>
+                    <a:extLst>
+                      <a:ext uri="{0D108BD9-81ED-4DB2-BD59-A6C34878D82A}">
+                        <a16:rowId xmlns:a16="http://schemas.microsoft.com/office/drawing/2014/main" val="3975753144"/>
+                      </a:ext>
+                    </a:extLst>
+                  </a:tr>
                   <a:tr h="1172395">
                     <a:tc>
                       <a:txBody>
@@ -19494,11 +20151,7 @@
                           </a:r>
                           <a:r>
                             <a:rPr lang="en-US" sz="2200" baseline="0" dirty="0"/>
-                            <a:t> search, zero an array, max, sum array, merge two sorted lists, insert into array, </a:t>
-                          </a:r>
-                          <a:r>
-                            <a:rPr lang="en-US" sz="2200" baseline="0"/>
-                            <a:t>bucket sort</a:t>
+                            <a:t> search, zero an array, max, sum array, merge two sorted lists, insert into array, bucket sort</a:t>
                           </a:r>
                           <a:endParaRPr lang="en-US" sz="2200" dirty="0"/>
                         </a:p>
@@ -19554,200 +20207,6 @@
                     <a:extLst>
                       <a:ext uri="{0D108BD9-81ED-4DB2-BD59-A6C34878D82A}">
                         <a16:rowId xmlns:a16="http://schemas.microsoft.com/office/drawing/2014/main" val="10002"/>
-                      </a:ext>
-                    </a:extLst>
-                  </a:tr>
-                  <a:tr h="814164">
-                    <a:tc>
-                      <a:txBody>
-                        <a:bodyPr/>
-                        <a:lstStyle/>
-                        <a:p>
-                          <a:r>
-                            <a:rPr lang="en-US" sz="2200" i="1" dirty="0"/>
-                            <a:t>O(log n)</a:t>
-                          </a:r>
-                        </a:p>
-                      </a:txBody>
-                      <a:tcPr>
-                        <a:lnL w="12700" cap="flat" cmpd="sng" algn="ctr">
-                          <a:solidFill>
-                            <a:schemeClr val="tx1"/>
-                          </a:solidFill>
-                          <a:prstDash val="solid"/>
-                          <a:round/>
-                          <a:headEnd type="none" w="med" len="med"/>
-                          <a:tailEnd type="none" w="med" len="med"/>
-                        </a:lnL>
-                        <a:lnR w="12700" cap="flat" cmpd="sng" algn="ctr">
-                          <a:solidFill>
-                            <a:schemeClr val="tx1"/>
-                          </a:solidFill>
-                          <a:prstDash val="solid"/>
-                          <a:round/>
-                          <a:headEnd type="none" w="med" len="med"/>
-                          <a:tailEnd type="none" w="med" len="med"/>
-                        </a:lnR>
-                        <a:lnT w="12700" cap="flat" cmpd="sng" algn="ctr">
-                          <a:solidFill>
-                            <a:schemeClr val="tx1"/>
-                          </a:solidFill>
-                          <a:prstDash val="solid"/>
-                          <a:round/>
-                          <a:headEnd type="none" w="med" len="med"/>
-                          <a:tailEnd type="none" w="med" len="med"/>
-                        </a:lnT>
-                        <a:lnB w="12700" cap="flat" cmpd="sng" algn="ctr">
-                          <a:solidFill>
-                            <a:schemeClr val="tx1"/>
-                          </a:solidFill>
-                          <a:prstDash val="solid"/>
-                          <a:round/>
-                          <a:headEnd type="none" w="med" len="med"/>
-                          <a:tailEnd type="none" w="med" len="med"/>
-                        </a:lnB>
-                        <a:lnTlToBr w="12700" cmpd="sng">
-                          <a:noFill/>
-                          <a:prstDash val="solid"/>
-                        </a:lnTlToBr>
-                        <a:lnBlToTr w="12700" cmpd="sng">
-                          <a:noFill/>
-                          <a:prstDash val="solid"/>
-                        </a:lnBlToTr>
-                        <a:noFill/>
-                      </a:tcPr>
-                    </a:tc>
-                    <a:tc>
-                      <a:txBody>
-                        <a:bodyPr/>
-                        <a:lstStyle/>
-                        <a:p>
-                          <a:r>
-                            <a:rPr lang="en-US" sz="2200" dirty="0"/>
-                            <a:t>Cut amount</a:t>
-                          </a:r>
-                          <a:r>
-                            <a:rPr lang="en-US" sz="2200" baseline="0" dirty="0"/>
-                            <a:t> of work in half each iteration, doing 1 operation</a:t>
-                          </a:r>
-                          <a:endParaRPr lang="en-US" sz="2200" dirty="0"/>
-                        </a:p>
-                      </a:txBody>
-                      <a:tcPr>
-                        <a:lnL w="12700" cap="flat" cmpd="sng" algn="ctr">
-                          <a:solidFill>
-                            <a:schemeClr val="tx1"/>
-                          </a:solidFill>
-                          <a:prstDash val="solid"/>
-                          <a:round/>
-                          <a:headEnd type="none" w="med" len="med"/>
-                          <a:tailEnd type="none" w="med" len="med"/>
-                        </a:lnL>
-                        <a:lnR w="12700" cap="flat" cmpd="sng" algn="ctr">
-                          <a:solidFill>
-                            <a:schemeClr val="tx1"/>
-                          </a:solidFill>
-                          <a:prstDash val="solid"/>
-                          <a:round/>
-                          <a:headEnd type="none" w="med" len="med"/>
-                          <a:tailEnd type="none" w="med" len="med"/>
-                        </a:lnR>
-                        <a:lnT w="12700" cap="flat" cmpd="sng" algn="ctr">
-                          <a:solidFill>
-                            <a:schemeClr val="tx1"/>
-                          </a:solidFill>
-                          <a:prstDash val="solid"/>
-                          <a:round/>
-                          <a:headEnd type="none" w="med" len="med"/>
-                          <a:tailEnd type="none" w="med" len="med"/>
-                        </a:lnT>
-                        <a:lnB w="12700" cap="flat" cmpd="sng" algn="ctr">
-                          <a:solidFill>
-                            <a:schemeClr val="tx1"/>
-                          </a:solidFill>
-                          <a:prstDash val="solid"/>
-                          <a:round/>
-                          <a:headEnd type="none" w="med" len="med"/>
-                          <a:tailEnd type="none" w="med" len="med"/>
-                        </a:lnB>
-                        <a:lnTlToBr w="12700" cmpd="sng">
-                          <a:noFill/>
-                          <a:prstDash val="solid"/>
-                        </a:lnTlToBr>
-                        <a:lnBlToTr w="12700" cmpd="sng">
-                          <a:noFill/>
-                          <a:prstDash val="solid"/>
-                        </a:lnBlToTr>
-                        <a:noFill/>
-                      </a:tcPr>
-                    </a:tc>
-                    <a:tc>
-                      <a:txBody>
-                        <a:bodyPr/>
-                        <a:lstStyle/>
-                        <a:p>
-                          <a:r>
-                            <a:rPr lang="en-US" sz="2200" dirty="0"/>
-                            <a:t>Binary</a:t>
-                          </a:r>
-                          <a:r>
-                            <a:rPr lang="en-US" sz="2200" baseline="0" dirty="0"/>
-                            <a:t> search, search in binary search tree (BST), add to BST</a:t>
-                          </a:r>
-                          <a:endParaRPr lang="en-US" sz="2200" dirty="0"/>
-                        </a:p>
-                      </a:txBody>
-                      <a:tcPr>
-                        <a:lnL w="12700" cap="flat" cmpd="sng" algn="ctr">
-                          <a:solidFill>
-                            <a:schemeClr val="tx1"/>
-                          </a:solidFill>
-                          <a:prstDash val="solid"/>
-                          <a:round/>
-                          <a:headEnd type="none" w="med" len="med"/>
-                          <a:tailEnd type="none" w="med" len="med"/>
-                        </a:lnL>
-                        <a:lnR w="12700" cap="flat" cmpd="sng" algn="ctr">
-                          <a:solidFill>
-                            <a:schemeClr val="tx1"/>
-                          </a:solidFill>
-                          <a:prstDash val="solid"/>
-                          <a:round/>
-                          <a:headEnd type="none" w="med" len="med"/>
-                          <a:tailEnd type="none" w="med" len="med"/>
-                        </a:lnR>
-                        <a:lnT w="12700" cap="flat" cmpd="sng" algn="ctr">
-                          <a:solidFill>
-                            <a:schemeClr val="tx1"/>
-                          </a:solidFill>
-                          <a:prstDash val="solid"/>
-                          <a:round/>
-                          <a:headEnd type="none" w="med" len="med"/>
-                          <a:tailEnd type="none" w="med" len="med"/>
-                        </a:lnT>
-                        <a:lnB w="12700" cap="flat" cmpd="sng" algn="ctr">
-                          <a:solidFill>
-                            <a:schemeClr val="tx1"/>
-                          </a:solidFill>
-                          <a:prstDash val="solid"/>
-                          <a:round/>
-                          <a:headEnd type="none" w="med" len="med"/>
-                          <a:tailEnd type="none" w="med" len="med"/>
-                        </a:lnB>
-                        <a:lnTlToBr w="12700" cmpd="sng">
-                          <a:noFill/>
-                          <a:prstDash val="solid"/>
-                        </a:lnTlToBr>
-                        <a:lnBlToTr w="12700" cmpd="sng">
-                          <a:noFill/>
-                          <a:prstDash val="solid"/>
-                        </a:lnBlToTr>
-                        <a:noFill/>
-                      </a:tcPr>
-                    </a:tc>
-                    <a:extLst>
-                      <a:ext uri="{0D108BD9-81ED-4DB2-BD59-A6C34878D82A}">
-                        <a16:rowId xmlns:a16="http://schemas.microsoft.com/office/drawing/2014/main" val="10004"/>
                       </a:ext>
                     </a:extLst>
                   </a:tr>
@@ -20269,7 +20728,7 @@
                 <p:ph idx="1"/>
                 <p:extLst>
                   <p:ext uri="{D42A27DB-BD31-4B8C-83A1-F6EECF244321}">
-                    <p14:modId xmlns:p14="http://schemas.microsoft.com/office/powerpoint/2010/main" val="448427811"/>
+                    <p14:modId xmlns:p14="http://schemas.microsoft.com/office/powerpoint/2010/main" val="1479914274"/>
                   </p:ext>
                 </p:extLst>
               </p:nvPr>
@@ -20699,6 +21158,200 @@
                       </a:ext>
                     </a:extLst>
                   </a:tr>
+                  <a:tr h="814164">
+                    <a:tc>
+                      <a:txBody>
+                        <a:bodyPr/>
+                        <a:lstStyle/>
+                        <a:p>
+                          <a:r>
+                            <a:rPr lang="en-US" sz="2200" i="1" dirty="0"/>
+                            <a:t>O(log n)</a:t>
+                          </a:r>
+                        </a:p>
+                      </a:txBody>
+                      <a:tcPr>
+                        <a:lnL w="12700" cap="flat" cmpd="sng" algn="ctr">
+                          <a:solidFill>
+                            <a:schemeClr val="tx1"/>
+                          </a:solidFill>
+                          <a:prstDash val="solid"/>
+                          <a:round/>
+                          <a:headEnd type="none" w="med" len="med"/>
+                          <a:tailEnd type="none" w="med" len="med"/>
+                        </a:lnL>
+                        <a:lnR w="12700" cap="flat" cmpd="sng" algn="ctr">
+                          <a:solidFill>
+                            <a:schemeClr val="tx1"/>
+                          </a:solidFill>
+                          <a:prstDash val="solid"/>
+                          <a:round/>
+                          <a:headEnd type="none" w="med" len="med"/>
+                          <a:tailEnd type="none" w="med" len="med"/>
+                        </a:lnR>
+                        <a:lnT w="12700" cap="flat" cmpd="sng" algn="ctr">
+                          <a:solidFill>
+                            <a:schemeClr val="tx1"/>
+                          </a:solidFill>
+                          <a:prstDash val="solid"/>
+                          <a:round/>
+                          <a:headEnd type="none" w="med" len="med"/>
+                          <a:tailEnd type="none" w="med" len="med"/>
+                        </a:lnT>
+                        <a:lnB w="12700" cap="flat" cmpd="sng" algn="ctr">
+                          <a:solidFill>
+                            <a:schemeClr val="tx1"/>
+                          </a:solidFill>
+                          <a:prstDash val="solid"/>
+                          <a:round/>
+                          <a:headEnd type="none" w="med" len="med"/>
+                          <a:tailEnd type="none" w="med" len="med"/>
+                        </a:lnB>
+                        <a:lnTlToBr w="12700" cmpd="sng">
+                          <a:noFill/>
+                          <a:prstDash val="solid"/>
+                        </a:lnTlToBr>
+                        <a:lnBlToTr w="12700" cmpd="sng">
+                          <a:noFill/>
+                          <a:prstDash val="solid"/>
+                        </a:lnBlToTr>
+                        <a:noFill/>
+                      </a:tcPr>
+                    </a:tc>
+                    <a:tc>
+                      <a:txBody>
+                        <a:bodyPr/>
+                        <a:lstStyle/>
+                        <a:p>
+                          <a:r>
+                            <a:rPr lang="en-US" sz="2200" dirty="0"/>
+                            <a:t>Cut amount</a:t>
+                          </a:r>
+                          <a:r>
+                            <a:rPr lang="en-US" sz="2200" baseline="0" dirty="0"/>
+                            <a:t> of work in half each iteration, doing 1 operation</a:t>
+                          </a:r>
+                          <a:endParaRPr lang="en-US" sz="2200" dirty="0"/>
+                        </a:p>
+                      </a:txBody>
+                      <a:tcPr>
+                        <a:lnL w="12700" cap="flat" cmpd="sng" algn="ctr">
+                          <a:solidFill>
+                            <a:schemeClr val="tx1"/>
+                          </a:solidFill>
+                          <a:prstDash val="solid"/>
+                          <a:round/>
+                          <a:headEnd type="none" w="med" len="med"/>
+                          <a:tailEnd type="none" w="med" len="med"/>
+                        </a:lnL>
+                        <a:lnR w="12700" cap="flat" cmpd="sng" algn="ctr">
+                          <a:solidFill>
+                            <a:schemeClr val="tx1"/>
+                          </a:solidFill>
+                          <a:prstDash val="solid"/>
+                          <a:round/>
+                          <a:headEnd type="none" w="med" len="med"/>
+                          <a:tailEnd type="none" w="med" len="med"/>
+                        </a:lnR>
+                        <a:lnT w="12700" cap="flat" cmpd="sng" algn="ctr">
+                          <a:solidFill>
+                            <a:schemeClr val="tx1"/>
+                          </a:solidFill>
+                          <a:prstDash val="solid"/>
+                          <a:round/>
+                          <a:headEnd type="none" w="med" len="med"/>
+                          <a:tailEnd type="none" w="med" len="med"/>
+                        </a:lnT>
+                        <a:lnB w="12700" cap="flat" cmpd="sng" algn="ctr">
+                          <a:solidFill>
+                            <a:schemeClr val="tx1"/>
+                          </a:solidFill>
+                          <a:prstDash val="solid"/>
+                          <a:round/>
+                          <a:headEnd type="none" w="med" len="med"/>
+                          <a:tailEnd type="none" w="med" len="med"/>
+                        </a:lnB>
+                        <a:lnTlToBr w="12700" cmpd="sng">
+                          <a:noFill/>
+                          <a:prstDash val="solid"/>
+                        </a:lnTlToBr>
+                        <a:lnBlToTr w="12700" cmpd="sng">
+                          <a:noFill/>
+                          <a:prstDash val="solid"/>
+                        </a:lnBlToTr>
+                        <a:noFill/>
+                      </a:tcPr>
+                    </a:tc>
+                    <a:tc>
+                      <a:txBody>
+                        <a:bodyPr/>
+                        <a:lstStyle/>
+                        <a:p>
+                          <a:r>
+                            <a:rPr lang="en-US" sz="2200" dirty="0"/>
+                            <a:t>Binary</a:t>
+                          </a:r>
+                          <a:r>
+                            <a:rPr lang="en-US" sz="2200" baseline="0" dirty="0"/>
+                            <a:t> search, search in binary search tree (BST), add to BST</a:t>
+                          </a:r>
+                          <a:endParaRPr lang="en-US" sz="2200" dirty="0"/>
+                        </a:p>
+                      </a:txBody>
+                      <a:tcPr>
+                        <a:lnL w="12700" cap="flat" cmpd="sng" algn="ctr">
+                          <a:solidFill>
+                            <a:schemeClr val="tx1"/>
+                          </a:solidFill>
+                          <a:prstDash val="solid"/>
+                          <a:round/>
+                          <a:headEnd type="none" w="med" len="med"/>
+                          <a:tailEnd type="none" w="med" len="med"/>
+                        </a:lnL>
+                        <a:lnR w="12700" cap="flat" cmpd="sng" algn="ctr">
+                          <a:solidFill>
+                            <a:schemeClr val="tx1"/>
+                          </a:solidFill>
+                          <a:prstDash val="solid"/>
+                          <a:round/>
+                          <a:headEnd type="none" w="med" len="med"/>
+                          <a:tailEnd type="none" w="med" len="med"/>
+                        </a:lnR>
+                        <a:lnT w="12700" cap="flat" cmpd="sng" algn="ctr">
+                          <a:solidFill>
+                            <a:schemeClr val="tx1"/>
+                          </a:solidFill>
+                          <a:prstDash val="solid"/>
+                          <a:round/>
+                          <a:headEnd type="none" w="med" len="med"/>
+                          <a:tailEnd type="none" w="med" len="med"/>
+                        </a:lnT>
+                        <a:lnB w="12700" cap="flat" cmpd="sng" algn="ctr">
+                          <a:solidFill>
+                            <a:schemeClr val="tx1"/>
+                          </a:solidFill>
+                          <a:prstDash val="solid"/>
+                          <a:round/>
+                          <a:headEnd type="none" w="med" len="med"/>
+                          <a:tailEnd type="none" w="med" len="med"/>
+                        </a:lnB>
+                        <a:lnTlToBr w="12700" cmpd="sng">
+                          <a:noFill/>
+                          <a:prstDash val="solid"/>
+                        </a:lnTlToBr>
+                        <a:lnBlToTr w="12700" cmpd="sng">
+                          <a:noFill/>
+                          <a:prstDash val="solid"/>
+                        </a:lnBlToTr>
+                        <a:noFill/>
+                      </a:tcPr>
+                    </a:tc>
+                    <a:extLst>
+                      <a:ext uri="{0D108BD9-81ED-4DB2-BD59-A6C34878D82A}">
+                        <a16:rowId xmlns:a16="http://schemas.microsoft.com/office/drawing/2014/main" val="3975753144"/>
+                      </a:ext>
+                    </a:extLst>
+                  </a:tr>
                   <a:tr h="1172395">
                     <a:tc>
                       <a:txBody>
@@ -20850,11 +21503,7 @@
                           </a:r>
                           <a:r>
                             <a:rPr lang="en-US" sz="2200" baseline="0" dirty="0"/>
-                            <a:t> search, zero an array, max, sum array, merge two sorted lists, insert into array, </a:t>
-                          </a:r>
-                          <a:r>
-                            <a:rPr lang="en-US" sz="2200" baseline="0"/>
-                            <a:t>bucket sort</a:t>
+                            <a:t> search, zero an array, max, sum array, merge two sorted lists, insert into array, bucket sort</a:t>
                           </a:r>
                           <a:endParaRPr lang="en-US" sz="2200" dirty="0"/>
                         </a:p>
@@ -20910,200 +21559,6 @@
                     <a:extLst>
                       <a:ext uri="{0D108BD9-81ED-4DB2-BD59-A6C34878D82A}">
                         <a16:rowId xmlns:a16="http://schemas.microsoft.com/office/drawing/2014/main" val="10002"/>
-                      </a:ext>
-                    </a:extLst>
-                  </a:tr>
-                  <a:tr h="814164">
-                    <a:tc>
-                      <a:txBody>
-                        <a:bodyPr/>
-                        <a:lstStyle/>
-                        <a:p>
-                          <a:r>
-                            <a:rPr lang="en-US" sz="2200" i="1" dirty="0"/>
-                            <a:t>O(log n)</a:t>
-                          </a:r>
-                        </a:p>
-                      </a:txBody>
-                      <a:tcPr>
-                        <a:lnL w="12700" cap="flat" cmpd="sng" algn="ctr">
-                          <a:solidFill>
-                            <a:schemeClr val="tx1"/>
-                          </a:solidFill>
-                          <a:prstDash val="solid"/>
-                          <a:round/>
-                          <a:headEnd type="none" w="med" len="med"/>
-                          <a:tailEnd type="none" w="med" len="med"/>
-                        </a:lnL>
-                        <a:lnR w="12700" cap="flat" cmpd="sng" algn="ctr">
-                          <a:solidFill>
-                            <a:schemeClr val="tx1"/>
-                          </a:solidFill>
-                          <a:prstDash val="solid"/>
-                          <a:round/>
-                          <a:headEnd type="none" w="med" len="med"/>
-                          <a:tailEnd type="none" w="med" len="med"/>
-                        </a:lnR>
-                        <a:lnT w="12700" cap="flat" cmpd="sng" algn="ctr">
-                          <a:solidFill>
-                            <a:schemeClr val="tx1"/>
-                          </a:solidFill>
-                          <a:prstDash val="solid"/>
-                          <a:round/>
-                          <a:headEnd type="none" w="med" len="med"/>
-                          <a:tailEnd type="none" w="med" len="med"/>
-                        </a:lnT>
-                        <a:lnB w="12700" cap="flat" cmpd="sng" algn="ctr">
-                          <a:solidFill>
-                            <a:schemeClr val="tx1"/>
-                          </a:solidFill>
-                          <a:prstDash val="solid"/>
-                          <a:round/>
-                          <a:headEnd type="none" w="med" len="med"/>
-                          <a:tailEnd type="none" w="med" len="med"/>
-                        </a:lnB>
-                        <a:lnTlToBr w="12700" cmpd="sng">
-                          <a:noFill/>
-                          <a:prstDash val="solid"/>
-                        </a:lnTlToBr>
-                        <a:lnBlToTr w="12700" cmpd="sng">
-                          <a:noFill/>
-                          <a:prstDash val="solid"/>
-                        </a:lnBlToTr>
-                        <a:noFill/>
-                      </a:tcPr>
-                    </a:tc>
-                    <a:tc>
-                      <a:txBody>
-                        <a:bodyPr/>
-                        <a:lstStyle/>
-                        <a:p>
-                          <a:r>
-                            <a:rPr lang="en-US" sz="2200" dirty="0"/>
-                            <a:t>Cut amount</a:t>
-                          </a:r>
-                          <a:r>
-                            <a:rPr lang="en-US" sz="2200" baseline="0" dirty="0"/>
-                            <a:t> of work in half each iteration, doing 1 operation</a:t>
-                          </a:r>
-                          <a:endParaRPr lang="en-US" sz="2200" dirty="0"/>
-                        </a:p>
-                      </a:txBody>
-                      <a:tcPr>
-                        <a:lnL w="12700" cap="flat" cmpd="sng" algn="ctr">
-                          <a:solidFill>
-                            <a:schemeClr val="tx1"/>
-                          </a:solidFill>
-                          <a:prstDash val="solid"/>
-                          <a:round/>
-                          <a:headEnd type="none" w="med" len="med"/>
-                          <a:tailEnd type="none" w="med" len="med"/>
-                        </a:lnL>
-                        <a:lnR w="12700" cap="flat" cmpd="sng" algn="ctr">
-                          <a:solidFill>
-                            <a:schemeClr val="tx1"/>
-                          </a:solidFill>
-                          <a:prstDash val="solid"/>
-                          <a:round/>
-                          <a:headEnd type="none" w="med" len="med"/>
-                          <a:tailEnd type="none" w="med" len="med"/>
-                        </a:lnR>
-                        <a:lnT w="12700" cap="flat" cmpd="sng" algn="ctr">
-                          <a:solidFill>
-                            <a:schemeClr val="tx1"/>
-                          </a:solidFill>
-                          <a:prstDash val="solid"/>
-                          <a:round/>
-                          <a:headEnd type="none" w="med" len="med"/>
-                          <a:tailEnd type="none" w="med" len="med"/>
-                        </a:lnT>
-                        <a:lnB w="12700" cap="flat" cmpd="sng" algn="ctr">
-                          <a:solidFill>
-                            <a:schemeClr val="tx1"/>
-                          </a:solidFill>
-                          <a:prstDash val="solid"/>
-                          <a:round/>
-                          <a:headEnd type="none" w="med" len="med"/>
-                          <a:tailEnd type="none" w="med" len="med"/>
-                        </a:lnB>
-                        <a:lnTlToBr w="12700" cmpd="sng">
-                          <a:noFill/>
-                          <a:prstDash val="solid"/>
-                        </a:lnTlToBr>
-                        <a:lnBlToTr w="12700" cmpd="sng">
-                          <a:noFill/>
-                          <a:prstDash val="solid"/>
-                        </a:lnBlToTr>
-                        <a:noFill/>
-                      </a:tcPr>
-                    </a:tc>
-                    <a:tc>
-                      <a:txBody>
-                        <a:bodyPr/>
-                        <a:lstStyle/>
-                        <a:p>
-                          <a:r>
-                            <a:rPr lang="en-US" sz="2200" dirty="0"/>
-                            <a:t>Binary</a:t>
-                          </a:r>
-                          <a:r>
-                            <a:rPr lang="en-US" sz="2200" baseline="0" dirty="0"/>
-                            <a:t> search, search in binary search tree (BST), add to BST</a:t>
-                          </a:r>
-                          <a:endParaRPr lang="en-US" sz="2200" dirty="0"/>
-                        </a:p>
-                      </a:txBody>
-                      <a:tcPr>
-                        <a:lnL w="12700" cap="flat" cmpd="sng" algn="ctr">
-                          <a:solidFill>
-                            <a:schemeClr val="tx1"/>
-                          </a:solidFill>
-                          <a:prstDash val="solid"/>
-                          <a:round/>
-                          <a:headEnd type="none" w="med" len="med"/>
-                          <a:tailEnd type="none" w="med" len="med"/>
-                        </a:lnL>
-                        <a:lnR w="12700" cap="flat" cmpd="sng" algn="ctr">
-                          <a:solidFill>
-                            <a:schemeClr val="tx1"/>
-                          </a:solidFill>
-                          <a:prstDash val="solid"/>
-                          <a:round/>
-                          <a:headEnd type="none" w="med" len="med"/>
-                          <a:tailEnd type="none" w="med" len="med"/>
-                        </a:lnR>
-                        <a:lnT w="12700" cap="flat" cmpd="sng" algn="ctr">
-                          <a:solidFill>
-                            <a:schemeClr val="tx1"/>
-                          </a:solidFill>
-                          <a:prstDash val="solid"/>
-                          <a:round/>
-                          <a:headEnd type="none" w="med" len="med"/>
-                          <a:tailEnd type="none" w="med" len="med"/>
-                        </a:lnT>
-                        <a:lnB w="12700" cap="flat" cmpd="sng" algn="ctr">
-                          <a:solidFill>
-                            <a:schemeClr val="tx1"/>
-                          </a:solidFill>
-                          <a:prstDash val="solid"/>
-                          <a:round/>
-                          <a:headEnd type="none" w="med" len="med"/>
-                          <a:tailEnd type="none" w="med" len="med"/>
-                        </a:lnB>
-                        <a:lnTlToBr w="12700" cmpd="sng">
-                          <a:noFill/>
-                          <a:prstDash val="solid"/>
-                        </a:lnTlToBr>
-                        <a:lnBlToTr w="12700" cmpd="sng">
-                          <a:noFill/>
-                          <a:prstDash val="solid"/>
-                        </a:lnBlToTr>
-                        <a:noFill/>
-                      </a:tcPr>
-                    </a:tc>
-                    <a:extLst>
-                      <a:ext uri="{0D108BD9-81ED-4DB2-BD59-A6C34878D82A}">
-                        <a16:rowId xmlns:a16="http://schemas.microsoft.com/office/drawing/2014/main" val="10004"/>
                       </a:ext>
                     </a:extLst>
                   </a:tr>
@@ -22013,10 +22468,10 @@
                           </m:sup>
                           <m:e>
                             <m:r>
-                              <a:rPr lang="en-US" i="1">
+                              <a:rPr lang="en-US" b="0" i="1" smtClean="0">
                                 <a:latin typeface="Cambria Math" panose="02040503050406030204" pitchFamily="18" charset="0"/>
                               </a:rPr>
-                              <m:t>1</m:t>
+                              <m:t>2</m:t>
                             </m:r>
                           </m:e>
                         </m:nary>
@@ -22085,7 +22540,64 @@
                 </a:r>
                 <a:r>
                   <a:rPr lang="en-US" dirty="0"/>
-                  <a:t> = n^2 + n (closed form)</a:t>
+                  <a:t> = </a:t>
+                </a:r>
+                <a14:m>
+                  <m:oMath xmlns:m="http://schemas.openxmlformats.org/officeDocument/2006/math">
+                    <m:r>
+                      <a:rPr lang="en-US" i="1" dirty="0" smtClean="0">
+                        <a:latin typeface="Cambria Math" panose="02040503050406030204" pitchFamily="18" charset="0"/>
+                      </a:rPr>
+                      <m:t>2</m:t>
+                    </m:r>
+                    <m:sSup>
+                      <m:sSupPr>
+                        <m:ctrlPr>
+                          <a:rPr lang="en-US" i="1" dirty="0">
+                            <a:latin typeface="Cambria Math" panose="02040503050406030204" pitchFamily="18" charset="0"/>
+                          </a:rPr>
+                        </m:ctrlPr>
+                      </m:sSupPr>
+                      <m:e>
+                        <m:r>
+                          <a:rPr lang="en-US" i="1" dirty="0" smtClean="0">
+                            <a:latin typeface="Cambria Math" panose="02040503050406030204" pitchFamily="18" charset="0"/>
+                          </a:rPr>
+                          <m:t>𝑛</m:t>
+                        </m:r>
+                      </m:e>
+                      <m:sup>
+                        <m:r>
+                          <a:rPr lang="en-US" b="0" i="1" dirty="0" smtClean="0">
+                            <a:latin typeface="Cambria Math" panose="02040503050406030204" pitchFamily="18" charset="0"/>
+                          </a:rPr>
+                          <m:t>2</m:t>
+                        </m:r>
+                      </m:sup>
+                    </m:sSup>
+                    <m:r>
+                      <a:rPr lang="en-US" i="1" dirty="0">
+                        <a:latin typeface="Cambria Math" panose="02040503050406030204" pitchFamily="18" charset="0"/>
+                      </a:rPr>
+                      <m:t> + </m:t>
+                    </m:r>
+                    <m:r>
+                      <a:rPr lang="en-US" i="1" dirty="0">
+                        <a:latin typeface="Cambria Math" panose="02040503050406030204" pitchFamily="18" charset="0"/>
+                      </a:rPr>
+                      <m:t>𝑛</m:t>
+                    </m:r>
+                    <m:r>
+                      <a:rPr lang="en-US" i="1" dirty="0">
+                        <a:latin typeface="Cambria Math" panose="02040503050406030204" pitchFamily="18" charset="0"/>
+                      </a:rPr>
+                      <m:t> </m:t>
+                    </m:r>
+                  </m:oMath>
+                </a14:m>
+                <a:r>
+                  <a:rPr lang="en-US" dirty="0"/>
+                  <a:t>(closed form)</a:t>
                 </a:r>
               </a:p>
               <a:p>
@@ -22095,7 +22607,40 @@
                 </a:pPr>
                 <a:r>
                   <a:rPr lang="en-US" i="1" dirty="0"/>
-                  <a:t>O(n^2)</a:t>
+                  <a:t>O(</a:t>
+                </a:r>
+                <a14:m>
+                  <m:oMath xmlns:m="http://schemas.openxmlformats.org/officeDocument/2006/math">
+                    <m:sSup>
+                      <m:sSupPr>
+                        <m:ctrlPr>
+                          <a:rPr lang="en-US" i="1" dirty="0">
+                            <a:latin typeface="Cambria Math" panose="02040503050406030204" pitchFamily="18" charset="0"/>
+                          </a:rPr>
+                        </m:ctrlPr>
+                      </m:sSupPr>
+                      <m:e>
+                        <m:r>
+                          <a:rPr lang="en-US" i="1" dirty="0">
+                            <a:latin typeface="Cambria Math" panose="02040503050406030204" pitchFamily="18" charset="0"/>
+                          </a:rPr>
+                          <m:t>𝑛</m:t>
+                        </m:r>
+                      </m:e>
+                      <m:sup>
+                        <m:r>
+                          <a:rPr lang="en-US" i="1" dirty="0">
+                            <a:latin typeface="Cambria Math" panose="02040503050406030204" pitchFamily="18" charset="0"/>
+                          </a:rPr>
+                          <m:t>2</m:t>
+                        </m:r>
+                      </m:sup>
+                    </m:sSup>
+                  </m:oMath>
+                </a14:m>
+                <a:r>
+                  <a:rPr lang="en-US" i="1" dirty="0"/>
+                  <a:t>)</a:t>
                 </a:r>
                 <a:r>
                   <a:rPr lang="en-US" dirty="0"/>
@@ -22197,6 +22742,94 @@
           </a:extLst>
         </p:spPr>
       </p:pic>
+      <p:cxnSp>
+        <p:nvCxnSpPr>
+          <p:cNvPr id="9" name="Straight Arrow Connector 8">
+            <a:extLst>
+              <a:ext uri="{FF2B5EF4-FFF2-40B4-BE49-F238E27FC236}">
+                <a16:creationId xmlns:a16="http://schemas.microsoft.com/office/drawing/2014/main" id="{86FE0CDF-A078-654A-90BA-5677E2CC9A76}"/>
+              </a:ext>
+            </a:extLst>
+          </p:cNvPr>
+          <p:cNvCxnSpPr>
+            <a:cxnSpLocks/>
+          </p:cNvCxnSpPr>
+          <p:nvPr/>
+        </p:nvCxnSpPr>
+        <p:spPr>
+          <a:xfrm flipH="1">
+            <a:off x="4389120" y="3041935"/>
+            <a:ext cx="4428462" cy="838672"/>
+          </a:xfrm>
+          <a:prstGeom prst="straightConnector1">
+            <a:avLst/>
+          </a:prstGeom>
+          <a:ln w="12700">
+            <a:solidFill>
+              <a:schemeClr val="accent2"/>
+            </a:solidFill>
+            <a:tailEnd type="triangle"/>
+          </a:ln>
+        </p:spPr>
+        <p:style>
+          <a:lnRef idx="1">
+            <a:schemeClr val="accent1"/>
+          </a:lnRef>
+          <a:fillRef idx="0">
+            <a:schemeClr val="accent1"/>
+          </a:fillRef>
+          <a:effectRef idx="0">
+            <a:schemeClr val="accent1"/>
+          </a:effectRef>
+          <a:fontRef idx="minor">
+            <a:schemeClr val="tx1"/>
+          </a:fontRef>
+        </p:style>
+      </p:cxnSp>
+      <p:cxnSp>
+        <p:nvCxnSpPr>
+          <p:cNvPr id="10" name="Straight Arrow Connector 9">
+            <a:extLst>
+              <a:ext uri="{FF2B5EF4-FFF2-40B4-BE49-F238E27FC236}">
+                <a16:creationId xmlns:a16="http://schemas.microsoft.com/office/drawing/2014/main" id="{E2B908E1-0CDF-7449-B71B-6B52435DF055}"/>
+              </a:ext>
+            </a:extLst>
+          </p:cNvPr>
+          <p:cNvCxnSpPr>
+            <a:cxnSpLocks/>
+          </p:cNvCxnSpPr>
+          <p:nvPr/>
+        </p:nvCxnSpPr>
+        <p:spPr>
+          <a:xfrm flipH="1">
+            <a:off x="2917117" y="3095725"/>
+            <a:ext cx="7302648" cy="2292191"/>
+          </a:xfrm>
+          <a:prstGeom prst="straightConnector1">
+            <a:avLst/>
+          </a:prstGeom>
+          <a:ln w="12700">
+            <a:solidFill>
+              <a:schemeClr val="accent2"/>
+            </a:solidFill>
+            <a:tailEnd type="triangle"/>
+          </a:ln>
+        </p:spPr>
+        <p:style>
+          <a:lnRef idx="1">
+            <a:schemeClr val="accent1"/>
+          </a:lnRef>
+          <a:fillRef idx="0">
+            <a:schemeClr val="accent1"/>
+          </a:fillRef>
+          <a:effectRef idx="0">
+            <a:schemeClr val="accent1"/>
+          </a:effectRef>
+          <a:fontRef idx="minor">
+            <a:schemeClr val="tx1"/>
+          </a:fontRef>
+        </p:style>
+      </p:cxnSp>
     </p:spTree>
     <p:extLst>
       <p:ext uri="{BB962C8B-B14F-4D97-AF65-F5344CB8AC3E}">
@@ -22298,8 +22931,8 @@
           </a:extLst>
         </p:spPr>
       </p:pic>
-      <mc:AlternateContent xmlns:mc="http://schemas.openxmlformats.org/markup-compatibility/2006" xmlns:a14="http://schemas.microsoft.com/office/drawing/2010/main">
-        <mc:Choice Requires="a14">
+      <mc:AlternateContent xmlns:mc="http://schemas.openxmlformats.org/markup-compatibility/2006">
+        <mc:Choice xmlns:a14="http://schemas.microsoft.com/office/drawing/2010/main" Requires="a14">
           <p:sp>
             <p:nvSpPr>
               <p:cNvPr id="6" name="Content Placeholder 2">
@@ -22422,7 +23055,7 @@
                               <a:rPr lang="en-US" b="0" i="1" smtClean="0">
                                 <a:latin typeface="Cambria Math" panose="02040503050406030204" pitchFamily="18" charset="0"/>
                               </a:rPr>
-                              <m:t>1</m:t>
+                              <m:t>2</m:t>
                             </m:r>
                           </m:e>
                         </m:nary>
@@ -22528,7 +23161,7 @@
                               <a:rPr lang="en-US" b="0" i="1" smtClean="0">
                                 <a:latin typeface="Cambria Math" panose="02040503050406030204" pitchFamily="18" charset="0"/>
                               </a:rPr>
-                              <m:t>1</m:t>
+                              <m:t>2</m:t>
                             </m:r>
                           </m:e>
                         </m:nary>
@@ -22613,7 +23246,7 @@
                               <a:rPr lang="en-US" b="0" i="1" smtClean="0">
                                 <a:latin typeface="Cambria Math" panose="02040503050406030204" pitchFamily="18" charset="0"/>
                               </a:rPr>
-                              <m:t>1</m:t>
+                              <m:t>2</m:t>
                             </m:r>
                           </m:e>
                         </m:nary>
@@ -22630,7 +23263,52 @@
                 </a:r>
                 <a:r>
                   <a:rPr lang="en-US" dirty="0"/>
-                  <a:t> = n^2 + </a:t>
+                  <a:t> = </a:t>
+                </a:r>
+                <a14:m>
+                  <m:oMath xmlns:m="http://schemas.openxmlformats.org/officeDocument/2006/math">
+                    <m:r>
+                      <a:rPr lang="en-US" i="1" dirty="0" smtClean="0">
+                        <a:latin typeface="Cambria Math" panose="02040503050406030204" pitchFamily="18" charset="0"/>
+                      </a:rPr>
+                      <m:t>2</m:t>
+                    </m:r>
+                    <m:sSup>
+                      <m:sSupPr>
+                        <m:ctrlPr>
+                          <a:rPr lang="en-US" b="0" i="1" dirty="0" smtClean="0">
+                            <a:latin typeface="Cambria Math" panose="02040503050406030204" pitchFamily="18" charset="0"/>
+                          </a:rPr>
+                        </m:ctrlPr>
+                      </m:sSupPr>
+                      <m:e>
+                        <m:r>
+                          <a:rPr lang="en-US" i="1" dirty="0" smtClean="0">
+                            <a:latin typeface="Cambria Math" panose="02040503050406030204" pitchFamily="18" charset="0"/>
+                          </a:rPr>
+                          <m:t>𝑛</m:t>
+                        </m:r>
+                      </m:e>
+                      <m:sup>
+                        <m:r>
+                          <a:rPr lang="en-US" b="0" i="1" dirty="0" smtClean="0">
+                            <a:latin typeface="Cambria Math" panose="02040503050406030204" pitchFamily="18" charset="0"/>
+                          </a:rPr>
+                          <m:t>2</m:t>
+                        </m:r>
+                      </m:sup>
+                    </m:sSup>
+                    <m:r>
+                      <a:rPr lang="en-US" i="1" dirty="0">
+                        <a:latin typeface="Cambria Math" panose="02040503050406030204" pitchFamily="18" charset="0"/>
+                      </a:rPr>
+                      <m:t> </m:t>
+                    </m:r>
+                  </m:oMath>
+                </a14:m>
+                <a:r>
+                  <a:rPr lang="en-US" dirty="0"/>
+                  <a:t>+ </a:t>
                 </a:r>
                 <a14:m>
                   <m:oMath xmlns:m="http://schemas.openxmlformats.org/officeDocument/2006/math">
@@ -22673,6 +23351,12 @@
                           <a:rPr lang="en-US" b="0" i="1" smtClean="0">
                             <a:latin typeface="Cambria Math" panose="02040503050406030204" pitchFamily="18" charset="0"/>
                           </a:rPr>
+                          <m:t>2</m:t>
+                        </m:r>
+                        <m:r>
+                          <a:rPr lang="en-US" b="0" i="1" smtClean="0">
+                            <a:latin typeface="Cambria Math" panose="02040503050406030204" pitchFamily="18" charset="0"/>
+                          </a:rPr>
                           <m:t>𝑖</m:t>
                         </m:r>
                       </m:e>
@@ -22688,10 +23372,55 @@
                 </a:r>
                 <a:r>
                   <a:rPr lang="en-US" dirty="0"/>
-                  <a:t> = n^2 + </a:t>
+                  <a:t> = </a:t>
                 </a:r>
                 <a14:m>
                   <m:oMath xmlns:m="http://schemas.openxmlformats.org/officeDocument/2006/math">
+                    <m:r>
+                      <a:rPr lang="en-US" i="1" dirty="0">
+                        <a:latin typeface="Cambria Math" panose="02040503050406030204" pitchFamily="18" charset="0"/>
+                      </a:rPr>
+                      <m:t>2</m:t>
+                    </m:r>
+                    <m:sSup>
+                      <m:sSupPr>
+                        <m:ctrlPr>
+                          <a:rPr lang="en-US" i="1" dirty="0">
+                            <a:latin typeface="Cambria Math" panose="02040503050406030204" pitchFamily="18" charset="0"/>
+                          </a:rPr>
+                        </m:ctrlPr>
+                      </m:sSupPr>
+                      <m:e>
+                        <m:r>
+                          <a:rPr lang="en-US" i="1" dirty="0">
+                            <a:latin typeface="Cambria Math" panose="02040503050406030204" pitchFamily="18" charset="0"/>
+                          </a:rPr>
+                          <m:t>𝑛</m:t>
+                        </m:r>
+                      </m:e>
+                      <m:sup>
+                        <m:r>
+                          <a:rPr lang="en-US" i="1" dirty="0">
+                            <a:latin typeface="Cambria Math" panose="02040503050406030204" pitchFamily="18" charset="0"/>
+                          </a:rPr>
+                          <m:t>2</m:t>
+                        </m:r>
+                      </m:sup>
+                    </m:sSup>
+                  </m:oMath>
+                </a14:m>
+                <a:r>
+                  <a:rPr lang="en-US" dirty="0"/>
+                  <a:t> + </a:t>
+                </a:r>
+                <a14:m>
+                  <m:oMath xmlns:m="http://schemas.openxmlformats.org/officeDocument/2006/math">
+                    <m:r>
+                      <a:rPr lang="en-US" b="0" i="0" smtClean="0">
+                        <a:latin typeface="Cambria Math" panose="02040503050406030204" pitchFamily="18" charset="0"/>
+                      </a:rPr>
+                      <m:t>2</m:t>
+                    </m:r>
                     <m:nary>
                       <m:naryPr>
                         <m:chr m:val="∑"/>
@@ -22746,12 +23475,88 @@
                 </a:r>
                 <a:r>
                   <a:rPr lang="en-US" dirty="0"/>
-                  <a:t> = n^2 + </a:t>
+                  <a:t> = </a:t>
                 </a:r>
+                <a14:m>
+                  <m:oMath xmlns:m="http://schemas.openxmlformats.org/officeDocument/2006/math">
+                    <m:r>
+                      <a:rPr lang="en-US" i="1" dirty="0">
+                        <a:latin typeface="Cambria Math" panose="02040503050406030204" pitchFamily="18" charset="0"/>
+                      </a:rPr>
+                      <m:t>2</m:t>
+                    </m:r>
+                    <m:sSup>
+                      <m:sSupPr>
+                        <m:ctrlPr>
+                          <a:rPr lang="en-US" i="1" dirty="0">
+                            <a:latin typeface="Cambria Math" panose="02040503050406030204" pitchFamily="18" charset="0"/>
+                          </a:rPr>
+                        </m:ctrlPr>
+                      </m:sSupPr>
+                      <m:e>
+                        <m:r>
+                          <a:rPr lang="en-US" i="1" dirty="0">
+                            <a:latin typeface="Cambria Math" panose="02040503050406030204" pitchFamily="18" charset="0"/>
+                          </a:rPr>
+                          <m:t>𝑛</m:t>
+                        </m:r>
+                      </m:e>
+                      <m:sup>
+                        <m:r>
+                          <a:rPr lang="en-US" i="1" dirty="0">
+                            <a:latin typeface="Cambria Math" panose="02040503050406030204" pitchFamily="18" charset="0"/>
+                          </a:rPr>
+                          <m:t>2</m:t>
+                        </m:r>
+                      </m:sup>
+                    </m:sSup>
+                    <m:r>
+                      <a:rPr lang="en-US" i="1" dirty="0">
+                        <a:latin typeface="Cambria Math" panose="02040503050406030204" pitchFamily="18" charset="0"/>
+                      </a:rPr>
+                      <m:t> </m:t>
+                    </m:r>
+                  </m:oMath>
+                </a14:m>
                 <a:r>
-                  <a:rPr lang="en-US" i="1" dirty="0"/>
-                  <a:t>n(n+1) / 2</a:t>
+                  <a:rPr lang="en-US" dirty="0"/>
+                  <a:t>+ </a:t>
                 </a:r>
+                <a14:m>
+                  <m:oMath xmlns:m="http://schemas.openxmlformats.org/officeDocument/2006/math">
+                    <m:r>
+                      <a:rPr lang="en-US" b="0" i="0" dirty="0" smtClean="0">
+                        <a:latin typeface="Cambria Math" panose="02040503050406030204" pitchFamily="18" charset="0"/>
+                      </a:rPr>
+                      <m:t>2</m:t>
+                    </m:r>
+                    <m:r>
+                      <a:rPr lang="en-US" i="1" dirty="0" smtClean="0">
+                        <a:latin typeface="Cambria Math" panose="02040503050406030204" pitchFamily="18" charset="0"/>
+                      </a:rPr>
+                      <m:t>𝑛</m:t>
+                    </m:r>
+                    <m:r>
+                      <a:rPr lang="en-US" i="1" dirty="0">
+                        <a:latin typeface="Cambria Math" panose="02040503050406030204" pitchFamily="18" charset="0"/>
+                      </a:rPr>
+                      <m:t>(</m:t>
+                    </m:r>
+                    <m:r>
+                      <a:rPr lang="en-US" i="1" dirty="0">
+                        <a:latin typeface="Cambria Math" panose="02040503050406030204" pitchFamily="18" charset="0"/>
+                      </a:rPr>
+                      <m:t>𝑛</m:t>
+                    </m:r>
+                    <m:r>
+                      <a:rPr lang="en-US" i="1" dirty="0">
+                        <a:latin typeface="Cambria Math" panose="02040503050406030204" pitchFamily="18" charset="0"/>
+                      </a:rPr>
+                      <m:t>+1) / 2</m:t>
+                    </m:r>
+                  </m:oMath>
+                </a14:m>
+                <a:endParaRPr lang="en-US" i="1" dirty="0"/>
               </a:p>
               <a:p>
                 <a:r>
@@ -22760,18 +23565,210 @@
                 </a:r>
                 <a:r>
                   <a:rPr lang="en-US" dirty="0"/>
-                  <a:t> = n^2 + </a:t>
+                  <a:t> = </a:t>
                 </a:r>
+                <a14:m>
+                  <m:oMath xmlns:m="http://schemas.openxmlformats.org/officeDocument/2006/math">
+                    <m:r>
+                      <a:rPr lang="en-US" i="1" dirty="0">
+                        <a:latin typeface="Cambria Math" panose="02040503050406030204" pitchFamily="18" charset="0"/>
+                      </a:rPr>
+                      <m:t>2</m:t>
+                    </m:r>
+                    <m:sSup>
+                      <m:sSupPr>
+                        <m:ctrlPr>
+                          <a:rPr lang="en-US" i="1" dirty="0">
+                            <a:latin typeface="Cambria Math" panose="02040503050406030204" pitchFamily="18" charset="0"/>
+                          </a:rPr>
+                        </m:ctrlPr>
+                      </m:sSupPr>
+                      <m:e>
+                        <m:r>
+                          <a:rPr lang="en-US" i="1" dirty="0">
+                            <a:latin typeface="Cambria Math" panose="02040503050406030204" pitchFamily="18" charset="0"/>
+                          </a:rPr>
+                          <m:t>𝑛</m:t>
+                        </m:r>
+                      </m:e>
+                      <m:sup>
+                        <m:r>
+                          <a:rPr lang="en-US" i="1" dirty="0">
+                            <a:latin typeface="Cambria Math" panose="02040503050406030204" pitchFamily="18" charset="0"/>
+                          </a:rPr>
+                          <m:t>2</m:t>
+                        </m:r>
+                      </m:sup>
+                    </m:sSup>
+                    <m:r>
+                      <a:rPr lang="en-US" i="1" dirty="0">
+                        <a:latin typeface="Cambria Math" panose="02040503050406030204" pitchFamily="18" charset="0"/>
+                      </a:rPr>
+                      <m:t> </m:t>
+                    </m:r>
+                  </m:oMath>
+                </a14:m>
+                <a:r>
+                  <a:rPr lang="en-US" dirty="0"/>
+                  <a:t>+ </a:t>
+                </a:r>
+                <a14:m>
+                  <m:oMath xmlns:m="http://schemas.openxmlformats.org/officeDocument/2006/math">
+                    <m:r>
+                      <a:rPr lang="en-US" i="1" dirty="0">
+                        <a:latin typeface="Cambria Math" panose="02040503050406030204" pitchFamily="18" charset="0"/>
+                      </a:rPr>
+                      <m:t>2</m:t>
+                    </m:r>
+                    <m:sSup>
+                      <m:sSupPr>
+                        <m:ctrlPr>
+                          <a:rPr lang="en-US" i="1" dirty="0">
+                            <a:latin typeface="Cambria Math" panose="02040503050406030204" pitchFamily="18" charset="0"/>
+                          </a:rPr>
+                        </m:ctrlPr>
+                      </m:sSupPr>
+                      <m:e>
+                        <m:r>
+                          <a:rPr lang="en-US" i="1" dirty="0">
+                            <a:latin typeface="Cambria Math" panose="02040503050406030204" pitchFamily="18" charset="0"/>
+                          </a:rPr>
+                          <m:t>𝑛</m:t>
+                        </m:r>
+                      </m:e>
+                      <m:sup>
+                        <m:r>
+                          <a:rPr lang="en-US" i="1" dirty="0">
+                            <a:latin typeface="Cambria Math" panose="02040503050406030204" pitchFamily="18" charset="0"/>
+                          </a:rPr>
+                          <m:t>2</m:t>
+                        </m:r>
+                      </m:sup>
+                    </m:sSup>
+                    <m:r>
+                      <a:rPr lang="en-US" b="0" i="1" dirty="0" smtClean="0">
+                        <a:latin typeface="Cambria Math" panose="02040503050406030204" pitchFamily="18" charset="0"/>
+                      </a:rPr>
+                      <m:t>/2</m:t>
+                    </m:r>
+                  </m:oMath>
+                </a14:m>
                 <a:r>
                   <a:rPr lang="en-US" i="1" dirty="0"/>
-                  <a:t>n^2/2 + n/2 = 3/2n^2 + n/2</a:t>
+                  <a:t> + </a:t>
                 </a:r>
+                <a14:m>
+                  <m:oMath xmlns:m="http://schemas.openxmlformats.org/officeDocument/2006/math">
+                    <m:r>
+                      <a:rPr lang="en-US" b="0" i="1" dirty="0" smtClean="0">
+                        <a:latin typeface="Cambria Math" panose="02040503050406030204" pitchFamily="18" charset="0"/>
+                      </a:rPr>
+                      <m:t>2</m:t>
+                    </m:r>
+                    <m:r>
+                      <a:rPr lang="en-US" i="1" dirty="0" smtClean="0">
+                        <a:latin typeface="Cambria Math" panose="02040503050406030204" pitchFamily="18" charset="0"/>
+                      </a:rPr>
+                      <m:t>𝑛</m:t>
+                    </m:r>
+                    <m:r>
+                      <a:rPr lang="en-US" i="1" dirty="0" smtClean="0">
+                        <a:latin typeface="Cambria Math" panose="02040503050406030204" pitchFamily="18" charset="0"/>
+                      </a:rPr>
+                      <m:t>/2</m:t>
+                    </m:r>
+                  </m:oMath>
+                </a14:m>
+                <a:r>
+                  <a:rPr lang="en-US" i="1" dirty="0"/>
+                  <a:t> = </a:t>
+                </a:r>
+                <a14:m>
+                  <m:oMath xmlns:m="http://schemas.openxmlformats.org/officeDocument/2006/math">
+                    <m:r>
+                      <a:rPr lang="en-US" i="1" dirty="0" smtClean="0">
+                        <a:latin typeface="Cambria Math" panose="02040503050406030204" pitchFamily="18" charset="0"/>
+                      </a:rPr>
+                      <m:t>3</m:t>
+                    </m:r>
+                    <m:sSup>
+                      <m:sSupPr>
+                        <m:ctrlPr>
+                          <a:rPr lang="en-US" i="1" dirty="0">
+                            <a:latin typeface="Cambria Math" panose="02040503050406030204" pitchFamily="18" charset="0"/>
+                          </a:rPr>
+                        </m:ctrlPr>
+                      </m:sSupPr>
+                      <m:e>
+                        <m:r>
+                          <a:rPr lang="en-US" i="1" dirty="0" smtClean="0">
+                            <a:latin typeface="Cambria Math" panose="02040503050406030204" pitchFamily="18" charset="0"/>
+                          </a:rPr>
+                          <m:t>𝑛</m:t>
+                        </m:r>
+                      </m:e>
+                      <m:sup>
+                        <m:r>
+                          <a:rPr lang="en-US" b="0" i="1" dirty="0" smtClean="0">
+                            <a:latin typeface="Cambria Math" panose="02040503050406030204" pitchFamily="18" charset="0"/>
+                          </a:rPr>
+                          <m:t>2</m:t>
+                        </m:r>
+                      </m:sup>
+                    </m:sSup>
+                    <m:r>
+                      <a:rPr lang="en-US" i="1" dirty="0">
+                        <a:latin typeface="Cambria Math" panose="02040503050406030204" pitchFamily="18" charset="0"/>
+                      </a:rPr>
+                      <m:t> + </m:t>
+                    </m:r>
+                    <m:r>
+                      <a:rPr lang="en-US" i="1" dirty="0" smtClean="0">
+                        <a:latin typeface="Cambria Math" panose="02040503050406030204" pitchFamily="18" charset="0"/>
+                      </a:rPr>
+                      <m:t>𝑛</m:t>
+                    </m:r>
+                  </m:oMath>
+                </a14:m>
                 <a:endParaRPr lang="en-US" dirty="0"/>
               </a:p>
               <a:p>
                 <a:r>
                   <a:rPr lang="en-US" i="1" dirty="0"/>
-                  <a:t>O(n^2)</a:t>
+                  <a:t>O(</a:t>
+                </a:r>
+                <a14:m>
+                  <m:oMath xmlns:m="http://schemas.openxmlformats.org/officeDocument/2006/math">
+                    <m:sSup>
+                      <m:sSupPr>
+                        <m:ctrlPr>
+                          <a:rPr lang="en-US" b="0" i="1" smtClean="0">
+                            <a:latin typeface="Cambria Math" panose="02040503050406030204" pitchFamily="18" charset="0"/>
+                          </a:rPr>
+                        </m:ctrlPr>
+                      </m:sSupPr>
+                      <m:e>
+                        <m:r>
+                          <a:rPr lang="en-US" b="0" i="1" smtClean="0">
+                            <a:latin typeface="Cambria Math" panose="02040503050406030204" pitchFamily="18" charset="0"/>
+                          </a:rPr>
+                          <m:t>𝑛</m:t>
+                        </m:r>
+                      </m:e>
+                      <m:sup>
+                        <m:r>
+                          <a:rPr lang="en-US" b="0" i="1" smtClean="0">
+                            <a:latin typeface="Cambria Math" panose="02040503050406030204" pitchFamily="18" charset="0"/>
+                          </a:rPr>
+                          <m:t>2</m:t>
+                        </m:r>
+                      </m:sup>
+                    </m:sSup>
+                  </m:oMath>
+                </a14:m>
+                <a:r>
+                  <a:rPr lang="en-US" i="1" dirty="0"/>
+                  <a:t>)</a:t>
                 </a:r>
                 <a:r>
                   <a:rPr lang="en-US" dirty="0"/>
@@ -22781,7 +23778,7 @@
             </p:txBody>
           </p:sp>
         </mc:Choice>
-        <mc:Fallback xmlns="">
+        <mc:Fallback>
           <p:sp>
             <p:nvSpPr>
               <p:cNvPr id="6" name="Content Placeholder 2">
@@ -22806,7 +23803,7 @@
               <a:blipFill>
                 <a:blip r:embed="rId3"/>
                 <a:stretch>
-                  <a:fillRect l="-1527" t="-3039" r="-573"/>
+                  <a:fillRect l="-1718" t="-3030"/>
                 </a:stretch>
               </a:blipFill>
             </p:spPr>

--- a/notes/complexity.pptx
+++ b/notes/complexity.pptx
@@ -231,7 +231,7 @@
           <a:p>
             <a:fld id="{8A1B613A-EFF1-404F-BEE8-EFAE84A4E5E2}" type="datetimeFigureOut">
               <a:rPr lang="en-US" smtClean="0"/>
-              <a:t>3/31/21</a:t>
+              <a:t>2/3/22</a:t>
             </a:fld>
             <a:endParaRPr lang="en-US"/>
           </a:p>
@@ -396,7 +396,7 @@
           <a:p>
             <a:fld id="{690847EA-AC25-3D4E-89E1-FD3F6A9702B6}" type="datetimeFigureOut">
               <a:rPr lang="en-US" smtClean="0"/>
-              <a:t>3/31/21</a:t>
+              <a:t>2/3/22</a:t>
             </a:fld>
             <a:endParaRPr lang="en-US"/>
           </a:p>
@@ -1072,7 +1072,7 @@
           <a:p>
             <a:fld id="{BE5295ED-3BAF-1140-8495-3D368771D6B1}" type="datetimeFigureOut">
               <a:rPr lang="en-US" smtClean="0"/>
-              <a:t>3/31/21</a:t>
+              <a:t>2/3/22</a:t>
             </a:fld>
             <a:endParaRPr lang="en-US"/>
           </a:p>
@@ -1270,7 +1270,7 @@
           <a:p>
             <a:fld id="{BE5295ED-3BAF-1140-8495-3D368771D6B1}" type="datetimeFigureOut">
               <a:rPr lang="en-US" smtClean="0"/>
-              <a:t>3/31/21</a:t>
+              <a:t>2/3/22</a:t>
             </a:fld>
             <a:endParaRPr lang="en-US"/>
           </a:p>
@@ -1478,7 +1478,7 @@
           <a:p>
             <a:fld id="{BE5295ED-3BAF-1140-8495-3D368771D6B1}" type="datetimeFigureOut">
               <a:rPr lang="en-US" smtClean="0"/>
-              <a:t>3/31/21</a:t>
+              <a:t>2/3/22</a:t>
             </a:fld>
             <a:endParaRPr lang="en-US"/>
           </a:p>
@@ -1681,7 +1681,7 @@
           <a:p>
             <a:fld id="{BE5295ED-3BAF-1140-8495-3D368771D6B1}" type="datetimeFigureOut">
               <a:rPr lang="en-US" smtClean="0"/>
-              <a:t>3/31/21</a:t>
+              <a:t>2/3/22</a:t>
             </a:fld>
             <a:endParaRPr lang="en-US"/>
           </a:p>
@@ -1956,7 +1956,7 @@
           <a:p>
             <a:fld id="{BE5295ED-3BAF-1140-8495-3D368771D6B1}" type="datetimeFigureOut">
               <a:rPr lang="en-US" smtClean="0"/>
-              <a:t>3/31/21</a:t>
+              <a:t>2/3/22</a:t>
             </a:fld>
             <a:endParaRPr lang="en-US"/>
           </a:p>
@@ -2221,7 +2221,7 @@
           <a:p>
             <a:fld id="{BE5295ED-3BAF-1140-8495-3D368771D6B1}" type="datetimeFigureOut">
               <a:rPr lang="en-US" smtClean="0"/>
-              <a:t>3/31/21</a:t>
+              <a:t>2/3/22</a:t>
             </a:fld>
             <a:endParaRPr lang="en-US"/>
           </a:p>
@@ -2633,7 +2633,7 @@
           <a:p>
             <a:fld id="{BE5295ED-3BAF-1140-8495-3D368771D6B1}" type="datetimeFigureOut">
               <a:rPr lang="en-US" smtClean="0"/>
-              <a:t>3/31/21</a:t>
+              <a:t>2/3/22</a:t>
             </a:fld>
             <a:endParaRPr lang="en-US"/>
           </a:p>
@@ -2774,7 +2774,7 @@
           <a:p>
             <a:fld id="{BE5295ED-3BAF-1140-8495-3D368771D6B1}" type="datetimeFigureOut">
               <a:rPr lang="en-US" smtClean="0"/>
-              <a:t>3/31/21</a:t>
+              <a:t>2/3/22</a:t>
             </a:fld>
             <a:endParaRPr lang="en-US"/>
           </a:p>
@@ -2887,7 +2887,7 @@
           <a:p>
             <a:fld id="{BE5295ED-3BAF-1140-8495-3D368771D6B1}" type="datetimeFigureOut">
               <a:rPr lang="en-US" smtClean="0"/>
-              <a:t>3/31/21</a:t>
+              <a:t>2/3/22</a:t>
             </a:fld>
             <a:endParaRPr lang="en-US"/>
           </a:p>
@@ -3198,7 +3198,7 @@
           <a:p>
             <a:fld id="{BE5295ED-3BAF-1140-8495-3D368771D6B1}" type="datetimeFigureOut">
               <a:rPr lang="en-US" smtClean="0"/>
-              <a:t>3/31/21</a:t>
+              <a:t>2/3/22</a:t>
             </a:fld>
             <a:endParaRPr lang="en-US"/>
           </a:p>
@@ -3489,7 +3489,7 @@
           <a:p>
             <a:fld id="{BE5295ED-3BAF-1140-8495-3D368771D6B1}" type="datetimeFigureOut">
               <a:rPr lang="en-US" smtClean="0"/>
-              <a:t>3/31/21</a:t>
+              <a:t>2/3/22</a:t>
             </a:fld>
             <a:endParaRPr lang="en-US"/>
           </a:p>
@@ -3734,7 +3734,7 @@
           <a:p>
             <a:fld id="{BE5295ED-3BAF-1140-8495-3D368771D6B1}" type="datetimeFigureOut">
               <a:rPr lang="en-US" smtClean="0"/>
-              <a:t>3/31/21</a:t>
+              <a:t>2/3/22</a:t>
             </a:fld>
             <a:endParaRPr lang="en-US"/>
           </a:p>
@@ -4381,8 +4381,8 @@
           </a:p>
         </p:txBody>
       </p:sp>
-      <mc:AlternateContent xmlns:mc="http://schemas.openxmlformats.org/markup-compatibility/2006" xmlns:a14="http://schemas.microsoft.com/office/drawing/2010/main">
-        <mc:Choice Requires="a14">
+      <mc:AlternateContent xmlns:mc="http://schemas.openxmlformats.org/markup-compatibility/2006">
+        <mc:Choice xmlns:a14="http://schemas.microsoft.com/office/drawing/2010/main" Requires="a14">
           <p:sp>
             <p:nvSpPr>
               <p:cNvPr id="3" name="Content Placeholder 2"/>
@@ -4402,7 +4402,15 @@
               <a:p>
                 <a:r>
                   <a:rPr lang="en-US" dirty="0"/>
-                  <a:t>We care about growth in effort given growth in input; i.e., what is the marginal cost to increase n to n+1?</a:t>
+                  <a:t>We care about growth in effort, given growth in input; i.e., what is the marginal cost when increasing </a:t>
+                </a:r>
+                <a:r>
+                  <a:rPr lang="en-US"/>
+                  <a:t>input size </a:t>
+                </a:r>
+                <a:r>
+                  <a:rPr lang="en-US" dirty="0"/>
+                  <a:t>n to n+1?</a:t>
                 </a:r>
               </a:p>
               <a:p>
@@ -4803,7 +4811,7 @@
             </p:txBody>
           </p:sp>
         </mc:Choice>
-        <mc:Fallback xmlns="">
+        <mc:Fallback>
           <p:sp>
             <p:nvSpPr>
               <p:cNvPr id="3" name="Content Placeholder 2"/>
@@ -4818,7 +4826,7 @@
               <a:blipFill>
                 <a:blip r:embed="rId2"/>
                 <a:stretch>
-                  <a:fillRect l="-1086" t="-3198" r="-2051"/>
+                  <a:fillRect l="-1086" t="-3198"/>
                 </a:stretch>
               </a:blipFill>
             </p:spPr>
@@ -5282,8 +5290,8 @@
           </a:p>
         </p:txBody>
       </p:sp>
-      <mc:AlternateContent xmlns:mc="http://schemas.openxmlformats.org/markup-compatibility/2006">
-        <mc:Choice xmlns:a14="http://schemas.microsoft.com/office/drawing/2010/main" Requires="a14">
+      <mc:AlternateContent xmlns:mc="http://schemas.openxmlformats.org/markup-compatibility/2006" xmlns:a14="http://schemas.microsoft.com/office/drawing/2010/main">
+        <mc:Choice Requires="a14">
           <p:sp>
             <p:nvSpPr>
               <p:cNvPr id="3" name="Content Placeholder 2">
@@ -5422,7 +5430,7 @@
             </p:txBody>
           </p:sp>
         </mc:Choice>
-        <mc:Fallback>
+        <mc:Fallback xmlns="">
           <p:sp>
             <p:nvSpPr>
               <p:cNvPr id="3" name="Content Placeholder 2">
@@ -5554,8 +5562,8 @@
           </a:p>
         </p:txBody>
       </p:sp>
-      <mc:AlternateContent xmlns:mc="http://schemas.openxmlformats.org/markup-compatibility/2006">
-        <mc:Choice xmlns:a14="http://schemas.microsoft.com/office/drawing/2010/main" Requires="a14">
+      <mc:AlternateContent xmlns:mc="http://schemas.openxmlformats.org/markup-compatibility/2006" xmlns:a14="http://schemas.microsoft.com/office/drawing/2010/main">
+        <mc:Choice Requires="a14">
           <p:sp>
             <p:nvSpPr>
               <p:cNvPr id="3" name="Content Placeholder 2">
@@ -5646,7 +5654,7 @@
             </p:txBody>
           </p:sp>
         </mc:Choice>
-        <mc:Fallback>
+        <mc:Fallback xmlns="">
           <p:sp>
             <p:nvSpPr>
               <p:cNvPr id="3" name="Content Placeholder 2">
@@ -5856,8 +5864,8 @@
           </a:p>
         </p:txBody>
       </p:sp>
-      <mc:AlternateContent xmlns:mc="http://schemas.openxmlformats.org/markup-compatibility/2006">
-        <mc:Choice xmlns:a14="http://schemas.microsoft.com/office/drawing/2010/main" Requires="a14">
+      <mc:AlternateContent xmlns:mc="http://schemas.openxmlformats.org/markup-compatibility/2006" xmlns:a14="http://schemas.microsoft.com/office/drawing/2010/main">
+        <mc:Choice Requires="a14">
           <p:sp>
             <p:nvSpPr>
               <p:cNvPr id="6" name="TextBox 5">
@@ -5908,7 +5916,7 @@
             </p:txBody>
           </p:sp>
         </mc:Choice>
-        <mc:Fallback>
+        <mc:Fallback xmlns="">
           <p:sp>
             <p:nvSpPr>
               <p:cNvPr id="6" name="TextBox 5">
@@ -5953,8 +5961,8 @@
           </p:sp>
         </mc:Fallback>
       </mc:AlternateContent>
-      <mc:AlternateContent xmlns:mc="http://schemas.openxmlformats.org/markup-compatibility/2006">
-        <mc:Choice xmlns:a14="http://schemas.microsoft.com/office/drawing/2010/main" Requires="a14">
+      <mc:AlternateContent xmlns:mc="http://schemas.openxmlformats.org/markup-compatibility/2006" xmlns:a14="http://schemas.microsoft.com/office/drawing/2010/main">
+        <mc:Choice Requires="a14">
           <p:sp>
             <p:nvSpPr>
               <p:cNvPr id="7" name="TextBox 6">
@@ -6110,13 +6118,7 @@
                                   <a:rPr lang="en-US" sz="2600" b="0" i="1" smtClean="0">
                                     <a:latin typeface="Cambria Math" panose="02040503050406030204" pitchFamily="18" charset="0"/>
                                   </a:rPr>
-                                  <m:t>𝑛</m:t>
-                                </m:r>
-                                <m:r>
-                                  <a:rPr lang="en-US" sz="2600" b="0" i="1" smtClean="0">
-                                    <a:latin typeface="Cambria Math" panose="02040503050406030204" pitchFamily="18" charset="0"/>
-                                  </a:rPr>
-                                  <m:t>𝑐</m:t>
+                                  <m:t>𝑛𝑐</m:t>
                                 </m:r>
                                 <m:r>
                                   <a:rPr lang="en-US" sz="2600" b="0" i="1" smtClean="0">
@@ -6219,7 +6221,7 @@
             </p:txBody>
           </p:sp>
         </mc:Choice>
-        <mc:Fallback>
+        <mc:Fallback xmlns="">
           <p:sp>
             <p:nvSpPr>
               <p:cNvPr id="7" name="TextBox 6">
@@ -6309,8 +6311,8 @@
           </a:fontRef>
         </p:style>
       </p:cxnSp>
-      <mc:AlternateContent xmlns:mc="http://schemas.openxmlformats.org/markup-compatibility/2006">
-        <mc:Choice xmlns:a14="http://schemas.microsoft.com/office/drawing/2010/main" Requires="a14">
+      <mc:AlternateContent xmlns:mc="http://schemas.openxmlformats.org/markup-compatibility/2006" xmlns:a14="http://schemas.microsoft.com/office/drawing/2010/main">
+        <mc:Choice Requires="a14">
           <p:sp>
             <p:nvSpPr>
               <p:cNvPr id="10" name="TextBox 9">
@@ -6560,7 +6562,7 @@
             </p:txBody>
           </p:sp>
         </mc:Choice>
-        <mc:Fallback>
+        <mc:Fallback xmlns="">
           <p:sp>
             <p:nvSpPr>
               <p:cNvPr id="10" name="TextBox 9">
@@ -7446,8 +7448,8 @@
           </a:p>
         </p:txBody>
       </p:sp>
-      <mc:AlternateContent xmlns:mc="http://schemas.openxmlformats.org/markup-compatibility/2006">
-        <mc:Choice xmlns:a14="http://schemas.microsoft.com/office/drawing/2010/main" Requires="a14">
+      <mc:AlternateContent xmlns:mc="http://schemas.openxmlformats.org/markup-compatibility/2006" xmlns:a14="http://schemas.microsoft.com/office/drawing/2010/main">
+        <mc:Choice Requires="a14">
           <p:sp>
             <p:nvSpPr>
               <p:cNvPr id="3" name="Content Placeholder 2"/>
@@ -7762,7 +7764,7 @@
             </p:txBody>
           </p:sp>
         </mc:Choice>
-        <mc:Fallback>
+        <mc:Fallback xmlns="">
           <p:sp>
             <p:nvSpPr>
               <p:cNvPr id="3" name="Content Placeholder 2"/>
@@ -8017,8 +8019,8 @@
           </a:p>
         </p:txBody>
       </p:sp>
-      <mc:AlternateContent xmlns:mc="http://schemas.openxmlformats.org/markup-compatibility/2006">
-        <mc:Choice xmlns:a14="http://schemas.microsoft.com/office/drawing/2010/main" Requires="a14">
+      <mc:AlternateContent xmlns:mc="http://schemas.openxmlformats.org/markup-compatibility/2006" xmlns:a14="http://schemas.microsoft.com/office/drawing/2010/main">
+        <mc:Choice Requires="a14">
           <p:sp>
             <p:nvSpPr>
               <p:cNvPr id="8" name="Content Placeholder 2"/>
@@ -8420,7 +8422,7 @@
             </p:txBody>
           </p:sp>
         </mc:Choice>
-        <mc:Fallback>
+        <mc:Fallback xmlns="">
           <p:sp>
             <p:nvSpPr>
               <p:cNvPr id="8" name="Content Placeholder 2"/>
@@ -8738,8 +8740,8 @@
           </a:p>
         </p:txBody>
       </p:sp>
-      <mc:AlternateContent xmlns:mc="http://schemas.openxmlformats.org/markup-compatibility/2006">
-        <mc:Choice xmlns:a14="http://schemas.microsoft.com/office/drawing/2010/main" Requires="a14">
+      <mc:AlternateContent xmlns:mc="http://schemas.openxmlformats.org/markup-compatibility/2006" xmlns:a14="http://schemas.microsoft.com/office/drawing/2010/main">
+        <mc:Choice Requires="a14">
           <p:sp>
             <p:nvSpPr>
               <p:cNvPr id="3" name="Content Placeholder 2"/>
@@ -9383,7 +9385,7 @@
             </p:txBody>
           </p:sp>
         </mc:Choice>
-        <mc:Fallback>
+        <mc:Fallback xmlns="">
           <p:sp>
             <p:nvSpPr>
               <p:cNvPr id="3" name="Content Placeholder 2"/>
@@ -13110,8 +13112,8 @@
           </a:p>
         </p:txBody>
       </p:sp>
-      <mc:AlternateContent xmlns:mc="http://schemas.openxmlformats.org/markup-compatibility/2006">
-        <mc:Choice xmlns:a14="http://schemas.microsoft.com/office/drawing/2010/main" Requires="a14">
+      <mc:AlternateContent xmlns:mc="http://schemas.openxmlformats.org/markup-compatibility/2006" xmlns:a14="http://schemas.microsoft.com/office/drawing/2010/main">
+        <mc:Choice Requires="a14">
           <p:sp>
             <p:nvSpPr>
               <p:cNvPr id="3" name="Content Placeholder 2"/>
@@ -13267,7 +13269,7 @@
             </p:txBody>
           </p:sp>
         </mc:Choice>
-        <mc:Fallback>
+        <mc:Fallback xmlns="">
           <p:sp>
             <p:nvSpPr>
               <p:cNvPr id="3" name="Content Placeholder 2"/>
@@ -15529,8 +15531,8 @@
           </a:p>
         </p:txBody>
       </p:sp>
-      <mc:AlternateContent xmlns:mc="http://schemas.openxmlformats.org/markup-compatibility/2006">
-        <mc:Choice xmlns:a14="http://schemas.microsoft.com/office/drawing/2010/main" Requires="a14">
+      <mc:AlternateContent xmlns:mc="http://schemas.openxmlformats.org/markup-compatibility/2006" xmlns:a14="http://schemas.microsoft.com/office/drawing/2010/main">
+        <mc:Choice Requires="a14">
           <p:graphicFrame>
             <p:nvGraphicFramePr>
               <p:cNvPr id="4" name="Content Placeholder 3"/>
@@ -17596,7 +17598,7 @@
             </a:graphic>
           </p:graphicFrame>
         </mc:Choice>
-        <mc:Fallback>
+        <mc:Fallback xmlns="">
           <p:graphicFrame>
             <p:nvGraphicFramePr>
               <p:cNvPr id="4" name="Content Placeholder 3"/>
@@ -19364,8 +19366,8 @@
           <a:chExt cx="0" cy="0"/>
         </a:xfrm>
       </p:grpSpPr>
-      <mc:AlternateContent xmlns:mc="http://schemas.openxmlformats.org/markup-compatibility/2006">
-        <mc:Choice xmlns:a14="http://schemas.microsoft.com/office/drawing/2010/main" Requires="a14">
+      <mc:AlternateContent xmlns:mc="http://schemas.openxmlformats.org/markup-compatibility/2006" xmlns:a14="http://schemas.microsoft.com/office/drawing/2010/main">
+        <mc:Choice Requires="a14">
           <p:graphicFrame>
             <p:nvGraphicFramePr>
               <p:cNvPr id="4" name="Content Placeholder 3"/>
@@ -20717,7 +20719,7 @@
             </a:graphic>
           </p:graphicFrame>
         </mc:Choice>
-        <mc:Fallback>
+        <mc:Fallback xmlns="">
           <p:graphicFrame>
             <p:nvGraphicFramePr>
               <p:cNvPr id="4" name="Content Placeholder 3"/>
@@ -22335,8 +22337,8 @@
           </a:p>
         </p:txBody>
       </p:sp>
-      <mc:AlternateContent xmlns:mc="http://schemas.openxmlformats.org/markup-compatibility/2006">
-        <mc:Choice xmlns:a14="http://schemas.microsoft.com/office/drawing/2010/main" Requires="a14">
+      <mc:AlternateContent xmlns:mc="http://schemas.openxmlformats.org/markup-compatibility/2006" xmlns:a14="http://schemas.microsoft.com/office/drawing/2010/main">
+        <mc:Choice Requires="a14">
           <p:sp>
             <p:nvSpPr>
               <p:cNvPr id="8" name="Content Placeholder 2">
@@ -22651,7 +22653,7 @@
             </p:txBody>
           </p:sp>
         </mc:Choice>
-        <mc:Fallback>
+        <mc:Fallback xmlns="">
           <p:sp>
             <p:nvSpPr>
               <p:cNvPr id="8" name="Content Placeholder 2">
@@ -22931,8 +22933,8 @@
           </a:extLst>
         </p:spPr>
       </p:pic>
-      <mc:AlternateContent xmlns:mc="http://schemas.openxmlformats.org/markup-compatibility/2006">
-        <mc:Choice xmlns:a14="http://schemas.microsoft.com/office/drawing/2010/main" Requires="a14">
+      <mc:AlternateContent xmlns:mc="http://schemas.openxmlformats.org/markup-compatibility/2006" xmlns:a14="http://schemas.microsoft.com/office/drawing/2010/main">
+        <mc:Choice Requires="a14">
           <p:sp>
             <p:nvSpPr>
               <p:cNvPr id="6" name="Content Placeholder 2">
@@ -23778,7 +23780,7 @@
             </p:txBody>
           </p:sp>
         </mc:Choice>
-        <mc:Fallback>
+        <mc:Fallback xmlns="">
           <p:sp>
             <p:nvSpPr>
               <p:cNvPr id="6" name="Content Placeholder 2">
@@ -25612,7 +25614,7 @@
         <p:spPr>
           <a:xfrm>
             <a:off x="9801546" y="4182254"/>
-            <a:ext cx="2339102" cy="923330"/>
+            <a:ext cx="2403222" cy="923330"/>
           </a:xfrm>
           <a:prstGeom prst="rect">
             <a:avLst/>
@@ -25639,15 +25641,7 @@
           <a:p>
             <a:r>
               <a:rPr lang="en-US" dirty="0"/>
-              <a:t>at or below O(n </a:t>
-            </a:r>
-            <a:r>
-              <a:rPr lang="en-US" dirty="0" err="1"/>
-              <a:t>logn</a:t>
-            </a:r>
-            <a:r>
-              <a:rPr lang="en-US" dirty="0"/>
-              <a:t>)</a:t>
+              <a:t>at or below O(n log n)</a:t>
             </a:r>
           </a:p>
         </p:txBody>

--- a/notes/complexity.pptx
+++ b/notes/complexity.pptx
@@ -231,7 +231,7 @@
           <a:p>
             <a:fld id="{8A1B613A-EFF1-404F-BEE8-EFAE84A4E5E2}" type="datetimeFigureOut">
               <a:rPr lang="en-US" smtClean="0"/>
-              <a:t>2/3/22</a:t>
+              <a:t>2/10/22</a:t>
             </a:fld>
             <a:endParaRPr lang="en-US"/>
           </a:p>
@@ -396,7 +396,7 @@
           <a:p>
             <a:fld id="{690847EA-AC25-3D4E-89E1-FD3F6A9702B6}" type="datetimeFigureOut">
               <a:rPr lang="en-US" smtClean="0"/>
-              <a:t>2/3/22</a:t>
+              <a:t>2/10/22</a:t>
             </a:fld>
             <a:endParaRPr lang="en-US"/>
           </a:p>
@@ -1072,7 +1072,7 @@
           <a:p>
             <a:fld id="{BE5295ED-3BAF-1140-8495-3D368771D6B1}" type="datetimeFigureOut">
               <a:rPr lang="en-US" smtClean="0"/>
-              <a:t>2/3/22</a:t>
+              <a:t>2/10/22</a:t>
             </a:fld>
             <a:endParaRPr lang="en-US"/>
           </a:p>
@@ -1270,7 +1270,7 @@
           <a:p>
             <a:fld id="{BE5295ED-3BAF-1140-8495-3D368771D6B1}" type="datetimeFigureOut">
               <a:rPr lang="en-US" smtClean="0"/>
-              <a:t>2/3/22</a:t>
+              <a:t>2/10/22</a:t>
             </a:fld>
             <a:endParaRPr lang="en-US"/>
           </a:p>
@@ -1478,7 +1478,7 @@
           <a:p>
             <a:fld id="{BE5295ED-3BAF-1140-8495-3D368771D6B1}" type="datetimeFigureOut">
               <a:rPr lang="en-US" smtClean="0"/>
-              <a:t>2/3/22</a:t>
+              <a:t>2/10/22</a:t>
             </a:fld>
             <a:endParaRPr lang="en-US"/>
           </a:p>
@@ -1681,7 +1681,7 @@
           <a:p>
             <a:fld id="{BE5295ED-3BAF-1140-8495-3D368771D6B1}" type="datetimeFigureOut">
               <a:rPr lang="en-US" smtClean="0"/>
-              <a:t>2/3/22</a:t>
+              <a:t>2/10/22</a:t>
             </a:fld>
             <a:endParaRPr lang="en-US"/>
           </a:p>
@@ -1956,7 +1956,7 @@
           <a:p>
             <a:fld id="{BE5295ED-3BAF-1140-8495-3D368771D6B1}" type="datetimeFigureOut">
               <a:rPr lang="en-US" smtClean="0"/>
-              <a:t>2/3/22</a:t>
+              <a:t>2/10/22</a:t>
             </a:fld>
             <a:endParaRPr lang="en-US"/>
           </a:p>
@@ -2221,7 +2221,7 @@
           <a:p>
             <a:fld id="{BE5295ED-3BAF-1140-8495-3D368771D6B1}" type="datetimeFigureOut">
               <a:rPr lang="en-US" smtClean="0"/>
-              <a:t>2/3/22</a:t>
+              <a:t>2/10/22</a:t>
             </a:fld>
             <a:endParaRPr lang="en-US"/>
           </a:p>
@@ -2633,7 +2633,7 @@
           <a:p>
             <a:fld id="{BE5295ED-3BAF-1140-8495-3D368771D6B1}" type="datetimeFigureOut">
               <a:rPr lang="en-US" smtClean="0"/>
-              <a:t>2/3/22</a:t>
+              <a:t>2/10/22</a:t>
             </a:fld>
             <a:endParaRPr lang="en-US"/>
           </a:p>
@@ -2774,7 +2774,7 @@
           <a:p>
             <a:fld id="{BE5295ED-3BAF-1140-8495-3D368771D6B1}" type="datetimeFigureOut">
               <a:rPr lang="en-US" smtClean="0"/>
-              <a:t>2/3/22</a:t>
+              <a:t>2/10/22</a:t>
             </a:fld>
             <a:endParaRPr lang="en-US"/>
           </a:p>
@@ -2887,7 +2887,7 @@
           <a:p>
             <a:fld id="{BE5295ED-3BAF-1140-8495-3D368771D6B1}" type="datetimeFigureOut">
               <a:rPr lang="en-US" smtClean="0"/>
-              <a:t>2/3/22</a:t>
+              <a:t>2/10/22</a:t>
             </a:fld>
             <a:endParaRPr lang="en-US"/>
           </a:p>
@@ -3198,7 +3198,7 @@
           <a:p>
             <a:fld id="{BE5295ED-3BAF-1140-8495-3D368771D6B1}" type="datetimeFigureOut">
               <a:rPr lang="en-US" smtClean="0"/>
-              <a:t>2/3/22</a:t>
+              <a:t>2/10/22</a:t>
             </a:fld>
             <a:endParaRPr lang="en-US"/>
           </a:p>
@@ -3489,7 +3489,7 @@
           <a:p>
             <a:fld id="{BE5295ED-3BAF-1140-8495-3D368771D6B1}" type="datetimeFigureOut">
               <a:rPr lang="en-US" smtClean="0"/>
-              <a:t>2/3/22</a:t>
+              <a:t>2/10/22</a:t>
             </a:fld>
             <a:endParaRPr lang="en-US"/>
           </a:p>
@@ -3734,7 +3734,7 @@
           <a:p>
             <a:fld id="{BE5295ED-3BAF-1140-8495-3D368771D6B1}" type="datetimeFigureOut">
               <a:rPr lang="en-US" smtClean="0"/>
-              <a:t>2/3/22</a:t>
+              <a:t>2/10/22</a:t>
             </a:fld>
             <a:endParaRPr lang="en-US"/>
           </a:p>
@@ -4381,8 +4381,8 @@
           </a:p>
         </p:txBody>
       </p:sp>
-      <mc:AlternateContent xmlns:mc="http://schemas.openxmlformats.org/markup-compatibility/2006">
-        <mc:Choice xmlns:a14="http://schemas.microsoft.com/office/drawing/2010/main" Requires="a14">
+      <mc:AlternateContent xmlns:mc="http://schemas.openxmlformats.org/markup-compatibility/2006" xmlns:a14="http://schemas.microsoft.com/office/drawing/2010/main">
+        <mc:Choice Requires="a14">
           <p:sp>
             <p:nvSpPr>
               <p:cNvPr id="3" name="Content Placeholder 2"/>
@@ -4811,7 +4811,7 @@
             </p:txBody>
           </p:sp>
         </mc:Choice>
-        <mc:Fallback>
+        <mc:Fallback xmlns="">
           <p:sp>
             <p:nvSpPr>
               <p:cNvPr id="3" name="Content Placeholder 2"/>
@@ -8019,8 +8019,8 @@
           </a:p>
         </p:txBody>
       </p:sp>
-      <mc:AlternateContent xmlns:mc="http://schemas.openxmlformats.org/markup-compatibility/2006" xmlns:a14="http://schemas.microsoft.com/office/drawing/2010/main">
-        <mc:Choice Requires="a14">
+      <mc:AlternateContent xmlns:mc="http://schemas.openxmlformats.org/markup-compatibility/2006">
+        <mc:Choice xmlns:a14="http://schemas.microsoft.com/office/drawing/2010/main" Requires="a14">
           <p:sp>
             <p:nvSpPr>
               <p:cNvPr id="8" name="Content Placeholder 2"/>
@@ -8166,6 +8166,12 @@
                       <m:e>
                         <m:r>
                           <a:rPr lang="en-US" b="0" i="1" smtClean="0">
+                            <a:latin typeface="Cambria Math" panose="02040503050406030204" pitchFamily="18" charset="0"/>
+                          </a:rPr>
+                          <m:t>(</m:t>
+                        </m:r>
+                        <m:r>
+                          <a:rPr lang="en-US" b="0" i="1" smtClean="0">
                             <a:latin typeface="Cambria Math" charset="0"/>
                           </a:rPr>
                           <m:t>1+</m:t>
@@ -8214,6 +8220,12 @@
                             <a:latin typeface="Cambria Math" charset="0"/>
                           </a:rPr>
                           <m:t>𝑜𝑝𝑒𝑟𝑎𝑡𝑖𝑜𝑛</m:t>
+                        </m:r>
+                        <m:r>
+                          <a:rPr lang="en-US" b="0" i="1" smtClean="0">
+                            <a:latin typeface="Cambria Math" panose="02040503050406030204" pitchFamily="18" charset="0"/>
+                          </a:rPr>
+                          <m:t>)</m:t>
                         </m:r>
                       </m:e>
                     </m:nary>
@@ -8422,7 +8434,7 @@
             </p:txBody>
           </p:sp>
         </mc:Choice>
-        <mc:Fallback xmlns="">
+        <mc:Fallback>
           <p:sp>
             <p:nvSpPr>
               <p:cNvPr id="8" name="Content Placeholder 2"/>
@@ -8740,8 +8752,8 @@
           </a:p>
         </p:txBody>
       </p:sp>
-      <mc:AlternateContent xmlns:mc="http://schemas.openxmlformats.org/markup-compatibility/2006" xmlns:a14="http://schemas.microsoft.com/office/drawing/2010/main">
-        <mc:Choice Requires="a14">
+      <mc:AlternateContent xmlns:mc="http://schemas.openxmlformats.org/markup-compatibility/2006">
+        <mc:Choice xmlns:a14="http://schemas.microsoft.com/office/drawing/2010/main" Requires="a14">
           <p:sp>
             <p:nvSpPr>
               <p:cNvPr id="3" name="Content Placeholder 2"/>
@@ -9050,6 +9062,12 @@
                       </m:sup>
                       <m:e>
                         <m:r>
+                          <a:rPr lang="en-US" b="0" i="1" smtClean="0">
+                            <a:latin typeface="Cambria Math" panose="02040503050406030204" pitchFamily="18" charset="0"/>
+                          </a:rPr>
+                          <m:t>(</m:t>
+                        </m:r>
+                        <m:r>
                           <a:rPr lang="en-US" i="1" smtClean="0">
                             <a:latin typeface="Cambria Math" charset="0"/>
                           </a:rPr>
@@ -9099,6 +9117,12 @@
                             <a:latin typeface="Cambria Math" charset="0"/>
                           </a:rPr>
                           <m:t>𝑜𝑝𝑒𝑟𝑎𝑡𝑖𝑜𝑛</m:t>
+                        </m:r>
+                        <m:r>
+                          <a:rPr lang="en-US" b="0" i="1" smtClean="0">
+                            <a:latin typeface="Cambria Math" panose="02040503050406030204" pitchFamily="18" charset="0"/>
+                          </a:rPr>
+                          <m:t>)</m:t>
                         </m:r>
                       </m:e>
                     </m:nary>
@@ -9385,7 +9409,7 @@
             </p:txBody>
           </p:sp>
         </mc:Choice>
-        <mc:Fallback xmlns="">
+        <mc:Fallback>
           <p:sp>
             <p:nvSpPr>
               <p:cNvPr id="3" name="Content Placeholder 2"/>
